--- a/Presentation/DistributedFileSystems_Cipri.pptx
+++ b/Presentation/DistributedFileSystems_Cipri.pptx
@@ -5,21 +5,23 @@
     <p:sldMasterId id="2147483648" r:id="rId1"/>
   </p:sldMasterIdLst>
   <p:notesMasterIdLst>
-    <p:notesMasterId r:id="rId14"/>
+    <p:notesMasterId r:id="rId16"/>
   </p:notesMasterIdLst>
   <p:sldIdLst>
-    <p:sldId id="256" r:id="rId2"/>
+    <p:sldId id="268" r:id="rId2"/>
     <p:sldId id="267" r:id="rId3"/>
-    <p:sldId id="257" r:id="rId4"/>
-    <p:sldId id="258" r:id="rId5"/>
-    <p:sldId id="259" r:id="rId6"/>
-    <p:sldId id="260" r:id="rId7"/>
-    <p:sldId id="261" r:id="rId8"/>
-    <p:sldId id="262" r:id="rId9"/>
-    <p:sldId id="263" r:id="rId10"/>
-    <p:sldId id="264" r:id="rId11"/>
-    <p:sldId id="265" r:id="rId12"/>
-    <p:sldId id="266" r:id="rId13"/>
+    <p:sldId id="269" r:id="rId4"/>
+    <p:sldId id="270" r:id="rId5"/>
+    <p:sldId id="257" r:id="rId6"/>
+    <p:sldId id="258" r:id="rId7"/>
+    <p:sldId id="259" r:id="rId8"/>
+    <p:sldId id="260" r:id="rId9"/>
+    <p:sldId id="261" r:id="rId10"/>
+    <p:sldId id="262" r:id="rId11"/>
+    <p:sldId id="263" r:id="rId12"/>
+    <p:sldId id="264" r:id="rId13"/>
+    <p:sldId id="265" r:id="rId14"/>
+    <p:sldId id="266" r:id="rId15"/>
   </p:sldIdLst>
   <p:sldSz cx="12192000" cy="6858000"/>
   <p:notesSz cx="6858000" cy="9144000"/>
@@ -367,7 +369,7 @@
           <a:p>
             <a:fld id="{05D483A0-A07F-4EB6-885A-09B34B74D24D}" type="slidenum">
               <a:rPr lang="de-DE" smtClean="0"/>
-              <a:t>‹Nr.›</a:t>
+              <a:t>‹#›</a:t>
             </a:fld>
             <a:endParaRPr lang="de-DE"/>
           </a:p>
@@ -550,7 +552,7 @@
     </p:spTree>
     <p:extLst>
       <p:ext uri="{BB962C8B-B14F-4D97-AF65-F5344CB8AC3E}">
-        <p14:creationId xmlns:p14="http://schemas.microsoft.com/office/powerpoint/2010/main" val="2138355475"/>
+        <p14:creationId xmlns:p14="http://schemas.microsoft.com/office/powerpoint/2010/main" val="485508537"/>
       </p:ext>
     </p:extLst>
   </p:cSld>
@@ -634,7 +636,7 @@
     </p:spTree>
     <p:extLst>
       <p:ext uri="{BB962C8B-B14F-4D97-AF65-F5344CB8AC3E}">
-        <p14:creationId xmlns:p14="http://schemas.microsoft.com/office/powerpoint/2010/main" val="853881351"/>
+        <p14:creationId xmlns:p14="http://schemas.microsoft.com/office/powerpoint/2010/main" val="3360599392"/>
       </p:ext>
     </p:extLst>
   </p:cSld>
@@ -710,6 +712,174 @@
             <a:fld id="{05D483A0-A07F-4EB6-885A-09B34B74D24D}" type="slidenum">
               <a:rPr lang="de-DE" smtClean="0"/>
               <a:t>11</a:t>
+            </a:fld>
+            <a:endParaRPr lang="de-DE"/>
+          </a:p>
+        </p:txBody>
+      </p:sp>
+    </p:spTree>
+    <p:extLst>
+      <p:ext uri="{BB962C8B-B14F-4D97-AF65-F5344CB8AC3E}">
+        <p14:creationId xmlns:p14="http://schemas.microsoft.com/office/powerpoint/2010/main" val="3821180486"/>
+      </p:ext>
+    </p:extLst>
+  </p:cSld>
+  <p:clrMapOvr>
+    <a:masterClrMapping/>
+  </p:clrMapOvr>
+</p:notes>
+</file>
+
+<file path=ppt/notesSlides/notesSlide12.xml><?xml version="1.0" encoding="utf-8"?>
+<p:notes xmlns:a="http://schemas.openxmlformats.org/drawingml/2006/main" xmlns:r="http://schemas.openxmlformats.org/officeDocument/2006/relationships" xmlns:p="http://schemas.openxmlformats.org/presentationml/2006/main">
+  <p:cSld>
+    <p:spTree>
+      <p:nvGrpSpPr>
+        <p:cNvPr id="1" name=""/>
+        <p:cNvGrpSpPr/>
+        <p:nvPr/>
+      </p:nvGrpSpPr>
+      <p:grpSpPr>
+        <a:xfrm>
+          <a:off x="0" y="0"/>
+          <a:ext cx="0" cy="0"/>
+          <a:chOff x="0" y="0"/>
+          <a:chExt cx="0" cy="0"/>
+        </a:xfrm>
+      </p:grpSpPr>
+      <p:sp>
+        <p:nvSpPr>
+          <p:cNvPr id="2" name="Folienbildplatzhalter 1"/>
+          <p:cNvSpPr>
+            <a:spLocks noGrp="1" noRot="1" noChangeAspect="1"/>
+          </p:cNvSpPr>
+          <p:nvPr>
+            <p:ph type="sldImg"/>
+          </p:nvPr>
+        </p:nvSpPr>
+        <p:spPr/>
+      </p:sp>
+      <p:sp>
+        <p:nvSpPr>
+          <p:cNvPr id="3" name="Notizenplatzhalter 2"/>
+          <p:cNvSpPr>
+            <a:spLocks noGrp="1"/>
+          </p:cNvSpPr>
+          <p:nvPr>
+            <p:ph type="body" idx="1"/>
+          </p:nvPr>
+        </p:nvSpPr>
+        <p:spPr/>
+        <p:txBody>
+          <a:bodyPr/>
+          <a:lstStyle/>
+          <a:p>
+            <a:endParaRPr lang="de-DE"/>
+          </a:p>
+        </p:txBody>
+      </p:sp>
+      <p:sp>
+        <p:nvSpPr>
+          <p:cNvPr id="4" name="Foliennummernplatzhalter 3"/>
+          <p:cNvSpPr>
+            <a:spLocks noGrp="1"/>
+          </p:cNvSpPr>
+          <p:nvPr>
+            <p:ph type="sldNum" sz="quarter" idx="10"/>
+          </p:nvPr>
+        </p:nvSpPr>
+        <p:spPr/>
+        <p:txBody>
+          <a:bodyPr/>
+          <a:lstStyle/>
+          <a:p>
+            <a:fld id="{05D483A0-A07F-4EB6-885A-09B34B74D24D}" type="slidenum">
+              <a:rPr lang="de-DE" smtClean="0"/>
+              <a:t>12</a:t>
+            </a:fld>
+            <a:endParaRPr lang="de-DE"/>
+          </a:p>
+        </p:txBody>
+      </p:sp>
+    </p:spTree>
+    <p:extLst>
+      <p:ext uri="{BB962C8B-B14F-4D97-AF65-F5344CB8AC3E}">
+        <p14:creationId xmlns:p14="http://schemas.microsoft.com/office/powerpoint/2010/main" val="853881351"/>
+      </p:ext>
+    </p:extLst>
+  </p:cSld>
+  <p:clrMapOvr>
+    <a:masterClrMapping/>
+  </p:clrMapOvr>
+</p:notes>
+</file>
+
+<file path=ppt/notesSlides/notesSlide13.xml><?xml version="1.0" encoding="utf-8"?>
+<p:notes xmlns:a="http://schemas.openxmlformats.org/drawingml/2006/main" xmlns:r="http://schemas.openxmlformats.org/officeDocument/2006/relationships" xmlns:p="http://schemas.openxmlformats.org/presentationml/2006/main">
+  <p:cSld>
+    <p:spTree>
+      <p:nvGrpSpPr>
+        <p:cNvPr id="1" name=""/>
+        <p:cNvGrpSpPr/>
+        <p:nvPr/>
+      </p:nvGrpSpPr>
+      <p:grpSpPr>
+        <a:xfrm>
+          <a:off x="0" y="0"/>
+          <a:ext cx="0" cy="0"/>
+          <a:chOff x="0" y="0"/>
+          <a:chExt cx="0" cy="0"/>
+        </a:xfrm>
+      </p:grpSpPr>
+      <p:sp>
+        <p:nvSpPr>
+          <p:cNvPr id="2" name="Folienbildplatzhalter 1"/>
+          <p:cNvSpPr>
+            <a:spLocks noGrp="1" noRot="1" noChangeAspect="1"/>
+          </p:cNvSpPr>
+          <p:nvPr>
+            <p:ph type="sldImg"/>
+          </p:nvPr>
+        </p:nvSpPr>
+        <p:spPr/>
+      </p:sp>
+      <p:sp>
+        <p:nvSpPr>
+          <p:cNvPr id="3" name="Notizenplatzhalter 2"/>
+          <p:cNvSpPr>
+            <a:spLocks noGrp="1"/>
+          </p:cNvSpPr>
+          <p:nvPr>
+            <p:ph type="body" idx="1"/>
+          </p:nvPr>
+        </p:nvSpPr>
+        <p:spPr/>
+        <p:txBody>
+          <a:bodyPr/>
+          <a:lstStyle/>
+          <a:p>
+            <a:endParaRPr lang="de-DE"/>
+          </a:p>
+        </p:txBody>
+      </p:sp>
+      <p:sp>
+        <p:nvSpPr>
+          <p:cNvPr id="4" name="Foliennummernplatzhalter 3"/>
+          <p:cNvSpPr>
+            <a:spLocks noGrp="1"/>
+          </p:cNvSpPr>
+          <p:nvPr>
+            <p:ph type="sldNum" sz="quarter" idx="10"/>
+          </p:nvPr>
+        </p:nvSpPr>
+        <p:spPr/>
+        <p:txBody>
+          <a:bodyPr/>
+          <a:lstStyle/>
+          <a:p>
+            <a:fld id="{05D483A0-A07F-4EB6-885A-09B34B74D24D}" type="slidenum">
+              <a:rPr lang="de-DE" smtClean="0"/>
+              <a:t>13</a:t>
             </a:fld>
             <a:endParaRPr lang="de-DE"/>
           </a:p>
@@ -886,7 +1056,7 @@
     </p:spTree>
     <p:extLst>
       <p:ext uri="{BB962C8B-B14F-4D97-AF65-F5344CB8AC3E}">
-        <p14:creationId xmlns:p14="http://schemas.microsoft.com/office/powerpoint/2010/main" val="1121049544"/>
+        <p14:creationId xmlns:p14="http://schemas.microsoft.com/office/powerpoint/2010/main" val="2775243451"/>
       </p:ext>
     </p:extLst>
   </p:cSld>
@@ -970,7 +1140,7 @@
     </p:spTree>
     <p:extLst>
       <p:ext uri="{BB962C8B-B14F-4D97-AF65-F5344CB8AC3E}">
-        <p14:creationId xmlns:p14="http://schemas.microsoft.com/office/powerpoint/2010/main" val="1731349510"/>
+        <p14:creationId xmlns:p14="http://schemas.microsoft.com/office/powerpoint/2010/main" val="4102248721"/>
       </p:ext>
     </p:extLst>
   </p:cSld>
@@ -1054,7 +1224,7 @@
     </p:spTree>
     <p:extLst>
       <p:ext uri="{BB962C8B-B14F-4D97-AF65-F5344CB8AC3E}">
-        <p14:creationId xmlns:p14="http://schemas.microsoft.com/office/powerpoint/2010/main" val="129341058"/>
+        <p14:creationId xmlns:p14="http://schemas.microsoft.com/office/powerpoint/2010/main" val="1121049544"/>
       </p:ext>
     </p:extLst>
   </p:cSld>
@@ -1138,7 +1308,7 @@
     </p:spTree>
     <p:extLst>
       <p:ext uri="{BB962C8B-B14F-4D97-AF65-F5344CB8AC3E}">
-        <p14:creationId xmlns:p14="http://schemas.microsoft.com/office/powerpoint/2010/main" val="3570817664"/>
+        <p14:creationId xmlns:p14="http://schemas.microsoft.com/office/powerpoint/2010/main" val="1731349510"/>
       </p:ext>
     </p:extLst>
   </p:cSld>
@@ -1222,7 +1392,7 @@
     </p:spTree>
     <p:extLst>
       <p:ext uri="{BB962C8B-B14F-4D97-AF65-F5344CB8AC3E}">
-        <p14:creationId xmlns:p14="http://schemas.microsoft.com/office/powerpoint/2010/main" val="174957884"/>
+        <p14:creationId xmlns:p14="http://schemas.microsoft.com/office/powerpoint/2010/main" val="129341058"/>
       </p:ext>
     </p:extLst>
   </p:cSld>
@@ -1306,7 +1476,7 @@
     </p:spTree>
     <p:extLst>
       <p:ext uri="{BB962C8B-B14F-4D97-AF65-F5344CB8AC3E}">
-        <p14:creationId xmlns:p14="http://schemas.microsoft.com/office/powerpoint/2010/main" val="3360599392"/>
+        <p14:creationId xmlns:p14="http://schemas.microsoft.com/office/powerpoint/2010/main" val="3570817664"/>
       </p:ext>
     </p:extLst>
   </p:cSld>
@@ -1390,7 +1560,7 @@
     </p:spTree>
     <p:extLst>
       <p:ext uri="{BB962C8B-B14F-4D97-AF65-F5344CB8AC3E}">
-        <p14:creationId xmlns:p14="http://schemas.microsoft.com/office/powerpoint/2010/main" val="3821180486"/>
+        <p14:creationId xmlns:p14="http://schemas.microsoft.com/office/powerpoint/2010/main" val="174957884"/>
       </p:ext>
     </p:extLst>
   </p:cSld>
@@ -1605,7 +1775,7 @@
           <a:p>
             <a:fld id="{040C66D9-7A85-4BE2-A0FF-5810B1E5E09A}" type="slidenum">
               <a:rPr lang="de-DE" smtClean="0"/>
-              <a:t>‹Nr.›</a:t>
+              <a:t>‹#›</a:t>
             </a:fld>
             <a:endParaRPr lang="de-DE"/>
           </a:p>
@@ -1858,7 +2028,7 @@
           <a:p>
             <a:fld id="{040C66D9-7A85-4BE2-A0FF-5810B1E5E09A}" type="slidenum">
               <a:rPr lang="de-DE" smtClean="0"/>
-              <a:t>‹Nr.›</a:t>
+              <a:t>‹#›</a:t>
             </a:fld>
             <a:endParaRPr lang="de-DE"/>
           </a:p>
@@ -2038,7 +2208,7 @@
           <a:p>
             <a:fld id="{040C66D9-7A85-4BE2-A0FF-5810B1E5E09A}" type="slidenum">
               <a:rPr lang="de-DE" smtClean="0"/>
-              <a:t>‹Nr.›</a:t>
+              <a:t>‹#›</a:t>
             </a:fld>
             <a:endParaRPr lang="de-DE"/>
           </a:p>
@@ -2243,7 +2413,7 @@
           <a:p>
             <a:fld id="{040C66D9-7A85-4BE2-A0FF-5810B1E5E09A}" type="slidenum">
               <a:rPr lang="de-DE" smtClean="0"/>
-              <a:t>‹Nr.›</a:t>
+              <a:t>‹#›</a:t>
             </a:fld>
             <a:endParaRPr lang="de-DE" dirty="0"/>
           </a:p>
@@ -2519,7 +2689,7 @@
           <a:p>
             <a:fld id="{040C66D9-7A85-4BE2-A0FF-5810B1E5E09A}" type="slidenum">
               <a:rPr lang="de-DE" smtClean="0"/>
-              <a:t>‹Nr.›</a:t>
+              <a:t>‹#›</a:t>
             </a:fld>
             <a:endParaRPr lang="de-DE"/>
           </a:p>
@@ -2751,7 +2921,7 @@
           <a:p>
             <a:fld id="{040C66D9-7A85-4BE2-A0FF-5810B1E5E09A}" type="slidenum">
               <a:rPr lang="de-DE" smtClean="0"/>
-              <a:t>‹Nr.›</a:t>
+              <a:t>‹#›</a:t>
             </a:fld>
             <a:endParaRPr lang="de-DE"/>
           </a:p>
@@ -3122,7 +3292,7 @@
           <a:p>
             <a:fld id="{040C66D9-7A85-4BE2-A0FF-5810B1E5E09A}" type="slidenum">
               <a:rPr lang="de-DE" smtClean="0"/>
-              <a:t>‹Nr.›</a:t>
+              <a:t>‹#›</a:t>
             </a:fld>
             <a:endParaRPr lang="de-DE"/>
           </a:p>
@@ -3270,7 +3440,7 @@
           <a:p>
             <a:fld id="{040C66D9-7A85-4BE2-A0FF-5810B1E5E09A}" type="slidenum">
               <a:rPr lang="de-DE" smtClean="0"/>
-              <a:t>‹Nr.›</a:t>
+              <a:t>‹#›</a:t>
             </a:fld>
             <a:endParaRPr lang="de-DE"/>
           </a:p>
@@ -3365,7 +3535,7 @@
           <a:p>
             <a:fld id="{040C66D9-7A85-4BE2-A0FF-5810B1E5E09A}" type="slidenum">
               <a:rPr lang="de-DE" smtClean="0"/>
-              <a:t>‹Nr.›</a:t>
+              <a:t>‹#›</a:t>
             </a:fld>
             <a:endParaRPr lang="de-DE"/>
           </a:p>
@@ -3642,7 +3812,7 @@
           <a:p>
             <a:fld id="{040C66D9-7A85-4BE2-A0FF-5810B1E5E09A}" type="slidenum">
               <a:rPr lang="de-DE" smtClean="0"/>
-              <a:t>‹Nr.›</a:t>
+              <a:t>‹#›</a:t>
             </a:fld>
             <a:endParaRPr lang="de-DE"/>
           </a:p>
@@ -3895,7 +4065,7 @@
           <a:p>
             <a:fld id="{040C66D9-7A85-4BE2-A0FF-5810B1E5E09A}" type="slidenum">
               <a:rPr lang="de-DE" smtClean="0"/>
-              <a:t>‹Nr.›</a:t>
+              <a:t>‹#›</a:t>
             </a:fld>
             <a:endParaRPr lang="de-DE"/>
           </a:p>
@@ -4144,7 +4314,7 @@
           <a:p>
             <a:fld id="{040C66D9-7A85-4BE2-A0FF-5810B1E5E09A}" type="slidenum">
               <a:rPr lang="de-DE" smtClean="0"/>
-              <a:t>‹Nr.›</a:t>
+              <a:t>‹#›</a:t>
             </a:fld>
             <a:endParaRPr lang="de-DE"/>
           </a:p>
@@ -4512,11 +4682,7 @@
             </a:r>
             <a:r>
               <a:rPr lang="de-DE" b="1" dirty="0" smtClean="0"/>
-              <a:t>vs</a:t>
-            </a:r>
-            <a:r>
-              <a:rPr lang="de-DE" b="1" dirty="0" smtClean="0"/>
-              <a:t>. </a:t>
+              <a:t>vs. </a:t>
             </a:r>
             <a:r>
               <a:rPr lang="de-DE" dirty="0" smtClean="0">
@@ -4549,29 +4715,31 @@
         </p:nvSpPr>
         <p:spPr/>
         <p:txBody>
-          <a:bodyPr/>
-          <a:lstStyle/>
-          <a:p>
-            <a:r>
-              <a:rPr lang="de-DE" dirty="0" err="1" smtClean="0"/>
+          <a:bodyPr>
+            <a:normAutofit/>
+          </a:bodyPr>
+          <a:lstStyle/>
+          <a:p>
+            <a:r>
+              <a:rPr lang="de-DE" sz="2800" dirty="0" err="1" smtClean="0"/>
               <a:t>Ciprian</a:t>
             </a:r>
             <a:r>
-              <a:rPr lang="de-DE" dirty="0" smtClean="0"/>
+              <a:rPr lang="de-DE" sz="2800" dirty="0" smtClean="0"/>
               <a:t> </a:t>
             </a:r>
             <a:r>
-              <a:rPr lang="de-DE" dirty="0" err="1" smtClean="0"/>
+              <a:rPr lang="de-DE" sz="2800" dirty="0" err="1" smtClean="0"/>
               <a:t>Lucaci</a:t>
             </a:r>
-            <a:endParaRPr lang="de-DE" dirty="0" smtClean="0"/>
-          </a:p>
-          <a:p>
-            <a:r>
-              <a:rPr lang="de-DE" dirty="0" smtClean="0"/>
+            <a:endParaRPr lang="de-DE" sz="2800" dirty="0" smtClean="0"/>
+          </a:p>
+          <a:p>
+            <a:r>
+              <a:rPr lang="de-DE" sz="2800" dirty="0" smtClean="0"/>
               <a:t>Daniel Straub</a:t>
             </a:r>
-            <a:endParaRPr lang="de-DE" dirty="0"/>
+            <a:endParaRPr lang="de-DE" sz="2800" dirty="0"/>
           </a:p>
         </p:txBody>
       </p:sp>
@@ -4593,7 +4761,7 @@
         </p:spPr>
         <p:txBody>
           <a:bodyPr>
-            <a:normAutofit/>
+            <a:noAutofit/>
           </a:bodyPr>
           <a:lstStyle>
             <a:lvl1pPr marL="0" indent="0" algn="ctr">
@@ -4613,25 +4781,25 @@
           <a:p>
             <a:pPr lvl="0"/>
             <a:r>
-              <a:rPr lang="de-DE" dirty="0" smtClean="0"/>
+              <a:rPr lang="de-DE" sz="2000" dirty="0" smtClean="0"/>
               <a:t>Seminar: Internet-</a:t>
             </a:r>
             <a:r>
-              <a:rPr lang="de-DE" dirty="0" err="1" smtClean="0"/>
+              <a:rPr lang="de-DE" sz="2000" dirty="0" err="1" smtClean="0"/>
               <a:t>scale</a:t>
             </a:r>
             <a:r>
-              <a:rPr lang="de-DE" dirty="0" smtClean="0"/>
+              <a:rPr lang="de-DE" sz="2000" dirty="0" smtClean="0"/>
               <a:t> Distributed Systems</a:t>
             </a:r>
-            <a:endParaRPr lang="de-DE" dirty="0"/>
+            <a:endParaRPr lang="de-DE" sz="2000" dirty="0"/>
           </a:p>
         </p:txBody>
       </p:sp>
     </p:spTree>
     <p:extLst>
       <p:ext uri="{BB962C8B-B14F-4D97-AF65-F5344CB8AC3E}">
-        <p14:creationId xmlns:p14="http://schemas.microsoft.com/office/powerpoint/2010/main" val="2945146464"/>
+        <p14:creationId xmlns:p14="http://schemas.microsoft.com/office/powerpoint/2010/main" val="564748073"/>
       </p:ext>
     </p:extLst>
   </p:cSld>
@@ -4681,90 +4849,6 @@
           <a:lstStyle/>
           <a:p>
             <a:r>
-              <a:rPr lang="de-DE" dirty="0" err="1" smtClean="0"/>
-              <a:t>Usage</a:t>
-            </a:r>
-            <a:r>
-              <a:rPr lang="de-DE" dirty="0" smtClean="0"/>
-              <a:t> </a:t>
-            </a:r>
-            <a:r>
-              <a:rPr lang="de-DE" dirty="0" err="1" smtClean="0"/>
-              <a:t>examples</a:t>
-            </a:r>
-            <a:endParaRPr lang="de-DE" dirty="0"/>
-          </a:p>
-        </p:txBody>
-      </p:sp>
-      <p:sp>
-        <p:nvSpPr>
-          <p:cNvPr id="6" name="Textplatzhalter 5"/>
-          <p:cNvSpPr>
-            <a:spLocks noGrp="1"/>
-          </p:cNvSpPr>
-          <p:nvPr>
-            <p:ph type="body" idx="1"/>
-          </p:nvPr>
-        </p:nvSpPr>
-        <p:spPr/>
-        <p:txBody>
-          <a:bodyPr/>
-          <a:lstStyle/>
-          <a:p>
-            <a:r>
-              <a:rPr lang="de-DE" dirty="0">
-                <a:solidFill>
-                  <a:srgbClr val="00B0F0"/>
-                </a:solidFill>
-                <a:effectLst>
-                  <a:outerShdw blurRad="38100" dist="38100" dir="2700000" algn="tl">
-                    <a:srgbClr val="000000">
-                      <a:alpha val="43137"/>
-                    </a:srgbClr>
-                  </a:outerShdw>
-                </a:effectLst>
-              </a:rPr>
-              <a:t>HDFS</a:t>
-            </a:r>
-            <a:endParaRPr lang="de-DE" dirty="0"/>
-          </a:p>
-        </p:txBody>
-      </p:sp>
-      <p:sp>
-        <p:nvSpPr>
-          <p:cNvPr id="7" name="Inhaltsplatzhalter 6"/>
-          <p:cNvSpPr>
-            <a:spLocks noGrp="1"/>
-          </p:cNvSpPr>
-          <p:nvPr>
-            <p:ph sz="half" idx="2"/>
-          </p:nvPr>
-        </p:nvSpPr>
-        <p:spPr/>
-        <p:txBody>
-          <a:bodyPr/>
-          <a:lstStyle/>
-          <a:p>
-            <a:endParaRPr lang="de-DE"/>
-          </a:p>
-        </p:txBody>
-      </p:sp>
-      <p:sp>
-        <p:nvSpPr>
-          <p:cNvPr id="8" name="Textplatzhalter 7"/>
-          <p:cNvSpPr>
-            <a:spLocks noGrp="1"/>
-          </p:cNvSpPr>
-          <p:nvPr>
-            <p:ph type="body" sz="quarter" idx="3"/>
-          </p:nvPr>
-        </p:nvSpPr>
-        <p:spPr/>
-        <p:txBody>
-          <a:bodyPr/>
-          <a:lstStyle/>
-          <a:p>
-            <a:r>
               <a:rPr lang="de-DE" dirty="0" smtClean="0">
                 <a:solidFill>
                   <a:srgbClr val="00B050"/>
@@ -4779,18 +4863,38 @@
               </a:rPr>
               <a:t>GFS</a:t>
             </a:r>
+            <a:r>
+              <a:rPr lang="de-DE" dirty="0" smtClean="0">
+                <a:effectLst>
+                  <a:outerShdw blurRad="38100" dist="38100" dir="2700000" algn="tl">
+                    <a:srgbClr val="000000">
+                      <a:alpha val="43137"/>
+                    </a:srgbClr>
+                  </a:outerShdw>
+                </a:effectLst>
+              </a:rPr>
+              <a:t> </a:t>
+            </a:r>
+            <a:r>
+              <a:rPr lang="de-DE" dirty="0" smtClean="0"/>
+              <a:t>- </a:t>
+            </a:r>
+            <a:r>
+              <a:rPr lang="de-DE" dirty="0" err="1" smtClean="0"/>
+              <a:t>Purpose</a:t>
+            </a:r>
             <a:endParaRPr lang="de-DE" dirty="0"/>
           </a:p>
         </p:txBody>
       </p:sp>
       <p:sp>
         <p:nvSpPr>
-          <p:cNvPr id="9" name="Inhaltsplatzhalter 8"/>
-          <p:cNvSpPr>
-            <a:spLocks noGrp="1"/>
-          </p:cNvSpPr>
-          <p:nvPr>
-            <p:ph sz="quarter" idx="4"/>
+          <p:cNvPr id="3" name="Inhaltsplatzhalter 2"/>
+          <p:cNvSpPr>
+            <a:spLocks noGrp="1"/>
+          </p:cNvSpPr>
+          <p:nvPr>
+            <p:ph idx="1"/>
           </p:nvPr>
         </p:nvSpPr>
         <p:spPr/>
@@ -4857,7 +4961,7 @@
     </p:spTree>
     <p:extLst>
       <p:ext uri="{BB962C8B-B14F-4D97-AF65-F5344CB8AC3E}">
-        <p14:creationId xmlns:p14="http://schemas.microsoft.com/office/powerpoint/2010/main" val="3871792151"/>
+        <p14:creationId xmlns:p14="http://schemas.microsoft.com/office/powerpoint/2010/main" val="4157981273"/>
       </p:ext>
     </p:extLst>
   </p:cSld>
@@ -4907,8 +5011,73 @@
           <a:lstStyle/>
           <a:p>
             <a:r>
+              <a:rPr lang="de-DE" dirty="0">
+                <a:solidFill>
+                  <a:srgbClr val="00B0F0"/>
+                </a:solidFill>
+                <a:effectLst>
+                  <a:outerShdw blurRad="38100" dist="38100" dir="2700000" algn="tl">
+                    <a:srgbClr val="000000">
+                      <a:alpha val="43137"/>
+                    </a:srgbClr>
+                  </a:outerShdw>
+                </a:effectLst>
+              </a:rPr>
+              <a:t>HDFS </a:t>
+            </a:r>
+            <a:r>
+              <a:rPr lang="de-DE" dirty="0" smtClean="0"/>
+              <a:t>vs. </a:t>
+            </a:r>
+            <a:r>
+              <a:rPr lang="de-DE" dirty="0" smtClean="0">
+                <a:solidFill>
+                  <a:srgbClr val="00B050"/>
+                </a:solidFill>
+                <a:effectLst>
+                  <a:outerShdw blurRad="38100" dist="38100" dir="2700000" algn="tl">
+                    <a:srgbClr val="000000">
+                      <a:alpha val="43137"/>
+                    </a:srgbClr>
+                  </a:outerShdw>
+                </a:effectLst>
+              </a:rPr>
+              <a:t>GFS</a:t>
+            </a:r>
+            <a:r>
+              <a:rPr lang="de-DE" dirty="0" smtClean="0">
+                <a:effectLst>
+                  <a:outerShdw blurRad="38100" dist="38100" dir="2700000" algn="tl">
+                    <a:srgbClr val="000000">
+                      <a:alpha val="43137"/>
+                    </a:srgbClr>
+                  </a:outerShdw>
+                </a:effectLst>
+              </a:rPr>
+              <a:t> </a:t>
+            </a:r>
+            <a:endParaRPr lang="de-DE" dirty="0"/>
+          </a:p>
+        </p:txBody>
+      </p:sp>
+      <p:sp>
+        <p:nvSpPr>
+          <p:cNvPr id="6" name="Textplatzhalter 5"/>
+          <p:cNvSpPr>
+            <a:spLocks noGrp="1"/>
+          </p:cNvSpPr>
+          <p:nvPr>
+            <p:ph type="body" idx="1"/>
+          </p:nvPr>
+        </p:nvSpPr>
+        <p:spPr/>
+        <p:txBody>
+          <a:bodyPr/>
+          <a:lstStyle/>
+          <a:p>
+            <a:r>
               <a:rPr lang="de-DE" dirty="0" err="1" smtClean="0"/>
-              <a:t>Conclusion</a:t>
+              <a:t>Similarities</a:t>
             </a:r>
             <a:endParaRPr lang="de-DE" dirty="0"/>
           </a:p>
@@ -4916,12 +5085,54 @@
       </p:sp>
       <p:sp>
         <p:nvSpPr>
-          <p:cNvPr id="3" name="Inhaltsplatzhalter 2"/>
-          <p:cNvSpPr>
-            <a:spLocks noGrp="1"/>
-          </p:cNvSpPr>
-          <p:nvPr>
-            <p:ph idx="1"/>
+          <p:cNvPr id="7" name="Inhaltsplatzhalter 6"/>
+          <p:cNvSpPr>
+            <a:spLocks noGrp="1"/>
+          </p:cNvSpPr>
+          <p:nvPr>
+            <p:ph sz="half" idx="2"/>
+          </p:nvPr>
+        </p:nvSpPr>
+        <p:spPr/>
+        <p:txBody>
+          <a:bodyPr/>
+          <a:lstStyle/>
+          <a:p>
+            <a:endParaRPr lang="de-DE" dirty="0"/>
+          </a:p>
+        </p:txBody>
+      </p:sp>
+      <p:sp>
+        <p:nvSpPr>
+          <p:cNvPr id="8" name="Textplatzhalter 7"/>
+          <p:cNvSpPr>
+            <a:spLocks noGrp="1"/>
+          </p:cNvSpPr>
+          <p:nvPr>
+            <p:ph type="body" sz="quarter" idx="3"/>
+          </p:nvPr>
+        </p:nvSpPr>
+        <p:spPr/>
+        <p:txBody>
+          <a:bodyPr/>
+          <a:lstStyle/>
+          <a:p>
+            <a:r>
+              <a:rPr lang="de-DE" dirty="0" err="1" smtClean="0"/>
+              <a:t>Differences</a:t>
+            </a:r>
+            <a:endParaRPr lang="de-DE" dirty="0"/>
+          </a:p>
+        </p:txBody>
+      </p:sp>
+      <p:sp>
+        <p:nvSpPr>
+          <p:cNvPr id="9" name="Inhaltsplatzhalter 8"/>
+          <p:cNvSpPr>
+            <a:spLocks noGrp="1"/>
+          </p:cNvSpPr>
+          <p:nvPr>
+            <p:ph sz="quarter" idx="4"/>
           </p:nvPr>
         </p:nvSpPr>
         <p:spPr/>
@@ -4988,7 +5199,7 @@
     </p:spTree>
     <p:extLst>
       <p:ext uri="{BB962C8B-B14F-4D97-AF65-F5344CB8AC3E}">
-        <p14:creationId xmlns:p14="http://schemas.microsoft.com/office/powerpoint/2010/main" val="1244465175"/>
+        <p14:creationId xmlns:p14="http://schemas.microsoft.com/office/powerpoint/2010/main" val="4136378654"/>
       </p:ext>
     </p:extLst>
   </p:cSld>
@@ -5038,8 +5249,16 @@
           <a:lstStyle/>
           <a:p>
             <a:r>
+              <a:rPr lang="de-DE" dirty="0" err="1" smtClean="0"/>
+              <a:t>Usage</a:t>
+            </a:r>
+            <a:r>
               <a:rPr lang="de-DE" dirty="0" smtClean="0"/>
-              <a:t>References</a:t>
+              <a:t> </a:t>
+            </a:r>
+            <a:r>
+              <a:rPr lang="de-DE" dirty="0" err="1" smtClean="0"/>
+              <a:t>examples</a:t>
             </a:r>
             <a:endParaRPr lang="de-DE" dirty="0"/>
           </a:p>
@@ -5047,12 +5266,12 @@
       </p:sp>
       <p:sp>
         <p:nvSpPr>
-          <p:cNvPr id="3" name="Inhaltsplatzhalter 2"/>
-          <p:cNvSpPr>
-            <a:spLocks noGrp="1"/>
-          </p:cNvSpPr>
-          <p:nvPr>
-            <p:ph idx="1"/>
+          <p:cNvPr id="6" name="Textplatzhalter 5"/>
+          <p:cNvSpPr>
+            <a:spLocks noGrp="1"/>
+          </p:cNvSpPr>
+          <p:nvPr>
+            <p:ph type="body" idx="1"/>
           </p:nvPr>
         </p:nvSpPr>
         <p:spPr/>
@@ -5075,22 +5294,43 @@
               </a:rPr>
               <a:t>HDFS</a:t>
             </a:r>
-            <a:endParaRPr lang="de-DE" dirty="0" smtClean="0"/>
-          </a:p>
-          <a:p>
-            <a:pPr lvl="1"/>
-            <a:r>
-              <a:rPr lang="de-DE" dirty="0" smtClean="0"/>
-              <a:t>s</a:t>
-            </a:r>
             <a:endParaRPr lang="de-DE" dirty="0"/>
           </a:p>
-          <a:p>
-            <a:endParaRPr lang="de-DE" dirty="0" smtClean="0"/>
-          </a:p>
-          <a:p>
-            <a:endParaRPr lang="de-DE" dirty="0" smtClean="0"/>
-          </a:p>
+        </p:txBody>
+      </p:sp>
+      <p:sp>
+        <p:nvSpPr>
+          <p:cNvPr id="7" name="Inhaltsplatzhalter 6"/>
+          <p:cNvSpPr>
+            <a:spLocks noGrp="1"/>
+          </p:cNvSpPr>
+          <p:nvPr>
+            <p:ph sz="half" idx="2"/>
+          </p:nvPr>
+        </p:nvSpPr>
+        <p:spPr/>
+        <p:txBody>
+          <a:bodyPr/>
+          <a:lstStyle/>
+          <a:p>
+            <a:endParaRPr lang="de-DE"/>
+          </a:p>
+        </p:txBody>
+      </p:sp>
+      <p:sp>
+        <p:nvSpPr>
+          <p:cNvPr id="8" name="Textplatzhalter 7"/>
+          <p:cNvSpPr>
+            <a:spLocks noGrp="1"/>
+          </p:cNvSpPr>
+          <p:nvPr>
+            <p:ph type="body" sz="quarter" idx="3"/>
+          </p:nvPr>
+        </p:nvSpPr>
+        <p:spPr/>
+        <p:txBody>
+          <a:bodyPr/>
+          <a:lstStyle/>
           <a:p>
             <a:r>
               <a:rPr lang="de-DE" dirty="0" smtClean="0">
@@ -5107,6 +5347,334 @@
               </a:rPr>
               <a:t>GFS</a:t>
             </a:r>
+            <a:endParaRPr lang="de-DE" dirty="0"/>
+          </a:p>
+        </p:txBody>
+      </p:sp>
+      <p:sp>
+        <p:nvSpPr>
+          <p:cNvPr id="9" name="Inhaltsplatzhalter 8"/>
+          <p:cNvSpPr>
+            <a:spLocks noGrp="1"/>
+          </p:cNvSpPr>
+          <p:nvPr>
+            <p:ph sz="quarter" idx="4"/>
+          </p:nvPr>
+        </p:nvSpPr>
+        <p:spPr/>
+        <p:txBody>
+          <a:bodyPr/>
+          <a:lstStyle/>
+          <a:p>
+            <a:endParaRPr lang="de-DE" dirty="0"/>
+          </a:p>
+        </p:txBody>
+      </p:sp>
+      <p:sp>
+        <p:nvSpPr>
+          <p:cNvPr id="4" name="Fußzeilenplatzhalter 3"/>
+          <p:cNvSpPr>
+            <a:spLocks noGrp="1"/>
+          </p:cNvSpPr>
+          <p:nvPr>
+            <p:ph type="ftr" sz="quarter" idx="11"/>
+          </p:nvPr>
+        </p:nvSpPr>
+        <p:spPr/>
+        <p:txBody>
+          <a:bodyPr/>
+          <a:lstStyle/>
+          <a:p>
+            <a:r>
+              <a:rPr lang="de-DE" smtClean="0"/>
+              <a:t>File Systems: GFS vs. Hadoop</a:t>
+            </a:r>
+          </a:p>
+          <a:p>
+            <a:r>
+              <a:rPr lang="de-DE" smtClean="0"/>
+              <a:t>Ciprian Lucaci and Daniel Straub</a:t>
+            </a:r>
+            <a:endParaRPr lang="de-DE" dirty="0"/>
+          </a:p>
+        </p:txBody>
+      </p:sp>
+      <p:sp>
+        <p:nvSpPr>
+          <p:cNvPr id="5" name="Foliennummernplatzhalter 4"/>
+          <p:cNvSpPr>
+            <a:spLocks noGrp="1"/>
+          </p:cNvSpPr>
+          <p:nvPr>
+            <p:ph type="sldNum" sz="quarter" idx="12"/>
+          </p:nvPr>
+        </p:nvSpPr>
+        <p:spPr/>
+        <p:txBody>
+          <a:bodyPr/>
+          <a:lstStyle/>
+          <a:p>
+            <a:fld id="{040C66D9-7A85-4BE2-A0FF-5810B1E5E09A}" type="slidenum">
+              <a:rPr lang="de-DE" smtClean="0"/>
+              <a:t>12</a:t>
+            </a:fld>
+            <a:endParaRPr lang="de-DE" dirty="0"/>
+          </a:p>
+        </p:txBody>
+      </p:sp>
+    </p:spTree>
+    <p:extLst>
+      <p:ext uri="{BB962C8B-B14F-4D97-AF65-F5344CB8AC3E}">
+        <p14:creationId xmlns:p14="http://schemas.microsoft.com/office/powerpoint/2010/main" val="3871792151"/>
+      </p:ext>
+    </p:extLst>
+  </p:cSld>
+  <p:clrMapOvr>
+    <a:masterClrMapping/>
+  </p:clrMapOvr>
+  <p:timing>
+    <p:tnLst>
+      <p:par>
+        <p:cTn id="1" dur="indefinite" restart="never" nodeType="tmRoot"/>
+      </p:par>
+    </p:tnLst>
+  </p:timing>
+</p:sld>
+</file>
+
+<file path=ppt/slides/slide13.xml><?xml version="1.0" encoding="utf-8"?>
+<p:sld xmlns:a="http://schemas.openxmlformats.org/drawingml/2006/main" xmlns:r="http://schemas.openxmlformats.org/officeDocument/2006/relationships" xmlns:p="http://schemas.openxmlformats.org/presentationml/2006/main">
+  <p:cSld>
+    <p:spTree>
+      <p:nvGrpSpPr>
+        <p:cNvPr id="1" name=""/>
+        <p:cNvGrpSpPr/>
+        <p:nvPr/>
+      </p:nvGrpSpPr>
+      <p:grpSpPr>
+        <a:xfrm>
+          <a:off x="0" y="0"/>
+          <a:ext cx="0" cy="0"/>
+          <a:chOff x="0" y="0"/>
+          <a:chExt cx="0" cy="0"/>
+        </a:xfrm>
+      </p:grpSpPr>
+      <p:sp>
+        <p:nvSpPr>
+          <p:cNvPr id="2" name="Titel 1"/>
+          <p:cNvSpPr>
+            <a:spLocks noGrp="1"/>
+          </p:cNvSpPr>
+          <p:nvPr>
+            <p:ph type="title"/>
+          </p:nvPr>
+        </p:nvSpPr>
+        <p:spPr/>
+        <p:txBody>
+          <a:bodyPr/>
+          <a:lstStyle/>
+          <a:p>
+            <a:r>
+              <a:rPr lang="de-DE" dirty="0" err="1" smtClean="0"/>
+              <a:t>Conclusion</a:t>
+            </a:r>
+            <a:endParaRPr lang="de-DE" dirty="0"/>
+          </a:p>
+        </p:txBody>
+      </p:sp>
+      <p:sp>
+        <p:nvSpPr>
+          <p:cNvPr id="3" name="Inhaltsplatzhalter 2"/>
+          <p:cNvSpPr>
+            <a:spLocks noGrp="1"/>
+          </p:cNvSpPr>
+          <p:nvPr>
+            <p:ph idx="1"/>
+          </p:nvPr>
+        </p:nvSpPr>
+        <p:spPr/>
+        <p:txBody>
+          <a:bodyPr/>
+          <a:lstStyle/>
+          <a:p>
+            <a:endParaRPr lang="de-DE" dirty="0"/>
+          </a:p>
+        </p:txBody>
+      </p:sp>
+      <p:sp>
+        <p:nvSpPr>
+          <p:cNvPr id="4" name="Fußzeilenplatzhalter 3"/>
+          <p:cNvSpPr>
+            <a:spLocks noGrp="1"/>
+          </p:cNvSpPr>
+          <p:nvPr>
+            <p:ph type="ftr" sz="quarter" idx="11"/>
+          </p:nvPr>
+        </p:nvSpPr>
+        <p:spPr/>
+        <p:txBody>
+          <a:bodyPr/>
+          <a:lstStyle/>
+          <a:p>
+            <a:r>
+              <a:rPr lang="de-DE" smtClean="0"/>
+              <a:t>File Systems: GFS vs. Hadoop</a:t>
+            </a:r>
+          </a:p>
+          <a:p>
+            <a:r>
+              <a:rPr lang="de-DE" smtClean="0"/>
+              <a:t>Ciprian Lucaci and Daniel Straub</a:t>
+            </a:r>
+            <a:endParaRPr lang="de-DE" dirty="0"/>
+          </a:p>
+        </p:txBody>
+      </p:sp>
+      <p:sp>
+        <p:nvSpPr>
+          <p:cNvPr id="5" name="Foliennummernplatzhalter 4"/>
+          <p:cNvSpPr>
+            <a:spLocks noGrp="1"/>
+          </p:cNvSpPr>
+          <p:nvPr>
+            <p:ph type="sldNum" sz="quarter" idx="12"/>
+          </p:nvPr>
+        </p:nvSpPr>
+        <p:spPr/>
+        <p:txBody>
+          <a:bodyPr/>
+          <a:lstStyle/>
+          <a:p>
+            <a:fld id="{040C66D9-7A85-4BE2-A0FF-5810B1E5E09A}" type="slidenum">
+              <a:rPr lang="de-DE" smtClean="0"/>
+              <a:t>13</a:t>
+            </a:fld>
+            <a:endParaRPr lang="de-DE" dirty="0"/>
+          </a:p>
+        </p:txBody>
+      </p:sp>
+    </p:spTree>
+    <p:extLst>
+      <p:ext uri="{BB962C8B-B14F-4D97-AF65-F5344CB8AC3E}">
+        <p14:creationId xmlns:p14="http://schemas.microsoft.com/office/powerpoint/2010/main" val="1244465175"/>
+      </p:ext>
+    </p:extLst>
+  </p:cSld>
+  <p:clrMapOvr>
+    <a:masterClrMapping/>
+  </p:clrMapOvr>
+  <p:timing>
+    <p:tnLst>
+      <p:par>
+        <p:cTn id="1" dur="indefinite" restart="never" nodeType="tmRoot"/>
+      </p:par>
+    </p:tnLst>
+  </p:timing>
+</p:sld>
+</file>
+
+<file path=ppt/slides/slide14.xml><?xml version="1.0" encoding="utf-8"?>
+<p:sld xmlns:a="http://schemas.openxmlformats.org/drawingml/2006/main" xmlns:r="http://schemas.openxmlformats.org/officeDocument/2006/relationships" xmlns:p="http://schemas.openxmlformats.org/presentationml/2006/main">
+  <p:cSld>
+    <p:spTree>
+      <p:nvGrpSpPr>
+        <p:cNvPr id="1" name=""/>
+        <p:cNvGrpSpPr/>
+        <p:nvPr/>
+      </p:nvGrpSpPr>
+      <p:grpSpPr>
+        <a:xfrm>
+          <a:off x="0" y="0"/>
+          <a:ext cx="0" cy="0"/>
+          <a:chOff x="0" y="0"/>
+          <a:chExt cx="0" cy="0"/>
+        </a:xfrm>
+      </p:grpSpPr>
+      <p:sp>
+        <p:nvSpPr>
+          <p:cNvPr id="2" name="Titel 1"/>
+          <p:cNvSpPr>
+            <a:spLocks noGrp="1"/>
+          </p:cNvSpPr>
+          <p:nvPr>
+            <p:ph type="title"/>
+          </p:nvPr>
+        </p:nvSpPr>
+        <p:spPr/>
+        <p:txBody>
+          <a:bodyPr/>
+          <a:lstStyle/>
+          <a:p>
+            <a:r>
+              <a:rPr lang="de-DE" dirty="0" smtClean="0"/>
+              <a:t>References</a:t>
+            </a:r>
+            <a:endParaRPr lang="de-DE" dirty="0"/>
+          </a:p>
+        </p:txBody>
+      </p:sp>
+      <p:sp>
+        <p:nvSpPr>
+          <p:cNvPr id="3" name="Inhaltsplatzhalter 2"/>
+          <p:cNvSpPr>
+            <a:spLocks noGrp="1"/>
+          </p:cNvSpPr>
+          <p:nvPr>
+            <p:ph idx="1"/>
+          </p:nvPr>
+        </p:nvSpPr>
+        <p:spPr/>
+        <p:txBody>
+          <a:bodyPr/>
+          <a:lstStyle/>
+          <a:p>
+            <a:r>
+              <a:rPr lang="de-DE" dirty="0">
+                <a:solidFill>
+                  <a:srgbClr val="00B0F0"/>
+                </a:solidFill>
+                <a:effectLst>
+                  <a:outerShdw blurRad="38100" dist="38100" dir="2700000" algn="tl">
+                    <a:srgbClr val="000000">
+                      <a:alpha val="43137"/>
+                    </a:srgbClr>
+                  </a:outerShdw>
+                </a:effectLst>
+              </a:rPr>
+              <a:t>HDFS</a:t>
+            </a:r>
+            <a:endParaRPr lang="de-DE" dirty="0" smtClean="0"/>
+          </a:p>
+          <a:p>
+            <a:pPr lvl="1"/>
+            <a:r>
+              <a:rPr lang="de-DE" dirty="0" smtClean="0"/>
+              <a:t>s</a:t>
+            </a:r>
+            <a:endParaRPr lang="de-DE" dirty="0"/>
+          </a:p>
+          <a:p>
+            <a:endParaRPr lang="de-DE" dirty="0" smtClean="0"/>
+          </a:p>
+          <a:p>
+            <a:endParaRPr lang="de-DE" dirty="0" smtClean="0"/>
+          </a:p>
+          <a:p>
+            <a:r>
+              <a:rPr lang="de-DE" dirty="0" smtClean="0">
+                <a:solidFill>
+                  <a:srgbClr val="00B050"/>
+                </a:solidFill>
+                <a:effectLst>
+                  <a:outerShdw blurRad="38100" dist="38100" dir="2700000" algn="tl">
+                    <a:srgbClr val="000000">
+                      <a:alpha val="43137"/>
+                    </a:srgbClr>
+                  </a:outerShdw>
+                </a:effectLst>
+              </a:rPr>
+              <a:t>GFS</a:t>
+            </a:r>
             <a:endParaRPr lang="de-DE" dirty="0" smtClean="0"/>
           </a:p>
           <a:p>
@@ -5164,7 +5732,7 @@
           <a:p>
             <a:fld id="{040C66D9-7A85-4BE2-A0FF-5810B1E5E09A}" type="slidenum">
               <a:rPr lang="de-DE" smtClean="0"/>
-              <a:t>12</a:t>
+              <a:t>14</a:t>
             </a:fld>
             <a:endParaRPr lang="de-DE" dirty="0"/>
           </a:p>
@@ -5240,20 +5808,122 @@
       </p:sp>
       <p:sp>
         <p:nvSpPr>
-          <p:cNvPr id="3" name="Inhaltsplatzhalter 2"/>
-          <p:cNvSpPr>
-            <a:spLocks noGrp="1"/>
-          </p:cNvSpPr>
-          <p:nvPr>
-            <p:ph idx="1"/>
-          </p:nvPr>
-        </p:nvSpPr>
-        <p:spPr/>
-        <p:txBody>
-          <a:bodyPr/>
-          <a:lstStyle/>
-          <a:p>
-            <a:endParaRPr lang="de-DE" dirty="0"/>
+          <p:cNvPr id="6" name="Text Placeholder 5"/>
+          <p:cNvSpPr>
+            <a:spLocks noGrp="1"/>
+          </p:cNvSpPr>
+          <p:nvPr>
+            <p:ph type="body" idx="1"/>
+          </p:nvPr>
+        </p:nvSpPr>
+        <p:spPr/>
+        <p:txBody>
+          <a:bodyPr/>
+          <a:lstStyle/>
+          <a:p>
+            <a:r>
+              <a:rPr lang="en-US" dirty="0" smtClean="0"/>
+              <a:t>The problem</a:t>
+            </a:r>
+            <a:endParaRPr lang="en-US" dirty="0"/>
+          </a:p>
+        </p:txBody>
+      </p:sp>
+      <p:sp>
+        <p:nvSpPr>
+          <p:cNvPr id="7" name="Content Placeholder 6"/>
+          <p:cNvSpPr>
+            <a:spLocks noGrp="1"/>
+          </p:cNvSpPr>
+          <p:nvPr>
+            <p:ph sz="half" idx="2"/>
+          </p:nvPr>
+        </p:nvSpPr>
+        <p:spPr/>
+        <p:txBody>
+          <a:bodyPr>
+            <a:normAutofit fontScale="70000" lnSpcReduction="20000"/>
+          </a:bodyPr>
+          <a:lstStyle/>
+          <a:p>
+            <a:r>
+              <a:rPr lang="en-US" dirty="0" smtClean="0"/>
+              <a:t>Drive speed</a:t>
+            </a:r>
+          </a:p>
+          <a:p>
+            <a:pPr lvl="1"/>
+            <a:r>
+              <a:rPr lang="en-US" dirty="0" smtClean="0"/>
+              <a:t>500 MB (SSD)</a:t>
+            </a:r>
+          </a:p>
+          <a:p>
+            <a:r>
+              <a:rPr lang="en-US" dirty="0"/>
+              <a:t>1 </a:t>
+            </a:r>
+            <a:r>
+              <a:rPr lang="en-US" dirty="0" smtClean="0"/>
+              <a:t>PB of data</a:t>
+            </a:r>
+            <a:endParaRPr lang="en-US" dirty="0"/>
+          </a:p>
+          <a:p>
+            <a:endParaRPr lang="en-US" dirty="0" smtClean="0"/>
+          </a:p>
+          <a:p>
+            <a:r>
+              <a:rPr lang="en-US" dirty="0" smtClean="0"/>
+              <a:t>1 super computer</a:t>
+            </a:r>
+          </a:p>
+          <a:p>
+            <a:r>
+              <a:rPr lang="en-US" dirty="0" smtClean="0"/>
+              <a:t>4 I/O channels</a:t>
+            </a:r>
+          </a:p>
+          <a:p>
+            <a:r>
+              <a:rPr lang="en-US" b="1" dirty="0" smtClean="0"/>
+              <a:t>138 hours</a:t>
+            </a:r>
+            <a:r>
+              <a:rPr lang="en-US" dirty="0" smtClean="0"/>
+              <a:t> loading time</a:t>
+            </a:r>
+          </a:p>
+          <a:p>
+            <a:endParaRPr lang="en-US" dirty="0"/>
+          </a:p>
+          <a:p>
+            <a:r>
+              <a:rPr lang="en-US" dirty="0" smtClean="0"/>
+              <a:t>100 machines</a:t>
+            </a:r>
+          </a:p>
+          <a:p>
+            <a:r>
+              <a:rPr lang="en-US" dirty="0" smtClean="0"/>
+              <a:t>2 I/O channels</a:t>
+            </a:r>
+          </a:p>
+          <a:p>
+            <a:r>
+              <a:rPr lang="en-US" b="1" dirty="0" smtClean="0"/>
+              <a:t>2.8 hours </a:t>
+            </a:r>
+            <a:r>
+              <a:rPr lang="en-US" dirty="0" smtClean="0"/>
+              <a:t>loading time</a:t>
+            </a:r>
+          </a:p>
+          <a:p>
+            <a:endParaRPr lang="en-US" dirty="0"/>
+          </a:p>
+          <a:p>
+            <a:endParaRPr lang="en-US" dirty="0"/>
           </a:p>
         </p:txBody>
       </p:sp>
@@ -5306,6 +5976,44 @@
               <a:t>2</a:t>
             </a:fld>
             <a:endParaRPr lang="de-DE" dirty="0"/>
+          </a:p>
+        </p:txBody>
+      </p:sp>
+      <p:sp>
+        <p:nvSpPr>
+          <p:cNvPr id="11" name="Content Placeholder 10"/>
+          <p:cNvSpPr>
+            <a:spLocks noGrp="1"/>
+          </p:cNvSpPr>
+          <p:nvPr>
+            <p:ph sz="quarter" idx="4"/>
+          </p:nvPr>
+        </p:nvSpPr>
+        <p:spPr/>
+        <p:txBody>
+          <a:bodyPr/>
+          <a:lstStyle/>
+          <a:p>
+            <a:endParaRPr lang="en-US"/>
+          </a:p>
+        </p:txBody>
+      </p:sp>
+      <p:sp>
+        <p:nvSpPr>
+          <p:cNvPr id="12" name="Text Placeholder 11"/>
+          <p:cNvSpPr>
+            <a:spLocks noGrp="1"/>
+          </p:cNvSpPr>
+          <p:nvPr>
+            <p:ph type="body" sz="quarter" idx="3"/>
+          </p:nvPr>
+        </p:nvSpPr>
+        <p:spPr/>
+        <p:txBody>
+          <a:bodyPr/>
+          <a:lstStyle/>
+          <a:p>
+            <a:endParaRPr lang="en-US"/>
           </a:p>
         </p:txBody>
       </p:sp>
@@ -5364,7 +6072,7 @@
             <a:r>
               <a:rPr lang="de-DE" dirty="0" smtClean="0">
                 <a:solidFill>
-                  <a:srgbClr val="00B0F0"/>
+                  <a:srgbClr val="C00000"/>
                 </a:solidFill>
                 <a:effectLst>
                   <a:outerShdw blurRad="38100" dist="38100" dir="2700000" algn="tl">
@@ -5374,15 +6082,11 @@
                   </a:outerShdw>
                 </a:effectLst>
               </a:rPr>
-              <a:t>HDFS </a:t>
+              <a:t>Distributed File Systems </a:t>
             </a:r>
             <a:r>
               <a:rPr lang="de-DE" dirty="0" smtClean="0"/>
-              <a:t>- </a:t>
-            </a:r>
-            <a:r>
-              <a:rPr lang="de-DE" dirty="0" err="1" smtClean="0"/>
-              <a:t>Architecture</a:t>
+              <a:t>- Motivation</a:t>
             </a:r>
             <a:endParaRPr lang="de-DE" dirty="0"/>
           </a:p>
@@ -5390,20 +6094,93 @@
       </p:sp>
       <p:sp>
         <p:nvSpPr>
-          <p:cNvPr id="3" name="Inhaltsplatzhalter 2"/>
-          <p:cNvSpPr>
-            <a:spLocks noGrp="1"/>
-          </p:cNvSpPr>
-          <p:nvPr>
-            <p:ph idx="1"/>
-          </p:nvPr>
-        </p:nvSpPr>
-        <p:spPr/>
-        <p:txBody>
-          <a:bodyPr/>
-          <a:lstStyle/>
-          <a:p>
-            <a:endParaRPr lang="de-DE" dirty="0"/>
+          <p:cNvPr id="6" name="Text Placeholder 5"/>
+          <p:cNvSpPr>
+            <a:spLocks noGrp="1"/>
+          </p:cNvSpPr>
+          <p:nvPr>
+            <p:ph type="body" idx="1"/>
+          </p:nvPr>
+        </p:nvSpPr>
+        <p:spPr/>
+        <p:txBody>
+          <a:bodyPr/>
+          <a:lstStyle/>
+          <a:p>
+            <a:r>
+              <a:rPr lang="en-US" dirty="0" smtClean="0"/>
+              <a:t>The problem</a:t>
+            </a:r>
+            <a:endParaRPr lang="en-US" dirty="0"/>
+          </a:p>
+        </p:txBody>
+      </p:sp>
+      <p:sp>
+        <p:nvSpPr>
+          <p:cNvPr id="8" name="Text Placeholder 7"/>
+          <p:cNvSpPr>
+            <a:spLocks noGrp="1"/>
+          </p:cNvSpPr>
+          <p:nvPr>
+            <p:ph type="body" sz="quarter" idx="3"/>
+          </p:nvPr>
+        </p:nvSpPr>
+        <p:spPr/>
+        <p:txBody>
+          <a:bodyPr/>
+          <a:lstStyle/>
+          <a:p>
+            <a:r>
+              <a:rPr lang="en-US" dirty="0" smtClean="0"/>
+              <a:t>The solution</a:t>
+            </a:r>
+            <a:endParaRPr lang="en-US" dirty="0"/>
+          </a:p>
+        </p:txBody>
+      </p:sp>
+      <p:sp>
+        <p:nvSpPr>
+          <p:cNvPr id="9" name="Content Placeholder 8"/>
+          <p:cNvSpPr>
+            <a:spLocks noGrp="1"/>
+          </p:cNvSpPr>
+          <p:nvPr>
+            <p:ph sz="quarter" idx="4"/>
+          </p:nvPr>
+        </p:nvSpPr>
+        <p:spPr/>
+        <p:txBody>
+          <a:bodyPr/>
+          <a:lstStyle/>
+          <a:p>
+            <a:r>
+              <a:rPr lang="en-US" dirty="0" smtClean="0"/>
+              <a:t>Parallelization</a:t>
+            </a:r>
+          </a:p>
+          <a:p>
+            <a:r>
+              <a:rPr lang="en-US" dirty="0" smtClean="0"/>
+              <a:t>Commodity machines</a:t>
+            </a:r>
+          </a:p>
+          <a:p>
+            <a:r>
+              <a:rPr lang="en-US" dirty="0" smtClean="0"/>
+              <a:t>Low costs</a:t>
+            </a:r>
+          </a:p>
+          <a:p>
+            <a:r>
+              <a:rPr lang="en-US" dirty="0" smtClean="0"/>
+              <a:t>Distributed computation</a:t>
+            </a:r>
+          </a:p>
+          <a:p>
+            <a:r>
+              <a:rPr lang="en-US" dirty="0" smtClean="0"/>
+              <a:t>Distributed storage</a:t>
+            </a:r>
           </a:p>
         </p:txBody>
       </p:sp>
@@ -5459,10 +6236,106 @@
           </a:p>
         </p:txBody>
       </p:sp>
+      <p:sp>
+        <p:nvSpPr>
+          <p:cNvPr id="3" name="Content Placeholder 2"/>
+          <p:cNvSpPr>
+            <a:spLocks noGrp="1"/>
+          </p:cNvSpPr>
+          <p:nvPr>
+            <p:ph sz="half" idx="2"/>
+          </p:nvPr>
+        </p:nvSpPr>
+        <p:spPr/>
+        <p:txBody>
+          <a:bodyPr>
+            <a:normAutofit fontScale="70000" lnSpcReduction="20000"/>
+          </a:bodyPr>
+          <a:lstStyle/>
+          <a:p>
+            <a:r>
+              <a:rPr lang="en-US" dirty="0"/>
+              <a:t>Drive speed</a:t>
+            </a:r>
+          </a:p>
+          <a:p>
+            <a:pPr lvl="1"/>
+            <a:r>
+              <a:rPr lang="en-US" dirty="0"/>
+              <a:t>500 MB (SSD)</a:t>
+            </a:r>
+          </a:p>
+          <a:p>
+            <a:r>
+              <a:rPr lang="en-US" dirty="0"/>
+              <a:t>1 PB of data</a:t>
+            </a:r>
+          </a:p>
+          <a:p>
+            <a:endParaRPr lang="en-US" dirty="0"/>
+          </a:p>
+          <a:p>
+            <a:r>
+              <a:rPr lang="en-US" dirty="0"/>
+              <a:t>1 super computer</a:t>
+            </a:r>
+          </a:p>
+          <a:p>
+            <a:r>
+              <a:rPr lang="en-US" dirty="0"/>
+              <a:t>4 I/O channels</a:t>
+            </a:r>
+          </a:p>
+          <a:p>
+            <a:r>
+              <a:rPr lang="en-US" b="1" dirty="0"/>
+              <a:t>138 hours</a:t>
+            </a:r>
+            <a:r>
+              <a:rPr lang="en-US" dirty="0"/>
+              <a:t> loading time</a:t>
+            </a:r>
+          </a:p>
+          <a:p>
+            <a:endParaRPr lang="en-US" dirty="0"/>
+          </a:p>
+          <a:p>
+            <a:r>
+              <a:rPr lang="en-US" dirty="0"/>
+              <a:t>100 machines</a:t>
+            </a:r>
+          </a:p>
+          <a:p>
+            <a:r>
+              <a:rPr lang="en-US" dirty="0"/>
+              <a:t>2 I/O channels</a:t>
+            </a:r>
+          </a:p>
+          <a:p>
+            <a:r>
+              <a:rPr lang="en-US" b="1" dirty="0"/>
+              <a:t>2.8 hours </a:t>
+            </a:r>
+            <a:r>
+              <a:rPr lang="en-US" dirty="0"/>
+              <a:t>loading time</a:t>
+            </a:r>
+          </a:p>
+          <a:p>
+            <a:endParaRPr lang="en-US" dirty="0"/>
+          </a:p>
+          <a:p>
+            <a:endParaRPr lang="en-US" dirty="0"/>
+          </a:p>
+          <a:p>
+            <a:endParaRPr lang="en-US" dirty="0"/>
+          </a:p>
+        </p:txBody>
+      </p:sp>
     </p:spTree>
     <p:extLst>
       <p:ext uri="{BB962C8B-B14F-4D97-AF65-F5344CB8AC3E}">
-        <p14:creationId xmlns:p14="http://schemas.microsoft.com/office/powerpoint/2010/main" val="223512410"/>
+        <p14:creationId xmlns:p14="http://schemas.microsoft.com/office/powerpoint/2010/main" val="1901980812"/>
       </p:ext>
     </p:extLst>
   </p:cSld>
@@ -5512,9 +6385,9 @@
           <a:lstStyle/>
           <a:p>
             <a:r>
-              <a:rPr lang="de-DE" dirty="0">
+              <a:rPr lang="de-DE" dirty="0" smtClean="0">
                 <a:solidFill>
-                  <a:srgbClr val="00B0F0"/>
+                  <a:srgbClr val="C00000"/>
                 </a:solidFill>
                 <a:effectLst>
                   <a:outerShdw blurRad="38100" dist="38100" dir="2700000" algn="tl">
@@ -5524,15 +6397,11 @@
                   </a:outerShdw>
                 </a:effectLst>
               </a:rPr>
-              <a:t>HDFS </a:t>
+              <a:t>Distributed File Systems </a:t>
             </a:r>
             <a:r>
               <a:rPr lang="de-DE" dirty="0" smtClean="0"/>
-              <a:t>- </a:t>
-            </a:r>
-            <a:r>
-              <a:rPr lang="de-DE" dirty="0" smtClean="0"/>
-              <a:t>Workflow</a:t>
+              <a:t>- Motivation</a:t>
             </a:r>
             <a:endParaRPr lang="de-DE" dirty="0"/>
           </a:p>
@@ -5540,20 +6409,186 @@
       </p:sp>
       <p:sp>
         <p:nvSpPr>
-          <p:cNvPr id="3" name="Inhaltsplatzhalter 2"/>
-          <p:cNvSpPr>
-            <a:spLocks noGrp="1"/>
-          </p:cNvSpPr>
-          <p:nvPr>
-            <p:ph idx="1"/>
-          </p:nvPr>
-        </p:nvSpPr>
-        <p:spPr/>
-        <p:txBody>
-          <a:bodyPr/>
-          <a:lstStyle/>
-          <a:p>
-            <a:endParaRPr lang="de-DE" dirty="0"/>
+          <p:cNvPr id="6" name="Text Placeholder 5"/>
+          <p:cNvSpPr>
+            <a:spLocks noGrp="1"/>
+          </p:cNvSpPr>
+          <p:nvPr>
+            <p:ph type="body" idx="1"/>
+          </p:nvPr>
+        </p:nvSpPr>
+        <p:spPr/>
+        <p:txBody>
+          <a:bodyPr/>
+          <a:lstStyle/>
+          <a:p>
+            <a:r>
+              <a:rPr lang="en-US" dirty="0" smtClean="0"/>
+              <a:t>The problem</a:t>
+            </a:r>
+            <a:endParaRPr lang="en-US" dirty="0"/>
+          </a:p>
+        </p:txBody>
+      </p:sp>
+      <p:sp>
+        <p:nvSpPr>
+          <p:cNvPr id="7" name="Content Placeholder 6"/>
+          <p:cNvSpPr>
+            <a:spLocks noGrp="1"/>
+          </p:cNvSpPr>
+          <p:nvPr>
+            <p:ph sz="half" idx="2"/>
+          </p:nvPr>
+        </p:nvSpPr>
+        <p:spPr/>
+        <p:txBody>
+          <a:bodyPr>
+            <a:normAutofit fontScale="70000" lnSpcReduction="20000"/>
+          </a:bodyPr>
+          <a:lstStyle/>
+          <a:p>
+            <a:r>
+              <a:rPr lang="en-US" dirty="0"/>
+              <a:t>Drive speed</a:t>
+            </a:r>
+          </a:p>
+          <a:p>
+            <a:pPr lvl="1"/>
+            <a:r>
+              <a:rPr lang="en-US" dirty="0"/>
+              <a:t>500 MB (SSD)</a:t>
+            </a:r>
+          </a:p>
+          <a:p>
+            <a:r>
+              <a:rPr lang="en-US" dirty="0"/>
+              <a:t>1 PB of data</a:t>
+            </a:r>
+          </a:p>
+          <a:p>
+            <a:endParaRPr lang="en-US" dirty="0"/>
+          </a:p>
+          <a:p>
+            <a:r>
+              <a:rPr lang="en-US" dirty="0"/>
+              <a:t>1 super computer</a:t>
+            </a:r>
+          </a:p>
+          <a:p>
+            <a:r>
+              <a:rPr lang="en-US" dirty="0"/>
+              <a:t>4 I/O channels</a:t>
+            </a:r>
+          </a:p>
+          <a:p>
+            <a:r>
+              <a:rPr lang="en-US" b="1" dirty="0"/>
+              <a:t>138 hours</a:t>
+            </a:r>
+            <a:r>
+              <a:rPr lang="en-US" dirty="0"/>
+              <a:t> loading time</a:t>
+            </a:r>
+          </a:p>
+          <a:p>
+            <a:endParaRPr lang="en-US" dirty="0"/>
+          </a:p>
+          <a:p>
+            <a:r>
+              <a:rPr lang="en-US" dirty="0"/>
+              <a:t>100 machines</a:t>
+            </a:r>
+          </a:p>
+          <a:p>
+            <a:r>
+              <a:rPr lang="en-US" dirty="0"/>
+              <a:t>2 I/O channels</a:t>
+            </a:r>
+          </a:p>
+          <a:p>
+            <a:r>
+              <a:rPr lang="en-US" b="1" dirty="0"/>
+              <a:t>2.8 hours </a:t>
+            </a:r>
+            <a:r>
+              <a:rPr lang="en-US" dirty="0"/>
+              <a:t>loading time</a:t>
+            </a:r>
+          </a:p>
+          <a:p>
+            <a:endParaRPr lang="en-US" dirty="0"/>
+          </a:p>
+          <a:p>
+            <a:endParaRPr lang="en-US" dirty="0"/>
+          </a:p>
+        </p:txBody>
+      </p:sp>
+      <p:sp>
+        <p:nvSpPr>
+          <p:cNvPr id="8" name="Text Placeholder 7"/>
+          <p:cNvSpPr>
+            <a:spLocks noGrp="1"/>
+          </p:cNvSpPr>
+          <p:nvPr>
+            <p:ph type="body" sz="quarter" idx="3"/>
+          </p:nvPr>
+        </p:nvSpPr>
+        <p:spPr/>
+        <p:txBody>
+          <a:bodyPr/>
+          <a:lstStyle/>
+          <a:p>
+            <a:r>
+              <a:rPr lang="en-US" dirty="0" smtClean="0"/>
+              <a:t>The solution</a:t>
+            </a:r>
+            <a:endParaRPr lang="en-US" dirty="0"/>
+          </a:p>
+        </p:txBody>
+      </p:sp>
+      <p:sp>
+        <p:nvSpPr>
+          <p:cNvPr id="9" name="Content Placeholder 8"/>
+          <p:cNvSpPr>
+            <a:spLocks noGrp="1"/>
+          </p:cNvSpPr>
+          <p:nvPr>
+            <p:ph sz="quarter" idx="4"/>
+          </p:nvPr>
+        </p:nvSpPr>
+        <p:spPr/>
+        <p:txBody>
+          <a:bodyPr/>
+          <a:lstStyle/>
+          <a:p>
+            <a:r>
+              <a:rPr lang="en-US" dirty="0"/>
+              <a:t>Parallelization</a:t>
+            </a:r>
+          </a:p>
+          <a:p>
+            <a:r>
+              <a:rPr lang="en-US" dirty="0"/>
+              <a:t>Commodity machines</a:t>
+            </a:r>
+          </a:p>
+          <a:p>
+            <a:r>
+              <a:rPr lang="en-US" dirty="0"/>
+              <a:t>Low costs</a:t>
+            </a:r>
+          </a:p>
+          <a:p>
+            <a:r>
+              <a:rPr lang="en-US" dirty="0"/>
+              <a:t>Distributed computation</a:t>
+            </a:r>
+          </a:p>
+          <a:p>
+            <a:r>
+              <a:rPr lang="en-US" dirty="0"/>
+              <a:t>Distributed storage</a:t>
+            </a:r>
           </a:p>
         </p:txBody>
       </p:sp>
@@ -5609,10 +6644,83 @@
           </a:p>
         </p:txBody>
       </p:sp>
+      <p:sp>
+        <p:nvSpPr>
+          <p:cNvPr id="10" name="Rounded Rectangle 9"/>
+          <p:cNvSpPr/>
+          <p:nvPr/>
+        </p:nvSpPr>
+        <p:spPr>
+          <a:xfrm>
+            <a:off x="1847281" y="2924536"/>
+            <a:ext cx="8649838" cy="1793153"/>
+          </a:xfrm>
+          <a:prstGeom prst="roundRect">
+            <a:avLst/>
+          </a:prstGeom>
+          <a:solidFill>
+            <a:srgbClr val="C00000"/>
+          </a:solidFill>
+          <a:effectLst>
+            <a:glow rad="228600">
+              <a:srgbClr val="C00000">
+                <a:alpha val="40000"/>
+              </a:srgbClr>
+            </a:glow>
+            <a:outerShdw blurRad="57150" dist="19050" dir="5400000" algn="ctr" rotWithShape="0">
+              <a:srgbClr val="000000">
+                <a:alpha val="63000"/>
+              </a:srgbClr>
+            </a:outerShdw>
+          </a:effectLst>
+        </p:spPr>
+        <p:style>
+          <a:lnRef idx="0">
+            <a:schemeClr val="accent5"/>
+          </a:lnRef>
+          <a:fillRef idx="3">
+            <a:schemeClr val="accent5"/>
+          </a:fillRef>
+          <a:effectRef idx="3">
+            <a:schemeClr val="accent5"/>
+          </a:effectRef>
+          <a:fontRef idx="minor">
+            <a:schemeClr val="lt1"/>
+          </a:fontRef>
+        </p:style>
+        <p:txBody>
+          <a:bodyPr rtlCol="0" anchor="ctr"/>
+          <a:lstStyle/>
+          <a:p>
+            <a:pPr algn="ctr"/>
+            <a:r>
+              <a:rPr lang="en-US" sz="3200" b="1" dirty="0" smtClean="0">
+                <a:effectLst>
+                  <a:outerShdw blurRad="38100" dist="38100" dir="2700000" algn="tl">
+                    <a:srgbClr val="000000">
+                      <a:alpha val="43137"/>
+                    </a:srgbClr>
+                  </a:outerShdw>
+                </a:effectLst>
+              </a:rPr>
+              <a:t>Moving computation is faster than moving data!</a:t>
+            </a:r>
+            <a:endParaRPr lang="en-US" sz="3200" b="1" dirty="0">
+              <a:effectLst>
+                <a:outerShdw blurRad="38100" dist="38100" dir="2700000" algn="tl">
+                  <a:srgbClr val="000000">
+                    <a:alpha val="43137"/>
+                  </a:srgbClr>
+                </a:outerShdw>
+              </a:effectLst>
+            </a:endParaRPr>
+          </a:p>
+        </p:txBody>
+      </p:sp>
     </p:spTree>
     <p:extLst>
       <p:ext uri="{BB962C8B-B14F-4D97-AF65-F5344CB8AC3E}">
-        <p14:creationId xmlns:p14="http://schemas.microsoft.com/office/powerpoint/2010/main" val="464649479"/>
+        <p14:creationId xmlns:p14="http://schemas.microsoft.com/office/powerpoint/2010/main" val="809234961"/>
       </p:ext>
     </p:extLst>
   </p:cSld>
@@ -5662,7 +6770,7 @@
           <a:lstStyle/>
           <a:p>
             <a:r>
-              <a:rPr lang="de-DE" dirty="0">
+              <a:rPr lang="de-DE" dirty="0" smtClean="0">
                 <a:solidFill>
                   <a:srgbClr val="00B0F0"/>
                 </a:solidFill>
@@ -5682,7 +6790,7 @@
             </a:r>
             <a:r>
               <a:rPr lang="de-DE" dirty="0" err="1" smtClean="0"/>
-              <a:t>Purpose</a:t>
+              <a:t>Architecture</a:t>
             </a:r>
             <a:endParaRPr lang="de-DE" dirty="0"/>
           </a:p>
@@ -5762,7 +6870,7 @@
     </p:spTree>
     <p:extLst>
       <p:ext uri="{BB962C8B-B14F-4D97-AF65-F5344CB8AC3E}">
-        <p14:creationId xmlns:p14="http://schemas.microsoft.com/office/powerpoint/2010/main" val="625973031"/>
+        <p14:creationId xmlns:p14="http://schemas.microsoft.com/office/powerpoint/2010/main" val="223512410"/>
       </p:ext>
     </p:extLst>
   </p:cSld>
@@ -5812,9 +6920,9 @@
           <a:lstStyle/>
           <a:p>
             <a:r>
-              <a:rPr lang="de-DE" dirty="0" smtClean="0">
+              <a:rPr lang="de-DE" dirty="0">
                 <a:solidFill>
-                  <a:srgbClr val="00B050"/>
+                  <a:srgbClr val="00B0F0"/>
                 </a:solidFill>
                 <a:effectLst>
                   <a:outerShdw blurRad="38100" dist="38100" dir="2700000" algn="tl">
@@ -5824,27 +6932,11 @@
                   </a:outerShdw>
                 </a:effectLst>
               </a:rPr>
-              <a:t>GFS</a:t>
-            </a:r>
-            <a:r>
-              <a:rPr lang="de-DE" dirty="0" smtClean="0">
-                <a:effectLst>
-                  <a:outerShdw blurRad="38100" dist="38100" dir="2700000" algn="tl">
-                    <a:srgbClr val="000000">
-                      <a:alpha val="43137"/>
-                    </a:srgbClr>
-                  </a:outerShdw>
-                </a:effectLst>
-              </a:rPr>
-              <a:t> </a:t>
+              <a:t>HDFS </a:t>
             </a:r>
             <a:r>
               <a:rPr lang="de-DE" dirty="0" smtClean="0"/>
-              <a:t>- </a:t>
-            </a:r>
-            <a:r>
-              <a:rPr lang="de-DE" dirty="0" err="1" smtClean="0"/>
-              <a:t>Architecture</a:t>
+              <a:t>- Workflow</a:t>
             </a:r>
             <a:endParaRPr lang="de-DE" dirty="0"/>
           </a:p>
@@ -5924,7 +7016,7 @@
     </p:spTree>
     <p:extLst>
       <p:ext uri="{BB962C8B-B14F-4D97-AF65-F5344CB8AC3E}">
-        <p14:creationId xmlns:p14="http://schemas.microsoft.com/office/powerpoint/2010/main" val="4071564657"/>
+        <p14:creationId xmlns:p14="http://schemas.microsoft.com/office/powerpoint/2010/main" val="464649479"/>
       </p:ext>
     </p:extLst>
   </p:cSld>
@@ -5974,9 +7066,9 @@
           <a:lstStyle/>
           <a:p>
             <a:r>
-              <a:rPr lang="de-DE" dirty="0" smtClean="0">
+              <a:rPr lang="de-DE" dirty="0">
                 <a:solidFill>
-                  <a:srgbClr val="00B050"/>
+                  <a:srgbClr val="00B0F0"/>
                 </a:solidFill>
                 <a:effectLst>
                   <a:outerShdw blurRad="38100" dist="38100" dir="2700000" algn="tl">
@@ -5986,23 +7078,15 @@
                   </a:outerShdw>
                 </a:effectLst>
               </a:rPr>
-              <a:t>GFS</a:t>
-            </a:r>
-            <a:r>
-              <a:rPr lang="de-DE" dirty="0" smtClean="0">
-                <a:effectLst>
-                  <a:outerShdw blurRad="38100" dist="38100" dir="2700000" algn="tl">
-                    <a:srgbClr val="000000">
-                      <a:alpha val="43137"/>
-                    </a:srgbClr>
-                  </a:outerShdw>
-                </a:effectLst>
-              </a:rPr>
-              <a:t> </a:t>
+              <a:t>HDFS </a:t>
             </a:r>
             <a:r>
               <a:rPr lang="de-DE" dirty="0" smtClean="0"/>
-              <a:t>- Workflow</a:t>
+              <a:t>- </a:t>
+            </a:r>
+            <a:r>
+              <a:rPr lang="de-DE" dirty="0" err="1" smtClean="0"/>
+              <a:t>Purpose</a:t>
             </a:r>
             <a:endParaRPr lang="de-DE" dirty="0"/>
           </a:p>
@@ -6082,7 +7166,7 @@
     </p:spTree>
     <p:extLst>
       <p:ext uri="{BB962C8B-B14F-4D97-AF65-F5344CB8AC3E}">
-        <p14:creationId xmlns:p14="http://schemas.microsoft.com/office/powerpoint/2010/main" val="2025899756"/>
+        <p14:creationId xmlns:p14="http://schemas.microsoft.com/office/powerpoint/2010/main" val="625973031"/>
       </p:ext>
     </p:extLst>
   </p:cSld>
@@ -6164,7 +7248,7 @@
             </a:r>
             <a:r>
               <a:rPr lang="de-DE" dirty="0" err="1" smtClean="0"/>
-              <a:t>Purpose</a:t>
+              <a:t>Architecture</a:t>
             </a:r>
             <a:endParaRPr lang="de-DE" dirty="0"/>
           </a:p>
@@ -6244,7 +7328,7 @@
     </p:spTree>
     <p:extLst>
       <p:ext uri="{BB962C8B-B14F-4D97-AF65-F5344CB8AC3E}">
-        <p14:creationId xmlns:p14="http://schemas.microsoft.com/office/powerpoint/2010/main" val="4157981273"/>
+        <p14:creationId xmlns:p14="http://schemas.microsoft.com/office/powerpoint/2010/main" val="4071564657"/>
       </p:ext>
     </p:extLst>
   </p:cSld>
@@ -6294,29 +7378,6 @@
           <a:lstStyle/>
           <a:p>
             <a:r>
-              <a:rPr lang="de-DE" dirty="0">
-                <a:solidFill>
-                  <a:srgbClr val="00B0F0"/>
-                </a:solidFill>
-                <a:effectLst>
-                  <a:outerShdw blurRad="38100" dist="38100" dir="2700000" algn="tl">
-                    <a:srgbClr val="000000">
-                      <a:alpha val="43137"/>
-                    </a:srgbClr>
-                  </a:outerShdw>
-                </a:effectLst>
-              </a:rPr>
-              <a:t>HDFS </a:t>
-            </a:r>
-            <a:r>
-              <a:rPr lang="de-DE" dirty="0" smtClean="0"/>
-              <a:t>vs</a:t>
-            </a:r>
-            <a:r>
-              <a:rPr lang="de-DE" dirty="0" smtClean="0"/>
-              <a:t>. </a:t>
-            </a:r>
-            <a:r>
               <a:rPr lang="de-DE" dirty="0" smtClean="0">
                 <a:solidFill>
                   <a:srgbClr val="00B050"/>
@@ -6343,83 +7404,22 @@
               </a:rPr>
               <a:t> </a:t>
             </a:r>
+            <a:r>
+              <a:rPr lang="de-DE" dirty="0" smtClean="0"/>
+              <a:t>- Workflow</a:t>
+            </a:r>
             <a:endParaRPr lang="de-DE" dirty="0"/>
           </a:p>
         </p:txBody>
       </p:sp>
       <p:sp>
         <p:nvSpPr>
-          <p:cNvPr id="6" name="Textplatzhalter 5"/>
-          <p:cNvSpPr>
-            <a:spLocks noGrp="1"/>
-          </p:cNvSpPr>
-          <p:nvPr>
-            <p:ph type="body" idx="1"/>
-          </p:nvPr>
-        </p:nvSpPr>
-        <p:spPr/>
-        <p:txBody>
-          <a:bodyPr/>
-          <a:lstStyle/>
-          <a:p>
-            <a:r>
-              <a:rPr lang="de-DE" dirty="0" err="1" smtClean="0"/>
-              <a:t>Similarities</a:t>
-            </a:r>
-            <a:endParaRPr lang="de-DE" dirty="0"/>
-          </a:p>
-        </p:txBody>
-      </p:sp>
-      <p:sp>
-        <p:nvSpPr>
-          <p:cNvPr id="7" name="Inhaltsplatzhalter 6"/>
-          <p:cNvSpPr>
-            <a:spLocks noGrp="1"/>
-          </p:cNvSpPr>
-          <p:nvPr>
-            <p:ph sz="half" idx="2"/>
-          </p:nvPr>
-        </p:nvSpPr>
-        <p:spPr/>
-        <p:txBody>
-          <a:bodyPr/>
-          <a:lstStyle/>
-          <a:p>
-            <a:endParaRPr lang="de-DE" dirty="0"/>
-          </a:p>
-        </p:txBody>
-      </p:sp>
-      <p:sp>
-        <p:nvSpPr>
-          <p:cNvPr id="8" name="Textplatzhalter 7"/>
-          <p:cNvSpPr>
-            <a:spLocks noGrp="1"/>
-          </p:cNvSpPr>
-          <p:nvPr>
-            <p:ph type="body" sz="quarter" idx="3"/>
-          </p:nvPr>
-        </p:nvSpPr>
-        <p:spPr/>
-        <p:txBody>
-          <a:bodyPr/>
-          <a:lstStyle/>
-          <a:p>
-            <a:r>
-              <a:rPr lang="de-DE" dirty="0" err="1" smtClean="0"/>
-              <a:t>Differences</a:t>
-            </a:r>
-            <a:endParaRPr lang="de-DE" dirty="0"/>
-          </a:p>
-        </p:txBody>
-      </p:sp>
-      <p:sp>
-        <p:nvSpPr>
-          <p:cNvPr id="9" name="Inhaltsplatzhalter 8"/>
-          <p:cNvSpPr>
-            <a:spLocks noGrp="1"/>
-          </p:cNvSpPr>
-          <p:nvPr>
-            <p:ph sz="quarter" idx="4"/>
+          <p:cNvPr id="3" name="Inhaltsplatzhalter 2"/>
+          <p:cNvSpPr>
+            <a:spLocks noGrp="1"/>
+          </p:cNvSpPr>
+          <p:nvPr>
+            <p:ph idx="1"/>
           </p:nvPr>
         </p:nvSpPr>
         <p:spPr/>
@@ -6486,7 +7486,7 @@
     </p:spTree>
     <p:extLst>
       <p:ext uri="{BB962C8B-B14F-4D97-AF65-F5344CB8AC3E}">
-        <p14:creationId xmlns:p14="http://schemas.microsoft.com/office/powerpoint/2010/main" val="4136378654"/>
+        <p14:creationId xmlns:p14="http://schemas.microsoft.com/office/powerpoint/2010/main" val="2025899756"/>
       </p:ext>
     </p:extLst>
   </p:cSld>

--- a/Presentation/DistributedFileSystems_Cipri.pptx
+++ b/Presentation/DistributedFileSystems_Cipri.pptx
@@ -5,7 +5,7 @@
     <p:sldMasterId id="2147483648" r:id="rId1"/>
   </p:sldMasterIdLst>
   <p:notesMasterIdLst>
-    <p:notesMasterId r:id="rId25"/>
+    <p:notesMasterId r:id="rId24"/>
   </p:notesMasterIdLst>
   <p:sldIdLst>
     <p:sldId id="284" r:id="rId2"/>
@@ -21,16 +21,15 @@
     <p:sldId id="278" r:id="rId12"/>
     <p:sldId id="279" r:id="rId13"/>
     <p:sldId id="283" r:id="rId14"/>
-    <p:sldId id="259" r:id="rId15"/>
-    <p:sldId id="281" r:id="rId16"/>
-    <p:sldId id="277" r:id="rId17"/>
-    <p:sldId id="260" r:id="rId18"/>
-    <p:sldId id="261" r:id="rId19"/>
-    <p:sldId id="262" r:id="rId20"/>
-    <p:sldId id="263" r:id="rId21"/>
-    <p:sldId id="264" r:id="rId22"/>
-    <p:sldId id="265" r:id="rId23"/>
-    <p:sldId id="266" r:id="rId24"/>
+    <p:sldId id="285" r:id="rId15"/>
+    <p:sldId id="277" r:id="rId16"/>
+    <p:sldId id="260" r:id="rId17"/>
+    <p:sldId id="261" r:id="rId18"/>
+    <p:sldId id="262" r:id="rId19"/>
+    <p:sldId id="263" r:id="rId20"/>
+    <p:sldId id="264" r:id="rId21"/>
+    <p:sldId id="265" r:id="rId22"/>
+    <p:sldId id="266" r:id="rId23"/>
   </p:sldIdLst>
   <p:sldSz cx="12192000" cy="6858000"/>
   <p:notesSz cx="6858000" cy="9144000"/>
@@ -981,7 +980,7 @@
     </p:spTree>
     <p:extLst>
       <p:ext uri="{BB962C8B-B14F-4D97-AF65-F5344CB8AC3E}">
-        <p14:creationId xmlns:p14="http://schemas.microsoft.com/office/powerpoint/2010/main" val="129341058"/>
+        <p14:creationId xmlns:p14="http://schemas.microsoft.com/office/powerpoint/2010/main" val="1225411323"/>
       </p:ext>
     </p:extLst>
   </p:cSld>
@@ -1035,7 +1034,7 @@
           <a:bodyPr/>
           <a:lstStyle/>
           <a:p>
-            <a:endParaRPr lang="de-DE"/>
+            <a:endParaRPr lang="de-DE" dirty="0"/>
           </a:p>
         </p:txBody>
       </p:sp>
@@ -1065,7 +1064,7 @@
     </p:spTree>
     <p:extLst>
       <p:ext uri="{BB962C8B-B14F-4D97-AF65-F5344CB8AC3E}">
-        <p14:creationId xmlns:p14="http://schemas.microsoft.com/office/powerpoint/2010/main" val="3363446492"/>
+        <p14:creationId xmlns:p14="http://schemas.microsoft.com/office/powerpoint/2010/main" val="1946193782"/>
       </p:ext>
     </p:extLst>
   </p:cSld>
@@ -1119,7 +1118,7 @@
           <a:bodyPr/>
           <a:lstStyle/>
           <a:p>
-            <a:endParaRPr lang="de-DE" dirty="0"/>
+            <a:endParaRPr lang="de-DE"/>
           </a:p>
         </p:txBody>
       </p:sp>
@@ -1149,7 +1148,7 @@
     </p:spTree>
     <p:extLst>
       <p:ext uri="{BB962C8B-B14F-4D97-AF65-F5344CB8AC3E}">
-        <p14:creationId xmlns:p14="http://schemas.microsoft.com/office/powerpoint/2010/main" val="1946193782"/>
+        <p14:creationId xmlns:p14="http://schemas.microsoft.com/office/powerpoint/2010/main" val="3570817664"/>
       </p:ext>
     </p:extLst>
   </p:cSld>
@@ -1233,7 +1232,7 @@
     </p:spTree>
     <p:extLst>
       <p:ext uri="{BB962C8B-B14F-4D97-AF65-F5344CB8AC3E}">
-        <p14:creationId xmlns:p14="http://schemas.microsoft.com/office/powerpoint/2010/main" val="3570817664"/>
+        <p14:creationId xmlns:p14="http://schemas.microsoft.com/office/powerpoint/2010/main" val="174957884"/>
       </p:ext>
     </p:extLst>
   </p:cSld>
@@ -1317,7 +1316,7 @@
     </p:spTree>
     <p:extLst>
       <p:ext uri="{BB962C8B-B14F-4D97-AF65-F5344CB8AC3E}">
-        <p14:creationId xmlns:p14="http://schemas.microsoft.com/office/powerpoint/2010/main" val="174957884"/>
+        <p14:creationId xmlns:p14="http://schemas.microsoft.com/office/powerpoint/2010/main" val="3360599392"/>
       </p:ext>
     </p:extLst>
   </p:cSld>
@@ -1401,7 +1400,7 @@
     </p:spTree>
     <p:extLst>
       <p:ext uri="{BB962C8B-B14F-4D97-AF65-F5344CB8AC3E}">
-        <p14:creationId xmlns:p14="http://schemas.microsoft.com/office/powerpoint/2010/main" val="3360599392"/>
+        <p14:creationId xmlns:p14="http://schemas.microsoft.com/office/powerpoint/2010/main" val="3821180486"/>
       </p:ext>
     </p:extLst>
   </p:cSld>
@@ -1569,7 +1568,7 @@
     </p:spTree>
     <p:extLst>
       <p:ext uri="{BB962C8B-B14F-4D97-AF65-F5344CB8AC3E}">
-        <p14:creationId xmlns:p14="http://schemas.microsoft.com/office/powerpoint/2010/main" val="3821180486"/>
+        <p14:creationId xmlns:p14="http://schemas.microsoft.com/office/powerpoint/2010/main" val="853881351"/>
       </p:ext>
     </p:extLst>
   </p:cSld>
@@ -1645,90 +1644,6 @@
             <a:fld id="{05D483A0-A07F-4EB6-885A-09B34B74D24D}" type="slidenum">
               <a:rPr lang="de-DE" smtClean="0"/>
               <a:t>21</a:t>
-            </a:fld>
-            <a:endParaRPr lang="de-DE"/>
-          </a:p>
-        </p:txBody>
-      </p:sp>
-    </p:spTree>
-    <p:extLst>
-      <p:ext uri="{BB962C8B-B14F-4D97-AF65-F5344CB8AC3E}">
-        <p14:creationId xmlns:p14="http://schemas.microsoft.com/office/powerpoint/2010/main" val="853881351"/>
-      </p:ext>
-    </p:extLst>
-  </p:cSld>
-  <p:clrMapOvr>
-    <a:masterClrMapping/>
-  </p:clrMapOvr>
-</p:notes>
-</file>
-
-<file path=ppt/notesSlides/notesSlide22.xml><?xml version="1.0" encoding="utf-8"?>
-<p:notes xmlns:a="http://schemas.openxmlformats.org/drawingml/2006/main" xmlns:r="http://schemas.openxmlformats.org/officeDocument/2006/relationships" xmlns:p="http://schemas.openxmlformats.org/presentationml/2006/main">
-  <p:cSld>
-    <p:spTree>
-      <p:nvGrpSpPr>
-        <p:cNvPr id="1" name=""/>
-        <p:cNvGrpSpPr/>
-        <p:nvPr/>
-      </p:nvGrpSpPr>
-      <p:grpSpPr>
-        <a:xfrm>
-          <a:off x="0" y="0"/>
-          <a:ext cx="0" cy="0"/>
-          <a:chOff x="0" y="0"/>
-          <a:chExt cx="0" cy="0"/>
-        </a:xfrm>
-      </p:grpSpPr>
-      <p:sp>
-        <p:nvSpPr>
-          <p:cNvPr id="2" name="Folienbildplatzhalter 1"/>
-          <p:cNvSpPr>
-            <a:spLocks noGrp="1" noRot="1" noChangeAspect="1"/>
-          </p:cNvSpPr>
-          <p:nvPr>
-            <p:ph type="sldImg"/>
-          </p:nvPr>
-        </p:nvSpPr>
-        <p:spPr/>
-      </p:sp>
-      <p:sp>
-        <p:nvSpPr>
-          <p:cNvPr id="3" name="Notizenplatzhalter 2"/>
-          <p:cNvSpPr>
-            <a:spLocks noGrp="1"/>
-          </p:cNvSpPr>
-          <p:nvPr>
-            <p:ph type="body" idx="1"/>
-          </p:nvPr>
-        </p:nvSpPr>
-        <p:spPr/>
-        <p:txBody>
-          <a:bodyPr/>
-          <a:lstStyle/>
-          <a:p>
-            <a:endParaRPr lang="de-DE"/>
-          </a:p>
-        </p:txBody>
-      </p:sp>
-      <p:sp>
-        <p:nvSpPr>
-          <p:cNvPr id="4" name="Foliennummernplatzhalter 3"/>
-          <p:cNvSpPr>
-            <a:spLocks noGrp="1"/>
-          </p:cNvSpPr>
-          <p:nvPr>
-            <p:ph type="sldNum" sz="quarter" idx="10"/>
-          </p:nvPr>
-        </p:nvSpPr>
-        <p:spPr/>
-        <p:txBody>
-          <a:bodyPr/>
-          <a:lstStyle/>
-          <a:p>
-            <a:fld id="{05D483A0-A07F-4EB6-885A-09B34B74D24D}" type="slidenum">
-              <a:rPr lang="de-DE" smtClean="0"/>
-              <a:t>22</a:t>
             </a:fld>
             <a:endParaRPr lang="de-DE"/>
           </a:p>
@@ -7037,6 +6952,60 @@
                 </a:outerShdw>
               </a:effectLst>
             </a:endParaRPr>
+          </a:p>
+        </p:txBody>
+      </p:sp>
+      <p:sp>
+        <p:nvSpPr>
+          <p:cNvPr id="4" name="TextBox 3"/>
+          <p:cNvSpPr txBox="1"/>
+          <p:nvPr/>
+        </p:nvSpPr>
+        <p:spPr>
+          <a:xfrm>
+            <a:off x="7543141" y="1582360"/>
+            <a:ext cx="3999813" cy="923330"/>
+          </a:xfrm>
+          <a:prstGeom prst="rect">
+            <a:avLst/>
+          </a:prstGeom>
+          <a:noFill/>
+        </p:spPr>
+        <p:txBody>
+          <a:bodyPr wrap="none" rtlCol="0">
+            <a:spAutoFit/>
+          </a:bodyPr>
+          <a:lstStyle/>
+          <a:p>
+            <a:r>
+              <a:rPr lang="en-US" i="1" dirty="0" smtClean="0"/>
+              <a:t>Filename: block-ids (</a:t>
+            </a:r>
+            <a:r>
+              <a:rPr lang="en-US" i="1" dirty="0" err="1" smtClean="0"/>
+              <a:t>node#block</a:t>
+            </a:r>
+            <a:r>
+              <a:rPr lang="en-US" i="1" dirty="0" smtClean="0"/>
+              <a:t>#)</a:t>
+            </a:r>
+          </a:p>
+          <a:p>
+            <a:r>
+              <a:rPr lang="en-US" dirty="0"/>
+              <a:t>/user/dir1/file1: n1b1, n1b2, n3b1, b4b3</a:t>
+            </a:r>
+          </a:p>
+          <a:p>
+            <a:r>
+              <a:rPr lang="en-US" dirty="0"/>
+              <a:t>/user/dir2/file2: n3b7, n4b8, n1b6, </a:t>
+            </a:r>
+            <a:r>
+              <a:rPr lang="en-US" dirty="0" smtClean="0"/>
+              <a:t>b2b5</a:t>
+            </a:r>
+            <a:endParaRPr lang="en-US" dirty="0"/>
           </a:p>
         </p:txBody>
       </p:sp>
@@ -10433,74 +10402,99 @@
           </a:p>
         </p:txBody>
       </p:sp>
-      <p:sp>
-        <p:nvSpPr>
-          <p:cNvPr id="42" name="Rounded Rectangle 41"/>
-          <p:cNvSpPr/>
+      <p:grpSp>
+        <p:nvGrpSpPr>
+          <p:cNvPr id="12" name="Group 11"/>
+          <p:cNvGrpSpPr/>
           <p:nvPr/>
-        </p:nvSpPr>
-        <p:spPr>
+        </p:nvGrpSpPr>
+        <p:grpSpPr>
           <a:xfrm>
-            <a:off x="3064818" y="2709364"/>
-            <a:ext cx="1308940" cy="448817"/>
+            <a:off x="1994669" y="1358112"/>
+            <a:ext cx="9989526" cy="5363363"/>
+            <a:chOff x="1994669" y="1358112"/>
+            <a:chExt cx="9989526" cy="5363363"/>
           </a:xfrm>
-          <a:prstGeom prst="roundRect">
-            <a:avLst/>
-          </a:prstGeom>
-          <a:solidFill>
-            <a:srgbClr val="7030A0"/>
-          </a:solidFill>
-          <a:ln>
-            <a:noFill/>
-          </a:ln>
-          <a:effectLst>
-            <a:glow rad="139700">
-              <a:srgbClr val="7030A0">
-                <a:alpha val="40000"/>
-              </a:srgbClr>
-            </a:glow>
-            <a:outerShdw blurRad="107950" dist="12700" dir="5400000" algn="ctr">
-              <a:srgbClr val="000000"/>
-            </a:outerShdw>
-          </a:effectLst>
-          <a:scene3d>
-            <a:camera prst="orthographicFront">
-              <a:rot lat="0" lon="0" rev="0"/>
-            </a:camera>
-            <a:lightRig rig="soft" dir="t">
-              <a:rot lat="0" lon="0" rev="0"/>
-            </a:lightRig>
-          </a:scene3d>
-          <a:sp3d contourW="44450" prstMaterial="matte">
-            <a:bevelT w="63500" h="63500" prst="artDeco"/>
-            <a:contourClr>
-              <a:srgbClr val="FFFFFF"/>
-            </a:contourClr>
-          </a:sp3d>
-        </p:spPr>
-        <p:style>
-          <a:lnRef idx="2">
-            <a:schemeClr val="accent1">
-              <a:shade val="50000"/>
-            </a:schemeClr>
-          </a:lnRef>
-          <a:fillRef idx="1">
-            <a:schemeClr val="accent1"/>
-          </a:fillRef>
-          <a:effectRef idx="0">
-            <a:schemeClr val="accent1"/>
-          </a:effectRef>
-          <a:fontRef idx="minor">
-            <a:schemeClr val="lt1"/>
-          </a:fontRef>
-        </p:style>
-        <p:txBody>
-          <a:bodyPr rtlCol="0" anchor="ctr"/>
-          <a:lstStyle/>
-          <a:p>
-            <a:pPr algn="ctr"/>
-            <a:r>
-              <a:rPr lang="en-US" b="1" dirty="0" smtClean="0">
+        </p:grpSpPr>
+        <p:sp>
+          <p:nvSpPr>
+            <p:cNvPr id="42" name="Rounded Rectangle 41"/>
+            <p:cNvSpPr/>
+            <p:nvPr/>
+          </p:nvSpPr>
+          <p:spPr>
+            <a:xfrm>
+              <a:off x="2912884" y="2680419"/>
+              <a:ext cx="1308940" cy="448817"/>
+            </a:xfrm>
+            <a:prstGeom prst="roundRect">
+              <a:avLst/>
+            </a:prstGeom>
+            <a:solidFill>
+              <a:srgbClr val="7030A0"/>
+            </a:solidFill>
+            <a:ln>
+              <a:noFill/>
+            </a:ln>
+            <a:effectLst>
+              <a:glow rad="139700">
+                <a:srgbClr val="7030A0">
+                  <a:alpha val="40000"/>
+                </a:srgbClr>
+              </a:glow>
+              <a:outerShdw blurRad="107950" dist="12700" dir="5400000" algn="ctr">
+                <a:srgbClr val="000000"/>
+              </a:outerShdw>
+            </a:effectLst>
+            <a:scene3d>
+              <a:camera prst="orthographicFront">
+                <a:rot lat="0" lon="0" rev="0"/>
+              </a:camera>
+              <a:lightRig rig="soft" dir="t">
+                <a:rot lat="0" lon="0" rev="0"/>
+              </a:lightRig>
+            </a:scene3d>
+            <a:sp3d contourW="44450" prstMaterial="matte">
+              <a:bevelT w="63500" h="63500" prst="artDeco"/>
+              <a:contourClr>
+                <a:srgbClr val="FFFFFF"/>
+              </a:contourClr>
+            </a:sp3d>
+          </p:spPr>
+          <p:style>
+            <a:lnRef idx="2">
+              <a:schemeClr val="accent1">
+                <a:shade val="50000"/>
+              </a:schemeClr>
+            </a:lnRef>
+            <a:fillRef idx="1">
+              <a:schemeClr val="accent1"/>
+            </a:fillRef>
+            <a:effectRef idx="0">
+              <a:schemeClr val="accent1"/>
+            </a:effectRef>
+            <a:fontRef idx="minor">
+              <a:schemeClr val="lt1"/>
+            </a:fontRef>
+          </p:style>
+          <p:txBody>
+            <a:bodyPr rtlCol="0" anchor="ctr"/>
+            <a:lstStyle/>
+            <a:p>
+              <a:pPr algn="ctr"/>
+              <a:r>
+                <a:rPr lang="en-US" b="1" dirty="0" smtClean="0">
+                  <a:effectLst>
+                    <a:outerShdw blurRad="38100" dist="38100" dir="2700000" algn="tl">
+                      <a:srgbClr val="000000">
+                        <a:alpha val="43137"/>
+                      </a:srgbClr>
+                    </a:outerShdw>
+                  </a:effectLst>
+                </a:rPr>
+                <a:t>Client</a:t>
+              </a:r>
+              <a:endParaRPr lang="en-US" b="1" dirty="0">
                 <a:effectLst>
                   <a:outerShdw blurRad="38100" dist="38100" dir="2700000" algn="tl">
                     <a:srgbClr val="000000">
@@ -10508,262 +10502,99 @@
                     </a:srgbClr>
                   </a:outerShdw>
                 </a:effectLst>
-              </a:rPr>
-              <a:t>Client</a:t>
-            </a:r>
-            <a:endParaRPr lang="en-US" b="1" dirty="0">
-              <a:effectLst>
-                <a:outerShdw blurRad="38100" dist="38100" dir="2700000" algn="tl">
-                  <a:srgbClr val="000000">
-                    <a:alpha val="43137"/>
-                  </a:srgbClr>
-                </a:outerShdw>
-              </a:effectLst>
-            </a:endParaRPr>
-          </a:p>
-        </p:txBody>
-      </p:sp>
-      <p:grpSp>
-        <p:nvGrpSpPr>
-          <p:cNvPr id="8" name="Group 7"/>
-          <p:cNvGrpSpPr/>
-          <p:nvPr/>
-        </p:nvGrpSpPr>
-        <p:grpSpPr>
-          <a:xfrm>
-            <a:off x="1926429" y="1358112"/>
-            <a:ext cx="9989526" cy="5363363"/>
-            <a:chOff x="1839813" y="1415188"/>
-            <a:chExt cx="9989526" cy="5363363"/>
-          </a:xfrm>
-        </p:grpSpPr>
+              </a:endParaRPr>
+            </a:p>
+          </p:txBody>
+        </p:sp>
         <p:grpSp>
           <p:nvGrpSpPr>
-            <p:cNvPr id="58" name="Group 57"/>
+            <p:cNvPr id="3" name="Group 2"/>
             <p:cNvGrpSpPr/>
             <p:nvPr/>
           </p:nvGrpSpPr>
           <p:grpSpPr>
             <a:xfrm>
-              <a:off x="1839813" y="1415188"/>
-              <a:ext cx="8847995" cy="5363363"/>
-              <a:chOff x="1839813" y="1415188"/>
-              <a:chExt cx="8847995" cy="5363363"/>
+              <a:off x="1994669" y="1358112"/>
+              <a:ext cx="9989526" cy="5363363"/>
+              <a:chOff x="1994669" y="1358112"/>
+              <a:chExt cx="9989526" cy="5363363"/>
             </a:xfrm>
           </p:grpSpPr>
-          <p:sp>
-            <p:nvSpPr>
-              <p:cNvPr id="59" name="Rounded Rectangle 58"/>
-              <p:cNvSpPr/>
-              <p:nvPr/>
-            </p:nvSpPr>
-            <p:spPr>
-              <a:xfrm>
-                <a:off x="9141934" y="4995384"/>
-                <a:ext cx="1545874" cy="1783167"/>
-              </a:xfrm>
-              <a:prstGeom prst="roundRect">
-                <a:avLst/>
-              </a:prstGeom>
-            </p:spPr>
-            <p:style>
-              <a:lnRef idx="2">
-                <a:schemeClr val="accent1"/>
-              </a:lnRef>
-              <a:fillRef idx="1">
-                <a:schemeClr val="lt1"/>
-              </a:fillRef>
-              <a:effectRef idx="0">
-                <a:schemeClr val="accent1"/>
-              </a:effectRef>
-              <a:fontRef idx="minor">
-                <a:schemeClr val="dk1"/>
-              </a:fontRef>
-            </p:style>
-            <p:txBody>
-              <a:bodyPr rtlCol="0" anchor="b"/>
-              <a:lstStyle/>
-              <a:p>
-                <a:pPr algn="ctr"/>
-                <a:r>
-                  <a:rPr lang="en-US" sz="2000" b="1" dirty="0" smtClean="0">
-                    <a:effectLst>
-                      <a:outerShdw blurRad="38100" dist="38100" dir="2700000" algn="tl">
-                        <a:srgbClr val="000000">
-                          <a:alpha val="43137"/>
-                        </a:srgbClr>
-                      </a:outerShdw>
-                    </a:effectLst>
-                  </a:rPr>
-                  <a:t>Rack n</a:t>
-                </a:r>
-                <a:endParaRPr lang="en-US" sz="2000" b="1" dirty="0">
-                  <a:effectLst>
-                    <a:outerShdw blurRad="38100" dist="38100" dir="2700000" algn="tl">
-                      <a:srgbClr val="000000">
-                        <a:alpha val="43137"/>
-                      </a:srgbClr>
-                    </a:outerShdw>
-                  </a:effectLst>
-                </a:endParaRPr>
-              </a:p>
-            </p:txBody>
-          </p:sp>
           <p:grpSp>
             <p:nvGrpSpPr>
-              <p:cNvPr id="60" name="Group 59"/>
+              <p:cNvPr id="8" name="Group 7"/>
               <p:cNvGrpSpPr/>
               <p:nvPr/>
             </p:nvGrpSpPr>
             <p:grpSpPr>
               <a:xfrm>
-                <a:off x="9289441" y="5117221"/>
-                <a:ext cx="1239129" cy="1239129"/>
-                <a:chOff x="4039874" y="5152992"/>
-                <a:chExt cx="1239129" cy="1239129"/>
+                <a:off x="1994669" y="1358112"/>
+                <a:ext cx="9989526" cy="5363363"/>
+                <a:chOff x="1839813" y="1415188"/>
+                <a:chExt cx="9989526" cy="5363363"/>
               </a:xfrm>
             </p:grpSpPr>
-            <p:pic>
-              <p:nvPicPr>
-                <p:cNvPr id="82" name="Picture 81"/>
-                <p:cNvPicPr>
-                  <a:picLocks noChangeAspect="1"/>
-                </p:cNvPicPr>
+            <p:grpSp>
+              <p:nvGrpSpPr>
+                <p:cNvPr id="58" name="Group 57"/>
+                <p:cNvGrpSpPr/>
                 <p:nvPr/>
-              </p:nvPicPr>
-              <p:blipFill>
-                <a:blip r:embed="rId4">
-                  <a:extLst>
-                    <a:ext uri="{28A0092B-C50C-407E-A947-70E740481C1C}">
-                      <a14:useLocalDpi xmlns:a14="http://schemas.microsoft.com/office/drawing/2010/main" val="0"/>
-                    </a:ext>
-                  </a:extLst>
-                </a:blip>
-                <a:stretch>
-                  <a:fillRect/>
-                </a:stretch>
-              </p:blipFill>
-              <p:spPr>
+              </p:nvGrpSpPr>
+              <p:grpSpPr>
                 <a:xfrm>
-                  <a:off x="4039874" y="5152992"/>
-                  <a:ext cx="934329" cy="934329"/>
+                  <a:off x="1839813" y="1415188"/>
+                  <a:ext cx="8847995" cy="5363363"/>
+                  <a:chOff x="1839813" y="1415188"/>
+                  <a:chExt cx="8847995" cy="5363363"/>
                 </a:xfrm>
-                <a:prstGeom prst="rect">
-                  <a:avLst/>
-                </a:prstGeom>
-              </p:spPr>
-            </p:pic>
-            <p:pic>
-              <p:nvPicPr>
-                <p:cNvPr id="83" name="Picture 82"/>
-                <p:cNvPicPr>
-                  <a:picLocks noChangeAspect="1"/>
-                </p:cNvPicPr>
-                <p:nvPr/>
-              </p:nvPicPr>
-              <p:blipFill>
-                <a:blip r:embed="rId4">
-                  <a:extLst>
-                    <a:ext uri="{28A0092B-C50C-407E-A947-70E740481C1C}">
-                      <a14:useLocalDpi xmlns:a14="http://schemas.microsoft.com/office/drawing/2010/main" val="0"/>
-                    </a:ext>
-                  </a:extLst>
-                </a:blip>
-                <a:stretch>
-                  <a:fillRect/>
-                </a:stretch>
-              </p:blipFill>
-              <p:spPr>
-                <a:xfrm>
-                  <a:off x="4192274" y="5305392"/>
-                  <a:ext cx="934329" cy="934329"/>
-                </a:xfrm>
-                <a:prstGeom prst="rect">
-                  <a:avLst/>
-                </a:prstGeom>
-              </p:spPr>
-            </p:pic>
-            <p:pic>
-              <p:nvPicPr>
-                <p:cNvPr id="84" name="Picture 83"/>
-                <p:cNvPicPr>
-                  <a:picLocks noChangeAspect="1"/>
-                </p:cNvPicPr>
-                <p:nvPr/>
-              </p:nvPicPr>
-              <p:blipFill>
-                <a:blip r:embed="rId4">
-                  <a:extLst>
-                    <a:ext uri="{28A0092B-C50C-407E-A947-70E740481C1C}">
-                      <a14:useLocalDpi xmlns:a14="http://schemas.microsoft.com/office/drawing/2010/main" val="0"/>
-                    </a:ext>
-                  </a:extLst>
-                </a:blip>
-                <a:stretch>
-                  <a:fillRect/>
-                </a:stretch>
-              </p:blipFill>
-              <p:spPr>
-                <a:xfrm>
-                  <a:off x="4344674" y="5457792"/>
-                  <a:ext cx="934329" cy="934329"/>
-                </a:xfrm>
-                <a:prstGeom prst="rect">
-                  <a:avLst/>
-                </a:prstGeom>
-              </p:spPr>
-            </p:pic>
-          </p:grpSp>
-          <p:grpSp>
-            <p:nvGrpSpPr>
-              <p:cNvPr id="61" name="Group 60"/>
-              <p:cNvGrpSpPr/>
-              <p:nvPr/>
-            </p:nvGrpSpPr>
-            <p:grpSpPr>
-              <a:xfrm>
-                <a:off x="1839813" y="1415188"/>
-                <a:ext cx="8075058" cy="5363363"/>
-                <a:chOff x="1839813" y="1415188"/>
-                <a:chExt cx="8075058" cy="5363363"/>
-              </a:xfrm>
-            </p:grpSpPr>
-            <p:sp>
-              <p:nvSpPr>
-                <p:cNvPr id="64" name="Rounded Rectangle 63"/>
-                <p:cNvSpPr/>
-                <p:nvPr/>
-              </p:nvSpPr>
-              <p:spPr>
-                <a:xfrm>
-                  <a:off x="1839813" y="3585305"/>
-                  <a:ext cx="3193795" cy="3193246"/>
-                </a:xfrm>
-                <a:prstGeom prst="roundRect">
-                  <a:avLst/>
-                </a:prstGeom>
-              </p:spPr>
-              <p:style>
-                <a:lnRef idx="2">
-                  <a:schemeClr val="accent1"/>
-                </a:lnRef>
-                <a:fillRef idx="1">
-                  <a:schemeClr val="lt1"/>
-                </a:fillRef>
-                <a:effectRef idx="0">
-                  <a:schemeClr val="accent1"/>
-                </a:effectRef>
-                <a:fontRef idx="minor">
-                  <a:schemeClr val="dk1"/>
-                </a:fontRef>
-              </p:style>
-              <p:txBody>
-                <a:bodyPr rtlCol="0" anchor="b"/>
-                <a:lstStyle/>
-                <a:p>
-                  <a:pPr algn="ctr"/>
-                  <a:r>
-                    <a:rPr lang="en-US" sz="2000" b="1" dirty="0" smtClean="0">
+              </p:grpSpPr>
+              <p:sp>
+                <p:nvSpPr>
+                  <p:cNvPr id="59" name="Rounded Rectangle 58"/>
+                  <p:cNvSpPr/>
+                  <p:nvPr/>
+                </p:nvSpPr>
+                <p:spPr>
+                  <a:xfrm>
+                    <a:off x="9141934" y="4995384"/>
+                    <a:ext cx="1545874" cy="1783167"/>
+                  </a:xfrm>
+                  <a:prstGeom prst="roundRect">
+                    <a:avLst/>
+                  </a:prstGeom>
+                </p:spPr>
+                <p:style>
+                  <a:lnRef idx="2">
+                    <a:schemeClr val="accent1"/>
+                  </a:lnRef>
+                  <a:fillRef idx="1">
+                    <a:schemeClr val="lt1"/>
+                  </a:fillRef>
+                  <a:effectRef idx="0">
+                    <a:schemeClr val="accent1"/>
+                  </a:effectRef>
+                  <a:fontRef idx="minor">
+                    <a:schemeClr val="dk1"/>
+                  </a:fontRef>
+                </p:style>
+                <p:txBody>
+                  <a:bodyPr rtlCol="0" anchor="b"/>
+                  <a:lstStyle/>
+                  <a:p>
+                    <a:pPr algn="ctr"/>
+                    <a:r>
+                      <a:rPr lang="en-US" sz="2000" b="1" dirty="0" smtClean="0">
+                        <a:effectLst>
+                          <a:outerShdw blurRad="38100" dist="38100" dir="2700000" algn="tl">
+                            <a:srgbClr val="000000">
+                              <a:alpha val="43137"/>
+                            </a:srgbClr>
+                          </a:outerShdw>
+                        </a:effectLst>
+                      </a:rPr>
+                      <a:t>Rack n</a:t>
+                    </a:r>
+                    <a:endParaRPr lang="en-US" sz="2000" b="1" dirty="0">
                       <a:effectLst>
                         <a:outerShdw blurRad="38100" dist="38100" dir="2700000" algn="tl">
                           <a:srgbClr val="000000">
@@ -10771,161 +10602,767 @@
                           </a:srgbClr>
                         </a:outerShdw>
                       </a:effectLst>
-                    </a:rPr>
-                    <a:t>Rack 1</a:t>
-                  </a:r>
-                  <a:endParaRPr lang="en-US" sz="2000" b="1" dirty="0">
+                    </a:endParaRPr>
+                  </a:p>
+                </p:txBody>
+              </p:sp>
+              <p:grpSp>
+                <p:nvGrpSpPr>
+                  <p:cNvPr id="60" name="Group 59"/>
+                  <p:cNvGrpSpPr/>
+                  <p:nvPr/>
+                </p:nvGrpSpPr>
+                <p:grpSpPr>
+                  <a:xfrm>
+                    <a:off x="9289441" y="5117221"/>
+                    <a:ext cx="1239129" cy="1239129"/>
+                    <a:chOff x="4039874" y="5152992"/>
+                    <a:chExt cx="1239129" cy="1239129"/>
+                  </a:xfrm>
+                </p:grpSpPr>
+                <p:pic>
+                  <p:nvPicPr>
+                    <p:cNvPr id="82" name="Picture 81"/>
+                    <p:cNvPicPr>
+                      <a:picLocks noChangeAspect="1"/>
+                    </p:cNvPicPr>
+                    <p:nvPr/>
+                  </p:nvPicPr>
+                  <p:blipFill>
+                    <a:blip r:embed="rId4">
+                      <a:extLst>
+                        <a:ext uri="{28A0092B-C50C-407E-A947-70E740481C1C}">
+                          <a14:useLocalDpi xmlns:a14="http://schemas.microsoft.com/office/drawing/2010/main" val="0"/>
+                        </a:ext>
+                      </a:extLst>
+                    </a:blip>
+                    <a:stretch>
+                      <a:fillRect/>
+                    </a:stretch>
+                  </p:blipFill>
+                  <p:spPr>
+                    <a:xfrm>
+                      <a:off x="4039874" y="5152992"/>
+                      <a:ext cx="934329" cy="934329"/>
+                    </a:xfrm>
+                    <a:prstGeom prst="rect">
+                      <a:avLst/>
+                    </a:prstGeom>
+                  </p:spPr>
+                </p:pic>
+                <p:pic>
+                  <p:nvPicPr>
+                    <p:cNvPr id="83" name="Picture 82"/>
+                    <p:cNvPicPr>
+                      <a:picLocks noChangeAspect="1"/>
+                    </p:cNvPicPr>
+                    <p:nvPr/>
+                  </p:nvPicPr>
+                  <p:blipFill>
+                    <a:blip r:embed="rId4">
+                      <a:extLst>
+                        <a:ext uri="{28A0092B-C50C-407E-A947-70E740481C1C}">
+                          <a14:useLocalDpi xmlns:a14="http://schemas.microsoft.com/office/drawing/2010/main" val="0"/>
+                        </a:ext>
+                      </a:extLst>
+                    </a:blip>
+                    <a:stretch>
+                      <a:fillRect/>
+                    </a:stretch>
+                  </p:blipFill>
+                  <p:spPr>
+                    <a:xfrm>
+                      <a:off x="4192274" y="5305392"/>
+                      <a:ext cx="934329" cy="934329"/>
+                    </a:xfrm>
+                    <a:prstGeom prst="rect">
+                      <a:avLst/>
+                    </a:prstGeom>
+                  </p:spPr>
+                </p:pic>
+                <p:pic>
+                  <p:nvPicPr>
+                    <p:cNvPr id="84" name="Picture 83"/>
+                    <p:cNvPicPr>
+                      <a:picLocks noChangeAspect="1"/>
+                    </p:cNvPicPr>
+                    <p:nvPr/>
+                  </p:nvPicPr>
+                  <p:blipFill>
+                    <a:blip r:embed="rId4">
+                      <a:extLst>
+                        <a:ext uri="{28A0092B-C50C-407E-A947-70E740481C1C}">
+                          <a14:useLocalDpi xmlns:a14="http://schemas.microsoft.com/office/drawing/2010/main" val="0"/>
+                        </a:ext>
+                      </a:extLst>
+                    </a:blip>
+                    <a:stretch>
+                      <a:fillRect/>
+                    </a:stretch>
+                  </p:blipFill>
+                  <p:spPr>
+                    <a:xfrm>
+                      <a:off x="4344674" y="5457792"/>
+                      <a:ext cx="934329" cy="934329"/>
+                    </a:xfrm>
+                    <a:prstGeom prst="rect">
+                      <a:avLst/>
+                    </a:prstGeom>
+                  </p:spPr>
+                </p:pic>
+              </p:grpSp>
+              <p:grpSp>
+                <p:nvGrpSpPr>
+                  <p:cNvPr id="61" name="Group 60"/>
+                  <p:cNvGrpSpPr/>
+                  <p:nvPr/>
+                </p:nvGrpSpPr>
+                <p:grpSpPr>
+                  <a:xfrm>
+                    <a:off x="1839813" y="1415188"/>
+                    <a:ext cx="8075058" cy="5363363"/>
+                    <a:chOff x="1839813" y="1415188"/>
+                    <a:chExt cx="8075058" cy="5363363"/>
+                  </a:xfrm>
+                </p:grpSpPr>
+                <p:sp>
+                  <p:nvSpPr>
+                    <p:cNvPr id="64" name="Rounded Rectangle 63"/>
+                    <p:cNvSpPr/>
+                    <p:nvPr/>
+                  </p:nvSpPr>
+                  <p:spPr>
+                    <a:xfrm>
+                      <a:off x="1839813" y="3585305"/>
+                      <a:ext cx="3193795" cy="3193246"/>
+                    </a:xfrm>
+                    <a:prstGeom prst="roundRect">
+                      <a:avLst/>
+                    </a:prstGeom>
+                  </p:spPr>
+                  <p:style>
+                    <a:lnRef idx="2">
+                      <a:schemeClr val="accent1"/>
+                    </a:lnRef>
+                    <a:fillRef idx="1">
+                      <a:schemeClr val="lt1"/>
+                    </a:fillRef>
+                    <a:effectRef idx="0">
+                      <a:schemeClr val="accent1"/>
+                    </a:effectRef>
+                    <a:fontRef idx="minor">
+                      <a:schemeClr val="dk1"/>
+                    </a:fontRef>
+                  </p:style>
+                  <p:txBody>
+                    <a:bodyPr rtlCol="0" anchor="b"/>
+                    <a:lstStyle/>
+                    <a:p>
+                      <a:pPr algn="ctr"/>
+                      <a:r>
+                        <a:rPr lang="en-US" sz="2000" b="1" dirty="0" smtClean="0">
+                          <a:effectLst>
+                            <a:outerShdw blurRad="38100" dist="38100" dir="2700000" algn="tl">
+                              <a:srgbClr val="000000">
+                                <a:alpha val="43137"/>
+                              </a:srgbClr>
+                            </a:outerShdw>
+                          </a:effectLst>
+                        </a:rPr>
+                        <a:t>Rack 1</a:t>
+                      </a:r>
+                      <a:endParaRPr lang="en-US" sz="2000" b="1" dirty="0">
+                        <a:effectLst>
+                          <a:outerShdw blurRad="38100" dist="38100" dir="2700000" algn="tl">
+                            <a:srgbClr val="000000">
+                              <a:alpha val="43137"/>
+                            </a:srgbClr>
+                          </a:outerShdw>
+                        </a:effectLst>
+                      </a:endParaRPr>
+                    </a:p>
+                  </p:txBody>
+                </p:sp>
+                <p:sp>
+                  <p:nvSpPr>
+                    <p:cNvPr id="62" name="Rounded Rectangle 61"/>
+                    <p:cNvSpPr/>
+                    <p:nvPr/>
+                  </p:nvSpPr>
+                  <p:spPr>
+                    <a:xfrm>
+                      <a:off x="7529677" y="3761227"/>
+                      <a:ext cx="1545874" cy="1783167"/>
+                    </a:xfrm>
+                    <a:prstGeom prst="roundRect">
+                      <a:avLst/>
+                    </a:prstGeom>
+                  </p:spPr>
+                  <p:style>
+                    <a:lnRef idx="2">
+                      <a:schemeClr val="accent1"/>
+                    </a:lnRef>
+                    <a:fillRef idx="1">
+                      <a:schemeClr val="lt1"/>
+                    </a:fillRef>
+                    <a:effectRef idx="0">
+                      <a:schemeClr val="accent1"/>
+                    </a:effectRef>
+                    <a:fontRef idx="minor">
+                      <a:schemeClr val="dk1"/>
+                    </a:fontRef>
+                  </p:style>
+                  <p:txBody>
+                    <a:bodyPr rtlCol="0" anchor="b"/>
+                    <a:lstStyle/>
+                    <a:p>
+                      <a:pPr algn="ctr"/>
+                      <a:r>
+                        <a:rPr lang="en-US" sz="2000" b="1" dirty="0" smtClean="0">
+                          <a:effectLst>
+                            <a:outerShdw blurRad="38100" dist="38100" dir="2700000" algn="tl">
+                              <a:srgbClr val="000000">
+                                <a:alpha val="43137"/>
+                              </a:srgbClr>
+                            </a:outerShdw>
+                          </a:effectLst>
+                        </a:rPr>
+                        <a:t>Rack 3</a:t>
+                      </a:r>
+                      <a:endParaRPr lang="en-US" sz="2000" b="1" dirty="0">
+                        <a:effectLst>
+                          <a:outerShdw blurRad="38100" dist="38100" dir="2700000" algn="tl">
+                            <a:srgbClr val="000000">
+                              <a:alpha val="43137"/>
+                            </a:srgbClr>
+                          </a:outerShdw>
+                        </a:effectLst>
+                      </a:endParaRPr>
+                    </a:p>
+                  </p:txBody>
+                </p:sp>
+                <p:sp>
+                  <p:nvSpPr>
+                    <p:cNvPr id="63" name="Rounded Rectangle 62"/>
+                    <p:cNvSpPr/>
+                    <p:nvPr/>
+                  </p:nvSpPr>
+                  <p:spPr>
+                    <a:xfrm>
+                      <a:off x="5831909" y="3691647"/>
+                      <a:ext cx="1545874" cy="1635779"/>
+                    </a:xfrm>
+                    <a:prstGeom prst="roundRect">
+                      <a:avLst/>
+                    </a:prstGeom>
+                  </p:spPr>
+                  <p:style>
+                    <a:lnRef idx="2">
+                      <a:schemeClr val="accent1"/>
+                    </a:lnRef>
+                    <a:fillRef idx="1">
+                      <a:schemeClr val="lt1"/>
+                    </a:fillRef>
+                    <a:effectRef idx="0">
+                      <a:schemeClr val="accent1"/>
+                    </a:effectRef>
+                    <a:fontRef idx="minor">
+                      <a:schemeClr val="dk1"/>
+                    </a:fontRef>
+                  </p:style>
+                  <p:txBody>
+                    <a:bodyPr rtlCol="0" anchor="b"/>
+                    <a:lstStyle/>
+                    <a:p>
+                      <a:pPr algn="ctr"/>
+                      <a:r>
+                        <a:rPr lang="en-US" sz="2000" b="1" dirty="0" smtClean="0">
+                          <a:effectLst>
+                            <a:outerShdw blurRad="38100" dist="38100" dir="2700000" algn="tl">
+                              <a:srgbClr val="000000">
+                                <a:alpha val="43137"/>
+                              </a:srgbClr>
+                            </a:outerShdw>
+                          </a:effectLst>
+                        </a:rPr>
+                        <a:t>Rack 2</a:t>
+                      </a:r>
+                      <a:endParaRPr lang="en-US" sz="2000" b="1" dirty="0">
+                        <a:effectLst>
+                          <a:outerShdw blurRad="38100" dist="38100" dir="2700000" algn="tl">
+                            <a:srgbClr val="000000">
+                              <a:alpha val="43137"/>
+                            </a:srgbClr>
+                          </a:outerShdw>
+                        </a:effectLst>
+                      </a:endParaRPr>
+                    </a:p>
+                  </p:txBody>
+                </p:sp>
+                <p:grpSp>
+                  <p:nvGrpSpPr>
+                    <p:cNvPr id="66" name="Group 65"/>
+                    <p:cNvGrpSpPr/>
+                    <p:nvPr/>
+                  </p:nvGrpSpPr>
+                  <p:grpSpPr>
+                    <a:xfrm>
+                      <a:off x="5948435" y="3835324"/>
+                      <a:ext cx="1191327" cy="1113716"/>
+                      <a:chOff x="5948435" y="3835324"/>
+                      <a:chExt cx="1191327" cy="1113716"/>
+                    </a:xfrm>
+                  </p:grpSpPr>
+                  <p:pic>
+                    <p:nvPicPr>
+                      <p:cNvPr id="77" name="Picture 76"/>
+                      <p:cNvPicPr>
+                        <a:picLocks noChangeAspect="1"/>
+                      </p:cNvPicPr>
+                      <p:nvPr/>
+                    </p:nvPicPr>
+                    <p:blipFill>
+                      <a:blip r:embed="rId4">
+                        <a:extLst>
+                          <a:ext uri="{28A0092B-C50C-407E-A947-70E740481C1C}">
+                            <a14:useLocalDpi xmlns:a14="http://schemas.microsoft.com/office/drawing/2010/main" val="0"/>
+                          </a:ext>
+                        </a:extLst>
+                      </a:blip>
+                      <a:stretch>
+                        <a:fillRect/>
+                      </a:stretch>
+                    </p:blipFill>
+                    <p:spPr>
+                      <a:xfrm>
+                        <a:off x="5948435" y="3835324"/>
+                        <a:ext cx="934329" cy="934329"/>
+                      </a:xfrm>
+                      <a:prstGeom prst="rect">
+                        <a:avLst/>
+                      </a:prstGeom>
+                    </p:spPr>
+                  </p:pic>
+                  <p:pic>
+                    <p:nvPicPr>
+                      <p:cNvPr id="78" name="Picture 77"/>
+                      <p:cNvPicPr>
+                        <a:picLocks noChangeAspect="1"/>
+                      </p:cNvPicPr>
+                      <p:nvPr/>
+                    </p:nvPicPr>
+                    <p:blipFill>
+                      <a:blip r:embed="rId4">
+                        <a:extLst>
+                          <a:ext uri="{28A0092B-C50C-407E-A947-70E740481C1C}">
+                            <a14:useLocalDpi xmlns:a14="http://schemas.microsoft.com/office/drawing/2010/main" val="0"/>
+                          </a:ext>
+                        </a:extLst>
+                      </a:blip>
+                      <a:stretch>
+                        <a:fillRect/>
+                      </a:stretch>
+                    </p:blipFill>
+                    <p:spPr>
+                      <a:xfrm>
+                        <a:off x="6205433" y="4014711"/>
+                        <a:ext cx="934329" cy="934329"/>
+                      </a:xfrm>
+                      <a:prstGeom prst="rect">
+                        <a:avLst/>
+                      </a:prstGeom>
+                    </p:spPr>
+                  </p:pic>
+                </p:grpSp>
+                <p:grpSp>
+                  <p:nvGrpSpPr>
+                    <p:cNvPr id="67" name="Group 66"/>
+                    <p:cNvGrpSpPr/>
+                    <p:nvPr/>
+                  </p:nvGrpSpPr>
+                  <p:grpSpPr>
+                    <a:xfrm>
+                      <a:off x="7589053" y="3913833"/>
+                      <a:ext cx="1239129" cy="1239129"/>
+                      <a:chOff x="7589053" y="3913833"/>
+                      <a:chExt cx="1239129" cy="1239129"/>
+                    </a:xfrm>
+                  </p:grpSpPr>
+                  <p:pic>
+                    <p:nvPicPr>
+                      <p:cNvPr id="74" name="Picture 73"/>
+                      <p:cNvPicPr>
+                        <a:picLocks noChangeAspect="1"/>
+                      </p:cNvPicPr>
+                      <p:nvPr/>
+                    </p:nvPicPr>
+                    <p:blipFill>
+                      <a:blip r:embed="rId4">
+                        <a:extLst>
+                          <a:ext uri="{28A0092B-C50C-407E-A947-70E740481C1C}">
+                            <a14:useLocalDpi xmlns:a14="http://schemas.microsoft.com/office/drawing/2010/main" val="0"/>
+                          </a:ext>
+                        </a:extLst>
+                      </a:blip>
+                      <a:stretch>
+                        <a:fillRect/>
+                      </a:stretch>
+                    </p:blipFill>
+                    <p:spPr>
+                      <a:xfrm>
+                        <a:off x="7589053" y="3913833"/>
+                        <a:ext cx="934329" cy="934329"/>
+                      </a:xfrm>
+                      <a:prstGeom prst="rect">
+                        <a:avLst/>
+                      </a:prstGeom>
+                    </p:spPr>
+                  </p:pic>
+                  <p:pic>
+                    <p:nvPicPr>
+                      <p:cNvPr id="75" name="Picture 74"/>
+                      <p:cNvPicPr>
+                        <a:picLocks noChangeAspect="1"/>
+                      </p:cNvPicPr>
+                      <p:nvPr/>
+                    </p:nvPicPr>
+                    <p:blipFill>
+                      <a:blip r:embed="rId4">
+                        <a:extLst>
+                          <a:ext uri="{28A0092B-C50C-407E-A947-70E740481C1C}">
+                            <a14:useLocalDpi xmlns:a14="http://schemas.microsoft.com/office/drawing/2010/main" val="0"/>
+                          </a:ext>
+                        </a:extLst>
+                      </a:blip>
+                      <a:stretch>
+                        <a:fillRect/>
+                      </a:stretch>
+                    </p:blipFill>
+                    <p:spPr>
+                      <a:xfrm>
+                        <a:off x="7741453" y="4066233"/>
+                        <a:ext cx="934329" cy="934329"/>
+                      </a:xfrm>
+                      <a:prstGeom prst="rect">
+                        <a:avLst/>
+                      </a:prstGeom>
+                    </p:spPr>
+                  </p:pic>
+                  <p:pic>
+                    <p:nvPicPr>
+                      <p:cNvPr id="76" name="Picture 75"/>
+                      <p:cNvPicPr>
+                        <a:picLocks noChangeAspect="1"/>
+                      </p:cNvPicPr>
+                      <p:nvPr/>
+                    </p:nvPicPr>
+                    <p:blipFill>
+                      <a:blip r:embed="rId4">
+                        <a:extLst>
+                          <a:ext uri="{28A0092B-C50C-407E-A947-70E740481C1C}">
+                            <a14:useLocalDpi xmlns:a14="http://schemas.microsoft.com/office/drawing/2010/main" val="0"/>
+                          </a:ext>
+                        </a:extLst>
+                      </a:blip>
+                      <a:stretch>
+                        <a:fillRect/>
+                      </a:stretch>
+                    </p:blipFill>
+                    <p:spPr>
+                      <a:xfrm>
+                        <a:off x="7893853" y="4218633"/>
+                        <a:ext cx="934329" cy="934329"/>
+                      </a:xfrm>
+                      <a:prstGeom prst="rect">
+                        <a:avLst/>
+                      </a:prstGeom>
+                    </p:spPr>
+                  </p:pic>
+                </p:grpSp>
+                <p:pic>
+                  <p:nvPicPr>
+                    <p:cNvPr id="68" name="Picture 67"/>
+                    <p:cNvPicPr>
+                      <a:picLocks noChangeAspect="1"/>
+                    </p:cNvPicPr>
+                    <p:nvPr/>
+                  </p:nvPicPr>
+                  <p:blipFill>
+                    <a:blip r:embed="rId5">
+                      <a:extLst>
+                        <a:ext uri="{28A0092B-C50C-407E-A947-70E740481C1C}">
+                          <a14:useLocalDpi xmlns:a14="http://schemas.microsoft.com/office/drawing/2010/main" val="0"/>
+                        </a:ext>
+                      </a:extLst>
+                    </a:blip>
+                    <a:stretch>
+                      <a:fillRect/>
+                    </a:stretch>
+                  </p:blipFill>
+                  <p:spPr>
+                    <a:xfrm>
+                      <a:off x="5986797" y="1415188"/>
+                      <a:ext cx="1371600" cy="1371600"/>
+                    </a:xfrm>
+                    <a:prstGeom prst="rect">
+                      <a:avLst/>
+                    </a:prstGeom>
+                  </p:spPr>
+                </p:pic>
+                <p:sp>
+                  <p:nvSpPr>
+                    <p:cNvPr id="69" name="Rounded Rectangle 68"/>
+                    <p:cNvSpPr/>
+                    <p:nvPr/>
+                  </p:nvSpPr>
+                  <p:spPr>
+                    <a:xfrm>
+                      <a:off x="5641145" y="2786788"/>
+                      <a:ext cx="2100308" cy="452430"/>
+                    </a:xfrm>
+                    <a:prstGeom prst="roundRect">
+                      <a:avLst/>
+                    </a:prstGeom>
+                    <a:solidFill>
+                      <a:srgbClr val="C00000"/>
+                    </a:solidFill>
+                    <a:ln>
+                      <a:noFill/>
+                    </a:ln>
                     <a:effectLst>
-                      <a:outerShdw blurRad="38100" dist="38100" dir="2700000" algn="tl">
-                        <a:srgbClr val="000000">
-                          <a:alpha val="43137"/>
+                      <a:glow rad="228600">
+                        <a:srgbClr val="C00000">
+                          <a:alpha val="40000"/>
                         </a:srgbClr>
+                      </a:glow>
+                      <a:outerShdw blurRad="107950" dist="12700" dir="5400000" algn="ctr">
+                        <a:srgbClr val="000000"/>
                       </a:outerShdw>
                     </a:effectLst>
-                  </a:endParaRPr>
-                </a:p>
-              </p:txBody>
-            </p:sp>
-            <p:sp>
-              <p:nvSpPr>
-                <p:cNvPr id="62" name="Rounded Rectangle 61"/>
-                <p:cNvSpPr/>
-                <p:nvPr/>
-              </p:nvSpPr>
-              <p:spPr>
-                <a:xfrm>
-                  <a:off x="7529677" y="3761227"/>
-                  <a:ext cx="1545874" cy="1783167"/>
-                </a:xfrm>
-                <a:prstGeom prst="roundRect">
-                  <a:avLst/>
-                </a:prstGeom>
-              </p:spPr>
-              <p:style>
-                <a:lnRef idx="2">
-                  <a:schemeClr val="accent1"/>
-                </a:lnRef>
-                <a:fillRef idx="1">
-                  <a:schemeClr val="lt1"/>
-                </a:fillRef>
-                <a:effectRef idx="0">
-                  <a:schemeClr val="accent1"/>
-                </a:effectRef>
-                <a:fontRef idx="minor">
-                  <a:schemeClr val="dk1"/>
-                </a:fontRef>
-              </p:style>
-              <p:txBody>
-                <a:bodyPr rtlCol="0" anchor="b"/>
-                <a:lstStyle/>
-                <a:p>
-                  <a:pPr algn="ctr"/>
-                  <a:r>
-                    <a:rPr lang="en-US" sz="2000" b="1" dirty="0" smtClean="0">
-                      <a:effectLst>
-                        <a:outerShdw blurRad="38100" dist="38100" dir="2700000" algn="tl">
-                          <a:srgbClr val="000000">
-                            <a:alpha val="43137"/>
-                          </a:srgbClr>
-                        </a:outerShdw>
-                      </a:effectLst>
-                    </a:rPr>
-                    <a:t>Rack 3</a:t>
-                  </a:r>
-                  <a:endParaRPr lang="en-US" sz="2000" b="1" dirty="0">
-                    <a:effectLst>
-                      <a:outerShdw blurRad="38100" dist="38100" dir="2700000" algn="tl">
-                        <a:srgbClr val="000000">
-                          <a:alpha val="43137"/>
-                        </a:srgbClr>
-                      </a:outerShdw>
-                    </a:effectLst>
-                  </a:endParaRPr>
-                </a:p>
-              </p:txBody>
-            </p:sp>
-            <p:sp>
-              <p:nvSpPr>
-                <p:cNvPr id="63" name="Rounded Rectangle 62"/>
-                <p:cNvSpPr/>
-                <p:nvPr/>
-              </p:nvSpPr>
-              <p:spPr>
-                <a:xfrm>
-                  <a:off x="5831909" y="3691647"/>
-                  <a:ext cx="1545874" cy="1635779"/>
-                </a:xfrm>
-                <a:prstGeom prst="roundRect">
-                  <a:avLst/>
-                </a:prstGeom>
-              </p:spPr>
-              <p:style>
-                <a:lnRef idx="2">
-                  <a:schemeClr val="accent1"/>
-                </a:lnRef>
-                <a:fillRef idx="1">
-                  <a:schemeClr val="lt1"/>
-                </a:fillRef>
-                <a:effectRef idx="0">
-                  <a:schemeClr val="accent1"/>
-                </a:effectRef>
-                <a:fontRef idx="minor">
-                  <a:schemeClr val="dk1"/>
-                </a:fontRef>
-              </p:style>
-              <p:txBody>
-                <a:bodyPr rtlCol="0" anchor="b"/>
-                <a:lstStyle/>
-                <a:p>
-                  <a:pPr algn="ctr"/>
-                  <a:r>
-                    <a:rPr lang="en-US" sz="2000" b="1" dirty="0" smtClean="0">
-                      <a:effectLst>
-                        <a:outerShdw blurRad="38100" dist="38100" dir="2700000" algn="tl">
-                          <a:srgbClr val="000000">
-                            <a:alpha val="43137"/>
-                          </a:srgbClr>
-                        </a:outerShdw>
-                      </a:effectLst>
-                    </a:rPr>
-                    <a:t>Rack 2</a:t>
-                  </a:r>
-                  <a:endParaRPr lang="en-US" sz="2000" b="1" dirty="0">
-                    <a:effectLst>
-                      <a:outerShdw blurRad="38100" dist="38100" dir="2700000" algn="tl">
-                        <a:srgbClr val="000000">
-                          <a:alpha val="43137"/>
-                        </a:srgbClr>
-                      </a:outerShdw>
-                    </a:effectLst>
-                  </a:endParaRPr>
-                </a:p>
-              </p:txBody>
-            </p:sp>
+                    <a:scene3d>
+                      <a:camera prst="orthographicFront">
+                        <a:rot lat="0" lon="0" rev="0"/>
+                      </a:camera>
+                      <a:lightRig rig="soft" dir="t">
+                        <a:rot lat="0" lon="0" rev="0"/>
+                      </a:lightRig>
+                    </a:scene3d>
+                    <a:sp3d contourW="44450" prstMaterial="matte">
+                      <a:bevelT w="63500" h="63500" prst="artDeco"/>
+                      <a:contourClr>
+                        <a:srgbClr val="FFFFFF"/>
+                      </a:contourClr>
+                    </a:sp3d>
+                  </p:spPr>
+                  <p:style>
+                    <a:lnRef idx="0">
+                      <a:schemeClr val="accent6"/>
+                    </a:lnRef>
+                    <a:fillRef idx="3">
+                      <a:schemeClr val="accent6"/>
+                    </a:fillRef>
+                    <a:effectRef idx="3">
+                      <a:schemeClr val="accent6"/>
+                    </a:effectRef>
+                    <a:fontRef idx="minor">
+                      <a:schemeClr val="lt1"/>
+                    </a:fontRef>
+                  </p:style>
+                  <p:txBody>
+                    <a:bodyPr rtlCol="0" anchor="ctr"/>
+                    <a:lstStyle/>
+                    <a:p>
+                      <a:pPr algn="ctr"/>
+                      <a:r>
+                        <a:rPr lang="en-US" sz="2000" b="1" dirty="0" err="1" smtClean="0">
+                          <a:effectLst>
+                            <a:outerShdw blurRad="38100" dist="38100" dir="2700000" algn="tl">
+                              <a:srgbClr val="000000">
+                                <a:alpha val="43137"/>
+                              </a:srgbClr>
+                            </a:outerShdw>
+                          </a:effectLst>
+                        </a:rPr>
+                        <a:t>Namenode</a:t>
+                      </a:r>
+                      <a:endParaRPr lang="en-US" sz="2000" b="1" dirty="0">
+                        <a:effectLst>
+                          <a:outerShdw blurRad="38100" dist="38100" dir="2700000" algn="tl">
+                            <a:srgbClr val="000000">
+                              <a:alpha val="43137"/>
+                            </a:srgbClr>
+                          </a:outerShdw>
+                        </a:effectLst>
+                      </a:endParaRPr>
+                    </a:p>
+                  </p:txBody>
+                </p:sp>
+                <p:cxnSp>
+                  <p:nvCxnSpPr>
+                    <p:cNvPr id="70" name="Straight Arrow Connector 69"/>
+                    <p:cNvCxnSpPr>
+                      <a:endCxn id="64" idx="0"/>
+                    </p:cNvCxnSpPr>
+                    <p:nvPr/>
+                  </p:nvCxnSpPr>
+                  <p:spPr>
+                    <a:xfrm flipH="1">
+                      <a:off x="3436711" y="3239218"/>
+                      <a:ext cx="3259512" cy="346087"/>
+                    </a:xfrm>
+                    <a:prstGeom prst="straightConnector1">
+                      <a:avLst/>
+                    </a:prstGeom>
+                    <a:ln>
+                      <a:headEnd type="triangle"/>
+                      <a:tailEnd type="triangle"/>
+                    </a:ln>
+                  </p:spPr>
+                  <p:style>
+                    <a:lnRef idx="1">
+                      <a:schemeClr val="accent1"/>
+                    </a:lnRef>
+                    <a:fillRef idx="0">
+                      <a:schemeClr val="accent1"/>
+                    </a:fillRef>
+                    <a:effectRef idx="0">
+                      <a:schemeClr val="accent1"/>
+                    </a:effectRef>
+                    <a:fontRef idx="minor">
+                      <a:schemeClr val="tx1"/>
+                    </a:fontRef>
+                  </p:style>
+                </p:cxnSp>
+                <p:cxnSp>
+                  <p:nvCxnSpPr>
+                    <p:cNvPr id="71" name="Straight Arrow Connector 70"/>
+                    <p:cNvCxnSpPr/>
+                    <p:nvPr/>
+                  </p:nvCxnSpPr>
+                  <p:spPr>
+                    <a:xfrm>
+                      <a:off x="6696222" y="3239218"/>
+                      <a:ext cx="0" cy="674615"/>
+                    </a:xfrm>
+                    <a:prstGeom prst="straightConnector1">
+                      <a:avLst/>
+                    </a:prstGeom>
+                    <a:ln>
+                      <a:headEnd type="triangle"/>
+                      <a:tailEnd type="triangle"/>
+                    </a:ln>
+                  </p:spPr>
+                  <p:style>
+                    <a:lnRef idx="1">
+                      <a:schemeClr val="accent1"/>
+                    </a:lnRef>
+                    <a:fillRef idx="0">
+                      <a:schemeClr val="accent1"/>
+                    </a:fillRef>
+                    <a:effectRef idx="0">
+                      <a:schemeClr val="accent1"/>
+                    </a:effectRef>
+                    <a:fontRef idx="minor">
+                      <a:schemeClr val="tx1"/>
+                    </a:fontRef>
+                  </p:style>
+                </p:cxnSp>
+                <p:cxnSp>
+                  <p:nvCxnSpPr>
+                    <p:cNvPr id="72" name="Straight Arrow Connector 71"/>
+                    <p:cNvCxnSpPr/>
+                    <p:nvPr/>
+                  </p:nvCxnSpPr>
+                  <p:spPr>
+                    <a:xfrm>
+                      <a:off x="6696222" y="3239218"/>
+                      <a:ext cx="1359996" cy="674615"/>
+                    </a:xfrm>
+                    <a:prstGeom prst="straightConnector1">
+                      <a:avLst/>
+                    </a:prstGeom>
+                    <a:ln>
+                      <a:headEnd type="triangle"/>
+                      <a:tailEnd type="triangle"/>
+                    </a:ln>
+                  </p:spPr>
+                  <p:style>
+                    <a:lnRef idx="1">
+                      <a:schemeClr val="accent1"/>
+                    </a:lnRef>
+                    <a:fillRef idx="0">
+                      <a:schemeClr val="accent1"/>
+                    </a:fillRef>
+                    <a:effectRef idx="0">
+                      <a:schemeClr val="accent1"/>
+                    </a:effectRef>
+                    <a:fontRef idx="minor">
+                      <a:schemeClr val="tx1"/>
+                    </a:fontRef>
+                  </p:style>
+                </p:cxnSp>
+                <p:cxnSp>
+                  <p:nvCxnSpPr>
+                    <p:cNvPr id="73" name="Straight Arrow Connector 72"/>
+                    <p:cNvCxnSpPr>
+                      <a:endCxn id="59" idx="0"/>
+                    </p:cNvCxnSpPr>
+                    <p:nvPr/>
+                  </p:nvCxnSpPr>
+                  <p:spPr>
+                    <a:xfrm>
+                      <a:off x="6696223" y="3239218"/>
+                      <a:ext cx="3218648" cy="1756166"/>
+                    </a:xfrm>
+                    <a:prstGeom prst="straightConnector1">
+                      <a:avLst/>
+                    </a:prstGeom>
+                    <a:ln>
+                      <a:headEnd type="triangle"/>
+                      <a:tailEnd type="triangle"/>
+                    </a:ln>
+                  </p:spPr>
+                  <p:style>
+                    <a:lnRef idx="1">
+                      <a:schemeClr val="accent1"/>
+                    </a:lnRef>
+                    <a:fillRef idx="0">
+                      <a:schemeClr val="accent1"/>
+                    </a:fillRef>
+                    <a:effectRef idx="0">
+                      <a:schemeClr val="accent1"/>
+                    </a:effectRef>
+                    <a:fontRef idx="minor">
+                      <a:schemeClr val="tx1"/>
+                    </a:fontRef>
+                  </p:style>
+                </p:cxnSp>
+              </p:grpSp>
+            </p:grpSp>
             <p:grpSp>
               <p:nvGrpSpPr>
-                <p:cNvPr id="66" name="Group 65"/>
+                <p:cNvPr id="6" name="Group 5"/>
                 <p:cNvGrpSpPr/>
                 <p:nvPr/>
               </p:nvGrpSpPr>
               <p:grpSpPr>
                 <a:xfrm>
-                  <a:off x="5948435" y="3835324"/>
-                  <a:ext cx="1191327" cy="1113716"/>
-                  <a:chOff x="5948435" y="3835324"/>
-                  <a:chExt cx="1191327" cy="1113716"/>
+                  <a:off x="9729031" y="1438771"/>
+                  <a:ext cx="2100308" cy="1824030"/>
+                  <a:chOff x="9673103" y="1358112"/>
+                  <a:chExt cx="2100308" cy="1824030"/>
                 </a:xfrm>
               </p:grpSpPr>
               <p:pic>
                 <p:nvPicPr>
-                  <p:cNvPr id="77" name="Picture 76"/>
+                  <p:cNvPr id="85" name="Picture 84"/>
                   <p:cNvPicPr>
                     <a:picLocks noChangeAspect="1"/>
                   </p:cNvPicPr>
                   <p:nvPr/>
                 </p:nvPicPr>
                 <p:blipFill>
-                  <a:blip r:embed="rId4">
+                  <a:blip r:embed="rId5">
                     <a:extLst>
                       <a:ext uri="{28A0092B-C50C-407E-A947-70E740481C1C}">
                         <a14:useLocalDpi xmlns:a14="http://schemas.microsoft.com/office/drawing/2010/main" val="0"/>
@@ -10938,246 +11375,83 @@
                 </p:blipFill>
                 <p:spPr>
                   <a:xfrm>
-                    <a:off x="5948435" y="3835324"/>
-                    <a:ext cx="934329" cy="934329"/>
+                    <a:off x="10018755" y="1358112"/>
+                    <a:ext cx="1371600" cy="1371600"/>
                   </a:xfrm>
                   <a:prstGeom prst="rect">
                     <a:avLst/>
                   </a:prstGeom>
                 </p:spPr>
               </p:pic>
-              <p:pic>
-                <p:nvPicPr>
-                  <p:cNvPr id="78" name="Picture 77"/>
-                  <p:cNvPicPr>
-                    <a:picLocks noChangeAspect="1"/>
-                  </p:cNvPicPr>
+              <p:sp>
+                <p:nvSpPr>
+                  <p:cNvPr id="86" name="Rounded Rectangle 85"/>
+                  <p:cNvSpPr/>
                   <p:nvPr/>
-                </p:nvPicPr>
-                <p:blipFill>
-                  <a:blip r:embed="rId4">
-                    <a:extLst>
-                      <a:ext uri="{28A0092B-C50C-407E-A947-70E740481C1C}">
-                        <a14:useLocalDpi xmlns:a14="http://schemas.microsoft.com/office/drawing/2010/main" val="0"/>
-                      </a:ext>
-                    </a:extLst>
-                  </a:blip>
-                  <a:stretch>
-                    <a:fillRect/>
-                  </a:stretch>
-                </p:blipFill>
+                </p:nvSpPr>
                 <p:spPr>
                   <a:xfrm>
-                    <a:off x="6205433" y="4014711"/>
-                    <a:ext cx="934329" cy="934329"/>
+                    <a:off x="9673103" y="2729712"/>
+                    <a:ext cx="2100308" cy="452430"/>
                   </a:xfrm>
-                  <a:prstGeom prst="rect">
+                  <a:prstGeom prst="roundRect">
                     <a:avLst/>
                   </a:prstGeom>
+                  <a:ln>
+                    <a:noFill/>
+                  </a:ln>
+                  <a:effectLst>
+                    <a:outerShdw blurRad="107950" dist="12700" dir="5400000" algn="ctr">
+                      <a:srgbClr val="000000"/>
+                    </a:outerShdw>
+                  </a:effectLst>
+                  <a:scene3d>
+                    <a:camera prst="orthographicFront">
+                      <a:rot lat="0" lon="0" rev="0"/>
+                    </a:camera>
+                    <a:lightRig rig="soft" dir="t">
+                      <a:rot lat="0" lon="0" rev="0"/>
+                    </a:lightRig>
+                  </a:scene3d>
+                  <a:sp3d contourW="44450" prstMaterial="matte">
+                    <a:bevelT w="63500" h="63500" prst="artDeco"/>
+                    <a:contourClr>
+                      <a:srgbClr val="FFFFFF"/>
+                    </a:contourClr>
+                  </a:sp3d>
                 </p:spPr>
-              </p:pic>
-            </p:grpSp>
-            <p:grpSp>
-              <p:nvGrpSpPr>
-                <p:cNvPr id="67" name="Group 66"/>
-                <p:cNvGrpSpPr/>
-                <p:nvPr/>
-              </p:nvGrpSpPr>
-              <p:grpSpPr>
-                <a:xfrm>
-                  <a:off x="7589053" y="3913833"/>
-                  <a:ext cx="1239129" cy="1239129"/>
-                  <a:chOff x="7589053" y="3913833"/>
-                  <a:chExt cx="1239129" cy="1239129"/>
-                </a:xfrm>
-              </p:grpSpPr>
-              <p:pic>
-                <p:nvPicPr>
-                  <p:cNvPr id="74" name="Picture 73"/>
-                  <p:cNvPicPr>
-                    <a:picLocks noChangeAspect="1"/>
-                  </p:cNvPicPr>
-                  <p:nvPr/>
-                </p:nvPicPr>
-                <p:blipFill>
-                  <a:blip r:embed="rId4">
-                    <a:extLst>
-                      <a:ext uri="{28A0092B-C50C-407E-A947-70E740481C1C}">
-                        <a14:useLocalDpi xmlns:a14="http://schemas.microsoft.com/office/drawing/2010/main" val="0"/>
-                      </a:ext>
-                    </a:extLst>
-                  </a:blip>
-                  <a:stretch>
-                    <a:fillRect/>
-                  </a:stretch>
-                </p:blipFill>
-                <p:spPr>
-                  <a:xfrm>
-                    <a:off x="7589053" y="3913833"/>
-                    <a:ext cx="934329" cy="934329"/>
-                  </a:xfrm>
-                  <a:prstGeom prst="rect">
-                    <a:avLst/>
-                  </a:prstGeom>
-                </p:spPr>
-              </p:pic>
-              <p:pic>
-                <p:nvPicPr>
-                  <p:cNvPr id="75" name="Picture 74"/>
-                  <p:cNvPicPr>
-                    <a:picLocks noChangeAspect="1"/>
-                  </p:cNvPicPr>
-                  <p:nvPr/>
-                </p:nvPicPr>
-                <p:blipFill>
-                  <a:blip r:embed="rId4">
-                    <a:extLst>
-                      <a:ext uri="{28A0092B-C50C-407E-A947-70E740481C1C}">
-                        <a14:useLocalDpi xmlns:a14="http://schemas.microsoft.com/office/drawing/2010/main" val="0"/>
-                      </a:ext>
-                    </a:extLst>
-                  </a:blip>
-                  <a:stretch>
-                    <a:fillRect/>
-                  </a:stretch>
-                </p:blipFill>
-                <p:spPr>
-                  <a:xfrm>
-                    <a:off x="7741453" y="4066233"/>
-                    <a:ext cx="934329" cy="934329"/>
-                  </a:xfrm>
-                  <a:prstGeom prst="rect">
-                    <a:avLst/>
-                  </a:prstGeom>
-                </p:spPr>
-              </p:pic>
-              <p:pic>
-                <p:nvPicPr>
-                  <p:cNvPr id="76" name="Picture 75"/>
-                  <p:cNvPicPr>
-                    <a:picLocks noChangeAspect="1"/>
-                  </p:cNvPicPr>
-                  <p:nvPr/>
-                </p:nvPicPr>
-                <p:blipFill>
-                  <a:blip r:embed="rId4">
-                    <a:extLst>
-                      <a:ext uri="{28A0092B-C50C-407E-A947-70E740481C1C}">
-                        <a14:useLocalDpi xmlns:a14="http://schemas.microsoft.com/office/drawing/2010/main" val="0"/>
-                      </a:ext>
-                    </a:extLst>
-                  </a:blip>
-                  <a:stretch>
-                    <a:fillRect/>
-                  </a:stretch>
-                </p:blipFill>
-                <p:spPr>
-                  <a:xfrm>
-                    <a:off x="7893853" y="4218633"/>
-                    <a:ext cx="934329" cy="934329"/>
-                  </a:xfrm>
-                  <a:prstGeom prst="rect">
-                    <a:avLst/>
-                  </a:prstGeom>
-                </p:spPr>
-              </p:pic>
-            </p:grpSp>
-            <p:pic>
-              <p:nvPicPr>
-                <p:cNvPr id="68" name="Picture 67"/>
-                <p:cNvPicPr>
-                  <a:picLocks noChangeAspect="1"/>
-                </p:cNvPicPr>
-                <p:nvPr/>
-              </p:nvPicPr>
-              <p:blipFill>
-                <a:blip r:embed="rId5">
-                  <a:extLst>
-                    <a:ext uri="{28A0092B-C50C-407E-A947-70E740481C1C}">
-                      <a14:useLocalDpi xmlns:a14="http://schemas.microsoft.com/office/drawing/2010/main" val="0"/>
-                    </a:ext>
-                  </a:extLst>
-                </a:blip>
-                <a:stretch>
-                  <a:fillRect/>
-                </a:stretch>
-              </p:blipFill>
-              <p:spPr>
-                <a:xfrm>
-                  <a:off x="5986797" y="1415188"/>
-                  <a:ext cx="1371600" cy="1371600"/>
-                </a:xfrm>
-                <a:prstGeom prst="rect">
-                  <a:avLst/>
-                </a:prstGeom>
-              </p:spPr>
-            </p:pic>
-            <p:sp>
-              <p:nvSpPr>
-                <p:cNvPr id="69" name="Rounded Rectangle 68"/>
-                <p:cNvSpPr/>
-                <p:nvPr/>
-              </p:nvSpPr>
-              <p:spPr>
-                <a:xfrm>
-                  <a:off x="5641145" y="2786788"/>
-                  <a:ext cx="2100308" cy="452430"/>
-                </a:xfrm>
-                <a:prstGeom prst="roundRect">
-                  <a:avLst/>
-                </a:prstGeom>
-                <a:solidFill>
-                  <a:srgbClr val="C00000"/>
-                </a:solidFill>
-                <a:ln>
-                  <a:noFill/>
-                </a:ln>
-                <a:effectLst>
-                  <a:glow rad="228600">
-                    <a:srgbClr val="C00000">
-                      <a:alpha val="40000"/>
-                    </a:srgbClr>
-                  </a:glow>
-                  <a:outerShdw blurRad="107950" dist="12700" dir="5400000" algn="ctr">
-                    <a:srgbClr val="000000"/>
-                  </a:outerShdw>
-                </a:effectLst>
-                <a:scene3d>
-                  <a:camera prst="orthographicFront">
-                    <a:rot lat="0" lon="0" rev="0"/>
-                  </a:camera>
-                  <a:lightRig rig="soft" dir="t">
-                    <a:rot lat="0" lon="0" rev="0"/>
-                  </a:lightRig>
-                </a:scene3d>
-                <a:sp3d contourW="44450" prstMaterial="matte">
-                  <a:bevelT w="63500" h="63500" prst="artDeco"/>
-                  <a:contourClr>
-                    <a:srgbClr val="FFFFFF"/>
-                  </a:contourClr>
-                </a:sp3d>
-              </p:spPr>
-              <p:style>
-                <a:lnRef idx="0">
-                  <a:schemeClr val="accent6"/>
-                </a:lnRef>
-                <a:fillRef idx="3">
-                  <a:schemeClr val="accent6"/>
-                </a:fillRef>
-                <a:effectRef idx="3">
-                  <a:schemeClr val="accent6"/>
-                </a:effectRef>
-                <a:fontRef idx="minor">
-                  <a:schemeClr val="lt1"/>
-                </a:fontRef>
-              </p:style>
-              <p:txBody>
-                <a:bodyPr rtlCol="0" anchor="ctr"/>
-                <a:lstStyle/>
-                <a:p>
-                  <a:pPr algn="ctr"/>
-                  <a:r>
-                    <a:rPr lang="en-US" sz="2000" b="1" dirty="0" err="1" smtClean="0">
+                <p:style>
+                  <a:lnRef idx="0">
+                    <a:schemeClr val="accent2"/>
+                  </a:lnRef>
+                  <a:fillRef idx="3">
+                    <a:schemeClr val="accent2"/>
+                  </a:fillRef>
+                  <a:effectRef idx="3">
+                    <a:schemeClr val="accent2"/>
+                  </a:effectRef>
+                  <a:fontRef idx="minor">
+                    <a:schemeClr val="lt1"/>
+                  </a:fontRef>
+                </p:style>
+                <p:txBody>
+                  <a:bodyPr rtlCol="0" anchor="ctr"/>
+                  <a:lstStyle/>
+                  <a:p>
+                    <a:pPr algn="ctr"/>
+                    <a:r>
+                      <a:rPr lang="en-US" sz="2000" b="1" dirty="0" smtClean="0">
+                        <a:effectLst>
+                          <a:outerShdw blurRad="38100" dist="38100" dir="2700000" algn="tl">
+                            <a:srgbClr val="000000">
+                              <a:alpha val="43137"/>
+                            </a:srgbClr>
+                          </a:outerShdw>
+                        </a:effectLst>
+                      </a:rPr>
+                      <a:t>Secondary node</a:t>
+                    </a:r>
+                    <a:endParaRPr lang="en-US" sz="2000" b="1" dirty="0">
                       <a:effectLst>
                         <a:outerShdw blurRad="38100" dist="38100" dir="2700000" algn="tl">
                           <a:srgbClr val="000000">
@@ -11185,33 +11459,24 @@
                           </a:srgbClr>
                         </a:outerShdw>
                       </a:effectLst>
-                    </a:rPr>
-                    <a:t>Namenode</a:t>
-                  </a:r>
-                  <a:endParaRPr lang="en-US" sz="2000" b="1" dirty="0">
-                    <a:effectLst>
-                      <a:outerShdw blurRad="38100" dist="38100" dir="2700000" algn="tl">
-                        <a:srgbClr val="000000">
-                          <a:alpha val="43137"/>
-                        </a:srgbClr>
-                      </a:outerShdw>
-                    </a:effectLst>
-                  </a:endParaRPr>
-                </a:p>
-              </p:txBody>
-            </p:sp>
+                    </a:endParaRPr>
+                  </a:p>
+                </p:txBody>
+              </p:sp>
+            </p:grpSp>
             <p:cxnSp>
               <p:nvCxnSpPr>
-                <p:cNvPr id="70" name="Straight Arrow Connector 69"/>
+                <p:cNvPr id="9" name="Straight Arrow Connector 8"/>
                 <p:cNvCxnSpPr>
-                  <a:endCxn id="64" idx="0"/>
+                  <a:stCxn id="68" idx="3"/>
+                  <a:endCxn id="85" idx="1"/>
                 </p:cNvCxnSpPr>
                 <p:nvPr/>
               </p:nvCxnSpPr>
               <p:spPr>
-                <a:xfrm flipH="1">
-                  <a:off x="3436711" y="3239218"/>
-                  <a:ext cx="3259512" cy="346087"/>
+                <a:xfrm>
+                  <a:off x="7358397" y="2100988"/>
+                  <a:ext cx="2716286" cy="23583"/>
                 </a:xfrm>
                 <a:prstGeom prst="straightConnector1">
                   <a:avLst/>
@@ -11236,86 +11501,49 @@
                 </a:fontRef>
               </p:style>
             </p:cxnSp>
+            <p:pic>
+              <p:nvPicPr>
+                <p:cNvPr id="7" name="Picture 6"/>
+                <p:cNvPicPr>
+                  <a:picLocks noChangeAspect="1"/>
+                </p:cNvPicPr>
+                <p:nvPr/>
+              </p:nvPicPr>
+              <p:blipFill>
+                <a:blip r:embed="rId6">
+                  <a:extLst>
+                    <a:ext uri="{28A0092B-C50C-407E-A947-70E740481C1C}">
+                      <a14:useLocalDpi xmlns:a14="http://schemas.microsoft.com/office/drawing/2010/main" val="0"/>
+                    </a:ext>
+                  </a:extLst>
+                </a:blip>
+                <a:stretch>
+                  <a:fillRect/>
+                </a:stretch>
+              </p:blipFill>
+              <p:spPr>
+                <a:xfrm>
+                  <a:off x="2857308" y="1545797"/>
+                  <a:ext cx="1110381" cy="1110381"/>
+                </a:xfrm>
+                <a:prstGeom prst="rect">
+                  <a:avLst/>
+                </a:prstGeom>
+              </p:spPr>
+            </p:pic>
             <p:cxnSp>
               <p:nvCxnSpPr>
-                <p:cNvPr id="71" name="Straight Arrow Connector 70"/>
-                <p:cNvCxnSpPr/>
-                <p:nvPr/>
-              </p:nvCxnSpPr>
-              <p:spPr>
-                <a:xfrm>
-                  <a:off x="6696222" y="3239218"/>
-                  <a:ext cx="0" cy="674615"/>
-                </a:xfrm>
-                <a:prstGeom prst="straightConnector1">
-                  <a:avLst/>
-                </a:prstGeom>
-                <a:ln>
-                  <a:headEnd type="triangle"/>
-                  <a:tailEnd type="triangle"/>
-                </a:ln>
-              </p:spPr>
-              <p:style>
-                <a:lnRef idx="1">
-                  <a:schemeClr val="accent1"/>
-                </a:lnRef>
-                <a:fillRef idx="0">
-                  <a:schemeClr val="accent1"/>
-                </a:fillRef>
-                <a:effectRef idx="0">
-                  <a:schemeClr val="accent1"/>
-                </a:effectRef>
-                <a:fontRef idx="minor">
-                  <a:schemeClr val="tx1"/>
-                </a:fontRef>
-              </p:style>
-            </p:cxnSp>
-            <p:cxnSp>
-              <p:nvCxnSpPr>
-                <p:cNvPr id="72" name="Straight Arrow Connector 71"/>
-                <p:cNvCxnSpPr/>
-                <p:nvPr/>
-              </p:nvCxnSpPr>
-              <p:spPr>
-                <a:xfrm>
-                  <a:off x="6696222" y="3239218"/>
-                  <a:ext cx="1359996" cy="674615"/>
-                </a:xfrm>
-                <a:prstGeom prst="straightConnector1">
-                  <a:avLst/>
-                </a:prstGeom>
-                <a:ln>
-                  <a:headEnd type="triangle"/>
-                  <a:tailEnd type="triangle"/>
-                </a:ln>
-              </p:spPr>
-              <p:style>
-                <a:lnRef idx="1">
-                  <a:schemeClr val="accent1"/>
-                </a:lnRef>
-                <a:fillRef idx="0">
-                  <a:schemeClr val="accent1"/>
-                </a:fillRef>
-                <a:effectRef idx="0">
-                  <a:schemeClr val="accent1"/>
-                </a:effectRef>
-                <a:fontRef idx="minor">
-                  <a:schemeClr val="tx1"/>
-                </a:fontRef>
-              </p:style>
-            </p:cxnSp>
-            <p:cxnSp>
-              <p:nvCxnSpPr>
-                <p:cNvPr id="73" name="Straight Arrow Connector 72"/>
+                <p:cNvPr id="10" name="Straight Arrow Connector 9"/>
                 <p:cNvCxnSpPr>
-                  <a:endCxn id="59" idx="0"/>
+                  <a:stCxn id="7" idx="3"/>
+                  <a:endCxn id="68" idx="1"/>
                 </p:cNvCxnSpPr>
                 <p:nvPr/>
               </p:nvCxnSpPr>
               <p:spPr>
                 <a:xfrm>
-                  <a:off x="6696223" y="3239218"/>
-                  <a:ext cx="3218648" cy="1756166"/>
+                  <a:off x="3967689" y="2100988"/>
+                  <a:ext cx="2019108" cy="0"/>
                 </a:xfrm>
                 <a:prstGeom prst="straightConnector1">
                   <a:avLst/>
@@ -11341,153 +11569,1274 @@
               </p:style>
             </p:cxnSp>
           </p:grpSp>
-        </p:grpSp>
-        <p:grpSp>
-          <p:nvGrpSpPr>
-            <p:cNvPr id="6" name="Group 5"/>
-            <p:cNvGrpSpPr/>
-            <p:nvPr/>
-          </p:nvGrpSpPr>
-          <p:grpSpPr>
-            <a:xfrm>
-              <a:off x="9729031" y="1438771"/>
-              <a:ext cx="2100308" cy="1824030"/>
-              <a:chOff x="9673103" y="1358112"/>
-              <a:chExt cx="2100308" cy="1824030"/>
-            </a:xfrm>
-          </p:grpSpPr>
-          <p:pic>
-            <p:nvPicPr>
-              <p:cNvPr id="85" name="Picture 84"/>
-              <p:cNvPicPr>
-                <a:picLocks noChangeAspect="1"/>
-              </p:cNvPicPr>
+          <p:grpSp>
+            <p:nvGrpSpPr>
+              <p:cNvPr id="11" name="Group 10"/>
+              <p:cNvGrpSpPr/>
               <p:nvPr/>
-            </p:nvPicPr>
-            <p:blipFill>
-              <a:blip r:embed="rId5">
-                <a:extLst>
-                  <a:ext uri="{28A0092B-C50C-407E-A947-70E740481C1C}">
-                    <a14:useLocalDpi xmlns:a14="http://schemas.microsoft.com/office/drawing/2010/main" val="0"/>
-                  </a:ext>
-                </a:extLst>
-              </a:blip>
-              <a:stretch>
-                <a:fillRect/>
-              </a:stretch>
-            </p:blipFill>
-            <p:spPr>
+            </p:nvGrpSpPr>
+            <p:grpSpPr>
               <a:xfrm>
-                <a:off x="10018755" y="1358112"/>
-                <a:ext cx="1371600" cy="1371600"/>
+                <a:off x="2069792" y="3587354"/>
+                <a:ext cx="2988955" cy="2536324"/>
+                <a:chOff x="2047901" y="4051215"/>
+                <a:chExt cx="2988955" cy="2536324"/>
               </a:xfrm>
-              <a:prstGeom prst="rect">
-                <a:avLst/>
-              </a:prstGeom>
-            </p:spPr>
-          </p:pic>
-          <p:sp>
-            <p:nvSpPr>
-              <p:cNvPr id="86" name="Rounded Rectangle 85"/>
-              <p:cNvSpPr/>
-              <p:nvPr/>
-            </p:nvSpPr>
-            <p:spPr>
-              <a:xfrm>
-                <a:off x="9673103" y="2729712"/>
-                <a:ext cx="2100308" cy="452430"/>
-              </a:xfrm>
-              <a:prstGeom prst="roundRect">
-                <a:avLst/>
-              </a:prstGeom>
-              <a:ln>
-                <a:noFill/>
-              </a:ln>
-              <a:effectLst>
-                <a:outerShdw blurRad="107950" dist="12700" dir="5400000" algn="ctr">
-                  <a:srgbClr val="000000"/>
-                </a:outerShdw>
-              </a:effectLst>
-              <a:scene3d>
-                <a:camera prst="orthographicFront">
-                  <a:rot lat="0" lon="0" rev="0"/>
-                </a:camera>
-                <a:lightRig rig="soft" dir="t">
-                  <a:rot lat="0" lon="0" rev="0"/>
-                </a:lightRig>
-              </a:scene3d>
-              <a:sp3d contourW="44450" prstMaterial="matte">
-                <a:bevelT w="63500" h="63500" prst="artDeco"/>
-                <a:contourClr>
-                  <a:srgbClr val="FFFFFF"/>
-                </a:contourClr>
-              </a:sp3d>
-            </p:spPr>
-            <p:style>
-              <a:lnRef idx="0">
-                <a:schemeClr val="accent2"/>
-              </a:lnRef>
-              <a:fillRef idx="3">
-                <a:schemeClr val="accent2"/>
-              </a:fillRef>
-              <a:effectRef idx="3">
-                <a:schemeClr val="accent2"/>
-              </a:effectRef>
-              <a:fontRef idx="minor">
-                <a:schemeClr val="lt1"/>
-              </a:fontRef>
-            </p:style>
-            <p:txBody>
-              <a:bodyPr rtlCol="0" anchor="ctr"/>
-              <a:lstStyle/>
-              <a:p>
-                <a:pPr algn="ctr"/>
-                <a:r>
-                  <a:rPr lang="en-US" sz="2000" b="1" dirty="0" smtClean="0">
+            </p:grpSpPr>
+            <p:grpSp>
+              <p:nvGrpSpPr>
+                <p:cNvPr id="44" name="Group 43"/>
+                <p:cNvGrpSpPr/>
+                <p:nvPr/>
+              </p:nvGrpSpPr>
+              <p:grpSpPr>
+                <a:xfrm>
+                  <a:off x="2047901" y="4051215"/>
+                  <a:ext cx="2861534" cy="2331036"/>
+                  <a:chOff x="1177066" y="3845927"/>
+                  <a:chExt cx="2861534" cy="2331036"/>
+                </a:xfrm>
+              </p:grpSpPr>
+              <p:grpSp>
+                <p:nvGrpSpPr>
+                  <p:cNvPr id="45" name="Group 44"/>
+                  <p:cNvGrpSpPr/>
+                  <p:nvPr/>
+                </p:nvGrpSpPr>
+                <p:grpSpPr>
+                  <a:xfrm>
+                    <a:off x="1177066" y="4448317"/>
+                    <a:ext cx="2861534" cy="1728646"/>
+                    <a:chOff x="1177066" y="3293520"/>
+                    <a:chExt cx="3432517" cy="2338597"/>
+                  </a:xfrm>
+                </p:grpSpPr>
+                <p:sp>
+                  <p:nvSpPr>
+                    <p:cNvPr id="47" name="Rounded Rectangle 46"/>
+                    <p:cNvSpPr/>
+                    <p:nvPr/>
+                  </p:nvSpPr>
+                  <p:spPr>
+                    <a:xfrm>
+                      <a:off x="1177066" y="3293520"/>
+                      <a:ext cx="3432517" cy="2338597"/>
+                    </a:xfrm>
+                    <a:prstGeom prst="roundRect">
+                      <a:avLst/>
+                    </a:prstGeom>
+                    <a:ln>
+                      <a:noFill/>
+                    </a:ln>
                     <a:effectLst>
-                      <a:outerShdw blurRad="38100" dist="38100" dir="2700000" algn="tl">
-                        <a:srgbClr val="000000">
-                          <a:alpha val="43137"/>
-                        </a:srgbClr>
+                      <a:glow rad="139700">
+                        <a:schemeClr val="accent5">
+                          <a:satMod val="175000"/>
+                          <a:alpha val="40000"/>
+                        </a:schemeClr>
+                      </a:glow>
+                      <a:outerShdw blurRad="107950" dist="12700" dir="5400000" algn="ctr">
+                        <a:srgbClr val="000000"/>
                       </a:outerShdw>
                     </a:effectLst>
-                  </a:rPr>
-                  <a:t>Secondary node</a:t>
-                </a:r>
-                <a:endParaRPr lang="en-US" sz="2000" b="1" dirty="0">
-                  <a:effectLst>
-                    <a:outerShdw blurRad="38100" dist="38100" dir="2700000" algn="tl">
-                      <a:srgbClr val="000000">
-                        <a:alpha val="43137"/>
-                      </a:srgbClr>
-                    </a:outerShdw>
-                  </a:effectLst>
-                </a:endParaRPr>
-              </a:p>
-            </p:txBody>
-          </p:sp>
+                    <a:scene3d>
+                      <a:camera prst="orthographicFront">
+                        <a:rot lat="0" lon="0" rev="0"/>
+                      </a:camera>
+                      <a:lightRig rig="soft" dir="t">
+                        <a:rot lat="0" lon="0" rev="0"/>
+                      </a:lightRig>
+                    </a:scene3d>
+                    <a:sp3d contourW="44450" prstMaterial="matte">
+                      <a:bevelT w="63500" h="63500" prst="artDeco"/>
+                      <a:contourClr>
+                        <a:srgbClr val="FFFFFF"/>
+                      </a:contourClr>
+                    </a:sp3d>
+                  </p:spPr>
+                  <p:style>
+                    <a:lnRef idx="2">
+                      <a:schemeClr val="accent1">
+                        <a:shade val="50000"/>
+                      </a:schemeClr>
+                    </a:lnRef>
+                    <a:fillRef idx="1">
+                      <a:schemeClr val="accent1"/>
+                    </a:fillRef>
+                    <a:effectRef idx="0">
+                      <a:schemeClr val="accent1"/>
+                    </a:effectRef>
+                    <a:fontRef idx="minor">
+                      <a:schemeClr val="lt1"/>
+                    </a:fontRef>
+                  </p:style>
+                  <p:txBody>
+                    <a:bodyPr rtlCol="0" anchor="t"/>
+                    <a:lstStyle/>
+                    <a:p>
+                      <a:r>
+                        <a:rPr lang="en-US" b="1" dirty="0" smtClean="0">
+                          <a:effectLst>
+                            <a:outerShdw blurRad="38100" dist="38100" dir="2700000" algn="tl">
+                              <a:srgbClr val="000000">
+                                <a:alpha val="43137"/>
+                              </a:srgbClr>
+                            </a:outerShdw>
+                          </a:effectLst>
+                        </a:rPr>
+                        <a:t>DN1</a:t>
+                      </a:r>
+                      <a:endParaRPr lang="en-US" b="1" dirty="0">
+                        <a:effectLst>
+                          <a:outerShdw blurRad="38100" dist="38100" dir="2700000" algn="tl">
+                            <a:srgbClr val="000000">
+                              <a:alpha val="43137"/>
+                            </a:srgbClr>
+                          </a:outerShdw>
+                        </a:effectLst>
+                      </a:endParaRPr>
+                    </a:p>
+                  </p:txBody>
+                </p:sp>
+                <p:sp>
+                  <p:nvSpPr>
+                    <p:cNvPr id="48" name="Rounded Rectangle 47"/>
+                    <p:cNvSpPr/>
+                    <p:nvPr/>
+                  </p:nvSpPr>
+                  <p:spPr>
+                    <a:xfrm>
+                      <a:off x="1691290" y="4604224"/>
+                      <a:ext cx="573206" cy="532262"/>
+                    </a:xfrm>
+                    <a:prstGeom prst="roundRect">
+                      <a:avLst/>
+                    </a:prstGeom>
+                    <a:ln>
+                      <a:noFill/>
+                    </a:ln>
+                    <a:effectLst>
+                      <a:outerShdw blurRad="107950" dist="12700" dir="5400000" algn="ctr">
+                        <a:srgbClr val="000000"/>
+                      </a:outerShdw>
+                    </a:effectLst>
+                    <a:scene3d>
+                      <a:camera prst="orthographicFront">
+                        <a:rot lat="0" lon="0" rev="0"/>
+                      </a:camera>
+                      <a:lightRig rig="soft" dir="t">
+                        <a:rot lat="0" lon="0" rev="0"/>
+                      </a:lightRig>
+                    </a:scene3d>
+                    <a:sp3d contourW="44450" prstMaterial="matte">
+                      <a:bevelT w="63500" h="63500" prst="artDeco"/>
+                      <a:contourClr>
+                        <a:srgbClr val="FFFFFF"/>
+                      </a:contourClr>
+                    </a:sp3d>
+                  </p:spPr>
+                  <p:style>
+                    <a:lnRef idx="0">
+                      <a:schemeClr val="accent6"/>
+                    </a:lnRef>
+                    <a:fillRef idx="3">
+                      <a:schemeClr val="accent6"/>
+                    </a:fillRef>
+                    <a:effectRef idx="3">
+                      <a:schemeClr val="accent6"/>
+                    </a:effectRef>
+                    <a:fontRef idx="minor">
+                      <a:schemeClr val="lt1"/>
+                    </a:fontRef>
+                  </p:style>
+                  <p:txBody>
+                    <a:bodyPr rtlCol="0" anchor="ctr"/>
+                    <a:lstStyle/>
+                    <a:p>
+                      <a:pPr algn="ctr"/>
+                      <a:r>
+                        <a:rPr lang="en-US" b="1" dirty="0" smtClean="0">
+                          <a:effectLst>
+                            <a:outerShdw blurRad="38100" dist="38100" dir="2700000" algn="tl">
+                              <a:srgbClr val="000000">
+                                <a:alpha val="43137"/>
+                              </a:srgbClr>
+                            </a:outerShdw>
+                          </a:effectLst>
+                        </a:rPr>
+                        <a:t>B1</a:t>
+                      </a:r>
+                      <a:endParaRPr lang="en-US" b="1" dirty="0">
+                        <a:effectLst>
+                          <a:outerShdw blurRad="38100" dist="38100" dir="2700000" algn="tl">
+                            <a:srgbClr val="000000">
+                              <a:alpha val="43137"/>
+                            </a:srgbClr>
+                          </a:outerShdw>
+                        </a:effectLst>
+                      </a:endParaRPr>
+                    </a:p>
+                  </p:txBody>
+                </p:sp>
+                <p:sp>
+                  <p:nvSpPr>
+                    <p:cNvPr id="49" name="Rounded Rectangle 48"/>
+                    <p:cNvSpPr/>
+                    <p:nvPr/>
+                  </p:nvSpPr>
+                  <p:spPr>
+                    <a:xfrm>
+                      <a:off x="2167272" y="3937025"/>
+                      <a:ext cx="573206" cy="532262"/>
+                    </a:xfrm>
+                    <a:prstGeom prst="roundRect">
+                      <a:avLst/>
+                    </a:prstGeom>
+                    <a:ln>
+                      <a:noFill/>
+                    </a:ln>
+                    <a:effectLst>
+                      <a:outerShdw blurRad="107950" dist="12700" dir="5400000" algn="ctr">
+                        <a:srgbClr val="000000"/>
+                      </a:outerShdw>
+                    </a:effectLst>
+                    <a:scene3d>
+                      <a:camera prst="orthographicFront">
+                        <a:rot lat="0" lon="0" rev="0"/>
+                      </a:camera>
+                      <a:lightRig rig="soft" dir="t">
+                        <a:rot lat="0" lon="0" rev="0"/>
+                      </a:lightRig>
+                    </a:scene3d>
+                    <a:sp3d contourW="44450" prstMaterial="matte">
+                      <a:bevelT w="63500" h="63500" prst="artDeco"/>
+                      <a:contourClr>
+                        <a:srgbClr val="FFFFFF"/>
+                      </a:contourClr>
+                    </a:sp3d>
+                  </p:spPr>
+                  <p:style>
+                    <a:lnRef idx="0">
+                      <a:schemeClr val="accent6"/>
+                    </a:lnRef>
+                    <a:fillRef idx="3">
+                      <a:schemeClr val="accent6"/>
+                    </a:fillRef>
+                    <a:effectRef idx="3">
+                      <a:schemeClr val="accent6"/>
+                    </a:effectRef>
+                    <a:fontRef idx="minor">
+                      <a:schemeClr val="lt1"/>
+                    </a:fontRef>
+                  </p:style>
+                  <p:txBody>
+                    <a:bodyPr rtlCol="0" anchor="ctr"/>
+                    <a:lstStyle/>
+                    <a:p>
+                      <a:pPr algn="ctr"/>
+                      <a:r>
+                        <a:rPr lang="en-US" b="1" dirty="0" smtClean="0">
+                          <a:effectLst>
+                            <a:outerShdw blurRad="38100" dist="38100" dir="2700000" algn="tl">
+                              <a:srgbClr val="000000">
+                                <a:alpha val="43137"/>
+                              </a:srgbClr>
+                            </a:outerShdw>
+                          </a:effectLst>
+                        </a:rPr>
+                        <a:t>B2</a:t>
+                      </a:r>
+                      <a:endParaRPr lang="en-US" b="1" dirty="0">
+                        <a:effectLst>
+                          <a:outerShdw blurRad="38100" dist="38100" dir="2700000" algn="tl">
+                            <a:srgbClr val="000000">
+                              <a:alpha val="43137"/>
+                            </a:srgbClr>
+                          </a:outerShdw>
+                        </a:effectLst>
+                      </a:endParaRPr>
+                    </a:p>
+                  </p:txBody>
+                </p:sp>
+                <p:sp>
+                  <p:nvSpPr>
+                    <p:cNvPr id="50" name="Rounded Rectangle 49"/>
+                    <p:cNvSpPr/>
+                    <p:nvPr/>
+                  </p:nvSpPr>
+                  <p:spPr>
+                    <a:xfrm>
+                      <a:off x="2606721" y="4604224"/>
+                      <a:ext cx="573206" cy="532262"/>
+                    </a:xfrm>
+                    <a:prstGeom prst="roundRect">
+                      <a:avLst/>
+                    </a:prstGeom>
+                    <a:ln>
+                      <a:noFill/>
+                    </a:ln>
+                    <a:effectLst>
+                      <a:outerShdw blurRad="107950" dist="12700" dir="5400000" algn="ctr">
+                        <a:srgbClr val="000000"/>
+                      </a:outerShdw>
+                    </a:effectLst>
+                    <a:scene3d>
+                      <a:camera prst="orthographicFront">
+                        <a:rot lat="0" lon="0" rev="0"/>
+                      </a:camera>
+                      <a:lightRig rig="soft" dir="t">
+                        <a:rot lat="0" lon="0" rev="0"/>
+                      </a:lightRig>
+                    </a:scene3d>
+                    <a:sp3d contourW="44450" prstMaterial="matte">
+                      <a:bevelT w="63500" h="63500" prst="artDeco"/>
+                      <a:contourClr>
+                        <a:srgbClr val="FFFFFF"/>
+                      </a:contourClr>
+                    </a:sp3d>
+                  </p:spPr>
+                  <p:style>
+                    <a:lnRef idx="0">
+                      <a:schemeClr val="accent6"/>
+                    </a:lnRef>
+                    <a:fillRef idx="3">
+                      <a:schemeClr val="accent6"/>
+                    </a:fillRef>
+                    <a:effectRef idx="3">
+                      <a:schemeClr val="accent6"/>
+                    </a:effectRef>
+                    <a:fontRef idx="minor">
+                      <a:schemeClr val="lt1"/>
+                    </a:fontRef>
+                  </p:style>
+                  <p:txBody>
+                    <a:bodyPr rtlCol="0" anchor="ctr"/>
+                    <a:lstStyle/>
+                    <a:p>
+                      <a:pPr algn="ctr"/>
+                      <a:r>
+                        <a:rPr lang="en-US" b="1" dirty="0" smtClean="0">
+                          <a:effectLst>
+                            <a:outerShdw blurRad="38100" dist="38100" dir="2700000" algn="tl">
+                              <a:srgbClr val="000000">
+                                <a:alpha val="43137"/>
+                              </a:srgbClr>
+                            </a:outerShdw>
+                          </a:effectLst>
+                        </a:rPr>
+                        <a:t>B3</a:t>
+                      </a:r>
+                      <a:endParaRPr lang="en-US" b="1" dirty="0">
+                        <a:effectLst>
+                          <a:outerShdw blurRad="38100" dist="38100" dir="2700000" algn="tl">
+                            <a:srgbClr val="000000">
+                              <a:alpha val="43137"/>
+                            </a:srgbClr>
+                          </a:outerShdw>
+                        </a:effectLst>
+                      </a:endParaRPr>
+                    </a:p>
+                  </p:txBody>
+                </p:sp>
+                <p:sp>
+                  <p:nvSpPr>
+                    <p:cNvPr id="51" name="Rounded Rectangle 50"/>
+                    <p:cNvSpPr/>
+                    <p:nvPr/>
+                  </p:nvSpPr>
+                  <p:spPr>
+                    <a:xfrm>
+                      <a:off x="3157478" y="3852377"/>
+                      <a:ext cx="573206" cy="532262"/>
+                    </a:xfrm>
+                    <a:prstGeom prst="roundRect">
+                      <a:avLst/>
+                    </a:prstGeom>
+                    <a:ln>
+                      <a:noFill/>
+                    </a:ln>
+                    <a:effectLst>
+                      <a:outerShdw blurRad="107950" dist="12700" dir="5400000" algn="ctr">
+                        <a:srgbClr val="000000"/>
+                      </a:outerShdw>
+                    </a:effectLst>
+                    <a:scene3d>
+                      <a:camera prst="orthographicFront">
+                        <a:rot lat="0" lon="0" rev="0"/>
+                      </a:camera>
+                      <a:lightRig rig="soft" dir="t">
+                        <a:rot lat="0" lon="0" rev="0"/>
+                      </a:lightRig>
+                    </a:scene3d>
+                    <a:sp3d contourW="44450" prstMaterial="matte">
+                      <a:bevelT w="63500" h="63500" prst="artDeco"/>
+                      <a:contourClr>
+                        <a:srgbClr val="FFFFFF"/>
+                      </a:contourClr>
+                    </a:sp3d>
+                  </p:spPr>
+                  <p:style>
+                    <a:lnRef idx="0">
+                      <a:schemeClr val="accent6"/>
+                    </a:lnRef>
+                    <a:fillRef idx="3">
+                      <a:schemeClr val="accent6"/>
+                    </a:fillRef>
+                    <a:effectRef idx="3">
+                      <a:schemeClr val="accent6"/>
+                    </a:effectRef>
+                    <a:fontRef idx="minor">
+                      <a:schemeClr val="lt1"/>
+                    </a:fontRef>
+                  </p:style>
+                  <p:txBody>
+                    <a:bodyPr rtlCol="0" anchor="ctr"/>
+                    <a:lstStyle/>
+                    <a:p>
+                      <a:pPr algn="ctr"/>
+                      <a:r>
+                        <a:rPr lang="en-US" b="1" dirty="0" smtClean="0">
+                          <a:effectLst>
+                            <a:outerShdw blurRad="38100" dist="38100" dir="2700000" algn="tl">
+                              <a:srgbClr val="000000">
+                                <a:alpha val="43137"/>
+                              </a:srgbClr>
+                            </a:outerShdw>
+                          </a:effectLst>
+                        </a:rPr>
+                        <a:t>…</a:t>
+                      </a:r>
+                      <a:endParaRPr lang="en-US" b="1" dirty="0">
+                        <a:effectLst>
+                          <a:outerShdw blurRad="38100" dist="38100" dir="2700000" algn="tl">
+                            <a:srgbClr val="000000">
+                              <a:alpha val="43137"/>
+                            </a:srgbClr>
+                          </a:outerShdw>
+                        </a:effectLst>
+                      </a:endParaRPr>
+                    </a:p>
+                  </p:txBody>
+                </p:sp>
+                <p:sp>
+                  <p:nvSpPr>
+                    <p:cNvPr id="52" name="Rounded Rectangle 51"/>
+                    <p:cNvSpPr/>
+                    <p:nvPr/>
+                  </p:nvSpPr>
+                  <p:spPr>
+                    <a:xfrm>
+                      <a:off x="3581887" y="4609960"/>
+                      <a:ext cx="573206" cy="532262"/>
+                    </a:xfrm>
+                    <a:prstGeom prst="roundRect">
+                      <a:avLst/>
+                    </a:prstGeom>
+                    <a:ln>
+                      <a:noFill/>
+                    </a:ln>
+                    <a:effectLst>
+                      <a:outerShdw blurRad="107950" dist="12700" dir="5400000" algn="ctr">
+                        <a:srgbClr val="000000"/>
+                      </a:outerShdw>
+                    </a:effectLst>
+                    <a:scene3d>
+                      <a:camera prst="orthographicFront">
+                        <a:rot lat="0" lon="0" rev="0"/>
+                      </a:camera>
+                      <a:lightRig rig="soft" dir="t">
+                        <a:rot lat="0" lon="0" rev="0"/>
+                      </a:lightRig>
+                    </a:scene3d>
+                    <a:sp3d contourW="44450" prstMaterial="matte">
+                      <a:bevelT w="63500" h="63500" prst="artDeco"/>
+                      <a:contourClr>
+                        <a:srgbClr val="FFFFFF"/>
+                      </a:contourClr>
+                    </a:sp3d>
+                  </p:spPr>
+                  <p:style>
+                    <a:lnRef idx="0">
+                      <a:schemeClr val="accent6"/>
+                    </a:lnRef>
+                    <a:fillRef idx="3">
+                      <a:schemeClr val="accent6"/>
+                    </a:fillRef>
+                    <a:effectRef idx="3">
+                      <a:schemeClr val="accent6"/>
+                    </a:effectRef>
+                    <a:fontRef idx="minor">
+                      <a:schemeClr val="lt1"/>
+                    </a:fontRef>
+                  </p:style>
+                  <p:txBody>
+                    <a:bodyPr rtlCol="0" anchor="ctr"/>
+                    <a:lstStyle/>
+                    <a:p>
+                      <a:pPr algn="ctr"/>
+                      <a:r>
+                        <a:rPr lang="en-US" b="1" dirty="0" err="1" smtClean="0">
+                          <a:effectLst>
+                            <a:outerShdw blurRad="38100" dist="38100" dir="2700000" algn="tl">
+                              <a:srgbClr val="000000">
+                                <a:alpha val="43137"/>
+                              </a:srgbClr>
+                            </a:outerShdw>
+                          </a:effectLst>
+                        </a:rPr>
+                        <a:t>Bn</a:t>
+                      </a:r>
+                      <a:endParaRPr lang="en-US" b="1" dirty="0">
+                        <a:effectLst>
+                          <a:outerShdw blurRad="38100" dist="38100" dir="2700000" algn="tl">
+                            <a:srgbClr val="000000">
+                              <a:alpha val="43137"/>
+                            </a:srgbClr>
+                          </a:outerShdw>
+                        </a:effectLst>
+                      </a:endParaRPr>
+                    </a:p>
+                  </p:txBody>
+                </p:sp>
+              </p:grpSp>
+              <p:pic>
+                <p:nvPicPr>
+                  <p:cNvPr id="46" name="Picture 45"/>
+                  <p:cNvPicPr>
+                    <a:picLocks noChangeAspect="1"/>
+                  </p:cNvPicPr>
+                  <p:nvPr/>
+                </p:nvPicPr>
+                <p:blipFill>
+                  <a:blip r:embed="rId4">
+                    <a:extLst>
+                      <a:ext uri="{28A0092B-C50C-407E-A947-70E740481C1C}">
+                        <a14:useLocalDpi xmlns:a14="http://schemas.microsoft.com/office/drawing/2010/main" val="0"/>
+                      </a:ext>
+                    </a:extLst>
+                  </a:blip>
+                  <a:stretch>
+                    <a:fillRect/>
+                  </a:stretch>
+                </p:blipFill>
+                <p:spPr>
+                  <a:xfrm>
+                    <a:off x="2140668" y="3845927"/>
+                    <a:ext cx="934329" cy="934329"/>
+                  </a:xfrm>
+                  <a:prstGeom prst="rect">
+                    <a:avLst/>
+                  </a:prstGeom>
+                </p:spPr>
+              </p:pic>
+            </p:grpSp>
+            <p:grpSp>
+              <p:nvGrpSpPr>
+                <p:cNvPr id="53" name="Group 52"/>
+                <p:cNvGrpSpPr/>
+                <p:nvPr/>
+              </p:nvGrpSpPr>
+              <p:grpSpPr>
+                <a:xfrm>
+                  <a:off x="2175322" y="4256503"/>
+                  <a:ext cx="2861534" cy="2331036"/>
+                  <a:chOff x="1177066" y="3845927"/>
+                  <a:chExt cx="2861534" cy="2331036"/>
+                </a:xfrm>
+              </p:grpSpPr>
+              <p:grpSp>
+                <p:nvGrpSpPr>
+                  <p:cNvPr id="54" name="Group 53"/>
+                  <p:cNvGrpSpPr/>
+                  <p:nvPr/>
+                </p:nvGrpSpPr>
+                <p:grpSpPr>
+                  <a:xfrm>
+                    <a:off x="1177066" y="4448317"/>
+                    <a:ext cx="2861534" cy="1728646"/>
+                    <a:chOff x="1177066" y="3293520"/>
+                    <a:chExt cx="3432517" cy="2338597"/>
+                  </a:xfrm>
+                </p:grpSpPr>
+                <p:sp>
+                  <p:nvSpPr>
+                    <p:cNvPr id="56" name="Rounded Rectangle 55"/>
+                    <p:cNvSpPr/>
+                    <p:nvPr/>
+                  </p:nvSpPr>
+                  <p:spPr>
+                    <a:xfrm>
+                      <a:off x="1177066" y="3293520"/>
+                      <a:ext cx="3432517" cy="2338597"/>
+                    </a:xfrm>
+                    <a:prstGeom prst="roundRect">
+                      <a:avLst/>
+                    </a:prstGeom>
+                    <a:ln>
+                      <a:noFill/>
+                    </a:ln>
+                    <a:effectLst>
+                      <a:glow rad="139700">
+                        <a:schemeClr val="accent5">
+                          <a:satMod val="175000"/>
+                          <a:alpha val="40000"/>
+                        </a:schemeClr>
+                      </a:glow>
+                      <a:outerShdw blurRad="107950" dist="12700" dir="5400000" algn="ctr">
+                        <a:srgbClr val="000000"/>
+                      </a:outerShdw>
+                    </a:effectLst>
+                    <a:scene3d>
+                      <a:camera prst="orthographicFront">
+                        <a:rot lat="0" lon="0" rev="0"/>
+                      </a:camera>
+                      <a:lightRig rig="soft" dir="t">
+                        <a:rot lat="0" lon="0" rev="0"/>
+                      </a:lightRig>
+                    </a:scene3d>
+                    <a:sp3d contourW="44450" prstMaterial="matte">
+                      <a:bevelT w="63500" h="63500" prst="artDeco"/>
+                      <a:contourClr>
+                        <a:srgbClr val="FFFFFF"/>
+                      </a:contourClr>
+                    </a:sp3d>
+                  </p:spPr>
+                  <p:style>
+                    <a:lnRef idx="2">
+                      <a:schemeClr val="accent1">
+                        <a:shade val="50000"/>
+                      </a:schemeClr>
+                    </a:lnRef>
+                    <a:fillRef idx="1">
+                      <a:schemeClr val="accent1"/>
+                    </a:fillRef>
+                    <a:effectRef idx="0">
+                      <a:schemeClr val="accent1"/>
+                    </a:effectRef>
+                    <a:fontRef idx="minor">
+                      <a:schemeClr val="lt1"/>
+                    </a:fontRef>
+                  </p:style>
+                  <p:txBody>
+                    <a:bodyPr rtlCol="0" anchor="t"/>
+                    <a:lstStyle/>
+                    <a:p>
+                      <a:r>
+                        <a:rPr lang="en-US" b="1" dirty="0" smtClean="0">
+                          <a:effectLst>
+                            <a:outerShdw blurRad="38100" dist="38100" dir="2700000" algn="tl">
+                              <a:srgbClr val="000000">
+                                <a:alpha val="43137"/>
+                              </a:srgbClr>
+                            </a:outerShdw>
+                          </a:effectLst>
+                        </a:rPr>
+                        <a:t>DN1</a:t>
+                      </a:r>
+                      <a:endParaRPr lang="en-US" b="1" dirty="0">
+                        <a:effectLst>
+                          <a:outerShdw blurRad="38100" dist="38100" dir="2700000" algn="tl">
+                            <a:srgbClr val="000000">
+                              <a:alpha val="43137"/>
+                            </a:srgbClr>
+                          </a:outerShdw>
+                        </a:effectLst>
+                      </a:endParaRPr>
+                    </a:p>
+                  </p:txBody>
+                </p:sp>
+                <p:sp>
+                  <p:nvSpPr>
+                    <p:cNvPr id="57" name="Rounded Rectangle 56"/>
+                    <p:cNvSpPr/>
+                    <p:nvPr/>
+                  </p:nvSpPr>
+                  <p:spPr>
+                    <a:xfrm>
+                      <a:off x="1691290" y="4604224"/>
+                      <a:ext cx="573206" cy="532262"/>
+                    </a:xfrm>
+                    <a:prstGeom prst="roundRect">
+                      <a:avLst/>
+                    </a:prstGeom>
+                    <a:ln>
+                      <a:noFill/>
+                    </a:ln>
+                    <a:effectLst>
+                      <a:outerShdw blurRad="107950" dist="12700" dir="5400000" algn="ctr">
+                        <a:srgbClr val="000000"/>
+                      </a:outerShdw>
+                    </a:effectLst>
+                    <a:scene3d>
+                      <a:camera prst="orthographicFront">
+                        <a:rot lat="0" lon="0" rev="0"/>
+                      </a:camera>
+                      <a:lightRig rig="soft" dir="t">
+                        <a:rot lat="0" lon="0" rev="0"/>
+                      </a:lightRig>
+                    </a:scene3d>
+                    <a:sp3d contourW="44450" prstMaterial="matte">
+                      <a:bevelT w="63500" h="63500" prst="artDeco"/>
+                      <a:contourClr>
+                        <a:srgbClr val="FFFFFF"/>
+                      </a:contourClr>
+                    </a:sp3d>
+                  </p:spPr>
+                  <p:style>
+                    <a:lnRef idx="0">
+                      <a:schemeClr val="accent6"/>
+                    </a:lnRef>
+                    <a:fillRef idx="3">
+                      <a:schemeClr val="accent6"/>
+                    </a:fillRef>
+                    <a:effectRef idx="3">
+                      <a:schemeClr val="accent6"/>
+                    </a:effectRef>
+                    <a:fontRef idx="minor">
+                      <a:schemeClr val="lt1"/>
+                    </a:fontRef>
+                  </p:style>
+                  <p:txBody>
+                    <a:bodyPr rtlCol="0" anchor="ctr"/>
+                    <a:lstStyle/>
+                    <a:p>
+                      <a:pPr algn="ctr"/>
+                      <a:r>
+                        <a:rPr lang="en-US" b="1" dirty="0" smtClean="0">
+                          <a:effectLst>
+                            <a:outerShdw blurRad="38100" dist="38100" dir="2700000" algn="tl">
+                              <a:srgbClr val="000000">
+                                <a:alpha val="43137"/>
+                              </a:srgbClr>
+                            </a:outerShdw>
+                          </a:effectLst>
+                        </a:rPr>
+                        <a:t>B1</a:t>
+                      </a:r>
+                      <a:endParaRPr lang="en-US" b="1" dirty="0">
+                        <a:effectLst>
+                          <a:outerShdw blurRad="38100" dist="38100" dir="2700000" algn="tl">
+                            <a:srgbClr val="000000">
+                              <a:alpha val="43137"/>
+                            </a:srgbClr>
+                          </a:outerShdw>
+                        </a:effectLst>
+                      </a:endParaRPr>
+                    </a:p>
+                  </p:txBody>
+                </p:sp>
+                <p:sp>
+                  <p:nvSpPr>
+                    <p:cNvPr id="87" name="Rounded Rectangle 86"/>
+                    <p:cNvSpPr/>
+                    <p:nvPr/>
+                  </p:nvSpPr>
+                  <p:spPr>
+                    <a:xfrm>
+                      <a:off x="2167272" y="3937025"/>
+                      <a:ext cx="573206" cy="532262"/>
+                    </a:xfrm>
+                    <a:prstGeom prst="roundRect">
+                      <a:avLst/>
+                    </a:prstGeom>
+                    <a:ln>
+                      <a:noFill/>
+                    </a:ln>
+                    <a:effectLst>
+                      <a:outerShdw blurRad="107950" dist="12700" dir="5400000" algn="ctr">
+                        <a:srgbClr val="000000"/>
+                      </a:outerShdw>
+                    </a:effectLst>
+                    <a:scene3d>
+                      <a:camera prst="orthographicFront">
+                        <a:rot lat="0" lon="0" rev="0"/>
+                      </a:camera>
+                      <a:lightRig rig="soft" dir="t">
+                        <a:rot lat="0" lon="0" rev="0"/>
+                      </a:lightRig>
+                    </a:scene3d>
+                    <a:sp3d contourW="44450" prstMaterial="matte">
+                      <a:bevelT w="63500" h="63500" prst="artDeco"/>
+                      <a:contourClr>
+                        <a:srgbClr val="FFFFFF"/>
+                      </a:contourClr>
+                    </a:sp3d>
+                  </p:spPr>
+                  <p:style>
+                    <a:lnRef idx="0">
+                      <a:schemeClr val="accent6"/>
+                    </a:lnRef>
+                    <a:fillRef idx="3">
+                      <a:schemeClr val="accent6"/>
+                    </a:fillRef>
+                    <a:effectRef idx="3">
+                      <a:schemeClr val="accent6"/>
+                    </a:effectRef>
+                    <a:fontRef idx="minor">
+                      <a:schemeClr val="lt1"/>
+                    </a:fontRef>
+                  </p:style>
+                  <p:txBody>
+                    <a:bodyPr rtlCol="0" anchor="ctr"/>
+                    <a:lstStyle/>
+                    <a:p>
+                      <a:pPr algn="ctr"/>
+                      <a:r>
+                        <a:rPr lang="en-US" b="1" dirty="0" smtClean="0">
+                          <a:effectLst>
+                            <a:outerShdw blurRad="38100" dist="38100" dir="2700000" algn="tl">
+                              <a:srgbClr val="000000">
+                                <a:alpha val="43137"/>
+                              </a:srgbClr>
+                            </a:outerShdw>
+                          </a:effectLst>
+                        </a:rPr>
+                        <a:t>B2</a:t>
+                      </a:r>
+                      <a:endParaRPr lang="en-US" b="1" dirty="0">
+                        <a:effectLst>
+                          <a:outerShdw blurRad="38100" dist="38100" dir="2700000" algn="tl">
+                            <a:srgbClr val="000000">
+                              <a:alpha val="43137"/>
+                            </a:srgbClr>
+                          </a:outerShdw>
+                        </a:effectLst>
+                      </a:endParaRPr>
+                    </a:p>
+                  </p:txBody>
+                </p:sp>
+                <p:sp>
+                  <p:nvSpPr>
+                    <p:cNvPr id="88" name="Rounded Rectangle 87"/>
+                    <p:cNvSpPr/>
+                    <p:nvPr/>
+                  </p:nvSpPr>
+                  <p:spPr>
+                    <a:xfrm>
+                      <a:off x="2606721" y="4604224"/>
+                      <a:ext cx="573206" cy="532262"/>
+                    </a:xfrm>
+                    <a:prstGeom prst="roundRect">
+                      <a:avLst/>
+                    </a:prstGeom>
+                    <a:ln>
+                      <a:noFill/>
+                    </a:ln>
+                    <a:effectLst>
+                      <a:outerShdw blurRad="107950" dist="12700" dir="5400000" algn="ctr">
+                        <a:srgbClr val="000000"/>
+                      </a:outerShdw>
+                    </a:effectLst>
+                    <a:scene3d>
+                      <a:camera prst="orthographicFront">
+                        <a:rot lat="0" lon="0" rev="0"/>
+                      </a:camera>
+                      <a:lightRig rig="soft" dir="t">
+                        <a:rot lat="0" lon="0" rev="0"/>
+                      </a:lightRig>
+                    </a:scene3d>
+                    <a:sp3d contourW="44450" prstMaterial="matte">
+                      <a:bevelT w="63500" h="63500" prst="artDeco"/>
+                      <a:contourClr>
+                        <a:srgbClr val="FFFFFF"/>
+                      </a:contourClr>
+                    </a:sp3d>
+                  </p:spPr>
+                  <p:style>
+                    <a:lnRef idx="0">
+                      <a:schemeClr val="accent6"/>
+                    </a:lnRef>
+                    <a:fillRef idx="3">
+                      <a:schemeClr val="accent6"/>
+                    </a:fillRef>
+                    <a:effectRef idx="3">
+                      <a:schemeClr val="accent6"/>
+                    </a:effectRef>
+                    <a:fontRef idx="minor">
+                      <a:schemeClr val="lt1"/>
+                    </a:fontRef>
+                  </p:style>
+                  <p:txBody>
+                    <a:bodyPr rtlCol="0" anchor="ctr"/>
+                    <a:lstStyle/>
+                    <a:p>
+                      <a:pPr algn="ctr"/>
+                      <a:r>
+                        <a:rPr lang="en-US" b="1" dirty="0" smtClean="0">
+                          <a:effectLst>
+                            <a:outerShdw blurRad="38100" dist="38100" dir="2700000" algn="tl">
+                              <a:srgbClr val="000000">
+                                <a:alpha val="43137"/>
+                              </a:srgbClr>
+                            </a:outerShdw>
+                          </a:effectLst>
+                        </a:rPr>
+                        <a:t>B3</a:t>
+                      </a:r>
+                      <a:endParaRPr lang="en-US" b="1" dirty="0">
+                        <a:effectLst>
+                          <a:outerShdw blurRad="38100" dist="38100" dir="2700000" algn="tl">
+                            <a:srgbClr val="000000">
+                              <a:alpha val="43137"/>
+                            </a:srgbClr>
+                          </a:outerShdw>
+                        </a:effectLst>
+                      </a:endParaRPr>
+                    </a:p>
+                  </p:txBody>
+                </p:sp>
+                <p:sp>
+                  <p:nvSpPr>
+                    <p:cNvPr id="89" name="Rounded Rectangle 88"/>
+                    <p:cNvSpPr/>
+                    <p:nvPr/>
+                  </p:nvSpPr>
+                  <p:spPr>
+                    <a:xfrm>
+                      <a:off x="3157478" y="3852377"/>
+                      <a:ext cx="573206" cy="532262"/>
+                    </a:xfrm>
+                    <a:prstGeom prst="roundRect">
+                      <a:avLst/>
+                    </a:prstGeom>
+                    <a:ln>
+                      <a:noFill/>
+                    </a:ln>
+                    <a:effectLst>
+                      <a:outerShdw blurRad="107950" dist="12700" dir="5400000" algn="ctr">
+                        <a:srgbClr val="000000"/>
+                      </a:outerShdw>
+                    </a:effectLst>
+                    <a:scene3d>
+                      <a:camera prst="orthographicFront">
+                        <a:rot lat="0" lon="0" rev="0"/>
+                      </a:camera>
+                      <a:lightRig rig="soft" dir="t">
+                        <a:rot lat="0" lon="0" rev="0"/>
+                      </a:lightRig>
+                    </a:scene3d>
+                    <a:sp3d contourW="44450" prstMaterial="matte">
+                      <a:bevelT w="63500" h="63500" prst="artDeco"/>
+                      <a:contourClr>
+                        <a:srgbClr val="FFFFFF"/>
+                      </a:contourClr>
+                    </a:sp3d>
+                  </p:spPr>
+                  <p:style>
+                    <a:lnRef idx="0">
+                      <a:schemeClr val="accent6"/>
+                    </a:lnRef>
+                    <a:fillRef idx="3">
+                      <a:schemeClr val="accent6"/>
+                    </a:fillRef>
+                    <a:effectRef idx="3">
+                      <a:schemeClr val="accent6"/>
+                    </a:effectRef>
+                    <a:fontRef idx="minor">
+                      <a:schemeClr val="lt1"/>
+                    </a:fontRef>
+                  </p:style>
+                  <p:txBody>
+                    <a:bodyPr rtlCol="0" anchor="ctr"/>
+                    <a:lstStyle/>
+                    <a:p>
+                      <a:pPr algn="ctr"/>
+                      <a:r>
+                        <a:rPr lang="en-US" b="1" dirty="0" smtClean="0">
+                          <a:effectLst>
+                            <a:outerShdw blurRad="38100" dist="38100" dir="2700000" algn="tl">
+                              <a:srgbClr val="000000">
+                                <a:alpha val="43137"/>
+                              </a:srgbClr>
+                            </a:outerShdw>
+                          </a:effectLst>
+                        </a:rPr>
+                        <a:t>…</a:t>
+                      </a:r>
+                      <a:endParaRPr lang="en-US" b="1" dirty="0">
+                        <a:effectLst>
+                          <a:outerShdw blurRad="38100" dist="38100" dir="2700000" algn="tl">
+                            <a:srgbClr val="000000">
+                              <a:alpha val="43137"/>
+                            </a:srgbClr>
+                          </a:outerShdw>
+                        </a:effectLst>
+                      </a:endParaRPr>
+                    </a:p>
+                  </p:txBody>
+                </p:sp>
+                <p:sp>
+                  <p:nvSpPr>
+                    <p:cNvPr id="90" name="Rounded Rectangle 89"/>
+                    <p:cNvSpPr/>
+                    <p:nvPr/>
+                  </p:nvSpPr>
+                  <p:spPr>
+                    <a:xfrm>
+                      <a:off x="3581887" y="4609960"/>
+                      <a:ext cx="573206" cy="532262"/>
+                    </a:xfrm>
+                    <a:prstGeom prst="roundRect">
+                      <a:avLst/>
+                    </a:prstGeom>
+                    <a:ln>
+                      <a:noFill/>
+                    </a:ln>
+                    <a:effectLst>
+                      <a:outerShdw blurRad="107950" dist="12700" dir="5400000" algn="ctr">
+                        <a:srgbClr val="000000"/>
+                      </a:outerShdw>
+                    </a:effectLst>
+                    <a:scene3d>
+                      <a:camera prst="orthographicFront">
+                        <a:rot lat="0" lon="0" rev="0"/>
+                      </a:camera>
+                      <a:lightRig rig="soft" dir="t">
+                        <a:rot lat="0" lon="0" rev="0"/>
+                      </a:lightRig>
+                    </a:scene3d>
+                    <a:sp3d contourW="44450" prstMaterial="matte">
+                      <a:bevelT w="63500" h="63500" prst="artDeco"/>
+                      <a:contourClr>
+                        <a:srgbClr val="FFFFFF"/>
+                      </a:contourClr>
+                    </a:sp3d>
+                  </p:spPr>
+                  <p:style>
+                    <a:lnRef idx="0">
+                      <a:schemeClr val="accent6"/>
+                    </a:lnRef>
+                    <a:fillRef idx="3">
+                      <a:schemeClr val="accent6"/>
+                    </a:fillRef>
+                    <a:effectRef idx="3">
+                      <a:schemeClr val="accent6"/>
+                    </a:effectRef>
+                    <a:fontRef idx="minor">
+                      <a:schemeClr val="lt1"/>
+                    </a:fontRef>
+                  </p:style>
+                  <p:txBody>
+                    <a:bodyPr rtlCol="0" anchor="ctr"/>
+                    <a:lstStyle/>
+                    <a:p>
+                      <a:pPr algn="ctr"/>
+                      <a:r>
+                        <a:rPr lang="en-US" b="1" dirty="0" err="1" smtClean="0">
+                          <a:effectLst>
+                            <a:outerShdw blurRad="38100" dist="38100" dir="2700000" algn="tl">
+                              <a:srgbClr val="000000">
+                                <a:alpha val="43137"/>
+                              </a:srgbClr>
+                            </a:outerShdw>
+                          </a:effectLst>
+                        </a:rPr>
+                        <a:t>Bn</a:t>
+                      </a:r>
+                      <a:endParaRPr lang="en-US" b="1" dirty="0">
+                        <a:effectLst>
+                          <a:outerShdw blurRad="38100" dist="38100" dir="2700000" algn="tl">
+                            <a:srgbClr val="000000">
+                              <a:alpha val="43137"/>
+                            </a:srgbClr>
+                          </a:outerShdw>
+                        </a:effectLst>
+                      </a:endParaRPr>
+                    </a:p>
+                  </p:txBody>
+                </p:sp>
+              </p:grpSp>
+              <p:pic>
+                <p:nvPicPr>
+                  <p:cNvPr id="55" name="Picture 54"/>
+                  <p:cNvPicPr>
+                    <a:picLocks noChangeAspect="1"/>
+                  </p:cNvPicPr>
+                  <p:nvPr/>
+                </p:nvPicPr>
+                <p:blipFill>
+                  <a:blip r:embed="rId4">
+                    <a:extLst>
+                      <a:ext uri="{28A0092B-C50C-407E-A947-70E740481C1C}">
+                        <a14:useLocalDpi xmlns:a14="http://schemas.microsoft.com/office/drawing/2010/main" val="0"/>
+                      </a:ext>
+                    </a:extLst>
+                  </a:blip>
+                  <a:stretch>
+                    <a:fillRect/>
+                  </a:stretch>
+                </p:blipFill>
+                <p:spPr>
+                  <a:xfrm>
+                    <a:off x="2140668" y="3845927"/>
+                    <a:ext cx="934329" cy="934329"/>
+                  </a:xfrm>
+                  <a:prstGeom prst="rect">
+                    <a:avLst/>
+                  </a:prstGeom>
+                </p:spPr>
+              </p:pic>
+            </p:grpSp>
+          </p:grpSp>
         </p:grpSp>
+      </p:grpSp>
+      <p:grpSp>
+        <p:nvGrpSpPr>
+          <p:cNvPr id="65" name="Group 64"/>
+          <p:cNvGrpSpPr/>
+          <p:nvPr/>
+        </p:nvGrpSpPr>
+        <p:grpSpPr>
+          <a:xfrm>
+            <a:off x="5321967" y="216859"/>
+            <a:ext cx="2911896" cy="845449"/>
+            <a:chOff x="8153400" y="915988"/>
+            <a:chExt cx="3536852" cy="1413016"/>
+          </a:xfrm>
+        </p:grpSpPr>
+        <p:sp>
+          <p:nvSpPr>
+            <p:cNvPr id="79" name="Rounded Rectangle 78"/>
+            <p:cNvSpPr/>
+            <p:nvPr/>
+          </p:nvSpPr>
+          <p:spPr>
+            <a:xfrm>
+              <a:off x="9157648" y="915988"/>
+              <a:ext cx="1514901" cy="557970"/>
+            </a:xfrm>
+            <a:prstGeom prst="roundRect">
+              <a:avLst/>
+            </a:prstGeom>
+          </p:spPr>
+          <p:style>
+            <a:lnRef idx="2">
+              <a:schemeClr val="accent6"/>
+            </a:lnRef>
+            <a:fillRef idx="1">
+              <a:schemeClr val="lt1"/>
+            </a:fillRef>
+            <a:effectRef idx="0">
+              <a:schemeClr val="accent6"/>
+            </a:effectRef>
+            <a:fontRef idx="minor">
+              <a:schemeClr val="dk1"/>
+            </a:fontRef>
+          </p:style>
+          <p:txBody>
+            <a:bodyPr rtlCol="0" anchor="ctr"/>
+            <a:lstStyle/>
+            <a:p>
+              <a:pPr algn="ctr"/>
+              <a:r>
+                <a:rPr lang="en-US" sz="1600" b="1" dirty="0" smtClean="0"/>
+                <a:t>Hadoop</a:t>
+              </a:r>
+              <a:endParaRPr lang="en-US" sz="1600" b="1" dirty="0"/>
+            </a:p>
+          </p:txBody>
+        </p:sp>
+        <p:sp>
+          <p:nvSpPr>
+            <p:cNvPr id="80" name="Rounded Rectangle 79"/>
+            <p:cNvSpPr/>
+            <p:nvPr/>
+          </p:nvSpPr>
+          <p:spPr>
+            <a:xfrm>
+              <a:off x="8153400" y="1771034"/>
+              <a:ext cx="1514901" cy="557970"/>
+            </a:xfrm>
+            <a:prstGeom prst="roundRect">
+              <a:avLst/>
+            </a:prstGeom>
+          </p:spPr>
+          <p:style>
+            <a:lnRef idx="2">
+              <a:schemeClr val="accent5"/>
+            </a:lnRef>
+            <a:fillRef idx="1">
+              <a:schemeClr val="lt1"/>
+            </a:fillRef>
+            <a:effectRef idx="0">
+              <a:schemeClr val="accent5"/>
+            </a:effectRef>
+            <a:fontRef idx="minor">
+              <a:schemeClr val="dk1"/>
+            </a:fontRef>
+          </p:style>
+          <p:txBody>
+            <a:bodyPr rtlCol="0" anchor="ctr"/>
+            <a:lstStyle/>
+            <a:p>
+              <a:pPr algn="ctr"/>
+              <a:r>
+                <a:rPr lang="en-US" sz="1600" b="1" dirty="0" smtClean="0"/>
+                <a:t>HDFS</a:t>
+              </a:r>
+              <a:endParaRPr lang="en-US" sz="1600" b="1" dirty="0"/>
+            </a:p>
+          </p:txBody>
+        </p:sp>
+        <p:sp>
+          <p:nvSpPr>
+            <p:cNvPr id="81" name="Rounded Rectangle 80"/>
+            <p:cNvSpPr/>
+            <p:nvPr/>
+          </p:nvSpPr>
+          <p:spPr>
+            <a:xfrm>
+              <a:off x="10175351" y="1771034"/>
+              <a:ext cx="1514901" cy="557970"/>
+            </a:xfrm>
+            <a:prstGeom prst="roundRect">
+              <a:avLst/>
+            </a:prstGeom>
+          </p:spPr>
+          <p:style>
+            <a:lnRef idx="2">
+              <a:schemeClr val="accent2"/>
+            </a:lnRef>
+            <a:fillRef idx="1">
+              <a:schemeClr val="lt1"/>
+            </a:fillRef>
+            <a:effectRef idx="0">
+              <a:schemeClr val="accent2"/>
+            </a:effectRef>
+            <a:fontRef idx="minor">
+              <a:schemeClr val="dk1"/>
+            </a:fontRef>
+          </p:style>
+          <p:txBody>
+            <a:bodyPr rtlCol="0" anchor="ctr"/>
+            <a:lstStyle/>
+            <a:p>
+              <a:pPr algn="ctr"/>
+              <a:r>
+                <a:rPr lang="en-US" sz="1600" b="1" dirty="0" err="1" smtClean="0"/>
+                <a:t>MapReduce</a:t>
+              </a:r>
+              <a:endParaRPr lang="en-US" sz="1600" b="1" dirty="0"/>
+            </a:p>
+          </p:txBody>
+        </p:sp>
         <p:cxnSp>
           <p:nvCxnSpPr>
-            <p:cNvPr id="9" name="Straight Arrow Connector 8"/>
+            <p:cNvPr id="91" name="Straight Connector 90"/>
             <p:cNvCxnSpPr>
-              <a:stCxn id="68" idx="3"/>
-              <a:endCxn id="85" idx="1"/>
+              <a:stCxn id="80" idx="0"/>
+              <a:endCxn id="79" idx="2"/>
             </p:cNvCxnSpPr>
             <p:nvPr/>
           </p:nvCxnSpPr>
           <p:spPr>
-            <a:xfrm>
-              <a:off x="7358397" y="2100988"/>
-              <a:ext cx="2716286" cy="23583"/>
+            <a:xfrm flipV="1">
+              <a:off x="8910851" y="1473958"/>
+              <a:ext cx="1004248" cy="297076"/>
             </a:xfrm>
-            <a:prstGeom prst="straightConnector1">
+            <a:prstGeom prst="line">
               <a:avLst/>
             </a:prstGeom>
-            <a:ln>
-              <a:headEnd type="triangle"/>
-              <a:tailEnd type="triangle"/>
-            </a:ln>
           </p:spPr>
           <p:style>
             <a:lnRef idx="1">
@@ -11504,57 +12853,23 @@
             </a:fontRef>
           </p:style>
         </p:cxnSp>
-        <p:pic>
-          <p:nvPicPr>
-            <p:cNvPr id="7" name="Picture 6"/>
-            <p:cNvPicPr>
-              <a:picLocks noChangeAspect="1"/>
-            </p:cNvPicPr>
-            <p:nvPr/>
-          </p:nvPicPr>
-          <p:blipFill>
-            <a:blip r:embed="rId6">
-              <a:extLst>
-                <a:ext uri="{28A0092B-C50C-407E-A947-70E740481C1C}">
-                  <a14:useLocalDpi xmlns:a14="http://schemas.microsoft.com/office/drawing/2010/main" val="0"/>
-                </a:ext>
-              </a:extLst>
-            </a:blip>
-            <a:stretch>
-              <a:fillRect/>
-            </a:stretch>
-          </p:blipFill>
-          <p:spPr>
-            <a:xfrm>
-              <a:off x="2857308" y="1545797"/>
-              <a:ext cx="1110381" cy="1110381"/>
-            </a:xfrm>
-            <a:prstGeom prst="rect">
-              <a:avLst/>
-            </a:prstGeom>
-          </p:spPr>
-        </p:pic>
         <p:cxnSp>
           <p:nvCxnSpPr>
-            <p:cNvPr id="10" name="Straight Arrow Connector 9"/>
+            <p:cNvPr id="92" name="Straight Connector 91"/>
             <p:cNvCxnSpPr>
-              <a:stCxn id="7" idx="3"/>
-              <a:endCxn id="68" idx="1"/>
+              <a:stCxn id="79" idx="2"/>
+              <a:endCxn id="81" idx="0"/>
             </p:cNvCxnSpPr>
             <p:nvPr/>
           </p:nvCxnSpPr>
           <p:spPr>
             <a:xfrm>
-              <a:off x="3967689" y="2100988"/>
-              <a:ext cx="2019108" cy="0"/>
+              <a:off x="9915099" y="1473958"/>
+              <a:ext cx="1017703" cy="297076"/>
             </a:xfrm>
-            <a:prstGeom prst="straightConnector1">
+            <a:prstGeom prst="line">
               <a:avLst/>
             </a:prstGeom>
-            <a:ln>
-              <a:headEnd type="triangle"/>
-              <a:tailEnd type="triangle"/>
-            </a:ln>
           </p:spPr>
           <p:style>
             <a:lnRef idx="1">
@@ -11572,1115 +12887,599 @@
           </p:style>
         </p:cxnSp>
       </p:grpSp>
-      <p:grpSp>
-        <p:nvGrpSpPr>
-          <p:cNvPr id="11" name="Group 10"/>
-          <p:cNvGrpSpPr/>
+      <p:sp>
+        <p:nvSpPr>
+          <p:cNvPr id="93" name="TextBox 92"/>
+          <p:cNvSpPr txBox="1"/>
           <p:nvPr/>
-        </p:nvGrpSpPr>
-        <p:grpSpPr>
+        </p:nvSpPr>
+        <p:spPr>
           <a:xfrm>
-            <a:off x="2028848" y="3587354"/>
-            <a:ext cx="2988955" cy="2536324"/>
-            <a:chOff x="2047901" y="4051215"/>
-            <a:chExt cx="2988955" cy="2536324"/>
+            <a:off x="7122889" y="1188912"/>
+            <a:ext cx="4078555" cy="738664"/>
           </a:xfrm>
-        </p:grpSpPr>
-        <p:grpSp>
-          <p:nvGrpSpPr>
-            <p:cNvPr id="44" name="Group 43"/>
-            <p:cNvGrpSpPr/>
-            <p:nvPr/>
-          </p:nvGrpSpPr>
-          <p:grpSpPr>
-            <a:xfrm>
-              <a:off x="2047901" y="4051215"/>
-              <a:ext cx="2861534" cy="2331036"/>
-              <a:chOff x="1177066" y="3845927"/>
-              <a:chExt cx="2861534" cy="2331036"/>
-            </a:xfrm>
-          </p:grpSpPr>
-          <p:grpSp>
-            <p:nvGrpSpPr>
-              <p:cNvPr id="45" name="Group 44"/>
-              <p:cNvGrpSpPr/>
-              <p:nvPr/>
-            </p:nvGrpSpPr>
-            <p:grpSpPr>
-              <a:xfrm>
-                <a:off x="1177066" y="4448317"/>
-                <a:ext cx="2861534" cy="1728646"/>
-                <a:chOff x="1177066" y="3293520"/>
-                <a:chExt cx="3432517" cy="2338597"/>
-              </a:xfrm>
-            </p:grpSpPr>
-            <p:sp>
-              <p:nvSpPr>
-                <p:cNvPr id="47" name="Rounded Rectangle 46"/>
-                <p:cNvSpPr/>
-                <p:nvPr/>
-              </p:nvSpPr>
-              <p:spPr>
-                <a:xfrm>
-                  <a:off x="1177066" y="3293520"/>
-                  <a:ext cx="3432517" cy="2338597"/>
-                </a:xfrm>
-                <a:prstGeom prst="roundRect">
-                  <a:avLst/>
-                </a:prstGeom>
-                <a:ln>
-                  <a:noFill/>
-                </a:ln>
+          <a:prstGeom prst="rect">
+            <a:avLst/>
+          </a:prstGeom>
+          <a:noFill/>
+        </p:spPr>
+        <p:txBody>
+          <a:bodyPr wrap="square" rtlCol="0">
+            <a:spAutoFit/>
+          </a:bodyPr>
+          <a:lstStyle/>
+          <a:p>
+            <a:r>
+              <a:rPr lang="en-US" sz="1400" i="1" dirty="0" smtClean="0"/>
+              <a:t>Filename: block-ids (</a:t>
+            </a:r>
+            <a:r>
+              <a:rPr lang="en-US" sz="1400" i="1" dirty="0" err="1" smtClean="0"/>
+              <a:t>node#block</a:t>
+            </a:r>
+            <a:r>
+              <a:rPr lang="en-US" sz="1400" i="1" dirty="0" smtClean="0"/>
+              <a:t>#)</a:t>
+            </a:r>
+          </a:p>
+          <a:p>
+            <a:r>
+              <a:rPr lang="en-US" sz="1400" dirty="0" smtClean="0"/>
+              <a:t>/user/dir1/file1: n1b1, n1b2, n3b1, b4b3</a:t>
+            </a:r>
+          </a:p>
+          <a:p>
+            <a:r>
+              <a:rPr lang="en-US" sz="1400" dirty="0"/>
+              <a:t>/</a:t>
+            </a:r>
+            <a:r>
+              <a:rPr lang="en-US" sz="1400" dirty="0" smtClean="0"/>
+              <a:t>user/dir2/file2: n3b7, n4b8, n1b6, b2b5</a:t>
+            </a:r>
+            <a:endParaRPr lang="en-US" sz="1400" dirty="0"/>
+          </a:p>
+        </p:txBody>
+      </p:sp>
+      <p:sp>
+        <p:nvSpPr>
+          <p:cNvPr id="94" name="Rounded Rectangle 93"/>
+          <p:cNvSpPr/>
+          <p:nvPr/>
+        </p:nvSpPr>
+        <p:spPr>
+          <a:xfrm>
+            <a:off x="320729" y="1313090"/>
+            <a:ext cx="2470839" cy="1199066"/>
+          </a:xfrm>
+          <a:prstGeom prst="roundRect">
+            <a:avLst/>
+          </a:prstGeom>
+          <a:solidFill>
+            <a:srgbClr val="7030A0"/>
+          </a:solidFill>
+          <a:effectLst>
+            <a:softEdge rad="63500"/>
+          </a:effectLst>
+        </p:spPr>
+        <p:style>
+          <a:lnRef idx="2">
+            <a:schemeClr val="accent1">
+              <a:shade val="50000"/>
+            </a:schemeClr>
+          </a:lnRef>
+          <a:fillRef idx="1">
+            <a:schemeClr val="accent1"/>
+          </a:fillRef>
+          <a:effectRef idx="0">
+            <a:schemeClr val="accent1"/>
+          </a:effectRef>
+          <a:fontRef idx="minor">
+            <a:schemeClr val="lt1"/>
+          </a:fontRef>
+        </p:style>
+        <p:txBody>
+          <a:bodyPr rtlCol="0" anchor="ctr"/>
+          <a:lstStyle/>
+          <a:p>
+            <a:pPr marL="285750" indent="-285750">
+              <a:buFont typeface="Arial" panose="020B0604020202020204" pitchFamily="34" charset="0"/>
+              <a:buChar char="•"/>
+            </a:pPr>
+            <a:r>
+              <a:rPr lang="en-US" sz="2000" dirty="0">
                 <a:effectLst>
-                  <a:glow rad="139700">
-                    <a:schemeClr val="accent5">
-                      <a:satMod val="175000"/>
-                      <a:alpha val="40000"/>
-                    </a:schemeClr>
-                  </a:glow>
-                  <a:outerShdw blurRad="107950" dist="12700" dir="5400000" algn="ctr">
-                    <a:srgbClr val="000000"/>
+                  <a:outerShdw blurRad="38100" dist="38100" dir="2700000" algn="tl">
+                    <a:srgbClr val="000000">
+                      <a:alpha val="43137"/>
+                    </a:srgbClr>
                   </a:outerShdw>
                 </a:effectLst>
-                <a:scene3d>
-                  <a:camera prst="orthographicFront">
-                    <a:rot lat="0" lon="0" rev="0"/>
-                  </a:camera>
-                  <a:lightRig rig="soft" dir="t">
-                    <a:rot lat="0" lon="0" rev="0"/>
-                  </a:lightRig>
-                </a:scene3d>
-                <a:sp3d contourW="44450" prstMaterial="matte">
-                  <a:bevelT w="63500" h="63500" prst="artDeco"/>
-                  <a:contourClr>
-                    <a:srgbClr val="FFFFFF"/>
-                  </a:contourClr>
-                </a:sp3d>
-              </p:spPr>
-              <p:style>
-                <a:lnRef idx="2">
-                  <a:schemeClr val="accent1">
-                    <a:shade val="50000"/>
-                  </a:schemeClr>
-                </a:lnRef>
-                <a:fillRef idx="1">
-                  <a:schemeClr val="accent1"/>
-                </a:fillRef>
-                <a:effectRef idx="0">
-                  <a:schemeClr val="accent1"/>
-                </a:effectRef>
-                <a:fontRef idx="minor">
-                  <a:schemeClr val="lt1"/>
-                </a:fontRef>
-              </p:style>
-              <p:txBody>
-                <a:bodyPr rtlCol="0" anchor="t"/>
-                <a:lstStyle/>
-                <a:p>
-                  <a:r>
-                    <a:rPr lang="en-US" b="1" dirty="0" smtClean="0">
-                      <a:effectLst>
-                        <a:outerShdw blurRad="38100" dist="38100" dir="2700000" algn="tl">
-                          <a:srgbClr val="000000">
-                            <a:alpha val="43137"/>
-                          </a:srgbClr>
-                        </a:outerShdw>
-                      </a:effectLst>
-                    </a:rPr>
-                    <a:t>DN1</a:t>
-                  </a:r>
-                  <a:endParaRPr lang="en-US" b="1" dirty="0">
-                    <a:effectLst>
-                      <a:outerShdw blurRad="38100" dist="38100" dir="2700000" algn="tl">
-                        <a:srgbClr val="000000">
-                          <a:alpha val="43137"/>
-                        </a:srgbClr>
-                      </a:outerShdw>
-                    </a:effectLst>
-                  </a:endParaRPr>
-                </a:p>
-              </p:txBody>
-            </p:sp>
-            <p:sp>
-              <p:nvSpPr>
-                <p:cNvPr id="48" name="Rounded Rectangle 47"/>
-                <p:cNvSpPr/>
-                <p:nvPr/>
-              </p:nvSpPr>
-              <p:spPr>
-                <a:xfrm>
-                  <a:off x="1691290" y="4604224"/>
-                  <a:ext cx="573206" cy="532262"/>
-                </a:xfrm>
-                <a:prstGeom prst="roundRect">
-                  <a:avLst/>
-                </a:prstGeom>
-                <a:ln>
-                  <a:noFill/>
-                </a:ln>
+              </a:rPr>
+              <a:t>r</a:t>
+            </a:r>
+            <a:r>
+              <a:rPr lang="en-US" sz="2000" dirty="0" smtClean="0">
                 <a:effectLst>
-                  <a:outerShdw blurRad="107950" dist="12700" dir="5400000" algn="ctr">
-                    <a:srgbClr val="000000"/>
+                  <a:outerShdw blurRad="38100" dist="38100" dir="2700000" algn="tl">
+                    <a:srgbClr val="000000">
+                      <a:alpha val="43137"/>
+                    </a:srgbClr>
                   </a:outerShdw>
                 </a:effectLst>
-                <a:scene3d>
-                  <a:camera prst="orthographicFront">
-                    <a:rot lat="0" lon="0" rev="0"/>
-                  </a:camera>
-                  <a:lightRig rig="soft" dir="t">
-                    <a:rot lat="0" lon="0" rev="0"/>
-                  </a:lightRig>
-                </a:scene3d>
-                <a:sp3d contourW="44450" prstMaterial="matte">
-                  <a:bevelT w="63500" h="63500" prst="artDeco"/>
-                  <a:contourClr>
-                    <a:srgbClr val="FFFFFF"/>
-                  </a:contourClr>
-                </a:sp3d>
-              </p:spPr>
-              <p:style>
-                <a:lnRef idx="0">
-                  <a:schemeClr val="accent6"/>
-                </a:lnRef>
-                <a:fillRef idx="3">
-                  <a:schemeClr val="accent6"/>
-                </a:fillRef>
-                <a:effectRef idx="3">
-                  <a:schemeClr val="accent6"/>
-                </a:effectRef>
-                <a:fontRef idx="minor">
-                  <a:schemeClr val="lt1"/>
-                </a:fontRef>
-              </p:style>
-              <p:txBody>
-                <a:bodyPr rtlCol="0" anchor="ctr"/>
-                <a:lstStyle/>
-                <a:p>
-                  <a:pPr algn="ctr"/>
-                  <a:r>
-                    <a:rPr lang="en-US" b="1" dirty="0" smtClean="0">
-                      <a:effectLst>
-                        <a:outerShdw blurRad="38100" dist="38100" dir="2700000" algn="tl">
-                          <a:srgbClr val="000000">
-                            <a:alpha val="43137"/>
-                          </a:srgbClr>
-                        </a:outerShdw>
-                      </a:effectLst>
-                    </a:rPr>
-                    <a:t>B1</a:t>
-                  </a:r>
-                  <a:endParaRPr lang="en-US" b="1" dirty="0">
-                    <a:effectLst>
-                      <a:outerShdw blurRad="38100" dist="38100" dir="2700000" algn="tl">
-                        <a:srgbClr val="000000">
-                          <a:alpha val="43137"/>
-                        </a:srgbClr>
-                      </a:outerShdw>
-                    </a:effectLst>
-                  </a:endParaRPr>
-                </a:p>
-              </p:txBody>
-            </p:sp>
-            <p:sp>
-              <p:nvSpPr>
-                <p:cNvPr id="49" name="Rounded Rectangle 48"/>
-                <p:cNvSpPr/>
-                <p:nvPr/>
-              </p:nvSpPr>
-              <p:spPr>
-                <a:xfrm>
-                  <a:off x="2167272" y="3937025"/>
-                  <a:ext cx="573206" cy="532262"/>
-                </a:xfrm>
-                <a:prstGeom prst="roundRect">
-                  <a:avLst/>
-                </a:prstGeom>
-                <a:ln>
-                  <a:noFill/>
-                </a:ln>
+              </a:rPr>
+              <a:t>ead, write, create, delete</a:t>
+            </a:r>
+          </a:p>
+          <a:p>
+            <a:pPr marL="285750" indent="-285750">
+              <a:buFont typeface="Arial" panose="020B0604020202020204" pitchFamily="34" charset="0"/>
+              <a:buChar char="•"/>
+            </a:pPr>
+            <a:r>
+              <a:rPr lang="en-US" sz="2000" dirty="0" smtClean="0">
                 <a:effectLst>
-                  <a:outerShdw blurRad="107950" dist="12700" dir="5400000" algn="ctr">
-                    <a:srgbClr val="000000"/>
+                  <a:outerShdw blurRad="38100" dist="38100" dir="2700000" algn="tl">
+                    <a:srgbClr val="000000">
+                      <a:alpha val="43137"/>
+                    </a:srgbClr>
                   </a:outerShdw>
                 </a:effectLst>
-                <a:scene3d>
-                  <a:camera prst="orthographicFront">
-                    <a:rot lat="0" lon="0" rev="0"/>
-                  </a:camera>
-                  <a:lightRig rig="soft" dir="t">
-                    <a:rot lat="0" lon="0" rev="0"/>
-                  </a:lightRig>
-                </a:scene3d>
-                <a:sp3d contourW="44450" prstMaterial="matte">
-                  <a:bevelT w="63500" h="63500" prst="artDeco"/>
-                  <a:contourClr>
-                    <a:srgbClr val="FFFFFF"/>
-                  </a:contourClr>
-                </a:sp3d>
-              </p:spPr>
-              <p:style>
-                <a:lnRef idx="0">
-                  <a:schemeClr val="accent6"/>
-                </a:lnRef>
-                <a:fillRef idx="3">
-                  <a:schemeClr val="accent6"/>
-                </a:fillRef>
-                <a:effectRef idx="3">
-                  <a:schemeClr val="accent6"/>
-                </a:effectRef>
-                <a:fontRef idx="minor">
-                  <a:schemeClr val="lt1"/>
-                </a:fontRef>
-              </p:style>
-              <p:txBody>
-                <a:bodyPr rtlCol="0" anchor="ctr"/>
-                <a:lstStyle/>
-                <a:p>
-                  <a:pPr algn="ctr"/>
-                  <a:r>
-                    <a:rPr lang="en-US" b="1" dirty="0" smtClean="0">
-                      <a:effectLst>
-                        <a:outerShdw blurRad="38100" dist="38100" dir="2700000" algn="tl">
-                          <a:srgbClr val="000000">
-                            <a:alpha val="43137"/>
-                          </a:srgbClr>
-                        </a:outerShdw>
-                      </a:effectLst>
-                    </a:rPr>
-                    <a:t>B2</a:t>
-                  </a:r>
-                  <a:endParaRPr lang="en-US" b="1" dirty="0">
-                    <a:effectLst>
-                      <a:outerShdw blurRad="38100" dist="38100" dir="2700000" algn="tl">
-                        <a:srgbClr val="000000">
-                          <a:alpha val="43137"/>
-                        </a:srgbClr>
-                      </a:outerShdw>
-                    </a:effectLst>
-                  </a:endParaRPr>
-                </a:p>
-              </p:txBody>
-            </p:sp>
-            <p:sp>
-              <p:nvSpPr>
-                <p:cNvPr id="50" name="Rounded Rectangle 49"/>
-                <p:cNvSpPr/>
-                <p:nvPr/>
-              </p:nvSpPr>
-              <p:spPr>
-                <a:xfrm>
-                  <a:off x="2606721" y="4604224"/>
-                  <a:ext cx="573206" cy="532262"/>
-                </a:xfrm>
-                <a:prstGeom prst="roundRect">
-                  <a:avLst/>
-                </a:prstGeom>
-                <a:ln>
-                  <a:noFill/>
-                </a:ln>
+              </a:rPr>
+              <a:t>files, directories</a:t>
+            </a:r>
+            <a:endParaRPr lang="en-US" sz="2000" dirty="0">
+              <a:effectLst>
+                <a:outerShdw blurRad="38100" dist="38100" dir="2700000" algn="tl">
+                  <a:srgbClr val="000000">
+                    <a:alpha val="43137"/>
+                  </a:srgbClr>
+                </a:outerShdw>
+              </a:effectLst>
+            </a:endParaRPr>
+          </a:p>
+        </p:txBody>
+      </p:sp>
+      <p:sp>
+        <p:nvSpPr>
+          <p:cNvPr id="95" name="Rounded Rectangle 94"/>
+          <p:cNvSpPr/>
+          <p:nvPr/>
+        </p:nvSpPr>
+        <p:spPr>
+          <a:xfrm>
+            <a:off x="9844341" y="3276828"/>
+            <a:ext cx="2365717" cy="1199066"/>
+          </a:xfrm>
+          <a:prstGeom prst="roundRect">
+            <a:avLst/>
+          </a:prstGeom>
+          <a:solidFill>
+            <a:srgbClr val="ED7626"/>
+          </a:solidFill>
+          <a:effectLst>
+            <a:softEdge rad="63500"/>
+          </a:effectLst>
+        </p:spPr>
+        <p:style>
+          <a:lnRef idx="2">
+            <a:schemeClr val="accent1">
+              <a:shade val="50000"/>
+            </a:schemeClr>
+          </a:lnRef>
+          <a:fillRef idx="1">
+            <a:schemeClr val="accent1"/>
+          </a:fillRef>
+          <a:effectRef idx="0">
+            <a:schemeClr val="accent1"/>
+          </a:effectRef>
+          <a:fontRef idx="minor">
+            <a:schemeClr val="lt1"/>
+          </a:fontRef>
+        </p:style>
+        <p:txBody>
+          <a:bodyPr rtlCol="0" anchor="ctr"/>
+          <a:lstStyle/>
+          <a:p>
+            <a:pPr marL="285750" indent="-285750">
+              <a:buFont typeface="Arial" panose="020B0604020202020204" pitchFamily="34" charset="0"/>
+              <a:buChar char="•"/>
+            </a:pPr>
+            <a:r>
+              <a:rPr lang="en-US" sz="2000" dirty="0">
                 <a:effectLst>
-                  <a:outerShdw blurRad="107950" dist="12700" dir="5400000" algn="ctr">
-                    <a:srgbClr val="000000"/>
+                  <a:outerShdw blurRad="38100" dist="38100" dir="2700000" algn="tl">
+                    <a:srgbClr val="000000">
+                      <a:alpha val="43137"/>
+                    </a:srgbClr>
                   </a:outerShdw>
                 </a:effectLst>
-                <a:scene3d>
-                  <a:camera prst="orthographicFront">
-                    <a:rot lat="0" lon="0" rev="0"/>
-                  </a:camera>
-                  <a:lightRig rig="soft" dir="t">
-                    <a:rot lat="0" lon="0" rev="0"/>
-                  </a:lightRig>
-                </a:scene3d>
-                <a:sp3d contourW="44450" prstMaterial="matte">
-                  <a:bevelT w="63500" h="63500" prst="artDeco"/>
-                  <a:contourClr>
-                    <a:srgbClr val="FFFFFF"/>
-                  </a:contourClr>
-                </a:sp3d>
-              </p:spPr>
-              <p:style>
-                <a:lnRef idx="0">
-                  <a:schemeClr val="accent6"/>
-                </a:lnRef>
-                <a:fillRef idx="3">
-                  <a:schemeClr val="accent6"/>
-                </a:fillRef>
-                <a:effectRef idx="3">
-                  <a:schemeClr val="accent6"/>
-                </a:effectRef>
-                <a:fontRef idx="minor">
-                  <a:schemeClr val="lt1"/>
-                </a:fontRef>
-              </p:style>
-              <p:txBody>
-                <a:bodyPr rtlCol="0" anchor="ctr"/>
-                <a:lstStyle/>
-                <a:p>
-                  <a:pPr algn="ctr"/>
-                  <a:r>
-                    <a:rPr lang="en-US" b="1" dirty="0" smtClean="0">
-                      <a:effectLst>
-                        <a:outerShdw blurRad="38100" dist="38100" dir="2700000" algn="tl">
-                          <a:srgbClr val="000000">
-                            <a:alpha val="43137"/>
-                          </a:srgbClr>
-                        </a:outerShdw>
-                      </a:effectLst>
-                    </a:rPr>
-                    <a:t>B3</a:t>
-                  </a:r>
-                  <a:endParaRPr lang="en-US" b="1" dirty="0">
-                    <a:effectLst>
-                      <a:outerShdw blurRad="38100" dist="38100" dir="2700000" algn="tl">
-                        <a:srgbClr val="000000">
-                          <a:alpha val="43137"/>
-                        </a:srgbClr>
-                      </a:outerShdw>
-                    </a:effectLst>
-                  </a:endParaRPr>
-                </a:p>
-              </p:txBody>
-            </p:sp>
-            <p:sp>
-              <p:nvSpPr>
-                <p:cNvPr id="51" name="Rounded Rectangle 50"/>
-                <p:cNvSpPr/>
-                <p:nvPr/>
-              </p:nvSpPr>
-              <p:spPr>
-                <a:xfrm>
-                  <a:off x="3157478" y="3852377"/>
-                  <a:ext cx="573206" cy="532262"/>
-                </a:xfrm>
-                <a:prstGeom prst="roundRect">
-                  <a:avLst/>
-                </a:prstGeom>
-                <a:ln>
-                  <a:noFill/>
-                </a:ln>
+              </a:rPr>
+              <a:t>Edit log</a:t>
+            </a:r>
+          </a:p>
+          <a:p>
+            <a:pPr marL="285750" indent="-285750">
+              <a:buFont typeface="Arial" panose="020B0604020202020204" pitchFamily="34" charset="0"/>
+              <a:buChar char="•"/>
+            </a:pPr>
+            <a:r>
+              <a:rPr lang="en-US" sz="2000" dirty="0">
                 <a:effectLst>
-                  <a:outerShdw blurRad="107950" dist="12700" dir="5400000" algn="ctr">
-                    <a:srgbClr val="000000"/>
+                  <a:outerShdw blurRad="38100" dist="38100" dir="2700000" algn="tl">
+                    <a:srgbClr val="000000">
+                      <a:alpha val="43137"/>
+                    </a:srgbClr>
                   </a:outerShdw>
                 </a:effectLst>
-                <a:scene3d>
-                  <a:camera prst="orthographicFront">
-                    <a:rot lat="0" lon="0" rev="0"/>
-                  </a:camera>
-                  <a:lightRig rig="soft" dir="t">
-                    <a:rot lat="0" lon="0" rev="0"/>
-                  </a:lightRig>
-                </a:scene3d>
-                <a:sp3d contourW="44450" prstMaterial="matte">
-                  <a:bevelT w="63500" h="63500" prst="artDeco"/>
-                  <a:contourClr>
-                    <a:srgbClr val="FFFFFF"/>
-                  </a:contourClr>
-                </a:sp3d>
-              </p:spPr>
-              <p:style>
-                <a:lnRef idx="0">
-                  <a:schemeClr val="accent6"/>
-                </a:lnRef>
-                <a:fillRef idx="3">
-                  <a:schemeClr val="accent6"/>
-                </a:fillRef>
-                <a:effectRef idx="3">
-                  <a:schemeClr val="accent6"/>
-                </a:effectRef>
-                <a:fontRef idx="minor">
-                  <a:schemeClr val="lt1"/>
-                </a:fontRef>
-              </p:style>
-              <p:txBody>
-                <a:bodyPr rtlCol="0" anchor="ctr"/>
-                <a:lstStyle/>
-                <a:p>
-                  <a:pPr algn="ctr"/>
-                  <a:r>
-                    <a:rPr lang="en-US" b="1" dirty="0" smtClean="0">
-                      <a:effectLst>
-                        <a:outerShdw blurRad="38100" dist="38100" dir="2700000" algn="tl">
-                          <a:srgbClr val="000000">
-                            <a:alpha val="43137"/>
-                          </a:srgbClr>
-                        </a:outerShdw>
-                      </a:effectLst>
-                    </a:rPr>
-                    <a:t>…</a:t>
-                  </a:r>
-                  <a:endParaRPr lang="en-US" b="1" dirty="0">
-                    <a:effectLst>
-                      <a:outerShdw blurRad="38100" dist="38100" dir="2700000" algn="tl">
-                        <a:srgbClr val="000000">
-                          <a:alpha val="43137"/>
-                        </a:srgbClr>
-                      </a:outerShdw>
-                    </a:effectLst>
-                  </a:endParaRPr>
-                </a:p>
-              </p:txBody>
-            </p:sp>
-            <p:sp>
-              <p:nvSpPr>
-                <p:cNvPr id="52" name="Rounded Rectangle 51"/>
-                <p:cNvSpPr/>
-                <p:nvPr/>
-              </p:nvSpPr>
-              <p:spPr>
-                <a:xfrm>
-                  <a:off x="3581887" y="4609960"/>
-                  <a:ext cx="573206" cy="532262"/>
-                </a:xfrm>
-                <a:prstGeom prst="roundRect">
-                  <a:avLst/>
-                </a:prstGeom>
-                <a:ln>
-                  <a:noFill/>
-                </a:ln>
+              </a:rPr>
+              <a:t>System image</a:t>
+            </a:r>
+          </a:p>
+        </p:txBody>
+      </p:sp>
+      <p:sp>
+        <p:nvSpPr>
+          <p:cNvPr id="96" name="Rounded Rectangle 95"/>
+          <p:cNvSpPr/>
+          <p:nvPr/>
+        </p:nvSpPr>
+        <p:spPr>
+          <a:xfrm>
+            <a:off x="186597" y="2542732"/>
+            <a:ext cx="2367925" cy="2151295"/>
+          </a:xfrm>
+          <a:prstGeom prst="roundRect">
+            <a:avLst/>
+          </a:prstGeom>
+          <a:solidFill>
+            <a:srgbClr val="C00000"/>
+          </a:solidFill>
+          <a:effectLst>
+            <a:softEdge rad="63500"/>
+          </a:effectLst>
+        </p:spPr>
+        <p:style>
+          <a:lnRef idx="2">
+            <a:schemeClr val="accent1">
+              <a:shade val="50000"/>
+            </a:schemeClr>
+          </a:lnRef>
+          <a:fillRef idx="1">
+            <a:schemeClr val="accent1"/>
+          </a:fillRef>
+          <a:effectRef idx="0">
+            <a:schemeClr val="accent1"/>
+          </a:effectRef>
+          <a:fontRef idx="minor">
+            <a:schemeClr val="lt1"/>
+          </a:fontRef>
+        </p:style>
+        <p:txBody>
+          <a:bodyPr rtlCol="0" anchor="ctr"/>
+          <a:lstStyle/>
+          <a:p>
+            <a:r>
+              <a:rPr lang="en-US" sz="2000" b="1" dirty="0" smtClean="0">
                 <a:effectLst>
-                  <a:outerShdw blurRad="107950" dist="12700" dir="5400000" algn="ctr">
-                    <a:srgbClr val="000000"/>
+                  <a:outerShdw blurRad="38100" dist="38100" dir="2700000" algn="tl">
+                    <a:srgbClr val="000000">
+                      <a:alpha val="43137"/>
+                    </a:srgbClr>
                   </a:outerShdw>
                 </a:effectLst>
-                <a:scene3d>
-                  <a:camera prst="orthographicFront">
-                    <a:rot lat="0" lon="0" rev="0"/>
-                  </a:camera>
-                  <a:lightRig rig="soft" dir="t">
-                    <a:rot lat="0" lon="0" rev="0"/>
-                  </a:lightRig>
-                </a:scene3d>
-                <a:sp3d contourW="44450" prstMaterial="matte">
-                  <a:bevelT w="63500" h="63500" prst="artDeco"/>
-                  <a:contourClr>
-                    <a:srgbClr val="FFFFFF"/>
-                  </a:contourClr>
-                </a:sp3d>
-              </p:spPr>
-              <p:style>
-                <a:lnRef idx="0">
-                  <a:schemeClr val="accent6"/>
-                </a:lnRef>
-                <a:fillRef idx="3">
-                  <a:schemeClr val="accent6"/>
-                </a:fillRef>
-                <a:effectRef idx="3">
-                  <a:schemeClr val="accent6"/>
-                </a:effectRef>
-                <a:fontRef idx="minor">
-                  <a:schemeClr val="lt1"/>
-                </a:fontRef>
-              </p:style>
-              <p:txBody>
-                <a:bodyPr rtlCol="0" anchor="ctr"/>
-                <a:lstStyle/>
-                <a:p>
-                  <a:pPr algn="ctr"/>
-                  <a:r>
-                    <a:rPr lang="en-US" b="1" dirty="0" err="1" smtClean="0">
-                      <a:effectLst>
-                        <a:outerShdw blurRad="38100" dist="38100" dir="2700000" algn="tl">
-                          <a:srgbClr val="000000">
-                            <a:alpha val="43137"/>
-                          </a:srgbClr>
-                        </a:outerShdw>
-                      </a:effectLst>
-                    </a:rPr>
-                    <a:t>Bn</a:t>
-                  </a:r>
-                  <a:endParaRPr lang="en-US" b="1" dirty="0">
-                    <a:effectLst>
-                      <a:outerShdw blurRad="38100" dist="38100" dir="2700000" algn="tl">
-                        <a:srgbClr val="000000">
-                          <a:alpha val="43137"/>
-                        </a:srgbClr>
-                      </a:outerShdw>
-                    </a:effectLst>
-                  </a:endParaRPr>
-                </a:p>
-              </p:txBody>
-            </p:sp>
-          </p:grpSp>
-          <p:pic>
-            <p:nvPicPr>
-              <p:cNvPr id="46" name="Picture 45"/>
-              <p:cNvPicPr>
-                <a:picLocks noChangeAspect="1"/>
-              </p:cNvPicPr>
-              <p:nvPr/>
-            </p:nvPicPr>
-            <p:blipFill>
-              <a:blip r:embed="rId4">
-                <a:extLst>
-                  <a:ext uri="{28A0092B-C50C-407E-A947-70E740481C1C}">
-                    <a14:useLocalDpi xmlns:a14="http://schemas.microsoft.com/office/drawing/2010/main" val="0"/>
-                  </a:ext>
-                </a:extLst>
-              </a:blip>
-              <a:stretch>
-                <a:fillRect/>
-              </a:stretch>
-            </p:blipFill>
-            <p:spPr>
-              <a:xfrm>
-                <a:off x="2140668" y="3845927"/>
-                <a:ext cx="934329" cy="934329"/>
-              </a:xfrm>
-              <a:prstGeom prst="rect">
-                <a:avLst/>
-              </a:prstGeom>
-            </p:spPr>
-          </p:pic>
-        </p:grpSp>
-        <p:grpSp>
-          <p:nvGrpSpPr>
-            <p:cNvPr id="53" name="Group 52"/>
-            <p:cNvGrpSpPr/>
-            <p:nvPr/>
-          </p:nvGrpSpPr>
-          <p:grpSpPr>
-            <a:xfrm>
-              <a:off x="2175322" y="4256503"/>
-              <a:ext cx="2861534" cy="2331036"/>
-              <a:chOff x="1177066" y="3845927"/>
-              <a:chExt cx="2861534" cy="2331036"/>
-            </a:xfrm>
-          </p:grpSpPr>
-          <p:grpSp>
-            <p:nvGrpSpPr>
-              <p:cNvPr id="54" name="Group 53"/>
-              <p:cNvGrpSpPr/>
-              <p:nvPr/>
-            </p:nvGrpSpPr>
-            <p:grpSpPr>
-              <a:xfrm>
-                <a:off x="1177066" y="4448317"/>
-                <a:ext cx="2861534" cy="1728646"/>
-                <a:chOff x="1177066" y="3293520"/>
-                <a:chExt cx="3432517" cy="2338597"/>
-              </a:xfrm>
-            </p:grpSpPr>
-            <p:sp>
-              <p:nvSpPr>
-                <p:cNvPr id="56" name="Rounded Rectangle 55"/>
-                <p:cNvSpPr/>
-                <p:nvPr/>
-              </p:nvSpPr>
-              <p:spPr>
-                <a:xfrm>
-                  <a:off x="1177066" y="3293520"/>
-                  <a:ext cx="3432517" cy="2338597"/>
-                </a:xfrm>
-                <a:prstGeom prst="roundRect">
-                  <a:avLst/>
-                </a:prstGeom>
-                <a:ln>
-                  <a:noFill/>
-                </a:ln>
+              </a:rPr>
+              <a:t>Metadata</a:t>
+            </a:r>
+          </a:p>
+          <a:p>
+            <a:pPr marL="285750" indent="-285750">
+              <a:buFont typeface="Arial" panose="020B0604020202020204" pitchFamily="34" charset="0"/>
+              <a:buChar char="•"/>
+            </a:pPr>
+            <a:r>
+              <a:rPr lang="en-US" sz="2000" dirty="0" smtClean="0">
                 <a:effectLst>
-                  <a:glow rad="139700">
-                    <a:schemeClr val="accent5">
-                      <a:satMod val="175000"/>
-                      <a:alpha val="40000"/>
-                    </a:schemeClr>
-                  </a:glow>
-                  <a:outerShdw blurRad="107950" dist="12700" dir="5400000" algn="ctr">
-                    <a:srgbClr val="000000"/>
+                  <a:outerShdw blurRad="38100" dist="38100" dir="2700000" algn="tl">
+                    <a:srgbClr val="000000">
+                      <a:alpha val="43137"/>
+                    </a:srgbClr>
                   </a:outerShdw>
                 </a:effectLst>
-                <a:scene3d>
-                  <a:camera prst="orthographicFront">
-                    <a:rot lat="0" lon="0" rev="0"/>
-                  </a:camera>
-                  <a:lightRig rig="soft" dir="t">
-                    <a:rot lat="0" lon="0" rev="0"/>
-                  </a:lightRig>
-                </a:scene3d>
-                <a:sp3d contourW="44450" prstMaterial="matte">
-                  <a:bevelT w="63500" h="63500" prst="artDeco"/>
-                  <a:contourClr>
-                    <a:srgbClr val="FFFFFF"/>
-                  </a:contourClr>
-                </a:sp3d>
-              </p:spPr>
-              <p:style>
-                <a:lnRef idx="2">
-                  <a:schemeClr val="accent1">
-                    <a:shade val="50000"/>
-                  </a:schemeClr>
-                </a:lnRef>
-                <a:fillRef idx="1">
-                  <a:schemeClr val="accent1"/>
-                </a:fillRef>
-                <a:effectRef idx="0">
-                  <a:schemeClr val="accent1"/>
-                </a:effectRef>
-                <a:fontRef idx="minor">
-                  <a:schemeClr val="lt1"/>
-                </a:fontRef>
-              </p:style>
-              <p:txBody>
-                <a:bodyPr rtlCol="0" anchor="t"/>
-                <a:lstStyle/>
-                <a:p>
-                  <a:r>
-                    <a:rPr lang="en-US" b="1" dirty="0" smtClean="0">
-                      <a:effectLst>
-                        <a:outerShdw blurRad="38100" dist="38100" dir="2700000" algn="tl">
-                          <a:srgbClr val="000000">
-                            <a:alpha val="43137"/>
-                          </a:srgbClr>
-                        </a:outerShdw>
-                      </a:effectLst>
-                    </a:rPr>
-                    <a:t>DN1</a:t>
-                  </a:r>
-                  <a:endParaRPr lang="en-US" b="1" dirty="0">
-                    <a:effectLst>
-                      <a:outerShdw blurRad="38100" dist="38100" dir="2700000" algn="tl">
-                        <a:srgbClr val="000000">
-                          <a:alpha val="43137"/>
-                        </a:srgbClr>
-                      </a:outerShdw>
-                    </a:effectLst>
-                  </a:endParaRPr>
-                </a:p>
-              </p:txBody>
-            </p:sp>
-            <p:sp>
-              <p:nvSpPr>
-                <p:cNvPr id="57" name="Rounded Rectangle 56"/>
-                <p:cNvSpPr/>
-                <p:nvPr/>
-              </p:nvSpPr>
-              <p:spPr>
-                <a:xfrm>
-                  <a:off x="1691290" y="4604224"/>
-                  <a:ext cx="573206" cy="532262"/>
-                </a:xfrm>
-                <a:prstGeom prst="roundRect">
-                  <a:avLst/>
-                </a:prstGeom>
-                <a:ln>
-                  <a:noFill/>
-                </a:ln>
+              </a:rPr>
+              <a:t>Edit log</a:t>
+            </a:r>
+          </a:p>
+          <a:p>
+            <a:pPr marL="285750" indent="-285750">
+              <a:buFont typeface="Arial" panose="020B0604020202020204" pitchFamily="34" charset="0"/>
+              <a:buChar char="•"/>
+            </a:pPr>
+            <a:r>
+              <a:rPr lang="en-US" sz="2000" dirty="0" smtClean="0">
                 <a:effectLst>
-                  <a:outerShdw blurRad="107950" dist="12700" dir="5400000" algn="ctr">
-                    <a:srgbClr val="000000"/>
+                  <a:outerShdw blurRad="38100" dist="38100" dir="2700000" algn="tl">
+                    <a:srgbClr val="000000">
+                      <a:alpha val="43137"/>
+                    </a:srgbClr>
                   </a:outerShdw>
                 </a:effectLst>
-                <a:scene3d>
-                  <a:camera prst="orthographicFront">
-                    <a:rot lat="0" lon="0" rev="0"/>
-                  </a:camera>
-                  <a:lightRig rig="soft" dir="t">
-                    <a:rot lat="0" lon="0" rev="0"/>
-                  </a:lightRig>
-                </a:scene3d>
-                <a:sp3d contourW="44450" prstMaterial="matte">
-                  <a:bevelT w="63500" h="63500" prst="artDeco"/>
-                  <a:contourClr>
-                    <a:srgbClr val="FFFFFF"/>
-                  </a:contourClr>
-                </a:sp3d>
-              </p:spPr>
-              <p:style>
-                <a:lnRef idx="0">
-                  <a:schemeClr val="accent6"/>
-                </a:lnRef>
-                <a:fillRef idx="3">
-                  <a:schemeClr val="accent6"/>
-                </a:fillRef>
-                <a:effectRef idx="3">
-                  <a:schemeClr val="accent6"/>
-                </a:effectRef>
-                <a:fontRef idx="minor">
-                  <a:schemeClr val="lt1"/>
-                </a:fontRef>
-              </p:style>
-              <p:txBody>
-                <a:bodyPr rtlCol="0" anchor="ctr"/>
-                <a:lstStyle/>
-                <a:p>
-                  <a:pPr algn="ctr"/>
-                  <a:r>
-                    <a:rPr lang="en-US" b="1" dirty="0" smtClean="0">
-                      <a:effectLst>
-                        <a:outerShdw blurRad="38100" dist="38100" dir="2700000" algn="tl">
-                          <a:srgbClr val="000000">
-                            <a:alpha val="43137"/>
-                          </a:srgbClr>
-                        </a:outerShdw>
-                      </a:effectLst>
-                    </a:rPr>
-                    <a:t>B1</a:t>
-                  </a:r>
-                  <a:endParaRPr lang="en-US" b="1" dirty="0">
-                    <a:effectLst>
-                      <a:outerShdw blurRad="38100" dist="38100" dir="2700000" algn="tl">
-                        <a:srgbClr val="000000">
-                          <a:alpha val="43137"/>
-                        </a:srgbClr>
-                      </a:outerShdw>
-                    </a:effectLst>
-                  </a:endParaRPr>
-                </a:p>
-              </p:txBody>
-            </p:sp>
-            <p:sp>
-              <p:nvSpPr>
-                <p:cNvPr id="87" name="Rounded Rectangle 86"/>
-                <p:cNvSpPr/>
-                <p:nvPr/>
-              </p:nvSpPr>
-              <p:spPr>
-                <a:xfrm>
-                  <a:off x="2167272" y="3937025"/>
-                  <a:ext cx="573206" cy="532262"/>
-                </a:xfrm>
-                <a:prstGeom prst="roundRect">
-                  <a:avLst/>
-                </a:prstGeom>
-                <a:ln>
-                  <a:noFill/>
-                </a:ln>
+              </a:rPr>
+              <a:t>System image</a:t>
+            </a:r>
+          </a:p>
+          <a:p>
+            <a:pPr marL="285750" indent="-285750">
+              <a:buFont typeface="Arial" panose="020B0604020202020204" pitchFamily="34" charset="0"/>
+              <a:buChar char="•"/>
+            </a:pPr>
+            <a:r>
+              <a:rPr lang="en-US" sz="2000" dirty="0" smtClean="0">
                 <a:effectLst>
-                  <a:outerShdw blurRad="107950" dist="12700" dir="5400000" algn="ctr">
-                    <a:srgbClr val="000000"/>
+                  <a:outerShdw blurRad="38100" dist="38100" dir="2700000" algn="tl">
+                    <a:srgbClr val="000000">
+                      <a:alpha val="43137"/>
+                    </a:srgbClr>
                   </a:outerShdw>
                 </a:effectLst>
-                <a:scene3d>
-                  <a:camera prst="orthographicFront">
-                    <a:rot lat="0" lon="0" rev="0"/>
-                  </a:camera>
-                  <a:lightRig rig="soft" dir="t">
-                    <a:rot lat="0" lon="0" rev="0"/>
-                  </a:lightRig>
-                </a:scene3d>
-                <a:sp3d contourW="44450" prstMaterial="matte">
-                  <a:bevelT w="63500" h="63500" prst="artDeco"/>
-                  <a:contourClr>
-                    <a:srgbClr val="FFFFFF"/>
-                  </a:contourClr>
-                </a:sp3d>
-              </p:spPr>
-              <p:style>
-                <a:lnRef idx="0">
-                  <a:schemeClr val="accent6"/>
-                </a:lnRef>
-                <a:fillRef idx="3">
-                  <a:schemeClr val="accent6"/>
-                </a:fillRef>
-                <a:effectRef idx="3">
-                  <a:schemeClr val="accent6"/>
-                </a:effectRef>
-                <a:fontRef idx="minor">
-                  <a:schemeClr val="lt1"/>
-                </a:fontRef>
-              </p:style>
-              <p:txBody>
-                <a:bodyPr rtlCol="0" anchor="ctr"/>
-                <a:lstStyle/>
-                <a:p>
-                  <a:pPr algn="ctr"/>
-                  <a:r>
-                    <a:rPr lang="en-US" b="1" dirty="0" smtClean="0">
-                      <a:effectLst>
-                        <a:outerShdw blurRad="38100" dist="38100" dir="2700000" algn="tl">
-                          <a:srgbClr val="000000">
-                            <a:alpha val="43137"/>
-                          </a:srgbClr>
-                        </a:outerShdw>
-                      </a:effectLst>
-                    </a:rPr>
-                    <a:t>B2</a:t>
-                  </a:r>
-                  <a:endParaRPr lang="en-US" b="1" dirty="0">
-                    <a:effectLst>
-                      <a:outerShdw blurRad="38100" dist="38100" dir="2700000" algn="tl">
-                        <a:srgbClr val="000000">
-                          <a:alpha val="43137"/>
-                        </a:srgbClr>
-                      </a:outerShdw>
-                    </a:effectLst>
-                  </a:endParaRPr>
-                </a:p>
-              </p:txBody>
-            </p:sp>
-            <p:sp>
-              <p:nvSpPr>
-                <p:cNvPr id="88" name="Rounded Rectangle 87"/>
-                <p:cNvSpPr/>
-                <p:nvPr/>
-              </p:nvSpPr>
-              <p:spPr>
-                <a:xfrm>
-                  <a:off x="2606721" y="4604224"/>
-                  <a:ext cx="573206" cy="532262"/>
-                </a:xfrm>
-                <a:prstGeom prst="roundRect">
-                  <a:avLst/>
-                </a:prstGeom>
-                <a:ln>
-                  <a:noFill/>
-                </a:ln>
+              </a:rPr>
+              <a:t>Block checksum</a:t>
+            </a:r>
+          </a:p>
+          <a:p>
+            <a:pPr marL="285750" indent="-285750">
+              <a:buFont typeface="Arial" panose="020B0604020202020204" pitchFamily="34" charset="0"/>
+              <a:buChar char="•"/>
+            </a:pPr>
+            <a:r>
+              <a:rPr lang="en-US" sz="2000" dirty="0" smtClean="0">
                 <a:effectLst>
-                  <a:outerShdw blurRad="107950" dist="12700" dir="5400000" algn="ctr">
-                    <a:srgbClr val="000000"/>
+                  <a:outerShdw blurRad="38100" dist="38100" dir="2700000" algn="tl">
+                    <a:srgbClr val="000000">
+                      <a:alpha val="43137"/>
+                    </a:srgbClr>
                   </a:outerShdw>
                 </a:effectLst>
-                <a:scene3d>
-                  <a:camera prst="orthographicFront">
-                    <a:rot lat="0" lon="0" rev="0"/>
-                  </a:camera>
-                  <a:lightRig rig="soft" dir="t">
-                    <a:rot lat="0" lon="0" rev="0"/>
-                  </a:lightRig>
-                </a:scene3d>
-                <a:sp3d contourW="44450" prstMaterial="matte">
-                  <a:bevelT w="63500" h="63500" prst="artDeco"/>
-                  <a:contourClr>
-                    <a:srgbClr val="FFFFFF"/>
-                  </a:contourClr>
-                </a:sp3d>
-              </p:spPr>
-              <p:style>
-                <a:lnRef idx="0">
-                  <a:schemeClr val="accent6"/>
-                </a:lnRef>
-                <a:fillRef idx="3">
-                  <a:schemeClr val="accent6"/>
-                </a:fillRef>
-                <a:effectRef idx="3">
-                  <a:schemeClr val="accent6"/>
-                </a:effectRef>
-                <a:fontRef idx="minor">
-                  <a:schemeClr val="lt1"/>
-                </a:fontRef>
-              </p:style>
-              <p:txBody>
-                <a:bodyPr rtlCol="0" anchor="ctr"/>
-                <a:lstStyle/>
-                <a:p>
-                  <a:pPr algn="ctr"/>
-                  <a:r>
-                    <a:rPr lang="en-US" b="1" dirty="0" smtClean="0">
-                      <a:effectLst>
-                        <a:outerShdw blurRad="38100" dist="38100" dir="2700000" algn="tl">
-                          <a:srgbClr val="000000">
-                            <a:alpha val="43137"/>
-                          </a:srgbClr>
-                        </a:outerShdw>
-                      </a:effectLst>
-                    </a:rPr>
-                    <a:t>B3</a:t>
-                  </a:r>
-                  <a:endParaRPr lang="en-US" b="1" dirty="0">
-                    <a:effectLst>
-                      <a:outerShdw blurRad="38100" dist="38100" dir="2700000" algn="tl">
-                        <a:srgbClr val="000000">
-                          <a:alpha val="43137"/>
-                        </a:srgbClr>
-                      </a:outerShdw>
-                    </a:effectLst>
-                  </a:endParaRPr>
-                </a:p>
-              </p:txBody>
-            </p:sp>
-            <p:sp>
-              <p:nvSpPr>
-                <p:cNvPr id="89" name="Rounded Rectangle 88"/>
-                <p:cNvSpPr/>
-                <p:nvPr/>
-              </p:nvSpPr>
-              <p:spPr>
-                <a:xfrm>
-                  <a:off x="3157478" y="3852377"/>
-                  <a:ext cx="573206" cy="532262"/>
-                </a:xfrm>
-                <a:prstGeom prst="roundRect">
-                  <a:avLst/>
-                </a:prstGeom>
-                <a:ln>
-                  <a:noFill/>
-                </a:ln>
+              </a:rPr>
+              <a:t>Block location</a:t>
+            </a:r>
+          </a:p>
+          <a:p>
+            <a:pPr marL="285750" indent="-285750">
+              <a:buFont typeface="Arial" panose="020B0604020202020204" pitchFamily="34" charset="0"/>
+              <a:buChar char="•"/>
+            </a:pPr>
+            <a:r>
+              <a:rPr lang="en-US" sz="2000" dirty="0" smtClean="0">
                 <a:effectLst>
-                  <a:outerShdw blurRad="107950" dist="12700" dir="5400000" algn="ctr">
-                    <a:srgbClr val="000000"/>
+                  <a:outerShdw blurRad="38100" dist="38100" dir="2700000" algn="tl">
+                    <a:srgbClr val="000000">
+                      <a:alpha val="43137"/>
+                    </a:srgbClr>
                   </a:outerShdw>
                 </a:effectLst>
-                <a:scene3d>
-                  <a:camera prst="orthographicFront">
-                    <a:rot lat="0" lon="0" rev="0"/>
-                  </a:camera>
-                  <a:lightRig rig="soft" dir="t">
-                    <a:rot lat="0" lon="0" rev="0"/>
-                  </a:lightRig>
-                </a:scene3d>
-                <a:sp3d contourW="44450" prstMaterial="matte">
-                  <a:bevelT w="63500" h="63500" prst="artDeco"/>
-                  <a:contourClr>
-                    <a:srgbClr val="FFFFFF"/>
-                  </a:contourClr>
-                </a:sp3d>
-              </p:spPr>
-              <p:style>
-                <a:lnRef idx="0">
-                  <a:schemeClr val="accent6"/>
-                </a:lnRef>
-                <a:fillRef idx="3">
-                  <a:schemeClr val="accent6"/>
-                </a:fillRef>
-                <a:effectRef idx="3">
-                  <a:schemeClr val="accent6"/>
-                </a:effectRef>
-                <a:fontRef idx="minor">
-                  <a:schemeClr val="lt1"/>
-                </a:fontRef>
-              </p:style>
-              <p:txBody>
-                <a:bodyPr rtlCol="0" anchor="ctr"/>
-                <a:lstStyle/>
-                <a:p>
-                  <a:pPr algn="ctr"/>
-                  <a:r>
-                    <a:rPr lang="en-US" b="1" dirty="0" smtClean="0">
-                      <a:effectLst>
-                        <a:outerShdw blurRad="38100" dist="38100" dir="2700000" algn="tl">
-                          <a:srgbClr val="000000">
-                            <a:alpha val="43137"/>
-                          </a:srgbClr>
-                        </a:outerShdw>
-                      </a:effectLst>
-                    </a:rPr>
-                    <a:t>…</a:t>
-                  </a:r>
-                  <a:endParaRPr lang="en-US" b="1" dirty="0">
-                    <a:effectLst>
-                      <a:outerShdw blurRad="38100" dist="38100" dir="2700000" algn="tl">
-                        <a:srgbClr val="000000">
-                          <a:alpha val="43137"/>
-                        </a:srgbClr>
-                      </a:outerShdw>
-                    </a:effectLst>
-                  </a:endParaRPr>
-                </a:p>
-              </p:txBody>
-            </p:sp>
-            <p:sp>
-              <p:nvSpPr>
-                <p:cNvPr id="90" name="Rounded Rectangle 89"/>
-                <p:cNvSpPr/>
-                <p:nvPr/>
-              </p:nvSpPr>
-              <p:spPr>
-                <a:xfrm>
-                  <a:off x="3581887" y="4609960"/>
-                  <a:ext cx="573206" cy="532262"/>
-                </a:xfrm>
-                <a:prstGeom prst="roundRect">
-                  <a:avLst/>
-                </a:prstGeom>
-                <a:ln>
-                  <a:noFill/>
-                </a:ln>
+              </a:rPr>
+              <a:t>Namespace tree</a:t>
+            </a:r>
+            <a:endParaRPr lang="en-US" sz="2000" dirty="0">
+              <a:effectLst>
+                <a:outerShdw blurRad="38100" dist="38100" dir="2700000" algn="tl">
+                  <a:srgbClr val="000000">
+                    <a:alpha val="43137"/>
+                  </a:srgbClr>
+                </a:outerShdw>
+              </a:effectLst>
+            </a:endParaRPr>
+          </a:p>
+        </p:txBody>
+      </p:sp>
+      <p:sp>
+        <p:nvSpPr>
+          <p:cNvPr id="97" name="Rounded Rectangle 96"/>
+          <p:cNvSpPr/>
+          <p:nvPr/>
+        </p:nvSpPr>
+        <p:spPr>
+          <a:xfrm>
+            <a:off x="237756" y="4672151"/>
+            <a:ext cx="1974382" cy="735925"/>
+          </a:xfrm>
+          <a:prstGeom prst="roundRect">
+            <a:avLst/>
+          </a:prstGeom>
+          <a:effectLst>
+            <a:softEdge rad="63500"/>
+          </a:effectLst>
+        </p:spPr>
+        <p:style>
+          <a:lnRef idx="2">
+            <a:schemeClr val="accent1">
+              <a:shade val="50000"/>
+            </a:schemeClr>
+          </a:lnRef>
+          <a:fillRef idx="1">
+            <a:schemeClr val="accent1"/>
+          </a:fillRef>
+          <a:effectRef idx="0">
+            <a:schemeClr val="accent1"/>
+          </a:effectRef>
+          <a:fontRef idx="minor">
+            <a:schemeClr val="lt1"/>
+          </a:fontRef>
+        </p:style>
+        <p:txBody>
+          <a:bodyPr rtlCol="0" anchor="ctr"/>
+          <a:lstStyle/>
+          <a:p>
+            <a:pPr marL="285750" indent="-285750">
+              <a:buFont typeface="Arial" panose="020B0604020202020204" pitchFamily="34" charset="0"/>
+              <a:buChar char="•"/>
+            </a:pPr>
+            <a:r>
+              <a:rPr lang="en-US" sz="2000" dirty="0" smtClean="0">
                 <a:effectLst>
-                  <a:outerShdw blurRad="107950" dist="12700" dir="5400000" algn="ctr">
-                    <a:srgbClr val="000000"/>
+                  <a:outerShdw blurRad="38100" dist="38100" dir="2700000" algn="tl">
+                    <a:srgbClr val="000000">
+                      <a:alpha val="43137"/>
+                    </a:srgbClr>
                   </a:outerShdw>
                 </a:effectLst>
-                <a:scene3d>
-                  <a:camera prst="orthographicFront">
-                    <a:rot lat="0" lon="0" rev="0"/>
-                  </a:camera>
-                  <a:lightRig rig="soft" dir="t">
-                    <a:rot lat="0" lon="0" rev="0"/>
-                  </a:lightRig>
-                </a:scene3d>
-                <a:sp3d contourW="44450" prstMaterial="matte">
-                  <a:bevelT w="63500" h="63500" prst="artDeco"/>
-                  <a:contourClr>
-                    <a:srgbClr val="FFFFFF"/>
-                  </a:contourClr>
-                </a:sp3d>
-              </p:spPr>
-              <p:style>
-                <a:lnRef idx="0">
-                  <a:schemeClr val="accent6"/>
-                </a:lnRef>
-                <a:fillRef idx="3">
-                  <a:schemeClr val="accent6"/>
-                </a:fillRef>
-                <a:effectRef idx="3">
-                  <a:schemeClr val="accent6"/>
-                </a:effectRef>
-                <a:fontRef idx="minor">
-                  <a:schemeClr val="lt1"/>
-                </a:fontRef>
-              </p:style>
-              <p:txBody>
-                <a:bodyPr rtlCol="0" anchor="ctr"/>
-                <a:lstStyle/>
-                <a:p>
-                  <a:pPr algn="ctr"/>
-                  <a:r>
-                    <a:rPr lang="en-US" b="1" dirty="0" err="1" smtClean="0">
-                      <a:effectLst>
-                        <a:outerShdw blurRad="38100" dist="38100" dir="2700000" algn="tl">
-                          <a:srgbClr val="000000">
-                            <a:alpha val="43137"/>
-                          </a:srgbClr>
-                        </a:outerShdw>
-                      </a:effectLst>
-                    </a:rPr>
-                    <a:t>Bn</a:t>
-                  </a:r>
-                  <a:endParaRPr lang="en-US" b="1" dirty="0">
-                    <a:effectLst>
-                      <a:outerShdw blurRad="38100" dist="38100" dir="2700000" algn="tl">
-                        <a:srgbClr val="000000">
-                          <a:alpha val="43137"/>
-                        </a:srgbClr>
-                      </a:outerShdw>
-                    </a:effectLst>
-                  </a:endParaRPr>
-                </a:p>
-              </p:txBody>
-            </p:sp>
-          </p:grpSp>
-          <p:pic>
-            <p:nvPicPr>
-              <p:cNvPr id="55" name="Picture 54"/>
-              <p:cNvPicPr>
-                <a:picLocks noChangeAspect="1"/>
-              </p:cNvPicPr>
-              <p:nvPr/>
-            </p:nvPicPr>
-            <p:blipFill>
-              <a:blip r:embed="rId4">
-                <a:extLst>
-                  <a:ext uri="{28A0092B-C50C-407E-A947-70E740481C1C}">
-                    <a14:useLocalDpi xmlns:a14="http://schemas.microsoft.com/office/drawing/2010/main" val="0"/>
-                  </a:ext>
-                </a:extLst>
-              </a:blip>
-              <a:stretch>
-                <a:fillRect/>
-              </a:stretch>
-            </p:blipFill>
-            <p:spPr>
-              <a:xfrm>
-                <a:off x="2140668" y="3845927"/>
-                <a:ext cx="934329" cy="934329"/>
-              </a:xfrm>
-              <a:prstGeom prst="rect">
-                <a:avLst/>
-              </a:prstGeom>
-            </p:spPr>
-          </p:pic>
-        </p:grpSp>
-      </p:grpSp>
+              </a:rPr>
+              <a:t>Heartbeat</a:t>
+            </a:r>
+          </a:p>
+          <a:p>
+            <a:pPr marL="285750" indent="-285750">
+              <a:buFont typeface="Arial" panose="020B0604020202020204" pitchFamily="34" charset="0"/>
+              <a:buChar char="•"/>
+            </a:pPr>
+            <a:r>
+              <a:rPr lang="en-US" sz="2000" dirty="0" smtClean="0">
+                <a:effectLst>
+                  <a:outerShdw blurRad="38100" dist="38100" dir="2700000" algn="tl">
+                    <a:srgbClr val="000000">
+                      <a:alpha val="43137"/>
+                    </a:srgbClr>
+                  </a:outerShdw>
+                </a:effectLst>
+              </a:rPr>
+              <a:t>Report blocks</a:t>
+            </a:r>
+            <a:endParaRPr lang="en-US" sz="2000" dirty="0">
+              <a:effectLst>
+                <a:outerShdw blurRad="38100" dist="38100" dir="2700000" algn="tl">
+                  <a:srgbClr val="000000">
+                    <a:alpha val="43137"/>
+                  </a:srgbClr>
+                </a:outerShdw>
+              </a:effectLst>
+            </a:endParaRPr>
+          </a:p>
+        </p:txBody>
+      </p:sp>
+      <p:sp>
+        <p:nvSpPr>
+          <p:cNvPr id="98" name="Rounded Rectangle 97"/>
+          <p:cNvSpPr/>
+          <p:nvPr/>
+        </p:nvSpPr>
+        <p:spPr>
+          <a:xfrm>
+            <a:off x="-43593" y="5898116"/>
+            <a:ext cx="3216806" cy="704333"/>
+          </a:xfrm>
+          <a:prstGeom prst="roundRect">
+            <a:avLst/>
+          </a:prstGeom>
+          <a:solidFill>
+            <a:srgbClr val="00B050"/>
+          </a:solidFill>
+          <a:effectLst>
+            <a:softEdge rad="63500"/>
+          </a:effectLst>
+        </p:spPr>
+        <p:style>
+          <a:lnRef idx="2">
+            <a:schemeClr val="accent1">
+              <a:shade val="50000"/>
+            </a:schemeClr>
+          </a:lnRef>
+          <a:fillRef idx="1">
+            <a:schemeClr val="accent1"/>
+          </a:fillRef>
+          <a:effectRef idx="0">
+            <a:schemeClr val="accent1"/>
+          </a:effectRef>
+          <a:fontRef idx="minor">
+            <a:schemeClr val="lt1"/>
+          </a:fontRef>
+        </p:style>
+        <p:txBody>
+          <a:bodyPr rtlCol="0" anchor="ctr"/>
+          <a:lstStyle/>
+          <a:p>
+            <a:pPr marL="285750" indent="-285750">
+              <a:buFont typeface="Arial" panose="020B0604020202020204" pitchFamily="34" charset="0"/>
+              <a:buChar char="•"/>
+            </a:pPr>
+            <a:r>
+              <a:rPr lang="en-US" sz="2000" dirty="0">
+                <a:effectLst>
+                  <a:outerShdw blurRad="38100" dist="38100" dir="2700000" algn="tl">
+                    <a:srgbClr val="000000">
+                      <a:alpha val="43137"/>
+                    </a:srgbClr>
+                  </a:outerShdw>
+                </a:effectLst>
+              </a:rPr>
+              <a:t>64 MB / </a:t>
+            </a:r>
+            <a:r>
+              <a:rPr lang="en-US" sz="2000" dirty="0" smtClean="0">
+                <a:effectLst>
+                  <a:outerShdw blurRad="38100" dist="38100" dir="2700000" algn="tl">
+                    <a:srgbClr val="000000">
+                      <a:alpha val="43137"/>
+                    </a:srgbClr>
+                  </a:outerShdw>
+                </a:effectLst>
+              </a:rPr>
+              <a:t>block (default)</a:t>
+            </a:r>
+          </a:p>
+          <a:p>
+            <a:pPr marL="285750" indent="-285750">
+              <a:buFont typeface="Arial" panose="020B0604020202020204" pitchFamily="34" charset="0"/>
+              <a:buChar char="•"/>
+            </a:pPr>
+            <a:r>
+              <a:rPr lang="en-US" sz="2000" dirty="0" smtClean="0">
+                <a:effectLst>
+                  <a:outerShdw blurRad="38100" dist="38100" dir="2700000" algn="tl">
+                    <a:srgbClr val="000000">
+                      <a:alpha val="43137"/>
+                    </a:srgbClr>
+                  </a:outerShdw>
+                </a:effectLst>
+              </a:rPr>
+              <a:t>Split </a:t>
+            </a:r>
+            <a:r>
+              <a:rPr lang="en-US" sz="2000" dirty="0">
+                <a:effectLst>
+                  <a:outerShdw blurRad="38100" dist="38100" dir="2700000" algn="tl">
+                    <a:srgbClr val="000000">
+                      <a:alpha val="43137"/>
+                    </a:srgbClr>
+                  </a:outerShdw>
+                </a:effectLst>
+              </a:rPr>
+              <a:t>large files into </a:t>
+            </a:r>
+            <a:r>
+              <a:rPr lang="en-US" sz="2000" dirty="0" smtClean="0">
+                <a:effectLst>
+                  <a:outerShdw blurRad="38100" dist="38100" dir="2700000" algn="tl">
+                    <a:srgbClr val="000000">
+                      <a:alpha val="43137"/>
+                    </a:srgbClr>
+                  </a:outerShdw>
+                </a:effectLst>
+              </a:rPr>
+              <a:t>blocks</a:t>
+            </a:r>
+            <a:endParaRPr lang="en-US" sz="2000" dirty="0" smtClean="0">
+              <a:effectLst>
+                <a:outerShdw blurRad="38100" dist="38100" dir="2700000" algn="tl">
+                  <a:srgbClr val="000000">
+                    <a:alpha val="43137"/>
+                  </a:srgbClr>
+                </a:outerShdw>
+              </a:effectLst>
+            </a:endParaRPr>
+          </a:p>
+        </p:txBody>
+      </p:sp>
     </p:spTree>
     <p:extLst>
       <p:ext uri="{BB962C8B-B14F-4D97-AF65-F5344CB8AC3E}">
@@ -12697,9 +13496,124 @@
   <p:timing>
     <p:tnLst>
       <p:par>
-        <p:cTn id="1" dur="indefinite" restart="never" nodeType="tmRoot"/>
+        <p:cTn id="1" dur="indefinite" restart="never" nodeType="tmRoot">
+          <p:childTnLst>
+            <p:seq concurrent="1" nextAc="seek">
+              <p:cTn id="2" dur="indefinite" nodeType="mainSeq">
+                <p:childTnLst>
+                  <p:par>
+                    <p:cTn id="3" fill="hold">
+                      <p:stCondLst>
+                        <p:cond delay="indefinite"/>
+                      </p:stCondLst>
+                      <p:childTnLst>
+                        <p:par>
+                          <p:cTn id="4" fill="hold">
+                            <p:stCondLst>
+                              <p:cond delay="0"/>
+                            </p:stCondLst>
+                            <p:childTnLst>
+                              <p:par>
+                                <p:cTn id="5" presetID="10" presetClass="entr" presetSubtype="0" fill="hold" grpId="0" nodeType="clickEffect">
+                                  <p:stCondLst>
+                                    <p:cond delay="0"/>
+                                  </p:stCondLst>
+                                  <p:childTnLst>
+                                    <p:set>
+                                      <p:cBhvr>
+                                        <p:cTn id="6" dur="1" fill="hold">
+                                          <p:stCondLst>
+                                            <p:cond delay="0"/>
+                                          </p:stCondLst>
+                                        </p:cTn>
+                                        <p:tgtEl>
+                                          <p:spTgt spid="97"/>
+                                        </p:tgtEl>
+                                        <p:attrNameLst>
+                                          <p:attrName>style.visibility</p:attrName>
+                                        </p:attrNameLst>
+                                      </p:cBhvr>
+                                      <p:to>
+                                        <p:strVal val="visible"/>
+                                      </p:to>
+                                    </p:set>
+                                    <p:animEffect transition="in" filter="fade">
+                                      <p:cBhvr>
+                                        <p:cTn id="7" dur="500"/>
+                                        <p:tgtEl>
+                                          <p:spTgt spid="97"/>
+                                        </p:tgtEl>
+                                      </p:cBhvr>
+                                    </p:animEffect>
+                                  </p:childTnLst>
+                                </p:cTn>
+                              </p:par>
+                              <p:par>
+                                <p:cTn id="8" presetID="10" presetClass="entr" presetSubtype="0" fill="hold" grpId="0" nodeType="withEffect">
+                                  <p:stCondLst>
+                                    <p:cond delay="0"/>
+                                  </p:stCondLst>
+                                  <p:childTnLst>
+                                    <p:set>
+                                      <p:cBhvr>
+                                        <p:cTn id="9" dur="1" fill="hold">
+                                          <p:stCondLst>
+                                            <p:cond delay="0"/>
+                                          </p:stCondLst>
+                                        </p:cTn>
+                                        <p:tgtEl>
+                                          <p:spTgt spid="98"/>
+                                        </p:tgtEl>
+                                        <p:attrNameLst>
+                                          <p:attrName>style.visibility</p:attrName>
+                                        </p:attrNameLst>
+                                      </p:cBhvr>
+                                      <p:to>
+                                        <p:strVal val="visible"/>
+                                      </p:to>
+                                    </p:set>
+                                    <p:animEffect transition="in" filter="fade">
+                                      <p:cBhvr>
+                                        <p:cTn id="10" dur="500"/>
+                                        <p:tgtEl>
+                                          <p:spTgt spid="98"/>
+                                        </p:tgtEl>
+                                      </p:cBhvr>
+                                    </p:animEffect>
+                                  </p:childTnLst>
+                                </p:cTn>
+                              </p:par>
+                            </p:childTnLst>
+                          </p:cTn>
+                        </p:par>
+                      </p:childTnLst>
+                    </p:cTn>
+                  </p:par>
+                </p:childTnLst>
+              </p:cTn>
+              <p:prevCondLst>
+                <p:cond evt="onPrev" delay="0">
+                  <p:tgtEl>
+                    <p:sldTgt/>
+                  </p:tgtEl>
+                </p:cond>
+              </p:prevCondLst>
+              <p:nextCondLst>
+                <p:cond evt="onNext" delay="0">
+                  <p:tgtEl>
+                    <p:sldTgt/>
+                  </p:tgtEl>
+                </p:cond>
+              </p:nextCondLst>
+            </p:seq>
+          </p:childTnLst>
+        </p:cTn>
       </p:par>
     </p:tnLst>
+    <p:bldLst>
+      <p:bldP spid="97" grpId="0" animBg="1"/>
+      <p:bldP spid="98" grpId="0" animBg="1"/>
+    </p:bldLst>
   </p:timing>
 </p:sld>
 </file>
@@ -12814,6 +13728,25 @@
             <a:r>
               <a:rPr lang="de-DE" b="1" dirty="0" smtClean="0">
                 <a:solidFill>
+                  <a:schemeClr val="accent2">
+                    <a:lumMod val="75000"/>
+                  </a:schemeClr>
+                </a:solidFill>
+                <a:effectLst>
+                  <a:outerShdw blurRad="38100" dist="38100" dir="2700000" algn="tl">
+                    <a:srgbClr val="000000">
+                      <a:alpha val="43137"/>
+                    </a:srgbClr>
+                  </a:outerShdw>
+                </a:effectLst>
+              </a:rPr>
+              <a:t>Write</a:t>
+            </a:r>
+          </a:p>
+          <a:p>
+            <a:r>
+              <a:rPr lang="de-DE" b="1" dirty="0">
+                <a:solidFill>
                   <a:srgbClr val="00B050"/>
                 </a:solidFill>
                 <a:effectLst>
@@ -12828,7 +13761,9 @@
             </a:r>
             <a:endParaRPr lang="de-DE" b="1" dirty="0" smtClean="0">
               <a:solidFill>
-                <a:srgbClr val="00B050"/>
+                <a:schemeClr val="accent2">
+                  <a:lumMod val="75000"/>
+                </a:schemeClr>
               </a:solidFill>
               <a:effectLst>
                 <a:outerShdw blurRad="38100" dist="38100" dir="2700000" algn="tl">
@@ -12838,6 +13773,10 @@
                 </a:outerShdw>
               </a:effectLst>
             </a:endParaRPr>
+          </a:p>
+          <a:p>
+            <a:pPr lvl="1"/>
+            <a:endParaRPr lang="de-DE" dirty="0"/>
           </a:p>
         </p:txBody>
       </p:sp>
@@ -12901,10 +13840,10 @@
         </p:nvGrpSpPr>
         <p:grpSpPr>
           <a:xfrm>
-            <a:off x="3420338" y="1157288"/>
-            <a:ext cx="7267470" cy="5621263"/>
-            <a:chOff x="3420338" y="1157288"/>
-            <a:chExt cx="7267470" cy="5621263"/>
+            <a:off x="2639832" y="1157288"/>
+            <a:ext cx="8047976" cy="5621263"/>
+            <a:chOff x="2639832" y="1157288"/>
+            <a:chExt cx="8047976" cy="5621263"/>
           </a:xfrm>
         </p:grpSpPr>
         <p:grpSp>
@@ -13595,7 +14534,7 @@
               </p:nvSpPr>
               <p:spPr>
                 <a:xfrm>
-                  <a:off x="8123462" y="2528888"/>
+                  <a:off x="8123462" y="2461637"/>
                   <a:ext cx="2100308" cy="452430"/>
                 </a:xfrm>
                 <a:prstGeom prst="roundRect">
@@ -13699,7 +14638,7 @@
           </p:blipFill>
           <p:spPr>
             <a:xfrm>
-              <a:off x="3420338" y="1283112"/>
+              <a:off x="2639832" y="1284801"/>
               <a:ext cx="1110381" cy="1110381"/>
             </a:xfrm>
             <a:prstGeom prst="rect">
@@ -13716,7 +14655,7 @@
         </p:nvSpPr>
         <p:spPr>
           <a:xfrm>
-            <a:off x="3321058" y="2459774"/>
+            <a:off x="2519720" y="2446347"/>
             <a:ext cx="1308940" cy="448817"/>
           </a:xfrm>
           <a:prstGeom prst="roundRect">
@@ -13798,94 +14737,6 @@
           </a:p>
         </p:txBody>
       </p:sp>
-      <p:sp>
-        <p:nvSpPr>
-          <p:cNvPr id="42" name="Rounded Rectangle 41"/>
-          <p:cNvSpPr/>
-          <p:nvPr/>
-        </p:nvSpPr>
-        <p:spPr>
-          <a:xfrm>
-            <a:off x="6901741" y="4517652"/>
-            <a:ext cx="1308940" cy="448817"/>
-          </a:xfrm>
-          <a:prstGeom prst="roundRect">
-            <a:avLst/>
-          </a:prstGeom>
-          <a:ln>
-            <a:noFill/>
-          </a:ln>
-          <a:effectLst>
-            <a:glow rad="139700">
-              <a:schemeClr val="accent5">
-                <a:satMod val="175000"/>
-                <a:alpha val="40000"/>
-              </a:schemeClr>
-            </a:glow>
-            <a:outerShdw blurRad="107950" dist="12700" dir="5400000" algn="ctr">
-              <a:srgbClr val="000000"/>
-            </a:outerShdw>
-          </a:effectLst>
-          <a:scene3d>
-            <a:camera prst="orthographicFront">
-              <a:rot lat="0" lon="0" rev="0"/>
-            </a:camera>
-            <a:lightRig rig="soft" dir="t">
-              <a:rot lat="0" lon="0" rev="0"/>
-            </a:lightRig>
-          </a:scene3d>
-          <a:sp3d contourW="44450" prstMaterial="matte">
-            <a:bevelT w="63500" h="63500" prst="artDeco"/>
-            <a:contourClr>
-              <a:srgbClr val="FFFFFF"/>
-            </a:contourClr>
-          </a:sp3d>
-        </p:spPr>
-        <p:style>
-          <a:lnRef idx="2">
-            <a:schemeClr val="accent1">
-              <a:shade val="50000"/>
-            </a:schemeClr>
-          </a:lnRef>
-          <a:fillRef idx="1">
-            <a:schemeClr val="accent1"/>
-          </a:fillRef>
-          <a:effectRef idx="0">
-            <a:schemeClr val="accent1"/>
-          </a:effectRef>
-          <a:fontRef idx="minor">
-            <a:schemeClr val="lt1"/>
-          </a:fontRef>
-        </p:style>
-        <p:txBody>
-          <a:bodyPr rtlCol="0" anchor="ctr"/>
-          <a:lstStyle/>
-          <a:p>
-            <a:pPr algn="ctr"/>
-            <a:r>
-              <a:rPr lang="en-US" b="1" dirty="0" err="1" smtClean="0">
-                <a:effectLst>
-                  <a:outerShdw blurRad="38100" dist="38100" dir="2700000" algn="tl">
-                    <a:srgbClr val="000000">
-                      <a:alpha val="43137"/>
-                    </a:srgbClr>
-                  </a:outerShdw>
-                </a:effectLst>
-              </a:rPr>
-              <a:t>Datanodes</a:t>
-            </a:r>
-            <a:endParaRPr lang="en-US" b="1" dirty="0">
-              <a:effectLst>
-                <a:outerShdw blurRad="38100" dist="38100" dir="2700000" algn="tl">
-                  <a:srgbClr val="000000">
-                    <a:alpha val="43137"/>
-                  </a:srgbClr>
-                </a:outerShdw>
-              </a:effectLst>
-            </a:endParaRPr>
-          </a:p>
-        </p:txBody>
-      </p:sp>
       <p:cxnSp>
         <p:nvCxnSpPr>
           <p:cNvPr id="44" name="Straight Arrow Connector 43"/>
@@ -13897,1671 +14748,8 @@
         </p:nvCxnSpPr>
         <p:spPr>
           <a:xfrm>
-            <a:off x="4530719" y="1838303"/>
-            <a:ext cx="3938395" cy="4785"/>
-          </a:xfrm>
-          <a:prstGeom prst="straightConnector1">
-            <a:avLst/>
-          </a:prstGeom>
-          <a:ln w="28575">
-            <a:solidFill>
-              <a:srgbClr val="00B050"/>
-            </a:solidFill>
-            <a:tailEnd type="triangle"/>
-          </a:ln>
-        </p:spPr>
-        <p:style>
-          <a:lnRef idx="1">
-            <a:schemeClr val="accent1"/>
-          </a:lnRef>
-          <a:fillRef idx="0">
-            <a:schemeClr val="accent1"/>
-          </a:fillRef>
-          <a:effectRef idx="0">
-            <a:schemeClr val="accent1"/>
-          </a:effectRef>
-          <a:fontRef idx="minor">
-            <a:schemeClr val="tx1"/>
-          </a:fontRef>
-        </p:style>
-      </p:cxnSp>
-      <p:cxnSp>
-        <p:nvCxnSpPr>
-          <p:cNvPr id="52" name="Straight Arrow Connector 51"/>
-          <p:cNvCxnSpPr>
-            <a:stCxn id="11" idx="3"/>
-            <a:endCxn id="19" idx="0"/>
-          </p:cNvCxnSpPr>
-          <p:nvPr/>
-        </p:nvCxnSpPr>
-        <p:spPr>
-          <a:xfrm>
-            <a:off x="4530719" y="1838303"/>
-            <a:ext cx="1918672" cy="2827331"/>
-          </a:xfrm>
-          <a:prstGeom prst="straightConnector1">
-            <a:avLst/>
-          </a:prstGeom>
-          <a:ln w="28575">
-            <a:solidFill>
-              <a:srgbClr val="00B050"/>
-            </a:solidFill>
-            <a:tailEnd type="triangle"/>
-          </a:ln>
-        </p:spPr>
-        <p:style>
-          <a:lnRef idx="1">
-            <a:schemeClr val="accent1"/>
-          </a:lnRef>
-          <a:fillRef idx="0">
-            <a:schemeClr val="accent1"/>
-          </a:fillRef>
-          <a:effectRef idx="0">
-            <a:schemeClr val="accent1"/>
-          </a:effectRef>
-          <a:fontRef idx="minor">
-            <a:schemeClr val="tx1"/>
-          </a:fontRef>
-        </p:style>
-      </p:cxnSp>
-      <p:cxnSp>
-        <p:nvCxnSpPr>
-          <p:cNvPr id="55" name="Straight Arrow Connector 54"/>
-          <p:cNvCxnSpPr>
-            <a:stCxn id="11" idx="3"/>
-            <a:endCxn id="15" idx="0"/>
-          </p:cNvCxnSpPr>
-          <p:nvPr/>
-        </p:nvCxnSpPr>
-        <p:spPr>
-          <a:xfrm>
-            <a:off x="4530719" y="1838303"/>
-            <a:ext cx="5384152" cy="3157081"/>
-          </a:xfrm>
-          <a:prstGeom prst="straightConnector1">
-            <a:avLst/>
-          </a:prstGeom>
-          <a:ln w="28575">
-            <a:solidFill>
-              <a:srgbClr val="00B050"/>
-            </a:solidFill>
-            <a:tailEnd type="triangle"/>
-          </a:ln>
-        </p:spPr>
-        <p:style>
-          <a:lnRef idx="1">
-            <a:schemeClr val="accent1"/>
-          </a:lnRef>
-          <a:fillRef idx="0">
-            <a:schemeClr val="accent1"/>
-          </a:fillRef>
-          <a:effectRef idx="0">
-            <a:schemeClr val="accent1"/>
-          </a:effectRef>
-          <a:fontRef idx="minor">
-            <a:schemeClr val="tx1"/>
-          </a:fontRef>
-        </p:style>
-      </p:cxnSp>
-      <p:cxnSp>
-        <p:nvCxnSpPr>
-          <p:cNvPr id="58" name="Straight Arrow Connector 57"/>
-          <p:cNvCxnSpPr>
-            <a:stCxn id="11" idx="3"/>
-            <a:endCxn id="20" idx="0"/>
-          </p:cNvCxnSpPr>
-          <p:nvPr/>
-        </p:nvCxnSpPr>
-        <p:spPr>
-          <a:xfrm>
-            <a:off x="4530719" y="1838303"/>
-            <a:ext cx="173498" cy="2717266"/>
-          </a:xfrm>
-          <a:prstGeom prst="straightConnector1">
-            <a:avLst/>
-          </a:prstGeom>
-          <a:ln w="28575">
-            <a:solidFill>
-              <a:srgbClr val="00B050"/>
-            </a:solidFill>
-            <a:tailEnd type="triangle"/>
-          </a:ln>
-        </p:spPr>
-        <p:style>
-          <a:lnRef idx="1">
-            <a:schemeClr val="accent1"/>
-          </a:lnRef>
-          <a:fillRef idx="0">
-            <a:schemeClr val="accent1"/>
-          </a:fillRef>
-          <a:effectRef idx="0">
-            <a:schemeClr val="accent1"/>
-          </a:effectRef>
-          <a:fontRef idx="minor">
-            <a:schemeClr val="tx1"/>
-          </a:fontRef>
-        </p:style>
-      </p:cxnSp>
-      <p:sp>
-        <p:nvSpPr>
-          <p:cNvPr id="62" name="TextBox 61"/>
-          <p:cNvSpPr txBox="1"/>
-          <p:nvPr/>
-        </p:nvSpPr>
-        <p:spPr>
-          <a:xfrm>
-            <a:off x="4573415" y="1470051"/>
-            <a:ext cx="4132285" cy="369332"/>
-          </a:xfrm>
-          <a:prstGeom prst="rect">
-            <a:avLst/>
-          </a:prstGeom>
-          <a:noFill/>
-        </p:spPr>
-        <p:txBody>
-          <a:bodyPr wrap="none" rtlCol="0">
-            <a:spAutoFit/>
-          </a:bodyPr>
-          <a:lstStyle/>
-          <a:p>
-            <a:r>
-              <a:rPr lang="en-US" dirty="0" smtClean="0"/>
-              <a:t>1. Get list of </a:t>
-            </a:r>
-            <a:r>
-              <a:rPr lang="en-US" dirty="0" err="1" smtClean="0"/>
-              <a:t>Datanodes</a:t>
-            </a:r>
-            <a:r>
-              <a:rPr lang="en-US" dirty="0" smtClean="0"/>
-              <a:t> hosting file blocks</a:t>
-            </a:r>
-            <a:endParaRPr lang="en-US" dirty="0"/>
-          </a:p>
-        </p:txBody>
-      </p:sp>
-      <p:sp>
-        <p:nvSpPr>
-          <p:cNvPr id="63" name="TextBox 62"/>
-          <p:cNvSpPr txBox="1"/>
-          <p:nvPr/>
-        </p:nvSpPr>
-        <p:spPr>
-          <a:xfrm>
-            <a:off x="4547900" y="2949136"/>
-            <a:ext cx="2185150" cy="369332"/>
-          </a:xfrm>
-          <a:prstGeom prst="rect">
-            <a:avLst/>
-          </a:prstGeom>
-          <a:noFill/>
-        </p:spPr>
-        <p:txBody>
-          <a:bodyPr wrap="none" rtlCol="0">
-            <a:spAutoFit/>
-          </a:bodyPr>
-          <a:lstStyle/>
-          <a:p>
-            <a:r>
-              <a:rPr lang="en-US" dirty="0"/>
-              <a:t>2</a:t>
-            </a:r>
-            <a:r>
-              <a:rPr lang="en-US" dirty="0" smtClean="0"/>
-              <a:t>. Get blocks in order</a:t>
-            </a:r>
-            <a:endParaRPr lang="en-US" dirty="0"/>
-          </a:p>
-        </p:txBody>
-      </p:sp>
-      <p:sp>
-        <p:nvSpPr>
-          <p:cNvPr id="9" name="TextBox 8"/>
-          <p:cNvSpPr txBox="1"/>
-          <p:nvPr/>
-        </p:nvSpPr>
-        <p:spPr>
-          <a:xfrm>
-            <a:off x="269456" y="3906806"/>
-            <a:ext cx="4040722" cy="400110"/>
-          </a:xfrm>
-          <a:prstGeom prst="rect">
-            <a:avLst/>
-          </a:prstGeom>
-          <a:noFill/>
-        </p:spPr>
-        <p:txBody>
-          <a:bodyPr wrap="none" rtlCol="0">
-            <a:spAutoFit/>
-          </a:bodyPr>
-          <a:lstStyle/>
-          <a:p>
-            <a:pPr marL="0" lvl="1"/>
-            <a:r>
-              <a:rPr lang="de-DE" sz="2000" b="1" dirty="0"/>
-              <a:t>Single-</a:t>
-            </a:r>
-            <a:r>
-              <a:rPr lang="de-DE" sz="2000" b="1" dirty="0" err="1"/>
-              <a:t>writer</a:t>
-            </a:r>
-            <a:r>
-              <a:rPr lang="de-DE" sz="2000" b="1" dirty="0"/>
-              <a:t>, multiple </a:t>
-            </a:r>
-            <a:r>
-              <a:rPr lang="de-DE" sz="2000" b="1" dirty="0" err="1"/>
-              <a:t>reader</a:t>
-            </a:r>
-            <a:r>
-              <a:rPr lang="de-DE" sz="2000" b="1" dirty="0"/>
-              <a:t> </a:t>
-            </a:r>
-            <a:r>
-              <a:rPr lang="de-DE" sz="2000" b="1" dirty="0" err="1" smtClean="0"/>
-              <a:t>model</a:t>
-            </a:r>
-            <a:endParaRPr lang="de-DE" sz="2000" b="1" dirty="0"/>
-          </a:p>
-        </p:txBody>
-      </p:sp>
-    </p:spTree>
-    <p:extLst>
-      <p:ext uri="{BB962C8B-B14F-4D97-AF65-F5344CB8AC3E}">
-        <p14:creationId xmlns:p14="http://schemas.microsoft.com/office/powerpoint/2010/main" val="625973031"/>
-      </p:ext>
-    </p:extLst>
-  </p:cSld>
-  <p:clrMapOvr>
-    <a:masterClrMapping/>
-  </p:clrMapOvr>
-  <p:transition spd="slow">
-    <p:wheel spokes="1"/>
-  </p:transition>
-  <p:timing>
-    <p:tnLst>
-      <p:par>
-        <p:cTn id="1" dur="indefinite" restart="never" nodeType="tmRoot">
-          <p:childTnLst>
-            <p:seq concurrent="1" nextAc="seek">
-              <p:cTn id="2" dur="indefinite" nodeType="mainSeq">
-                <p:childTnLst>
-                  <p:par>
-                    <p:cTn id="3" fill="hold">
-                      <p:stCondLst>
-                        <p:cond delay="indefinite"/>
-                      </p:stCondLst>
-                      <p:childTnLst>
-                        <p:par>
-                          <p:cTn id="4" fill="hold">
-                            <p:stCondLst>
-                              <p:cond delay="0"/>
-                            </p:stCondLst>
-                            <p:childTnLst>
-                              <p:par>
-                                <p:cTn id="5" presetID="10" presetClass="entr" presetSubtype="0" fill="hold" grpId="0" nodeType="clickEffect">
-                                  <p:stCondLst>
-                                    <p:cond delay="0"/>
-                                  </p:stCondLst>
-                                  <p:childTnLst>
-                                    <p:set>
-                                      <p:cBhvr>
-                                        <p:cTn id="6" dur="1" fill="hold">
-                                          <p:stCondLst>
-                                            <p:cond delay="0"/>
-                                          </p:stCondLst>
-                                        </p:cTn>
-                                        <p:tgtEl>
-                                          <p:spTgt spid="62"/>
-                                        </p:tgtEl>
-                                        <p:attrNameLst>
-                                          <p:attrName>style.visibility</p:attrName>
-                                        </p:attrNameLst>
-                                      </p:cBhvr>
-                                      <p:to>
-                                        <p:strVal val="visible"/>
-                                      </p:to>
-                                    </p:set>
-                                    <p:animEffect transition="in" filter="fade">
-                                      <p:cBhvr>
-                                        <p:cTn id="7" dur="500"/>
-                                        <p:tgtEl>
-                                          <p:spTgt spid="62"/>
-                                        </p:tgtEl>
-                                      </p:cBhvr>
-                                    </p:animEffect>
-                                  </p:childTnLst>
-                                </p:cTn>
-                              </p:par>
-                              <p:par>
-                                <p:cTn id="8" presetID="10" presetClass="entr" presetSubtype="0" fill="hold" nodeType="withEffect">
-                                  <p:stCondLst>
-                                    <p:cond delay="0"/>
-                                  </p:stCondLst>
-                                  <p:childTnLst>
-                                    <p:set>
-                                      <p:cBhvr>
-                                        <p:cTn id="9" dur="1" fill="hold">
-                                          <p:stCondLst>
-                                            <p:cond delay="0"/>
-                                          </p:stCondLst>
-                                        </p:cTn>
-                                        <p:tgtEl>
-                                          <p:spTgt spid="44"/>
-                                        </p:tgtEl>
-                                        <p:attrNameLst>
-                                          <p:attrName>style.visibility</p:attrName>
-                                        </p:attrNameLst>
-                                      </p:cBhvr>
-                                      <p:to>
-                                        <p:strVal val="visible"/>
-                                      </p:to>
-                                    </p:set>
-                                    <p:animEffect transition="in" filter="fade">
-                                      <p:cBhvr>
-                                        <p:cTn id="10" dur="500"/>
-                                        <p:tgtEl>
-                                          <p:spTgt spid="44"/>
-                                        </p:tgtEl>
-                                      </p:cBhvr>
-                                    </p:animEffect>
-                                  </p:childTnLst>
-                                </p:cTn>
-                              </p:par>
-                            </p:childTnLst>
-                          </p:cTn>
-                        </p:par>
-                      </p:childTnLst>
-                    </p:cTn>
-                  </p:par>
-                  <p:par>
-                    <p:cTn id="11" fill="hold">
-                      <p:stCondLst>
-                        <p:cond delay="indefinite"/>
-                      </p:stCondLst>
-                      <p:childTnLst>
-                        <p:par>
-                          <p:cTn id="12" fill="hold">
-                            <p:stCondLst>
-                              <p:cond delay="0"/>
-                            </p:stCondLst>
-                            <p:childTnLst>
-                              <p:par>
-                                <p:cTn id="13" presetID="10" presetClass="entr" presetSubtype="0" fill="hold" grpId="0" nodeType="clickEffect">
-                                  <p:stCondLst>
-                                    <p:cond delay="0"/>
-                                  </p:stCondLst>
-                                  <p:childTnLst>
-                                    <p:set>
-                                      <p:cBhvr>
-                                        <p:cTn id="14" dur="1" fill="hold">
-                                          <p:stCondLst>
-                                            <p:cond delay="0"/>
-                                          </p:stCondLst>
-                                        </p:cTn>
-                                        <p:tgtEl>
-                                          <p:spTgt spid="63"/>
-                                        </p:tgtEl>
-                                        <p:attrNameLst>
-                                          <p:attrName>style.visibility</p:attrName>
-                                        </p:attrNameLst>
-                                      </p:cBhvr>
-                                      <p:to>
-                                        <p:strVal val="visible"/>
-                                      </p:to>
-                                    </p:set>
-                                    <p:animEffect transition="in" filter="fade">
-                                      <p:cBhvr>
-                                        <p:cTn id="15" dur="500"/>
-                                        <p:tgtEl>
-                                          <p:spTgt spid="63"/>
-                                        </p:tgtEl>
-                                      </p:cBhvr>
-                                    </p:animEffect>
-                                  </p:childTnLst>
-                                </p:cTn>
-                              </p:par>
-                              <p:par>
-                                <p:cTn id="16" presetID="10" presetClass="entr" presetSubtype="0" fill="hold" nodeType="withEffect">
-                                  <p:stCondLst>
-                                    <p:cond delay="0"/>
-                                  </p:stCondLst>
-                                  <p:childTnLst>
-                                    <p:set>
-                                      <p:cBhvr>
-                                        <p:cTn id="17" dur="1" fill="hold">
-                                          <p:stCondLst>
-                                            <p:cond delay="0"/>
-                                          </p:stCondLst>
-                                        </p:cTn>
-                                        <p:tgtEl>
-                                          <p:spTgt spid="52"/>
-                                        </p:tgtEl>
-                                        <p:attrNameLst>
-                                          <p:attrName>style.visibility</p:attrName>
-                                        </p:attrNameLst>
-                                      </p:cBhvr>
-                                      <p:to>
-                                        <p:strVal val="visible"/>
-                                      </p:to>
-                                    </p:set>
-                                    <p:animEffect transition="in" filter="fade">
-                                      <p:cBhvr>
-                                        <p:cTn id="18" dur="500"/>
-                                        <p:tgtEl>
-                                          <p:spTgt spid="52"/>
-                                        </p:tgtEl>
-                                      </p:cBhvr>
-                                    </p:animEffect>
-                                  </p:childTnLst>
-                                </p:cTn>
-                              </p:par>
-                              <p:par>
-                                <p:cTn id="19" presetID="10" presetClass="entr" presetSubtype="0" fill="hold" nodeType="withEffect">
-                                  <p:stCondLst>
-                                    <p:cond delay="0"/>
-                                  </p:stCondLst>
-                                  <p:childTnLst>
-                                    <p:set>
-                                      <p:cBhvr>
-                                        <p:cTn id="20" dur="1" fill="hold">
-                                          <p:stCondLst>
-                                            <p:cond delay="0"/>
-                                          </p:stCondLst>
-                                        </p:cTn>
-                                        <p:tgtEl>
-                                          <p:spTgt spid="58"/>
-                                        </p:tgtEl>
-                                        <p:attrNameLst>
-                                          <p:attrName>style.visibility</p:attrName>
-                                        </p:attrNameLst>
-                                      </p:cBhvr>
-                                      <p:to>
-                                        <p:strVal val="visible"/>
-                                      </p:to>
-                                    </p:set>
-                                    <p:animEffect transition="in" filter="fade">
-                                      <p:cBhvr>
-                                        <p:cTn id="21" dur="500"/>
-                                        <p:tgtEl>
-                                          <p:spTgt spid="58"/>
-                                        </p:tgtEl>
-                                      </p:cBhvr>
-                                    </p:animEffect>
-                                  </p:childTnLst>
-                                </p:cTn>
-                              </p:par>
-                              <p:par>
-                                <p:cTn id="22" presetID="10" presetClass="entr" presetSubtype="0" fill="hold" nodeType="withEffect">
-                                  <p:stCondLst>
-                                    <p:cond delay="0"/>
-                                  </p:stCondLst>
-                                  <p:childTnLst>
-                                    <p:set>
-                                      <p:cBhvr>
-                                        <p:cTn id="23" dur="1" fill="hold">
-                                          <p:stCondLst>
-                                            <p:cond delay="0"/>
-                                          </p:stCondLst>
-                                        </p:cTn>
-                                        <p:tgtEl>
-                                          <p:spTgt spid="55"/>
-                                        </p:tgtEl>
-                                        <p:attrNameLst>
-                                          <p:attrName>style.visibility</p:attrName>
-                                        </p:attrNameLst>
-                                      </p:cBhvr>
-                                      <p:to>
-                                        <p:strVal val="visible"/>
-                                      </p:to>
-                                    </p:set>
-                                    <p:animEffect transition="in" filter="fade">
-                                      <p:cBhvr>
-                                        <p:cTn id="24" dur="500"/>
-                                        <p:tgtEl>
-                                          <p:spTgt spid="55"/>
-                                        </p:tgtEl>
-                                      </p:cBhvr>
-                                    </p:animEffect>
-                                  </p:childTnLst>
-                                </p:cTn>
-                              </p:par>
-                            </p:childTnLst>
-                          </p:cTn>
-                        </p:par>
-                      </p:childTnLst>
-                    </p:cTn>
-                  </p:par>
-                </p:childTnLst>
-              </p:cTn>
-              <p:prevCondLst>
-                <p:cond evt="onPrev" delay="0">
-                  <p:tgtEl>
-                    <p:sldTgt/>
-                  </p:tgtEl>
-                </p:cond>
-              </p:prevCondLst>
-              <p:nextCondLst>
-                <p:cond evt="onNext" delay="0">
-                  <p:tgtEl>
-                    <p:sldTgt/>
-                  </p:tgtEl>
-                </p:cond>
-              </p:nextCondLst>
-            </p:seq>
-          </p:childTnLst>
-        </p:cTn>
-      </p:par>
-    </p:tnLst>
-    <p:bldLst>
-      <p:bldP spid="62" grpId="0"/>
-      <p:bldP spid="63" grpId="0"/>
-    </p:bldLst>
-  </p:timing>
-</p:sld>
-</file>
-
-<file path=ppt/slides/slide15.xml><?xml version="1.0" encoding="utf-8"?>
-<p:sld xmlns:a="http://schemas.openxmlformats.org/drawingml/2006/main" xmlns:r="http://schemas.openxmlformats.org/officeDocument/2006/relationships" xmlns:p="http://schemas.openxmlformats.org/presentationml/2006/main">
-  <p:cSld>
-    <p:spTree>
-      <p:nvGrpSpPr>
-        <p:cNvPr id="1" name=""/>
-        <p:cNvGrpSpPr/>
-        <p:nvPr/>
-      </p:nvGrpSpPr>
-      <p:grpSpPr>
-        <a:xfrm>
-          <a:off x="0" y="0"/>
-          <a:ext cx="0" cy="0"/>
-          <a:chOff x="0" y="0"/>
-          <a:chExt cx="0" cy="0"/>
-        </a:xfrm>
-      </p:grpSpPr>
-      <p:pic>
-        <p:nvPicPr>
-          <p:cNvPr id="6" name="Picture 5"/>
-          <p:cNvPicPr>
-            <a:picLocks noChangeAspect="1"/>
-          </p:cNvPicPr>
-          <p:nvPr/>
-        </p:nvPicPr>
-        <p:blipFill>
-          <a:blip r:embed="rId3" cstate="print">
-            <a:extLst>
-              <a:ext uri="{28A0092B-C50C-407E-A947-70E740481C1C}">
-                <a14:useLocalDpi xmlns:a14="http://schemas.microsoft.com/office/drawing/2010/main" val="0"/>
-              </a:ext>
-            </a:extLst>
-          </a:blip>
-          <a:stretch>
-            <a:fillRect/>
-          </a:stretch>
-        </p:blipFill>
-        <p:spPr>
-          <a:xfrm>
-            <a:off x="276045" y="365125"/>
-            <a:ext cx="734484" cy="550863"/>
-          </a:xfrm>
-          <a:prstGeom prst="rect">
-            <a:avLst/>
-          </a:prstGeom>
-        </p:spPr>
-      </p:pic>
-      <p:sp>
-        <p:nvSpPr>
-          <p:cNvPr id="2" name="Titel 1"/>
-          <p:cNvSpPr>
-            <a:spLocks noGrp="1"/>
-          </p:cNvSpPr>
-          <p:nvPr>
-            <p:ph type="title"/>
-          </p:nvPr>
-        </p:nvSpPr>
-        <p:spPr/>
-        <p:txBody>
-          <a:bodyPr/>
-          <a:lstStyle/>
-          <a:p>
-            <a:r>
-              <a:rPr lang="de-DE" dirty="0">
-                <a:solidFill>
-                  <a:srgbClr val="00B0F0"/>
-                </a:solidFill>
-                <a:effectLst>
-                  <a:outerShdw blurRad="38100" dist="38100" dir="2700000" algn="tl">
-                    <a:srgbClr val="000000">
-                      <a:alpha val="43137"/>
-                    </a:srgbClr>
-                  </a:outerShdw>
-                </a:effectLst>
-              </a:rPr>
-              <a:t>HDFS </a:t>
-            </a:r>
-            <a:r>
-              <a:rPr lang="de-DE" dirty="0" smtClean="0"/>
-              <a:t>- Workflow</a:t>
-            </a:r>
-            <a:endParaRPr lang="de-DE" dirty="0"/>
-          </a:p>
-        </p:txBody>
-      </p:sp>
-      <p:sp>
-        <p:nvSpPr>
-          <p:cNvPr id="3" name="Inhaltsplatzhalter 2"/>
-          <p:cNvSpPr>
-            <a:spLocks noGrp="1"/>
-          </p:cNvSpPr>
-          <p:nvPr>
-            <p:ph idx="1"/>
-          </p:nvPr>
-        </p:nvSpPr>
-        <p:spPr>
-          <a:xfrm>
-            <a:off x="567090" y="1953353"/>
-            <a:ext cx="2584685" cy="4351338"/>
-          </a:xfrm>
-        </p:spPr>
-        <p:txBody>
-          <a:bodyPr>
-            <a:normAutofit/>
-          </a:bodyPr>
-          <a:lstStyle/>
-          <a:p>
-            <a:r>
-              <a:rPr lang="de-DE" b="1" dirty="0" smtClean="0">
-                <a:solidFill>
-                  <a:schemeClr val="accent2">
-                    <a:lumMod val="75000"/>
-                  </a:schemeClr>
-                </a:solidFill>
-                <a:effectLst>
-                  <a:outerShdw blurRad="38100" dist="38100" dir="2700000" algn="tl">
-                    <a:srgbClr val="000000">
-                      <a:alpha val="43137"/>
-                    </a:srgbClr>
-                  </a:outerShdw>
-                </a:effectLst>
-              </a:rPr>
-              <a:t>Write</a:t>
-            </a:r>
-          </a:p>
-          <a:p>
-            <a:pPr lvl="1"/>
-            <a:endParaRPr lang="de-DE" dirty="0"/>
-          </a:p>
-        </p:txBody>
-      </p:sp>
-      <p:sp>
-        <p:nvSpPr>
-          <p:cNvPr id="4" name="Fußzeilenplatzhalter 3"/>
-          <p:cNvSpPr>
-            <a:spLocks noGrp="1"/>
-          </p:cNvSpPr>
-          <p:nvPr>
-            <p:ph type="ftr" sz="quarter" idx="11"/>
-          </p:nvPr>
-        </p:nvSpPr>
-        <p:spPr/>
-        <p:txBody>
-          <a:bodyPr/>
-          <a:lstStyle/>
-          <a:p>
-            <a:r>
-              <a:rPr lang="de-DE" smtClean="0"/>
-              <a:t>File Systems: GFS vs. Hadoop</a:t>
-            </a:r>
-          </a:p>
-          <a:p>
-            <a:r>
-              <a:rPr lang="de-DE" smtClean="0"/>
-              <a:t>Ciprian Lucaci and Daniel Straub</a:t>
-            </a:r>
-            <a:endParaRPr lang="de-DE" dirty="0"/>
-          </a:p>
-        </p:txBody>
-      </p:sp>
-      <p:sp>
-        <p:nvSpPr>
-          <p:cNvPr id="5" name="Foliennummernplatzhalter 4"/>
-          <p:cNvSpPr>
-            <a:spLocks noGrp="1"/>
-          </p:cNvSpPr>
-          <p:nvPr>
-            <p:ph type="sldNum" sz="quarter" idx="12"/>
-          </p:nvPr>
-        </p:nvSpPr>
-        <p:spPr/>
-        <p:txBody>
-          <a:bodyPr/>
-          <a:lstStyle/>
-          <a:p>
-            <a:fld id="{040C66D9-7A85-4BE2-A0FF-5810B1E5E09A}" type="slidenum">
-              <a:rPr lang="de-DE" smtClean="0"/>
-              <a:t>15</a:t>
-            </a:fld>
-            <a:endParaRPr lang="de-DE" dirty="0"/>
-          </a:p>
-        </p:txBody>
-      </p:sp>
-      <p:grpSp>
-        <p:nvGrpSpPr>
-          <p:cNvPr id="7" name="Group 6"/>
-          <p:cNvGrpSpPr/>
-          <p:nvPr/>
-        </p:nvGrpSpPr>
-        <p:grpSpPr>
-          <a:xfrm>
-            <a:off x="3420338" y="1157288"/>
-            <a:ext cx="7267470" cy="5621263"/>
-            <a:chOff x="3420338" y="1157288"/>
-            <a:chExt cx="7267470" cy="5621263"/>
-          </a:xfrm>
-        </p:grpSpPr>
-        <p:grpSp>
-          <p:nvGrpSpPr>
-            <p:cNvPr id="8" name="Group 7"/>
-            <p:cNvGrpSpPr/>
-            <p:nvPr/>
-          </p:nvGrpSpPr>
-          <p:grpSpPr>
-            <a:xfrm>
-              <a:off x="3931280" y="1157288"/>
-              <a:ext cx="6756528" cy="5621263"/>
-              <a:chOff x="3931280" y="1157288"/>
-              <a:chExt cx="6756528" cy="5621263"/>
-            </a:xfrm>
-          </p:grpSpPr>
-          <p:sp>
-            <p:nvSpPr>
-              <p:cNvPr id="15" name="Rounded Rectangle 14"/>
-              <p:cNvSpPr/>
-              <p:nvPr/>
-            </p:nvSpPr>
-            <p:spPr>
-              <a:xfrm>
-                <a:off x="9141934" y="4995384"/>
-                <a:ext cx="1545874" cy="1783167"/>
-              </a:xfrm>
-              <a:prstGeom prst="roundRect">
-                <a:avLst/>
-              </a:prstGeom>
-            </p:spPr>
-            <p:style>
-              <a:lnRef idx="2">
-                <a:schemeClr val="accent1"/>
-              </a:lnRef>
-              <a:fillRef idx="1">
-                <a:schemeClr val="lt1"/>
-              </a:fillRef>
-              <a:effectRef idx="0">
-                <a:schemeClr val="accent1"/>
-              </a:effectRef>
-              <a:fontRef idx="minor">
-                <a:schemeClr val="dk1"/>
-              </a:fontRef>
-            </p:style>
-            <p:txBody>
-              <a:bodyPr rtlCol="0" anchor="b"/>
-              <a:lstStyle/>
-              <a:p>
-                <a:pPr algn="ctr"/>
-                <a:r>
-                  <a:rPr lang="en-US" sz="2000" b="1" dirty="0" smtClean="0">
-                    <a:effectLst>
-                      <a:outerShdw blurRad="38100" dist="38100" dir="2700000" algn="tl">
-                        <a:srgbClr val="000000">
-                          <a:alpha val="43137"/>
-                        </a:srgbClr>
-                      </a:outerShdw>
-                    </a:effectLst>
-                  </a:rPr>
-                  <a:t>Rack n</a:t>
-                </a:r>
-                <a:endParaRPr lang="en-US" sz="2000" b="1" dirty="0">
-                  <a:effectLst>
-                    <a:outerShdw blurRad="38100" dist="38100" dir="2700000" algn="tl">
-                      <a:srgbClr val="000000">
-                        <a:alpha val="43137"/>
-                      </a:srgbClr>
-                    </a:outerShdw>
-                  </a:effectLst>
-                </a:endParaRPr>
-              </a:p>
-            </p:txBody>
-          </p:sp>
-          <p:grpSp>
-            <p:nvGrpSpPr>
-              <p:cNvPr id="16" name="Group 15"/>
-              <p:cNvGrpSpPr/>
-              <p:nvPr/>
-            </p:nvGrpSpPr>
-            <p:grpSpPr>
-              <a:xfrm>
-                <a:off x="9289441" y="5117221"/>
-                <a:ext cx="1239129" cy="1239129"/>
-                <a:chOff x="4039874" y="5152992"/>
-                <a:chExt cx="1239129" cy="1239129"/>
-              </a:xfrm>
-            </p:grpSpPr>
-            <p:pic>
-              <p:nvPicPr>
-                <p:cNvPr id="38" name="Picture 37"/>
-                <p:cNvPicPr>
-                  <a:picLocks noChangeAspect="1"/>
-                </p:cNvPicPr>
-                <p:nvPr/>
-              </p:nvPicPr>
-              <p:blipFill>
-                <a:blip r:embed="rId4">
-                  <a:extLst>
-                    <a:ext uri="{28A0092B-C50C-407E-A947-70E740481C1C}">
-                      <a14:useLocalDpi xmlns:a14="http://schemas.microsoft.com/office/drawing/2010/main" val="0"/>
-                    </a:ext>
-                  </a:extLst>
-                </a:blip>
-                <a:stretch>
-                  <a:fillRect/>
-                </a:stretch>
-              </p:blipFill>
-              <p:spPr>
-                <a:xfrm>
-                  <a:off x="4039874" y="5152992"/>
-                  <a:ext cx="934329" cy="934329"/>
-                </a:xfrm>
-                <a:prstGeom prst="rect">
-                  <a:avLst/>
-                </a:prstGeom>
-              </p:spPr>
-            </p:pic>
-            <p:pic>
-              <p:nvPicPr>
-                <p:cNvPr id="39" name="Picture 38"/>
-                <p:cNvPicPr>
-                  <a:picLocks noChangeAspect="1"/>
-                </p:cNvPicPr>
-                <p:nvPr/>
-              </p:nvPicPr>
-              <p:blipFill>
-                <a:blip r:embed="rId4">
-                  <a:extLst>
-                    <a:ext uri="{28A0092B-C50C-407E-A947-70E740481C1C}">
-                      <a14:useLocalDpi xmlns:a14="http://schemas.microsoft.com/office/drawing/2010/main" val="0"/>
-                    </a:ext>
-                  </a:extLst>
-                </a:blip>
-                <a:stretch>
-                  <a:fillRect/>
-                </a:stretch>
-              </p:blipFill>
-              <p:spPr>
-                <a:xfrm>
-                  <a:off x="4192274" y="5305392"/>
-                  <a:ext cx="934329" cy="934329"/>
-                </a:xfrm>
-                <a:prstGeom prst="rect">
-                  <a:avLst/>
-                </a:prstGeom>
-              </p:spPr>
-            </p:pic>
-            <p:pic>
-              <p:nvPicPr>
-                <p:cNvPr id="40" name="Picture 39"/>
-                <p:cNvPicPr>
-                  <a:picLocks noChangeAspect="1"/>
-                </p:cNvPicPr>
-                <p:nvPr/>
-              </p:nvPicPr>
-              <p:blipFill>
-                <a:blip r:embed="rId4">
-                  <a:extLst>
-                    <a:ext uri="{28A0092B-C50C-407E-A947-70E740481C1C}">
-                      <a14:useLocalDpi xmlns:a14="http://schemas.microsoft.com/office/drawing/2010/main" val="0"/>
-                    </a:ext>
-                  </a:extLst>
-                </a:blip>
-                <a:stretch>
-                  <a:fillRect/>
-                </a:stretch>
-              </p:blipFill>
-              <p:spPr>
-                <a:xfrm>
-                  <a:off x="4344674" y="5457792"/>
-                  <a:ext cx="934329" cy="934329"/>
-                </a:xfrm>
-                <a:prstGeom prst="rect">
-                  <a:avLst/>
-                </a:prstGeom>
-              </p:spPr>
-            </p:pic>
-          </p:grpSp>
-          <p:grpSp>
-            <p:nvGrpSpPr>
-              <p:cNvPr id="17" name="Group 16"/>
-              <p:cNvGrpSpPr/>
-              <p:nvPr/>
-            </p:nvGrpSpPr>
-            <p:grpSpPr>
-              <a:xfrm>
-                <a:off x="3931280" y="1157288"/>
-                <a:ext cx="6292490" cy="5536830"/>
-                <a:chOff x="3931280" y="1157288"/>
-                <a:chExt cx="6292490" cy="5536830"/>
-              </a:xfrm>
-            </p:grpSpPr>
-            <p:sp>
-              <p:nvSpPr>
-                <p:cNvPr id="18" name="Rounded Rectangle 17"/>
-                <p:cNvSpPr/>
-                <p:nvPr/>
-              </p:nvSpPr>
-              <p:spPr>
-                <a:xfrm>
-                  <a:off x="7396760" y="4910951"/>
-                  <a:ext cx="1545874" cy="1783167"/>
-                </a:xfrm>
-                <a:prstGeom prst="roundRect">
-                  <a:avLst/>
-                </a:prstGeom>
-              </p:spPr>
-              <p:style>
-                <a:lnRef idx="2">
-                  <a:schemeClr val="accent1"/>
-                </a:lnRef>
-                <a:fillRef idx="1">
-                  <a:schemeClr val="lt1"/>
-                </a:fillRef>
-                <a:effectRef idx="0">
-                  <a:schemeClr val="accent1"/>
-                </a:effectRef>
-                <a:fontRef idx="minor">
-                  <a:schemeClr val="dk1"/>
-                </a:fontRef>
-              </p:style>
-              <p:txBody>
-                <a:bodyPr rtlCol="0" anchor="b"/>
-                <a:lstStyle/>
-                <a:p>
-                  <a:pPr algn="ctr"/>
-                  <a:r>
-                    <a:rPr lang="en-US" sz="2000" b="1" dirty="0" smtClean="0">
-                      <a:effectLst>
-                        <a:outerShdw blurRad="38100" dist="38100" dir="2700000" algn="tl">
-                          <a:srgbClr val="000000">
-                            <a:alpha val="43137"/>
-                          </a:srgbClr>
-                        </a:outerShdw>
-                      </a:effectLst>
-                    </a:rPr>
-                    <a:t>Rack 3</a:t>
-                  </a:r>
-                  <a:endParaRPr lang="en-US" sz="2000" b="1" dirty="0">
-                    <a:effectLst>
-                      <a:outerShdw blurRad="38100" dist="38100" dir="2700000" algn="tl">
-                        <a:srgbClr val="000000">
-                          <a:alpha val="43137"/>
-                        </a:srgbClr>
-                      </a:outerShdw>
-                    </a:effectLst>
-                  </a:endParaRPr>
-                </a:p>
-              </p:txBody>
-            </p:sp>
-            <p:sp>
-              <p:nvSpPr>
-                <p:cNvPr id="19" name="Rounded Rectangle 18"/>
-                <p:cNvSpPr/>
-                <p:nvPr/>
-              </p:nvSpPr>
-              <p:spPr>
-                <a:xfrm>
-                  <a:off x="5676454" y="4665634"/>
-                  <a:ext cx="1545874" cy="1635779"/>
-                </a:xfrm>
-                <a:prstGeom prst="roundRect">
-                  <a:avLst/>
-                </a:prstGeom>
-              </p:spPr>
-              <p:style>
-                <a:lnRef idx="2">
-                  <a:schemeClr val="accent1"/>
-                </a:lnRef>
-                <a:fillRef idx="1">
-                  <a:schemeClr val="lt1"/>
-                </a:fillRef>
-                <a:effectRef idx="0">
-                  <a:schemeClr val="accent1"/>
-                </a:effectRef>
-                <a:fontRef idx="minor">
-                  <a:schemeClr val="dk1"/>
-                </a:fontRef>
-              </p:style>
-              <p:txBody>
-                <a:bodyPr rtlCol="0" anchor="b"/>
-                <a:lstStyle/>
-                <a:p>
-                  <a:pPr algn="ctr"/>
-                  <a:r>
-                    <a:rPr lang="en-US" sz="2000" b="1" dirty="0" smtClean="0">
-                      <a:effectLst>
-                        <a:outerShdw blurRad="38100" dist="38100" dir="2700000" algn="tl">
-                          <a:srgbClr val="000000">
-                            <a:alpha val="43137"/>
-                          </a:srgbClr>
-                        </a:outerShdw>
-                      </a:effectLst>
-                    </a:rPr>
-                    <a:t>Rack 2</a:t>
-                  </a:r>
-                  <a:endParaRPr lang="en-US" sz="2000" b="1" dirty="0">
-                    <a:effectLst>
-                      <a:outerShdw blurRad="38100" dist="38100" dir="2700000" algn="tl">
-                        <a:srgbClr val="000000">
-                          <a:alpha val="43137"/>
-                        </a:srgbClr>
-                      </a:outerShdw>
-                    </a:effectLst>
-                  </a:endParaRPr>
-                </a:p>
-              </p:txBody>
-            </p:sp>
-            <p:sp>
-              <p:nvSpPr>
-                <p:cNvPr id="20" name="Rounded Rectangle 19"/>
-                <p:cNvSpPr/>
-                <p:nvPr/>
-              </p:nvSpPr>
-              <p:spPr>
-                <a:xfrm>
-                  <a:off x="3931280" y="4555569"/>
-                  <a:ext cx="1545874" cy="1783167"/>
-                </a:xfrm>
-                <a:prstGeom prst="roundRect">
-                  <a:avLst/>
-                </a:prstGeom>
-              </p:spPr>
-              <p:style>
-                <a:lnRef idx="2">
-                  <a:schemeClr val="accent1"/>
-                </a:lnRef>
-                <a:fillRef idx="1">
-                  <a:schemeClr val="lt1"/>
-                </a:fillRef>
-                <a:effectRef idx="0">
-                  <a:schemeClr val="accent1"/>
-                </a:effectRef>
-                <a:fontRef idx="minor">
-                  <a:schemeClr val="dk1"/>
-                </a:fontRef>
-              </p:style>
-              <p:txBody>
-                <a:bodyPr rtlCol="0" anchor="b"/>
-                <a:lstStyle/>
-                <a:p>
-                  <a:pPr algn="ctr"/>
-                  <a:r>
-                    <a:rPr lang="en-US" sz="2000" b="1" dirty="0" smtClean="0">
-                      <a:effectLst>
-                        <a:outerShdw blurRad="38100" dist="38100" dir="2700000" algn="tl">
-                          <a:srgbClr val="000000">
-                            <a:alpha val="43137"/>
-                          </a:srgbClr>
-                        </a:outerShdw>
-                      </a:effectLst>
-                    </a:rPr>
-                    <a:t>Rack 1</a:t>
-                  </a:r>
-                  <a:endParaRPr lang="en-US" sz="2000" b="1" dirty="0">
-                    <a:effectLst>
-                      <a:outerShdw blurRad="38100" dist="38100" dir="2700000" algn="tl">
-                        <a:srgbClr val="000000">
-                          <a:alpha val="43137"/>
-                        </a:srgbClr>
-                      </a:outerShdw>
-                    </a:effectLst>
-                  </a:endParaRPr>
-                </a:p>
-              </p:txBody>
-            </p:sp>
-            <p:grpSp>
-              <p:nvGrpSpPr>
-                <p:cNvPr id="21" name="Group 20"/>
-                <p:cNvGrpSpPr/>
-                <p:nvPr/>
-              </p:nvGrpSpPr>
-              <p:grpSpPr>
-                <a:xfrm>
-                  <a:off x="4075534" y="4679434"/>
-                  <a:ext cx="1246245" cy="1255619"/>
-                  <a:chOff x="4075534" y="4679434"/>
-                  <a:chExt cx="1246245" cy="1255619"/>
-                </a:xfrm>
-              </p:grpSpPr>
-              <p:pic>
-                <p:nvPicPr>
-                  <p:cNvPr id="35" name="Picture 34"/>
-                  <p:cNvPicPr>
-                    <a:picLocks noChangeAspect="1"/>
-                  </p:cNvPicPr>
-                  <p:nvPr/>
-                </p:nvPicPr>
-                <p:blipFill>
-                  <a:blip r:embed="rId4">
-                    <a:extLst>
-                      <a:ext uri="{28A0092B-C50C-407E-A947-70E740481C1C}">
-                        <a14:useLocalDpi xmlns:a14="http://schemas.microsoft.com/office/drawing/2010/main" val="0"/>
-                      </a:ext>
-                    </a:extLst>
-                  </a:blip>
-                  <a:stretch>
-                    <a:fillRect/>
-                  </a:stretch>
-                </p:blipFill>
-                <p:spPr>
-                  <a:xfrm>
-                    <a:off x="4075534" y="4679434"/>
-                    <a:ext cx="934329" cy="934329"/>
-                  </a:xfrm>
-                  <a:prstGeom prst="rect">
-                    <a:avLst/>
-                  </a:prstGeom>
-                </p:spPr>
-              </p:pic>
-              <p:pic>
-                <p:nvPicPr>
-                  <p:cNvPr id="36" name="Picture 35"/>
-                  <p:cNvPicPr>
-                    <a:picLocks noChangeAspect="1"/>
-                  </p:cNvPicPr>
-                  <p:nvPr/>
-                </p:nvPicPr>
-                <p:blipFill>
-                  <a:blip r:embed="rId4">
-                    <a:extLst>
-                      <a:ext uri="{28A0092B-C50C-407E-A947-70E740481C1C}">
-                        <a14:useLocalDpi xmlns:a14="http://schemas.microsoft.com/office/drawing/2010/main" val="0"/>
-                      </a:ext>
-                    </a:extLst>
-                  </a:blip>
-                  <a:stretch>
-                    <a:fillRect/>
-                  </a:stretch>
-                </p:blipFill>
-                <p:spPr>
-                  <a:xfrm>
-                    <a:off x="4227934" y="4831834"/>
-                    <a:ext cx="934329" cy="934329"/>
-                  </a:xfrm>
-                  <a:prstGeom prst="rect">
-                    <a:avLst/>
-                  </a:prstGeom>
-                </p:spPr>
-              </p:pic>
-              <p:pic>
-                <p:nvPicPr>
-                  <p:cNvPr id="37" name="Picture 36"/>
-                  <p:cNvPicPr>
-                    <a:picLocks noChangeAspect="1"/>
-                  </p:cNvPicPr>
-                  <p:nvPr/>
-                </p:nvPicPr>
-                <p:blipFill>
-                  <a:blip r:embed="rId4">
-                    <a:extLst>
-                      <a:ext uri="{28A0092B-C50C-407E-A947-70E740481C1C}">
-                        <a14:useLocalDpi xmlns:a14="http://schemas.microsoft.com/office/drawing/2010/main" val="0"/>
-                      </a:ext>
-                    </a:extLst>
-                  </a:blip>
-                  <a:stretch>
-                    <a:fillRect/>
-                  </a:stretch>
-                </p:blipFill>
-                <p:spPr>
-                  <a:xfrm>
-                    <a:off x="4387450" y="5000724"/>
-                    <a:ext cx="934329" cy="934329"/>
-                  </a:xfrm>
-                  <a:prstGeom prst="rect">
-                    <a:avLst/>
-                  </a:prstGeom>
-                </p:spPr>
-              </p:pic>
-            </p:grpSp>
-            <p:grpSp>
-              <p:nvGrpSpPr>
-                <p:cNvPr id="22" name="Group 21"/>
-                <p:cNvGrpSpPr/>
-                <p:nvPr/>
-              </p:nvGrpSpPr>
-              <p:grpSpPr>
-                <a:xfrm>
-                  <a:off x="5792980" y="4800602"/>
-                  <a:ext cx="1191327" cy="1113716"/>
-                  <a:chOff x="5792980" y="4800602"/>
-                  <a:chExt cx="1191327" cy="1113716"/>
-                </a:xfrm>
-              </p:grpSpPr>
-              <p:pic>
-                <p:nvPicPr>
-                  <p:cNvPr id="33" name="Picture 32"/>
-                  <p:cNvPicPr>
-                    <a:picLocks noChangeAspect="1"/>
-                  </p:cNvPicPr>
-                  <p:nvPr/>
-                </p:nvPicPr>
-                <p:blipFill>
-                  <a:blip r:embed="rId4">
-                    <a:extLst>
-                      <a:ext uri="{28A0092B-C50C-407E-A947-70E740481C1C}">
-                        <a14:useLocalDpi xmlns:a14="http://schemas.microsoft.com/office/drawing/2010/main" val="0"/>
-                      </a:ext>
-                    </a:extLst>
-                  </a:blip>
-                  <a:stretch>
-                    <a:fillRect/>
-                  </a:stretch>
-                </p:blipFill>
-                <p:spPr>
-                  <a:xfrm>
-                    <a:off x="5792980" y="4800602"/>
-                    <a:ext cx="934329" cy="934329"/>
-                  </a:xfrm>
-                  <a:prstGeom prst="rect">
-                    <a:avLst/>
-                  </a:prstGeom>
-                </p:spPr>
-              </p:pic>
-              <p:pic>
-                <p:nvPicPr>
-                  <p:cNvPr id="34" name="Picture 33"/>
-                  <p:cNvPicPr>
-                    <a:picLocks noChangeAspect="1"/>
-                  </p:cNvPicPr>
-                  <p:nvPr/>
-                </p:nvPicPr>
-                <p:blipFill>
-                  <a:blip r:embed="rId4">
-                    <a:extLst>
-                      <a:ext uri="{28A0092B-C50C-407E-A947-70E740481C1C}">
-                        <a14:useLocalDpi xmlns:a14="http://schemas.microsoft.com/office/drawing/2010/main" val="0"/>
-                      </a:ext>
-                    </a:extLst>
-                  </a:blip>
-                  <a:stretch>
-                    <a:fillRect/>
-                  </a:stretch>
-                </p:blipFill>
-                <p:spPr>
-                  <a:xfrm>
-                    <a:off x="6049978" y="4979989"/>
-                    <a:ext cx="934329" cy="934329"/>
-                  </a:xfrm>
-                  <a:prstGeom prst="rect">
-                    <a:avLst/>
-                  </a:prstGeom>
-                </p:spPr>
-              </p:pic>
-            </p:grpSp>
-            <p:grpSp>
-              <p:nvGrpSpPr>
-                <p:cNvPr id="23" name="Group 22"/>
-                <p:cNvGrpSpPr/>
-                <p:nvPr/>
-              </p:nvGrpSpPr>
-              <p:grpSpPr>
-                <a:xfrm>
-                  <a:off x="7456136" y="5054848"/>
-                  <a:ext cx="1239129" cy="1239129"/>
-                  <a:chOff x="7456136" y="5054848"/>
-                  <a:chExt cx="1239129" cy="1239129"/>
-                </a:xfrm>
-              </p:grpSpPr>
-              <p:pic>
-                <p:nvPicPr>
-                  <p:cNvPr id="30" name="Picture 29"/>
-                  <p:cNvPicPr>
-                    <a:picLocks noChangeAspect="1"/>
-                  </p:cNvPicPr>
-                  <p:nvPr/>
-                </p:nvPicPr>
-                <p:blipFill>
-                  <a:blip r:embed="rId4">
-                    <a:extLst>
-                      <a:ext uri="{28A0092B-C50C-407E-A947-70E740481C1C}">
-                        <a14:useLocalDpi xmlns:a14="http://schemas.microsoft.com/office/drawing/2010/main" val="0"/>
-                      </a:ext>
-                    </a:extLst>
-                  </a:blip>
-                  <a:stretch>
-                    <a:fillRect/>
-                  </a:stretch>
-                </p:blipFill>
-                <p:spPr>
-                  <a:xfrm>
-                    <a:off x="7456136" y="5054848"/>
-                    <a:ext cx="934329" cy="934329"/>
-                  </a:xfrm>
-                  <a:prstGeom prst="rect">
-                    <a:avLst/>
-                  </a:prstGeom>
-                </p:spPr>
-              </p:pic>
-              <p:pic>
-                <p:nvPicPr>
-                  <p:cNvPr id="31" name="Picture 30"/>
-                  <p:cNvPicPr>
-                    <a:picLocks noChangeAspect="1"/>
-                  </p:cNvPicPr>
-                  <p:nvPr/>
-                </p:nvPicPr>
-                <p:blipFill>
-                  <a:blip r:embed="rId4">
-                    <a:extLst>
-                      <a:ext uri="{28A0092B-C50C-407E-A947-70E740481C1C}">
-                        <a14:useLocalDpi xmlns:a14="http://schemas.microsoft.com/office/drawing/2010/main" val="0"/>
-                      </a:ext>
-                    </a:extLst>
-                  </a:blip>
-                  <a:stretch>
-                    <a:fillRect/>
-                  </a:stretch>
-                </p:blipFill>
-                <p:spPr>
-                  <a:xfrm>
-                    <a:off x="7608536" y="5207248"/>
-                    <a:ext cx="934329" cy="934329"/>
-                  </a:xfrm>
-                  <a:prstGeom prst="rect">
-                    <a:avLst/>
-                  </a:prstGeom>
-                </p:spPr>
-              </p:pic>
-              <p:pic>
-                <p:nvPicPr>
-                  <p:cNvPr id="32" name="Picture 31"/>
-                  <p:cNvPicPr>
-                    <a:picLocks noChangeAspect="1"/>
-                  </p:cNvPicPr>
-                  <p:nvPr/>
-                </p:nvPicPr>
-                <p:blipFill>
-                  <a:blip r:embed="rId4">
-                    <a:extLst>
-                      <a:ext uri="{28A0092B-C50C-407E-A947-70E740481C1C}">
-                        <a14:useLocalDpi xmlns:a14="http://schemas.microsoft.com/office/drawing/2010/main" val="0"/>
-                      </a:ext>
-                    </a:extLst>
-                  </a:blip>
-                  <a:stretch>
-                    <a:fillRect/>
-                  </a:stretch>
-                </p:blipFill>
-                <p:spPr>
-                  <a:xfrm>
-                    <a:off x="7760936" y="5359648"/>
-                    <a:ext cx="934329" cy="934329"/>
-                  </a:xfrm>
-                  <a:prstGeom prst="rect">
-                    <a:avLst/>
-                  </a:prstGeom>
-                </p:spPr>
-              </p:pic>
-            </p:grpSp>
-            <p:pic>
-              <p:nvPicPr>
-                <p:cNvPr id="24" name="Picture 23"/>
-                <p:cNvPicPr>
-                  <a:picLocks noChangeAspect="1"/>
-                </p:cNvPicPr>
-                <p:nvPr/>
-              </p:nvPicPr>
-              <p:blipFill>
-                <a:blip r:embed="rId5">
-                  <a:extLst>
-                    <a:ext uri="{28A0092B-C50C-407E-A947-70E740481C1C}">
-                      <a14:useLocalDpi xmlns:a14="http://schemas.microsoft.com/office/drawing/2010/main" val="0"/>
-                    </a:ext>
-                  </a:extLst>
-                </a:blip>
-                <a:stretch>
-                  <a:fillRect/>
-                </a:stretch>
-              </p:blipFill>
-              <p:spPr>
-                <a:xfrm>
-                  <a:off x="8469114" y="1157288"/>
-                  <a:ext cx="1371600" cy="1371600"/>
-                </a:xfrm>
-                <a:prstGeom prst="rect">
-                  <a:avLst/>
-                </a:prstGeom>
-              </p:spPr>
-            </p:pic>
-            <p:sp>
-              <p:nvSpPr>
-                <p:cNvPr id="25" name="Rounded Rectangle 24"/>
-                <p:cNvSpPr/>
-                <p:nvPr/>
-              </p:nvSpPr>
-              <p:spPr>
-                <a:xfrm>
-                  <a:off x="8123462" y="2528888"/>
-                  <a:ext cx="2100308" cy="452430"/>
-                </a:xfrm>
-                <a:prstGeom prst="roundRect">
-                  <a:avLst/>
-                </a:prstGeom>
-                <a:solidFill>
-                  <a:srgbClr val="C00000"/>
-                </a:solidFill>
-                <a:ln>
-                  <a:noFill/>
-                </a:ln>
-                <a:effectLst>
-                  <a:glow rad="228600">
-                    <a:srgbClr val="C00000">
-                      <a:alpha val="40000"/>
-                    </a:srgbClr>
-                  </a:glow>
-                  <a:outerShdw blurRad="107950" dist="12700" dir="5400000" algn="ctr">
-                    <a:srgbClr val="000000"/>
-                  </a:outerShdw>
-                </a:effectLst>
-                <a:scene3d>
-                  <a:camera prst="orthographicFront">
-                    <a:rot lat="0" lon="0" rev="0"/>
-                  </a:camera>
-                  <a:lightRig rig="soft" dir="t">
-                    <a:rot lat="0" lon="0" rev="0"/>
-                  </a:lightRig>
-                </a:scene3d>
-                <a:sp3d contourW="44450" prstMaterial="matte">
-                  <a:bevelT w="63500" h="63500" prst="artDeco"/>
-                  <a:contourClr>
-                    <a:srgbClr val="FFFFFF"/>
-                  </a:contourClr>
-                </a:sp3d>
-              </p:spPr>
-              <p:style>
-                <a:lnRef idx="0">
-                  <a:schemeClr val="accent6"/>
-                </a:lnRef>
-                <a:fillRef idx="3">
-                  <a:schemeClr val="accent6"/>
-                </a:fillRef>
-                <a:effectRef idx="3">
-                  <a:schemeClr val="accent6"/>
-                </a:effectRef>
-                <a:fontRef idx="minor">
-                  <a:schemeClr val="lt1"/>
-                </a:fontRef>
-              </p:style>
-              <p:txBody>
-                <a:bodyPr rtlCol="0" anchor="ctr"/>
-                <a:lstStyle/>
-                <a:p>
-                  <a:pPr algn="ctr"/>
-                  <a:r>
-                    <a:rPr lang="en-US" sz="2000" b="1" dirty="0" err="1" smtClean="0">
-                      <a:effectLst>
-                        <a:outerShdw blurRad="38100" dist="38100" dir="2700000" algn="tl">
-                          <a:srgbClr val="000000">
-                            <a:alpha val="43137"/>
-                          </a:srgbClr>
-                        </a:outerShdw>
-                      </a:effectLst>
-                    </a:rPr>
-                    <a:t>Namenode</a:t>
-                  </a:r>
-                  <a:endParaRPr lang="en-US" sz="2000" b="1" dirty="0">
-                    <a:effectLst>
-                      <a:outerShdw blurRad="38100" dist="38100" dir="2700000" algn="tl">
-                        <a:srgbClr val="000000">
-                          <a:alpha val="43137"/>
-                        </a:srgbClr>
-                      </a:outerShdw>
-                    </a:effectLst>
-                  </a:endParaRPr>
-                </a:p>
-              </p:txBody>
-            </p:sp>
-          </p:grpSp>
-        </p:grpSp>
-        <p:pic>
-          <p:nvPicPr>
-            <p:cNvPr id="11" name="Picture 10"/>
-            <p:cNvPicPr>
-              <a:picLocks noChangeAspect="1"/>
-            </p:cNvPicPr>
-            <p:nvPr/>
-          </p:nvPicPr>
-          <p:blipFill>
-            <a:blip r:embed="rId6">
-              <a:extLst>
-                <a:ext uri="{28A0092B-C50C-407E-A947-70E740481C1C}">
-                  <a14:useLocalDpi xmlns:a14="http://schemas.microsoft.com/office/drawing/2010/main" val="0"/>
-                </a:ext>
-              </a:extLst>
-            </a:blip>
-            <a:stretch>
-              <a:fillRect/>
-            </a:stretch>
-          </p:blipFill>
-          <p:spPr>
-            <a:xfrm>
-              <a:off x="3420338" y="1283112"/>
-              <a:ext cx="1110381" cy="1110381"/>
-            </a:xfrm>
-            <a:prstGeom prst="rect">
-              <a:avLst/>
-            </a:prstGeom>
-          </p:spPr>
-        </p:pic>
-      </p:grpSp>
-      <p:sp>
-        <p:nvSpPr>
-          <p:cNvPr id="41" name="Rounded Rectangle 40"/>
-          <p:cNvSpPr/>
-          <p:nvPr/>
-        </p:nvSpPr>
-        <p:spPr>
-          <a:xfrm>
-            <a:off x="3321058" y="2459774"/>
-            <a:ext cx="1308940" cy="448817"/>
-          </a:xfrm>
-          <a:prstGeom prst="roundRect">
-            <a:avLst/>
-          </a:prstGeom>
-          <a:solidFill>
-            <a:srgbClr val="7030A0"/>
-          </a:solidFill>
-          <a:ln>
-            <a:noFill/>
-          </a:ln>
-          <a:effectLst>
-            <a:glow rad="139700">
-              <a:srgbClr val="7030A0">
-                <a:alpha val="40000"/>
-              </a:srgbClr>
-            </a:glow>
-            <a:outerShdw blurRad="107950" dist="12700" dir="5400000" algn="ctr">
-              <a:srgbClr val="000000"/>
-            </a:outerShdw>
-          </a:effectLst>
-          <a:scene3d>
-            <a:camera prst="orthographicFront">
-              <a:rot lat="0" lon="0" rev="0"/>
-            </a:camera>
-            <a:lightRig rig="soft" dir="t">
-              <a:rot lat="0" lon="0" rev="0"/>
-            </a:lightRig>
-          </a:scene3d>
-          <a:sp3d contourW="44450" prstMaterial="matte">
-            <a:bevelT w="63500" h="63500" prst="artDeco"/>
-            <a:contourClr>
-              <a:srgbClr val="FFFFFF"/>
-            </a:contourClr>
-          </a:sp3d>
-        </p:spPr>
-        <p:style>
-          <a:lnRef idx="2">
-            <a:schemeClr val="accent1">
-              <a:shade val="50000"/>
-            </a:schemeClr>
-          </a:lnRef>
-          <a:fillRef idx="1">
-            <a:schemeClr val="accent1"/>
-          </a:fillRef>
-          <a:effectRef idx="0">
-            <a:schemeClr val="accent1"/>
-          </a:effectRef>
-          <a:fontRef idx="minor">
-            <a:schemeClr val="lt1"/>
-          </a:fontRef>
-        </p:style>
-        <p:txBody>
-          <a:bodyPr rtlCol="0" anchor="ctr"/>
-          <a:lstStyle/>
-          <a:p>
-            <a:pPr algn="ctr"/>
-            <a:r>
-              <a:rPr lang="en-US" b="1" dirty="0" smtClean="0">
-                <a:effectLst>
-                  <a:outerShdw blurRad="38100" dist="38100" dir="2700000" algn="tl">
-                    <a:srgbClr val="000000">
-                      <a:alpha val="43137"/>
-                    </a:srgbClr>
-                  </a:outerShdw>
-                </a:effectLst>
-              </a:rPr>
-              <a:t>Client</a:t>
-            </a:r>
-            <a:endParaRPr lang="en-US" b="1" dirty="0">
-              <a:effectLst>
-                <a:outerShdw blurRad="38100" dist="38100" dir="2700000" algn="tl">
-                  <a:srgbClr val="000000">
-                    <a:alpha val="43137"/>
-                  </a:srgbClr>
-                </a:outerShdw>
-              </a:effectLst>
-            </a:endParaRPr>
-          </a:p>
-        </p:txBody>
-      </p:sp>
-      <p:cxnSp>
-        <p:nvCxnSpPr>
-          <p:cNvPr id="44" name="Straight Arrow Connector 43"/>
-          <p:cNvCxnSpPr>
-            <a:stCxn id="11" idx="3"/>
-            <a:endCxn id="24" idx="1"/>
-          </p:cNvCxnSpPr>
-          <p:nvPr/>
-        </p:nvCxnSpPr>
-        <p:spPr>
-          <a:xfrm>
-            <a:off x="4530719" y="1838303"/>
-            <a:ext cx="3938395" cy="4785"/>
+            <a:off x="3750213" y="1839992"/>
+            <a:ext cx="4718901" cy="3096"/>
           </a:xfrm>
           <a:prstGeom prst="straightConnector1">
             <a:avLst/>
@@ -15601,8 +14789,8 @@
         </p:nvCxnSpPr>
         <p:spPr>
           <a:xfrm>
-            <a:off x="4530719" y="1838303"/>
-            <a:ext cx="173498" cy="2717266"/>
+            <a:off x="3750213" y="1839992"/>
+            <a:ext cx="954004" cy="2715577"/>
           </a:xfrm>
           <a:prstGeom prst="straightConnector1">
             <a:avLst/>
@@ -15726,7 +14914,7 @@
         <p:spPr>
           <a:xfrm>
             <a:off x="4493866" y="1474842"/>
-            <a:ext cx="2287678" cy="369332"/>
+            <a:ext cx="3736664" cy="369332"/>
           </a:xfrm>
           <a:prstGeom prst="rect">
             <a:avLst/>
@@ -15740,10 +14928,32 @@
           <a:lstStyle/>
           <a:p>
             <a:r>
-              <a:rPr lang="en-US" dirty="0" smtClean="0"/>
-              <a:t>1. Allocate namespace</a:t>
-            </a:r>
-            <a:endParaRPr lang="en-US" dirty="0"/>
+              <a:rPr lang="en-US" dirty="0" smtClean="0">
+                <a:solidFill>
+                  <a:schemeClr val="accent2">
+                    <a:lumMod val="50000"/>
+                  </a:schemeClr>
+                </a:solidFill>
+              </a:rPr>
+              <a:t>1. </a:t>
+            </a:r>
+            <a:r>
+              <a:rPr lang="en-US" dirty="0" smtClean="0">
+                <a:solidFill>
+                  <a:schemeClr val="accent2">
+                    <a:lumMod val="50000"/>
+                  </a:schemeClr>
+                </a:solidFill>
+              </a:rPr>
+              <a:t>Request block in namespace for file</a:t>
+            </a:r>
+            <a:endParaRPr lang="en-US" dirty="0">
+              <a:solidFill>
+                <a:schemeClr val="accent2">
+                  <a:lumMod val="50000"/>
+                </a:schemeClr>
+              </a:solidFill>
+            </a:endParaRPr>
           </a:p>
         </p:txBody>
       </p:sp>
@@ -15755,7 +14965,7 @@
         </p:nvSpPr>
         <p:spPr>
           <a:xfrm>
-            <a:off x="3610849" y="3255471"/>
+            <a:off x="3869761" y="2778431"/>
             <a:ext cx="2811219" cy="369332"/>
           </a:xfrm>
           <a:prstGeom prst="rect">
@@ -15770,14 +14980,32 @@
           <a:lstStyle/>
           <a:p>
             <a:r>
-              <a:rPr lang="en-US" dirty="0" smtClean="0"/>
+              <a:rPr lang="en-US" dirty="0" smtClean="0">
+                <a:solidFill>
+                  <a:schemeClr val="accent2">
+                    <a:lumMod val="50000"/>
+                  </a:schemeClr>
+                </a:solidFill>
+              </a:rPr>
               <a:t>2. Send block to a </a:t>
             </a:r>
             <a:r>
-              <a:rPr lang="en-US" dirty="0" err="1" smtClean="0"/>
+              <a:rPr lang="en-US" dirty="0" err="1" smtClean="0">
+                <a:solidFill>
+                  <a:schemeClr val="accent2">
+                    <a:lumMod val="50000"/>
+                  </a:schemeClr>
+                </a:solidFill>
+              </a:rPr>
               <a:t>Datanode</a:t>
             </a:r>
-            <a:endParaRPr lang="en-US" dirty="0"/>
+            <a:endParaRPr lang="en-US" dirty="0">
+              <a:solidFill>
+                <a:schemeClr val="accent2">
+                  <a:lumMod val="50000"/>
+                </a:schemeClr>
+              </a:solidFill>
+            </a:endParaRPr>
           </a:p>
         </p:txBody>
       </p:sp>
@@ -15789,8 +15017,8 @@
         </p:nvSpPr>
         <p:spPr>
           <a:xfrm>
-            <a:off x="4826225" y="4139105"/>
-            <a:ext cx="1587614" cy="369332"/>
+            <a:off x="4666788" y="3654187"/>
+            <a:ext cx="2201949" cy="369332"/>
           </a:xfrm>
           <a:prstGeom prst="rect">
             <a:avLst/>
@@ -15804,10 +15032,42 @@
           <a:lstStyle/>
           <a:p>
             <a:r>
-              <a:rPr lang="en-US" dirty="0" smtClean="0"/>
-              <a:t>3. First Replica</a:t>
-            </a:r>
-            <a:endParaRPr lang="en-US" dirty="0"/>
+              <a:rPr lang="en-US" dirty="0" smtClean="0">
+                <a:solidFill>
+                  <a:schemeClr val="accent2">
+                    <a:lumMod val="50000"/>
+                  </a:schemeClr>
+                </a:solidFill>
+              </a:rPr>
+              <a:t>3. </a:t>
+            </a:r>
+            <a:r>
+              <a:rPr lang="en-US" dirty="0" smtClean="0">
+                <a:solidFill>
+                  <a:schemeClr val="accent2">
+                    <a:lumMod val="50000"/>
+                  </a:schemeClr>
+                </a:solidFill>
+              </a:rPr>
+              <a:t>Create First </a:t>
+            </a:r>
+            <a:r>
+              <a:rPr lang="en-US" dirty="0" smtClean="0">
+                <a:solidFill>
+                  <a:schemeClr val="accent2">
+                    <a:lumMod val="50000"/>
+                  </a:schemeClr>
+                </a:solidFill>
+              </a:rPr>
+              <a:t>Replica</a:t>
+            </a:r>
+            <a:endParaRPr lang="en-US" dirty="0">
+              <a:solidFill>
+                <a:schemeClr val="accent2">
+                  <a:lumMod val="50000"/>
+                </a:schemeClr>
+              </a:solidFill>
+            </a:endParaRPr>
           </a:p>
         </p:txBody>
       </p:sp>
@@ -15819,8 +15079,8 @@
         </p:nvSpPr>
         <p:spPr>
           <a:xfrm>
-            <a:off x="6574720" y="3748179"/>
-            <a:ext cx="1818255" cy="369332"/>
+            <a:off x="7890681" y="4045802"/>
+            <a:ext cx="2485489" cy="369332"/>
           </a:xfrm>
           <a:prstGeom prst="rect">
             <a:avLst/>
@@ -15834,17 +15094,394 @@
           <a:lstStyle/>
           <a:p>
             <a:r>
-              <a:rPr lang="en-US" dirty="0" smtClean="0"/>
-              <a:t>4. Second Replica</a:t>
-            </a:r>
-            <a:endParaRPr lang="en-US" dirty="0"/>
+              <a:rPr lang="en-US" dirty="0" smtClean="0">
+                <a:solidFill>
+                  <a:schemeClr val="accent2">
+                    <a:lumMod val="50000"/>
+                  </a:schemeClr>
+                </a:solidFill>
+              </a:rPr>
+              <a:t>4. </a:t>
+            </a:r>
+            <a:r>
+              <a:rPr lang="en-US" dirty="0" smtClean="0">
+                <a:solidFill>
+                  <a:schemeClr val="accent2">
+                    <a:lumMod val="50000"/>
+                  </a:schemeClr>
+                </a:solidFill>
+              </a:rPr>
+              <a:t>Create Second </a:t>
+            </a:r>
+            <a:r>
+              <a:rPr lang="en-US" dirty="0" smtClean="0">
+                <a:solidFill>
+                  <a:schemeClr val="accent2">
+                    <a:lumMod val="50000"/>
+                  </a:schemeClr>
+                </a:solidFill>
+              </a:rPr>
+              <a:t>Replica</a:t>
+            </a:r>
+            <a:endParaRPr lang="en-US" dirty="0">
+              <a:solidFill>
+                <a:schemeClr val="accent2">
+                  <a:lumMod val="50000"/>
+                </a:schemeClr>
+              </a:solidFill>
+            </a:endParaRPr>
           </a:p>
         </p:txBody>
       </p:sp>
+      <p:cxnSp>
+        <p:nvCxnSpPr>
+          <p:cNvPr id="42" name="Straight Arrow Connector 41"/>
+          <p:cNvCxnSpPr>
+            <a:stCxn id="41" idx="2"/>
+          </p:cNvCxnSpPr>
+          <p:nvPr/>
+        </p:nvCxnSpPr>
+        <p:spPr>
+          <a:xfrm>
+            <a:off x="3174190" y="2895164"/>
+            <a:ext cx="3230731" cy="1660978"/>
+          </a:xfrm>
+          <a:prstGeom prst="straightConnector1">
+            <a:avLst/>
+          </a:prstGeom>
+          <a:ln w="28575">
+            <a:solidFill>
+              <a:srgbClr val="00B050"/>
+            </a:solidFill>
+            <a:tailEnd type="triangle"/>
+          </a:ln>
+        </p:spPr>
+        <p:style>
+          <a:lnRef idx="1">
+            <a:schemeClr val="accent1"/>
+          </a:lnRef>
+          <a:fillRef idx="0">
+            <a:schemeClr val="accent1"/>
+          </a:fillRef>
+          <a:effectRef idx="0">
+            <a:schemeClr val="accent1"/>
+          </a:effectRef>
+          <a:fontRef idx="minor">
+            <a:schemeClr val="tx1"/>
+          </a:fontRef>
+        </p:style>
+      </p:cxnSp>
+      <p:cxnSp>
+        <p:nvCxnSpPr>
+          <p:cNvPr id="45" name="Straight Arrow Connector 44"/>
+          <p:cNvCxnSpPr>
+            <a:stCxn id="41" idx="2"/>
+          </p:cNvCxnSpPr>
+          <p:nvPr/>
+        </p:nvCxnSpPr>
+        <p:spPr>
+          <a:xfrm>
+            <a:off x="3174190" y="2895164"/>
+            <a:ext cx="5939343" cy="2086793"/>
+          </a:xfrm>
+          <a:prstGeom prst="straightConnector1">
+            <a:avLst/>
+          </a:prstGeom>
+          <a:ln w="28575">
+            <a:solidFill>
+              <a:srgbClr val="00B050"/>
+            </a:solidFill>
+            <a:tailEnd type="triangle"/>
+          </a:ln>
+        </p:spPr>
+        <p:style>
+          <a:lnRef idx="1">
+            <a:schemeClr val="accent1"/>
+          </a:lnRef>
+          <a:fillRef idx="0">
+            <a:schemeClr val="accent1"/>
+          </a:fillRef>
+          <a:effectRef idx="0">
+            <a:schemeClr val="accent1"/>
+          </a:effectRef>
+          <a:fontRef idx="minor">
+            <a:schemeClr val="tx1"/>
+          </a:fontRef>
+        </p:style>
+      </p:cxnSp>
+      <p:cxnSp>
+        <p:nvCxnSpPr>
+          <p:cNvPr id="46" name="Straight Arrow Connector 45"/>
+          <p:cNvCxnSpPr>
+            <a:stCxn id="41" idx="2"/>
+            <a:endCxn id="20" idx="0"/>
+          </p:cNvCxnSpPr>
+          <p:nvPr/>
+        </p:nvCxnSpPr>
+        <p:spPr>
+          <a:xfrm>
+            <a:off x="3174190" y="2895164"/>
+            <a:ext cx="1530027" cy="1660405"/>
+          </a:xfrm>
+          <a:prstGeom prst="straightConnector1">
+            <a:avLst/>
+          </a:prstGeom>
+          <a:ln w="28575">
+            <a:solidFill>
+              <a:srgbClr val="00B050"/>
+            </a:solidFill>
+            <a:tailEnd type="triangle"/>
+          </a:ln>
+        </p:spPr>
+        <p:style>
+          <a:lnRef idx="1">
+            <a:schemeClr val="accent1"/>
+          </a:lnRef>
+          <a:fillRef idx="0">
+            <a:schemeClr val="accent1"/>
+          </a:fillRef>
+          <a:effectRef idx="0">
+            <a:schemeClr val="accent1"/>
+          </a:effectRef>
+          <a:fontRef idx="minor">
+            <a:schemeClr val="tx1"/>
+          </a:fontRef>
+        </p:style>
+      </p:cxnSp>
+      <p:sp>
+        <p:nvSpPr>
+          <p:cNvPr id="47" name="TextBox 46"/>
+          <p:cNvSpPr txBox="1"/>
+          <p:nvPr/>
+        </p:nvSpPr>
+        <p:spPr>
+          <a:xfrm>
+            <a:off x="3965521" y="2291094"/>
+            <a:ext cx="4084195" cy="369332"/>
+          </a:xfrm>
+          <a:prstGeom prst="rect">
+            <a:avLst/>
+          </a:prstGeom>
+          <a:noFill/>
+        </p:spPr>
+        <p:txBody>
+          <a:bodyPr wrap="none" rtlCol="0">
+            <a:spAutoFit/>
+          </a:bodyPr>
+          <a:lstStyle/>
+          <a:p>
+            <a:r>
+              <a:rPr lang="en-US" dirty="0">
+                <a:solidFill>
+                  <a:srgbClr val="00B050"/>
+                </a:solidFill>
+              </a:rPr>
+              <a:t>5</a:t>
+            </a:r>
+            <a:r>
+              <a:rPr lang="en-US" dirty="0" smtClean="0">
+                <a:solidFill>
+                  <a:srgbClr val="00B050"/>
+                </a:solidFill>
+              </a:rPr>
+              <a:t>. </a:t>
+            </a:r>
+            <a:r>
+              <a:rPr lang="en-US" dirty="0" smtClean="0">
+                <a:solidFill>
+                  <a:srgbClr val="00B050"/>
+                </a:solidFill>
+              </a:rPr>
+              <a:t>Get list of </a:t>
+            </a:r>
+            <a:r>
+              <a:rPr lang="en-US" dirty="0" err="1">
+                <a:solidFill>
+                  <a:srgbClr val="00B050"/>
+                </a:solidFill>
+              </a:rPr>
+              <a:t>d</a:t>
+            </a:r>
+            <a:r>
+              <a:rPr lang="en-US" dirty="0" err="1" smtClean="0">
+                <a:solidFill>
+                  <a:srgbClr val="00B050"/>
+                </a:solidFill>
+              </a:rPr>
+              <a:t>atanodes</a:t>
+            </a:r>
+            <a:r>
+              <a:rPr lang="en-US" dirty="0" smtClean="0">
+                <a:solidFill>
+                  <a:srgbClr val="00B050"/>
+                </a:solidFill>
+              </a:rPr>
+              <a:t> </a:t>
+            </a:r>
+            <a:r>
+              <a:rPr lang="en-US" dirty="0" smtClean="0">
+                <a:solidFill>
+                  <a:srgbClr val="00B050"/>
+                </a:solidFill>
+              </a:rPr>
+              <a:t>hosting file blocks</a:t>
+            </a:r>
+            <a:endParaRPr lang="en-US" dirty="0">
+              <a:solidFill>
+                <a:srgbClr val="00B050"/>
+              </a:solidFill>
+            </a:endParaRPr>
+          </a:p>
+        </p:txBody>
+      </p:sp>
+      <p:sp>
+        <p:nvSpPr>
+          <p:cNvPr id="48" name="TextBox 47"/>
+          <p:cNvSpPr txBox="1"/>
+          <p:nvPr/>
+        </p:nvSpPr>
+        <p:spPr>
+          <a:xfrm>
+            <a:off x="1977132" y="3221780"/>
+            <a:ext cx="2185150" cy="369332"/>
+          </a:xfrm>
+          <a:prstGeom prst="rect">
+            <a:avLst/>
+          </a:prstGeom>
+          <a:noFill/>
+        </p:spPr>
+        <p:txBody>
+          <a:bodyPr wrap="none" rtlCol="0">
+            <a:spAutoFit/>
+          </a:bodyPr>
+          <a:lstStyle/>
+          <a:p>
+            <a:r>
+              <a:rPr lang="en-US" dirty="0">
+                <a:solidFill>
+                  <a:srgbClr val="00B050"/>
+                </a:solidFill>
+              </a:rPr>
+              <a:t>6</a:t>
+            </a:r>
+            <a:r>
+              <a:rPr lang="en-US" dirty="0" smtClean="0">
+                <a:solidFill>
+                  <a:srgbClr val="00B050"/>
+                </a:solidFill>
+              </a:rPr>
+              <a:t>. </a:t>
+            </a:r>
+            <a:r>
+              <a:rPr lang="en-US" dirty="0" smtClean="0">
+                <a:solidFill>
+                  <a:srgbClr val="00B050"/>
+                </a:solidFill>
+              </a:rPr>
+              <a:t>Get blocks in order</a:t>
+            </a:r>
+            <a:endParaRPr lang="en-US" dirty="0">
+              <a:solidFill>
+                <a:srgbClr val="00B050"/>
+              </a:solidFill>
+            </a:endParaRPr>
+          </a:p>
+        </p:txBody>
+      </p:sp>
+      <p:sp>
+        <p:nvSpPr>
+          <p:cNvPr id="49" name="TextBox 48"/>
+          <p:cNvSpPr txBox="1"/>
+          <p:nvPr/>
+        </p:nvSpPr>
+        <p:spPr>
+          <a:xfrm>
+            <a:off x="187212" y="6352536"/>
+            <a:ext cx="4040722" cy="400110"/>
+          </a:xfrm>
+          <a:prstGeom prst="rect">
+            <a:avLst/>
+          </a:prstGeom>
+          <a:noFill/>
+        </p:spPr>
+        <p:txBody>
+          <a:bodyPr wrap="none" rtlCol="0">
+            <a:spAutoFit/>
+          </a:bodyPr>
+          <a:lstStyle/>
+          <a:p>
+            <a:pPr marL="0" lvl="1"/>
+            <a:r>
+              <a:rPr lang="de-DE" sz="2000" b="1" dirty="0"/>
+              <a:t>Single-</a:t>
+            </a:r>
+            <a:r>
+              <a:rPr lang="de-DE" sz="2000" b="1" dirty="0" err="1"/>
+              <a:t>writer</a:t>
+            </a:r>
+            <a:r>
+              <a:rPr lang="de-DE" sz="2000" b="1" dirty="0"/>
+              <a:t>, multiple </a:t>
+            </a:r>
+            <a:r>
+              <a:rPr lang="de-DE" sz="2000" b="1" dirty="0" err="1"/>
+              <a:t>reader</a:t>
+            </a:r>
+            <a:r>
+              <a:rPr lang="de-DE" sz="2000" b="1" dirty="0"/>
+              <a:t> </a:t>
+            </a:r>
+            <a:r>
+              <a:rPr lang="de-DE" sz="2000" b="1" dirty="0" err="1" smtClean="0"/>
+              <a:t>model</a:t>
+            </a:r>
+            <a:endParaRPr lang="de-DE" sz="2000" b="1" dirty="0"/>
+          </a:p>
+        </p:txBody>
+      </p:sp>
+      <p:cxnSp>
+        <p:nvCxnSpPr>
+          <p:cNvPr id="50" name="Straight Arrow Connector 49"/>
+          <p:cNvCxnSpPr>
+            <a:stCxn id="41" idx="3"/>
+            <a:endCxn id="25" idx="1"/>
+          </p:cNvCxnSpPr>
+          <p:nvPr/>
+        </p:nvCxnSpPr>
+        <p:spPr>
+          <a:xfrm>
+            <a:off x="3828660" y="2670756"/>
+            <a:ext cx="4294802" cy="17096"/>
+          </a:xfrm>
+          <a:prstGeom prst="straightConnector1">
+            <a:avLst/>
+          </a:prstGeom>
+          <a:ln w="28575">
+            <a:solidFill>
+              <a:srgbClr val="00B050"/>
+            </a:solidFill>
+            <a:tailEnd type="triangle"/>
+          </a:ln>
+        </p:spPr>
+        <p:style>
+          <a:lnRef idx="1">
+            <a:schemeClr val="accent1"/>
+          </a:lnRef>
+          <a:fillRef idx="0">
+            <a:schemeClr val="accent1"/>
+          </a:fillRef>
+          <a:effectRef idx="0">
+            <a:schemeClr val="accent1"/>
+          </a:effectRef>
+          <a:fontRef idx="minor">
+            <a:schemeClr val="tx1"/>
+          </a:fontRef>
+        </p:style>
+      </p:cxnSp>
     </p:spTree>
     <p:extLst>
       <p:ext uri="{BB962C8B-B14F-4D97-AF65-F5344CB8AC3E}">
-        <p14:creationId xmlns:p14="http://schemas.microsoft.com/office/powerpoint/2010/main" val="4245551477"/>
+        <p14:creationId xmlns:p14="http://schemas.microsoft.com/office/powerpoint/2010/main" val="202610616"/>
       </p:ext>
     </p:extLst>
   </p:cSld>
@@ -15866,6 +15503,9 @@
                     <p:cTn id="3" fill="hold">
                       <p:stCondLst>
                         <p:cond delay="indefinite"/>
+                        <p:cond evt="onBegin" delay="0">
+                          <p:tn val="2"/>
+                        </p:cond>
                       </p:stCondLst>
                       <p:childTnLst>
                         <p:par>
@@ -15875,7 +15515,7 @@
                             </p:stCondLst>
                             <p:childTnLst>
                               <p:par>
-                                <p:cTn id="5" presetID="10" presetClass="entr" presetSubtype="0" fill="hold" nodeType="clickEffect">
+                                <p:cTn id="5" presetID="10" presetClass="entr" presetSubtype="0" fill="hold" grpId="0" nodeType="withEffect">
                                   <p:stCondLst>
                                     <p:cond delay="0"/>
                                   </p:stCondLst>
@@ -15883,6 +15523,67 @@
                                     <p:set>
                                       <p:cBhvr>
                                         <p:cTn id="6" dur="1" fill="hold">
+                                          <p:stCondLst>
+                                            <p:cond delay="0"/>
+                                          </p:stCondLst>
+                                        </p:cTn>
+                                        <p:tgtEl>
+                                          <p:spTgt spid="3">
+                                            <p:txEl>
+                                              <p:pRg st="0" end="0"/>
+                                            </p:txEl>
+                                          </p:spTgt>
+                                        </p:tgtEl>
+                                        <p:attrNameLst>
+                                          <p:attrName>style.visibility</p:attrName>
+                                        </p:attrNameLst>
+                                      </p:cBhvr>
+                                      <p:to>
+                                        <p:strVal val="visible"/>
+                                      </p:to>
+                                    </p:set>
+                                    <p:animEffect transition="in" filter="fade">
+                                      <p:cBhvr>
+                                        <p:cTn id="7" dur="500"/>
+                                        <p:tgtEl>
+                                          <p:spTgt spid="3">
+                                            <p:txEl>
+                                              <p:pRg st="0" end="0"/>
+                                            </p:txEl>
+                                          </p:spTgt>
+                                        </p:tgtEl>
+                                      </p:cBhvr>
+                                    </p:animEffect>
+                                  </p:childTnLst>
+                                </p:cTn>
+                              </p:par>
+                            </p:childTnLst>
+                          </p:cTn>
+                        </p:par>
+                      </p:childTnLst>
+                    </p:cTn>
+                  </p:par>
+                  <p:par>
+                    <p:cTn id="8" fill="hold">
+                      <p:stCondLst>
+                        <p:cond delay="indefinite"/>
+                      </p:stCondLst>
+                      <p:childTnLst>
+                        <p:par>
+                          <p:cTn id="9" fill="hold">
+                            <p:stCondLst>
+                              <p:cond delay="0"/>
+                            </p:stCondLst>
+                            <p:childTnLst>
+                              <p:par>
+                                <p:cTn id="10" presetID="10" presetClass="entr" presetSubtype="0" fill="hold" nodeType="clickEffect">
+                                  <p:stCondLst>
+                                    <p:cond delay="0"/>
+                                  </p:stCondLst>
+                                  <p:childTnLst>
+                                    <p:set>
+                                      <p:cBhvr>
+                                        <p:cTn id="11" dur="1" fill="hold">
                                           <p:stCondLst>
                                             <p:cond delay="0"/>
                                           </p:stCondLst>
@@ -15900,7 +15601,7 @@
                                     </p:set>
                                     <p:animEffect transition="in" filter="fade">
                                       <p:cBhvr>
-                                        <p:cTn id="7" dur="500"/>
+                                        <p:cTn id="12" dur="500"/>
                                         <p:tgtEl>
                                           <p:spTgt spid="44"/>
                                         </p:tgtEl>
@@ -15910,14 +15611,14 @@
                                 </p:cTn>
                               </p:par>
                               <p:par>
-                                <p:cTn id="8" presetID="10" presetClass="entr" presetSubtype="0" fill="hold" grpId="0" nodeType="withEffect">
+                                <p:cTn id="13" presetID="10" presetClass="entr" presetSubtype="0" fill="hold" grpId="0" nodeType="withEffect">
                                   <p:stCondLst>
                                     <p:cond delay="0"/>
                                   </p:stCondLst>
                                   <p:childTnLst>
                                     <p:set>
                                       <p:cBhvr>
-                                        <p:cTn id="9" dur="1" fill="hold">
+                                        <p:cTn id="14" dur="1" fill="hold">
                                           <p:stCondLst>
                                             <p:cond delay="0"/>
                                           </p:stCondLst>
@@ -15935,7 +15636,7 @@
                                     </p:set>
                                     <p:animEffect transition="in" filter="fade">
                                       <p:cBhvr>
-                                        <p:cTn id="10" dur="500"/>
+                                        <p:cTn id="15" dur="500"/>
                                         <p:tgtEl>
                                           <p:spTgt spid="51"/>
                                         </p:tgtEl>
@@ -15951,26 +15652,26 @@
                     </p:cTn>
                   </p:par>
                   <p:par>
-                    <p:cTn id="11" fill="hold">
+                    <p:cTn id="16" fill="hold">
                       <p:stCondLst>
                         <p:cond delay="indefinite"/>
                       </p:stCondLst>
                       <p:childTnLst>
                         <p:par>
-                          <p:cTn id="12" fill="hold">
+                          <p:cTn id="17" fill="hold">
                             <p:stCondLst>
                               <p:cond delay="0"/>
                             </p:stCondLst>
                             <p:childTnLst>
                               <p:par>
-                                <p:cTn id="13" presetID="10" presetClass="entr" presetSubtype="0" fill="hold" grpId="0" nodeType="clickEffect">
+                                <p:cTn id="18" presetID="10" presetClass="entr" presetSubtype="0" fill="hold" grpId="0" nodeType="clickEffect">
                                   <p:stCondLst>
                                     <p:cond delay="0"/>
                                   </p:stCondLst>
                                   <p:childTnLst>
                                     <p:set>
                                       <p:cBhvr>
-                                        <p:cTn id="14" dur="1" fill="hold">
+                                        <p:cTn id="19" dur="1" fill="hold">
                                           <p:stCondLst>
                                             <p:cond delay="0"/>
                                           </p:stCondLst>
@@ -15988,7 +15689,7 @@
                                     </p:set>
                                     <p:animEffect transition="in" filter="fade">
                                       <p:cBhvr>
-                                        <p:cTn id="15" dur="500"/>
+                                        <p:cTn id="20" dur="500"/>
                                         <p:tgtEl>
                                           <p:spTgt spid="53"/>
                                         </p:tgtEl>
@@ -15998,14 +15699,14 @@
                                 </p:cTn>
                               </p:par>
                               <p:par>
-                                <p:cTn id="16" presetID="10" presetClass="entr" presetSubtype="0" fill="hold" nodeType="withEffect">
+                                <p:cTn id="21" presetID="10" presetClass="entr" presetSubtype="0" fill="hold" nodeType="withEffect">
                                   <p:stCondLst>
                                     <p:cond delay="0"/>
                                   </p:stCondLst>
                                   <p:childTnLst>
                                     <p:set>
                                       <p:cBhvr>
-                                        <p:cTn id="17" dur="1" fill="hold">
+                                        <p:cTn id="22" dur="1" fill="hold">
                                           <p:stCondLst>
                                             <p:cond delay="0"/>
                                           </p:stCondLst>
@@ -16023,7 +15724,7 @@
                                     </p:set>
                                     <p:animEffect transition="in" filter="fade">
                                       <p:cBhvr>
-                                        <p:cTn id="18" dur="500"/>
+                                        <p:cTn id="23" dur="500"/>
                                         <p:tgtEl>
                                           <p:spTgt spid="58"/>
                                         </p:tgtEl>
@@ -16039,26 +15740,26 @@
                     </p:cTn>
                   </p:par>
                   <p:par>
-                    <p:cTn id="19" fill="hold">
+                    <p:cTn id="24" fill="hold">
                       <p:stCondLst>
                         <p:cond delay="indefinite"/>
                       </p:stCondLst>
                       <p:childTnLst>
                         <p:par>
-                          <p:cTn id="20" fill="hold">
+                          <p:cTn id="25" fill="hold">
                             <p:stCondLst>
                               <p:cond delay="0"/>
                             </p:stCondLst>
                             <p:childTnLst>
                               <p:par>
-                                <p:cTn id="21" presetID="10" presetClass="entr" presetSubtype="0" fill="hold" grpId="0" nodeType="clickEffect">
+                                <p:cTn id="26" presetID="10" presetClass="entr" presetSubtype="0" fill="hold" grpId="0" nodeType="clickEffect">
                                   <p:stCondLst>
                                     <p:cond delay="0"/>
                                   </p:stCondLst>
                                   <p:childTnLst>
                                     <p:set>
                                       <p:cBhvr>
-                                        <p:cTn id="22" dur="1" fill="hold">
+                                        <p:cTn id="27" dur="1" fill="hold">
                                           <p:stCondLst>
                                             <p:cond delay="0"/>
                                           </p:stCondLst>
@@ -16076,7 +15777,7 @@
                                     </p:set>
                                     <p:animEffect transition="in" filter="fade">
                                       <p:cBhvr>
-                                        <p:cTn id="23" dur="500"/>
+                                        <p:cTn id="28" dur="500"/>
                                         <p:tgtEl>
                                           <p:spTgt spid="54"/>
                                         </p:tgtEl>
@@ -16086,14 +15787,14 @@
                                 </p:cTn>
                               </p:par>
                               <p:par>
-                                <p:cTn id="24" presetID="10" presetClass="entr" presetSubtype="0" fill="hold" nodeType="withEffect">
+                                <p:cTn id="29" presetID="10" presetClass="entr" presetSubtype="0" fill="hold" nodeType="withEffect">
                                   <p:stCondLst>
                                     <p:cond delay="0"/>
                                   </p:stCondLst>
                                   <p:childTnLst>
                                     <p:set>
                                       <p:cBhvr>
-                                        <p:cTn id="25" dur="1" fill="hold">
+                                        <p:cTn id="30" dur="1" fill="hold">
                                           <p:stCondLst>
                                             <p:cond delay="0"/>
                                           </p:stCondLst>
@@ -16111,7 +15812,7 @@
                                     </p:set>
                                     <p:animEffect transition="in" filter="fade">
                                       <p:cBhvr>
-                                        <p:cTn id="26" dur="500"/>
+                                        <p:cTn id="31" dur="500"/>
                                         <p:tgtEl>
                                           <p:spTgt spid="10"/>
                                         </p:tgtEl>
@@ -16127,26 +15828,26 @@
                     </p:cTn>
                   </p:par>
                   <p:par>
-                    <p:cTn id="27" fill="hold">
+                    <p:cTn id="32" fill="hold">
                       <p:stCondLst>
                         <p:cond delay="indefinite"/>
                       </p:stCondLst>
                       <p:childTnLst>
                         <p:par>
-                          <p:cTn id="28" fill="hold">
+                          <p:cTn id="33" fill="hold">
                             <p:stCondLst>
                               <p:cond delay="0"/>
                             </p:stCondLst>
                             <p:childTnLst>
                               <p:par>
-                                <p:cTn id="29" presetID="10" presetClass="entr" presetSubtype="0" fill="hold" nodeType="clickEffect">
+                                <p:cTn id="34" presetID="10" presetClass="entr" presetSubtype="0" fill="hold" nodeType="clickEffect">
                                   <p:stCondLst>
                                     <p:cond delay="0"/>
                                   </p:stCondLst>
                                   <p:childTnLst>
                                     <p:set>
                                       <p:cBhvr>
-                                        <p:cTn id="30" dur="1" fill="hold">
+                                        <p:cTn id="35" dur="1" fill="hold">
                                           <p:stCondLst>
                                             <p:cond delay="0"/>
                                           </p:stCondLst>
@@ -16164,7 +15865,7 @@
                                     </p:set>
                                     <p:animEffect transition="in" filter="fade">
                                       <p:cBhvr>
-                                        <p:cTn id="31" dur="500"/>
+                                        <p:cTn id="36" dur="500"/>
                                         <p:tgtEl>
                                           <p:spTgt spid="43"/>
                                         </p:tgtEl>
@@ -16174,14 +15875,14 @@
                                 </p:cTn>
                               </p:par>
                               <p:par>
-                                <p:cTn id="32" presetID="10" presetClass="entr" presetSubtype="0" fill="hold" grpId="0" nodeType="withEffect">
+                                <p:cTn id="37" presetID="10" presetClass="entr" presetSubtype="0" fill="hold" grpId="0" nodeType="withEffect">
                                   <p:stCondLst>
                                     <p:cond delay="0"/>
                                   </p:stCondLst>
                                   <p:childTnLst>
                                     <p:set>
                                       <p:cBhvr>
-                                        <p:cTn id="33" dur="1" fill="hold">
+                                        <p:cTn id="38" dur="1" fill="hold">
                                           <p:stCondLst>
                                             <p:cond delay="0"/>
                                           </p:stCondLst>
@@ -16199,9 +15900,316 @@
                                     </p:set>
                                     <p:animEffect transition="in" filter="fade">
                                       <p:cBhvr>
-                                        <p:cTn id="34" dur="500"/>
+                                        <p:cTn id="39" dur="500"/>
                                         <p:tgtEl>
                                           <p:spTgt spid="56"/>
+                                        </p:tgtEl>
+                                      </p:cBhvr>
+                                    </p:animEffect>
+                                  </p:childTnLst>
+                                </p:cTn>
+                              </p:par>
+                            </p:childTnLst>
+                          </p:cTn>
+                        </p:par>
+                      </p:childTnLst>
+                    </p:cTn>
+                  </p:par>
+                  <p:par>
+                    <p:cTn id="40" fill="hold">
+                      <p:stCondLst>
+                        <p:cond delay="indefinite"/>
+                      </p:stCondLst>
+                      <p:childTnLst>
+                        <p:par>
+                          <p:cTn id="41" fill="hold">
+                            <p:stCondLst>
+                              <p:cond delay="0"/>
+                            </p:stCondLst>
+                            <p:childTnLst>
+                              <p:par>
+                                <p:cTn id="42" presetID="10" presetClass="entr" presetSubtype="0" fill="hold" grpId="0" nodeType="clickEffect">
+                                  <p:stCondLst>
+                                    <p:cond delay="0"/>
+                                  </p:stCondLst>
+                                  <p:childTnLst>
+                                    <p:set>
+                                      <p:cBhvr>
+                                        <p:cTn id="43" dur="1" fill="hold">
+                                          <p:stCondLst>
+                                            <p:cond delay="0"/>
+                                          </p:stCondLst>
+                                        </p:cTn>
+                                        <p:tgtEl>
+                                          <p:spTgt spid="3">
+                                            <p:txEl>
+                                              <p:pRg st="1" end="1"/>
+                                            </p:txEl>
+                                          </p:spTgt>
+                                        </p:tgtEl>
+                                        <p:attrNameLst>
+                                          <p:attrName>style.visibility</p:attrName>
+                                        </p:attrNameLst>
+                                      </p:cBhvr>
+                                      <p:to>
+                                        <p:strVal val="visible"/>
+                                      </p:to>
+                                    </p:set>
+                                    <p:animEffect transition="in" filter="fade">
+                                      <p:cBhvr>
+                                        <p:cTn id="44" dur="500"/>
+                                        <p:tgtEl>
+                                          <p:spTgt spid="3">
+                                            <p:txEl>
+                                              <p:pRg st="1" end="1"/>
+                                            </p:txEl>
+                                          </p:spTgt>
+                                        </p:tgtEl>
+                                      </p:cBhvr>
+                                    </p:animEffect>
+                                  </p:childTnLst>
+                                </p:cTn>
+                              </p:par>
+                            </p:childTnLst>
+                          </p:cTn>
+                        </p:par>
+                      </p:childTnLst>
+                    </p:cTn>
+                  </p:par>
+                  <p:par>
+                    <p:cTn id="45" fill="hold">
+                      <p:stCondLst>
+                        <p:cond delay="indefinite"/>
+                      </p:stCondLst>
+                      <p:childTnLst>
+                        <p:par>
+                          <p:cTn id="46" fill="hold">
+                            <p:stCondLst>
+                              <p:cond delay="0"/>
+                            </p:stCondLst>
+                            <p:childTnLst>
+                              <p:par>
+                                <p:cTn id="47" presetID="10" presetClass="entr" presetSubtype="0" fill="hold" grpId="0" nodeType="clickEffect">
+                                  <p:stCondLst>
+                                    <p:cond delay="0"/>
+                                  </p:stCondLst>
+                                  <p:childTnLst>
+                                    <p:set>
+                                      <p:cBhvr>
+                                        <p:cTn id="48" dur="1" fill="hold">
+                                          <p:stCondLst>
+                                            <p:cond delay="0"/>
+                                          </p:stCondLst>
+                                        </p:cTn>
+                                        <p:tgtEl>
+                                          <p:spTgt spid="47"/>
+                                        </p:tgtEl>
+                                        <p:attrNameLst>
+                                          <p:attrName>style.visibility</p:attrName>
+                                        </p:attrNameLst>
+                                      </p:cBhvr>
+                                      <p:to>
+                                        <p:strVal val="visible"/>
+                                      </p:to>
+                                    </p:set>
+                                    <p:animEffect transition="in" filter="fade">
+                                      <p:cBhvr>
+                                        <p:cTn id="49" dur="500"/>
+                                        <p:tgtEl>
+                                          <p:spTgt spid="47"/>
+                                        </p:tgtEl>
+                                      </p:cBhvr>
+                                    </p:animEffect>
+                                  </p:childTnLst>
+                                </p:cTn>
+                              </p:par>
+                              <p:par>
+                                <p:cTn id="50" presetID="10" presetClass="entr" presetSubtype="0" fill="hold" nodeType="withEffect">
+                                  <p:stCondLst>
+                                    <p:cond delay="0"/>
+                                  </p:stCondLst>
+                                  <p:childTnLst>
+                                    <p:set>
+                                      <p:cBhvr>
+                                        <p:cTn id="51" dur="1" fill="hold">
+                                          <p:stCondLst>
+                                            <p:cond delay="0"/>
+                                          </p:stCondLst>
+                                        </p:cTn>
+                                        <p:tgtEl>
+                                          <p:spTgt spid="50"/>
+                                        </p:tgtEl>
+                                        <p:attrNameLst>
+                                          <p:attrName>style.visibility</p:attrName>
+                                        </p:attrNameLst>
+                                      </p:cBhvr>
+                                      <p:to>
+                                        <p:strVal val="visible"/>
+                                      </p:to>
+                                    </p:set>
+                                    <p:animEffect transition="in" filter="fade">
+                                      <p:cBhvr>
+                                        <p:cTn id="52" dur="500"/>
+                                        <p:tgtEl>
+                                          <p:spTgt spid="50"/>
+                                        </p:tgtEl>
+                                      </p:cBhvr>
+                                    </p:animEffect>
+                                  </p:childTnLst>
+                                </p:cTn>
+                              </p:par>
+                            </p:childTnLst>
+                          </p:cTn>
+                        </p:par>
+                      </p:childTnLst>
+                    </p:cTn>
+                  </p:par>
+                  <p:par>
+                    <p:cTn id="53" fill="hold">
+                      <p:stCondLst>
+                        <p:cond delay="indefinite"/>
+                      </p:stCondLst>
+                      <p:childTnLst>
+                        <p:par>
+                          <p:cTn id="54" fill="hold">
+                            <p:stCondLst>
+                              <p:cond delay="0"/>
+                            </p:stCondLst>
+                            <p:childTnLst>
+                              <p:par>
+                                <p:cTn id="55" presetID="10" presetClass="entr" presetSubtype="0" fill="hold" grpId="0" nodeType="clickEffect">
+                                  <p:stCondLst>
+                                    <p:cond delay="0"/>
+                                  </p:stCondLst>
+                                  <p:childTnLst>
+                                    <p:set>
+                                      <p:cBhvr>
+                                        <p:cTn id="56" dur="1" fill="hold">
+                                          <p:stCondLst>
+                                            <p:cond delay="0"/>
+                                          </p:stCondLst>
+                                        </p:cTn>
+                                        <p:tgtEl>
+                                          <p:spTgt spid="48"/>
+                                        </p:tgtEl>
+                                        <p:attrNameLst>
+                                          <p:attrName>style.visibility</p:attrName>
+                                        </p:attrNameLst>
+                                      </p:cBhvr>
+                                      <p:to>
+                                        <p:strVal val="visible"/>
+                                      </p:to>
+                                    </p:set>
+                                    <p:animEffect transition="in" filter="fade">
+                                      <p:cBhvr>
+                                        <p:cTn id="57" dur="500"/>
+                                        <p:tgtEl>
+                                          <p:spTgt spid="48"/>
+                                        </p:tgtEl>
+                                      </p:cBhvr>
+                                    </p:animEffect>
+                                  </p:childTnLst>
+                                </p:cTn>
+                              </p:par>
+                              <p:par>
+                                <p:cTn id="58" presetID="10" presetClass="entr" presetSubtype="0" fill="hold" nodeType="withEffect">
+                                  <p:stCondLst>
+                                    <p:cond delay="0"/>
+                                  </p:stCondLst>
+                                  <p:childTnLst>
+                                    <p:set>
+                                      <p:cBhvr>
+                                        <p:cTn id="59" dur="1" fill="hold">
+                                          <p:stCondLst>
+                                            <p:cond delay="0"/>
+                                          </p:stCondLst>
+                                        </p:cTn>
+                                        <p:tgtEl>
+                                          <p:spTgt spid="42"/>
+                                        </p:tgtEl>
+                                        <p:attrNameLst>
+                                          <p:attrName>style.visibility</p:attrName>
+                                        </p:attrNameLst>
+                                      </p:cBhvr>
+                                      <p:to>
+                                        <p:strVal val="visible"/>
+                                      </p:to>
+                                    </p:set>
+                                    <p:animEffect transition="in" filter="fade">
+                                      <p:cBhvr>
+                                        <p:cTn id="60" dur="500"/>
+                                        <p:tgtEl>
+                                          <p:spTgt spid="42"/>
+                                        </p:tgtEl>
+                                      </p:cBhvr>
+                                    </p:animEffect>
+                                  </p:childTnLst>
+                                </p:cTn>
+                              </p:par>
+                              <p:par>
+                                <p:cTn id="61" presetID="10" presetClass="entr" presetSubtype="0" fill="hold" nodeType="withEffect">
+                                  <p:stCondLst>
+                                    <p:cond delay="0"/>
+                                  </p:stCondLst>
+                                  <p:childTnLst>
+                                    <p:set>
+                                      <p:cBhvr>
+                                        <p:cTn id="62" dur="1" fill="hold">
+                                          <p:stCondLst>
+                                            <p:cond delay="0"/>
+                                          </p:stCondLst>
+                                        </p:cTn>
+                                        <p:tgtEl>
+                                          <p:spTgt spid="46"/>
+                                        </p:tgtEl>
+                                        <p:attrNameLst>
+                                          <p:attrName>style.visibility</p:attrName>
+                                        </p:attrNameLst>
+                                      </p:cBhvr>
+                                      <p:to>
+                                        <p:strVal val="visible"/>
+                                      </p:to>
+                                    </p:set>
+                                    <p:animEffect transition="in" filter="fade">
+                                      <p:cBhvr>
+                                        <p:cTn id="63" dur="500"/>
+                                        <p:tgtEl>
+                                          <p:spTgt spid="46"/>
+                                        </p:tgtEl>
+                                      </p:cBhvr>
+                                    </p:animEffect>
+                                  </p:childTnLst>
+                                </p:cTn>
+                              </p:par>
+                              <p:par>
+                                <p:cTn id="64" presetID="10" presetClass="entr" presetSubtype="0" fill="hold" nodeType="withEffect">
+                                  <p:stCondLst>
+                                    <p:cond delay="0"/>
+                                  </p:stCondLst>
+                                  <p:childTnLst>
+                                    <p:set>
+                                      <p:cBhvr>
+                                        <p:cTn id="65" dur="1" fill="hold">
+                                          <p:stCondLst>
+                                            <p:cond delay="0"/>
+                                          </p:stCondLst>
+                                        </p:cTn>
+                                        <p:tgtEl>
+                                          <p:spTgt spid="45"/>
+                                        </p:tgtEl>
+                                        <p:attrNameLst>
+                                          <p:attrName>style.visibility</p:attrName>
+                                        </p:attrNameLst>
+                                      </p:cBhvr>
+                                      <p:to>
+                                        <p:strVal val="visible"/>
+                                      </p:to>
+                                    </p:set>
+                                    <p:animEffect transition="in" filter="fade">
+                                      <p:cBhvr>
+                                        <p:cTn id="66" dur="500"/>
+                                        <p:tgtEl>
+                                          <p:spTgt spid="45"/>
                                         </p:tgtEl>
                                       </p:cBhvr>
                                     </p:animEffect>
@@ -16236,16 +16244,19 @@
       </p:par>
     </p:tnLst>
     <p:bldLst>
+      <p:bldP spid="3" grpId="0" uiExpand="1" build="p"/>
       <p:bldP spid="51" grpId="0"/>
       <p:bldP spid="53" grpId="0"/>
       <p:bldP spid="54" grpId="0"/>
       <p:bldP spid="56" grpId="0"/>
+      <p:bldP spid="47" grpId="0"/>
+      <p:bldP spid="48" grpId="0"/>
     </p:bldLst>
   </p:timing>
 </p:sld>
 </file>
 
-<file path=ppt/slides/slide16.xml><?xml version="1.0" encoding="utf-8"?>
+<file path=ppt/slides/slide15.xml><?xml version="1.0" encoding="utf-8"?>
 <p:sld xmlns:a="http://schemas.openxmlformats.org/drawingml/2006/main" xmlns:r="http://schemas.openxmlformats.org/officeDocument/2006/relationships" xmlns:p="http://schemas.openxmlformats.org/presentationml/2006/main">
   <p:cSld>
     <p:spTree>
@@ -16806,7 +16817,7 @@
           <a:p>
             <a:fld id="{040C66D9-7A85-4BE2-A0FF-5810B1E5E09A}" type="slidenum">
               <a:rPr lang="de-DE" smtClean="0"/>
-              <a:t>16</a:t>
+              <a:t>15</a:t>
             </a:fld>
             <a:endParaRPr lang="de-DE" dirty="0"/>
           </a:p>
@@ -17046,6 +17057,36 @@
           <a:xfrm>
             <a:off x="8376054" y="5658596"/>
             <a:ext cx="617821" cy="617821"/>
+          </a:xfrm>
+          <a:prstGeom prst="rect">
+            <a:avLst/>
+          </a:prstGeom>
+        </p:spPr>
+      </p:pic>
+      <p:pic>
+        <p:nvPicPr>
+          <p:cNvPr id="7" name="Picture 6"/>
+          <p:cNvPicPr>
+            <a:picLocks noChangeAspect="1"/>
+          </p:cNvPicPr>
+          <p:nvPr/>
+        </p:nvPicPr>
+        <p:blipFill>
+          <a:blip r:embed="rId13" cstate="print">
+            <a:extLst>
+              <a:ext uri="{28A0092B-C50C-407E-A947-70E740481C1C}">
+                <a14:useLocalDpi xmlns:a14="http://schemas.microsoft.com/office/drawing/2010/main" val="0"/>
+              </a:ext>
+            </a:extLst>
+          </a:blip>
+          <a:stretch>
+            <a:fillRect/>
+          </a:stretch>
+        </p:blipFill>
+        <p:spPr>
+          <a:xfrm>
+            <a:off x="9914206" y="1231760"/>
+            <a:ext cx="1536795" cy="950617"/>
           </a:xfrm>
           <a:prstGeom prst="rect">
             <a:avLst/>
@@ -17582,6 +17623,171 @@
 </p:sld>
 </file>
 
+<file path=ppt/slides/slide16.xml><?xml version="1.0" encoding="utf-8"?>
+<p:sld xmlns:a="http://schemas.openxmlformats.org/drawingml/2006/main" xmlns:r="http://schemas.openxmlformats.org/officeDocument/2006/relationships" xmlns:p="http://schemas.openxmlformats.org/presentationml/2006/main">
+  <p:cSld>
+    <p:spTree>
+      <p:nvGrpSpPr>
+        <p:cNvPr id="1" name=""/>
+        <p:cNvGrpSpPr/>
+        <p:nvPr/>
+      </p:nvGrpSpPr>
+      <p:grpSpPr>
+        <a:xfrm>
+          <a:off x="0" y="0"/>
+          <a:ext cx="0" cy="0"/>
+          <a:chOff x="0" y="0"/>
+          <a:chExt cx="0" cy="0"/>
+        </a:xfrm>
+      </p:grpSpPr>
+      <p:sp>
+        <p:nvSpPr>
+          <p:cNvPr id="2" name="Titel 1"/>
+          <p:cNvSpPr>
+            <a:spLocks noGrp="1"/>
+          </p:cNvSpPr>
+          <p:nvPr>
+            <p:ph type="title"/>
+          </p:nvPr>
+        </p:nvSpPr>
+        <p:spPr/>
+        <p:txBody>
+          <a:bodyPr/>
+          <a:lstStyle/>
+          <a:p>
+            <a:r>
+              <a:rPr lang="de-DE" dirty="0" smtClean="0">
+                <a:solidFill>
+                  <a:srgbClr val="00B050"/>
+                </a:solidFill>
+                <a:effectLst>
+                  <a:outerShdw blurRad="38100" dist="38100" dir="2700000" algn="tl">
+                    <a:srgbClr val="000000">
+                      <a:alpha val="43137"/>
+                    </a:srgbClr>
+                  </a:outerShdw>
+                </a:effectLst>
+              </a:rPr>
+              <a:t>GFS</a:t>
+            </a:r>
+            <a:r>
+              <a:rPr lang="de-DE" dirty="0" smtClean="0">
+                <a:effectLst>
+                  <a:outerShdw blurRad="38100" dist="38100" dir="2700000" algn="tl">
+                    <a:srgbClr val="000000">
+                      <a:alpha val="43137"/>
+                    </a:srgbClr>
+                  </a:outerShdw>
+                </a:effectLst>
+              </a:rPr>
+              <a:t> </a:t>
+            </a:r>
+            <a:r>
+              <a:rPr lang="de-DE" dirty="0" smtClean="0"/>
+              <a:t>- </a:t>
+            </a:r>
+            <a:r>
+              <a:rPr lang="de-DE" dirty="0" err="1" smtClean="0"/>
+              <a:t>Architecture</a:t>
+            </a:r>
+            <a:endParaRPr lang="de-DE" dirty="0"/>
+          </a:p>
+        </p:txBody>
+      </p:sp>
+      <p:sp>
+        <p:nvSpPr>
+          <p:cNvPr id="3" name="Inhaltsplatzhalter 2"/>
+          <p:cNvSpPr>
+            <a:spLocks noGrp="1"/>
+          </p:cNvSpPr>
+          <p:nvPr>
+            <p:ph idx="1"/>
+          </p:nvPr>
+        </p:nvSpPr>
+        <p:spPr/>
+        <p:txBody>
+          <a:bodyPr/>
+          <a:lstStyle/>
+          <a:p>
+            <a:endParaRPr lang="de-DE" dirty="0"/>
+          </a:p>
+        </p:txBody>
+      </p:sp>
+      <p:sp>
+        <p:nvSpPr>
+          <p:cNvPr id="4" name="Fußzeilenplatzhalter 3"/>
+          <p:cNvSpPr>
+            <a:spLocks noGrp="1"/>
+          </p:cNvSpPr>
+          <p:nvPr>
+            <p:ph type="ftr" sz="quarter" idx="11"/>
+          </p:nvPr>
+        </p:nvSpPr>
+        <p:spPr/>
+        <p:txBody>
+          <a:bodyPr/>
+          <a:lstStyle/>
+          <a:p>
+            <a:r>
+              <a:rPr lang="de-DE" smtClean="0"/>
+              <a:t>File Systems: GFS vs. Hadoop</a:t>
+            </a:r>
+          </a:p>
+          <a:p>
+            <a:r>
+              <a:rPr lang="de-DE" smtClean="0"/>
+              <a:t>Ciprian Lucaci and Daniel Straub</a:t>
+            </a:r>
+            <a:endParaRPr lang="de-DE" dirty="0"/>
+          </a:p>
+        </p:txBody>
+      </p:sp>
+      <p:sp>
+        <p:nvSpPr>
+          <p:cNvPr id="5" name="Foliennummernplatzhalter 4"/>
+          <p:cNvSpPr>
+            <a:spLocks noGrp="1"/>
+          </p:cNvSpPr>
+          <p:nvPr>
+            <p:ph type="sldNum" sz="quarter" idx="12"/>
+          </p:nvPr>
+        </p:nvSpPr>
+        <p:spPr/>
+        <p:txBody>
+          <a:bodyPr/>
+          <a:lstStyle/>
+          <a:p>
+            <a:fld id="{040C66D9-7A85-4BE2-A0FF-5810B1E5E09A}" type="slidenum">
+              <a:rPr lang="de-DE" smtClean="0"/>
+              <a:t>16</a:t>
+            </a:fld>
+            <a:endParaRPr lang="de-DE" dirty="0"/>
+          </a:p>
+        </p:txBody>
+      </p:sp>
+    </p:spTree>
+    <p:extLst>
+      <p:ext uri="{BB962C8B-B14F-4D97-AF65-F5344CB8AC3E}">
+        <p14:creationId xmlns:p14="http://schemas.microsoft.com/office/powerpoint/2010/main" val="4071564657"/>
+      </p:ext>
+    </p:extLst>
+  </p:cSld>
+  <p:clrMapOvr>
+    <a:masterClrMapping/>
+  </p:clrMapOvr>
+  <p:transition spd="slow">
+    <p:wheel spokes="1"/>
+  </p:transition>
+  <p:timing>
+    <p:tnLst>
+      <p:par>
+        <p:cTn id="1" dur="indefinite" restart="never" nodeType="tmRoot"/>
+      </p:par>
+    </p:tnLst>
+  </p:timing>
+</p:sld>
+</file>
+
 <file path=ppt/slides/slide17.xml><?xml version="1.0" encoding="utf-8"?>
 <p:sld xmlns:a="http://schemas.openxmlformats.org/drawingml/2006/main" xmlns:r="http://schemas.openxmlformats.org/officeDocument/2006/relationships" xmlns:p="http://schemas.openxmlformats.org/presentationml/2006/main">
   <p:cSld>
@@ -17643,11 +17849,7 @@
             </a:r>
             <a:r>
               <a:rPr lang="de-DE" dirty="0" smtClean="0"/>
-              <a:t>- </a:t>
-            </a:r>
-            <a:r>
-              <a:rPr lang="de-DE" dirty="0" err="1" smtClean="0"/>
-              <a:t>Architecture</a:t>
+              <a:t>- Workflow</a:t>
             </a:r>
             <a:endParaRPr lang="de-DE" dirty="0"/>
           </a:p>
@@ -17727,7 +17929,7 @@
     </p:spTree>
     <p:extLst>
       <p:ext uri="{BB962C8B-B14F-4D97-AF65-F5344CB8AC3E}">
-        <p14:creationId xmlns:p14="http://schemas.microsoft.com/office/powerpoint/2010/main" val="4071564657"/>
+        <p14:creationId xmlns:p14="http://schemas.microsoft.com/office/powerpoint/2010/main" val="2025899756"/>
       </p:ext>
     </p:extLst>
   </p:cSld>
@@ -17808,7 +18010,11 @@
             </a:r>
             <a:r>
               <a:rPr lang="de-DE" dirty="0" smtClean="0"/>
-              <a:t>- Workflow</a:t>
+              <a:t>- </a:t>
+            </a:r>
+            <a:r>
+              <a:rPr lang="de-DE" dirty="0" err="1" smtClean="0"/>
+              <a:t>Purpose</a:t>
             </a:r>
             <a:endParaRPr lang="de-DE" dirty="0"/>
           </a:p>
@@ -17888,7 +18094,7 @@
     </p:spTree>
     <p:extLst>
       <p:ext uri="{BB962C8B-B14F-4D97-AF65-F5344CB8AC3E}">
-        <p14:creationId xmlns:p14="http://schemas.microsoft.com/office/powerpoint/2010/main" val="2025899756"/>
+        <p14:creationId xmlns:p14="http://schemas.microsoft.com/office/powerpoint/2010/main" val="4157981273"/>
       </p:ext>
     </p:extLst>
   </p:cSld>
@@ -17925,6 +18131,36 @@
           <a:chExt cx="0" cy="0"/>
         </a:xfrm>
       </p:grpSpPr>
+      <p:pic>
+        <p:nvPicPr>
+          <p:cNvPr id="10" name="Picture 9"/>
+          <p:cNvPicPr>
+            <a:picLocks noChangeAspect="1"/>
+          </p:cNvPicPr>
+          <p:nvPr/>
+        </p:nvPicPr>
+        <p:blipFill>
+          <a:blip r:embed="rId3" cstate="print">
+            <a:extLst>
+              <a:ext uri="{28A0092B-C50C-407E-A947-70E740481C1C}">
+                <a14:useLocalDpi xmlns:a14="http://schemas.microsoft.com/office/drawing/2010/main" val="0"/>
+              </a:ext>
+            </a:extLst>
+          </a:blip>
+          <a:stretch>
+            <a:fillRect/>
+          </a:stretch>
+        </p:blipFill>
+        <p:spPr>
+          <a:xfrm>
+            <a:off x="276045" y="365125"/>
+            <a:ext cx="734484" cy="550863"/>
+          </a:xfrm>
+          <a:prstGeom prst="rect">
+            <a:avLst/>
+          </a:prstGeom>
+        </p:spPr>
+      </p:pic>
       <p:sp>
         <p:nvSpPr>
           <p:cNvPr id="2" name="Titel 1"/>
@@ -17941,6 +18177,25 @@
           <a:lstStyle/>
           <a:p>
             <a:r>
+              <a:rPr lang="de-DE" dirty="0">
+                <a:solidFill>
+                  <a:srgbClr val="00B0F0"/>
+                </a:solidFill>
+                <a:effectLst>
+                  <a:outerShdw blurRad="38100" dist="38100" dir="2700000" algn="tl">
+                    <a:srgbClr val="000000">
+                      <a:alpha val="43137"/>
+                    </a:srgbClr>
+                  </a:outerShdw>
+                </a:effectLst>
+              </a:rPr>
+              <a:t>HDFS </a:t>
+            </a:r>
+            <a:r>
+              <a:rPr lang="de-DE" dirty="0" smtClean="0"/>
+              <a:t>vs. </a:t>
+            </a:r>
+            <a:r>
               <a:rPr lang="de-DE" dirty="0" smtClean="0">
                 <a:solidFill>
                   <a:srgbClr val="00B050"/>
@@ -17967,26 +18222,83 @@
               </a:rPr>
               <a:t> </a:t>
             </a:r>
-            <a:r>
-              <a:rPr lang="de-DE" dirty="0" smtClean="0"/>
-              <a:t>- </a:t>
-            </a:r>
-            <a:r>
-              <a:rPr lang="de-DE" dirty="0" err="1" smtClean="0"/>
-              <a:t>Purpose</a:t>
-            </a:r>
             <a:endParaRPr lang="de-DE" dirty="0"/>
           </a:p>
         </p:txBody>
       </p:sp>
       <p:sp>
         <p:nvSpPr>
-          <p:cNvPr id="3" name="Inhaltsplatzhalter 2"/>
+          <p:cNvPr id="6" name="Textplatzhalter 5"/>
           <p:cNvSpPr>
             <a:spLocks noGrp="1"/>
           </p:cNvSpPr>
           <p:nvPr>
-            <p:ph idx="1"/>
+            <p:ph type="body" idx="1"/>
+          </p:nvPr>
+        </p:nvSpPr>
+        <p:spPr/>
+        <p:txBody>
+          <a:bodyPr/>
+          <a:lstStyle/>
+          <a:p>
+            <a:r>
+              <a:rPr lang="de-DE" dirty="0" err="1" smtClean="0"/>
+              <a:t>Similarities</a:t>
+            </a:r>
+            <a:endParaRPr lang="de-DE" dirty="0"/>
+          </a:p>
+        </p:txBody>
+      </p:sp>
+      <p:sp>
+        <p:nvSpPr>
+          <p:cNvPr id="7" name="Inhaltsplatzhalter 6"/>
+          <p:cNvSpPr>
+            <a:spLocks noGrp="1"/>
+          </p:cNvSpPr>
+          <p:nvPr>
+            <p:ph sz="half" idx="2"/>
+          </p:nvPr>
+        </p:nvSpPr>
+        <p:spPr/>
+        <p:txBody>
+          <a:bodyPr/>
+          <a:lstStyle/>
+          <a:p>
+            <a:endParaRPr lang="de-DE" dirty="0"/>
+          </a:p>
+        </p:txBody>
+      </p:sp>
+      <p:sp>
+        <p:nvSpPr>
+          <p:cNvPr id="8" name="Textplatzhalter 7"/>
+          <p:cNvSpPr>
+            <a:spLocks noGrp="1"/>
+          </p:cNvSpPr>
+          <p:nvPr>
+            <p:ph type="body" sz="quarter" idx="3"/>
+          </p:nvPr>
+        </p:nvSpPr>
+        <p:spPr/>
+        <p:txBody>
+          <a:bodyPr/>
+          <a:lstStyle/>
+          <a:p>
+            <a:r>
+              <a:rPr lang="de-DE" dirty="0" err="1" smtClean="0"/>
+              <a:t>Differences</a:t>
+            </a:r>
+            <a:endParaRPr lang="de-DE" dirty="0"/>
+          </a:p>
+        </p:txBody>
+      </p:sp>
+      <p:sp>
+        <p:nvSpPr>
+          <p:cNvPr id="9" name="Inhaltsplatzhalter 8"/>
+          <p:cNvSpPr>
+            <a:spLocks noGrp="1"/>
+          </p:cNvSpPr>
+          <p:nvPr>
+            <p:ph sz="quarter" idx="4"/>
           </p:nvPr>
         </p:nvSpPr>
         <p:spPr/>
@@ -18053,7 +18365,7 @@
     </p:spTree>
     <p:extLst>
       <p:ext uri="{BB962C8B-B14F-4D97-AF65-F5344CB8AC3E}">
-        <p14:creationId xmlns:p14="http://schemas.microsoft.com/office/powerpoint/2010/main" val="4157981273"/>
+        <p14:creationId xmlns:p14="http://schemas.microsoft.com/office/powerpoint/2010/main" val="4136378654"/>
       </p:ext>
     </p:extLst>
   </p:cSld>
@@ -18606,7 +18918,7 @@
         </p:blipFill>
         <p:spPr>
           <a:xfrm>
-            <a:off x="276045" y="365125"/>
+            <a:off x="105304" y="1954212"/>
             <a:ext cx="734484" cy="550863"/>
           </a:xfrm>
           <a:prstGeom prst="rect">
@@ -18630,50 +18942,16 @@
           <a:lstStyle/>
           <a:p>
             <a:r>
-              <a:rPr lang="de-DE" dirty="0">
-                <a:solidFill>
-                  <a:srgbClr val="00B0F0"/>
-                </a:solidFill>
-                <a:effectLst>
-                  <a:outerShdw blurRad="38100" dist="38100" dir="2700000" algn="tl">
-                    <a:srgbClr val="000000">
-                      <a:alpha val="43137"/>
-                    </a:srgbClr>
-                  </a:outerShdw>
-                </a:effectLst>
-              </a:rPr>
-              <a:t>HDFS </a:t>
+              <a:rPr lang="de-DE" dirty="0" err="1" smtClean="0"/>
+              <a:t>Usage</a:t>
             </a:r>
             <a:r>
               <a:rPr lang="de-DE" dirty="0" smtClean="0"/>
-              <a:t>vs. </a:t>
-            </a:r>
-            <a:r>
-              <a:rPr lang="de-DE" dirty="0" smtClean="0">
-                <a:solidFill>
-                  <a:srgbClr val="00B050"/>
-                </a:solidFill>
-                <a:effectLst>
-                  <a:outerShdw blurRad="38100" dist="38100" dir="2700000" algn="tl">
-                    <a:srgbClr val="000000">
-                      <a:alpha val="43137"/>
-                    </a:srgbClr>
-                  </a:outerShdw>
-                </a:effectLst>
-              </a:rPr>
-              <a:t>GFS</a:t>
-            </a:r>
-            <a:r>
-              <a:rPr lang="de-DE" dirty="0" smtClean="0">
-                <a:effectLst>
-                  <a:outerShdw blurRad="38100" dist="38100" dir="2700000" algn="tl">
-                    <a:srgbClr val="000000">
-                      <a:alpha val="43137"/>
-                    </a:srgbClr>
-                  </a:outerShdw>
-                </a:effectLst>
-              </a:rPr>
               <a:t> </a:t>
+            </a:r>
+            <a:r>
+              <a:rPr lang="de-DE" dirty="0" err="1" smtClean="0"/>
+              <a:t>examples</a:t>
             </a:r>
             <a:endParaRPr lang="de-DE" dirty="0"/>
           </a:p>
@@ -18695,8 +18973,19 @@
           <a:lstStyle/>
           <a:p>
             <a:r>
-              <a:rPr lang="de-DE" dirty="0" err="1" smtClean="0"/>
-              <a:t>Similarities</a:t>
+              <a:rPr lang="de-DE" dirty="0">
+                <a:solidFill>
+                  <a:srgbClr val="00B0F0"/>
+                </a:solidFill>
+                <a:effectLst>
+                  <a:outerShdw blurRad="38100" dist="38100" dir="2700000" algn="tl">
+                    <a:srgbClr val="000000">
+                      <a:alpha val="43137"/>
+                    </a:srgbClr>
+                  </a:outerShdw>
+                </a:effectLst>
+              </a:rPr>
+              <a:t>HDFS</a:t>
             </a:r>
             <a:endParaRPr lang="de-DE" dirty="0"/>
           </a:p>
@@ -18717,7 +19006,7 @@
           <a:bodyPr/>
           <a:lstStyle/>
           <a:p>
-            <a:endParaRPr lang="de-DE" dirty="0"/>
+            <a:endParaRPr lang="de-DE"/>
           </a:p>
         </p:txBody>
       </p:sp>
@@ -18737,8 +19026,19 @@
           <a:lstStyle/>
           <a:p>
             <a:r>
-              <a:rPr lang="de-DE" dirty="0" err="1" smtClean="0"/>
-              <a:t>Differences</a:t>
+              <a:rPr lang="de-DE" dirty="0" smtClean="0">
+                <a:solidFill>
+                  <a:srgbClr val="00B050"/>
+                </a:solidFill>
+                <a:effectLst>
+                  <a:outerShdw blurRad="38100" dist="38100" dir="2700000" algn="tl">
+                    <a:srgbClr val="000000">
+                      <a:alpha val="43137"/>
+                    </a:srgbClr>
+                  </a:outerShdw>
+                </a:effectLst>
+              </a:rPr>
+              <a:t>GFS</a:t>
             </a:r>
             <a:endParaRPr lang="de-DE" dirty="0"/>
           </a:p>
@@ -18818,7 +19118,7 @@
     </p:spTree>
     <p:extLst>
       <p:ext uri="{BB962C8B-B14F-4D97-AF65-F5344CB8AC3E}">
-        <p14:creationId xmlns:p14="http://schemas.microsoft.com/office/powerpoint/2010/main" val="4136378654"/>
+        <p14:creationId xmlns:p14="http://schemas.microsoft.com/office/powerpoint/2010/main" val="3871792151"/>
       </p:ext>
     </p:extLst>
   </p:cSld>
@@ -18855,36 +19155,6 @@
           <a:chExt cx="0" cy="0"/>
         </a:xfrm>
       </p:grpSpPr>
-      <p:pic>
-        <p:nvPicPr>
-          <p:cNvPr id="10" name="Picture 9"/>
-          <p:cNvPicPr>
-            <a:picLocks noChangeAspect="1"/>
-          </p:cNvPicPr>
-          <p:nvPr/>
-        </p:nvPicPr>
-        <p:blipFill>
-          <a:blip r:embed="rId3" cstate="print">
-            <a:extLst>
-              <a:ext uri="{28A0092B-C50C-407E-A947-70E740481C1C}">
-                <a14:useLocalDpi xmlns:a14="http://schemas.microsoft.com/office/drawing/2010/main" val="0"/>
-              </a:ext>
-            </a:extLst>
-          </a:blip>
-          <a:stretch>
-            <a:fillRect/>
-          </a:stretch>
-        </p:blipFill>
-        <p:spPr>
-          <a:xfrm>
-            <a:off x="105304" y="1954212"/>
-            <a:ext cx="734484" cy="550863"/>
-          </a:xfrm>
-          <a:prstGeom prst="rect">
-            <a:avLst/>
-          </a:prstGeom>
-        </p:spPr>
-      </p:pic>
       <p:sp>
         <p:nvSpPr>
           <p:cNvPr id="2" name="Titel 1"/>
@@ -18902,15 +19172,7 @@
           <a:p>
             <a:r>
               <a:rPr lang="de-DE" dirty="0" err="1" smtClean="0"/>
-              <a:t>Usage</a:t>
-            </a:r>
-            <a:r>
-              <a:rPr lang="de-DE" dirty="0" smtClean="0"/>
-              <a:t> </a:t>
-            </a:r>
-            <a:r>
-              <a:rPr lang="de-DE" dirty="0" err="1" smtClean="0"/>
-              <a:t>examples</a:t>
+              <a:t>Conclusion</a:t>
             </a:r>
             <a:endParaRPr lang="de-DE" dirty="0"/>
           </a:p>
@@ -18918,99 +19180,12 @@
       </p:sp>
       <p:sp>
         <p:nvSpPr>
-          <p:cNvPr id="6" name="Textplatzhalter 5"/>
+          <p:cNvPr id="3" name="Inhaltsplatzhalter 2"/>
           <p:cNvSpPr>
             <a:spLocks noGrp="1"/>
           </p:cNvSpPr>
           <p:nvPr>
-            <p:ph type="body" idx="1"/>
-          </p:nvPr>
-        </p:nvSpPr>
-        <p:spPr/>
-        <p:txBody>
-          <a:bodyPr/>
-          <a:lstStyle/>
-          <a:p>
-            <a:r>
-              <a:rPr lang="de-DE" dirty="0">
-                <a:solidFill>
-                  <a:srgbClr val="00B0F0"/>
-                </a:solidFill>
-                <a:effectLst>
-                  <a:outerShdw blurRad="38100" dist="38100" dir="2700000" algn="tl">
-                    <a:srgbClr val="000000">
-                      <a:alpha val="43137"/>
-                    </a:srgbClr>
-                  </a:outerShdw>
-                </a:effectLst>
-              </a:rPr>
-              <a:t>HDFS</a:t>
-            </a:r>
-            <a:endParaRPr lang="de-DE" dirty="0"/>
-          </a:p>
-        </p:txBody>
-      </p:sp>
-      <p:sp>
-        <p:nvSpPr>
-          <p:cNvPr id="7" name="Inhaltsplatzhalter 6"/>
-          <p:cNvSpPr>
-            <a:spLocks noGrp="1"/>
-          </p:cNvSpPr>
-          <p:nvPr>
-            <p:ph sz="half" idx="2"/>
-          </p:nvPr>
-        </p:nvSpPr>
-        <p:spPr/>
-        <p:txBody>
-          <a:bodyPr/>
-          <a:lstStyle/>
-          <a:p>
-            <a:endParaRPr lang="de-DE"/>
-          </a:p>
-        </p:txBody>
-      </p:sp>
-      <p:sp>
-        <p:nvSpPr>
-          <p:cNvPr id="8" name="Textplatzhalter 7"/>
-          <p:cNvSpPr>
-            <a:spLocks noGrp="1"/>
-          </p:cNvSpPr>
-          <p:nvPr>
-            <p:ph type="body" sz="quarter" idx="3"/>
-          </p:nvPr>
-        </p:nvSpPr>
-        <p:spPr/>
-        <p:txBody>
-          <a:bodyPr/>
-          <a:lstStyle/>
-          <a:p>
-            <a:r>
-              <a:rPr lang="de-DE" dirty="0" smtClean="0">
-                <a:solidFill>
-                  <a:srgbClr val="00B050"/>
-                </a:solidFill>
-                <a:effectLst>
-                  <a:outerShdw blurRad="38100" dist="38100" dir="2700000" algn="tl">
-                    <a:srgbClr val="000000">
-                      <a:alpha val="43137"/>
-                    </a:srgbClr>
-                  </a:outerShdw>
-                </a:effectLst>
-              </a:rPr>
-              <a:t>GFS</a:t>
-            </a:r>
-            <a:endParaRPr lang="de-DE" dirty="0"/>
-          </a:p>
-        </p:txBody>
-      </p:sp>
-      <p:sp>
-        <p:nvSpPr>
-          <p:cNvPr id="9" name="Inhaltsplatzhalter 8"/>
-          <p:cNvSpPr>
-            <a:spLocks noGrp="1"/>
-          </p:cNvSpPr>
-          <p:nvPr>
-            <p:ph sz="quarter" idx="4"/>
+            <p:ph idx="1"/>
           </p:nvPr>
         </p:nvSpPr>
         <p:spPr/>
@@ -19077,7 +19252,7 @@
     </p:spTree>
     <p:extLst>
       <p:ext uri="{BB962C8B-B14F-4D97-AF65-F5344CB8AC3E}">
-        <p14:creationId xmlns:p14="http://schemas.microsoft.com/office/powerpoint/2010/main" val="3871792151"/>
+        <p14:creationId xmlns:p14="http://schemas.microsoft.com/office/powerpoint/2010/main" val="1244465175"/>
       </p:ext>
     </p:extLst>
   </p:cSld>
@@ -19130,8 +19305,8 @@
           <a:lstStyle/>
           <a:p>
             <a:r>
-              <a:rPr lang="de-DE" dirty="0" err="1" smtClean="0"/>
-              <a:t>Conclusion</a:t>
+              <a:rPr lang="de-DE" dirty="0" smtClean="0"/>
+              <a:t>References</a:t>
             </a:r>
             <a:endParaRPr lang="de-DE" dirty="0"/>
           </a:p>
@@ -19152,7 +19327,61 @@
           <a:bodyPr/>
           <a:lstStyle/>
           <a:p>
+            <a:r>
+              <a:rPr lang="de-DE" dirty="0">
+                <a:solidFill>
+                  <a:srgbClr val="00B0F0"/>
+                </a:solidFill>
+                <a:effectLst>
+                  <a:outerShdw blurRad="38100" dist="38100" dir="2700000" algn="tl">
+                    <a:srgbClr val="000000">
+                      <a:alpha val="43137"/>
+                    </a:srgbClr>
+                  </a:outerShdw>
+                </a:effectLst>
+              </a:rPr>
+              <a:t>HDFS</a:t>
+            </a:r>
+            <a:endParaRPr lang="de-DE" dirty="0" smtClean="0"/>
+          </a:p>
+          <a:p>
+            <a:pPr lvl="1"/>
+            <a:r>
+              <a:rPr lang="de-DE" dirty="0" smtClean="0"/>
+              <a:t>s</a:t>
+            </a:r>
             <a:endParaRPr lang="de-DE" dirty="0"/>
+          </a:p>
+          <a:p>
+            <a:endParaRPr lang="de-DE" dirty="0" smtClean="0"/>
+          </a:p>
+          <a:p>
+            <a:endParaRPr lang="de-DE" dirty="0" smtClean="0"/>
+          </a:p>
+          <a:p>
+            <a:r>
+              <a:rPr lang="de-DE" dirty="0" smtClean="0">
+                <a:solidFill>
+                  <a:srgbClr val="00B050"/>
+                </a:solidFill>
+                <a:effectLst>
+                  <a:outerShdw blurRad="38100" dist="38100" dir="2700000" algn="tl">
+                    <a:srgbClr val="000000">
+                      <a:alpha val="43137"/>
+                    </a:srgbClr>
+                  </a:outerShdw>
+                </a:effectLst>
+              </a:rPr>
+              <a:t>GFS</a:t>
+            </a:r>
+            <a:endParaRPr lang="de-DE" dirty="0" smtClean="0"/>
+          </a:p>
+          <a:p>
+            <a:pPr lvl="1"/>
+            <a:r>
+              <a:rPr lang="de-DE" dirty="0"/>
+              <a:t>s</a:t>
+            </a:r>
           </a:p>
         </p:txBody>
       </p:sp>
@@ -19203,194 +19432,6 @@
             <a:fld id="{040C66D9-7A85-4BE2-A0FF-5810B1E5E09A}" type="slidenum">
               <a:rPr lang="de-DE" smtClean="0"/>
               <a:t>22</a:t>
-            </a:fld>
-            <a:endParaRPr lang="de-DE" dirty="0"/>
-          </a:p>
-        </p:txBody>
-      </p:sp>
-    </p:spTree>
-    <p:extLst>
-      <p:ext uri="{BB962C8B-B14F-4D97-AF65-F5344CB8AC3E}">
-        <p14:creationId xmlns:p14="http://schemas.microsoft.com/office/powerpoint/2010/main" val="1244465175"/>
-      </p:ext>
-    </p:extLst>
-  </p:cSld>
-  <p:clrMapOvr>
-    <a:masterClrMapping/>
-  </p:clrMapOvr>
-  <p:transition spd="slow">
-    <p:wheel spokes="1"/>
-  </p:transition>
-  <p:timing>
-    <p:tnLst>
-      <p:par>
-        <p:cTn id="1" dur="indefinite" restart="never" nodeType="tmRoot"/>
-      </p:par>
-    </p:tnLst>
-  </p:timing>
-</p:sld>
-</file>
-
-<file path=ppt/slides/slide23.xml><?xml version="1.0" encoding="utf-8"?>
-<p:sld xmlns:a="http://schemas.openxmlformats.org/drawingml/2006/main" xmlns:r="http://schemas.openxmlformats.org/officeDocument/2006/relationships" xmlns:p="http://schemas.openxmlformats.org/presentationml/2006/main">
-  <p:cSld>
-    <p:spTree>
-      <p:nvGrpSpPr>
-        <p:cNvPr id="1" name=""/>
-        <p:cNvGrpSpPr/>
-        <p:nvPr/>
-      </p:nvGrpSpPr>
-      <p:grpSpPr>
-        <a:xfrm>
-          <a:off x="0" y="0"/>
-          <a:ext cx="0" cy="0"/>
-          <a:chOff x="0" y="0"/>
-          <a:chExt cx="0" cy="0"/>
-        </a:xfrm>
-      </p:grpSpPr>
-      <p:sp>
-        <p:nvSpPr>
-          <p:cNvPr id="2" name="Titel 1"/>
-          <p:cNvSpPr>
-            <a:spLocks noGrp="1"/>
-          </p:cNvSpPr>
-          <p:nvPr>
-            <p:ph type="title"/>
-          </p:nvPr>
-        </p:nvSpPr>
-        <p:spPr/>
-        <p:txBody>
-          <a:bodyPr/>
-          <a:lstStyle/>
-          <a:p>
-            <a:r>
-              <a:rPr lang="de-DE" dirty="0" smtClean="0"/>
-              <a:t>References</a:t>
-            </a:r>
-            <a:endParaRPr lang="de-DE" dirty="0"/>
-          </a:p>
-        </p:txBody>
-      </p:sp>
-      <p:sp>
-        <p:nvSpPr>
-          <p:cNvPr id="3" name="Inhaltsplatzhalter 2"/>
-          <p:cNvSpPr>
-            <a:spLocks noGrp="1"/>
-          </p:cNvSpPr>
-          <p:nvPr>
-            <p:ph idx="1"/>
-          </p:nvPr>
-        </p:nvSpPr>
-        <p:spPr/>
-        <p:txBody>
-          <a:bodyPr/>
-          <a:lstStyle/>
-          <a:p>
-            <a:r>
-              <a:rPr lang="de-DE" dirty="0">
-                <a:solidFill>
-                  <a:srgbClr val="00B0F0"/>
-                </a:solidFill>
-                <a:effectLst>
-                  <a:outerShdw blurRad="38100" dist="38100" dir="2700000" algn="tl">
-                    <a:srgbClr val="000000">
-                      <a:alpha val="43137"/>
-                    </a:srgbClr>
-                  </a:outerShdw>
-                </a:effectLst>
-              </a:rPr>
-              <a:t>HDFS</a:t>
-            </a:r>
-            <a:endParaRPr lang="de-DE" dirty="0" smtClean="0"/>
-          </a:p>
-          <a:p>
-            <a:pPr lvl="1"/>
-            <a:r>
-              <a:rPr lang="de-DE" dirty="0" smtClean="0"/>
-              <a:t>s</a:t>
-            </a:r>
-            <a:endParaRPr lang="de-DE" dirty="0"/>
-          </a:p>
-          <a:p>
-            <a:endParaRPr lang="de-DE" dirty="0" smtClean="0"/>
-          </a:p>
-          <a:p>
-            <a:endParaRPr lang="de-DE" dirty="0" smtClean="0"/>
-          </a:p>
-          <a:p>
-            <a:r>
-              <a:rPr lang="de-DE" dirty="0" smtClean="0">
-                <a:solidFill>
-                  <a:srgbClr val="00B050"/>
-                </a:solidFill>
-                <a:effectLst>
-                  <a:outerShdw blurRad="38100" dist="38100" dir="2700000" algn="tl">
-                    <a:srgbClr val="000000">
-                      <a:alpha val="43137"/>
-                    </a:srgbClr>
-                  </a:outerShdw>
-                </a:effectLst>
-              </a:rPr>
-              <a:t>GFS</a:t>
-            </a:r>
-            <a:endParaRPr lang="de-DE" dirty="0" smtClean="0"/>
-          </a:p>
-          <a:p>
-            <a:pPr lvl="1"/>
-            <a:r>
-              <a:rPr lang="de-DE" dirty="0"/>
-              <a:t>s</a:t>
-            </a:r>
-          </a:p>
-        </p:txBody>
-      </p:sp>
-      <p:sp>
-        <p:nvSpPr>
-          <p:cNvPr id="4" name="Fußzeilenplatzhalter 3"/>
-          <p:cNvSpPr>
-            <a:spLocks noGrp="1"/>
-          </p:cNvSpPr>
-          <p:nvPr>
-            <p:ph type="ftr" sz="quarter" idx="11"/>
-          </p:nvPr>
-        </p:nvSpPr>
-        <p:spPr/>
-        <p:txBody>
-          <a:bodyPr/>
-          <a:lstStyle/>
-          <a:p>
-            <a:r>
-              <a:rPr lang="de-DE" smtClean="0"/>
-              <a:t>File Systems: GFS vs. Hadoop</a:t>
-            </a:r>
-          </a:p>
-          <a:p>
-            <a:r>
-              <a:rPr lang="de-DE" smtClean="0"/>
-              <a:t>Ciprian Lucaci and Daniel Straub</a:t>
-            </a:r>
-            <a:endParaRPr lang="de-DE" dirty="0"/>
-          </a:p>
-        </p:txBody>
-      </p:sp>
-      <p:sp>
-        <p:nvSpPr>
-          <p:cNvPr id="5" name="Foliennummernplatzhalter 4"/>
-          <p:cNvSpPr>
-            <a:spLocks noGrp="1"/>
-          </p:cNvSpPr>
-          <p:nvPr>
-            <p:ph type="sldNum" sz="quarter" idx="12"/>
-          </p:nvPr>
-        </p:nvSpPr>
-        <p:spPr/>
-        <p:txBody>
-          <a:bodyPr/>
-          <a:lstStyle/>
-          <a:p>
-            <a:fld id="{040C66D9-7A85-4BE2-A0FF-5810B1E5E09A}" type="slidenum">
-              <a:rPr lang="de-DE" smtClean="0"/>
-              <a:t>23</a:t>
             </a:fld>
             <a:endParaRPr lang="de-DE" dirty="0"/>
           </a:p>
@@ -21231,7 +21272,7 @@
         <p:spPr>
           <a:xfrm>
             <a:off x="1010529" y="2199799"/>
-            <a:ext cx="3364523" cy="1109457"/>
+            <a:ext cx="4935049" cy="1472077"/>
           </a:xfrm>
           <a:prstGeom prst="roundRect">
             <a:avLst/>
@@ -21277,8 +21318,29 @@
                   </a:outerShdw>
                 </a:effectLst>
               </a:rPr>
-              <a:t>64 MB / block</a:t>
-            </a:r>
+              <a:t>64 MB / </a:t>
+            </a:r>
+            <a:r>
+              <a:rPr lang="en-US" sz="2000" dirty="0" smtClean="0">
+                <a:effectLst>
+                  <a:outerShdw blurRad="38100" dist="38100" dir="2700000" algn="tl">
+                    <a:srgbClr val="000000">
+                      <a:alpha val="43137"/>
+                    </a:srgbClr>
+                  </a:outerShdw>
+                </a:effectLst>
+              </a:rPr>
+              <a:t>block (default), 128 MB, 256 MB</a:t>
+            </a:r>
+            <a:endParaRPr lang="en-US" sz="2000" dirty="0">
+              <a:effectLst>
+                <a:outerShdw blurRad="38100" dist="38100" dir="2700000" algn="tl">
+                  <a:srgbClr val="000000">
+                    <a:alpha val="43137"/>
+                  </a:srgbClr>
+                </a:outerShdw>
+              </a:effectLst>
+            </a:endParaRPr>
           </a:p>
           <a:p>
             <a:pPr marL="285750" indent="-285750">
@@ -21339,6 +21401,213 @@
           </a:p>
         </p:txBody>
       </p:sp>
+      <p:grpSp>
+        <p:nvGrpSpPr>
+          <p:cNvPr id="24" name="Group 23"/>
+          <p:cNvGrpSpPr/>
+          <p:nvPr/>
+        </p:nvGrpSpPr>
+        <p:grpSpPr>
+          <a:xfrm>
+            <a:off x="5321967" y="216859"/>
+            <a:ext cx="2911896" cy="845449"/>
+            <a:chOff x="8153400" y="915988"/>
+            <a:chExt cx="3536852" cy="1413016"/>
+          </a:xfrm>
+        </p:grpSpPr>
+        <p:sp>
+          <p:nvSpPr>
+            <p:cNvPr id="25" name="Rounded Rectangle 24"/>
+            <p:cNvSpPr/>
+            <p:nvPr/>
+          </p:nvSpPr>
+          <p:spPr>
+            <a:xfrm>
+              <a:off x="9157648" y="915988"/>
+              <a:ext cx="1514901" cy="557970"/>
+            </a:xfrm>
+            <a:prstGeom prst="roundRect">
+              <a:avLst/>
+            </a:prstGeom>
+          </p:spPr>
+          <p:style>
+            <a:lnRef idx="2">
+              <a:schemeClr val="accent6"/>
+            </a:lnRef>
+            <a:fillRef idx="1">
+              <a:schemeClr val="lt1"/>
+            </a:fillRef>
+            <a:effectRef idx="0">
+              <a:schemeClr val="accent6"/>
+            </a:effectRef>
+            <a:fontRef idx="minor">
+              <a:schemeClr val="dk1"/>
+            </a:fontRef>
+          </p:style>
+          <p:txBody>
+            <a:bodyPr rtlCol="0" anchor="ctr"/>
+            <a:lstStyle/>
+            <a:p>
+              <a:pPr algn="ctr"/>
+              <a:r>
+                <a:rPr lang="en-US" sz="1600" b="1" dirty="0" smtClean="0"/>
+                <a:t>Hadoop</a:t>
+              </a:r>
+              <a:endParaRPr lang="en-US" sz="1600" b="1" dirty="0"/>
+            </a:p>
+          </p:txBody>
+        </p:sp>
+        <p:sp>
+          <p:nvSpPr>
+            <p:cNvPr id="26" name="Rounded Rectangle 25"/>
+            <p:cNvSpPr/>
+            <p:nvPr/>
+          </p:nvSpPr>
+          <p:spPr>
+            <a:xfrm>
+              <a:off x="8153400" y="1771034"/>
+              <a:ext cx="1514901" cy="557970"/>
+            </a:xfrm>
+            <a:prstGeom prst="roundRect">
+              <a:avLst/>
+            </a:prstGeom>
+          </p:spPr>
+          <p:style>
+            <a:lnRef idx="2">
+              <a:schemeClr val="accent5"/>
+            </a:lnRef>
+            <a:fillRef idx="1">
+              <a:schemeClr val="lt1"/>
+            </a:fillRef>
+            <a:effectRef idx="0">
+              <a:schemeClr val="accent5"/>
+            </a:effectRef>
+            <a:fontRef idx="minor">
+              <a:schemeClr val="dk1"/>
+            </a:fontRef>
+          </p:style>
+          <p:txBody>
+            <a:bodyPr rtlCol="0" anchor="ctr"/>
+            <a:lstStyle/>
+            <a:p>
+              <a:pPr algn="ctr"/>
+              <a:r>
+                <a:rPr lang="en-US" sz="1600" b="1" dirty="0" smtClean="0"/>
+                <a:t>HDFS</a:t>
+              </a:r>
+              <a:endParaRPr lang="en-US" sz="1600" b="1" dirty="0"/>
+            </a:p>
+          </p:txBody>
+        </p:sp>
+        <p:sp>
+          <p:nvSpPr>
+            <p:cNvPr id="27" name="Rounded Rectangle 26"/>
+            <p:cNvSpPr/>
+            <p:nvPr/>
+          </p:nvSpPr>
+          <p:spPr>
+            <a:xfrm>
+              <a:off x="10175351" y="1771034"/>
+              <a:ext cx="1514901" cy="557970"/>
+            </a:xfrm>
+            <a:prstGeom prst="roundRect">
+              <a:avLst/>
+            </a:prstGeom>
+          </p:spPr>
+          <p:style>
+            <a:lnRef idx="2">
+              <a:schemeClr val="accent2"/>
+            </a:lnRef>
+            <a:fillRef idx="1">
+              <a:schemeClr val="lt1"/>
+            </a:fillRef>
+            <a:effectRef idx="0">
+              <a:schemeClr val="accent2"/>
+            </a:effectRef>
+            <a:fontRef idx="minor">
+              <a:schemeClr val="dk1"/>
+            </a:fontRef>
+          </p:style>
+          <p:txBody>
+            <a:bodyPr rtlCol="0" anchor="ctr"/>
+            <a:lstStyle/>
+            <a:p>
+              <a:pPr algn="ctr"/>
+              <a:r>
+                <a:rPr lang="en-US" sz="1600" b="1" dirty="0" err="1" smtClean="0"/>
+                <a:t>MapReduce</a:t>
+              </a:r>
+              <a:endParaRPr lang="en-US" sz="1600" b="1" dirty="0"/>
+            </a:p>
+          </p:txBody>
+        </p:sp>
+        <p:cxnSp>
+          <p:nvCxnSpPr>
+            <p:cNvPr id="28" name="Straight Connector 27"/>
+            <p:cNvCxnSpPr>
+              <a:stCxn id="26" idx="0"/>
+              <a:endCxn id="25" idx="2"/>
+            </p:cNvCxnSpPr>
+            <p:nvPr/>
+          </p:nvCxnSpPr>
+          <p:spPr>
+            <a:xfrm flipV="1">
+              <a:off x="8910851" y="1473958"/>
+              <a:ext cx="1004248" cy="297076"/>
+            </a:xfrm>
+            <a:prstGeom prst="line">
+              <a:avLst/>
+            </a:prstGeom>
+          </p:spPr>
+          <p:style>
+            <a:lnRef idx="1">
+              <a:schemeClr val="accent1"/>
+            </a:lnRef>
+            <a:fillRef idx="0">
+              <a:schemeClr val="accent1"/>
+            </a:fillRef>
+            <a:effectRef idx="0">
+              <a:schemeClr val="accent1"/>
+            </a:effectRef>
+            <a:fontRef idx="minor">
+              <a:schemeClr val="tx1"/>
+            </a:fontRef>
+          </p:style>
+        </p:cxnSp>
+        <p:cxnSp>
+          <p:nvCxnSpPr>
+            <p:cNvPr id="29" name="Straight Connector 28"/>
+            <p:cNvCxnSpPr>
+              <a:stCxn id="25" idx="2"/>
+              <a:endCxn id="27" idx="0"/>
+            </p:cNvCxnSpPr>
+            <p:nvPr/>
+          </p:nvCxnSpPr>
+          <p:spPr>
+            <a:xfrm>
+              <a:off x="9915099" y="1473958"/>
+              <a:ext cx="1017703" cy="297076"/>
+            </a:xfrm>
+            <a:prstGeom prst="line">
+              <a:avLst/>
+            </a:prstGeom>
+          </p:spPr>
+          <p:style>
+            <a:lnRef idx="1">
+              <a:schemeClr val="accent1"/>
+            </a:lnRef>
+            <a:fillRef idx="0">
+              <a:schemeClr val="accent1"/>
+            </a:fillRef>
+            <a:effectRef idx="0">
+              <a:schemeClr val="accent1"/>
+            </a:effectRef>
+            <a:fontRef idx="minor">
+              <a:schemeClr val="tx1"/>
+            </a:fontRef>
+          </p:style>
+        </p:cxnSp>
+      </p:grpSp>
     </p:spTree>
     <p:extLst>
       <p:ext uri="{BB962C8B-B14F-4D97-AF65-F5344CB8AC3E}">

--- a/Presentation/DistributedFileSystems_Cipri.pptx
+++ b/Presentation/DistributedFileSystems_Cipri.pptx
@@ -5,7 +5,7 @@
     <p:sldMasterId id="2147483648" r:id="rId1"/>
   </p:sldMasterIdLst>
   <p:notesMasterIdLst>
-    <p:notesMasterId r:id="rId24"/>
+    <p:notesMasterId r:id="rId18"/>
   </p:notesMasterIdLst>
   <p:sldIdLst>
     <p:sldId id="284" r:id="rId2"/>
@@ -23,13 +23,7 @@
     <p:sldId id="283" r:id="rId14"/>
     <p:sldId id="285" r:id="rId15"/>
     <p:sldId id="277" r:id="rId16"/>
-    <p:sldId id="260" r:id="rId17"/>
-    <p:sldId id="261" r:id="rId18"/>
-    <p:sldId id="262" r:id="rId19"/>
-    <p:sldId id="263" r:id="rId20"/>
-    <p:sldId id="264" r:id="rId21"/>
-    <p:sldId id="265" r:id="rId22"/>
-    <p:sldId id="266" r:id="rId23"/>
+    <p:sldId id="266" r:id="rId17"/>
   </p:sldIdLst>
   <p:sldSz cx="12192000" cy="6858000"/>
   <p:notesSz cx="6858000" cy="9144000"/>
@@ -1074,342 +1068,6 @@
 </p:notes>
 </file>
 
-<file path=ppt/notesSlides/notesSlide16.xml><?xml version="1.0" encoding="utf-8"?>
-<p:notes xmlns:a="http://schemas.openxmlformats.org/drawingml/2006/main" xmlns:r="http://schemas.openxmlformats.org/officeDocument/2006/relationships" xmlns:p="http://schemas.openxmlformats.org/presentationml/2006/main">
-  <p:cSld>
-    <p:spTree>
-      <p:nvGrpSpPr>
-        <p:cNvPr id="1" name=""/>
-        <p:cNvGrpSpPr/>
-        <p:nvPr/>
-      </p:nvGrpSpPr>
-      <p:grpSpPr>
-        <a:xfrm>
-          <a:off x="0" y="0"/>
-          <a:ext cx="0" cy="0"/>
-          <a:chOff x="0" y="0"/>
-          <a:chExt cx="0" cy="0"/>
-        </a:xfrm>
-      </p:grpSpPr>
-      <p:sp>
-        <p:nvSpPr>
-          <p:cNvPr id="2" name="Folienbildplatzhalter 1"/>
-          <p:cNvSpPr>
-            <a:spLocks noGrp="1" noRot="1" noChangeAspect="1"/>
-          </p:cNvSpPr>
-          <p:nvPr>
-            <p:ph type="sldImg"/>
-          </p:nvPr>
-        </p:nvSpPr>
-        <p:spPr/>
-      </p:sp>
-      <p:sp>
-        <p:nvSpPr>
-          <p:cNvPr id="3" name="Notizenplatzhalter 2"/>
-          <p:cNvSpPr>
-            <a:spLocks noGrp="1"/>
-          </p:cNvSpPr>
-          <p:nvPr>
-            <p:ph type="body" idx="1"/>
-          </p:nvPr>
-        </p:nvSpPr>
-        <p:spPr/>
-        <p:txBody>
-          <a:bodyPr/>
-          <a:lstStyle/>
-          <a:p>
-            <a:endParaRPr lang="de-DE"/>
-          </a:p>
-        </p:txBody>
-      </p:sp>
-      <p:sp>
-        <p:nvSpPr>
-          <p:cNvPr id="4" name="Foliennummernplatzhalter 3"/>
-          <p:cNvSpPr>
-            <a:spLocks noGrp="1"/>
-          </p:cNvSpPr>
-          <p:nvPr>
-            <p:ph type="sldNum" sz="quarter" idx="10"/>
-          </p:nvPr>
-        </p:nvSpPr>
-        <p:spPr/>
-        <p:txBody>
-          <a:bodyPr/>
-          <a:lstStyle/>
-          <a:p>
-            <a:fld id="{05D483A0-A07F-4EB6-885A-09B34B74D24D}" type="slidenum">
-              <a:rPr lang="de-DE" smtClean="0"/>
-              <a:t>16</a:t>
-            </a:fld>
-            <a:endParaRPr lang="de-DE"/>
-          </a:p>
-        </p:txBody>
-      </p:sp>
-    </p:spTree>
-    <p:extLst>
-      <p:ext uri="{BB962C8B-B14F-4D97-AF65-F5344CB8AC3E}">
-        <p14:creationId xmlns:p14="http://schemas.microsoft.com/office/powerpoint/2010/main" val="3570817664"/>
-      </p:ext>
-    </p:extLst>
-  </p:cSld>
-  <p:clrMapOvr>
-    <a:masterClrMapping/>
-  </p:clrMapOvr>
-</p:notes>
-</file>
-
-<file path=ppt/notesSlides/notesSlide17.xml><?xml version="1.0" encoding="utf-8"?>
-<p:notes xmlns:a="http://schemas.openxmlformats.org/drawingml/2006/main" xmlns:r="http://schemas.openxmlformats.org/officeDocument/2006/relationships" xmlns:p="http://schemas.openxmlformats.org/presentationml/2006/main">
-  <p:cSld>
-    <p:spTree>
-      <p:nvGrpSpPr>
-        <p:cNvPr id="1" name=""/>
-        <p:cNvGrpSpPr/>
-        <p:nvPr/>
-      </p:nvGrpSpPr>
-      <p:grpSpPr>
-        <a:xfrm>
-          <a:off x="0" y="0"/>
-          <a:ext cx="0" cy="0"/>
-          <a:chOff x="0" y="0"/>
-          <a:chExt cx="0" cy="0"/>
-        </a:xfrm>
-      </p:grpSpPr>
-      <p:sp>
-        <p:nvSpPr>
-          <p:cNvPr id="2" name="Folienbildplatzhalter 1"/>
-          <p:cNvSpPr>
-            <a:spLocks noGrp="1" noRot="1" noChangeAspect="1"/>
-          </p:cNvSpPr>
-          <p:nvPr>
-            <p:ph type="sldImg"/>
-          </p:nvPr>
-        </p:nvSpPr>
-        <p:spPr/>
-      </p:sp>
-      <p:sp>
-        <p:nvSpPr>
-          <p:cNvPr id="3" name="Notizenplatzhalter 2"/>
-          <p:cNvSpPr>
-            <a:spLocks noGrp="1"/>
-          </p:cNvSpPr>
-          <p:nvPr>
-            <p:ph type="body" idx="1"/>
-          </p:nvPr>
-        </p:nvSpPr>
-        <p:spPr/>
-        <p:txBody>
-          <a:bodyPr/>
-          <a:lstStyle/>
-          <a:p>
-            <a:endParaRPr lang="de-DE"/>
-          </a:p>
-        </p:txBody>
-      </p:sp>
-      <p:sp>
-        <p:nvSpPr>
-          <p:cNvPr id="4" name="Foliennummernplatzhalter 3"/>
-          <p:cNvSpPr>
-            <a:spLocks noGrp="1"/>
-          </p:cNvSpPr>
-          <p:nvPr>
-            <p:ph type="sldNum" sz="quarter" idx="10"/>
-          </p:nvPr>
-        </p:nvSpPr>
-        <p:spPr/>
-        <p:txBody>
-          <a:bodyPr/>
-          <a:lstStyle/>
-          <a:p>
-            <a:fld id="{05D483A0-A07F-4EB6-885A-09B34B74D24D}" type="slidenum">
-              <a:rPr lang="de-DE" smtClean="0"/>
-              <a:t>17</a:t>
-            </a:fld>
-            <a:endParaRPr lang="de-DE"/>
-          </a:p>
-        </p:txBody>
-      </p:sp>
-    </p:spTree>
-    <p:extLst>
-      <p:ext uri="{BB962C8B-B14F-4D97-AF65-F5344CB8AC3E}">
-        <p14:creationId xmlns:p14="http://schemas.microsoft.com/office/powerpoint/2010/main" val="174957884"/>
-      </p:ext>
-    </p:extLst>
-  </p:cSld>
-  <p:clrMapOvr>
-    <a:masterClrMapping/>
-  </p:clrMapOvr>
-</p:notes>
-</file>
-
-<file path=ppt/notesSlides/notesSlide18.xml><?xml version="1.0" encoding="utf-8"?>
-<p:notes xmlns:a="http://schemas.openxmlformats.org/drawingml/2006/main" xmlns:r="http://schemas.openxmlformats.org/officeDocument/2006/relationships" xmlns:p="http://schemas.openxmlformats.org/presentationml/2006/main">
-  <p:cSld>
-    <p:spTree>
-      <p:nvGrpSpPr>
-        <p:cNvPr id="1" name=""/>
-        <p:cNvGrpSpPr/>
-        <p:nvPr/>
-      </p:nvGrpSpPr>
-      <p:grpSpPr>
-        <a:xfrm>
-          <a:off x="0" y="0"/>
-          <a:ext cx="0" cy="0"/>
-          <a:chOff x="0" y="0"/>
-          <a:chExt cx="0" cy="0"/>
-        </a:xfrm>
-      </p:grpSpPr>
-      <p:sp>
-        <p:nvSpPr>
-          <p:cNvPr id="2" name="Folienbildplatzhalter 1"/>
-          <p:cNvSpPr>
-            <a:spLocks noGrp="1" noRot="1" noChangeAspect="1"/>
-          </p:cNvSpPr>
-          <p:nvPr>
-            <p:ph type="sldImg"/>
-          </p:nvPr>
-        </p:nvSpPr>
-        <p:spPr/>
-      </p:sp>
-      <p:sp>
-        <p:nvSpPr>
-          <p:cNvPr id="3" name="Notizenplatzhalter 2"/>
-          <p:cNvSpPr>
-            <a:spLocks noGrp="1"/>
-          </p:cNvSpPr>
-          <p:nvPr>
-            <p:ph type="body" idx="1"/>
-          </p:nvPr>
-        </p:nvSpPr>
-        <p:spPr/>
-        <p:txBody>
-          <a:bodyPr/>
-          <a:lstStyle/>
-          <a:p>
-            <a:endParaRPr lang="de-DE"/>
-          </a:p>
-        </p:txBody>
-      </p:sp>
-      <p:sp>
-        <p:nvSpPr>
-          <p:cNvPr id="4" name="Foliennummernplatzhalter 3"/>
-          <p:cNvSpPr>
-            <a:spLocks noGrp="1"/>
-          </p:cNvSpPr>
-          <p:nvPr>
-            <p:ph type="sldNum" sz="quarter" idx="10"/>
-          </p:nvPr>
-        </p:nvSpPr>
-        <p:spPr/>
-        <p:txBody>
-          <a:bodyPr/>
-          <a:lstStyle/>
-          <a:p>
-            <a:fld id="{05D483A0-A07F-4EB6-885A-09B34B74D24D}" type="slidenum">
-              <a:rPr lang="de-DE" smtClean="0"/>
-              <a:t>18</a:t>
-            </a:fld>
-            <a:endParaRPr lang="de-DE"/>
-          </a:p>
-        </p:txBody>
-      </p:sp>
-    </p:spTree>
-    <p:extLst>
-      <p:ext uri="{BB962C8B-B14F-4D97-AF65-F5344CB8AC3E}">
-        <p14:creationId xmlns:p14="http://schemas.microsoft.com/office/powerpoint/2010/main" val="3360599392"/>
-      </p:ext>
-    </p:extLst>
-  </p:cSld>
-  <p:clrMapOvr>
-    <a:masterClrMapping/>
-  </p:clrMapOvr>
-</p:notes>
-</file>
-
-<file path=ppt/notesSlides/notesSlide19.xml><?xml version="1.0" encoding="utf-8"?>
-<p:notes xmlns:a="http://schemas.openxmlformats.org/drawingml/2006/main" xmlns:r="http://schemas.openxmlformats.org/officeDocument/2006/relationships" xmlns:p="http://schemas.openxmlformats.org/presentationml/2006/main">
-  <p:cSld>
-    <p:spTree>
-      <p:nvGrpSpPr>
-        <p:cNvPr id="1" name=""/>
-        <p:cNvGrpSpPr/>
-        <p:nvPr/>
-      </p:nvGrpSpPr>
-      <p:grpSpPr>
-        <a:xfrm>
-          <a:off x="0" y="0"/>
-          <a:ext cx="0" cy="0"/>
-          <a:chOff x="0" y="0"/>
-          <a:chExt cx="0" cy="0"/>
-        </a:xfrm>
-      </p:grpSpPr>
-      <p:sp>
-        <p:nvSpPr>
-          <p:cNvPr id="2" name="Folienbildplatzhalter 1"/>
-          <p:cNvSpPr>
-            <a:spLocks noGrp="1" noRot="1" noChangeAspect="1"/>
-          </p:cNvSpPr>
-          <p:nvPr>
-            <p:ph type="sldImg"/>
-          </p:nvPr>
-        </p:nvSpPr>
-        <p:spPr/>
-      </p:sp>
-      <p:sp>
-        <p:nvSpPr>
-          <p:cNvPr id="3" name="Notizenplatzhalter 2"/>
-          <p:cNvSpPr>
-            <a:spLocks noGrp="1"/>
-          </p:cNvSpPr>
-          <p:nvPr>
-            <p:ph type="body" idx="1"/>
-          </p:nvPr>
-        </p:nvSpPr>
-        <p:spPr/>
-        <p:txBody>
-          <a:bodyPr/>
-          <a:lstStyle/>
-          <a:p>
-            <a:endParaRPr lang="de-DE"/>
-          </a:p>
-        </p:txBody>
-      </p:sp>
-      <p:sp>
-        <p:nvSpPr>
-          <p:cNvPr id="4" name="Foliennummernplatzhalter 3"/>
-          <p:cNvSpPr>
-            <a:spLocks noGrp="1"/>
-          </p:cNvSpPr>
-          <p:nvPr>
-            <p:ph type="sldNum" sz="quarter" idx="10"/>
-          </p:nvPr>
-        </p:nvSpPr>
-        <p:spPr/>
-        <p:txBody>
-          <a:bodyPr/>
-          <a:lstStyle/>
-          <a:p>
-            <a:fld id="{05D483A0-A07F-4EB6-885A-09B34B74D24D}" type="slidenum">
-              <a:rPr lang="de-DE" smtClean="0"/>
-              <a:t>19</a:t>
-            </a:fld>
-            <a:endParaRPr lang="de-DE"/>
-          </a:p>
-        </p:txBody>
-      </p:sp>
-    </p:spTree>
-    <p:extLst>
-      <p:ext uri="{BB962C8B-B14F-4D97-AF65-F5344CB8AC3E}">
-        <p14:creationId xmlns:p14="http://schemas.microsoft.com/office/powerpoint/2010/main" val="3821180486"/>
-      </p:ext>
-    </p:extLst>
-  </p:cSld>
-  <p:clrMapOvr>
-    <a:masterClrMapping/>
-  </p:clrMapOvr>
-</p:notes>
-</file>
-
 <file path=ppt/notesSlides/notesSlide2.xml><?xml version="1.0" encoding="utf-8"?>
 <p:notes xmlns:a="http://schemas.openxmlformats.org/drawingml/2006/main" xmlns:r="http://schemas.openxmlformats.org/officeDocument/2006/relationships" xmlns:p="http://schemas.openxmlformats.org/presentationml/2006/main">
   <p:cSld>
@@ -1485,174 +1143,6 @@
     <p:extLst>
       <p:ext uri="{BB962C8B-B14F-4D97-AF65-F5344CB8AC3E}">
         <p14:creationId xmlns:p14="http://schemas.microsoft.com/office/powerpoint/2010/main" val="141029033"/>
-      </p:ext>
-    </p:extLst>
-  </p:cSld>
-  <p:clrMapOvr>
-    <a:masterClrMapping/>
-  </p:clrMapOvr>
-</p:notes>
-</file>
-
-<file path=ppt/notesSlides/notesSlide20.xml><?xml version="1.0" encoding="utf-8"?>
-<p:notes xmlns:a="http://schemas.openxmlformats.org/drawingml/2006/main" xmlns:r="http://schemas.openxmlformats.org/officeDocument/2006/relationships" xmlns:p="http://schemas.openxmlformats.org/presentationml/2006/main">
-  <p:cSld>
-    <p:spTree>
-      <p:nvGrpSpPr>
-        <p:cNvPr id="1" name=""/>
-        <p:cNvGrpSpPr/>
-        <p:nvPr/>
-      </p:nvGrpSpPr>
-      <p:grpSpPr>
-        <a:xfrm>
-          <a:off x="0" y="0"/>
-          <a:ext cx="0" cy="0"/>
-          <a:chOff x="0" y="0"/>
-          <a:chExt cx="0" cy="0"/>
-        </a:xfrm>
-      </p:grpSpPr>
-      <p:sp>
-        <p:nvSpPr>
-          <p:cNvPr id="2" name="Folienbildplatzhalter 1"/>
-          <p:cNvSpPr>
-            <a:spLocks noGrp="1" noRot="1" noChangeAspect="1"/>
-          </p:cNvSpPr>
-          <p:nvPr>
-            <p:ph type="sldImg"/>
-          </p:nvPr>
-        </p:nvSpPr>
-        <p:spPr/>
-      </p:sp>
-      <p:sp>
-        <p:nvSpPr>
-          <p:cNvPr id="3" name="Notizenplatzhalter 2"/>
-          <p:cNvSpPr>
-            <a:spLocks noGrp="1"/>
-          </p:cNvSpPr>
-          <p:nvPr>
-            <p:ph type="body" idx="1"/>
-          </p:nvPr>
-        </p:nvSpPr>
-        <p:spPr/>
-        <p:txBody>
-          <a:bodyPr/>
-          <a:lstStyle/>
-          <a:p>
-            <a:endParaRPr lang="de-DE"/>
-          </a:p>
-        </p:txBody>
-      </p:sp>
-      <p:sp>
-        <p:nvSpPr>
-          <p:cNvPr id="4" name="Foliennummernplatzhalter 3"/>
-          <p:cNvSpPr>
-            <a:spLocks noGrp="1"/>
-          </p:cNvSpPr>
-          <p:nvPr>
-            <p:ph type="sldNum" sz="quarter" idx="10"/>
-          </p:nvPr>
-        </p:nvSpPr>
-        <p:spPr/>
-        <p:txBody>
-          <a:bodyPr/>
-          <a:lstStyle/>
-          <a:p>
-            <a:fld id="{05D483A0-A07F-4EB6-885A-09B34B74D24D}" type="slidenum">
-              <a:rPr lang="de-DE" smtClean="0"/>
-              <a:t>20</a:t>
-            </a:fld>
-            <a:endParaRPr lang="de-DE"/>
-          </a:p>
-        </p:txBody>
-      </p:sp>
-    </p:spTree>
-    <p:extLst>
-      <p:ext uri="{BB962C8B-B14F-4D97-AF65-F5344CB8AC3E}">
-        <p14:creationId xmlns:p14="http://schemas.microsoft.com/office/powerpoint/2010/main" val="853881351"/>
-      </p:ext>
-    </p:extLst>
-  </p:cSld>
-  <p:clrMapOvr>
-    <a:masterClrMapping/>
-  </p:clrMapOvr>
-</p:notes>
-</file>
-
-<file path=ppt/notesSlides/notesSlide21.xml><?xml version="1.0" encoding="utf-8"?>
-<p:notes xmlns:a="http://schemas.openxmlformats.org/drawingml/2006/main" xmlns:r="http://schemas.openxmlformats.org/officeDocument/2006/relationships" xmlns:p="http://schemas.openxmlformats.org/presentationml/2006/main">
-  <p:cSld>
-    <p:spTree>
-      <p:nvGrpSpPr>
-        <p:cNvPr id="1" name=""/>
-        <p:cNvGrpSpPr/>
-        <p:nvPr/>
-      </p:nvGrpSpPr>
-      <p:grpSpPr>
-        <a:xfrm>
-          <a:off x="0" y="0"/>
-          <a:ext cx="0" cy="0"/>
-          <a:chOff x="0" y="0"/>
-          <a:chExt cx="0" cy="0"/>
-        </a:xfrm>
-      </p:grpSpPr>
-      <p:sp>
-        <p:nvSpPr>
-          <p:cNvPr id="2" name="Folienbildplatzhalter 1"/>
-          <p:cNvSpPr>
-            <a:spLocks noGrp="1" noRot="1" noChangeAspect="1"/>
-          </p:cNvSpPr>
-          <p:nvPr>
-            <p:ph type="sldImg"/>
-          </p:nvPr>
-        </p:nvSpPr>
-        <p:spPr/>
-      </p:sp>
-      <p:sp>
-        <p:nvSpPr>
-          <p:cNvPr id="3" name="Notizenplatzhalter 2"/>
-          <p:cNvSpPr>
-            <a:spLocks noGrp="1"/>
-          </p:cNvSpPr>
-          <p:nvPr>
-            <p:ph type="body" idx="1"/>
-          </p:nvPr>
-        </p:nvSpPr>
-        <p:spPr/>
-        <p:txBody>
-          <a:bodyPr/>
-          <a:lstStyle/>
-          <a:p>
-            <a:endParaRPr lang="de-DE"/>
-          </a:p>
-        </p:txBody>
-      </p:sp>
-      <p:sp>
-        <p:nvSpPr>
-          <p:cNvPr id="4" name="Foliennummernplatzhalter 3"/>
-          <p:cNvSpPr>
-            <a:spLocks noGrp="1"/>
-          </p:cNvSpPr>
-          <p:nvPr>
-            <p:ph type="sldNum" sz="quarter" idx="10"/>
-          </p:nvPr>
-        </p:nvSpPr>
-        <p:spPr/>
-        <p:txBody>
-          <a:bodyPr/>
-          <a:lstStyle/>
-          <a:p>
-            <a:fld id="{05D483A0-A07F-4EB6-885A-09B34B74D24D}" type="slidenum">
-              <a:rPr lang="de-DE" smtClean="0"/>
-              <a:t>21</a:t>
-            </a:fld>
-            <a:endParaRPr lang="de-DE"/>
-          </a:p>
-        </p:txBody>
-      </p:sp>
-    </p:spTree>
-    <p:extLst>
-      <p:ext uri="{BB962C8B-B14F-4D97-AF65-F5344CB8AC3E}">
-        <p14:creationId xmlns:p14="http://schemas.microsoft.com/office/powerpoint/2010/main" val="3866637413"/>
       </p:ext>
     </p:extLst>
   </p:cSld>
@@ -13468,15 +12958,6 @@
               </a:rPr>
               <a:t>blocks</a:t>
             </a:r>
-            <a:endParaRPr lang="en-US" sz="2000" dirty="0" smtClean="0">
-              <a:effectLst>
-                <a:outerShdw blurRad="38100" dist="38100" dir="2700000" algn="tl">
-                  <a:srgbClr val="000000">
-                    <a:alpha val="43137"/>
-                  </a:srgbClr>
-                </a:outerShdw>
-              </a:effectLst>
-            </a:endParaRPr>
           </a:p>
         </p:txBody>
       </p:sp>
@@ -14935,17 +14416,7 @@
                   </a:schemeClr>
                 </a:solidFill>
               </a:rPr>
-              <a:t>1. </a:t>
-            </a:r>
-            <a:r>
-              <a:rPr lang="en-US" dirty="0" smtClean="0">
-                <a:solidFill>
-                  <a:schemeClr val="accent2">
-                    <a:lumMod val="50000"/>
-                  </a:schemeClr>
-                </a:solidFill>
-              </a:rPr>
-              <a:t>Request block in namespace for file</a:t>
+              <a:t>1. Request block in namespace for file</a:t>
             </a:r>
             <a:endParaRPr lang="en-US" dirty="0">
               <a:solidFill>
@@ -15039,27 +14510,7 @@
                   </a:schemeClr>
                 </a:solidFill>
               </a:rPr>
-              <a:t>3. </a:t>
-            </a:r>
-            <a:r>
-              <a:rPr lang="en-US" dirty="0" smtClean="0">
-                <a:solidFill>
-                  <a:schemeClr val="accent2">
-                    <a:lumMod val="50000"/>
-                  </a:schemeClr>
-                </a:solidFill>
-              </a:rPr>
-              <a:t>Create First </a:t>
-            </a:r>
-            <a:r>
-              <a:rPr lang="en-US" dirty="0" smtClean="0">
-                <a:solidFill>
-                  <a:schemeClr val="accent2">
-                    <a:lumMod val="50000"/>
-                  </a:schemeClr>
-                </a:solidFill>
-              </a:rPr>
-              <a:t>Replica</a:t>
+              <a:t>3. Create First Replica</a:t>
             </a:r>
             <a:endParaRPr lang="en-US" dirty="0">
               <a:solidFill>
@@ -15101,27 +14552,7 @@
                   </a:schemeClr>
                 </a:solidFill>
               </a:rPr>
-              <a:t>4. </a:t>
-            </a:r>
-            <a:r>
-              <a:rPr lang="en-US" dirty="0" smtClean="0">
-                <a:solidFill>
-                  <a:schemeClr val="accent2">
-                    <a:lumMod val="50000"/>
-                  </a:schemeClr>
-                </a:solidFill>
-              </a:rPr>
-              <a:t>Create Second </a:t>
-            </a:r>
-            <a:r>
-              <a:rPr lang="en-US" dirty="0" smtClean="0">
-                <a:solidFill>
-                  <a:schemeClr val="accent2">
-                    <a:lumMod val="50000"/>
-                  </a:schemeClr>
-                </a:solidFill>
-              </a:rPr>
-              <a:t>Replica</a:t>
+              <a:t>4. Create Second Replica</a:t>
             </a:r>
             <a:endParaRPr lang="en-US" dirty="0">
               <a:solidFill>
@@ -15284,15 +14715,7 @@
                   <a:srgbClr val="00B050"/>
                 </a:solidFill>
               </a:rPr>
-              <a:t>. </a:t>
-            </a:r>
-            <a:r>
-              <a:rPr lang="en-US" dirty="0" smtClean="0">
-                <a:solidFill>
-                  <a:srgbClr val="00B050"/>
-                </a:solidFill>
-              </a:rPr>
-              <a:t>Get list of </a:t>
+              <a:t>. Get list of </a:t>
             </a:r>
             <a:r>
               <a:rPr lang="en-US" dirty="0" err="1">
@@ -15316,15 +14739,7 @@
                   <a:srgbClr val="00B050"/>
                 </a:solidFill>
               </a:rPr>
-              <a:t> </a:t>
-            </a:r>
-            <a:r>
-              <a:rPr lang="en-US" dirty="0" smtClean="0">
-                <a:solidFill>
-                  <a:srgbClr val="00B050"/>
-                </a:solidFill>
-              </a:rPr>
-              <a:t>hosting file blocks</a:t>
+              <a:t> hosting file blocks</a:t>
             </a:r>
             <a:endParaRPr lang="en-US" dirty="0">
               <a:solidFill>
@@ -15370,15 +14785,7 @@
                   <a:srgbClr val="00B050"/>
                 </a:solidFill>
               </a:rPr>
-              <a:t>. </a:t>
-            </a:r>
-            <a:r>
-              <a:rPr lang="en-US" dirty="0" smtClean="0">
-                <a:solidFill>
-                  <a:srgbClr val="00B050"/>
-                </a:solidFill>
-              </a:rPr>
-              <a:t>Get blocks in order</a:t>
+              <a:t>. Get blocks in order</a:t>
             </a:r>
             <a:endParaRPr lang="en-US" dirty="0">
               <a:solidFill>
@@ -17656,39 +17063,8 @@
           <a:lstStyle/>
           <a:p>
             <a:r>
-              <a:rPr lang="de-DE" dirty="0" smtClean="0">
-                <a:solidFill>
-                  <a:srgbClr val="00B050"/>
-                </a:solidFill>
-                <a:effectLst>
-                  <a:outerShdw blurRad="38100" dist="38100" dir="2700000" algn="tl">
-                    <a:srgbClr val="000000">
-                      <a:alpha val="43137"/>
-                    </a:srgbClr>
-                  </a:outerShdw>
-                </a:effectLst>
-              </a:rPr>
-              <a:t>GFS</a:t>
-            </a:r>
-            <a:r>
-              <a:rPr lang="de-DE" dirty="0" smtClean="0">
-                <a:effectLst>
-                  <a:outerShdw blurRad="38100" dist="38100" dir="2700000" algn="tl">
-                    <a:srgbClr val="000000">
-                      <a:alpha val="43137"/>
-                    </a:srgbClr>
-                  </a:outerShdw>
-                </a:effectLst>
-              </a:rPr>
-              <a:t> </a:t>
-            </a:r>
-            <a:r>
               <a:rPr lang="de-DE" dirty="0" smtClean="0"/>
-              <a:t>- </a:t>
-            </a:r>
-            <a:r>
-              <a:rPr lang="de-DE" dirty="0" err="1" smtClean="0"/>
-              <a:t>Architecture</a:t>
+              <a:t>References</a:t>
             </a:r>
             <a:endParaRPr lang="de-DE" dirty="0"/>
           </a:p>
@@ -17709,7 +17085,94 @@
           <a:bodyPr/>
           <a:lstStyle/>
           <a:p>
-            <a:endParaRPr lang="de-DE" dirty="0"/>
+            <a:r>
+              <a:rPr lang="de-DE" dirty="0">
+                <a:solidFill>
+                  <a:srgbClr val="00B0F0"/>
+                </a:solidFill>
+                <a:effectLst>
+                  <a:outerShdw blurRad="38100" dist="38100" dir="2700000" algn="tl">
+                    <a:srgbClr val="000000">
+                      <a:alpha val="43137"/>
+                    </a:srgbClr>
+                  </a:outerShdw>
+                </a:effectLst>
+              </a:rPr>
+              <a:t>HDFS</a:t>
+            </a:r>
+            <a:endParaRPr lang="de-DE" dirty="0" smtClean="0"/>
+          </a:p>
+          <a:p>
+            <a:pPr lvl="1"/>
+            <a:r>
+              <a:rPr lang="en-US" dirty="0"/>
+              <a:t>K. </a:t>
+            </a:r>
+            <a:r>
+              <a:rPr lang="en-US" dirty="0" err="1"/>
+              <a:t>Shvachko</a:t>
+            </a:r>
+            <a:r>
+              <a:rPr lang="en-US" dirty="0"/>
+              <a:t>, H. </a:t>
+            </a:r>
+            <a:r>
+              <a:rPr lang="en-US" dirty="0" err="1"/>
+              <a:t>Kuang</a:t>
+            </a:r>
+            <a:r>
+              <a:rPr lang="en-US" dirty="0"/>
+              <a:t>, S. </a:t>
+            </a:r>
+            <a:r>
+              <a:rPr lang="en-US" dirty="0" err="1"/>
+              <a:t>Radia</a:t>
+            </a:r>
+            <a:r>
+              <a:rPr lang="en-US" dirty="0"/>
+              <a:t>, R. </a:t>
+            </a:r>
+            <a:r>
+              <a:rPr lang="en-US" dirty="0" err="1"/>
+              <a:t>Chansler</a:t>
+            </a:r>
+            <a:r>
+              <a:rPr lang="en-US" dirty="0"/>
+              <a:t>. The Hadoop Distributed File </a:t>
+            </a:r>
+            <a:r>
+              <a:rPr lang="en-US" dirty="0" smtClean="0"/>
+              <a:t>System. 2010</a:t>
+            </a:r>
+          </a:p>
+          <a:p>
+            <a:pPr lvl="1"/>
+            <a:endParaRPr lang="de-DE" dirty="0" smtClean="0"/>
+          </a:p>
+          <a:p>
+            <a:r>
+              <a:rPr lang="de-DE" dirty="0" smtClean="0">
+                <a:solidFill>
+                  <a:srgbClr val="00B050"/>
+                </a:solidFill>
+                <a:effectLst>
+                  <a:outerShdw blurRad="38100" dist="38100" dir="2700000" algn="tl">
+                    <a:srgbClr val="000000">
+                      <a:alpha val="43137"/>
+                    </a:srgbClr>
+                  </a:outerShdw>
+                </a:effectLst>
+              </a:rPr>
+              <a:t>GFS</a:t>
+            </a:r>
+            <a:endParaRPr lang="de-DE" dirty="0" smtClean="0"/>
+          </a:p>
+          <a:p>
+            <a:pPr lvl="1"/>
+            <a:r>
+              <a:rPr lang="de-DE" dirty="0"/>
+              <a:t>s</a:t>
+            </a:r>
           </a:p>
         </p:txBody>
       </p:sp>
@@ -17765,382 +17228,16 @@
           </a:p>
         </p:txBody>
       </p:sp>
-    </p:spTree>
-    <p:extLst>
-      <p:ext uri="{BB962C8B-B14F-4D97-AF65-F5344CB8AC3E}">
-        <p14:creationId xmlns:p14="http://schemas.microsoft.com/office/powerpoint/2010/main" val="4071564657"/>
-      </p:ext>
-    </p:extLst>
-  </p:cSld>
-  <p:clrMapOvr>
-    <a:masterClrMapping/>
-  </p:clrMapOvr>
-  <p:transition spd="slow">
-    <p:wheel spokes="1"/>
-  </p:transition>
-  <p:timing>
-    <p:tnLst>
-      <p:par>
-        <p:cTn id="1" dur="indefinite" restart="never" nodeType="tmRoot"/>
-      </p:par>
-    </p:tnLst>
-  </p:timing>
-</p:sld>
-</file>
-
-<file path=ppt/slides/slide17.xml><?xml version="1.0" encoding="utf-8"?>
-<p:sld xmlns:a="http://schemas.openxmlformats.org/drawingml/2006/main" xmlns:r="http://schemas.openxmlformats.org/officeDocument/2006/relationships" xmlns:p="http://schemas.openxmlformats.org/presentationml/2006/main">
-  <p:cSld>
-    <p:spTree>
-      <p:nvGrpSpPr>
-        <p:cNvPr id="1" name=""/>
-        <p:cNvGrpSpPr/>
-        <p:nvPr/>
-      </p:nvGrpSpPr>
-      <p:grpSpPr>
-        <a:xfrm>
-          <a:off x="0" y="0"/>
-          <a:ext cx="0" cy="0"/>
-          <a:chOff x="0" y="0"/>
-          <a:chExt cx="0" cy="0"/>
-        </a:xfrm>
-      </p:grpSpPr>
-      <p:sp>
-        <p:nvSpPr>
-          <p:cNvPr id="2" name="Titel 1"/>
-          <p:cNvSpPr>
-            <a:spLocks noGrp="1"/>
-          </p:cNvSpPr>
-          <p:nvPr>
-            <p:ph type="title"/>
-          </p:nvPr>
-        </p:nvSpPr>
-        <p:spPr/>
-        <p:txBody>
-          <a:bodyPr/>
-          <a:lstStyle/>
-          <a:p>
-            <a:r>
-              <a:rPr lang="de-DE" dirty="0" smtClean="0">
-                <a:solidFill>
-                  <a:srgbClr val="00B050"/>
-                </a:solidFill>
-                <a:effectLst>
-                  <a:outerShdw blurRad="38100" dist="38100" dir="2700000" algn="tl">
-                    <a:srgbClr val="000000">
-                      <a:alpha val="43137"/>
-                    </a:srgbClr>
-                  </a:outerShdw>
-                </a:effectLst>
-              </a:rPr>
-              <a:t>GFS</a:t>
-            </a:r>
-            <a:r>
-              <a:rPr lang="de-DE" dirty="0" smtClean="0">
-                <a:effectLst>
-                  <a:outerShdw blurRad="38100" dist="38100" dir="2700000" algn="tl">
-                    <a:srgbClr val="000000">
-                      <a:alpha val="43137"/>
-                    </a:srgbClr>
-                  </a:outerShdw>
-                </a:effectLst>
-              </a:rPr>
-              <a:t> </a:t>
-            </a:r>
-            <a:r>
-              <a:rPr lang="de-DE" dirty="0" smtClean="0"/>
-              <a:t>- Workflow</a:t>
-            </a:r>
-            <a:endParaRPr lang="de-DE" dirty="0"/>
-          </a:p>
-        </p:txBody>
-      </p:sp>
-      <p:sp>
-        <p:nvSpPr>
-          <p:cNvPr id="3" name="Inhaltsplatzhalter 2"/>
-          <p:cNvSpPr>
-            <a:spLocks noGrp="1"/>
-          </p:cNvSpPr>
-          <p:nvPr>
-            <p:ph idx="1"/>
-          </p:nvPr>
-        </p:nvSpPr>
-        <p:spPr/>
-        <p:txBody>
-          <a:bodyPr/>
-          <a:lstStyle/>
-          <a:p>
-            <a:endParaRPr lang="de-DE" dirty="0"/>
-          </a:p>
-        </p:txBody>
-      </p:sp>
-      <p:sp>
-        <p:nvSpPr>
-          <p:cNvPr id="4" name="Fußzeilenplatzhalter 3"/>
-          <p:cNvSpPr>
-            <a:spLocks noGrp="1"/>
-          </p:cNvSpPr>
-          <p:nvPr>
-            <p:ph type="ftr" sz="quarter" idx="11"/>
-          </p:nvPr>
-        </p:nvSpPr>
-        <p:spPr/>
-        <p:txBody>
-          <a:bodyPr/>
-          <a:lstStyle/>
-          <a:p>
-            <a:r>
-              <a:rPr lang="de-DE" smtClean="0"/>
-              <a:t>File Systems: GFS vs. Hadoop</a:t>
-            </a:r>
-          </a:p>
-          <a:p>
-            <a:r>
-              <a:rPr lang="de-DE" smtClean="0"/>
-              <a:t>Ciprian Lucaci and Daniel Straub</a:t>
-            </a:r>
-            <a:endParaRPr lang="de-DE" dirty="0"/>
-          </a:p>
-        </p:txBody>
-      </p:sp>
-      <p:sp>
-        <p:nvSpPr>
-          <p:cNvPr id="5" name="Foliennummernplatzhalter 4"/>
-          <p:cNvSpPr>
-            <a:spLocks noGrp="1"/>
-          </p:cNvSpPr>
-          <p:nvPr>
-            <p:ph type="sldNum" sz="quarter" idx="12"/>
-          </p:nvPr>
-        </p:nvSpPr>
-        <p:spPr/>
-        <p:txBody>
-          <a:bodyPr/>
-          <a:lstStyle/>
-          <a:p>
-            <a:fld id="{040C66D9-7A85-4BE2-A0FF-5810B1E5E09A}" type="slidenum">
-              <a:rPr lang="de-DE" smtClean="0"/>
-              <a:t>17</a:t>
-            </a:fld>
-            <a:endParaRPr lang="de-DE" dirty="0"/>
-          </a:p>
-        </p:txBody>
-      </p:sp>
-    </p:spTree>
-    <p:extLst>
-      <p:ext uri="{BB962C8B-B14F-4D97-AF65-F5344CB8AC3E}">
-        <p14:creationId xmlns:p14="http://schemas.microsoft.com/office/powerpoint/2010/main" val="2025899756"/>
-      </p:ext>
-    </p:extLst>
-  </p:cSld>
-  <p:clrMapOvr>
-    <a:masterClrMapping/>
-  </p:clrMapOvr>
-  <p:transition spd="slow">
-    <p:wheel spokes="1"/>
-  </p:transition>
-  <p:timing>
-    <p:tnLst>
-      <p:par>
-        <p:cTn id="1" dur="indefinite" restart="never" nodeType="tmRoot"/>
-      </p:par>
-    </p:tnLst>
-  </p:timing>
-</p:sld>
-</file>
-
-<file path=ppt/slides/slide18.xml><?xml version="1.0" encoding="utf-8"?>
-<p:sld xmlns:a="http://schemas.openxmlformats.org/drawingml/2006/main" xmlns:r="http://schemas.openxmlformats.org/officeDocument/2006/relationships" xmlns:p="http://schemas.openxmlformats.org/presentationml/2006/main">
-  <p:cSld>
-    <p:spTree>
-      <p:nvGrpSpPr>
-        <p:cNvPr id="1" name=""/>
-        <p:cNvGrpSpPr/>
-        <p:nvPr/>
-      </p:nvGrpSpPr>
-      <p:grpSpPr>
-        <a:xfrm>
-          <a:off x="0" y="0"/>
-          <a:ext cx="0" cy="0"/>
-          <a:chOff x="0" y="0"/>
-          <a:chExt cx="0" cy="0"/>
-        </a:xfrm>
-      </p:grpSpPr>
-      <p:sp>
-        <p:nvSpPr>
-          <p:cNvPr id="2" name="Titel 1"/>
-          <p:cNvSpPr>
-            <a:spLocks noGrp="1"/>
-          </p:cNvSpPr>
-          <p:nvPr>
-            <p:ph type="title"/>
-          </p:nvPr>
-        </p:nvSpPr>
-        <p:spPr/>
-        <p:txBody>
-          <a:bodyPr/>
-          <a:lstStyle/>
-          <a:p>
-            <a:r>
-              <a:rPr lang="de-DE" dirty="0" smtClean="0">
-                <a:solidFill>
-                  <a:srgbClr val="00B050"/>
-                </a:solidFill>
-                <a:effectLst>
-                  <a:outerShdw blurRad="38100" dist="38100" dir="2700000" algn="tl">
-                    <a:srgbClr val="000000">
-                      <a:alpha val="43137"/>
-                    </a:srgbClr>
-                  </a:outerShdw>
-                </a:effectLst>
-              </a:rPr>
-              <a:t>GFS</a:t>
-            </a:r>
-            <a:r>
-              <a:rPr lang="de-DE" dirty="0" smtClean="0">
-                <a:effectLst>
-                  <a:outerShdw blurRad="38100" dist="38100" dir="2700000" algn="tl">
-                    <a:srgbClr val="000000">
-                      <a:alpha val="43137"/>
-                    </a:srgbClr>
-                  </a:outerShdw>
-                </a:effectLst>
-              </a:rPr>
-              <a:t> </a:t>
-            </a:r>
-            <a:r>
-              <a:rPr lang="de-DE" dirty="0" smtClean="0"/>
-              <a:t>- </a:t>
-            </a:r>
-            <a:r>
-              <a:rPr lang="de-DE" dirty="0" err="1" smtClean="0"/>
-              <a:t>Purpose</a:t>
-            </a:r>
-            <a:endParaRPr lang="de-DE" dirty="0"/>
-          </a:p>
-        </p:txBody>
-      </p:sp>
-      <p:sp>
-        <p:nvSpPr>
-          <p:cNvPr id="3" name="Inhaltsplatzhalter 2"/>
-          <p:cNvSpPr>
-            <a:spLocks noGrp="1"/>
-          </p:cNvSpPr>
-          <p:nvPr>
-            <p:ph idx="1"/>
-          </p:nvPr>
-        </p:nvSpPr>
-        <p:spPr/>
-        <p:txBody>
-          <a:bodyPr/>
-          <a:lstStyle/>
-          <a:p>
-            <a:endParaRPr lang="de-DE" dirty="0"/>
-          </a:p>
-        </p:txBody>
-      </p:sp>
-      <p:sp>
-        <p:nvSpPr>
-          <p:cNvPr id="4" name="Fußzeilenplatzhalter 3"/>
-          <p:cNvSpPr>
-            <a:spLocks noGrp="1"/>
-          </p:cNvSpPr>
-          <p:nvPr>
-            <p:ph type="ftr" sz="quarter" idx="11"/>
-          </p:nvPr>
-        </p:nvSpPr>
-        <p:spPr/>
-        <p:txBody>
-          <a:bodyPr/>
-          <a:lstStyle/>
-          <a:p>
-            <a:r>
-              <a:rPr lang="de-DE" smtClean="0"/>
-              <a:t>File Systems: GFS vs. Hadoop</a:t>
-            </a:r>
-          </a:p>
-          <a:p>
-            <a:r>
-              <a:rPr lang="de-DE" smtClean="0"/>
-              <a:t>Ciprian Lucaci and Daniel Straub</a:t>
-            </a:r>
-            <a:endParaRPr lang="de-DE" dirty="0"/>
-          </a:p>
-        </p:txBody>
-      </p:sp>
-      <p:sp>
-        <p:nvSpPr>
-          <p:cNvPr id="5" name="Foliennummernplatzhalter 4"/>
-          <p:cNvSpPr>
-            <a:spLocks noGrp="1"/>
-          </p:cNvSpPr>
-          <p:nvPr>
-            <p:ph type="sldNum" sz="quarter" idx="12"/>
-          </p:nvPr>
-        </p:nvSpPr>
-        <p:spPr/>
-        <p:txBody>
-          <a:bodyPr/>
-          <a:lstStyle/>
-          <a:p>
-            <a:fld id="{040C66D9-7A85-4BE2-A0FF-5810B1E5E09A}" type="slidenum">
-              <a:rPr lang="de-DE" smtClean="0"/>
-              <a:t>18</a:t>
-            </a:fld>
-            <a:endParaRPr lang="de-DE" dirty="0"/>
-          </a:p>
-        </p:txBody>
-      </p:sp>
-    </p:spTree>
-    <p:extLst>
-      <p:ext uri="{BB962C8B-B14F-4D97-AF65-F5344CB8AC3E}">
-        <p14:creationId xmlns:p14="http://schemas.microsoft.com/office/powerpoint/2010/main" val="4157981273"/>
-      </p:ext>
-    </p:extLst>
-  </p:cSld>
-  <p:clrMapOvr>
-    <a:masterClrMapping/>
-  </p:clrMapOvr>
-  <p:transition spd="slow">
-    <p:wheel spokes="1"/>
-  </p:transition>
-  <p:timing>
-    <p:tnLst>
-      <p:par>
-        <p:cTn id="1" dur="indefinite" restart="never" nodeType="tmRoot"/>
-      </p:par>
-    </p:tnLst>
-  </p:timing>
-</p:sld>
-</file>
-
-<file path=ppt/slides/slide19.xml><?xml version="1.0" encoding="utf-8"?>
-<p:sld xmlns:a="http://schemas.openxmlformats.org/drawingml/2006/main" xmlns:r="http://schemas.openxmlformats.org/officeDocument/2006/relationships" xmlns:p="http://schemas.openxmlformats.org/presentationml/2006/main">
-  <p:cSld>
-    <p:spTree>
-      <p:nvGrpSpPr>
-        <p:cNvPr id="1" name=""/>
-        <p:cNvGrpSpPr/>
-        <p:nvPr/>
-      </p:nvGrpSpPr>
-      <p:grpSpPr>
-        <a:xfrm>
-          <a:off x="0" y="0"/>
-          <a:ext cx="0" cy="0"/>
-          <a:chOff x="0" y="0"/>
-          <a:chExt cx="0" cy="0"/>
-        </a:xfrm>
-      </p:grpSpPr>
       <p:pic>
         <p:nvPicPr>
-          <p:cNvPr id="10" name="Picture 9"/>
+          <p:cNvPr id="6" name="Picture 5"/>
           <p:cNvPicPr>
             <a:picLocks noChangeAspect="1"/>
           </p:cNvPicPr>
           <p:nvPr/>
         </p:nvPicPr>
         <p:blipFill>
-          <a:blip r:embed="rId3" cstate="print">
+          <a:blip r:embed="rId2" cstate="print">
             <a:extLst>
               <a:ext uri="{28A0092B-C50C-407E-A947-70E740481C1C}">
                 <a14:useLocalDpi xmlns:a14="http://schemas.microsoft.com/office/drawing/2010/main" val="0"/>
@@ -18153,7 +17250,7 @@
         </p:blipFill>
         <p:spPr>
           <a:xfrm>
-            <a:off x="276045" y="365125"/>
+            <a:off x="103716" y="1690688"/>
             <a:ext cx="734484" cy="550863"/>
           </a:xfrm>
           <a:prstGeom prst="rect">
@@ -18161,211 +17258,10 @@
           </a:prstGeom>
         </p:spPr>
       </p:pic>
-      <p:sp>
-        <p:nvSpPr>
-          <p:cNvPr id="2" name="Titel 1"/>
-          <p:cNvSpPr>
-            <a:spLocks noGrp="1"/>
-          </p:cNvSpPr>
-          <p:nvPr>
-            <p:ph type="title"/>
-          </p:nvPr>
-        </p:nvSpPr>
-        <p:spPr/>
-        <p:txBody>
-          <a:bodyPr/>
-          <a:lstStyle/>
-          <a:p>
-            <a:r>
-              <a:rPr lang="de-DE" dirty="0">
-                <a:solidFill>
-                  <a:srgbClr val="00B0F0"/>
-                </a:solidFill>
-                <a:effectLst>
-                  <a:outerShdw blurRad="38100" dist="38100" dir="2700000" algn="tl">
-                    <a:srgbClr val="000000">
-                      <a:alpha val="43137"/>
-                    </a:srgbClr>
-                  </a:outerShdw>
-                </a:effectLst>
-              </a:rPr>
-              <a:t>HDFS </a:t>
-            </a:r>
-            <a:r>
-              <a:rPr lang="de-DE" dirty="0" smtClean="0"/>
-              <a:t>vs. </a:t>
-            </a:r>
-            <a:r>
-              <a:rPr lang="de-DE" dirty="0" smtClean="0">
-                <a:solidFill>
-                  <a:srgbClr val="00B050"/>
-                </a:solidFill>
-                <a:effectLst>
-                  <a:outerShdw blurRad="38100" dist="38100" dir="2700000" algn="tl">
-                    <a:srgbClr val="000000">
-                      <a:alpha val="43137"/>
-                    </a:srgbClr>
-                  </a:outerShdw>
-                </a:effectLst>
-              </a:rPr>
-              <a:t>GFS</a:t>
-            </a:r>
-            <a:r>
-              <a:rPr lang="de-DE" dirty="0" smtClean="0">
-                <a:effectLst>
-                  <a:outerShdw blurRad="38100" dist="38100" dir="2700000" algn="tl">
-                    <a:srgbClr val="000000">
-                      <a:alpha val="43137"/>
-                    </a:srgbClr>
-                  </a:outerShdw>
-                </a:effectLst>
-              </a:rPr>
-              <a:t> </a:t>
-            </a:r>
-            <a:endParaRPr lang="de-DE" dirty="0"/>
-          </a:p>
-        </p:txBody>
-      </p:sp>
-      <p:sp>
-        <p:nvSpPr>
-          <p:cNvPr id="6" name="Textplatzhalter 5"/>
-          <p:cNvSpPr>
-            <a:spLocks noGrp="1"/>
-          </p:cNvSpPr>
-          <p:nvPr>
-            <p:ph type="body" idx="1"/>
-          </p:nvPr>
-        </p:nvSpPr>
-        <p:spPr/>
-        <p:txBody>
-          <a:bodyPr/>
-          <a:lstStyle/>
-          <a:p>
-            <a:r>
-              <a:rPr lang="de-DE" dirty="0" err="1" smtClean="0"/>
-              <a:t>Similarities</a:t>
-            </a:r>
-            <a:endParaRPr lang="de-DE" dirty="0"/>
-          </a:p>
-        </p:txBody>
-      </p:sp>
-      <p:sp>
-        <p:nvSpPr>
-          <p:cNvPr id="7" name="Inhaltsplatzhalter 6"/>
-          <p:cNvSpPr>
-            <a:spLocks noGrp="1"/>
-          </p:cNvSpPr>
-          <p:nvPr>
-            <p:ph sz="half" idx="2"/>
-          </p:nvPr>
-        </p:nvSpPr>
-        <p:spPr/>
-        <p:txBody>
-          <a:bodyPr/>
-          <a:lstStyle/>
-          <a:p>
-            <a:endParaRPr lang="de-DE" dirty="0"/>
-          </a:p>
-        </p:txBody>
-      </p:sp>
-      <p:sp>
-        <p:nvSpPr>
-          <p:cNvPr id="8" name="Textplatzhalter 7"/>
-          <p:cNvSpPr>
-            <a:spLocks noGrp="1"/>
-          </p:cNvSpPr>
-          <p:nvPr>
-            <p:ph type="body" sz="quarter" idx="3"/>
-          </p:nvPr>
-        </p:nvSpPr>
-        <p:spPr/>
-        <p:txBody>
-          <a:bodyPr/>
-          <a:lstStyle/>
-          <a:p>
-            <a:r>
-              <a:rPr lang="de-DE" dirty="0" err="1" smtClean="0"/>
-              <a:t>Differences</a:t>
-            </a:r>
-            <a:endParaRPr lang="de-DE" dirty="0"/>
-          </a:p>
-        </p:txBody>
-      </p:sp>
-      <p:sp>
-        <p:nvSpPr>
-          <p:cNvPr id="9" name="Inhaltsplatzhalter 8"/>
-          <p:cNvSpPr>
-            <a:spLocks noGrp="1"/>
-          </p:cNvSpPr>
-          <p:nvPr>
-            <p:ph sz="quarter" idx="4"/>
-          </p:nvPr>
-        </p:nvSpPr>
-        <p:spPr/>
-        <p:txBody>
-          <a:bodyPr/>
-          <a:lstStyle/>
-          <a:p>
-            <a:endParaRPr lang="de-DE" dirty="0"/>
-          </a:p>
-        </p:txBody>
-      </p:sp>
-      <p:sp>
-        <p:nvSpPr>
-          <p:cNvPr id="4" name="Fußzeilenplatzhalter 3"/>
-          <p:cNvSpPr>
-            <a:spLocks noGrp="1"/>
-          </p:cNvSpPr>
-          <p:nvPr>
-            <p:ph type="ftr" sz="quarter" idx="11"/>
-          </p:nvPr>
-        </p:nvSpPr>
-        <p:spPr/>
-        <p:txBody>
-          <a:bodyPr/>
-          <a:lstStyle/>
-          <a:p>
-            <a:r>
-              <a:rPr lang="de-DE" smtClean="0"/>
-              <a:t>File Systems: GFS vs. Hadoop</a:t>
-            </a:r>
-          </a:p>
-          <a:p>
-            <a:r>
-              <a:rPr lang="de-DE" smtClean="0"/>
-              <a:t>Ciprian Lucaci and Daniel Straub</a:t>
-            </a:r>
-            <a:endParaRPr lang="de-DE" dirty="0"/>
-          </a:p>
-        </p:txBody>
-      </p:sp>
-      <p:sp>
-        <p:nvSpPr>
-          <p:cNvPr id="5" name="Foliennummernplatzhalter 4"/>
-          <p:cNvSpPr>
-            <a:spLocks noGrp="1"/>
-          </p:cNvSpPr>
-          <p:nvPr>
-            <p:ph type="sldNum" sz="quarter" idx="12"/>
-          </p:nvPr>
-        </p:nvSpPr>
-        <p:spPr/>
-        <p:txBody>
-          <a:bodyPr/>
-          <a:lstStyle/>
-          <a:p>
-            <a:fld id="{040C66D9-7A85-4BE2-A0FF-5810B1E5E09A}" type="slidenum">
-              <a:rPr lang="de-DE" smtClean="0"/>
-              <a:t>19</a:t>
-            </a:fld>
-            <a:endParaRPr lang="de-DE" dirty="0"/>
-          </a:p>
-        </p:txBody>
-      </p:sp>
     </p:spTree>
     <p:extLst>
       <p:ext uri="{BB962C8B-B14F-4D97-AF65-F5344CB8AC3E}">
-        <p14:creationId xmlns:p14="http://schemas.microsoft.com/office/powerpoint/2010/main" val="4136378654"/>
+        <p14:creationId xmlns:p14="http://schemas.microsoft.com/office/powerpoint/2010/main" val="4235909735"/>
       </p:ext>
     </p:extLst>
   </p:cSld>
@@ -18873,617 +17769,6 @@
             </p:seq>
           </p:childTnLst>
         </p:cTn>
-      </p:par>
-    </p:tnLst>
-  </p:timing>
-</p:sld>
-</file>
-
-<file path=ppt/slides/slide20.xml><?xml version="1.0" encoding="utf-8"?>
-<p:sld xmlns:a="http://schemas.openxmlformats.org/drawingml/2006/main" xmlns:r="http://schemas.openxmlformats.org/officeDocument/2006/relationships" xmlns:p="http://schemas.openxmlformats.org/presentationml/2006/main">
-  <p:cSld>
-    <p:spTree>
-      <p:nvGrpSpPr>
-        <p:cNvPr id="1" name=""/>
-        <p:cNvGrpSpPr/>
-        <p:nvPr/>
-      </p:nvGrpSpPr>
-      <p:grpSpPr>
-        <a:xfrm>
-          <a:off x="0" y="0"/>
-          <a:ext cx="0" cy="0"/>
-          <a:chOff x="0" y="0"/>
-          <a:chExt cx="0" cy="0"/>
-        </a:xfrm>
-      </p:grpSpPr>
-      <p:pic>
-        <p:nvPicPr>
-          <p:cNvPr id="10" name="Picture 9"/>
-          <p:cNvPicPr>
-            <a:picLocks noChangeAspect="1"/>
-          </p:cNvPicPr>
-          <p:nvPr/>
-        </p:nvPicPr>
-        <p:blipFill>
-          <a:blip r:embed="rId3" cstate="print">
-            <a:extLst>
-              <a:ext uri="{28A0092B-C50C-407E-A947-70E740481C1C}">
-                <a14:useLocalDpi xmlns:a14="http://schemas.microsoft.com/office/drawing/2010/main" val="0"/>
-              </a:ext>
-            </a:extLst>
-          </a:blip>
-          <a:stretch>
-            <a:fillRect/>
-          </a:stretch>
-        </p:blipFill>
-        <p:spPr>
-          <a:xfrm>
-            <a:off x="105304" y="1954212"/>
-            <a:ext cx="734484" cy="550863"/>
-          </a:xfrm>
-          <a:prstGeom prst="rect">
-            <a:avLst/>
-          </a:prstGeom>
-        </p:spPr>
-      </p:pic>
-      <p:sp>
-        <p:nvSpPr>
-          <p:cNvPr id="2" name="Titel 1"/>
-          <p:cNvSpPr>
-            <a:spLocks noGrp="1"/>
-          </p:cNvSpPr>
-          <p:nvPr>
-            <p:ph type="title"/>
-          </p:nvPr>
-        </p:nvSpPr>
-        <p:spPr/>
-        <p:txBody>
-          <a:bodyPr/>
-          <a:lstStyle/>
-          <a:p>
-            <a:r>
-              <a:rPr lang="de-DE" dirty="0" err="1" smtClean="0"/>
-              <a:t>Usage</a:t>
-            </a:r>
-            <a:r>
-              <a:rPr lang="de-DE" dirty="0" smtClean="0"/>
-              <a:t> </a:t>
-            </a:r>
-            <a:r>
-              <a:rPr lang="de-DE" dirty="0" err="1" smtClean="0"/>
-              <a:t>examples</a:t>
-            </a:r>
-            <a:endParaRPr lang="de-DE" dirty="0"/>
-          </a:p>
-        </p:txBody>
-      </p:sp>
-      <p:sp>
-        <p:nvSpPr>
-          <p:cNvPr id="6" name="Textplatzhalter 5"/>
-          <p:cNvSpPr>
-            <a:spLocks noGrp="1"/>
-          </p:cNvSpPr>
-          <p:nvPr>
-            <p:ph type="body" idx="1"/>
-          </p:nvPr>
-        </p:nvSpPr>
-        <p:spPr/>
-        <p:txBody>
-          <a:bodyPr/>
-          <a:lstStyle/>
-          <a:p>
-            <a:r>
-              <a:rPr lang="de-DE" dirty="0">
-                <a:solidFill>
-                  <a:srgbClr val="00B0F0"/>
-                </a:solidFill>
-                <a:effectLst>
-                  <a:outerShdw blurRad="38100" dist="38100" dir="2700000" algn="tl">
-                    <a:srgbClr val="000000">
-                      <a:alpha val="43137"/>
-                    </a:srgbClr>
-                  </a:outerShdw>
-                </a:effectLst>
-              </a:rPr>
-              <a:t>HDFS</a:t>
-            </a:r>
-            <a:endParaRPr lang="de-DE" dirty="0"/>
-          </a:p>
-        </p:txBody>
-      </p:sp>
-      <p:sp>
-        <p:nvSpPr>
-          <p:cNvPr id="7" name="Inhaltsplatzhalter 6"/>
-          <p:cNvSpPr>
-            <a:spLocks noGrp="1"/>
-          </p:cNvSpPr>
-          <p:nvPr>
-            <p:ph sz="half" idx="2"/>
-          </p:nvPr>
-        </p:nvSpPr>
-        <p:spPr/>
-        <p:txBody>
-          <a:bodyPr/>
-          <a:lstStyle/>
-          <a:p>
-            <a:endParaRPr lang="de-DE"/>
-          </a:p>
-        </p:txBody>
-      </p:sp>
-      <p:sp>
-        <p:nvSpPr>
-          <p:cNvPr id="8" name="Textplatzhalter 7"/>
-          <p:cNvSpPr>
-            <a:spLocks noGrp="1"/>
-          </p:cNvSpPr>
-          <p:nvPr>
-            <p:ph type="body" sz="quarter" idx="3"/>
-          </p:nvPr>
-        </p:nvSpPr>
-        <p:spPr/>
-        <p:txBody>
-          <a:bodyPr/>
-          <a:lstStyle/>
-          <a:p>
-            <a:r>
-              <a:rPr lang="de-DE" dirty="0" smtClean="0">
-                <a:solidFill>
-                  <a:srgbClr val="00B050"/>
-                </a:solidFill>
-                <a:effectLst>
-                  <a:outerShdw blurRad="38100" dist="38100" dir="2700000" algn="tl">
-                    <a:srgbClr val="000000">
-                      <a:alpha val="43137"/>
-                    </a:srgbClr>
-                  </a:outerShdw>
-                </a:effectLst>
-              </a:rPr>
-              <a:t>GFS</a:t>
-            </a:r>
-            <a:endParaRPr lang="de-DE" dirty="0"/>
-          </a:p>
-        </p:txBody>
-      </p:sp>
-      <p:sp>
-        <p:nvSpPr>
-          <p:cNvPr id="9" name="Inhaltsplatzhalter 8"/>
-          <p:cNvSpPr>
-            <a:spLocks noGrp="1"/>
-          </p:cNvSpPr>
-          <p:nvPr>
-            <p:ph sz="quarter" idx="4"/>
-          </p:nvPr>
-        </p:nvSpPr>
-        <p:spPr/>
-        <p:txBody>
-          <a:bodyPr/>
-          <a:lstStyle/>
-          <a:p>
-            <a:endParaRPr lang="de-DE" dirty="0"/>
-          </a:p>
-        </p:txBody>
-      </p:sp>
-      <p:sp>
-        <p:nvSpPr>
-          <p:cNvPr id="4" name="Fußzeilenplatzhalter 3"/>
-          <p:cNvSpPr>
-            <a:spLocks noGrp="1"/>
-          </p:cNvSpPr>
-          <p:nvPr>
-            <p:ph type="ftr" sz="quarter" idx="11"/>
-          </p:nvPr>
-        </p:nvSpPr>
-        <p:spPr/>
-        <p:txBody>
-          <a:bodyPr/>
-          <a:lstStyle/>
-          <a:p>
-            <a:r>
-              <a:rPr lang="de-DE" smtClean="0"/>
-              <a:t>File Systems: GFS vs. Hadoop</a:t>
-            </a:r>
-          </a:p>
-          <a:p>
-            <a:r>
-              <a:rPr lang="de-DE" smtClean="0"/>
-              <a:t>Ciprian Lucaci and Daniel Straub</a:t>
-            </a:r>
-            <a:endParaRPr lang="de-DE" dirty="0"/>
-          </a:p>
-        </p:txBody>
-      </p:sp>
-      <p:sp>
-        <p:nvSpPr>
-          <p:cNvPr id="5" name="Foliennummernplatzhalter 4"/>
-          <p:cNvSpPr>
-            <a:spLocks noGrp="1"/>
-          </p:cNvSpPr>
-          <p:nvPr>
-            <p:ph type="sldNum" sz="quarter" idx="12"/>
-          </p:nvPr>
-        </p:nvSpPr>
-        <p:spPr/>
-        <p:txBody>
-          <a:bodyPr/>
-          <a:lstStyle/>
-          <a:p>
-            <a:fld id="{040C66D9-7A85-4BE2-A0FF-5810B1E5E09A}" type="slidenum">
-              <a:rPr lang="de-DE" smtClean="0"/>
-              <a:t>20</a:t>
-            </a:fld>
-            <a:endParaRPr lang="de-DE" dirty="0"/>
-          </a:p>
-        </p:txBody>
-      </p:sp>
-    </p:spTree>
-    <p:extLst>
-      <p:ext uri="{BB962C8B-B14F-4D97-AF65-F5344CB8AC3E}">
-        <p14:creationId xmlns:p14="http://schemas.microsoft.com/office/powerpoint/2010/main" val="3871792151"/>
-      </p:ext>
-    </p:extLst>
-  </p:cSld>
-  <p:clrMapOvr>
-    <a:masterClrMapping/>
-  </p:clrMapOvr>
-  <p:transition spd="slow">
-    <p:wheel spokes="1"/>
-  </p:transition>
-  <p:timing>
-    <p:tnLst>
-      <p:par>
-        <p:cTn id="1" dur="indefinite" restart="never" nodeType="tmRoot"/>
-      </p:par>
-    </p:tnLst>
-  </p:timing>
-</p:sld>
-</file>
-
-<file path=ppt/slides/slide21.xml><?xml version="1.0" encoding="utf-8"?>
-<p:sld xmlns:a="http://schemas.openxmlformats.org/drawingml/2006/main" xmlns:r="http://schemas.openxmlformats.org/officeDocument/2006/relationships" xmlns:p="http://schemas.openxmlformats.org/presentationml/2006/main">
-  <p:cSld>
-    <p:spTree>
-      <p:nvGrpSpPr>
-        <p:cNvPr id="1" name=""/>
-        <p:cNvGrpSpPr/>
-        <p:nvPr/>
-      </p:nvGrpSpPr>
-      <p:grpSpPr>
-        <a:xfrm>
-          <a:off x="0" y="0"/>
-          <a:ext cx="0" cy="0"/>
-          <a:chOff x="0" y="0"/>
-          <a:chExt cx="0" cy="0"/>
-        </a:xfrm>
-      </p:grpSpPr>
-      <p:sp>
-        <p:nvSpPr>
-          <p:cNvPr id="2" name="Titel 1"/>
-          <p:cNvSpPr>
-            <a:spLocks noGrp="1"/>
-          </p:cNvSpPr>
-          <p:nvPr>
-            <p:ph type="title"/>
-          </p:nvPr>
-        </p:nvSpPr>
-        <p:spPr/>
-        <p:txBody>
-          <a:bodyPr/>
-          <a:lstStyle/>
-          <a:p>
-            <a:r>
-              <a:rPr lang="de-DE" dirty="0" err="1" smtClean="0"/>
-              <a:t>Conclusion</a:t>
-            </a:r>
-            <a:endParaRPr lang="de-DE" dirty="0"/>
-          </a:p>
-        </p:txBody>
-      </p:sp>
-      <p:sp>
-        <p:nvSpPr>
-          <p:cNvPr id="3" name="Inhaltsplatzhalter 2"/>
-          <p:cNvSpPr>
-            <a:spLocks noGrp="1"/>
-          </p:cNvSpPr>
-          <p:nvPr>
-            <p:ph idx="1"/>
-          </p:nvPr>
-        </p:nvSpPr>
-        <p:spPr/>
-        <p:txBody>
-          <a:bodyPr/>
-          <a:lstStyle/>
-          <a:p>
-            <a:endParaRPr lang="de-DE" dirty="0"/>
-          </a:p>
-        </p:txBody>
-      </p:sp>
-      <p:sp>
-        <p:nvSpPr>
-          <p:cNvPr id="4" name="Fußzeilenplatzhalter 3"/>
-          <p:cNvSpPr>
-            <a:spLocks noGrp="1"/>
-          </p:cNvSpPr>
-          <p:nvPr>
-            <p:ph type="ftr" sz="quarter" idx="11"/>
-          </p:nvPr>
-        </p:nvSpPr>
-        <p:spPr/>
-        <p:txBody>
-          <a:bodyPr/>
-          <a:lstStyle/>
-          <a:p>
-            <a:r>
-              <a:rPr lang="de-DE" smtClean="0"/>
-              <a:t>File Systems: GFS vs. Hadoop</a:t>
-            </a:r>
-          </a:p>
-          <a:p>
-            <a:r>
-              <a:rPr lang="de-DE" smtClean="0"/>
-              <a:t>Ciprian Lucaci and Daniel Straub</a:t>
-            </a:r>
-            <a:endParaRPr lang="de-DE" dirty="0"/>
-          </a:p>
-        </p:txBody>
-      </p:sp>
-      <p:sp>
-        <p:nvSpPr>
-          <p:cNvPr id="5" name="Foliennummernplatzhalter 4"/>
-          <p:cNvSpPr>
-            <a:spLocks noGrp="1"/>
-          </p:cNvSpPr>
-          <p:nvPr>
-            <p:ph type="sldNum" sz="quarter" idx="12"/>
-          </p:nvPr>
-        </p:nvSpPr>
-        <p:spPr/>
-        <p:txBody>
-          <a:bodyPr/>
-          <a:lstStyle/>
-          <a:p>
-            <a:fld id="{040C66D9-7A85-4BE2-A0FF-5810B1E5E09A}" type="slidenum">
-              <a:rPr lang="de-DE" smtClean="0"/>
-              <a:t>21</a:t>
-            </a:fld>
-            <a:endParaRPr lang="de-DE" dirty="0"/>
-          </a:p>
-        </p:txBody>
-      </p:sp>
-    </p:spTree>
-    <p:extLst>
-      <p:ext uri="{BB962C8B-B14F-4D97-AF65-F5344CB8AC3E}">
-        <p14:creationId xmlns:p14="http://schemas.microsoft.com/office/powerpoint/2010/main" val="1244465175"/>
-      </p:ext>
-    </p:extLst>
-  </p:cSld>
-  <p:clrMapOvr>
-    <a:masterClrMapping/>
-  </p:clrMapOvr>
-  <p:transition spd="slow">
-    <p:wheel spokes="1"/>
-  </p:transition>
-  <p:timing>
-    <p:tnLst>
-      <p:par>
-        <p:cTn id="1" dur="indefinite" restart="never" nodeType="tmRoot"/>
-      </p:par>
-    </p:tnLst>
-  </p:timing>
-</p:sld>
-</file>
-
-<file path=ppt/slides/slide22.xml><?xml version="1.0" encoding="utf-8"?>
-<p:sld xmlns:a="http://schemas.openxmlformats.org/drawingml/2006/main" xmlns:r="http://schemas.openxmlformats.org/officeDocument/2006/relationships" xmlns:p="http://schemas.openxmlformats.org/presentationml/2006/main">
-  <p:cSld>
-    <p:spTree>
-      <p:nvGrpSpPr>
-        <p:cNvPr id="1" name=""/>
-        <p:cNvGrpSpPr/>
-        <p:nvPr/>
-      </p:nvGrpSpPr>
-      <p:grpSpPr>
-        <a:xfrm>
-          <a:off x="0" y="0"/>
-          <a:ext cx="0" cy="0"/>
-          <a:chOff x="0" y="0"/>
-          <a:chExt cx="0" cy="0"/>
-        </a:xfrm>
-      </p:grpSpPr>
-      <p:sp>
-        <p:nvSpPr>
-          <p:cNvPr id="2" name="Titel 1"/>
-          <p:cNvSpPr>
-            <a:spLocks noGrp="1"/>
-          </p:cNvSpPr>
-          <p:nvPr>
-            <p:ph type="title"/>
-          </p:nvPr>
-        </p:nvSpPr>
-        <p:spPr/>
-        <p:txBody>
-          <a:bodyPr/>
-          <a:lstStyle/>
-          <a:p>
-            <a:r>
-              <a:rPr lang="de-DE" dirty="0" smtClean="0"/>
-              <a:t>References</a:t>
-            </a:r>
-            <a:endParaRPr lang="de-DE" dirty="0"/>
-          </a:p>
-        </p:txBody>
-      </p:sp>
-      <p:sp>
-        <p:nvSpPr>
-          <p:cNvPr id="3" name="Inhaltsplatzhalter 2"/>
-          <p:cNvSpPr>
-            <a:spLocks noGrp="1"/>
-          </p:cNvSpPr>
-          <p:nvPr>
-            <p:ph idx="1"/>
-          </p:nvPr>
-        </p:nvSpPr>
-        <p:spPr/>
-        <p:txBody>
-          <a:bodyPr/>
-          <a:lstStyle/>
-          <a:p>
-            <a:r>
-              <a:rPr lang="de-DE" dirty="0">
-                <a:solidFill>
-                  <a:srgbClr val="00B0F0"/>
-                </a:solidFill>
-                <a:effectLst>
-                  <a:outerShdw blurRad="38100" dist="38100" dir="2700000" algn="tl">
-                    <a:srgbClr val="000000">
-                      <a:alpha val="43137"/>
-                    </a:srgbClr>
-                  </a:outerShdw>
-                </a:effectLst>
-              </a:rPr>
-              <a:t>HDFS</a:t>
-            </a:r>
-            <a:endParaRPr lang="de-DE" dirty="0" smtClean="0"/>
-          </a:p>
-          <a:p>
-            <a:pPr lvl="1"/>
-            <a:r>
-              <a:rPr lang="de-DE" dirty="0" smtClean="0"/>
-              <a:t>s</a:t>
-            </a:r>
-            <a:endParaRPr lang="de-DE" dirty="0"/>
-          </a:p>
-          <a:p>
-            <a:endParaRPr lang="de-DE" dirty="0" smtClean="0"/>
-          </a:p>
-          <a:p>
-            <a:endParaRPr lang="de-DE" dirty="0" smtClean="0"/>
-          </a:p>
-          <a:p>
-            <a:r>
-              <a:rPr lang="de-DE" dirty="0" smtClean="0">
-                <a:solidFill>
-                  <a:srgbClr val="00B050"/>
-                </a:solidFill>
-                <a:effectLst>
-                  <a:outerShdw blurRad="38100" dist="38100" dir="2700000" algn="tl">
-                    <a:srgbClr val="000000">
-                      <a:alpha val="43137"/>
-                    </a:srgbClr>
-                  </a:outerShdw>
-                </a:effectLst>
-              </a:rPr>
-              <a:t>GFS</a:t>
-            </a:r>
-            <a:endParaRPr lang="de-DE" dirty="0" smtClean="0"/>
-          </a:p>
-          <a:p>
-            <a:pPr lvl="1"/>
-            <a:r>
-              <a:rPr lang="de-DE" dirty="0"/>
-              <a:t>s</a:t>
-            </a:r>
-          </a:p>
-        </p:txBody>
-      </p:sp>
-      <p:sp>
-        <p:nvSpPr>
-          <p:cNvPr id="4" name="Fußzeilenplatzhalter 3"/>
-          <p:cNvSpPr>
-            <a:spLocks noGrp="1"/>
-          </p:cNvSpPr>
-          <p:nvPr>
-            <p:ph type="ftr" sz="quarter" idx="11"/>
-          </p:nvPr>
-        </p:nvSpPr>
-        <p:spPr/>
-        <p:txBody>
-          <a:bodyPr/>
-          <a:lstStyle/>
-          <a:p>
-            <a:r>
-              <a:rPr lang="de-DE" smtClean="0"/>
-              <a:t>File Systems: GFS vs. Hadoop</a:t>
-            </a:r>
-          </a:p>
-          <a:p>
-            <a:r>
-              <a:rPr lang="de-DE" smtClean="0"/>
-              <a:t>Ciprian Lucaci and Daniel Straub</a:t>
-            </a:r>
-            <a:endParaRPr lang="de-DE" dirty="0"/>
-          </a:p>
-        </p:txBody>
-      </p:sp>
-      <p:sp>
-        <p:nvSpPr>
-          <p:cNvPr id="5" name="Foliennummernplatzhalter 4"/>
-          <p:cNvSpPr>
-            <a:spLocks noGrp="1"/>
-          </p:cNvSpPr>
-          <p:nvPr>
-            <p:ph type="sldNum" sz="quarter" idx="12"/>
-          </p:nvPr>
-        </p:nvSpPr>
-        <p:spPr/>
-        <p:txBody>
-          <a:bodyPr/>
-          <a:lstStyle/>
-          <a:p>
-            <a:fld id="{040C66D9-7A85-4BE2-A0FF-5810B1E5E09A}" type="slidenum">
-              <a:rPr lang="de-DE" smtClean="0"/>
-              <a:t>22</a:t>
-            </a:fld>
-            <a:endParaRPr lang="de-DE" dirty="0"/>
-          </a:p>
-        </p:txBody>
-      </p:sp>
-      <p:pic>
-        <p:nvPicPr>
-          <p:cNvPr id="6" name="Picture 5"/>
-          <p:cNvPicPr>
-            <a:picLocks noChangeAspect="1"/>
-          </p:cNvPicPr>
-          <p:nvPr/>
-        </p:nvPicPr>
-        <p:blipFill>
-          <a:blip r:embed="rId2" cstate="print">
-            <a:extLst>
-              <a:ext uri="{28A0092B-C50C-407E-A947-70E740481C1C}">
-                <a14:useLocalDpi xmlns:a14="http://schemas.microsoft.com/office/drawing/2010/main" val="0"/>
-              </a:ext>
-            </a:extLst>
-          </a:blip>
-          <a:stretch>
-            <a:fillRect/>
-          </a:stretch>
-        </p:blipFill>
-        <p:spPr>
-          <a:xfrm>
-            <a:off x="103716" y="1690688"/>
-            <a:ext cx="734484" cy="550863"/>
-          </a:xfrm>
-          <a:prstGeom prst="rect">
-            <a:avLst/>
-          </a:prstGeom>
-        </p:spPr>
-      </p:pic>
-    </p:spTree>
-    <p:extLst>
-      <p:ext uri="{BB962C8B-B14F-4D97-AF65-F5344CB8AC3E}">
-        <p14:creationId xmlns:p14="http://schemas.microsoft.com/office/powerpoint/2010/main" val="4235909735"/>
-      </p:ext>
-    </p:extLst>
-  </p:cSld>
-  <p:clrMapOvr>
-    <a:masterClrMapping/>
-  </p:clrMapOvr>
-  <p:transition spd="slow">
-    <p:wheel spokes="1"/>
-  </p:transition>
-  <p:timing>
-    <p:tnLst>
-      <p:par>
-        <p:cTn id="1" dur="indefinite" restart="never" nodeType="tmRoot"/>
       </p:par>
     </p:tnLst>
   </p:timing>

--- a/Presentation/DistributedFileSystems_Cipri.pptx
+++ b/Presentation/DistributedFileSystems_Cipri.pptx
@@ -5,25 +5,27 @@
     <p:sldMasterId id="2147483648" r:id="rId1"/>
   </p:sldMasterIdLst>
   <p:notesMasterIdLst>
-    <p:notesMasterId r:id="rId18"/>
+    <p:notesMasterId r:id="rId20"/>
   </p:notesMasterIdLst>
   <p:sldIdLst>
     <p:sldId id="284" r:id="rId2"/>
     <p:sldId id="267" r:id="rId3"/>
     <p:sldId id="269" r:id="rId4"/>
-    <p:sldId id="270" r:id="rId5"/>
-    <p:sldId id="282" r:id="rId6"/>
+    <p:sldId id="286" r:id="rId5"/>
+    <p:sldId id="270" r:id="rId6"/>
     <p:sldId id="271" r:id="rId7"/>
-    <p:sldId id="272" r:id="rId8"/>
-    <p:sldId id="274" r:id="rId9"/>
-    <p:sldId id="273" r:id="rId10"/>
-    <p:sldId id="275" r:id="rId11"/>
-    <p:sldId id="278" r:id="rId12"/>
+    <p:sldId id="287" r:id="rId8"/>
+    <p:sldId id="272" r:id="rId9"/>
+    <p:sldId id="274" r:id="rId10"/>
+    <p:sldId id="273" r:id="rId11"/>
+    <p:sldId id="275" r:id="rId12"/>
     <p:sldId id="279" r:id="rId13"/>
-    <p:sldId id="283" r:id="rId14"/>
-    <p:sldId id="285" r:id="rId15"/>
-    <p:sldId id="277" r:id="rId16"/>
-    <p:sldId id="266" r:id="rId17"/>
+    <p:sldId id="278" r:id="rId14"/>
+    <p:sldId id="283" r:id="rId15"/>
+    <p:sldId id="285" r:id="rId16"/>
+    <p:sldId id="288" r:id="rId17"/>
+    <p:sldId id="277" r:id="rId18"/>
+    <p:sldId id="266" r:id="rId19"/>
   </p:sldIdLst>
   <p:sldSz cx="12192000" cy="6858000"/>
   <p:notesSz cx="6858000" cy="9144000"/>
@@ -212,7 +214,7 @@
           <a:p>
             <a:fld id="{78BE29F3-6F59-4618-8DD2-3442BAF97DCD}" type="datetimeFigureOut">
               <a:rPr lang="de-DE" smtClean="0"/>
-              <a:t>22.04.2015</a:t>
+              <a:t>04.05.2015</a:t>
             </a:fld>
             <a:endParaRPr lang="de-DE"/>
           </a:p>
@@ -638,7 +640,7 @@
     </p:spTree>
     <p:extLst>
       <p:ext uri="{BB962C8B-B14F-4D97-AF65-F5344CB8AC3E}">
-        <p14:creationId xmlns:p14="http://schemas.microsoft.com/office/powerpoint/2010/main" val="3307249815"/>
+        <p14:creationId xmlns:p14="http://schemas.microsoft.com/office/powerpoint/2010/main" val="696561299"/>
       </p:ext>
     </p:extLst>
   </p:cSld>
@@ -722,7 +724,7 @@
     </p:spTree>
     <p:extLst>
       <p:ext uri="{BB962C8B-B14F-4D97-AF65-F5344CB8AC3E}">
-        <p14:creationId xmlns:p14="http://schemas.microsoft.com/office/powerpoint/2010/main" val="2136102008"/>
+        <p14:creationId xmlns:p14="http://schemas.microsoft.com/office/powerpoint/2010/main" val="3307249815"/>
       </p:ext>
     </p:extLst>
   </p:cSld>
@@ -890,7 +892,7 @@
     </p:spTree>
     <p:extLst>
       <p:ext uri="{BB962C8B-B14F-4D97-AF65-F5344CB8AC3E}">
-        <p14:creationId xmlns:p14="http://schemas.microsoft.com/office/powerpoint/2010/main" val="1376126469"/>
+        <p14:creationId xmlns:p14="http://schemas.microsoft.com/office/powerpoint/2010/main" val="2136102008"/>
       </p:ext>
     </p:extLst>
   </p:cSld>
@@ -974,7 +976,7 @@
     </p:spTree>
     <p:extLst>
       <p:ext uri="{BB962C8B-B14F-4D97-AF65-F5344CB8AC3E}">
-        <p14:creationId xmlns:p14="http://schemas.microsoft.com/office/powerpoint/2010/main" val="1225411323"/>
+        <p14:creationId xmlns:p14="http://schemas.microsoft.com/office/powerpoint/2010/main" val="1376126469"/>
       </p:ext>
     </p:extLst>
   </p:cSld>
@@ -1028,7 +1030,7 @@
           <a:bodyPr/>
           <a:lstStyle/>
           <a:p>
-            <a:endParaRPr lang="de-DE" dirty="0"/>
+            <a:endParaRPr lang="de-DE"/>
           </a:p>
         </p:txBody>
       </p:sp>
@@ -1050,6 +1052,174 @@
             <a:fld id="{05D483A0-A07F-4EB6-885A-09B34B74D24D}" type="slidenum">
               <a:rPr lang="de-DE" smtClean="0"/>
               <a:t>15</a:t>
+            </a:fld>
+            <a:endParaRPr lang="de-DE"/>
+          </a:p>
+        </p:txBody>
+      </p:sp>
+    </p:spTree>
+    <p:extLst>
+      <p:ext uri="{BB962C8B-B14F-4D97-AF65-F5344CB8AC3E}">
+        <p14:creationId xmlns:p14="http://schemas.microsoft.com/office/powerpoint/2010/main" val="1225411323"/>
+      </p:ext>
+    </p:extLst>
+  </p:cSld>
+  <p:clrMapOvr>
+    <a:masterClrMapping/>
+  </p:clrMapOvr>
+</p:notes>
+</file>
+
+<file path=ppt/notesSlides/notesSlide16.xml><?xml version="1.0" encoding="utf-8"?>
+<p:notes xmlns:a="http://schemas.openxmlformats.org/drawingml/2006/main" xmlns:r="http://schemas.openxmlformats.org/officeDocument/2006/relationships" xmlns:p="http://schemas.openxmlformats.org/presentationml/2006/main">
+  <p:cSld>
+    <p:spTree>
+      <p:nvGrpSpPr>
+        <p:cNvPr id="1" name=""/>
+        <p:cNvGrpSpPr/>
+        <p:nvPr/>
+      </p:nvGrpSpPr>
+      <p:grpSpPr>
+        <a:xfrm>
+          <a:off x="0" y="0"/>
+          <a:ext cx="0" cy="0"/>
+          <a:chOff x="0" y="0"/>
+          <a:chExt cx="0" cy="0"/>
+        </a:xfrm>
+      </p:grpSpPr>
+      <p:sp>
+        <p:nvSpPr>
+          <p:cNvPr id="2" name="Folienbildplatzhalter 1"/>
+          <p:cNvSpPr>
+            <a:spLocks noGrp="1" noRot="1" noChangeAspect="1"/>
+          </p:cNvSpPr>
+          <p:nvPr>
+            <p:ph type="sldImg"/>
+          </p:nvPr>
+        </p:nvSpPr>
+        <p:spPr/>
+      </p:sp>
+      <p:sp>
+        <p:nvSpPr>
+          <p:cNvPr id="3" name="Notizenplatzhalter 2"/>
+          <p:cNvSpPr>
+            <a:spLocks noGrp="1"/>
+          </p:cNvSpPr>
+          <p:nvPr>
+            <p:ph type="body" idx="1"/>
+          </p:nvPr>
+        </p:nvSpPr>
+        <p:spPr/>
+        <p:txBody>
+          <a:bodyPr/>
+          <a:lstStyle/>
+          <a:p>
+            <a:endParaRPr lang="de-DE"/>
+          </a:p>
+        </p:txBody>
+      </p:sp>
+      <p:sp>
+        <p:nvSpPr>
+          <p:cNvPr id="4" name="Foliennummernplatzhalter 3"/>
+          <p:cNvSpPr>
+            <a:spLocks noGrp="1"/>
+          </p:cNvSpPr>
+          <p:nvPr>
+            <p:ph type="sldNum" sz="quarter" idx="10"/>
+          </p:nvPr>
+        </p:nvSpPr>
+        <p:spPr/>
+        <p:txBody>
+          <a:bodyPr/>
+          <a:lstStyle/>
+          <a:p>
+            <a:fld id="{05D483A0-A07F-4EB6-885A-09B34B74D24D}" type="slidenum">
+              <a:rPr lang="de-DE" smtClean="0"/>
+              <a:t>16</a:t>
+            </a:fld>
+            <a:endParaRPr lang="de-DE"/>
+          </a:p>
+        </p:txBody>
+      </p:sp>
+    </p:spTree>
+    <p:extLst>
+      <p:ext uri="{BB962C8B-B14F-4D97-AF65-F5344CB8AC3E}">
+        <p14:creationId xmlns:p14="http://schemas.microsoft.com/office/powerpoint/2010/main" val="2724702828"/>
+      </p:ext>
+    </p:extLst>
+  </p:cSld>
+  <p:clrMapOvr>
+    <a:masterClrMapping/>
+  </p:clrMapOvr>
+</p:notes>
+</file>
+
+<file path=ppt/notesSlides/notesSlide17.xml><?xml version="1.0" encoding="utf-8"?>
+<p:notes xmlns:a="http://schemas.openxmlformats.org/drawingml/2006/main" xmlns:r="http://schemas.openxmlformats.org/officeDocument/2006/relationships" xmlns:p="http://schemas.openxmlformats.org/presentationml/2006/main">
+  <p:cSld>
+    <p:spTree>
+      <p:nvGrpSpPr>
+        <p:cNvPr id="1" name=""/>
+        <p:cNvGrpSpPr/>
+        <p:nvPr/>
+      </p:nvGrpSpPr>
+      <p:grpSpPr>
+        <a:xfrm>
+          <a:off x="0" y="0"/>
+          <a:ext cx="0" cy="0"/>
+          <a:chOff x="0" y="0"/>
+          <a:chExt cx="0" cy="0"/>
+        </a:xfrm>
+      </p:grpSpPr>
+      <p:sp>
+        <p:nvSpPr>
+          <p:cNvPr id="2" name="Folienbildplatzhalter 1"/>
+          <p:cNvSpPr>
+            <a:spLocks noGrp="1" noRot="1" noChangeAspect="1"/>
+          </p:cNvSpPr>
+          <p:nvPr>
+            <p:ph type="sldImg"/>
+          </p:nvPr>
+        </p:nvSpPr>
+        <p:spPr/>
+      </p:sp>
+      <p:sp>
+        <p:nvSpPr>
+          <p:cNvPr id="3" name="Notizenplatzhalter 2"/>
+          <p:cNvSpPr>
+            <a:spLocks noGrp="1"/>
+          </p:cNvSpPr>
+          <p:nvPr>
+            <p:ph type="body" idx="1"/>
+          </p:nvPr>
+        </p:nvSpPr>
+        <p:spPr/>
+        <p:txBody>
+          <a:bodyPr/>
+          <a:lstStyle/>
+          <a:p>
+            <a:endParaRPr lang="de-DE" dirty="0"/>
+          </a:p>
+        </p:txBody>
+      </p:sp>
+      <p:sp>
+        <p:nvSpPr>
+          <p:cNvPr id="4" name="Foliennummernplatzhalter 3"/>
+          <p:cNvSpPr>
+            <a:spLocks noGrp="1"/>
+          </p:cNvSpPr>
+          <p:nvPr>
+            <p:ph type="sldNum" sz="quarter" idx="10"/>
+          </p:nvPr>
+        </p:nvSpPr>
+        <p:spPr/>
+        <p:txBody>
+          <a:bodyPr/>
+          <a:lstStyle/>
+          <a:p>
+            <a:fld id="{05D483A0-A07F-4EB6-885A-09B34B74D24D}" type="slidenum">
+              <a:rPr lang="de-DE" smtClean="0"/>
+              <a:t>17</a:t>
             </a:fld>
             <a:endParaRPr lang="de-DE"/>
           </a:p>
@@ -1310,7 +1480,7 @@
     </p:spTree>
     <p:extLst>
       <p:ext uri="{BB962C8B-B14F-4D97-AF65-F5344CB8AC3E}">
-        <p14:creationId xmlns:p14="http://schemas.microsoft.com/office/powerpoint/2010/main" val="4102248721"/>
+        <p14:creationId xmlns:p14="http://schemas.microsoft.com/office/powerpoint/2010/main" val="1982682837"/>
       </p:ext>
     </p:extLst>
   </p:cSld>
@@ -1394,7 +1564,7 @@
     </p:spTree>
     <p:extLst>
       <p:ext uri="{BB962C8B-B14F-4D97-AF65-F5344CB8AC3E}">
-        <p14:creationId xmlns:p14="http://schemas.microsoft.com/office/powerpoint/2010/main" val="1507591581"/>
+        <p14:creationId xmlns:p14="http://schemas.microsoft.com/office/powerpoint/2010/main" val="4102248721"/>
       </p:ext>
     </p:extLst>
   </p:cSld>
@@ -1532,7 +1702,7 @@
           <a:bodyPr/>
           <a:lstStyle/>
           <a:p>
-            <a:endParaRPr lang="de-DE" dirty="0"/>
+            <a:endParaRPr lang="de-DE"/>
           </a:p>
         </p:txBody>
       </p:sp>
@@ -1562,7 +1732,7 @@
     </p:spTree>
     <p:extLst>
       <p:ext uri="{BB962C8B-B14F-4D97-AF65-F5344CB8AC3E}">
-        <p14:creationId xmlns:p14="http://schemas.microsoft.com/office/powerpoint/2010/main" val="2081092815"/>
+        <p14:creationId xmlns:p14="http://schemas.microsoft.com/office/powerpoint/2010/main" val="798703436"/>
       </p:ext>
     </p:extLst>
   </p:cSld>
@@ -1616,7 +1786,7 @@
           <a:bodyPr/>
           <a:lstStyle/>
           <a:p>
-            <a:endParaRPr lang="de-DE"/>
+            <a:endParaRPr lang="de-DE" dirty="0"/>
           </a:p>
         </p:txBody>
       </p:sp>
@@ -1646,7 +1816,7 @@
     </p:spTree>
     <p:extLst>
       <p:ext uri="{BB962C8B-B14F-4D97-AF65-F5344CB8AC3E}">
-        <p14:creationId xmlns:p14="http://schemas.microsoft.com/office/powerpoint/2010/main" val="3442883449"/>
+        <p14:creationId xmlns:p14="http://schemas.microsoft.com/office/powerpoint/2010/main" val="2081092815"/>
       </p:ext>
     </p:extLst>
   </p:cSld>
@@ -1730,7 +1900,7 @@
     </p:spTree>
     <p:extLst>
       <p:ext uri="{BB962C8B-B14F-4D97-AF65-F5344CB8AC3E}">
-        <p14:creationId xmlns:p14="http://schemas.microsoft.com/office/powerpoint/2010/main" val="696561299"/>
+        <p14:creationId xmlns:p14="http://schemas.microsoft.com/office/powerpoint/2010/main" val="3442883449"/>
       </p:ext>
     </p:extLst>
   </p:cSld>
@@ -5104,6 +5274,1448 @@
       </p:grpSpPr>
       <p:pic>
         <p:nvPicPr>
+          <p:cNvPr id="48" name="Picture 47"/>
+          <p:cNvPicPr>
+            <a:picLocks noChangeAspect="1"/>
+          </p:cNvPicPr>
+          <p:nvPr/>
+        </p:nvPicPr>
+        <p:blipFill>
+          <a:blip r:embed="rId3" cstate="print">
+            <a:extLst>
+              <a:ext uri="{28A0092B-C50C-407E-A947-70E740481C1C}">
+                <a14:useLocalDpi xmlns:a14="http://schemas.microsoft.com/office/drawing/2010/main" val="0"/>
+              </a:ext>
+            </a:extLst>
+          </a:blip>
+          <a:stretch>
+            <a:fillRect/>
+          </a:stretch>
+        </p:blipFill>
+        <p:spPr>
+          <a:xfrm>
+            <a:off x="276045" y="365125"/>
+            <a:ext cx="734484" cy="550863"/>
+          </a:xfrm>
+          <a:prstGeom prst="rect">
+            <a:avLst/>
+          </a:prstGeom>
+        </p:spPr>
+      </p:pic>
+      <p:sp>
+        <p:nvSpPr>
+          <p:cNvPr id="2" name="Titel 1"/>
+          <p:cNvSpPr>
+            <a:spLocks noGrp="1"/>
+          </p:cNvSpPr>
+          <p:nvPr>
+            <p:ph type="title"/>
+          </p:nvPr>
+        </p:nvSpPr>
+        <p:spPr/>
+        <p:txBody>
+          <a:bodyPr/>
+          <a:lstStyle/>
+          <a:p>
+            <a:r>
+              <a:rPr lang="de-DE" dirty="0">
+                <a:solidFill>
+                  <a:srgbClr val="00B0F0"/>
+                </a:solidFill>
+                <a:effectLst>
+                  <a:outerShdw blurRad="38100" dist="38100" dir="2700000" algn="tl">
+                    <a:srgbClr val="000000">
+                      <a:alpha val="43137"/>
+                    </a:srgbClr>
+                  </a:outerShdw>
+                </a:effectLst>
+              </a:rPr>
+              <a:t>HDFS </a:t>
+            </a:r>
+            <a:r>
+              <a:rPr lang="de-DE" dirty="0" smtClean="0"/>
+              <a:t>- </a:t>
+            </a:r>
+            <a:r>
+              <a:rPr lang="en-US" dirty="0"/>
+              <a:t>Architecture</a:t>
+            </a:r>
+            <a:endParaRPr lang="de-DE" dirty="0"/>
+          </a:p>
+        </p:txBody>
+      </p:sp>
+      <p:sp>
+        <p:nvSpPr>
+          <p:cNvPr id="3" name="Inhaltsplatzhalter 2"/>
+          <p:cNvSpPr>
+            <a:spLocks noGrp="1"/>
+          </p:cNvSpPr>
+          <p:nvPr>
+            <p:ph idx="1"/>
+          </p:nvPr>
+        </p:nvSpPr>
+        <p:spPr/>
+        <p:txBody>
+          <a:bodyPr/>
+          <a:lstStyle/>
+          <a:p>
+            <a:r>
+              <a:rPr lang="en-US" dirty="0">
+                <a:solidFill>
+                  <a:schemeClr val="bg2">
+                    <a:lumMod val="90000"/>
+                  </a:schemeClr>
+                </a:solidFill>
+              </a:rPr>
+              <a:t>Blocks</a:t>
+            </a:r>
+          </a:p>
+          <a:p>
+            <a:r>
+              <a:rPr lang="en-US" dirty="0">
+                <a:solidFill>
+                  <a:schemeClr val="bg2">
+                    <a:lumMod val="90000"/>
+                  </a:schemeClr>
+                </a:solidFill>
+              </a:rPr>
+              <a:t>Data Nodes</a:t>
+            </a:r>
+          </a:p>
+          <a:p>
+            <a:r>
+              <a:rPr lang="de-DE" b="1" dirty="0" smtClean="0"/>
+              <a:t>Name </a:t>
+            </a:r>
+            <a:r>
+              <a:rPr lang="en-US" b="1" dirty="0" smtClean="0"/>
+              <a:t>Node</a:t>
+            </a:r>
+          </a:p>
+        </p:txBody>
+      </p:sp>
+      <p:sp>
+        <p:nvSpPr>
+          <p:cNvPr id="4" name="Fußzeilenplatzhalter 3"/>
+          <p:cNvSpPr>
+            <a:spLocks noGrp="1"/>
+          </p:cNvSpPr>
+          <p:nvPr>
+            <p:ph type="ftr" sz="quarter" idx="11"/>
+          </p:nvPr>
+        </p:nvSpPr>
+        <p:spPr/>
+        <p:txBody>
+          <a:bodyPr/>
+          <a:lstStyle/>
+          <a:p>
+            <a:r>
+              <a:rPr lang="de-DE" dirty="0" smtClean="0"/>
+              <a:t>File Systems: GFS vs. </a:t>
+            </a:r>
+            <a:r>
+              <a:rPr lang="de-DE" dirty="0" err="1" smtClean="0"/>
+              <a:t>Hadoop</a:t>
+            </a:r>
+            <a:endParaRPr lang="de-DE" dirty="0" smtClean="0"/>
+          </a:p>
+          <a:p>
+            <a:r>
+              <a:rPr lang="de-DE" dirty="0" smtClean="0"/>
+              <a:t>Ciprian Lucaci </a:t>
+            </a:r>
+            <a:r>
+              <a:rPr lang="de-DE" dirty="0" err="1" smtClean="0"/>
+              <a:t>and</a:t>
+            </a:r>
+            <a:r>
+              <a:rPr lang="de-DE" dirty="0" smtClean="0"/>
+              <a:t> Daniel Straub</a:t>
+            </a:r>
+            <a:endParaRPr lang="de-DE" dirty="0"/>
+          </a:p>
+        </p:txBody>
+      </p:sp>
+      <p:sp>
+        <p:nvSpPr>
+          <p:cNvPr id="5" name="Foliennummernplatzhalter 4"/>
+          <p:cNvSpPr>
+            <a:spLocks noGrp="1"/>
+          </p:cNvSpPr>
+          <p:nvPr>
+            <p:ph type="sldNum" sz="quarter" idx="12"/>
+          </p:nvPr>
+        </p:nvSpPr>
+        <p:spPr/>
+        <p:txBody>
+          <a:bodyPr/>
+          <a:lstStyle/>
+          <a:p>
+            <a:fld id="{040C66D9-7A85-4BE2-A0FF-5810B1E5E09A}" type="slidenum">
+              <a:rPr lang="de-DE" smtClean="0"/>
+              <a:t>10</a:t>
+            </a:fld>
+            <a:endParaRPr lang="de-DE" dirty="0"/>
+          </a:p>
+        </p:txBody>
+      </p:sp>
+      <p:sp>
+        <p:nvSpPr>
+          <p:cNvPr id="19" name="Rounded Rectangle 18"/>
+          <p:cNvSpPr/>
+          <p:nvPr/>
+        </p:nvSpPr>
+        <p:spPr>
+          <a:xfrm>
+            <a:off x="985413" y="3242911"/>
+            <a:ext cx="1922438" cy="1075871"/>
+          </a:xfrm>
+          <a:prstGeom prst="roundRect">
+            <a:avLst/>
+          </a:prstGeom>
+          <a:solidFill>
+            <a:srgbClr val="C00000"/>
+          </a:solidFill>
+          <a:effectLst>
+            <a:outerShdw blurRad="57150" dist="19050" dir="5400000" algn="ctr" rotWithShape="0">
+              <a:srgbClr val="000000">
+                <a:alpha val="63000"/>
+              </a:srgbClr>
+            </a:outerShdw>
+            <a:softEdge rad="63500"/>
+          </a:effectLst>
+        </p:spPr>
+        <p:style>
+          <a:lnRef idx="0">
+            <a:schemeClr val="accent6"/>
+          </a:lnRef>
+          <a:fillRef idx="3">
+            <a:schemeClr val="accent6"/>
+          </a:fillRef>
+          <a:effectRef idx="3">
+            <a:schemeClr val="accent6"/>
+          </a:effectRef>
+          <a:fontRef idx="minor">
+            <a:schemeClr val="lt1"/>
+          </a:fontRef>
+        </p:style>
+        <p:txBody>
+          <a:bodyPr rtlCol="0" anchor="ctr"/>
+          <a:lstStyle/>
+          <a:p>
+            <a:pPr algn="ctr"/>
+            <a:r>
+              <a:rPr lang="en-US" sz="2000" b="1" dirty="0" smtClean="0">
+                <a:effectLst>
+                  <a:outerShdw blurRad="38100" dist="38100" dir="2700000" algn="tl">
+                    <a:srgbClr val="000000">
+                      <a:alpha val="43137"/>
+                    </a:srgbClr>
+                  </a:outerShdw>
+                </a:effectLst>
+              </a:rPr>
+              <a:t>Master-worker pattern</a:t>
+            </a:r>
+            <a:endParaRPr lang="en-US" sz="2000" b="1" dirty="0">
+              <a:effectLst>
+                <a:outerShdw blurRad="38100" dist="38100" dir="2700000" algn="tl">
+                  <a:srgbClr val="000000">
+                    <a:alpha val="43137"/>
+                  </a:srgbClr>
+                </a:outerShdw>
+              </a:effectLst>
+            </a:endParaRPr>
+          </a:p>
+        </p:txBody>
+      </p:sp>
+      <p:grpSp>
+        <p:nvGrpSpPr>
+          <p:cNvPr id="34" name="Group 33"/>
+          <p:cNvGrpSpPr/>
+          <p:nvPr/>
+        </p:nvGrpSpPr>
+        <p:grpSpPr>
+          <a:xfrm>
+            <a:off x="4145564" y="1415188"/>
+            <a:ext cx="6542244" cy="5363363"/>
+            <a:chOff x="4145564" y="1415188"/>
+            <a:chExt cx="6542244" cy="5363363"/>
+          </a:xfrm>
+        </p:grpSpPr>
+        <p:sp>
+          <p:nvSpPr>
+            <p:cNvPr id="35" name="Rounded Rectangle 34"/>
+            <p:cNvSpPr/>
+            <p:nvPr/>
+          </p:nvSpPr>
+          <p:spPr>
+            <a:xfrm>
+              <a:off x="9141934" y="4995384"/>
+              <a:ext cx="1545874" cy="1783167"/>
+            </a:xfrm>
+            <a:prstGeom prst="roundRect">
+              <a:avLst/>
+            </a:prstGeom>
+          </p:spPr>
+          <p:style>
+            <a:lnRef idx="2">
+              <a:schemeClr val="accent1"/>
+            </a:lnRef>
+            <a:fillRef idx="1">
+              <a:schemeClr val="lt1"/>
+            </a:fillRef>
+            <a:effectRef idx="0">
+              <a:schemeClr val="accent1"/>
+            </a:effectRef>
+            <a:fontRef idx="minor">
+              <a:schemeClr val="dk1"/>
+            </a:fontRef>
+          </p:style>
+          <p:txBody>
+            <a:bodyPr rtlCol="0" anchor="b"/>
+            <a:lstStyle/>
+            <a:p>
+              <a:pPr algn="ctr"/>
+              <a:r>
+                <a:rPr lang="en-US" sz="2000" b="1" dirty="0" smtClean="0">
+                  <a:effectLst>
+                    <a:outerShdw blurRad="38100" dist="38100" dir="2700000" algn="tl">
+                      <a:srgbClr val="000000">
+                        <a:alpha val="43137"/>
+                      </a:srgbClr>
+                    </a:outerShdw>
+                  </a:effectLst>
+                </a:rPr>
+                <a:t>Rack n</a:t>
+              </a:r>
+              <a:endParaRPr lang="en-US" sz="2000" b="1" dirty="0">
+                <a:effectLst>
+                  <a:outerShdw blurRad="38100" dist="38100" dir="2700000" algn="tl">
+                    <a:srgbClr val="000000">
+                      <a:alpha val="43137"/>
+                    </a:srgbClr>
+                  </a:outerShdw>
+                </a:effectLst>
+              </a:endParaRPr>
+            </a:p>
+          </p:txBody>
+        </p:sp>
+        <p:grpSp>
+          <p:nvGrpSpPr>
+            <p:cNvPr id="36" name="Group 35"/>
+            <p:cNvGrpSpPr/>
+            <p:nvPr/>
+          </p:nvGrpSpPr>
+          <p:grpSpPr>
+            <a:xfrm>
+              <a:off x="9289441" y="5117221"/>
+              <a:ext cx="1239129" cy="1239129"/>
+              <a:chOff x="4039874" y="5152992"/>
+              <a:chExt cx="1239129" cy="1239129"/>
+            </a:xfrm>
+          </p:grpSpPr>
+          <p:pic>
+            <p:nvPicPr>
+              <p:cNvPr id="64" name="Picture 63"/>
+              <p:cNvPicPr>
+                <a:picLocks noChangeAspect="1"/>
+              </p:cNvPicPr>
+              <p:nvPr/>
+            </p:nvPicPr>
+            <p:blipFill>
+              <a:blip r:embed="rId4">
+                <a:extLst>
+                  <a:ext uri="{28A0092B-C50C-407E-A947-70E740481C1C}">
+                    <a14:useLocalDpi xmlns:a14="http://schemas.microsoft.com/office/drawing/2010/main" val="0"/>
+                  </a:ext>
+                </a:extLst>
+              </a:blip>
+              <a:stretch>
+                <a:fillRect/>
+              </a:stretch>
+            </p:blipFill>
+            <p:spPr>
+              <a:xfrm>
+                <a:off x="4039874" y="5152992"/>
+                <a:ext cx="934329" cy="934329"/>
+              </a:xfrm>
+              <a:prstGeom prst="rect">
+                <a:avLst/>
+              </a:prstGeom>
+            </p:spPr>
+          </p:pic>
+          <p:pic>
+            <p:nvPicPr>
+              <p:cNvPr id="65" name="Picture 64"/>
+              <p:cNvPicPr>
+                <a:picLocks noChangeAspect="1"/>
+              </p:cNvPicPr>
+              <p:nvPr/>
+            </p:nvPicPr>
+            <p:blipFill>
+              <a:blip r:embed="rId4">
+                <a:extLst>
+                  <a:ext uri="{28A0092B-C50C-407E-A947-70E740481C1C}">
+                    <a14:useLocalDpi xmlns:a14="http://schemas.microsoft.com/office/drawing/2010/main" val="0"/>
+                  </a:ext>
+                </a:extLst>
+              </a:blip>
+              <a:stretch>
+                <a:fillRect/>
+              </a:stretch>
+            </p:blipFill>
+            <p:spPr>
+              <a:xfrm>
+                <a:off x="4192274" y="5305392"/>
+                <a:ext cx="934329" cy="934329"/>
+              </a:xfrm>
+              <a:prstGeom prst="rect">
+                <a:avLst/>
+              </a:prstGeom>
+            </p:spPr>
+          </p:pic>
+          <p:pic>
+            <p:nvPicPr>
+              <p:cNvPr id="67" name="Picture 66"/>
+              <p:cNvPicPr>
+                <a:picLocks noChangeAspect="1"/>
+              </p:cNvPicPr>
+              <p:nvPr/>
+            </p:nvPicPr>
+            <p:blipFill>
+              <a:blip r:embed="rId4">
+                <a:extLst>
+                  <a:ext uri="{28A0092B-C50C-407E-A947-70E740481C1C}">
+                    <a14:useLocalDpi xmlns:a14="http://schemas.microsoft.com/office/drawing/2010/main" val="0"/>
+                  </a:ext>
+                </a:extLst>
+              </a:blip>
+              <a:stretch>
+                <a:fillRect/>
+              </a:stretch>
+            </p:blipFill>
+            <p:spPr>
+              <a:xfrm>
+                <a:off x="4344674" y="5457792"/>
+                <a:ext cx="934329" cy="934329"/>
+              </a:xfrm>
+              <a:prstGeom prst="rect">
+                <a:avLst/>
+              </a:prstGeom>
+            </p:spPr>
+          </p:pic>
+        </p:grpSp>
+        <p:grpSp>
+          <p:nvGrpSpPr>
+            <p:cNvPr id="37" name="Group 36"/>
+            <p:cNvGrpSpPr/>
+            <p:nvPr/>
+          </p:nvGrpSpPr>
+          <p:grpSpPr>
+            <a:xfrm>
+              <a:off x="4145564" y="1415188"/>
+              <a:ext cx="5769307" cy="4129206"/>
+              <a:chOff x="4145564" y="1415188"/>
+              <a:chExt cx="5769307" cy="4129206"/>
+            </a:xfrm>
+          </p:grpSpPr>
+          <p:sp>
+            <p:nvSpPr>
+              <p:cNvPr id="38" name="Rounded Rectangle 37"/>
+              <p:cNvSpPr/>
+              <p:nvPr/>
+            </p:nvSpPr>
+            <p:spPr>
+              <a:xfrm>
+                <a:off x="7529677" y="3761227"/>
+                <a:ext cx="1545874" cy="1783167"/>
+              </a:xfrm>
+              <a:prstGeom prst="roundRect">
+                <a:avLst/>
+              </a:prstGeom>
+            </p:spPr>
+            <p:style>
+              <a:lnRef idx="2">
+                <a:schemeClr val="accent1"/>
+              </a:lnRef>
+              <a:fillRef idx="1">
+                <a:schemeClr val="lt1"/>
+              </a:fillRef>
+              <a:effectRef idx="0">
+                <a:schemeClr val="accent1"/>
+              </a:effectRef>
+              <a:fontRef idx="minor">
+                <a:schemeClr val="dk1"/>
+              </a:fontRef>
+            </p:style>
+            <p:txBody>
+              <a:bodyPr rtlCol="0" anchor="b"/>
+              <a:lstStyle/>
+              <a:p>
+                <a:pPr algn="ctr"/>
+                <a:r>
+                  <a:rPr lang="en-US" sz="2000" b="1" dirty="0" smtClean="0">
+                    <a:effectLst>
+                      <a:outerShdw blurRad="38100" dist="38100" dir="2700000" algn="tl">
+                        <a:srgbClr val="000000">
+                          <a:alpha val="43137"/>
+                        </a:srgbClr>
+                      </a:outerShdw>
+                    </a:effectLst>
+                  </a:rPr>
+                  <a:t>Rack 3</a:t>
+                </a:r>
+                <a:endParaRPr lang="en-US" sz="2000" b="1" dirty="0">
+                  <a:effectLst>
+                    <a:outerShdw blurRad="38100" dist="38100" dir="2700000" algn="tl">
+                      <a:srgbClr val="000000">
+                        <a:alpha val="43137"/>
+                      </a:srgbClr>
+                    </a:outerShdw>
+                  </a:effectLst>
+                </a:endParaRPr>
+              </a:p>
+            </p:txBody>
+          </p:sp>
+          <p:sp>
+            <p:nvSpPr>
+              <p:cNvPr id="39" name="Rounded Rectangle 38"/>
+              <p:cNvSpPr/>
+              <p:nvPr/>
+            </p:nvSpPr>
+            <p:spPr>
+              <a:xfrm>
+                <a:off x="5831909" y="3691647"/>
+                <a:ext cx="1545874" cy="1635779"/>
+              </a:xfrm>
+              <a:prstGeom prst="roundRect">
+                <a:avLst/>
+              </a:prstGeom>
+            </p:spPr>
+            <p:style>
+              <a:lnRef idx="2">
+                <a:schemeClr val="accent1"/>
+              </a:lnRef>
+              <a:fillRef idx="1">
+                <a:schemeClr val="lt1"/>
+              </a:fillRef>
+              <a:effectRef idx="0">
+                <a:schemeClr val="accent1"/>
+              </a:effectRef>
+              <a:fontRef idx="minor">
+                <a:schemeClr val="dk1"/>
+              </a:fontRef>
+            </p:style>
+            <p:txBody>
+              <a:bodyPr rtlCol="0" anchor="b"/>
+              <a:lstStyle/>
+              <a:p>
+                <a:pPr algn="ctr"/>
+                <a:r>
+                  <a:rPr lang="en-US" sz="2000" b="1" dirty="0" smtClean="0">
+                    <a:effectLst>
+                      <a:outerShdw blurRad="38100" dist="38100" dir="2700000" algn="tl">
+                        <a:srgbClr val="000000">
+                          <a:alpha val="43137"/>
+                        </a:srgbClr>
+                      </a:outerShdw>
+                    </a:effectLst>
+                  </a:rPr>
+                  <a:t>Rack 2</a:t>
+                </a:r>
+                <a:endParaRPr lang="en-US" sz="2000" b="1" dirty="0">
+                  <a:effectLst>
+                    <a:outerShdw blurRad="38100" dist="38100" dir="2700000" algn="tl">
+                      <a:srgbClr val="000000">
+                        <a:alpha val="43137"/>
+                      </a:srgbClr>
+                    </a:outerShdw>
+                  </a:effectLst>
+                </a:endParaRPr>
+              </a:p>
+            </p:txBody>
+          </p:sp>
+          <p:sp>
+            <p:nvSpPr>
+              <p:cNvPr id="40" name="Rounded Rectangle 39"/>
+              <p:cNvSpPr/>
+              <p:nvPr/>
+            </p:nvSpPr>
+            <p:spPr>
+              <a:xfrm>
+                <a:off x="4145564" y="3691648"/>
+                <a:ext cx="1545874" cy="1783167"/>
+              </a:xfrm>
+              <a:prstGeom prst="roundRect">
+                <a:avLst/>
+              </a:prstGeom>
+            </p:spPr>
+            <p:style>
+              <a:lnRef idx="2">
+                <a:schemeClr val="accent1"/>
+              </a:lnRef>
+              <a:fillRef idx="1">
+                <a:schemeClr val="lt1"/>
+              </a:fillRef>
+              <a:effectRef idx="0">
+                <a:schemeClr val="accent1"/>
+              </a:effectRef>
+              <a:fontRef idx="minor">
+                <a:schemeClr val="dk1"/>
+              </a:fontRef>
+            </p:style>
+            <p:txBody>
+              <a:bodyPr rtlCol="0" anchor="b"/>
+              <a:lstStyle/>
+              <a:p>
+                <a:pPr algn="ctr"/>
+                <a:r>
+                  <a:rPr lang="en-US" sz="2000" b="1" dirty="0" smtClean="0">
+                    <a:effectLst>
+                      <a:outerShdw blurRad="38100" dist="38100" dir="2700000" algn="tl">
+                        <a:srgbClr val="000000">
+                          <a:alpha val="43137"/>
+                        </a:srgbClr>
+                      </a:outerShdw>
+                    </a:effectLst>
+                  </a:rPr>
+                  <a:t>Rack 1</a:t>
+                </a:r>
+                <a:endParaRPr lang="en-US" sz="2000" b="1" dirty="0">
+                  <a:effectLst>
+                    <a:outerShdw blurRad="38100" dist="38100" dir="2700000" algn="tl">
+                      <a:srgbClr val="000000">
+                        <a:alpha val="43137"/>
+                      </a:srgbClr>
+                    </a:outerShdw>
+                  </a:effectLst>
+                </a:endParaRPr>
+              </a:p>
+            </p:txBody>
+          </p:sp>
+          <p:grpSp>
+            <p:nvGrpSpPr>
+              <p:cNvPr id="41" name="Group 40"/>
+              <p:cNvGrpSpPr/>
+              <p:nvPr/>
+            </p:nvGrpSpPr>
+            <p:grpSpPr>
+              <a:xfrm>
+                <a:off x="4289818" y="3824222"/>
+                <a:ext cx="1239129" cy="1239129"/>
+                <a:chOff x="4289818" y="3824222"/>
+                <a:chExt cx="1239129" cy="1239129"/>
+              </a:xfrm>
+            </p:grpSpPr>
+            <p:pic>
+              <p:nvPicPr>
+                <p:cNvPr id="59" name="Picture 58"/>
+                <p:cNvPicPr>
+                  <a:picLocks noChangeAspect="1"/>
+                </p:cNvPicPr>
+                <p:nvPr/>
+              </p:nvPicPr>
+              <p:blipFill>
+                <a:blip r:embed="rId4">
+                  <a:extLst>
+                    <a:ext uri="{28A0092B-C50C-407E-A947-70E740481C1C}">
+                      <a14:useLocalDpi xmlns:a14="http://schemas.microsoft.com/office/drawing/2010/main" val="0"/>
+                    </a:ext>
+                  </a:extLst>
+                </a:blip>
+                <a:stretch>
+                  <a:fillRect/>
+                </a:stretch>
+              </p:blipFill>
+              <p:spPr>
+                <a:xfrm>
+                  <a:off x="4289818" y="3824222"/>
+                  <a:ext cx="934329" cy="934329"/>
+                </a:xfrm>
+                <a:prstGeom prst="rect">
+                  <a:avLst/>
+                </a:prstGeom>
+              </p:spPr>
+            </p:pic>
+            <p:pic>
+              <p:nvPicPr>
+                <p:cNvPr id="60" name="Picture 59"/>
+                <p:cNvPicPr>
+                  <a:picLocks noChangeAspect="1"/>
+                </p:cNvPicPr>
+                <p:nvPr/>
+              </p:nvPicPr>
+              <p:blipFill>
+                <a:blip r:embed="rId4">
+                  <a:extLst>
+                    <a:ext uri="{28A0092B-C50C-407E-A947-70E740481C1C}">
+                      <a14:useLocalDpi xmlns:a14="http://schemas.microsoft.com/office/drawing/2010/main" val="0"/>
+                    </a:ext>
+                  </a:extLst>
+                </a:blip>
+                <a:stretch>
+                  <a:fillRect/>
+                </a:stretch>
+              </p:blipFill>
+              <p:spPr>
+                <a:xfrm>
+                  <a:off x="4442218" y="3976622"/>
+                  <a:ext cx="934329" cy="934329"/>
+                </a:xfrm>
+                <a:prstGeom prst="rect">
+                  <a:avLst/>
+                </a:prstGeom>
+              </p:spPr>
+            </p:pic>
+            <p:pic>
+              <p:nvPicPr>
+                <p:cNvPr id="62" name="Picture 61"/>
+                <p:cNvPicPr>
+                  <a:picLocks noChangeAspect="1"/>
+                </p:cNvPicPr>
+                <p:nvPr/>
+              </p:nvPicPr>
+              <p:blipFill>
+                <a:blip r:embed="rId4">
+                  <a:extLst>
+                    <a:ext uri="{28A0092B-C50C-407E-A947-70E740481C1C}">
+                      <a14:useLocalDpi xmlns:a14="http://schemas.microsoft.com/office/drawing/2010/main" val="0"/>
+                    </a:ext>
+                  </a:extLst>
+                </a:blip>
+                <a:stretch>
+                  <a:fillRect/>
+                </a:stretch>
+              </p:blipFill>
+              <p:spPr>
+                <a:xfrm>
+                  <a:off x="4594618" y="4129022"/>
+                  <a:ext cx="934329" cy="934329"/>
+                </a:xfrm>
+                <a:prstGeom prst="rect">
+                  <a:avLst/>
+                </a:prstGeom>
+              </p:spPr>
+            </p:pic>
+          </p:grpSp>
+          <p:grpSp>
+            <p:nvGrpSpPr>
+              <p:cNvPr id="42" name="Group 41"/>
+              <p:cNvGrpSpPr/>
+              <p:nvPr/>
+            </p:nvGrpSpPr>
+            <p:grpSpPr>
+              <a:xfrm>
+                <a:off x="5948435" y="3835324"/>
+                <a:ext cx="1191327" cy="1113716"/>
+                <a:chOff x="5948435" y="3835324"/>
+                <a:chExt cx="1191327" cy="1113716"/>
+              </a:xfrm>
+            </p:grpSpPr>
+            <p:pic>
+              <p:nvPicPr>
+                <p:cNvPr id="57" name="Picture 56"/>
+                <p:cNvPicPr>
+                  <a:picLocks noChangeAspect="1"/>
+                </p:cNvPicPr>
+                <p:nvPr/>
+              </p:nvPicPr>
+              <p:blipFill>
+                <a:blip r:embed="rId4">
+                  <a:extLst>
+                    <a:ext uri="{28A0092B-C50C-407E-A947-70E740481C1C}">
+                      <a14:useLocalDpi xmlns:a14="http://schemas.microsoft.com/office/drawing/2010/main" val="0"/>
+                    </a:ext>
+                  </a:extLst>
+                </a:blip>
+                <a:stretch>
+                  <a:fillRect/>
+                </a:stretch>
+              </p:blipFill>
+              <p:spPr>
+                <a:xfrm>
+                  <a:off x="5948435" y="3835324"/>
+                  <a:ext cx="934329" cy="934329"/>
+                </a:xfrm>
+                <a:prstGeom prst="rect">
+                  <a:avLst/>
+                </a:prstGeom>
+              </p:spPr>
+            </p:pic>
+            <p:pic>
+              <p:nvPicPr>
+                <p:cNvPr id="58" name="Picture 57"/>
+                <p:cNvPicPr>
+                  <a:picLocks noChangeAspect="1"/>
+                </p:cNvPicPr>
+                <p:nvPr/>
+              </p:nvPicPr>
+              <p:blipFill>
+                <a:blip r:embed="rId4">
+                  <a:extLst>
+                    <a:ext uri="{28A0092B-C50C-407E-A947-70E740481C1C}">
+                      <a14:useLocalDpi xmlns:a14="http://schemas.microsoft.com/office/drawing/2010/main" val="0"/>
+                    </a:ext>
+                  </a:extLst>
+                </a:blip>
+                <a:stretch>
+                  <a:fillRect/>
+                </a:stretch>
+              </p:blipFill>
+              <p:spPr>
+                <a:xfrm>
+                  <a:off x="6205433" y="4014711"/>
+                  <a:ext cx="934329" cy="934329"/>
+                </a:xfrm>
+                <a:prstGeom prst="rect">
+                  <a:avLst/>
+                </a:prstGeom>
+              </p:spPr>
+            </p:pic>
+          </p:grpSp>
+          <p:grpSp>
+            <p:nvGrpSpPr>
+              <p:cNvPr id="43" name="Group 42"/>
+              <p:cNvGrpSpPr/>
+              <p:nvPr/>
+            </p:nvGrpSpPr>
+            <p:grpSpPr>
+              <a:xfrm>
+                <a:off x="7589053" y="3913833"/>
+                <a:ext cx="1239129" cy="1239129"/>
+                <a:chOff x="7589053" y="3913833"/>
+                <a:chExt cx="1239129" cy="1239129"/>
+              </a:xfrm>
+            </p:grpSpPr>
+            <p:pic>
+              <p:nvPicPr>
+                <p:cNvPr id="54" name="Picture 53"/>
+                <p:cNvPicPr>
+                  <a:picLocks noChangeAspect="1"/>
+                </p:cNvPicPr>
+                <p:nvPr/>
+              </p:nvPicPr>
+              <p:blipFill>
+                <a:blip r:embed="rId4">
+                  <a:extLst>
+                    <a:ext uri="{28A0092B-C50C-407E-A947-70E740481C1C}">
+                      <a14:useLocalDpi xmlns:a14="http://schemas.microsoft.com/office/drawing/2010/main" val="0"/>
+                    </a:ext>
+                  </a:extLst>
+                </a:blip>
+                <a:stretch>
+                  <a:fillRect/>
+                </a:stretch>
+              </p:blipFill>
+              <p:spPr>
+                <a:xfrm>
+                  <a:off x="7589053" y="3913833"/>
+                  <a:ext cx="934329" cy="934329"/>
+                </a:xfrm>
+                <a:prstGeom prst="rect">
+                  <a:avLst/>
+                </a:prstGeom>
+              </p:spPr>
+            </p:pic>
+            <p:pic>
+              <p:nvPicPr>
+                <p:cNvPr id="55" name="Picture 54"/>
+                <p:cNvPicPr>
+                  <a:picLocks noChangeAspect="1"/>
+                </p:cNvPicPr>
+                <p:nvPr/>
+              </p:nvPicPr>
+              <p:blipFill>
+                <a:blip r:embed="rId4">
+                  <a:extLst>
+                    <a:ext uri="{28A0092B-C50C-407E-A947-70E740481C1C}">
+                      <a14:useLocalDpi xmlns:a14="http://schemas.microsoft.com/office/drawing/2010/main" val="0"/>
+                    </a:ext>
+                  </a:extLst>
+                </a:blip>
+                <a:stretch>
+                  <a:fillRect/>
+                </a:stretch>
+              </p:blipFill>
+              <p:spPr>
+                <a:xfrm>
+                  <a:off x="7741453" y="4066233"/>
+                  <a:ext cx="934329" cy="934329"/>
+                </a:xfrm>
+                <a:prstGeom prst="rect">
+                  <a:avLst/>
+                </a:prstGeom>
+              </p:spPr>
+            </p:pic>
+            <p:pic>
+              <p:nvPicPr>
+                <p:cNvPr id="56" name="Picture 55"/>
+                <p:cNvPicPr>
+                  <a:picLocks noChangeAspect="1"/>
+                </p:cNvPicPr>
+                <p:nvPr/>
+              </p:nvPicPr>
+              <p:blipFill>
+                <a:blip r:embed="rId4">
+                  <a:extLst>
+                    <a:ext uri="{28A0092B-C50C-407E-A947-70E740481C1C}">
+                      <a14:useLocalDpi xmlns:a14="http://schemas.microsoft.com/office/drawing/2010/main" val="0"/>
+                    </a:ext>
+                  </a:extLst>
+                </a:blip>
+                <a:stretch>
+                  <a:fillRect/>
+                </a:stretch>
+              </p:blipFill>
+              <p:spPr>
+                <a:xfrm>
+                  <a:off x="7893853" y="4218633"/>
+                  <a:ext cx="934329" cy="934329"/>
+                </a:xfrm>
+                <a:prstGeom prst="rect">
+                  <a:avLst/>
+                </a:prstGeom>
+              </p:spPr>
+            </p:pic>
+          </p:grpSp>
+          <p:pic>
+            <p:nvPicPr>
+              <p:cNvPr id="44" name="Picture 43"/>
+              <p:cNvPicPr>
+                <a:picLocks noChangeAspect="1"/>
+              </p:cNvPicPr>
+              <p:nvPr/>
+            </p:nvPicPr>
+            <p:blipFill>
+              <a:blip r:embed="rId5">
+                <a:extLst>
+                  <a:ext uri="{28A0092B-C50C-407E-A947-70E740481C1C}">
+                    <a14:useLocalDpi xmlns:a14="http://schemas.microsoft.com/office/drawing/2010/main" val="0"/>
+                  </a:ext>
+                </a:extLst>
+              </a:blip>
+              <a:stretch>
+                <a:fillRect/>
+              </a:stretch>
+            </p:blipFill>
+            <p:spPr>
+              <a:xfrm>
+                <a:off x="5986797" y="1415188"/>
+                <a:ext cx="1371600" cy="1371600"/>
+              </a:xfrm>
+              <a:prstGeom prst="rect">
+                <a:avLst/>
+              </a:prstGeom>
+            </p:spPr>
+          </p:pic>
+          <p:sp>
+            <p:nvSpPr>
+              <p:cNvPr id="49" name="Rounded Rectangle 48"/>
+              <p:cNvSpPr/>
+              <p:nvPr/>
+            </p:nvSpPr>
+            <p:spPr>
+              <a:xfrm>
+                <a:off x="5641145" y="2786788"/>
+                <a:ext cx="2100308" cy="452430"/>
+              </a:xfrm>
+              <a:prstGeom prst="roundRect">
+                <a:avLst/>
+              </a:prstGeom>
+              <a:solidFill>
+                <a:srgbClr val="C00000"/>
+              </a:solidFill>
+              <a:ln>
+                <a:noFill/>
+              </a:ln>
+              <a:effectLst>
+                <a:glow rad="228600">
+                  <a:srgbClr val="C00000">
+                    <a:alpha val="40000"/>
+                  </a:srgbClr>
+                </a:glow>
+                <a:outerShdw blurRad="107950" dist="12700" dir="5400000" algn="ctr">
+                  <a:srgbClr val="000000"/>
+                </a:outerShdw>
+              </a:effectLst>
+              <a:scene3d>
+                <a:camera prst="orthographicFront">
+                  <a:rot lat="0" lon="0" rev="0"/>
+                </a:camera>
+                <a:lightRig rig="soft" dir="t">
+                  <a:rot lat="0" lon="0" rev="0"/>
+                </a:lightRig>
+              </a:scene3d>
+              <a:sp3d contourW="44450" prstMaterial="matte">
+                <a:bevelT w="63500" h="63500" prst="artDeco"/>
+                <a:contourClr>
+                  <a:srgbClr val="FFFFFF"/>
+                </a:contourClr>
+              </a:sp3d>
+            </p:spPr>
+            <p:style>
+              <a:lnRef idx="0">
+                <a:schemeClr val="accent6"/>
+              </a:lnRef>
+              <a:fillRef idx="3">
+                <a:schemeClr val="accent6"/>
+              </a:fillRef>
+              <a:effectRef idx="3">
+                <a:schemeClr val="accent6"/>
+              </a:effectRef>
+              <a:fontRef idx="minor">
+                <a:schemeClr val="lt1"/>
+              </a:fontRef>
+            </p:style>
+            <p:txBody>
+              <a:bodyPr rtlCol="0" anchor="ctr"/>
+              <a:lstStyle/>
+              <a:p>
+                <a:pPr algn="ctr"/>
+                <a:r>
+                  <a:rPr lang="en-US" sz="2000" b="1" dirty="0" err="1" smtClean="0">
+                    <a:effectLst>
+                      <a:outerShdw blurRad="38100" dist="38100" dir="2700000" algn="tl">
+                        <a:srgbClr val="000000">
+                          <a:alpha val="43137"/>
+                        </a:srgbClr>
+                      </a:outerShdw>
+                    </a:effectLst>
+                  </a:rPr>
+                  <a:t>Namenode</a:t>
+                </a:r>
+                <a:endParaRPr lang="en-US" sz="2000" b="1" dirty="0">
+                  <a:effectLst>
+                    <a:outerShdw blurRad="38100" dist="38100" dir="2700000" algn="tl">
+                      <a:srgbClr val="000000">
+                        <a:alpha val="43137"/>
+                      </a:srgbClr>
+                    </a:outerShdw>
+                  </a:effectLst>
+                </a:endParaRPr>
+              </a:p>
+            </p:txBody>
+          </p:sp>
+          <p:cxnSp>
+            <p:nvCxnSpPr>
+              <p:cNvPr id="50" name="Straight Arrow Connector 49"/>
+              <p:cNvCxnSpPr/>
+              <p:nvPr/>
+            </p:nvCxnSpPr>
+            <p:spPr>
+              <a:xfrm flipH="1">
+                <a:off x="5279003" y="3239218"/>
+                <a:ext cx="1417219" cy="840115"/>
+              </a:xfrm>
+              <a:prstGeom prst="straightConnector1">
+                <a:avLst/>
+              </a:prstGeom>
+              <a:ln w="12700">
+                <a:headEnd type="triangle"/>
+                <a:tailEnd type="triangle"/>
+              </a:ln>
+            </p:spPr>
+            <p:style>
+              <a:lnRef idx="1">
+                <a:schemeClr val="accent1"/>
+              </a:lnRef>
+              <a:fillRef idx="0">
+                <a:schemeClr val="accent1"/>
+              </a:fillRef>
+              <a:effectRef idx="0">
+                <a:schemeClr val="accent1"/>
+              </a:effectRef>
+              <a:fontRef idx="minor">
+                <a:schemeClr val="tx1"/>
+              </a:fontRef>
+            </p:style>
+          </p:cxnSp>
+          <p:cxnSp>
+            <p:nvCxnSpPr>
+              <p:cNvPr id="51" name="Straight Arrow Connector 50"/>
+              <p:cNvCxnSpPr/>
+              <p:nvPr/>
+            </p:nvCxnSpPr>
+            <p:spPr>
+              <a:xfrm>
+                <a:off x="6696222" y="3239218"/>
+                <a:ext cx="0" cy="674615"/>
+              </a:xfrm>
+              <a:prstGeom prst="straightConnector1">
+                <a:avLst/>
+              </a:prstGeom>
+              <a:ln w="12700">
+                <a:headEnd type="triangle"/>
+                <a:tailEnd type="triangle"/>
+              </a:ln>
+            </p:spPr>
+            <p:style>
+              <a:lnRef idx="1">
+                <a:schemeClr val="accent1"/>
+              </a:lnRef>
+              <a:fillRef idx="0">
+                <a:schemeClr val="accent1"/>
+              </a:fillRef>
+              <a:effectRef idx="0">
+                <a:schemeClr val="accent1"/>
+              </a:effectRef>
+              <a:fontRef idx="minor">
+                <a:schemeClr val="tx1"/>
+              </a:fontRef>
+            </p:style>
+          </p:cxnSp>
+          <p:cxnSp>
+            <p:nvCxnSpPr>
+              <p:cNvPr id="52" name="Straight Arrow Connector 51"/>
+              <p:cNvCxnSpPr/>
+              <p:nvPr/>
+            </p:nvCxnSpPr>
+            <p:spPr>
+              <a:xfrm>
+                <a:off x="6696222" y="3239218"/>
+                <a:ext cx="1359996" cy="674615"/>
+              </a:xfrm>
+              <a:prstGeom prst="straightConnector1">
+                <a:avLst/>
+              </a:prstGeom>
+              <a:ln>
+                <a:headEnd type="triangle"/>
+                <a:tailEnd type="triangle"/>
+              </a:ln>
+            </p:spPr>
+            <p:style>
+              <a:lnRef idx="1">
+                <a:schemeClr val="accent1"/>
+              </a:lnRef>
+              <a:fillRef idx="0">
+                <a:schemeClr val="accent1"/>
+              </a:fillRef>
+              <a:effectRef idx="0">
+                <a:schemeClr val="accent1"/>
+              </a:effectRef>
+              <a:fontRef idx="minor">
+                <a:schemeClr val="tx1"/>
+              </a:fontRef>
+            </p:style>
+          </p:cxnSp>
+          <p:cxnSp>
+            <p:nvCxnSpPr>
+              <p:cNvPr id="53" name="Straight Arrow Connector 52"/>
+              <p:cNvCxnSpPr>
+                <a:endCxn id="35" idx="0"/>
+              </p:cNvCxnSpPr>
+              <p:nvPr/>
+            </p:nvCxnSpPr>
+            <p:spPr>
+              <a:xfrm>
+                <a:off x="6696223" y="3239218"/>
+                <a:ext cx="3218648" cy="1756166"/>
+              </a:xfrm>
+              <a:prstGeom prst="straightConnector1">
+                <a:avLst/>
+              </a:prstGeom>
+              <a:ln w="12700">
+                <a:headEnd type="triangle"/>
+                <a:tailEnd type="triangle"/>
+              </a:ln>
+            </p:spPr>
+            <p:style>
+              <a:lnRef idx="1">
+                <a:schemeClr val="accent1"/>
+              </a:lnRef>
+              <a:fillRef idx="0">
+                <a:schemeClr val="accent1"/>
+              </a:fillRef>
+              <a:effectRef idx="0">
+                <a:schemeClr val="accent1"/>
+              </a:effectRef>
+              <a:fontRef idx="minor">
+                <a:schemeClr val="tx1"/>
+              </a:fontRef>
+            </p:style>
+          </p:cxnSp>
+        </p:grpSp>
+      </p:grpSp>
+      <p:sp>
+        <p:nvSpPr>
+          <p:cNvPr id="68" name="Rounded Rectangle 67"/>
+          <p:cNvSpPr/>
+          <p:nvPr/>
+        </p:nvSpPr>
+        <p:spPr>
+          <a:xfrm>
+            <a:off x="6018127" y="5395747"/>
+            <a:ext cx="1308940" cy="448817"/>
+          </a:xfrm>
+          <a:prstGeom prst="roundRect">
+            <a:avLst/>
+          </a:prstGeom>
+          <a:ln>
+            <a:noFill/>
+          </a:ln>
+          <a:effectLst>
+            <a:glow rad="139700">
+              <a:schemeClr val="accent5">
+                <a:satMod val="175000"/>
+                <a:alpha val="40000"/>
+              </a:schemeClr>
+            </a:glow>
+            <a:outerShdw blurRad="107950" dist="12700" dir="5400000" algn="ctr">
+              <a:srgbClr val="000000"/>
+            </a:outerShdw>
+          </a:effectLst>
+          <a:scene3d>
+            <a:camera prst="orthographicFront">
+              <a:rot lat="0" lon="0" rev="0"/>
+            </a:camera>
+            <a:lightRig rig="soft" dir="t">
+              <a:rot lat="0" lon="0" rev="0"/>
+            </a:lightRig>
+          </a:scene3d>
+          <a:sp3d contourW="44450" prstMaterial="matte">
+            <a:bevelT w="63500" h="63500" prst="artDeco"/>
+            <a:contourClr>
+              <a:srgbClr val="FFFFFF"/>
+            </a:contourClr>
+          </a:sp3d>
+        </p:spPr>
+        <p:style>
+          <a:lnRef idx="2">
+            <a:schemeClr val="accent1">
+              <a:shade val="50000"/>
+            </a:schemeClr>
+          </a:lnRef>
+          <a:fillRef idx="1">
+            <a:schemeClr val="accent1"/>
+          </a:fillRef>
+          <a:effectRef idx="0">
+            <a:schemeClr val="accent1"/>
+          </a:effectRef>
+          <a:fontRef idx="minor">
+            <a:schemeClr val="lt1"/>
+          </a:fontRef>
+        </p:style>
+        <p:txBody>
+          <a:bodyPr rtlCol="0" anchor="ctr"/>
+          <a:lstStyle/>
+          <a:p>
+            <a:pPr algn="ctr"/>
+            <a:r>
+              <a:rPr lang="en-US" b="1" dirty="0" err="1" smtClean="0">
+                <a:effectLst>
+                  <a:outerShdw blurRad="38100" dist="38100" dir="2700000" algn="tl">
+                    <a:srgbClr val="000000">
+                      <a:alpha val="43137"/>
+                    </a:srgbClr>
+                  </a:outerShdw>
+                </a:effectLst>
+              </a:rPr>
+              <a:t>Datanodes</a:t>
+            </a:r>
+            <a:endParaRPr lang="en-US" b="1" dirty="0">
+              <a:effectLst>
+                <a:outerShdw blurRad="38100" dist="38100" dir="2700000" algn="tl">
+                  <a:srgbClr val="000000">
+                    <a:alpha val="43137"/>
+                  </a:srgbClr>
+                </a:outerShdw>
+              </a:effectLst>
+            </a:endParaRPr>
+          </a:p>
+        </p:txBody>
+      </p:sp>
+      <p:pic>
+        <p:nvPicPr>
+          <p:cNvPr id="17" name="Picture 16"/>
+          <p:cNvPicPr>
+            <a:picLocks noChangeAspect="1"/>
+          </p:cNvPicPr>
+          <p:nvPr/>
+        </p:nvPicPr>
+        <p:blipFill>
+          <a:blip r:embed="rId6">
+            <a:extLst>
+              <a:ext uri="{28A0092B-C50C-407E-A947-70E740481C1C}">
+                <a14:useLocalDpi xmlns:a14="http://schemas.microsoft.com/office/drawing/2010/main" val="0"/>
+              </a:ext>
+            </a:extLst>
+          </a:blip>
+          <a:stretch>
+            <a:fillRect/>
+          </a:stretch>
+        </p:blipFill>
+        <p:spPr>
+          <a:xfrm>
+            <a:off x="5528947" y="952032"/>
+            <a:ext cx="1918060" cy="1918060"/>
+          </a:xfrm>
+          <a:prstGeom prst="rect">
+            <a:avLst/>
+          </a:prstGeom>
+        </p:spPr>
+      </p:pic>
+      <p:pic>
+        <p:nvPicPr>
+          <p:cNvPr id="6" name="Picture 5"/>
+          <p:cNvPicPr>
+            <a:picLocks noChangeAspect="1"/>
+          </p:cNvPicPr>
+          <p:nvPr/>
+        </p:nvPicPr>
+        <p:blipFill>
+          <a:blip r:embed="rId7">
+            <a:extLst>
+              <a:ext uri="{28A0092B-C50C-407E-A947-70E740481C1C}">
+                <a14:useLocalDpi xmlns:a14="http://schemas.microsoft.com/office/drawing/2010/main" val="0"/>
+              </a:ext>
+            </a:extLst>
+          </a:blip>
+          <a:stretch>
+            <a:fillRect/>
+          </a:stretch>
+        </p:blipFill>
+        <p:spPr>
+          <a:xfrm>
+            <a:off x="4066404" y="3689943"/>
+            <a:ext cx="1732078" cy="1732078"/>
+          </a:xfrm>
+          <a:prstGeom prst="rect">
+            <a:avLst/>
+          </a:prstGeom>
+        </p:spPr>
+      </p:pic>
+      <p:pic>
+        <p:nvPicPr>
+          <p:cNvPr id="70" name="Picture 69"/>
+          <p:cNvPicPr>
+            <a:picLocks noChangeAspect="1"/>
+          </p:cNvPicPr>
+          <p:nvPr/>
+        </p:nvPicPr>
+        <p:blipFill>
+          <a:blip r:embed="rId7">
+            <a:extLst>
+              <a:ext uri="{28A0092B-C50C-407E-A947-70E740481C1C}">
+                <a14:useLocalDpi xmlns:a14="http://schemas.microsoft.com/office/drawing/2010/main" val="0"/>
+              </a:ext>
+            </a:extLst>
+          </a:blip>
+          <a:stretch>
+            <a:fillRect/>
+          </a:stretch>
+        </p:blipFill>
+        <p:spPr>
+          <a:xfrm>
+            <a:off x="5690123" y="3659275"/>
+            <a:ext cx="1732078" cy="1732078"/>
+          </a:xfrm>
+          <a:prstGeom prst="rect">
+            <a:avLst/>
+          </a:prstGeom>
+        </p:spPr>
+      </p:pic>
+      <p:pic>
+        <p:nvPicPr>
+          <p:cNvPr id="71" name="Picture 70"/>
+          <p:cNvPicPr>
+            <a:picLocks noChangeAspect="1"/>
+          </p:cNvPicPr>
+          <p:nvPr/>
+        </p:nvPicPr>
+        <p:blipFill>
+          <a:blip r:embed="rId7">
+            <a:extLst>
+              <a:ext uri="{28A0092B-C50C-407E-A947-70E740481C1C}">
+                <a14:useLocalDpi xmlns:a14="http://schemas.microsoft.com/office/drawing/2010/main" val="0"/>
+              </a:ext>
+            </a:extLst>
+          </a:blip>
+          <a:stretch>
+            <a:fillRect/>
+          </a:stretch>
+        </p:blipFill>
+        <p:spPr>
+          <a:xfrm>
+            <a:off x="7354417" y="3824222"/>
+            <a:ext cx="1732078" cy="1732078"/>
+          </a:xfrm>
+          <a:prstGeom prst="rect">
+            <a:avLst/>
+          </a:prstGeom>
+        </p:spPr>
+      </p:pic>
+      <p:pic>
+        <p:nvPicPr>
+          <p:cNvPr id="72" name="Picture 71"/>
+          <p:cNvPicPr>
+            <a:picLocks noChangeAspect="1"/>
+          </p:cNvPicPr>
+          <p:nvPr/>
+        </p:nvPicPr>
+        <p:blipFill>
+          <a:blip r:embed="rId7">
+            <a:extLst>
+              <a:ext uri="{28A0092B-C50C-407E-A947-70E740481C1C}">
+                <a14:useLocalDpi xmlns:a14="http://schemas.microsoft.com/office/drawing/2010/main" val="0"/>
+              </a:ext>
+            </a:extLst>
+          </a:blip>
+          <a:stretch>
+            <a:fillRect/>
+          </a:stretch>
+        </p:blipFill>
+        <p:spPr>
+          <a:xfrm>
+            <a:off x="9026686" y="5058379"/>
+            <a:ext cx="1732078" cy="1732078"/>
+          </a:xfrm>
+          <a:prstGeom prst="rect">
+            <a:avLst/>
+          </a:prstGeom>
+        </p:spPr>
+      </p:pic>
+    </p:spTree>
+    <p:extLst>
+      <p:ext uri="{BB962C8B-B14F-4D97-AF65-F5344CB8AC3E}">
+        <p14:creationId xmlns:p14="http://schemas.microsoft.com/office/powerpoint/2010/main" val="780789854"/>
+      </p:ext>
+    </p:extLst>
+  </p:cSld>
+  <p:clrMapOvr>
+    <a:masterClrMapping/>
+  </p:clrMapOvr>
+  <p:transition spd="slow">
+    <p:wheel spokes="1"/>
+  </p:transition>
+  <p:timing>
+    <p:tnLst>
+      <p:par>
+        <p:cTn id="1" dur="indefinite" restart="never" nodeType="tmRoot"/>
+      </p:par>
+    </p:tnLst>
+  </p:timing>
+</p:sld>
+</file>
+
+<file path=ppt/slides/slide11.xml><?xml version="1.0" encoding="utf-8"?>
+<p:sld xmlns:a="http://schemas.openxmlformats.org/drawingml/2006/main" xmlns:r="http://schemas.openxmlformats.org/officeDocument/2006/relationships" xmlns:p="http://schemas.openxmlformats.org/presentationml/2006/main">
+  <p:cSld>
+    <p:spTree>
+      <p:nvGrpSpPr>
+        <p:cNvPr id="1" name=""/>
+        <p:cNvGrpSpPr/>
+        <p:nvPr/>
+      </p:nvGrpSpPr>
+      <p:grpSpPr>
+        <a:xfrm>
+          <a:off x="0" y="0"/>
+          <a:ext cx="0" cy="0"/>
+          <a:chOff x="0" y="0"/>
+          <a:chExt cx="0" cy="0"/>
+        </a:xfrm>
+      </p:grpSpPr>
+      <p:pic>
+        <p:nvPicPr>
           <p:cNvPr id="19" name="Picture 18"/>
           <p:cNvPicPr>
             <a:picLocks noChangeAspect="1"/>
@@ -5241,7 +6853,7 @@
           <a:p>
             <a:fld id="{040C66D9-7A85-4BE2-A0FF-5810B1E5E09A}" type="slidenum">
               <a:rPr lang="de-DE" smtClean="0"/>
-              <a:t>10</a:t>
+              <a:t>11</a:t>
             </a:fld>
             <a:endParaRPr lang="de-DE" dirty="0"/>
           </a:p>
@@ -6503,1474 +8115,6 @@
     <p:extLst>
       <p:ext uri="{BB962C8B-B14F-4D97-AF65-F5344CB8AC3E}">
         <p14:creationId xmlns:p14="http://schemas.microsoft.com/office/powerpoint/2010/main" val="1711740719"/>
-      </p:ext>
-    </p:extLst>
-  </p:cSld>
-  <p:clrMapOvr>
-    <a:masterClrMapping/>
-  </p:clrMapOvr>
-  <p:transition spd="slow">
-    <p:wheel spokes="1"/>
-  </p:transition>
-  <p:timing>
-    <p:tnLst>
-      <p:par>
-        <p:cTn id="1" dur="indefinite" restart="never" nodeType="tmRoot"/>
-      </p:par>
-    </p:tnLst>
-  </p:timing>
-</p:sld>
-</file>
-
-<file path=ppt/slides/slide11.xml><?xml version="1.0" encoding="utf-8"?>
-<p:sld xmlns:a="http://schemas.openxmlformats.org/drawingml/2006/main" xmlns:r="http://schemas.openxmlformats.org/officeDocument/2006/relationships" xmlns:p="http://schemas.openxmlformats.org/presentationml/2006/main">
-  <p:cSld>
-    <p:spTree>
-      <p:nvGrpSpPr>
-        <p:cNvPr id="1" name=""/>
-        <p:cNvGrpSpPr/>
-        <p:nvPr/>
-      </p:nvGrpSpPr>
-      <p:grpSpPr>
-        <a:xfrm>
-          <a:off x="0" y="0"/>
-          <a:ext cx="0" cy="0"/>
-          <a:chOff x="0" y="0"/>
-          <a:chExt cx="0" cy="0"/>
-        </a:xfrm>
-      </p:grpSpPr>
-      <p:pic>
-        <p:nvPicPr>
-          <p:cNvPr id="19" name="Picture 18"/>
-          <p:cNvPicPr>
-            <a:picLocks noChangeAspect="1"/>
-          </p:cNvPicPr>
-          <p:nvPr/>
-        </p:nvPicPr>
-        <p:blipFill>
-          <a:blip r:embed="rId3" cstate="print">
-            <a:extLst>
-              <a:ext uri="{28A0092B-C50C-407E-A947-70E740481C1C}">
-                <a14:useLocalDpi xmlns:a14="http://schemas.microsoft.com/office/drawing/2010/main" val="0"/>
-              </a:ext>
-            </a:extLst>
-          </a:blip>
-          <a:stretch>
-            <a:fillRect/>
-          </a:stretch>
-        </p:blipFill>
-        <p:spPr>
-          <a:xfrm>
-            <a:off x="276045" y="365125"/>
-            <a:ext cx="734484" cy="550863"/>
-          </a:xfrm>
-          <a:prstGeom prst="rect">
-            <a:avLst/>
-          </a:prstGeom>
-        </p:spPr>
-      </p:pic>
-      <p:sp>
-        <p:nvSpPr>
-          <p:cNvPr id="2" name="Titel 1"/>
-          <p:cNvSpPr>
-            <a:spLocks noGrp="1"/>
-          </p:cNvSpPr>
-          <p:nvPr>
-            <p:ph type="title"/>
-          </p:nvPr>
-        </p:nvSpPr>
-        <p:spPr/>
-        <p:txBody>
-          <a:bodyPr/>
-          <a:lstStyle/>
-          <a:p>
-            <a:r>
-              <a:rPr lang="de-DE" dirty="0">
-                <a:solidFill>
-                  <a:srgbClr val="00B0F0"/>
-                </a:solidFill>
-                <a:effectLst>
-                  <a:outerShdw blurRad="38100" dist="38100" dir="2700000" algn="tl">
-                    <a:srgbClr val="000000">
-                      <a:alpha val="43137"/>
-                    </a:srgbClr>
-                  </a:outerShdw>
-                </a:effectLst>
-              </a:rPr>
-              <a:t>HDFS </a:t>
-            </a:r>
-            <a:r>
-              <a:rPr lang="de-DE" dirty="0" smtClean="0"/>
-              <a:t>- </a:t>
-            </a:r>
-            <a:r>
-              <a:rPr lang="en-US" dirty="0"/>
-              <a:t>Architecture</a:t>
-            </a:r>
-            <a:endParaRPr lang="de-DE" dirty="0"/>
-          </a:p>
-        </p:txBody>
-      </p:sp>
-      <p:sp>
-        <p:nvSpPr>
-          <p:cNvPr id="3" name="Inhaltsplatzhalter 2"/>
-          <p:cNvSpPr>
-            <a:spLocks noGrp="1"/>
-          </p:cNvSpPr>
-          <p:nvPr>
-            <p:ph idx="1"/>
-          </p:nvPr>
-        </p:nvSpPr>
-        <p:spPr/>
-        <p:txBody>
-          <a:bodyPr/>
-          <a:lstStyle/>
-          <a:p>
-            <a:r>
-              <a:rPr lang="en-US" dirty="0">
-                <a:solidFill>
-                  <a:schemeClr val="bg2">
-                    <a:lumMod val="90000"/>
-                  </a:schemeClr>
-                </a:solidFill>
-              </a:rPr>
-              <a:t>Blocks</a:t>
-            </a:r>
-          </a:p>
-          <a:p>
-            <a:r>
-              <a:rPr lang="en-US" dirty="0">
-                <a:solidFill>
-                  <a:schemeClr val="bg2">
-                    <a:lumMod val="90000"/>
-                  </a:schemeClr>
-                </a:solidFill>
-              </a:rPr>
-              <a:t>Data Nodes</a:t>
-            </a:r>
-          </a:p>
-          <a:p>
-            <a:r>
-              <a:rPr lang="de-DE" dirty="0" smtClean="0">
-                <a:solidFill>
-                  <a:schemeClr val="bg2">
-                    <a:lumMod val="90000"/>
-                  </a:schemeClr>
-                </a:solidFill>
-              </a:rPr>
-              <a:t>Name </a:t>
-            </a:r>
-            <a:r>
-              <a:rPr lang="en-US" dirty="0" smtClean="0">
-                <a:solidFill>
-                  <a:schemeClr val="bg2">
-                    <a:lumMod val="90000"/>
-                  </a:schemeClr>
-                </a:solidFill>
-              </a:rPr>
-              <a:t>Node</a:t>
-            </a:r>
-          </a:p>
-          <a:p>
-            <a:r>
-              <a:rPr lang="en-US" b="1" dirty="0" smtClean="0"/>
-              <a:t>Secondary Node</a:t>
-            </a:r>
-          </a:p>
-        </p:txBody>
-      </p:sp>
-      <p:sp>
-        <p:nvSpPr>
-          <p:cNvPr id="4" name="Fußzeilenplatzhalter 3"/>
-          <p:cNvSpPr>
-            <a:spLocks noGrp="1"/>
-          </p:cNvSpPr>
-          <p:nvPr>
-            <p:ph type="ftr" sz="quarter" idx="11"/>
-          </p:nvPr>
-        </p:nvSpPr>
-        <p:spPr/>
-        <p:txBody>
-          <a:bodyPr/>
-          <a:lstStyle/>
-          <a:p>
-            <a:r>
-              <a:rPr lang="de-DE" smtClean="0"/>
-              <a:t>File Systems: GFS vs. Hadoop</a:t>
-            </a:r>
-          </a:p>
-          <a:p>
-            <a:r>
-              <a:rPr lang="de-DE" smtClean="0"/>
-              <a:t>Ciprian Lucaci and Daniel Straub</a:t>
-            </a:r>
-            <a:endParaRPr lang="de-DE" dirty="0"/>
-          </a:p>
-        </p:txBody>
-      </p:sp>
-      <p:sp>
-        <p:nvSpPr>
-          <p:cNvPr id="5" name="Foliennummernplatzhalter 4"/>
-          <p:cNvSpPr>
-            <a:spLocks noGrp="1"/>
-          </p:cNvSpPr>
-          <p:nvPr>
-            <p:ph type="sldNum" sz="quarter" idx="12"/>
-          </p:nvPr>
-        </p:nvSpPr>
-        <p:spPr/>
-        <p:txBody>
-          <a:bodyPr/>
-          <a:lstStyle/>
-          <a:p>
-            <a:fld id="{040C66D9-7A85-4BE2-A0FF-5810B1E5E09A}" type="slidenum">
-              <a:rPr lang="de-DE" smtClean="0"/>
-              <a:t>11</a:t>
-            </a:fld>
-            <a:endParaRPr lang="de-DE" dirty="0"/>
-          </a:p>
-        </p:txBody>
-      </p:sp>
-      <p:grpSp>
-        <p:nvGrpSpPr>
-          <p:cNvPr id="58" name="Group 57"/>
-          <p:cNvGrpSpPr/>
-          <p:nvPr/>
-        </p:nvGrpSpPr>
-        <p:grpSpPr>
-          <a:xfrm>
-            <a:off x="4145564" y="1415188"/>
-            <a:ext cx="6542244" cy="5363363"/>
-            <a:chOff x="4145564" y="1415188"/>
-            <a:chExt cx="6542244" cy="5363363"/>
-          </a:xfrm>
-        </p:grpSpPr>
-        <p:sp>
-          <p:nvSpPr>
-            <p:cNvPr id="59" name="Rounded Rectangle 58"/>
-            <p:cNvSpPr/>
-            <p:nvPr/>
-          </p:nvSpPr>
-          <p:spPr>
-            <a:xfrm>
-              <a:off x="9141934" y="4995384"/>
-              <a:ext cx="1545874" cy="1783167"/>
-            </a:xfrm>
-            <a:prstGeom prst="roundRect">
-              <a:avLst/>
-            </a:prstGeom>
-          </p:spPr>
-          <p:style>
-            <a:lnRef idx="2">
-              <a:schemeClr val="accent1"/>
-            </a:lnRef>
-            <a:fillRef idx="1">
-              <a:schemeClr val="lt1"/>
-            </a:fillRef>
-            <a:effectRef idx="0">
-              <a:schemeClr val="accent1"/>
-            </a:effectRef>
-            <a:fontRef idx="minor">
-              <a:schemeClr val="dk1"/>
-            </a:fontRef>
-          </p:style>
-          <p:txBody>
-            <a:bodyPr rtlCol="0" anchor="b"/>
-            <a:lstStyle/>
-            <a:p>
-              <a:pPr algn="ctr"/>
-              <a:r>
-                <a:rPr lang="en-US" sz="2000" b="1" dirty="0" smtClean="0">
-                  <a:effectLst>
-                    <a:outerShdw blurRad="38100" dist="38100" dir="2700000" algn="tl">
-                      <a:srgbClr val="000000">
-                        <a:alpha val="43137"/>
-                      </a:srgbClr>
-                    </a:outerShdw>
-                  </a:effectLst>
-                </a:rPr>
-                <a:t>Rack n</a:t>
-              </a:r>
-              <a:endParaRPr lang="en-US" sz="2000" b="1" dirty="0">
-                <a:effectLst>
-                  <a:outerShdw blurRad="38100" dist="38100" dir="2700000" algn="tl">
-                    <a:srgbClr val="000000">
-                      <a:alpha val="43137"/>
-                    </a:srgbClr>
-                  </a:outerShdw>
-                </a:effectLst>
-              </a:endParaRPr>
-            </a:p>
-          </p:txBody>
-        </p:sp>
-        <p:grpSp>
-          <p:nvGrpSpPr>
-            <p:cNvPr id="60" name="Group 59"/>
-            <p:cNvGrpSpPr/>
-            <p:nvPr/>
-          </p:nvGrpSpPr>
-          <p:grpSpPr>
-            <a:xfrm>
-              <a:off x="9289441" y="5117221"/>
-              <a:ext cx="1239129" cy="1239129"/>
-              <a:chOff x="4039874" y="5152992"/>
-              <a:chExt cx="1239129" cy="1239129"/>
-            </a:xfrm>
-          </p:grpSpPr>
-          <p:pic>
-            <p:nvPicPr>
-              <p:cNvPr id="82" name="Picture 81"/>
-              <p:cNvPicPr>
-                <a:picLocks noChangeAspect="1"/>
-              </p:cNvPicPr>
-              <p:nvPr/>
-            </p:nvPicPr>
-            <p:blipFill>
-              <a:blip r:embed="rId4">
-                <a:extLst>
-                  <a:ext uri="{28A0092B-C50C-407E-A947-70E740481C1C}">
-                    <a14:useLocalDpi xmlns:a14="http://schemas.microsoft.com/office/drawing/2010/main" val="0"/>
-                  </a:ext>
-                </a:extLst>
-              </a:blip>
-              <a:stretch>
-                <a:fillRect/>
-              </a:stretch>
-            </p:blipFill>
-            <p:spPr>
-              <a:xfrm>
-                <a:off x="4039874" y="5152992"/>
-                <a:ext cx="934329" cy="934329"/>
-              </a:xfrm>
-              <a:prstGeom prst="rect">
-                <a:avLst/>
-              </a:prstGeom>
-            </p:spPr>
-          </p:pic>
-          <p:pic>
-            <p:nvPicPr>
-              <p:cNvPr id="83" name="Picture 82"/>
-              <p:cNvPicPr>
-                <a:picLocks noChangeAspect="1"/>
-              </p:cNvPicPr>
-              <p:nvPr/>
-            </p:nvPicPr>
-            <p:blipFill>
-              <a:blip r:embed="rId4">
-                <a:extLst>
-                  <a:ext uri="{28A0092B-C50C-407E-A947-70E740481C1C}">
-                    <a14:useLocalDpi xmlns:a14="http://schemas.microsoft.com/office/drawing/2010/main" val="0"/>
-                  </a:ext>
-                </a:extLst>
-              </a:blip>
-              <a:stretch>
-                <a:fillRect/>
-              </a:stretch>
-            </p:blipFill>
-            <p:spPr>
-              <a:xfrm>
-                <a:off x="4192274" y="5305392"/>
-                <a:ext cx="934329" cy="934329"/>
-              </a:xfrm>
-              <a:prstGeom prst="rect">
-                <a:avLst/>
-              </a:prstGeom>
-            </p:spPr>
-          </p:pic>
-          <p:pic>
-            <p:nvPicPr>
-              <p:cNvPr id="84" name="Picture 83"/>
-              <p:cNvPicPr>
-                <a:picLocks noChangeAspect="1"/>
-              </p:cNvPicPr>
-              <p:nvPr/>
-            </p:nvPicPr>
-            <p:blipFill>
-              <a:blip r:embed="rId4">
-                <a:extLst>
-                  <a:ext uri="{28A0092B-C50C-407E-A947-70E740481C1C}">
-                    <a14:useLocalDpi xmlns:a14="http://schemas.microsoft.com/office/drawing/2010/main" val="0"/>
-                  </a:ext>
-                </a:extLst>
-              </a:blip>
-              <a:stretch>
-                <a:fillRect/>
-              </a:stretch>
-            </p:blipFill>
-            <p:spPr>
-              <a:xfrm>
-                <a:off x="4344674" y="5457792"/>
-                <a:ext cx="934329" cy="934329"/>
-              </a:xfrm>
-              <a:prstGeom prst="rect">
-                <a:avLst/>
-              </a:prstGeom>
-            </p:spPr>
-          </p:pic>
-        </p:grpSp>
-        <p:grpSp>
-          <p:nvGrpSpPr>
-            <p:cNvPr id="61" name="Group 60"/>
-            <p:cNvGrpSpPr/>
-            <p:nvPr/>
-          </p:nvGrpSpPr>
-          <p:grpSpPr>
-            <a:xfrm>
-              <a:off x="4145564" y="1415188"/>
-              <a:ext cx="5769307" cy="4129206"/>
-              <a:chOff x="4145564" y="1415188"/>
-              <a:chExt cx="5769307" cy="4129206"/>
-            </a:xfrm>
-          </p:grpSpPr>
-          <p:sp>
-            <p:nvSpPr>
-              <p:cNvPr id="62" name="Rounded Rectangle 61"/>
-              <p:cNvSpPr/>
-              <p:nvPr/>
-            </p:nvSpPr>
-            <p:spPr>
-              <a:xfrm>
-                <a:off x="7529677" y="3761227"/>
-                <a:ext cx="1545874" cy="1783167"/>
-              </a:xfrm>
-              <a:prstGeom prst="roundRect">
-                <a:avLst/>
-              </a:prstGeom>
-            </p:spPr>
-            <p:style>
-              <a:lnRef idx="2">
-                <a:schemeClr val="accent1"/>
-              </a:lnRef>
-              <a:fillRef idx="1">
-                <a:schemeClr val="lt1"/>
-              </a:fillRef>
-              <a:effectRef idx="0">
-                <a:schemeClr val="accent1"/>
-              </a:effectRef>
-              <a:fontRef idx="minor">
-                <a:schemeClr val="dk1"/>
-              </a:fontRef>
-            </p:style>
-            <p:txBody>
-              <a:bodyPr rtlCol="0" anchor="b"/>
-              <a:lstStyle/>
-              <a:p>
-                <a:pPr algn="ctr"/>
-                <a:r>
-                  <a:rPr lang="en-US" sz="2000" b="1" dirty="0" smtClean="0">
-                    <a:effectLst>
-                      <a:outerShdw blurRad="38100" dist="38100" dir="2700000" algn="tl">
-                        <a:srgbClr val="000000">
-                          <a:alpha val="43137"/>
-                        </a:srgbClr>
-                      </a:outerShdw>
-                    </a:effectLst>
-                  </a:rPr>
-                  <a:t>Rack 3</a:t>
-                </a:r>
-                <a:endParaRPr lang="en-US" sz="2000" b="1" dirty="0">
-                  <a:effectLst>
-                    <a:outerShdw blurRad="38100" dist="38100" dir="2700000" algn="tl">
-                      <a:srgbClr val="000000">
-                        <a:alpha val="43137"/>
-                      </a:srgbClr>
-                    </a:outerShdw>
-                  </a:effectLst>
-                </a:endParaRPr>
-              </a:p>
-            </p:txBody>
-          </p:sp>
-          <p:sp>
-            <p:nvSpPr>
-              <p:cNvPr id="63" name="Rounded Rectangle 62"/>
-              <p:cNvSpPr/>
-              <p:nvPr/>
-            </p:nvSpPr>
-            <p:spPr>
-              <a:xfrm>
-                <a:off x="5831909" y="3691647"/>
-                <a:ext cx="1545874" cy="1635779"/>
-              </a:xfrm>
-              <a:prstGeom prst="roundRect">
-                <a:avLst/>
-              </a:prstGeom>
-            </p:spPr>
-            <p:style>
-              <a:lnRef idx="2">
-                <a:schemeClr val="accent1"/>
-              </a:lnRef>
-              <a:fillRef idx="1">
-                <a:schemeClr val="lt1"/>
-              </a:fillRef>
-              <a:effectRef idx="0">
-                <a:schemeClr val="accent1"/>
-              </a:effectRef>
-              <a:fontRef idx="minor">
-                <a:schemeClr val="dk1"/>
-              </a:fontRef>
-            </p:style>
-            <p:txBody>
-              <a:bodyPr rtlCol="0" anchor="b"/>
-              <a:lstStyle/>
-              <a:p>
-                <a:pPr algn="ctr"/>
-                <a:r>
-                  <a:rPr lang="en-US" sz="2000" b="1" dirty="0" smtClean="0">
-                    <a:effectLst>
-                      <a:outerShdw blurRad="38100" dist="38100" dir="2700000" algn="tl">
-                        <a:srgbClr val="000000">
-                          <a:alpha val="43137"/>
-                        </a:srgbClr>
-                      </a:outerShdw>
-                    </a:effectLst>
-                  </a:rPr>
-                  <a:t>Rack 2</a:t>
-                </a:r>
-                <a:endParaRPr lang="en-US" sz="2000" b="1" dirty="0">
-                  <a:effectLst>
-                    <a:outerShdw blurRad="38100" dist="38100" dir="2700000" algn="tl">
-                      <a:srgbClr val="000000">
-                        <a:alpha val="43137"/>
-                      </a:srgbClr>
-                    </a:outerShdw>
-                  </a:effectLst>
-                </a:endParaRPr>
-              </a:p>
-            </p:txBody>
-          </p:sp>
-          <p:sp>
-            <p:nvSpPr>
-              <p:cNvPr id="64" name="Rounded Rectangle 63"/>
-              <p:cNvSpPr/>
-              <p:nvPr/>
-            </p:nvSpPr>
-            <p:spPr>
-              <a:xfrm>
-                <a:off x="4145564" y="3691648"/>
-                <a:ext cx="1545874" cy="1783167"/>
-              </a:xfrm>
-              <a:prstGeom prst="roundRect">
-                <a:avLst/>
-              </a:prstGeom>
-            </p:spPr>
-            <p:style>
-              <a:lnRef idx="2">
-                <a:schemeClr val="accent1"/>
-              </a:lnRef>
-              <a:fillRef idx="1">
-                <a:schemeClr val="lt1"/>
-              </a:fillRef>
-              <a:effectRef idx="0">
-                <a:schemeClr val="accent1"/>
-              </a:effectRef>
-              <a:fontRef idx="minor">
-                <a:schemeClr val="dk1"/>
-              </a:fontRef>
-            </p:style>
-            <p:txBody>
-              <a:bodyPr rtlCol="0" anchor="b"/>
-              <a:lstStyle/>
-              <a:p>
-                <a:pPr algn="ctr"/>
-                <a:r>
-                  <a:rPr lang="en-US" sz="2000" b="1" dirty="0" smtClean="0">
-                    <a:effectLst>
-                      <a:outerShdw blurRad="38100" dist="38100" dir="2700000" algn="tl">
-                        <a:srgbClr val="000000">
-                          <a:alpha val="43137"/>
-                        </a:srgbClr>
-                      </a:outerShdw>
-                    </a:effectLst>
-                  </a:rPr>
-                  <a:t>Rack 1</a:t>
-                </a:r>
-                <a:endParaRPr lang="en-US" sz="2000" b="1" dirty="0">
-                  <a:effectLst>
-                    <a:outerShdw blurRad="38100" dist="38100" dir="2700000" algn="tl">
-                      <a:srgbClr val="000000">
-                        <a:alpha val="43137"/>
-                      </a:srgbClr>
-                    </a:outerShdw>
-                  </a:effectLst>
-                </a:endParaRPr>
-              </a:p>
-            </p:txBody>
-          </p:sp>
-          <p:grpSp>
-            <p:nvGrpSpPr>
-              <p:cNvPr id="65" name="Group 64"/>
-              <p:cNvGrpSpPr/>
-              <p:nvPr/>
-            </p:nvGrpSpPr>
-            <p:grpSpPr>
-              <a:xfrm>
-                <a:off x="4289818" y="3824222"/>
-                <a:ext cx="1239129" cy="1239129"/>
-                <a:chOff x="4289818" y="3824222"/>
-                <a:chExt cx="1239129" cy="1239129"/>
-              </a:xfrm>
-            </p:grpSpPr>
-            <p:pic>
-              <p:nvPicPr>
-                <p:cNvPr id="79" name="Picture 78"/>
-                <p:cNvPicPr>
-                  <a:picLocks noChangeAspect="1"/>
-                </p:cNvPicPr>
-                <p:nvPr/>
-              </p:nvPicPr>
-              <p:blipFill>
-                <a:blip r:embed="rId4">
-                  <a:extLst>
-                    <a:ext uri="{28A0092B-C50C-407E-A947-70E740481C1C}">
-                      <a14:useLocalDpi xmlns:a14="http://schemas.microsoft.com/office/drawing/2010/main" val="0"/>
-                    </a:ext>
-                  </a:extLst>
-                </a:blip>
-                <a:stretch>
-                  <a:fillRect/>
-                </a:stretch>
-              </p:blipFill>
-              <p:spPr>
-                <a:xfrm>
-                  <a:off x="4289818" y="3824222"/>
-                  <a:ext cx="934329" cy="934329"/>
-                </a:xfrm>
-                <a:prstGeom prst="rect">
-                  <a:avLst/>
-                </a:prstGeom>
-              </p:spPr>
-            </p:pic>
-            <p:pic>
-              <p:nvPicPr>
-                <p:cNvPr id="80" name="Picture 79"/>
-                <p:cNvPicPr>
-                  <a:picLocks noChangeAspect="1"/>
-                </p:cNvPicPr>
-                <p:nvPr/>
-              </p:nvPicPr>
-              <p:blipFill>
-                <a:blip r:embed="rId4">
-                  <a:extLst>
-                    <a:ext uri="{28A0092B-C50C-407E-A947-70E740481C1C}">
-                      <a14:useLocalDpi xmlns:a14="http://schemas.microsoft.com/office/drawing/2010/main" val="0"/>
-                    </a:ext>
-                  </a:extLst>
-                </a:blip>
-                <a:stretch>
-                  <a:fillRect/>
-                </a:stretch>
-              </p:blipFill>
-              <p:spPr>
-                <a:xfrm>
-                  <a:off x="4442218" y="3976622"/>
-                  <a:ext cx="934329" cy="934329"/>
-                </a:xfrm>
-                <a:prstGeom prst="rect">
-                  <a:avLst/>
-                </a:prstGeom>
-              </p:spPr>
-            </p:pic>
-            <p:pic>
-              <p:nvPicPr>
-                <p:cNvPr id="81" name="Picture 80"/>
-                <p:cNvPicPr>
-                  <a:picLocks noChangeAspect="1"/>
-                </p:cNvPicPr>
-                <p:nvPr/>
-              </p:nvPicPr>
-              <p:blipFill>
-                <a:blip r:embed="rId4">
-                  <a:extLst>
-                    <a:ext uri="{28A0092B-C50C-407E-A947-70E740481C1C}">
-                      <a14:useLocalDpi xmlns:a14="http://schemas.microsoft.com/office/drawing/2010/main" val="0"/>
-                    </a:ext>
-                  </a:extLst>
-                </a:blip>
-                <a:stretch>
-                  <a:fillRect/>
-                </a:stretch>
-              </p:blipFill>
-              <p:spPr>
-                <a:xfrm>
-                  <a:off x="4594618" y="4129022"/>
-                  <a:ext cx="934329" cy="934329"/>
-                </a:xfrm>
-                <a:prstGeom prst="rect">
-                  <a:avLst/>
-                </a:prstGeom>
-              </p:spPr>
-            </p:pic>
-          </p:grpSp>
-          <p:grpSp>
-            <p:nvGrpSpPr>
-              <p:cNvPr id="66" name="Group 65"/>
-              <p:cNvGrpSpPr/>
-              <p:nvPr/>
-            </p:nvGrpSpPr>
-            <p:grpSpPr>
-              <a:xfrm>
-                <a:off x="5948435" y="3835324"/>
-                <a:ext cx="1191327" cy="1113716"/>
-                <a:chOff x="5948435" y="3835324"/>
-                <a:chExt cx="1191327" cy="1113716"/>
-              </a:xfrm>
-            </p:grpSpPr>
-            <p:pic>
-              <p:nvPicPr>
-                <p:cNvPr id="77" name="Picture 76"/>
-                <p:cNvPicPr>
-                  <a:picLocks noChangeAspect="1"/>
-                </p:cNvPicPr>
-                <p:nvPr/>
-              </p:nvPicPr>
-              <p:blipFill>
-                <a:blip r:embed="rId4">
-                  <a:extLst>
-                    <a:ext uri="{28A0092B-C50C-407E-A947-70E740481C1C}">
-                      <a14:useLocalDpi xmlns:a14="http://schemas.microsoft.com/office/drawing/2010/main" val="0"/>
-                    </a:ext>
-                  </a:extLst>
-                </a:blip>
-                <a:stretch>
-                  <a:fillRect/>
-                </a:stretch>
-              </p:blipFill>
-              <p:spPr>
-                <a:xfrm>
-                  <a:off x="5948435" y="3835324"/>
-                  <a:ext cx="934329" cy="934329"/>
-                </a:xfrm>
-                <a:prstGeom prst="rect">
-                  <a:avLst/>
-                </a:prstGeom>
-              </p:spPr>
-            </p:pic>
-            <p:pic>
-              <p:nvPicPr>
-                <p:cNvPr id="78" name="Picture 77"/>
-                <p:cNvPicPr>
-                  <a:picLocks noChangeAspect="1"/>
-                </p:cNvPicPr>
-                <p:nvPr/>
-              </p:nvPicPr>
-              <p:blipFill>
-                <a:blip r:embed="rId4">
-                  <a:extLst>
-                    <a:ext uri="{28A0092B-C50C-407E-A947-70E740481C1C}">
-                      <a14:useLocalDpi xmlns:a14="http://schemas.microsoft.com/office/drawing/2010/main" val="0"/>
-                    </a:ext>
-                  </a:extLst>
-                </a:blip>
-                <a:stretch>
-                  <a:fillRect/>
-                </a:stretch>
-              </p:blipFill>
-              <p:spPr>
-                <a:xfrm>
-                  <a:off x="6205433" y="4014711"/>
-                  <a:ext cx="934329" cy="934329"/>
-                </a:xfrm>
-                <a:prstGeom prst="rect">
-                  <a:avLst/>
-                </a:prstGeom>
-              </p:spPr>
-            </p:pic>
-          </p:grpSp>
-          <p:grpSp>
-            <p:nvGrpSpPr>
-              <p:cNvPr id="67" name="Group 66"/>
-              <p:cNvGrpSpPr/>
-              <p:nvPr/>
-            </p:nvGrpSpPr>
-            <p:grpSpPr>
-              <a:xfrm>
-                <a:off x="7589053" y="3913833"/>
-                <a:ext cx="1239129" cy="1239129"/>
-                <a:chOff x="7589053" y="3913833"/>
-                <a:chExt cx="1239129" cy="1239129"/>
-              </a:xfrm>
-            </p:grpSpPr>
-            <p:pic>
-              <p:nvPicPr>
-                <p:cNvPr id="74" name="Picture 73"/>
-                <p:cNvPicPr>
-                  <a:picLocks noChangeAspect="1"/>
-                </p:cNvPicPr>
-                <p:nvPr/>
-              </p:nvPicPr>
-              <p:blipFill>
-                <a:blip r:embed="rId4">
-                  <a:extLst>
-                    <a:ext uri="{28A0092B-C50C-407E-A947-70E740481C1C}">
-                      <a14:useLocalDpi xmlns:a14="http://schemas.microsoft.com/office/drawing/2010/main" val="0"/>
-                    </a:ext>
-                  </a:extLst>
-                </a:blip>
-                <a:stretch>
-                  <a:fillRect/>
-                </a:stretch>
-              </p:blipFill>
-              <p:spPr>
-                <a:xfrm>
-                  <a:off x="7589053" y="3913833"/>
-                  <a:ext cx="934329" cy="934329"/>
-                </a:xfrm>
-                <a:prstGeom prst="rect">
-                  <a:avLst/>
-                </a:prstGeom>
-              </p:spPr>
-            </p:pic>
-            <p:pic>
-              <p:nvPicPr>
-                <p:cNvPr id="75" name="Picture 74"/>
-                <p:cNvPicPr>
-                  <a:picLocks noChangeAspect="1"/>
-                </p:cNvPicPr>
-                <p:nvPr/>
-              </p:nvPicPr>
-              <p:blipFill>
-                <a:blip r:embed="rId4">
-                  <a:extLst>
-                    <a:ext uri="{28A0092B-C50C-407E-A947-70E740481C1C}">
-                      <a14:useLocalDpi xmlns:a14="http://schemas.microsoft.com/office/drawing/2010/main" val="0"/>
-                    </a:ext>
-                  </a:extLst>
-                </a:blip>
-                <a:stretch>
-                  <a:fillRect/>
-                </a:stretch>
-              </p:blipFill>
-              <p:spPr>
-                <a:xfrm>
-                  <a:off x="7741453" y="4066233"/>
-                  <a:ext cx="934329" cy="934329"/>
-                </a:xfrm>
-                <a:prstGeom prst="rect">
-                  <a:avLst/>
-                </a:prstGeom>
-              </p:spPr>
-            </p:pic>
-            <p:pic>
-              <p:nvPicPr>
-                <p:cNvPr id="76" name="Picture 75"/>
-                <p:cNvPicPr>
-                  <a:picLocks noChangeAspect="1"/>
-                </p:cNvPicPr>
-                <p:nvPr/>
-              </p:nvPicPr>
-              <p:blipFill>
-                <a:blip r:embed="rId4">
-                  <a:extLst>
-                    <a:ext uri="{28A0092B-C50C-407E-A947-70E740481C1C}">
-                      <a14:useLocalDpi xmlns:a14="http://schemas.microsoft.com/office/drawing/2010/main" val="0"/>
-                    </a:ext>
-                  </a:extLst>
-                </a:blip>
-                <a:stretch>
-                  <a:fillRect/>
-                </a:stretch>
-              </p:blipFill>
-              <p:spPr>
-                <a:xfrm>
-                  <a:off x="7893853" y="4218633"/>
-                  <a:ext cx="934329" cy="934329"/>
-                </a:xfrm>
-                <a:prstGeom prst="rect">
-                  <a:avLst/>
-                </a:prstGeom>
-              </p:spPr>
-            </p:pic>
-          </p:grpSp>
-          <p:pic>
-            <p:nvPicPr>
-              <p:cNvPr id="68" name="Picture 67"/>
-              <p:cNvPicPr>
-                <a:picLocks noChangeAspect="1"/>
-              </p:cNvPicPr>
-              <p:nvPr/>
-            </p:nvPicPr>
-            <p:blipFill>
-              <a:blip r:embed="rId5">
-                <a:extLst>
-                  <a:ext uri="{28A0092B-C50C-407E-A947-70E740481C1C}">
-                    <a14:useLocalDpi xmlns:a14="http://schemas.microsoft.com/office/drawing/2010/main" val="0"/>
-                  </a:ext>
-                </a:extLst>
-              </a:blip>
-              <a:stretch>
-                <a:fillRect/>
-              </a:stretch>
-            </p:blipFill>
-            <p:spPr>
-              <a:xfrm>
-                <a:off x="5986797" y="1415188"/>
-                <a:ext cx="1371600" cy="1371600"/>
-              </a:xfrm>
-              <a:prstGeom prst="rect">
-                <a:avLst/>
-              </a:prstGeom>
-            </p:spPr>
-          </p:pic>
-          <p:sp>
-            <p:nvSpPr>
-              <p:cNvPr id="69" name="Rounded Rectangle 68"/>
-              <p:cNvSpPr/>
-              <p:nvPr/>
-            </p:nvSpPr>
-            <p:spPr>
-              <a:xfrm>
-                <a:off x="5641145" y="2786788"/>
-                <a:ext cx="2100308" cy="452430"/>
-              </a:xfrm>
-              <a:prstGeom prst="roundRect">
-                <a:avLst/>
-              </a:prstGeom>
-              <a:solidFill>
-                <a:srgbClr val="C00000"/>
-              </a:solidFill>
-              <a:ln>
-                <a:noFill/>
-              </a:ln>
-              <a:effectLst>
-                <a:glow rad="228600">
-                  <a:srgbClr val="C00000">
-                    <a:alpha val="40000"/>
-                  </a:srgbClr>
-                </a:glow>
-                <a:outerShdw blurRad="107950" dist="12700" dir="5400000" algn="ctr">
-                  <a:srgbClr val="000000"/>
-                </a:outerShdw>
-              </a:effectLst>
-              <a:scene3d>
-                <a:camera prst="orthographicFront">
-                  <a:rot lat="0" lon="0" rev="0"/>
-                </a:camera>
-                <a:lightRig rig="soft" dir="t">
-                  <a:rot lat="0" lon="0" rev="0"/>
-                </a:lightRig>
-              </a:scene3d>
-              <a:sp3d contourW="44450" prstMaterial="matte">
-                <a:bevelT w="63500" h="63500" prst="artDeco"/>
-                <a:contourClr>
-                  <a:srgbClr val="FFFFFF"/>
-                </a:contourClr>
-              </a:sp3d>
-            </p:spPr>
-            <p:style>
-              <a:lnRef idx="0">
-                <a:schemeClr val="accent6"/>
-              </a:lnRef>
-              <a:fillRef idx="3">
-                <a:schemeClr val="accent6"/>
-              </a:fillRef>
-              <a:effectRef idx="3">
-                <a:schemeClr val="accent6"/>
-              </a:effectRef>
-              <a:fontRef idx="minor">
-                <a:schemeClr val="lt1"/>
-              </a:fontRef>
-            </p:style>
-            <p:txBody>
-              <a:bodyPr rtlCol="0" anchor="ctr"/>
-              <a:lstStyle/>
-              <a:p>
-                <a:pPr algn="ctr"/>
-                <a:r>
-                  <a:rPr lang="en-US" sz="2000" b="1" dirty="0" err="1" smtClean="0">
-                    <a:effectLst>
-                      <a:outerShdw blurRad="38100" dist="38100" dir="2700000" algn="tl">
-                        <a:srgbClr val="000000">
-                          <a:alpha val="43137"/>
-                        </a:srgbClr>
-                      </a:outerShdw>
-                    </a:effectLst>
-                  </a:rPr>
-                  <a:t>Namenode</a:t>
-                </a:r>
-                <a:endParaRPr lang="en-US" sz="2000" b="1" dirty="0">
-                  <a:effectLst>
-                    <a:outerShdw blurRad="38100" dist="38100" dir="2700000" algn="tl">
-                      <a:srgbClr val="000000">
-                        <a:alpha val="43137"/>
-                      </a:srgbClr>
-                    </a:outerShdw>
-                  </a:effectLst>
-                </a:endParaRPr>
-              </a:p>
-            </p:txBody>
-          </p:sp>
-          <p:cxnSp>
-            <p:nvCxnSpPr>
-              <p:cNvPr id="70" name="Straight Arrow Connector 69"/>
-              <p:cNvCxnSpPr/>
-              <p:nvPr/>
-            </p:nvCxnSpPr>
-            <p:spPr>
-              <a:xfrm flipH="1">
-                <a:off x="5279003" y="3239218"/>
-                <a:ext cx="1417219" cy="840115"/>
-              </a:xfrm>
-              <a:prstGeom prst="straightConnector1">
-                <a:avLst/>
-              </a:prstGeom>
-              <a:ln>
-                <a:headEnd type="triangle"/>
-                <a:tailEnd type="triangle"/>
-              </a:ln>
-            </p:spPr>
-            <p:style>
-              <a:lnRef idx="1">
-                <a:schemeClr val="accent1"/>
-              </a:lnRef>
-              <a:fillRef idx="0">
-                <a:schemeClr val="accent1"/>
-              </a:fillRef>
-              <a:effectRef idx="0">
-                <a:schemeClr val="accent1"/>
-              </a:effectRef>
-              <a:fontRef idx="minor">
-                <a:schemeClr val="tx1"/>
-              </a:fontRef>
-            </p:style>
-          </p:cxnSp>
-          <p:cxnSp>
-            <p:nvCxnSpPr>
-              <p:cNvPr id="71" name="Straight Arrow Connector 70"/>
-              <p:cNvCxnSpPr/>
-              <p:nvPr/>
-            </p:nvCxnSpPr>
-            <p:spPr>
-              <a:xfrm>
-                <a:off x="6696222" y="3239218"/>
-                <a:ext cx="0" cy="674615"/>
-              </a:xfrm>
-              <a:prstGeom prst="straightConnector1">
-                <a:avLst/>
-              </a:prstGeom>
-              <a:ln>
-                <a:headEnd type="triangle"/>
-                <a:tailEnd type="triangle"/>
-              </a:ln>
-            </p:spPr>
-            <p:style>
-              <a:lnRef idx="1">
-                <a:schemeClr val="accent1"/>
-              </a:lnRef>
-              <a:fillRef idx="0">
-                <a:schemeClr val="accent1"/>
-              </a:fillRef>
-              <a:effectRef idx="0">
-                <a:schemeClr val="accent1"/>
-              </a:effectRef>
-              <a:fontRef idx="minor">
-                <a:schemeClr val="tx1"/>
-              </a:fontRef>
-            </p:style>
-          </p:cxnSp>
-          <p:cxnSp>
-            <p:nvCxnSpPr>
-              <p:cNvPr id="72" name="Straight Arrow Connector 71"/>
-              <p:cNvCxnSpPr/>
-              <p:nvPr/>
-            </p:nvCxnSpPr>
-            <p:spPr>
-              <a:xfrm>
-                <a:off x="6696222" y="3239218"/>
-                <a:ext cx="1359996" cy="674615"/>
-              </a:xfrm>
-              <a:prstGeom prst="straightConnector1">
-                <a:avLst/>
-              </a:prstGeom>
-              <a:ln>
-                <a:headEnd type="triangle"/>
-                <a:tailEnd type="triangle"/>
-              </a:ln>
-            </p:spPr>
-            <p:style>
-              <a:lnRef idx="1">
-                <a:schemeClr val="accent1"/>
-              </a:lnRef>
-              <a:fillRef idx="0">
-                <a:schemeClr val="accent1"/>
-              </a:fillRef>
-              <a:effectRef idx="0">
-                <a:schemeClr val="accent1"/>
-              </a:effectRef>
-              <a:fontRef idx="minor">
-                <a:schemeClr val="tx1"/>
-              </a:fontRef>
-            </p:style>
-          </p:cxnSp>
-          <p:cxnSp>
-            <p:nvCxnSpPr>
-              <p:cNvPr id="73" name="Straight Arrow Connector 72"/>
-              <p:cNvCxnSpPr>
-                <a:endCxn id="59" idx="0"/>
-              </p:cNvCxnSpPr>
-              <p:nvPr/>
-            </p:nvCxnSpPr>
-            <p:spPr>
-              <a:xfrm>
-                <a:off x="6696223" y="3239218"/>
-                <a:ext cx="3218648" cy="1756166"/>
-              </a:xfrm>
-              <a:prstGeom prst="straightConnector1">
-                <a:avLst/>
-              </a:prstGeom>
-              <a:ln>
-                <a:headEnd type="triangle"/>
-                <a:tailEnd type="triangle"/>
-              </a:ln>
-            </p:spPr>
-            <p:style>
-              <a:lnRef idx="1">
-                <a:schemeClr val="accent1"/>
-              </a:lnRef>
-              <a:fillRef idx="0">
-                <a:schemeClr val="accent1"/>
-              </a:fillRef>
-              <a:effectRef idx="0">
-                <a:schemeClr val="accent1"/>
-              </a:effectRef>
-              <a:fontRef idx="minor">
-                <a:schemeClr val="tx1"/>
-              </a:fontRef>
-            </p:style>
-          </p:cxnSp>
-        </p:grpSp>
-      </p:grpSp>
-      <p:grpSp>
-        <p:nvGrpSpPr>
-          <p:cNvPr id="6" name="Group 5"/>
-          <p:cNvGrpSpPr/>
-          <p:nvPr/>
-        </p:nvGrpSpPr>
-        <p:grpSpPr>
-          <a:xfrm>
-            <a:off x="9729031" y="1438771"/>
-            <a:ext cx="2100308" cy="1824030"/>
-            <a:chOff x="9673103" y="1358112"/>
-            <a:chExt cx="2100308" cy="1824030"/>
-          </a:xfrm>
-        </p:grpSpPr>
-        <p:pic>
-          <p:nvPicPr>
-            <p:cNvPr id="85" name="Picture 84"/>
-            <p:cNvPicPr>
-              <a:picLocks noChangeAspect="1"/>
-            </p:cNvPicPr>
-            <p:nvPr/>
-          </p:nvPicPr>
-          <p:blipFill>
-            <a:blip r:embed="rId5">
-              <a:extLst>
-                <a:ext uri="{28A0092B-C50C-407E-A947-70E740481C1C}">
-                  <a14:useLocalDpi xmlns:a14="http://schemas.microsoft.com/office/drawing/2010/main" val="0"/>
-                </a:ext>
-              </a:extLst>
-            </a:blip>
-            <a:stretch>
-              <a:fillRect/>
-            </a:stretch>
-          </p:blipFill>
-          <p:spPr>
-            <a:xfrm>
-              <a:off x="10018755" y="1358112"/>
-              <a:ext cx="1371600" cy="1371600"/>
-            </a:xfrm>
-            <a:prstGeom prst="rect">
-              <a:avLst/>
-            </a:prstGeom>
-          </p:spPr>
-        </p:pic>
-        <p:sp>
-          <p:nvSpPr>
-            <p:cNvPr id="86" name="Rounded Rectangle 85"/>
-            <p:cNvSpPr/>
-            <p:nvPr/>
-          </p:nvSpPr>
-          <p:spPr>
-            <a:xfrm>
-              <a:off x="9673103" y="2729712"/>
-              <a:ext cx="2100308" cy="452430"/>
-            </a:xfrm>
-            <a:prstGeom prst="roundRect">
-              <a:avLst/>
-            </a:prstGeom>
-            <a:ln>
-              <a:noFill/>
-            </a:ln>
-            <a:effectLst>
-              <a:outerShdw blurRad="107950" dist="12700" dir="5400000" algn="ctr">
-                <a:srgbClr val="000000"/>
-              </a:outerShdw>
-            </a:effectLst>
-            <a:scene3d>
-              <a:camera prst="orthographicFront">
-                <a:rot lat="0" lon="0" rev="0"/>
-              </a:camera>
-              <a:lightRig rig="soft" dir="t">
-                <a:rot lat="0" lon="0" rev="0"/>
-              </a:lightRig>
-            </a:scene3d>
-            <a:sp3d contourW="44450" prstMaterial="matte">
-              <a:bevelT w="63500" h="63500" prst="artDeco"/>
-              <a:contourClr>
-                <a:srgbClr val="FFFFFF"/>
-              </a:contourClr>
-            </a:sp3d>
-          </p:spPr>
-          <p:style>
-            <a:lnRef idx="0">
-              <a:schemeClr val="accent2"/>
-            </a:lnRef>
-            <a:fillRef idx="3">
-              <a:schemeClr val="accent2"/>
-            </a:fillRef>
-            <a:effectRef idx="3">
-              <a:schemeClr val="accent2"/>
-            </a:effectRef>
-            <a:fontRef idx="minor">
-              <a:schemeClr val="lt1"/>
-            </a:fontRef>
-          </p:style>
-          <p:txBody>
-            <a:bodyPr rtlCol="0" anchor="ctr"/>
-            <a:lstStyle/>
-            <a:p>
-              <a:pPr algn="ctr"/>
-              <a:r>
-                <a:rPr lang="en-US" sz="2000" b="1" dirty="0" smtClean="0">
-                  <a:effectLst>
-                    <a:outerShdw blurRad="38100" dist="38100" dir="2700000" algn="tl">
-                      <a:srgbClr val="000000">
-                        <a:alpha val="43137"/>
-                      </a:srgbClr>
-                    </a:outerShdw>
-                  </a:effectLst>
-                </a:rPr>
-                <a:t>Secondary node</a:t>
-              </a:r>
-              <a:endParaRPr lang="en-US" sz="2000" b="1" dirty="0">
-                <a:effectLst>
-                  <a:outerShdw blurRad="38100" dist="38100" dir="2700000" algn="tl">
-                    <a:srgbClr val="000000">
-                      <a:alpha val="43137"/>
-                    </a:srgbClr>
-                  </a:outerShdw>
-                </a:effectLst>
-              </a:endParaRPr>
-            </a:p>
-          </p:txBody>
-        </p:sp>
-      </p:grpSp>
-      <p:cxnSp>
-        <p:nvCxnSpPr>
-          <p:cNvPr id="9" name="Straight Arrow Connector 8"/>
-          <p:cNvCxnSpPr>
-            <a:stCxn id="68" idx="3"/>
-            <a:endCxn id="85" idx="1"/>
-          </p:cNvCxnSpPr>
-          <p:nvPr/>
-        </p:nvCxnSpPr>
-        <p:spPr>
-          <a:xfrm>
-            <a:off x="7358397" y="2100988"/>
-            <a:ext cx="2716286" cy="23583"/>
-          </a:xfrm>
-          <a:prstGeom prst="straightConnector1">
-            <a:avLst/>
-          </a:prstGeom>
-          <a:ln>
-            <a:headEnd type="triangle"/>
-            <a:tailEnd type="triangle"/>
-          </a:ln>
-        </p:spPr>
-        <p:style>
-          <a:lnRef idx="1">
-            <a:schemeClr val="accent1"/>
-          </a:lnRef>
-          <a:fillRef idx="0">
-            <a:schemeClr val="accent1"/>
-          </a:fillRef>
-          <a:effectRef idx="0">
-            <a:schemeClr val="accent1"/>
-          </a:effectRef>
-          <a:fontRef idx="minor">
-            <a:schemeClr val="tx1"/>
-          </a:fontRef>
-        </p:style>
-      </p:cxnSp>
-      <p:sp>
-        <p:nvSpPr>
-          <p:cNvPr id="87" name="Rounded Rectangle 86"/>
-          <p:cNvSpPr/>
-          <p:nvPr/>
-        </p:nvSpPr>
-        <p:spPr>
-          <a:xfrm>
-            <a:off x="1054633" y="3796318"/>
-            <a:ext cx="2365717" cy="1199066"/>
-          </a:xfrm>
-          <a:prstGeom prst="roundRect">
-            <a:avLst/>
-          </a:prstGeom>
-          <a:solidFill>
-            <a:srgbClr val="ED7626"/>
-          </a:solidFill>
-          <a:effectLst>
-            <a:softEdge rad="63500"/>
-          </a:effectLst>
-        </p:spPr>
-        <p:style>
-          <a:lnRef idx="2">
-            <a:schemeClr val="accent1">
-              <a:shade val="50000"/>
-            </a:schemeClr>
-          </a:lnRef>
-          <a:fillRef idx="1">
-            <a:schemeClr val="accent1"/>
-          </a:fillRef>
-          <a:effectRef idx="0">
-            <a:schemeClr val="accent1"/>
-          </a:effectRef>
-          <a:fontRef idx="minor">
-            <a:schemeClr val="lt1"/>
-          </a:fontRef>
-        </p:style>
-        <p:txBody>
-          <a:bodyPr rtlCol="0" anchor="ctr"/>
-          <a:lstStyle/>
-          <a:p>
-            <a:pPr marL="285750" indent="-285750">
-              <a:buFont typeface="Arial" panose="020B0604020202020204" pitchFamily="34" charset="0"/>
-              <a:buChar char="•"/>
-            </a:pPr>
-            <a:r>
-              <a:rPr lang="en-US" sz="2000" dirty="0">
-                <a:effectLst>
-                  <a:outerShdw blurRad="38100" dist="38100" dir="2700000" algn="tl">
-                    <a:srgbClr val="000000">
-                      <a:alpha val="43137"/>
-                    </a:srgbClr>
-                  </a:outerShdw>
-                </a:effectLst>
-              </a:rPr>
-              <a:t>Edit log</a:t>
-            </a:r>
-          </a:p>
-          <a:p>
-            <a:pPr marL="285750" indent="-285750">
-              <a:buFont typeface="Arial" panose="020B0604020202020204" pitchFamily="34" charset="0"/>
-              <a:buChar char="•"/>
-            </a:pPr>
-            <a:r>
-              <a:rPr lang="en-US" sz="2000" dirty="0">
-                <a:effectLst>
-                  <a:outerShdw blurRad="38100" dist="38100" dir="2700000" algn="tl">
-                    <a:srgbClr val="000000">
-                      <a:alpha val="43137"/>
-                    </a:srgbClr>
-                  </a:outerShdw>
-                </a:effectLst>
-              </a:rPr>
-              <a:t>System image</a:t>
-            </a:r>
-          </a:p>
-        </p:txBody>
-      </p:sp>
-      <p:sp>
-        <p:nvSpPr>
-          <p:cNvPr id="39" name="Rounded Rectangle 38"/>
-          <p:cNvSpPr/>
-          <p:nvPr/>
-        </p:nvSpPr>
-        <p:spPr>
-          <a:xfrm>
-            <a:off x="6018127" y="5395747"/>
-            <a:ext cx="1308940" cy="448817"/>
-          </a:xfrm>
-          <a:prstGeom prst="roundRect">
-            <a:avLst/>
-          </a:prstGeom>
-          <a:ln>
-            <a:noFill/>
-          </a:ln>
-          <a:effectLst>
-            <a:glow rad="139700">
-              <a:schemeClr val="accent5">
-                <a:satMod val="175000"/>
-                <a:alpha val="40000"/>
-              </a:schemeClr>
-            </a:glow>
-            <a:outerShdw blurRad="107950" dist="12700" dir="5400000" algn="ctr">
-              <a:srgbClr val="000000"/>
-            </a:outerShdw>
-          </a:effectLst>
-          <a:scene3d>
-            <a:camera prst="orthographicFront">
-              <a:rot lat="0" lon="0" rev="0"/>
-            </a:camera>
-            <a:lightRig rig="soft" dir="t">
-              <a:rot lat="0" lon="0" rev="0"/>
-            </a:lightRig>
-          </a:scene3d>
-          <a:sp3d contourW="44450" prstMaterial="matte">
-            <a:bevelT w="63500" h="63500" prst="artDeco"/>
-            <a:contourClr>
-              <a:srgbClr val="FFFFFF"/>
-            </a:contourClr>
-          </a:sp3d>
-        </p:spPr>
-        <p:style>
-          <a:lnRef idx="2">
-            <a:schemeClr val="accent1">
-              <a:shade val="50000"/>
-            </a:schemeClr>
-          </a:lnRef>
-          <a:fillRef idx="1">
-            <a:schemeClr val="accent1"/>
-          </a:fillRef>
-          <a:effectRef idx="0">
-            <a:schemeClr val="accent1"/>
-          </a:effectRef>
-          <a:fontRef idx="minor">
-            <a:schemeClr val="lt1"/>
-          </a:fontRef>
-        </p:style>
-        <p:txBody>
-          <a:bodyPr rtlCol="0" anchor="ctr"/>
-          <a:lstStyle/>
-          <a:p>
-            <a:pPr algn="ctr"/>
-            <a:r>
-              <a:rPr lang="en-US" b="1" dirty="0" err="1" smtClean="0">
-                <a:effectLst>
-                  <a:outerShdw blurRad="38100" dist="38100" dir="2700000" algn="tl">
-                    <a:srgbClr val="000000">
-                      <a:alpha val="43137"/>
-                    </a:srgbClr>
-                  </a:outerShdw>
-                </a:effectLst>
-              </a:rPr>
-              <a:t>Datanodes</a:t>
-            </a:r>
-            <a:endParaRPr lang="en-US" b="1" dirty="0">
-              <a:effectLst>
-                <a:outerShdw blurRad="38100" dist="38100" dir="2700000" algn="tl">
-                  <a:srgbClr val="000000">
-                    <a:alpha val="43137"/>
-                  </a:srgbClr>
-                </a:outerShdw>
-              </a:effectLst>
-            </a:endParaRPr>
-          </a:p>
-        </p:txBody>
-      </p:sp>
-    </p:spTree>
-    <p:extLst>
-      <p:ext uri="{BB962C8B-B14F-4D97-AF65-F5344CB8AC3E}">
-        <p14:creationId xmlns:p14="http://schemas.microsoft.com/office/powerpoint/2010/main" val="2504517817"/>
       </p:ext>
     </p:extLst>
   </p:cSld>
@@ -9664,6 +9808,1474 @@
 </file>
 
 <file path=ppt/slides/slide13.xml><?xml version="1.0" encoding="utf-8"?>
+<p:sld xmlns:a="http://schemas.openxmlformats.org/drawingml/2006/main" xmlns:r="http://schemas.openxmlformats.org/officeDocument/2006/relationships" xmlns:p="http://schemas.openxmlformats.org/presentationml/2006/main">
+  <p:cSld>
+    <p:spTree>
+      <p:nvGrpSpPr>
+        <p:cNvPr id="1" name=""/>
+        <p:cNvGrpSpPr/>
+        <p:nvPr/>
+      </p:nvGrpSpPr>
+      <p:grpSpPr>
+        <a:xfrm>
+          <a:off x="0" y="0"/>
+          <a:ext cx="0" cy="0"/>
+          <a:chOff x="0" y="0"/>
+          <a:chExt cx="0" cy="0"/>
+        </a:xfrm>
+      </p:grpSpPr>
+      <p:pic>
+        <p:nvPicPr>
+          <p:cNvPr id="19" name="Picture 18"/>
+          <p:cNvPicPr>
+            <a:picLocks noChangeAspect="1"/>
+          </p:cNvPicPr>
+          <p:nvPr/>
+        </p:nvPicPr>
+        <p:blipFill>
+          <a:blip r:embed="rId3" cstate="print">
+            <a:extLst>
+              <a:ext uri="{28A0092B-C50C-407E-A947-70E740481C1C}">
+                <a14:useLocalDpi xmlns:a14="http://schemas.microsoft.com/office/drawing/2010/main" val="0"/>
+              </a:ext>
+            </a:extLst>
+          </a:blip>
+          <a:stretch>
+            <a:fillRect/>
+          </a:stretch>
+        </p:blipFill>
+        <p:spPr>
+          <a:xfrm>
+            <a:off x="276045" y="365125"/>
+            <a:ext cx="734484" cy="550863"/>
+          </a:xfrm>
+          <a:prstGeom prst="rect">
+            <a:avLst/>
+          </a:prstGeom>
+        </p:spPr>
+      </p:pic>
+      <p:sp>
+        <p:nvSpPr>
+          <p:cNvPr id="2" name="Titel 1"/>
+          <p:cNvSpPr>
+            <a:spLocks noGrp="1"/>
+          </p:cNvSpPr>
+          <p:nvPr>
+            <p:ph type="title"/>
+          </p:nvPr>
+        </p:nvSpPr>
+        <p:spPr/>
+        <p:txBody>
+          <a:bodyPr/>
+          <a:lstStyle/>
+          <a:p>
+            <a:r>
+              <a:rPr lang="de-DE" dirty="0">
+                <a:solidFill>
+                  <a:srgbClr val="00B0F0"/>
+                </a:solidFill>
+                <a:effectLst>
+                  <a:outerShdw blurRad="38100" dist="38100" dir="2700000" algn="tl">
+                    <a:srgbClr val="000000">
+                      <a:alpha val="43137"/>
+                    </a:srgbClr>
+                  </a:outerShdw>
+                </a:effectLst>
+              </a:rPr>
+              <a:t>HDFS </a:t>
+            </a:r>
+            <a:r>
+              <a:rPr lang="de-DE" dirty="0" smtClean="0"/>
+              <a:t>- </a:t>
+            </a:r>
+            <a:r>
+              <a:rPr lang="en-US" dirty="0"/>
+              <a:t>Architecture</a:t>
+            </a:r>
+            <a:endParaRPr lang="de-DE" dirty="0"/>
+          </a:p>
+        </p:txBody>
+      </p:sp>
+      <p:sp>
+        <p:nvSpPr>
+          <p:cNvPr id="3" name="Inhaltsplatzhalter 2"/>
+          <p:cNvSpPr>
+            <a:spLocks noGrp="1"/>
+          </p:cNvSpPr>
+          <p:nvPr>
+            <p:ph idx="1"/>
+          </p:nvPr>
+        </p:nvSpPr>
+        <p:spPr/>
+        <p:txBody>
+          <a:bodyPr/>
+          <a:lstStyle/>
+          <a:p>
+            <a:r>
+              <a:rPr lang="en-US" dirty="0">
+                <a:solidFill>
+                  <a:schemeClr val="bg2">
+                    <a:lumMod val="90000"/>
+                  </a:schemeClr>
+                </a:solidFill>
+              </a:rPr>
+              <a:t>Blocks</a:t>
+            </a:r>
+          </a:p>
+          <a:p>
+            <a:r>
+              <a:rPr lang="en-US" dirty="0">
+                <a:solidFill>
+                  <a:schemeClr val="bg2">
+                    <a:lumMod val="90000"/>
+                  </a:schemeClr>
+                </a:solidFill>
+              </a:rPr>
+              <a:t>Data Nodes</a:t>
+            </a:r>
+          </a:p>
+          <a:p>
+            <a:r>
+              <a:rPr lang="de-DE" dirty="0" smtClean="0">
+                <a:solidFill>
+                  <a:schemeClr val="bg2">
+                    <a:lumMod val="90000"/>
+                  </a:schemeClr>
+                </a:solidFill>
+              </a:rPr>
+              <a:t>Name </a:t>
+            </a:r>
+            <a:r>
+              <a:rPr lang="en-US" dirty="0" smtClean="0">
+                <a:solidFill>
+                  <a:schemeClr val="bg2">
+                    <a:lumMod val="90000"/>
+                  </a:schemeClr>
+                </a:solidFill>
+              </a:rPr>
+              <a:t>Node</a:t>
+            </a:r>
+          </a:p>
+          <a:p>
+            <a:r>
+              <a:rPr lang="en-US" b="1" dirty="0" smtClean="0"/>
+              <a:t>Secondary Node</a:t>
+            </a:r>
+          </a:p>
+        </p:txBody>
+      </p:sp>
+      <p:sp>
+        <p:nvSpPr>
+          <p:cNvPr id="4" name="Fußzeilenplatzhalter 3"/>
+          <p:cNvSpPr>
+            <a:spLocks noGrp="1"/>
+          </p:cNvSpPr>
+          <p:nvPr>
+            <p:ph type="ftr" sz="quarter" idx="11"/>
+          </p:nvPr>
+        </p:nvSpPr>
+        <p:spPr/>
+        <p:txBody>
+          <a:bodyPr/>
+          <a:lstStyle/>
+          <a:p>
+            <a:r>
+              <a:rPr lang="de-DE" smtClean="0"/>
+              <a:t>File Systems: GFS vs. Hadoop</a:t>
+            </a:r>
+          </a:p>
+          <a:p>
+            <a:r>
+              <a:rPr lang="de-DE" smtClean="0"/>
+              <a:t>Ciprian Lucaci and Daniel Straub</a:t>
+            </a:r>
+            <a:endParaRPr lang="de-DE" dirty="0"/>
+          </a:p>
+        </p:txBody>
+      </p:sp>
+      <p:sp>
+        <p:nvSpPr>
+          <p:cNvPr id="5" name="Foliennummernplatzhalter 4"/>
+          <p:cNvSpPr>
+            <a:spLocks noGrp="1"/>
+          </p:cNvSpPr>
+          <p:nvPr>
+            <p:ph type="sldNum" sz="quarter" idx="12"/>
+          </p:nvPr>
+        </p:nvSpPr>
+        <p:spPr/>
+        <p:txBody>
+          <a:bodyPr/>
+          <a:lstStyle/>
+          <a:p>
+            <a:fld id="{040C66D9-7A85-4BE2-A0FF-5810B1E5E09A}" type="slidenum">
+              <a:rPr lang="de-DE" smtClean="0"/>
+              <a:t>13</a:t>
+            </a:fld>
+            <a:endParaRPr lang="de-DE" dirty="0"/>
+          </a:p>
+        </p:txBody>
+      </p:sp>
+      <p:grpSp>
+        <p:nvGrpSpPr>
+          <p:cNvPr id="58" name="Group 57"/>
+          <p:cNvGrpSpPr/>
+          <p:nvPr/>
+        </p:nvGrpSpPr>
+        <p:grpSpPr>
+          <a:xfrm>
+            <a:off x="4145564" y="1415188"/>
+            <a:ext cx="6542244" cy="5363363"/>
+            <a:chOff x="4145564" y="1415188"/>
+            <a:chExt cx="6542244" cy="5363363"/>
+          </a:xfrm>
+        </p:grpSpPr>
+        <p:sp>
+          <p:nvSpPr>
+            <p:cNvPr id="59" name="Rounded Rectangle 58"/>
+            <p:cNvSpPr/>
+            <p:nvPr/>
+          </p:nvSpPr>
+          <p:spPr>
+            <a:xfrm>
+              <a:off x="9141934" y="4995384"/>
+              <a:ext cx="1545874" cy="1783167"/>
+            </a:xfrm>
+            <a:prstGeom prst="roundRect">
+              <a:avLst/>
+            </a:prstGeom>
+          </p:spPr>
+          <p:style>
+            <a:lnRef idx="2">
+              <a:schemeClr val="accent1"/>
+            </a:lnRef>
+            <a:fillRef idx="1">
+              <a:schemeClr val="lt1"/>
+            </a:fillRef>
+            <a:effectRef idx="0">
+              <a:schemeClr val="accent1"/>
+            </a:effectRef>
+            <a:fontRef idx="minor">
+              <a:schemeClr val="dk1"/>
+            </a:fontRef>
+          </p:style>
+          <p:txBody>
+            <a:bodyPr rtlCol="0" anchor="b"/>
+            <a:lstStyle/>
+            <a:p>
+              <a:pPr algn="ctr"/>
+              <a:r>
+                <a:rPr lang="en-US" sz="2000" b="1" dirty="0" smtClean="0">
+                  <a:effectLst>
+                    <a:outerShdw blurRad="38100" dist="38100" dir="2700000" algn="tl">
+                      <a:srgbClr val="000000">
+                        <a:alpha val="43137"/>
+                      </a:srgbClr>
+                    </a:outerShdw>
+                  </a:effectLst>
+                </a:rPr>
+                <a:t>Rack n</a:t>
+              </a:r>
+              <a:endParaRPr lang="en-US" sz="2000" b="1" dirty="0">
+                <a:effectLst>
+                  <a:outerShdw blurRad="38100" dist="38100" dir="2700000" algn="tl">
+                    <a:srgbClr val="000000">
+                      <a:alpha val="43137"/>
+                    </a:srgbClr>
+                  </a:outerShdw>
+                </a:effectLst>
+              </a:endParaRPr>
+            </a:p>
+          </p:txBody>
+        </p:sp>
+        <p:grpSp>
+          <p:nvGrpSpPr>
+            <p:cNvPr id="60" name="Group 59"/>
+            <p:cNvGrpSpPr/>
+            <p:nvPr/>
+          </p:nvGrpSpPr>
+          <p:grpSpPr>
+            <a:xfrm>
+              <a:off x="9289441" y="5117221"/>
+              <a:ext cx="1239129" cy="1239129"/>
+              <a:chOff x="4039874" y="5152992"/>
+              <a:chExt cx="1239129" cy="1239129"/>
+            </a:xfrm>
+          </p:grpSpPr>
+          <p:pic>
+            <p:nvPicPr>
+              <p:cNvPr id="82" name="Picture 81"/>
+              <p:cNvPicPr>
+                <a:picLocks noChangeAspect="1"/>
+              </p:cNvPicPr>
+              <p:nvPr/>
+            </p:nvPicPr>
+            <p:blipFill>
+              <a:blip r:embed="rId4">
+                <a:extLst>
+                  <a:ext uri="{28A0092B-C50C-407E-A947-70E740481C1C}">
+                    <a14:useLocalDpi xmlns:a14="http://schemas.microsoft.com/office/drawing/2010/main" val="0"/>
+                  </a:ext>
+                </a:extLst>
+              </a:blip>
+              <a:stretch>
+                <a:fillRect/>
+              </a:stretch>
+            </p:blipFill>
+            <p:spPr>
+              <a:xfrm>
+                <a:off x="4039874" y="5152992"/>
+                <a:ext cx="934329" cy="934329"/>
+              </a:xfrm>
+              <a:prstGeom prst="rect">
+                <a:avLst/>
+              </a:prstGeom>
+            </p:spPr>
+          </p:pic>
+          <p:pic>
+            <p:nvPicPr>
+              <p:cNvPr id="83" name="Picture 82"/>
+              <p:cNvPicPr>
+                <a:picLocks noChangeAspect="1"/>
+              </p:cNvPicPr>
+              <p:nvPr/>
+            </p:nvPicPr>
+            <p:blipFill>
+              <a:blip r:embed="rId4">
+                <a:extLst>
+                  <a:ext uri="{28A0092B-C50C-407E-A947-70E740481C1C}">
+                    <a14:useLocalDpi xmlns:a14="http://schemas.microsoft.com/office/drawing/2010/main" val="0"/>
+                  </a:ext>
+                </a:extLst>
+              </a:blip>
+              <a:stretch>
+                <a:fillRect/>
+              </a:stretch>
+            </p:blipFill>
+            <p:spPr>
+              <a:xfrm>
+                <a:off x="4192274" y="5305392"/>
+                <a:ext cx="934329" cy="934329"/>
+              </a:xfrm>
+              <a:prstGeom prst="rect">
+                <a:avLst/>
+              </a:prstGeom>
+            </p:spPr>
+          </p:pic>
+          <p:pic>
+            <p:nvPicPr>
+              <p:cNvPr id="84" name="Picture 83"/>
+              <p:cNvPicPr>
+                <a:picLocks noChangeAspect="1"/>
+              </p:cNvPicPr>
+              <p:nvPr/>
+            </p:nvPicPr>
+            <p:blipFill>
+              <a:blip r:embed="rId4">
+                <a:extLst>
+                  <a:ext uri="{28A0092B-C50C-407E-A947-70E740481C1C}">
+                    <a14:useLocalDpi xmlns:a14="http://schemas.microsoft.com/office/drawing/2010/main" val="0"/>
+                  </a:ext>
+                </a:extLst>
+              </a:blip>
+              <a:stretch>
+                <a:fillRect/>
+              </a:stretch>
+            </p:blipFill>
+            <p:spPr>
+              <a:xfrm>
+                <a:off x="4344674" y="5457792"/>
+                <a:ext cx="934329" cy="934329"/>
+              </a:xfrm>
+              <a:prstGeom prst="rect">
+                <a:avLst/>
+              </a:prstGeom>
+            </p:spPr>
+          </p:pic>
+        </p:grpSp>
+        <p:grpSp>
+          <p:nvGrpSpPr>
+            <p:cNvPr id="61" name="Group 60"/>
+            <p:cNvGrpSpPr/>
+            <p:nvPr/>
+          </p:nvGrpSpPr>
+          <p:grpSpPr>
+            <a:xfrm>
+              <a:off x="4145564" y="1415188"/>
+              <a:ext cx="5769307" cy="4129206"/>
+              <a:chOff x="4145564" y="1415188"/>
+              <a:chExt cx="5769307" cy="4129206"/>
+            </a:xfrm>
+          </p:grpSpPr>
+          <p:sp>
+            <p:nvSpPr>
+              <p:cNvPr id="62" name="Rounded Rectangle 61"/>
+              <p:cNvSpPr/>
+              <p:nvPr/>
+            </p:nvSpPr>
+            <p:spPr>
+              <a:xfrm>
+                <a:off x="7529677" y="3761227"/>
+                <a:ext cx="1545874" cy="1783167"/>
+              </a:xfrm>
+              <a:prstGeom prst="roundRect">
+                <a:avLst/>
+              </a:prstGeom>
+            </p:spPr>
+            <p:style>
+              <a:lnRef idx="2">
+                <a:schemeClr val="accent1"/>
+              </a:lnRef>
+              <a:fillRef idx="1">
+                <a:schemeClr val="lt1"/>
+              </a:fillRef>
+              <a:effectRef idx="0">
+                <a:schemeClr val="accent1"/>
+              </a:effectRef>
+              <a:fontRef idx="minor">
+                <a:schemeClr val="dk1"/>
+              </a:fontRef>
+            </p:style>
+            <p:txBody>
+              <a:bodyPr rtlCol="0" anchor="b"/>
+              <a:lstStyle/>
+              <a:p>
+                <a:pPr algn="ctr"/>
+                <a:r>
+                  <a:rPr lang="en-US" sz="2000" b="1" dirty="0" smtClean="0">
+                    <a:effectLst>
+                      <a:outerShdw blurRad="38100" dist="38100" dir="2700000" algn="tl">
+                        <a:srgbClr val="000000">
+                          <a:alpha val="43137"/>
+                        </a:srgbClr>
+                      </a:outerShdw>
+                    </a:effectLst>
+                  </a:rPr>
+                  <a:t>Rack 3</a:t>
+                </a:r>
+                <a:endParaRPr lang="en-US" sz="2000" b="1" dirty="0">
+                  <a:effectLst>
+                    <a:outerShdw blurRad="38100" dist="38100" dir="2700000" algn="tl">
+                      <a:srgbClr val="000000">
+                        <a:alpha val="43137"/>
+                      </a:srgbClr>
+                    </a:outerShdw>
+                  </a:effectLst>
+                </a:endParaRPr>
+              </a:p>
+            </p:txBody>
+          </p:sp>
+          <p:sp>
+            <p:nvSpPr>
+              <p:cNvPr id="63" name="Rounded Rectangle 62"/>
+              <p:cNvSpPr/>
+              <p:nvPr/>
+            </p:nvSpPr>
+            <p:spPr>
+              <a:xfrm>
+                <a:off x="5831909" y="3691647"/>
+                <a:ext cx="1545874" cy="1635779"/>
+              </a:xfrm>
+              <a:prstGeom prst="roundRect">
+                <a:avLst/>
+              </a:prstGeom>
+            </p:spPr>
+            <p:style>
+              <a:lnRef idx="2">
+                <a:schemeClr val="accent1"/>
+              </a:lnRef>
+              <a:fillRef idx="1">
+                <a:schemeClr val="lt1"/>
+              </a:fillRef>
+              <a:effectRef idx="0">
+                <a:schemeClr val="accent1"/>
+              </a:effectRef>
+              <a:fontRef idx="minor">
+                <a:schemeClr val="dk1"/>
+              </a:fontRef>
+            </p:style>
+            <p:txBody>
+              <a:bodyPr rtlCol="0" anchor="b"/>
+              <a:lstStyle/>
+              <a:p>
+                <a:pPr algn="ctr"/>
+                <a:r>
+                  <a:rPr lang="en-US" sz="2000" b="1" dirty="0" smtClean="0">
+                    <a:effectLst>
+                      <a:outerShdw blurRad="38100" dist="38100" dir="2700000" algn="tl">
+                        <a:srgbClr val="000000">
+                          <a:alpha val="43137"/>
+                        </a:srgbClr>
+                      </a:outerShdw>
+                    </a:effectLst>
+                  </a:rPr>
+                  <a:t>Rack 2</a:t>
+                </a:r>
+                <a:endParaRPr lang="en-US" sz="2000" b="1" dirty="0">
+                  <a:effectLst>
+                    <a:outerShdw blurRad="38100" dist="38100" dir="2700000" algn="tl">
+                      <a:srgbClr val="000000">
+                        <a:alpha val="43137"/>
+                      </a:srgbClr>
+                    </a:outerShdw>
+                  </a:effectLst>
+                </a:endParaRPr>
+              </a:p>
+            </p:txBody>
+          </p:sp>
+          <p:sp>
+            <p:nvSpPr>
+              <p:cNvPr id="64" name="Rounded Rectangle 63"/>
+              <p:cNvSpPr/>
+              <p:nvPr/>
+            </p:nvSpPr>
+            <p:spPr>
+              <a:xfrm>
+                <a:off x="4145564" y="3691648"/>
+                <a:ext cx="1545874" cy="1783167"/>
+              </a:xfrm>
+              <a:prstGeom prst="roundRect">
+                <a:avLst/>
+              </a:prstGeom>
+            </p:spPr>
+            <p:style>
+              <a:lnRef idx="2">
+                <a:schemeClr val="accent1"/>
+              </a:lnRef>
+              <a:fillRef idx="1">
+                <a:schemeClr val="lt1"/>
+              </a:fillRef>
+              <a:effectRef idx="0">
+                <a:schemeClr val="accent1"/>
+              </a:effectRef>
+              <a:fontRef idx="minor">
+                <a:schemeClr val="dk1"/>
+              </a:fontRef>
+            </p:style>
+            <p:txBody>
+              <a:bodyPr rtlCol="0" anchor="b"/>
+              <a:lstStyle/>
+              <a:p>
+                <a:pPr algn="ctr"/>
+                <a:r>
+                  <a:rPr lang="en-US" sz="2000" b="1" dirty="0" smtClean="0">
+                    <a:effectLst>
+                      <a:outerShdw blurRad="38100" dist="38100" dir="2700000" algn="tl">
+                        <a:srgbClr val="000000">
+                          <a:alpha val="43137"/>
+                        </a:srgbClr>
+                      </a:outerShdw>
+                    </a:effectLst>
+                  </a:rPr>
+                  <a:t>Rack 1</a:t>
+                </a:r>
+                <a:endParaRPr lang="en-US" sz="2000" b="1" dirty="0">
+                  <a:effectLst>
+                    <a:outerShdw blurRad="38100" dist="38100" dir="2700000" algn="tl">
+                      <a:srgbClr val="000000">
+                        <a:alpha val="43137"/>
+                      </a:srgbClr>
+                    </a:outerShdw>
+                  </a:effectLst>
+                </a:endParaRPr>
+              </a:p>
+            </p:txBody>
+          </p:sp>
+          <p:grpSp>
+            <p:nvGrpSpPr>
+              <p:cNvPr id="65" name="Group 64"/>
+              <p:cNvGrpSpPr/>
+              <p:nvPr/>
+            </p:nvGrpSpPr>
+            <p:grpSpPr>
+              <a:xfrm>
+                <a:off x="4289818" y="3824222"/>
+                <a:ext cx="1239129" cy="1239129"/>
+                <a:chOff x="4289818" y="3824222"/>
+                <a:chExt cx="1239129" cy="1239129"/>
+              </a:xfrm>
+            </p:grpSpPr>
+            <p:pic>
+              <p:nvPicPr>
+                <p:cNvPr id="79" name="Picture 78"/>
+                <p:cNvPicPr>
+                  <a:picLocks noChangeAspect="1"/>
+                </p:cNvPicPr>
+                <p:nvPr/>
+              </p:nvPicPr>
+              <p:blipFill>
+                <a:blip r:embed="rId4">
+                  <a:extLst>
+                    <a:ext uri="{28A0092B-C50C-407E-A947-70E740481C1C}">
+                      <a14:useLocalDpi xmlns:a14="http://schemas.microsoft.com/office/drawing/2010/main" val="0"/>
+                    </a:ext>
+                  </a:extLst>
+                </a:blip>
+                <a:stretch>
+                  <a:fillRect/>
+                </a:stretch>
+              </p:blipFill>
+              <p:spPr>
+                <a:xfrm>
+                  <a:off x="4289818" y="3824222"/>
+                  <a:ext cx="934329" cy="934329"/>
+                </a:xfrm>
+                <a:prstGeom prst="rect">
+                  <a:avLst/>
+                </a:prstGeom>
+              </p:spPr>
+            </p:pic>
+            <p:pic>
+              <p:nvPicPr>
+                <p:cNvPr id="80" name="Picture 79"/>
+                <p:cNvPicPr>
+                  <a:picLocks noChangeAspect="1"/>
+                </p:cNvPicPr>
+                <p:nvPr/>
+              </p:nvPicPr>
+              <p:blipFill>
+                <a:blip r:embed="rId4">
+                  <a:extLst>
+                    <a:ext uri="{28A0092B-C50C-407E-A947-70E740481C1C}">
+                      <a14:useLocalDpi xmlns:a14="http://schemas.microsoft.com/office/drawing/2010/main" val="0"/>
+                    </a:ext>
+                  </a:extLst>
+                </a:blip>
+                <a:stretch>
+                  <a:fillRect/>
+                </a:stretch>
+              </p:blipFill>
+              <p:spPr>
+                <a:xfrm>
+                  <a:off x="4442218" y="3976622"/>
+                  <a:ext cx="934329" cy="934329"/>
+                </a:xfrm>
+                <a:prstGeom prst="rect">
+                  <a:avLst/>
+                </a:prstGeom>
+              </p:spPr>
+            </p:pic>
+            <p:pic>
+              <p:nvPicPr>
+                <p:cNvPr id="81" name="Picture 80"/>
+                <p:cNvPicPr>
+                  <a:picLocks noChangeAspect="1"/>
+                </p:cNvPicPr>
+                <p:nvPr/>
+              </p:nvPicPr>
+              <p:blipFill>
+                <a:blip r:embed="rId4">
+                  <a:extLst>
+                    <a:ext uri="{28A0092B-C50C-407E-A947-70E740481C1C}">
+                      <a14:useLocalDpi xmlns:a14="http://schemas.microsoft.com/office/drawing/2010/main" val="0"/>
+                    </a:ext>
+                  </a:extLst>
+                </a:blip>
+                <a:stretch>
+                  <a:fillRect/>
+                </a:stretch>
+              </p:blipFill>
+              <p:spPr>
+                <a:xfrm>
+                  <a:off x="4594618" y="4129022"/>
+                  <a:ext cx="934329" cy="934329"/>
+                </a:xfrm>
+                <a:prstGeom prst="rect">
+                  <a:avLst/>
+                </a:prstGeom>
+              </p:spPr>
+            </p:pic>
+          </p:grpSp>
+          <p:grpSp>
+            <p:nvGrpSpPr>
+              <p:cNvPr id="66" name="Group 65"/>
+              <p:cNvGrpSpPr/>
+              <p:nvPr/>
+            </p:nvGrpSpPr>
+            <p:grpSpPr>
+              <a:xfrm>
+                <a:off x="5948435" y="3835324"/>
+                <a:ext cx="1191327" cy="1113716"/>
+                <a:chOff x="5948435" y="3835324"/>
+                <a:chExt cx="1191327" cy="1113716"/>
+              </a:xfrm>
+            </p:grpSpPr>
+            <p:pic>
+              <p:nvPicPr>
+                <p:cNvPr id="77" name="Picture 76"/>
+                <p:cNvPicPr>
+                  <a:picLocks noChangeAspect="1"/>
+                </p:cNvPicPr>
+                <p:nvPr/>
+              </p:nvPicPr>
+              <p:blipFill>
+                <a:blip r:embed="rId4">
+                  <a:extLst>
+                    <a:ext uri="{28A0092B-C50C-407E-A947-70E740481C1C}">
+                      <a14:useLocalDpi xmlns:a14="http://schemas.microsoft.com/office/drawing/2010/main" val="0"/>
+                    </a:ext>
+                  </a:extLst>
+                </a:blip>
+                <a:stretch>
+                  <a:fillRect/>
+                </a:stretch>
+              </p:blipFill>
+              <p:spPr>
+                <a:xfrm>
+                  <a:off x="5948435" y="3835324"/>
+                  <a:ext cx="934329" cy="934329"/>
+                </a:xfrm>
+                <a:prstGeom prst="rect">
+                  <a:avLst/>
+                </a:prstGeom>
+              </p:spPr>
+            </p:pic>
+            <p:pic>
+              <p:nvPicPr>
+                <p:cNvPr id="78" name="Picture 77"/>
+                <p:cNvPicPr>
+                  <a:picLocks noChangeAspect="1"/>
+                </p:cNvPicPr>
+                <p:nvPr/>
+              </p:nvPicPr>
+              <p:blipFill>
+                <a:blip r:embed="rId4">
+                  <a:extLst>
+                    <a:ext uri="{28A0092B-C50C-407E-A947-70E740481C1C}">
+                      <a14:useLocalDpi xmlns:a14="http://schemas.microsoft.com/office/drawing/2010/main" val="0"/>
+                    </a:ext>
+                  </a:extLst>
+                </a:blip>
+                <a:stretch>
+                  <a:fillRect/>
+                </a:stretch>
+              </p:blipFill>
+              <p:spPr>
+                <a:xfrm>
+                  <a:off x="6205433" y="4014711"/>
+                  <a:ext cx="934329" cy="934329"/>
+                </a:xfrm>
+                <a:prstGeom prst="rect">
+                  <a:avLst/>
+                </a:prstGeom>
+              </p:spPr>
+            </p:pic>
+          </p:grpSp>
+          <p:grpSp>
+            <p:nvGrpSpPr>
+              <p:cNvPr id="67" name="Group 66"/>
+              <p:cNvGrpSpPr/>
+              <p:nvPr/>
+            </p:nvGrpSpPr>
+            <p:grpSpPr>
+              <a:xfrm>
+                <a:off x="7589053" y="3913833"/>
+                <a:ext cx="1239129" cy="1239129"/>
+                <a:chOff x="7589053" y="3913833"/>
+                <a:chExt cx="1239129" cy="1239129"/>
+              </a:xfrm>
+            </p:grpSpPr>
+            <p:pic>
+              <p:nvPicPr>
+                <p:cNvPr id="74" name="Picture 73"/>
+                <p:cNvPicPr>
+                  <a:picLocks noChangeAspect="1"/>
+                </p:cNvPicPr>
+                <p:nvPr/>
+              </p:nvPicPr>
+              <p:blipFill>
+                <a:blip r:embed="rId4">
+                  <a:extLst>
+                    <a:ext uri="{28A0092B-C50C-407E-A947-70E740481C1C}">
+                      <a14:useLocalDpi xmlns:a14="http://schemas.microsoft.com/office/drawing/2010/main" val="0"/>
+                    </a:ext>
+                  </a:extLst>
+                </a:blip>
+                <a:stretch>
+                  <a:fillRect/>
+                </a:stretch>
+              </p:blipFill>
+              <p:spPr>
+                <a:xfrm>
+                  <a:off x="7589053" y="3913833"/>
+                  <a:ext cx="934329" cy="934329"/>
+                </a:xfrm>
+                <a:prstGeom prst="rect">
+                  <a:avLst/>
+                </a:prstGeom>
+              </p:spPr>
+            </p:pic>
+            <p:pic>
+              <p:nvPicPr>
+                <p:cNvPr id="75" name="Picture 74"/>
+                <p:cNvPicPr>
+                  <a:picLocks noChangeAspect="1"/>
+                </p:cNvPicPr>
+                <p:nvPr/>
+              </p:nvPicPr>
+              <p:blipFill>
+                <a:blip r:embed="rId4">
+                  <a:extLst>
+                    <a:ext uri="{28A0092B-C50C-407E-A947-70E740481C1C}">
+                      <a14:useLocalDpi xmlns:a14="http://schemas.microsoft.com/office/drawing/2010/main" val="0"/>
+                    </a:ext>
+                  </a:extLst>
+                </a:blip>
+                <a:stretch>
+                  <a:fillRect/>
+                </a:stretch>
+              </p:blipFill>
+              <p:spPr>
+                <a:xfrm>
+                  <a:off x="7741453" y="4066233"/>
+                  <a:ext cx="934329" cy="934329"/>
+                </a:xfrm>
+                <a:prstGeom prst="rect">
+                  <a:avLst/>
+                </a:prstGeom>
+              </p:spPr>
+            </p:pic>
+            <p:pic>
+              <p:nvPicPr>
+                <p:cNvPr id="76" name="Picture 75"/>
+                <p:cNvPicPr>
+                  <a:picLocks noChangeAspect="1"/>
+                </p:cNvPicPr>
+                <p:nvPr/>
+              </p:nvPicPr>
+              <p:blipFill>
+                <a:blip r:embed="rId4">
+                  <a:extLst>
+                    <a:ext uri="{28A0092B-C50C-407E-A947-70E740481C1C}">
+                      <a14:useLocalDpi xmlns:a14="http://schemas.microsoft.com/office/drawing/2010/main" val="0"/>
+                    </a:ext>
+                  </a:extLst>
+                </a:blip>
+                <a:stretch>
+                  <a:fillRect/>
+                </a:stretch>
+              </p:blipFill>
+              <p:spPr>
+                <a:xfrm>
+                  <a:off x="7893853" y="4218633"/>
+                  <a:ext cx="934329" cy="934329"/>
+                </a:xfrm>
+                <a:prstGeom prst="rect">
+                  <a:avLst/>
+                </a:prstGeom>
+              </p:spPr>
+            </p:pic>
+          </p:grpSp>
+          <p:pic>
+            <p:nvPicPr>
+              <p:cNvPr id="68" name="Picture 67"/>
+              <p:cNvPicPr>
+                <a:picLocks noChangeAspect="1"/>
+              </p:cNvPicPr>
+              <p:nvPr/>
+            </p:nvPicPr>
+            <p:blipFill>
+              <a:blip r:embed="rId5">
+                <a:extLst>
+                  <a:ext uri="{28A0092B-C50C-407E-A947-70E740481C1C}">
+                    <a14:useLocalDpi xmlns:a14="http://schemas.microsoft.com/office/drawing/2010/main" val="0"/>
+                  </a:ext>
+                </a:extLst>
+              </a:blip>
+              <a:stretch>
+                <a:fillRect/>
+              </a:stretch>
+            </p:blipFill>
+            <p:spPr>
+              <a:xfrm>
+                <a:off x="5986797" y="1415188"/>
+                <a:ext cx="1371600" cy="1371600"/>
+              </a:xfrm>
+              <a:prstGeom prst="rect">
+                <a:avLst/>
+              </a:prstGeom>
+            </p:spPr>
+          </p:pic>
+          <p:sp>
+            <p:nvSpPr>
+              <p:cNvPr id="69" name="Rounded Rectangle 68"/>
+              <p:cNvSpPr/>
+              <p:nvPr/>
+            </p:nvSpPr>
+            <p:spPr>
+              <a:xfrm>
+                <a:off x="5641145" y="2786788"/>
+                <a:ext cx="2100308" cy="452430"/>
+              </a:xfrm>
+              <a:prstGeom prst="roundRect">
+                <a:avLst/>
+              </a:prstGeom>
+              <a:solidFill>
+                <a:srgbClr val="C00000"/>
+              </a:solidFill>
+              <a:ln>
+                <a:noFill/>
+              </a:ln>
+              <a:effectLst>
+                <a:glow rad="228600">
+                  <a:srgbClr val="C00000">
+                    <a:alpha val="40000"/>
+                  </a:srgbClr>
+                </a:glow>
+                <a:outerShdw blurRad="107950" dist="12700" dir="5400000" algn="ctr">
+                  <a:srgbClr val="000000"/>
+                </a:outerShdw>
+              </a:effectLst>
+              <a:scene3d>
+                <a:camera prst="orthographicFront">
+                  <a:rot lat="0" lon="0" rev="0"/>
+                </a:camera>
+                <a:lightRig rig="soft" dir="t">
+                  <a:rot lat="0" lon="0" rev="0"/>
+                </a:lightRig>
+              </a:scene3d>
+              <a:sp3d contourW="44450" prstMaterial="matte">
+                <a:bevelT w="63500" h="63500" prst="artDeco"/>
+                <a:contourClr>
+                  <a:srgbClr val="FFFFFF"/>
+                </a:contourClr>
+              </a:sp3d>
+            </p:spPr>
+            <p:style>
+              <a:lnRef idx="0">
+                <a:schemeClr val="accent6"/>
+              </a:lnRef>
+              <a:fillRef idx="3">
+                <a:schemeClr val="accent6"/>
+              </a:fillRef>
+              <a:effectRef idx="3">
+                <a:schemeClr val="accent6"/>
+              </a:effectRef>
+              <a:fontRef idx="minor">
+                <a:schemeClr val="lt1"/>
+              </a:fontRef>
+            </p:style>
+            <p:txBody>
+              <a:bodyPr rtlCol="0" anchor="ctr"/>
+              <a:lstStyle/>
+              <a:p>
+                <a:pPr algn="ctr"/>
+                <a:r>
+                  <a:rPr lang="en-US" sz="2000" b="1" dirty="0" err="1" smtClean="0">
+                    <a:effectLst>
+                      <a:outerShdw blurRad="38100" dist="38100" dir="2700000" algn="tl">
+                        <a:srgbClr val="000000">
+                          <a:alpha val="43137"/>
+                        </a:srgbClr>
+                      </a:outerShdw>
+                    </a:effectLst>
+                  </a:rPr>
+                  <a:t>Namenode</a:t>
+                </a:r>
+                <a:endParaRPr lang="en-US" sz="2000" b="1" dirty="0">
+                  <a:effectLst>
+                    <a:outerShdw blurRad="38100" dist="38100" dir="2700000" algn="tl">
+                      <a:srgbClr val="000000">
+                        <a:alpha val="43137"/>
+                      </a:srgbClr>
+                    </a:outerShdw>
+                  </a:effectLst>
+                </a:endParaRPr>
+              </a:p>
+            </p:txBody>
+          </p:sp>
+          <p:cxnSp>
+            <p:nvCxnSpPr>
+              <p:cNvPr id="70" name="Straight Arrow Connector 69"/>
+              <p:cNvCxnSpPr/>
+              <p:nvPr/>
+            </p:nvCxnSpPr>
+            <p:spPr>
+              <a:xfrm flipH="1">
+                <a:off x="5279003" y="3239218"/>
+                <a:ext cx="1417219" cy="840115"/>
+              </a:xfrm>
+              <a:prstGeom prst="straightConnector1">
+                <a:avLst/>
+              </a:prstGeom>
+              <a:ln>
+                <a:headEnd type="triangle"/>
+                <a:tailEnd type="triangle"/>
+              </a:ln>
+            </p:spPr>
+            <p:style>
+              <a:lnRef idx="1">
+                <a:schemeClr val="accent1"/>
+              </a:lnRef>
+              <a:fillRef idx="0">
+                <a:schemeClr val="accent1"/>
+              </a:fillRef>
+              <a:effectRef idx="0">
+                <a:schemeClr val="accent1"/>
+              </a:effectRef>
+              <a:fontRef idx="minor">
+                <a:schemeClr val="tx1"/>
+              </a:fontRef>
+            </p:style>
+          </p:cxnSp>
+          <p:cxnSp>
+            <p:nvCxnSpPr>
+              <p:cNvPr id="71" name="Straight Arrow Connector 70"/>
+              <p:cNvCxnSpPr/>
+              <p:nvPr/>
+            </p:nvCxnSpPr>
+            <p:spPr>
+              <a:xfrm>
+                <a:off x="6696222" y="3239218"/>
+                <a:ext cx="0" cy="674615"/>
+              </a:xfrm>
+              <a:prstGeom prst="straightConnector1">
+                <a:avLst/>
+              </a:prstGeom>
+              <a:ln>
+                <a:headEnd type="triangle"/>
+                <a:tailEnd type="triangle"/>
+              </a:ln>
+            </p:spPr>
+            <p:style>
+              <a:lnRef idx="1">
+                <a:schemeClr val="accent1"/>
+              </a:lnRef>
+              <a:fillRef idx="0">
+                <a:schemeClr val="accent1"/>
+              </a:fillRef>
+              <a:effectRef idx="0">
+                <a:schemeClr val="accent1"/>
+              </a:effectRef>
+              <a:fontRef idx="minor">
+                <a:schemeClr val="tx1"/>
+              </a:fontRef>
+            </p:style>
+          </p:cxnSp>
+          <p:cxnSp>
+            <p:nvCxnSpPr>
+              <p:cNvPr id="72" name="Straight Arrow Connector 71"/>
+              <p:cNvCxnSpPr/>
+              <p:nvPr/>
+            </p:nvCxnSpPr>
+            <p:spPr>
+              <a:xfrm>
+                <a:off x="6696222" y="3239218"/>
+                <a:ext cx="1359996" cy="674615"/>
+              </a:xfrm>
+              <a:prstGeom prst="straightConnector1">
+                <a:avLst/>
+              </a:prstGeom>
+              <a:ln>
+                <a:headEnd type="triangle"/>
+                <a:tailEnd type="triangle"/>
+              </a:ln>
+            </p:spPr>
+            <p:style>
+              <a:lnRef idx="1">
+                <a:schemeClr val="accent1"/>
+              </a:lnRef>
+              <a:fillRef idx="0">
+                <a:schemeClr val="accent1"/>
+              </a:fillRef>
+              <a:effectRef idx="0">
+                <a:schemeClr val="accent1"/>
+              </a:effectRef>
+              <a:fontRef idx="minor">
+                <a:schemeClr val="tx1"/>
+              </a:fontRef>
+            </p:style>
+          </p:cxnSp>
+          <p:cxnSp>
+            <p:nvCxnSpPr>
+              <p:cNvPr id="73" name="Straight Arrow Connector 72"/>
+              <p:cNvCxnSpPr>
+                <a:endCxn id="59" idx="0"/>
+              </p:cNvCxnSpPr>
+              <p:nvPr/>
+            </p:nvCxnSpPr>
+            <p:spPr>
+              <a:xfrm>
+                <a:off x="6696223" y="3239218"/>
+                <a:ext cx="3218648" cy="1756166"/>
+              </a:xfrm>
+              <a:prstGeom prst="straightConnector1">
+                <a:avLst/>
+              </a:prstGeom>
+              <a:ln>
+                <a:headEnd type="triangle"/>
+                <a:tailEnd type="triangle"/>
+              </a:ln>
+            </p:spPr>
+            <p:style>
+              <a:lnRef idx="1">
+                <a:schemeClr val="accent1"/>
+              </a:lnRef>
+              <a:fillRef idx="0">
+                <a:schemeClr val="accent1"/>
+              </a:fillRef>
+              <a:effectRef idx="0">
+                <a:schemeClr val="accent1"/>
+              </a:effectRef>
+              <a:fontRef idx="minor">
+                <a:schemeClr val="tx1"/>
+              </a:fontRef>
+            </p:style>
+          </p:cxnSp>
+        </p:grpSp>
+      </p:grpSp>
+      <p:grpSp>
+        <p:nvGrpSpPr>
+          <p:cNvPr id="6" name="Group 5"/>
+          <p:cNvGrpSpPr/>
+          <p:nvPr/>
+        </p:nvGrpSpPr>
+        <p:grpSpPr>
+          <a:xfrm>
+            <a:off x="9729031" y="1438771"/>
+            <a:ext cx="2100308" cy="1824030"/>
+            <a:chOff x="9673103" y="1358112"/>
+            <a:chExt cx="2100308" cy="1824030"/>
+          </a:xfrm>
+        </p:grpSpPr>
+        <p:pic>
+          <p:nvPicPr>
+            <p:cNvPr id="85" name="Picture 84"/>
+            <p:cNvPicPr>
+              <a:picLocks noChangeAspect="1"/>
+            </p:cNvPicPr>
+            <p:nvPr/>
+          </p:nvPicPr>
+          <p:blipFill>
+            <a:blip r:embed="rId5">
+              <a:extLst>
+                <a:ext uri="{28A0092B-C50C-407E-A947-70E740481C1C}">
+                  <a14:useLocalDpi xmlns:a14="http://schemas.microsoft.com/office/drawing/2010/main" val="0"/>
+                </a:ext>
+              </a:extLst>
+            </a:blip>
+            <a:stretch>
+              <a:fillRect/>
+            </a:stretch>
+          </p:blipFill>
+          <p:spPr>
+            <a:xfrm>
+              <a:off x="10018755" y="1358112"/>
+              <a:ext cx="1371600" cy="1371600"/>
+            </a:xfrm>
+            <a:prstGeom prst="rect">
+              <a:avLst/>
+            </a:prstGeom>
+          </p:spPr>
+        </p:pic>
+        <p:sp>
+          <p:nvSpPr>
+            <p:cNvPr id="86" name="Rounded Rectangle 85"/>
+            <p:cNvSpPr/>
+            <p:nvPr/>
+          </p:nvSpPr>
+          <p:spPr>
+            <a:xfrm>
+              <a:off x="9673103" y="2729712"/>
+              <a:ext cx="2100308" cy="452430"/>
+            </a:xfrm>
+            <a:prstGeom prst="roundRect">
+              <a:avLst/>
+            </a:prstGeom>
+            <a:ln>
+              <a:noFill/>
+            </a:ln>
+            <a:effectLst>
+              <a:outerShdw blurRad="107950" dist="12700" dir="5400000" algn="ctr">
+                <a:srgbClr val="000000"/>
+              </a:outerShdw>
+            </a:effectLst>
+            <a:scene3d>
+              <a:camera prst="orthographicFront">
+                <a:rot lat="0" lon="0" rev="0"/>
+              </a:camera>
+              <a:lightRig rig="soft" dir="t">
+                <a:rot lat="0" lon="0" rev="0"/>
+              </a:lightRig>
+            </a:scene3d>
+            <a:sp3d contourW="44450" prstMaterial="matte">
+              <a:bevelT w="63500" h="63500" prst="artDeco"/>
+              <a:contourClr>
+                <a:srgbClr val="FFFFFF"/>
+              </a:contourClr>
+            </a:sp3d>
+          </p:spPr>
+          <p:style>
+            <a:lnRef idx="0">
+              <a:schemeClr val="accent2"/>
+            </a:lnRef>
+            <a:fillRef idx="3">
+              <a:schemeClr val="accent2"/>
+            </a:fillRef>
+            <a:effectRef idx="3">
+              <a:schemeClr val="accent2"/>
+            </a:effectRef>
+            <a:fontRef idx="minor">
+              <a:schemeClr val="lt1"/>
+            </a:fontRef>
+          </p:style>
+          <p:txBody>
+            <a:bodyPr rtlCol="0" anchor="ctr"/>
+            <a:lstStyle/>
+            <a:p>
+              <a:pPr algn="ctr"/>
+              <a:r>
+                <a:rPr lang="en-US" sz="2000" b="1" dirty="0" smtClean="0">
+                  <a:effectLst>
+                    <a:outerShdw blurRad="38100" dist="38100" dir="2700000" algn="tl">
+                      <a:srgbClr val="000000">
+                        <a:alpha val="43137"/>
+                      </a:srgbClr>
+                    </a:outerShdw>
+                  </a:effectLst>
+                </a:rPr>
+                <a:t>Secondary node</a:t>
+              </a:r>
+              <a:endParaRPr lang="en-US" sz="2000" b="1" dirty="0">
+                <a:effectLst>
+                  <a:outerShdw blurRad="38100" dist="38100" dir="2700000" algn="tl">
+                    <a:srgbClr val="000000">
+                      <a:alpha val="43137"/>
+                    </a:srgbClr>
+                  </a:outerShdw>
+                </a:effectLst>
+              </a:endParaRPr>
+            </a:p>
+          </p:txBody>
+        </p:sp>
+      </p:grpSp>
+      <p:cxnSp>
+        <p:nvCxnSpPr>
+          <p:cNvPr id="9" name="Straight Arrow Connector 8"/>
+          <p:cNvCxnSpPr>
+            <a:stCxn id="68" idx="3"/>
+            <a:endCxn id="85" idx="1"/>
+          </p:cNvCxnSpPr>
+          <p:nvPr/>
+        </p:nvCxnSpPr>
+        <p:spPr>
+          <a:xfrm>
+            <a:off x="7358397" y="2100988"/>
+            <a:ext cx="2716286" cy="23583"/>
+          </a:xfrm>
+          <a:prstGeom prst="straightConnector1">
+            <a:avLst/>
+          </a:prstGeom>
+          <a:ln>
+            <a:headEnd type="triangle"/>
+            <a:tailEnd type="triangle"/>
+          </a:ln>
+        </p:spPr>
+        <p:style>
+          <a:lnRef idx="1">
+            <a:schemeClr val="accent1"/>
+          </a:lnRef>
+          <a:fillRef idx="0">
+            <a:schemeClr val="accent1"/>
+          </a:fillRef>
+          <a:effectRef idx="0">
+            <a:schemeClr val="accent1"/>
+          </a:effectRef>
+          <a:fontRef idx="minor">
+            <a:schemeClr val="tx1"/>
+          </a:fontRef>
+        </p:style>
+      </p:cxnSp>
+      <p:sp>
+        <p:nvSpPr>
+          <p:cNvPr id="87" name="Rounded Rectangle 86"/>
+          <p:cNvSpPr/>
+          <p:nvPr/>
+        </p:nvSpPr>
+        <p:spPr>
+          <a:xfrm>
+            <a:off x="1054633" y="3796318"/>
+            <a:ext cx="2365717" cy="1199066"/>
+          </a:xfrm>
+          <a:prstGeom prst="roundRect">
+            <a:avLst/>
+          </a:prstGeom>
+          <a:solidFill>
+            <a:srgbClr val="ED7626"/>
+          </a:solidFill>
+          <a:effectLst>
+            <a:softEdge rad="63500"/>
+          </a:effectLst>
+        </p:spPr>
+        <p:style>
+          <a:lnRef idx="2">
+            <a:schemeClr val="accent1">
+              <a:shade val="50000"/>
+            </a:schemeClr>
+          </a:lnRef>
+          <a:fillRef idx="1">
+            <a:schemeClr val="accent1"/>
+          </a:fillRef>
+          <a:effectRef idx="0">
+            <a:schemeClr val="accent1"/>
+          </a:effectRef>
+          <a:fontRef idx="minor">
+            <a:schemeClr val="lt1"/>
+          </a:fontRef>
+        </p:style>
+        <p:txBody>
+          <a:bodyPr rtlCol="0" anchor="ctr"/>
+          <a:lstStyle/>
+          <a:p>
+            <a:pPr marL="285750" indent="-285750">
+              <a:buFont typeface="Arial" panose="020B0604020202020204" pitchFamily="34" charset="0"/>
+              <a:buChar char="•"/>
+            </a:pPr>
+            <a:r>
+              <a:rPr lang="en-US" sz="2000" dirty="0">
+                <a:effectLst>
+                  <a:outerShdw blurRad="38100" dist="38100" dir="2700000" algn="tl">
+                    <a:srgbClr val="000000">
+                      <a:alpha val="43137"/>
+                    </a:srgbClr>
+                  </a:outerShdw>
+                </a:effectLst>
+              </a:rPr>
+              <a:t>Edit log</a:t>
+            </a:r>
+          </a:p>
+          <a:p>
+            <a:pPr marL="285750" indent="-285750">
+              <a:buFont typeface="Arial" panose="020B0604020202020204" pitchFamily="34" charset="0"/>
+              <a:buChar char="•"/>
+            </a:pPr>
+            <a:r>
+              <a:rPr lang="en-US" sz="2000" dirty="0">
+                <a:effectLst>
+                  <a:outerShdw blurRad="38100" dist="38100" dir="2700000" algn="tl">
+                    <a:srgbClr val="000000">
+                      <a:alpha val="43137"/>
+                    </a:srgbClr>
+                  </a:outerShdw>
+                </a:effectLst>
+              </a:rPr>
+              <a:t>System image</a:t>
+            </a:r>
+          </a:p>
+        </p:txBody>
+      </p:sp>
+      <p:sp>
+        <p:nvSpPr>
+          <p:cNvPr id="39" name="Rounded Rectangle 38"/>
+          <p:cNvSpPr/>
+          <p:nvPr/>
+        </p:nvSpPr>
+        <p:spPr>
+          <a:xfrm>
+            <a:off x="6018127" y="5395747"/>
+            <a:ext cx="1308940" cy="448817"/>
+          </a:xfrm>
+          <a:prstGeom prst="roundRect">
+            <a:avLst/>
+          </a:prstGeom>
+          <a:ln>
+            <a:noFill/>
+          </a:ln>
+          <a:effectLst>
+            <a:glow rad="139700">
+              <a:schemeClr val="accent5">
+                <a:satMod val="175000"/>
+                <a:alpha val="40000"/>
+              </a:schemeClr>
+            </a:glow>
+            <a:outerShdw blurRad="107950" dist="12700" dir="5400000" algn="ctr">
+              <a:srgbClr val="000000"/>
+            </a:outerShdw>
+          </a:effectLst>
+          <a:scene3d>
+            <a:camera prst="orthographicFront">
+              <a:rot lat="0" lon="0" rev="0"/>
+            </a:camera>
+            <a:lightRig rig="soft" dir="t">
+              <a:rot lat="0" lon="0" rev="0"/>
+            </a:lightRig>
+          </a:scene3d>
+          <a:sp3d contourW="44450" prstMaterial="matte">
+            <a:bevelT w="63500" h="63500" prst="artDeco"/>
+            <a:contourClr>
+              <a:srgbClr val="FFFFFF"/>
+            </a:contourClr>
+          </a:sp3d>
+        </p:spPr>
+        <p:style>
+          <a:lnRef idx="2">
+            <a:schemeClr val="accent1">
+              <a:shade val="50000"/>
+            </a:schemeClr>
+          </a:lnRef>
+          <a:fillRef idx="1">
+            <a:schemeClr val="accent1"/>
+          </a:fillRef>
+          <a:effectRef idx="0">
+            <a:schemeClr val="accent1"/>
+          </a:effectRef>
+          <a:fontRef idx="minor">
+            <a:schemeClr val="lt1"/>
+          </a:fontRef>
+        </p:style>
+        <p:txBody>
+          <a:bodyPr rtlCol="0" anchor="ctr"/>
+          <a:lstStyle/>
+          <a:p>
+            <a:pPr algn="ctr"/>
+            <a:r>
+              <a:rPr lang="en-US" b="1" dirty="0" err="1" smtClean="0">
+                <a:effectLst>
+                  <a:outerShdw blurRad="38100" dist="38100" dir="2700000" algn="tl">
+                    <a:srgbClr val="000000">
+                      <a:alpha val="43137"/>
+                    </a:srgbClr>
+                  </a:outerShdw>
+                </a:effectLst>
+              </a:rPr>
+              <a:t>Datanodes</a:t>
+            </a:r>
+            <a:endParaRPr lang="en-US" b="1" dirty="0">
+              <a:effectLst>
+                <a:outerShdw blurRad="38100" dist="38100" dir="2700000" algn="tl">
+                  <a:srgbClr val="000000">
+                    <a:alpha val="43137"/>
+                  </a:srgbClr>
+                </a:outerShdw>
+              </a:effectLst>
+            </a:endParaRPr>
+          </a:p>
+        </p:txBody>
+      </p:sp>
+    </p:spTree>
+    <p:extLst>
+      <p:ext uri="{BB962C8B-B14F-4D97-AF65-F5344CB8AC3E}">
+        <p14:creationId xmlns:p14="http://schemas.microsoft.com/office/powerpoint/2010/main" val="2504517817"/>
+      </p:ext>
+    </p:extLst>
+  </p:cSld>
+  <p:clrMapOvr>
+    <a:masterClrMapping/>
+  </p:clrMapOvr>
+  <p:transition spd="slow">
+    <p:wheel spokes="1"/>
+  </p:transition>
+  <p:timing>
+    <p:tnLst>
+      <p:par>
+        <p:cTn id="1" dur="indefinite" restart="never" nodeType="tmRoot"/>
+      </p:par>
+    </p:tnLst>
+  </p:timing>
+</p:sld>
+</file>
+
+<file path=ppt/slides/slide14.xml><?xml version="1.0" encoding="utf-8"?>
 <p:sld xmlns:a="http://schemas.openxmlformats.org/drawingml/2006/main" xmlns:r="http://schemas.openxmlformats.org/officeDocument/2006/relationships" xmlns:p="http://schemas.openxmlformats.org/presentationml/2006/main" show="0">
   <p:cSld>
     <p:spTree>
@@ -9798,7 +11410,7 @@
           <a:p>
             <a:fld id="{040C66D9-7A85-4BE2-A0FF-5810B1E5E09A}" type="slidenum">
               <a:rPr lang="de-DE" smtClean="0"/>
-              <a:t>13</a:t>
+              <a:t>14</a:t>
             </a:fld>
             <a:endParaRPr lang="de-DE" dirty="0"/>
           </a:p>
@@ -13099,7 +14711,7 @@
 </p:sld>
 </file>
 
-<file path=ppt/slides/slide14.xml><?xml version="1.0" encoding="utf-8"?>
+<file path=ppt/slides/slide15.xml><?xml version="1.0" encoding="utf-8"?>
 <p:sld xmlns:a="http://schemas.openxmlformats.org/drawingml/2006/main" xmlns:r="http://schemas.openxmlformats.org/officeDocument/2006/relationships" xmlns:p="http://schemas.openxmlformats.org/presentationml/2006/main">
   <p:cSld>
     <p:spTree>
@@ -13178,6 +14790,2080 @@
             </a:r>
             <a:r>
               <a:rPr lang="de-DE" dirty="0" smtClean="0"/>
+              <a:t>– Workflow: Startup</a:t>
+            </a:r>
+            <a:endParaRPr lang="de-DE" dirty="0"/>
+          </a:p>
+        </p:txBody>
+      </p:sp>
+      <p:sp>
+        <p:nvSpPr>
+          <p:cNvPr id="3" name="Inhaltsplatzhalter 2"/>
+          <p:cNvSpPr>
+            <a:spLocks noGrp="1"/>
+          </p:cNvSpPr>
+          <p:nvPr>
+            <p:ph idx="1"/>
+          </p:nvPr>
+        </p:nvSpPr>
+        <p:spPr>
+          <a:xfrm>
+            <a:off x="668529" y="4230468"/>
+            <a:ext cx="3201232" cy="2570246"/>
+          </a:xfrm>
+        </p:spPr>
+        <p:txBody>
+          <a:bodyPr>
+            <a:normAutofit/>
+          </a:bodyPr>
+          <a:lstStyle/>
+          <a:p>
+            <a:pPr marL="0" indent="0">
+              <a:buNone/>
+            </a:pPr>
+            <a:r>
+              <a:rPr lang="de-DE" b="1" dirty="0" smtClean="0">
+                <a:solidFill>
+                  <a:schemeClr val="accent2">
+                    <a:lumMod val="75000"/>
+                  </a:schemeClr>
+                </a:solidFill>
+                <a:effectLst>
+                  <a:outerShdw blurRad="38100" dist="38100" dir="2700000" algn="tl">
+                    <a:srgbClr val="000000">
+                      <a:alpha val="43137"/>
+                    </a:srgbClr>
+                  </a:outerShdw>
+                </a:effectLst>
+              </a:rPr>
+              <a:t>1. Handshake</a:t>
+            </a:r>
+          </a:p>
+          <a:p>
+            <a:r>
+              <a:rPr lang="de-DE" b="1" dirty="0" smtClean="0">
+                <a:solidFill>
+                  <a:schemeClr val="accent2">
+                    <a:lumMod val="75000"/>
+                  </a:schemeClr>
+                </a:solidFill>
+                <a:effectLst>
+                  <a:outerShdw blurRad="38100" dist="38100" dir="2700000" algn="tl">
+                    <a:srgbClr val="000000">
+                      <a:alpha val="43137"/>
+                    </a:srgbClr>
+                  </a:outerShdw>
+                </a:effectLst>
+              </a:rPr>
+              <a:t>Namespace </a:t>
+            </a:r>
+            <a:r>
+              <a:rPr lang="de-DE" b="1" dirty="0" err="1" smtClean="0">
+                <a:solidFill>
+                  <a:schemeClr val="accent2">
+                    <a:lumMod val="75000"/>
+                  </a:schemeClr>
+                </a:solidFill>
+                <a:effectLst>
+                  <a:outerShdw blurRad="38100" dist="38100" dir="2700000" algn="tl">
+                    <a:srgbClr val="000000">
+                      <a:alpha val="43137"/>
+                    </a:srgbClr>
+                  </a:outerShdw>
+                </a:effectLst>
+              </a:rPr>
+              <a:t>id</a:t>
+            </a:r>
+            <a:endParaRPr lang="de-DE" b="1" dirty="0" smtClean="0">
+              <a:solidFill>
+                <a:schemeClr val="accent2">
+                  <a:lumMod val="75000"/>
+                </a:schemeClr>
+              </a:solidFill>
+              <a:effectLst>
+                <a:outerShdw blurRad="38100" dist="38100" dir="2700000" algn="tl">
+                  <a:srgbClr val="000000">
+                    <a:alpha val="43137"/>
+                  </a:srgbClr>
+                </a:outerShdw>
+              </a:effectLst>
+            </a:endParaRPr>
+          </a:p>
+          <a:p>
+            <a:r>
+              <a:rPr lang="de-DE" b="1" dirty="0" smtClean="0">
+                <a:solidFill>
+                  <a:schemeClr val="accent2">
+                    <a:lumMod val="75000"/>
+                  </a:schemeClr>
+                </a:solidFill>
+                <a:effectLst>
+                  <a:outerShdw blurRad="38100" dist="38100" dir="2700000" algn="tl">
+                    <a:srgbClr val="000000">
+                      <a:alpha val="43137"/>
+                    </a:srgbClr>
+                  </a:outerShdw>
+                </a:effectLst>
+              </a:rPr>
+              <a:t>Software </a:t>
+            </a:r>
+            <a:r>
+              <a:rPr lang="de-DE" b="1" dirty="0" err="1" smtClean="0">
+                <a:solidFill>
+                  <a:schemeClr val="accent2">
+                    <a:lumMod val="75000"/>
+                  </a:schemeClr>
+                </a:solidFill>
+                <a:effectLst>
+                  <a:outerShdw blurRad="38100" dist="38100" dir="2700000" algn="tl">
+                    <a:srgbClr val="000000">
+                      <a:alpha val="43137"/>
+                    </a:srgbClr>
+                  </a:outerShdw>
+                </a:effectLst>
+              </a:rPr>
+              <a:t>version</a:t>
+            </a:r>
+            <a:endParaRPr lang="de-DE" b="1" dirty="0" smtClean="0">
+              <a:solidFill>
+                <a:schemeClr val="accent2">
+                  <a:lumMod val="75000"/>
+                </a:schemeClr>
+              </a:solidFill>
+              <a:effectLst>
+                <a:outerShdw blurRad="38100" dist="38100" dir="2700000" algn="tl">
+                  <a:srgbClr val="000000">
+                    <a:alpha val="43137"/>
+                  </a:srgbClr>
+                </a:outerShdw>
+              </a:effectLst>
+            </a:endParaRPr>
+          </a:p>
+          <a:p>
+            <a:pPr lvl="1"/>
+            <a:endParaRPr lang="de-DE" dirty="0"/>
+          </a:p>
+        </p:txBody>
+      </p:sp>
+      <p:sp>
+        <p:nvSpPr>
+          <p:cNvPr id="4" name="Fußzeilenplatzhalter 3"/>
+          <p:cNvSpPr>
+            <a:spLocks noGrp="1"/>
+          </p:cNvSpPr>
+          <p:nvPr>
+            <p:ph type="ftr" sz="quarter" idx="11"/>
+          </p:nvPr>
+        </p:nvSpPr>
+        <p:spPr/>
+        <p:txBody>
+          <a:bodyPr/>
+          <a:lstStyle/>
+          <a:p>
+            <a:r>
+              <a:rPr lang="de-DE" smtClean="0"/>
+              <a:t>File Systems: GFS vs. Hadoop</a:t>
+            </a:r>
+          </a:p>
+          <a:p>
+            <a:r>
+              <a:rPr lang="de-DE" smtClean="0"/>
+              <a:t>Ciprian Lucaci and Daniel Straub</a:t>
+            </a:r>
+            <a:endParaRPr lang="de-DE" dirty="0"/>
+          </a:p>
+        </p:txBody>
+      </p:sp>
+      <p:sp>
+        <p:nvSpPr>
+          <p:cNvPr id="5" name="Foliennummernplatzhalter 4"/>
+          <p:cNvSpPr>
+            <a:spLocks noGrp="1"/>
+          </p:cNvSpPr>
+          <p:nvPr>
+            <p:ph type="sldNum" sz="quarter" idx="12"/>
+          </p:nvPr>
+        </p:nvSpPr>
+        <p:spPr/>
+        <p:txBody>
+          <a:bodyPr/>
+          <a:lstStyle/>
+          <a:p>
+            <a:fld id="{040C66D9-7A85-4BE2-A0FF-5810B1E5E09A}" type="slidenum">
+              <a:rPr lang="de-DE" smtClean="0"/>
+              <a:t>15</a:t>
+            </a:fld>
+            <a:endParaRPr lang="de-DE" dirty="0"/>
+          </a:p>
+        </p:txBody>
+      </p:sp>
+      <p:grpSp>
+        <p:nvGrpSpPr>
+          <p:cNvPr id="17" name="Group 16"/>
+          <p:cNvGrpSpPr/>
+          <p:nvPr/>
+        </p:nvGrpSpPr>
+        <p:grpSpPr>
+          <a:xfrm>
+            <a:off x="8123462" y="1157288"/>
+            <a:ext cx="2100308" cy="1756779"/>
+            <a:chOff x="8123462" y="1157288"/>
+            <a:chExt cx="2100308" cy="1756779"/>
+          </a:xfrm>
+        </p:grpSpPr>
+        <p:pic>
+          <p:nvPicPr>
+            <p:cNvPr id="24" name="Picture 23"/>
+            <p:cNvPicPr>
+              <a:picLocks noChangeAspect="1"/>
+            </p:cNvPicPr>
+            <p:nvPr/>
+          </p:nvPicPr>
+          <p:blipFill>
+            <a:blip r:embed="rId4">
+              <a:extLst>
+                <a:ext uri="{28A0092B-C50C-407E-A947-70E740481C1C}">
+                  <a14:useLocalDpi xmlns:a14="http://schemas.microsoft.com/office/drawing/2010/main" val="0"/>
+                </a:ext>
+              </a:extLst>
+            </a:blip>
+            <a:stretch>
+              <a:fillRect/>
+            </a:stretch>
+          </p:blipFill>
+          <p:spPr>
+            <a:xfrm>
+              <a:off x="8469114" y="1157288"/>
+              <a:ext cx="1371600" cy="1371600"/>
+            </a:xfrm>
+            <a:prstGeom prst="rect">
+              <a:avLst/>
+            </a:prstGeom>
+          </p:spPr>
+        </p:pic>
+        <p:sp>
+          <p:nvSpPr>
+            <p:cNvPr id="25" name="Rounded Rectangle 24"/>
+            <p:cNvSpPr/>
+            <p:nvPr/>
+          </p:nvSpPr>
+          <p:spPr>
+            <a:xfrm>
+              <a:off x="8123462" y="2461637"/>
+              <a:ext cx="2100308" cy="452430"/>
+            </a:xfrm>
+            <a:prstGeom prst="roundRect">
+              <a:avLst/>
+            </a:prstGeom>
+            <a:solidFill>
+              <a:srgbClr val="C00000"/>
+            </a:solidFill>
+            <a:ln>
+              <a:noFill/>
+            </a:ln>
+            <a:effectLst>
+              <a:glow rad="228600">
+                <a:srgbClr val="C00000">
+                  <a:alpha val="40000"/>
+                </a:srgbClr>
+              </a:glow>
+              <a:outerShdw blurRad="107950" dist="12700" dir="5400000" algn="ctr">
+                <a:srgbClr val="000000"/>
+              </a:outerShdw>
+            </a:effectLst>
+            <a:scene3d>
+              <a:camera prst="orthographicFront">
+                <a:rot lat="0" lon="0" rev="0"/>
+              </a:camera>
+              <a:lightRig rig="soft" dir="t">
+                <a:rot lat="0" lon="0" rev="0"/>
+              </a:lightRig>
+            </a:scene3d>
+            <a:sp3d contourW="44450" prstMaterial="matte">
+              <a:bevelT w="63500" h="63500" prst="artDeco"/>
+              <a:contourClr>
+                <a:srgbClr val="FFFFFF"/>
+              </a:contourClr>
+            </a:sp3d>
+          </p:spPr>
+          <p:style>
+            <a:lnRef idx="0">
+              <a:schemeClr val="accent6"/>
+            </a:lnRef>
+            <a:fillRef idx="3">
+              <a:schemeClr val="accent6"/>
+            </a:fillRef>
+            <a:effectRef idx="3">
+              <a:schemeClr val="accent6"/>
+            </a:effectRef>
+            <a:fontRef idx="minor">
+              <a:schemeClr val="lt1"/>
+            </a:fontRef>
+          </p:style>
+          <p:txBody>
+            <a:bodyPr rtlCol="0" anchor="ctr"/>
+            <a:lstStyle/>
+            <a:p>
+              <a:pPr algn="ctr"/>
+              <a:r>
+                <a:rPr lang="en-US" sz="2000" b="1" dirty="0" err="1" smtClean="0">
+                  <a:effectLst>
+                    <a:outerShdw blurRad="38100" dist="38100" dir="2700000" algn="tl">
+                      <a:srgbClr val="000000">
+                        <a:alpha val="43137"/>
+                      </a:srgbClr>
+                    </a:outerShdw>
+                  </a:effectLst>
+                </a:rPr>
+                <a:t>Namenode</a:t>
+              </a:r>
+              <a:endParaRPr lang="en-US" sz="2000" b="1" dirty="0">
+                <a:effectLst>
+                  <a:outerShdw blurRad="38100" dist="38100" dir="2700000" algn="tl">
+                    <a:srgbClr val="000000">
+                      <a:alpha val="43137"/>
+                    </a:srgbClr>
+                  </a:outerShdw>
+                </a:effectLst>
+              </a:endParaRPr>
+            </a:p>
+          </p:txBody>
+        </p:sp>
+      </p:grpSp>
+      <p:sp>
+        <p:nvSpPr>
+          <p:cNvPr id="51" name="TextBox 50"/>
+          <p:cNvSpPr txBox="1"/>
+          <p:nvPr/>
+        </p:nvSpPr>
+        <p:spPr>
+          <a:xfrm>
+            <a:off x="3741112" y="1459332"/>
+            <a:ext cx="1445204" cy="369332"/>
+          </a:xfrm>
+          <a:prstGeom prst="rect">
+            <a:avLst/>
+          </a:prstGeom>
+          <a:noFill/>
+          <a:ln>
+            <a:noFill/>
+          </a:ln>
+        </p:spPr>
+        <p:txBody>
+          <a:bodyPr wrap="none" rtlCol="0">
+            <a:spAutoFit/>
+          </a:bodyPr>
+          <a:lstStyle/>
+          <a:p>
+            <a:r>
+              <a:rPr lang="en-US" dirty="0" smtClean="0">
+                <a:solidFill>
+                  <a:sysClr val="windowText" lastClr="000000"/>
+                </a:solidFill>
+              </a:rPr>
+              <a:t>1. </a:t>
+            </a:r>
+            <a:r>
+              <a:rPr lang="en-US" dirty="0" smtClean="0">
+                <a:solidFill>
+                  <a:sysClr val="windowText" lastClr="000000"/>
+                </a:solidFill>
+              </a:rPr>
+              <a:t>Handshake</a:t>
+            </a:r>
+            <a:endParaRPr lang="en-US" dirty="0">
+              <a:solidFill>
+                <a:sysClr val="windowText" lastClr="000000"/>
+              </a:solidFill>
+            </a:endParaRPr>
+          </a:p>
+        </p:txBody>
+      </p:sp>
+      <p:sp>
+        <p:nvSpPr>
+          <p:cNvPr id="53" name="TextBox 52"/>
+          <p:cNvSpPr txBox="1"/>
+          <p:nvPr/>
+        </p:nvSpPr>
+        <p:spPr>
+          <a:xfrm>
+            <a:off x="3869761" y="2778431"/>
+            <a:ext cx="2811219" cy="369332"/>
+          </a:xfrm>
+          <a:prstGeom prst="rect">
+            <a:avLst/>
+          </a:prstGeom>
+          <a:noFill/>
+        </p:spPr>
+        <p:txBody>
+          <a:bodyPr wrap="none" rtlCol="0">
+            <a:spAutoFit/>
+          </a:bodyPr>
+          <a:lstStyle/>
+          <a:p>
+            <a:r>
+              <a:rPr lang="en-US" dirty="0" smtClean="0">
+                <a:solidFill>
+                  <a:schemeClr val="accent2">
+                    <a:lumMod val="50000"/>
+                  </a:schemeClr>
+                </a:solidFill>
+              </a:rPr>
+              <a:t>2. Send block to a </a:t>
+            </a:r>
+            <a:r>
+              <a:rPr lang="en-US" dirty="0" err="1" smtClean="0">
+                <a:solidFill>
+                  <a:schemeClr val="accent2">
+                    <a:lumMod val="50000"/>
+                  </a:schemeClr>
+                </a:solidFill>
+              </a:rPr>
+              <a:t>Datanode</a:t>
+            </a:r>
+            <a:endParaRPr lang="en-US" dirty="0">
+              <a:solidFill>
+                <a:schemeClr val="accent2">
+                  <a:lumMod val="50000"/>
+                </a:schemeClr>
+              </a:solidFill>
+            </a:endParaRPr>
+          </a:p>
+        </p:txBody>
+      </p:sp>
+      <p:sp>
+        <p:nvSpPr>
+          <p:cNvPr id="54" name="TextBox 53"/>
+          <p:cNvSpPr txBox="1"/>
+          <p:nvPr/>
+        </p:nvSpPr>
+        <p:spPr>
+          <a:xfrm>
+            <a:off x="4666788" y="3654187"/>
+            <a:ext cx="2201949" cy="369332"/>
+          </a:xfrm>
+          <a:prstGeom prst="rect">
+            <a:avLst/>
+          </a:prstGeom>
+          <a:noFill/>
+        </p:spPr>
+        <p:txBody>
+          <a:bodyPr wrap="none" rtlCol="0">
+            <a:spAutoFit/>
+          </a:bodyPr>
+          <a:lstStyle/>
+          <a:p>
+            <a:r>
+              <a:rPr lang="en-US" dirty="0" smtClean="0">
+                <a:solidFill>
+                  <a:schemeClr val="accent2">
+                    <a:lumMod val="50000"/>
+                  </a:schemeClr>
+                </a:solidFill>
+              </a:rPr>
+              <a:t>3. Create First Replica</a:t>
+            </a:r>
+            <a:endParaRPr lang="en-US" dirty="0">
+              <a:solidFill>
+                <a:schemeClr val="accent2">
+                  <a:lumMod val="50000"/>
+                </a:schemeClr>
+              </a:solidFill>
+            </a:endParaRPr>
+          </a:p>
+        </p:txBody>
+      </p:sp>
+      <p:sp>
+        <p:nvSpPr>
+          <p:cNvPr id="56" name="TextBox 55"/>
+          <p:cNvSpPr txBox="1"/>
+          <p:nvPr/>
+        </p:nvSpPr>
+        <p:spPr>
+          <a:xfrm>
+            <a:off x="7890681" y="4045802"/>
+            <a:ext cx="2485489" cy="369332"/>
+          </a:xfrm>
+          <a:prstGeom prst="rect">
+            <a:avLst/>
+          </a:prstGeom>
+          <a:noFill/>
+        </p:spPr>
+        <p:txBody>
+          <a:bodyPr wrap="none" rtlCol="0">
+            <a:spAutoFit/>
+          </a:bodyPr>
+          <a:lstStyle/>
+          <a:p>
+            <a:r>
+              <a:rPr lang="en-US" dirty="0" smtClean="0">
+                <a:solidFill>
+                  <a:schemeClr val="accent2">
+                    <a:lumMod val="50000"/>
+                  </a:schemeClr>
+                </a:solidFill>
+              </a:rPr>
+              <a:t>4. Create Second Replica</a:t>
+            </a:r>
+            <a:endParaRPr lang="en-US" dirty="0">
+              <a:solidFill>
+                <a:schemeClr val="accent2">
+                  <a:lumMod val="50000"/>
+                </a:schemeClr>
+              </a:solidFill>
+            </a:endParaRPr>
+          </a:p>
+        </p:txBody>
+      </p:sp>
+      <p:sp>
+        <p:nvSpPr>
+          <p:cNvPr id="47" name="TextBox 46"/>
+          <p:cNvSpPr txBox="1"/>
+          <p:nvPr/>
+        </p:nvSpPr>
+        <p:spPr>
+          <a:xfrm>
+            <a:off x="3567347" y="4160611"/>
+            <a:ext cx="4084195" cy="369332"/>
+          </a:xfrm>
+          <a:prstGeom prst="rect">
+            <a:avLst/>
+          </a:prstGeom>
+          <a:noFill/>
+        </p:spPr>
+        <p:txBody>
+          <a:bodyPr wrap="none" rtlCol="0">
+            <a:spAutoFit/>
+          </a:bodyPr>
+          <a:lstStyle/>
+          <a:p>
+            <a:r>
+              <a:rPr lang="en-US" dirty="0">
+                <a:solidFill>
+                  <a:srgbClr val="00B050"/>
+                </a:solidFill>
+              </a:rPr>
+              <a:t>5</a:t>
+            </a:r>
+            <a:r>
+              <a:rPr lang="en-US" dirty="0" smtClean="0">
+                <a:solidFill>
+                  <a:srgbClr val="00B050"/>
+                </a:solidFill>
+              </a:rPr>
+              <a:t>. Get list of </a:t>
+            </a:r>
+            <a:r>
+              <a:rPr lang="en-US" dirty="0" err="1">
+                <a:solidFill>
+                  <a:srgbClr val="00B050"/>
+                </a:solidFill>
+              </a:rPr>
+              <a:t>d</a:t>
+            </a:r>
+            <a:r>
+              <a:rPr lang="en-US" dirty="0" err="1" smtClean="0">
+                <a:solidFill>
+                  <a:srgbClr val="00B050"/>
+                </a:solidFill>
+              </a:rPr>
+              <a:t>atanodes</a:t>
+            </a:r>
+            <a:r>
+              <a:rPr lang="en-US" dirty="0" smtClean="0">
+                <a:solidFill>
+                  <a:srgbClr val="00B050"/>
+                </a:solidFill>
+              </a:rPr>
+              <a:t> hosting file blocks</a:t>
+            </a:r>
+            <a:endParaRPr lang="en-US" dirty="0">
+              <a:solidFill>
+                <a:srgbClr val="00B050"/>
+              </a:solidFill>
+            </a:endParaRPr>
+          </a:p>
+        </p:txBody>
+      </p:sp>
+      <p:sp>
+        <p:nvSpPr>
+          <p:cNvPr id="48" name="TextBox 47"/>
+          <p:cNvSpPr txBox="1"/>
+          <p:nvPr/>
+        </p:nvSpPr>
+        <p:spPr>
+          <a:xfrm>
+            <a:off x="2475660" y="4732271"/>
+            <a:ext cx="2185150" cy="369332"/>
+          </a:xfrm>
+          <a:prstGeom prst="rect">
+            <a:avLst/>
+          </a:prstGeom>
+          <a:noFill/>
+        </p:spPr>
+        <p:txBody>
+          <a:bodyPr wrap="none" rtlCol="0">
+            <a:spAutoFit/>
+          </a:bodyPr>
+          <a:lstStyle/>
+          <a:p>
+            <a:r>
+              <a:rPr lang="en-US" dirty="0">
+                <a:solidFill>
+                  <a:srgbClr val="00B050"/>
+                </a:solidFill>
+              </a:rPr>
+              <a:t>6</a:t>
+            </a:r>
+            <a:r>
+              <a:rPr lang="en-US" dirty="0" smtClean="0">
+                <a:solidFill>
+                  <a:srgbClr val="00B050"/>
+                </a:solidFill>
+              </a:rPr>
+              <a:t>. Get blocks in order</a:t>
+            </a:r>
+            <a:endParaRPr lang="en-US" dirty="0">
+              <a:solidFill>
+                <a:srgbClr val="00B050"/>
+              </a:solidFill>
+            </a:endParaRPr>
+          </a:p>
+        </p:txBody>
+      </p:sp>
+      <p:sp>
+        <p:nvSpPr>
+          <p:cNvPr id="49" name="TextBox 48"/>
+          <p:cNvSpPr txBox="1"/>
+          <p:nvPr/>
+        </p:nvSpPr>
+        <p:spPr>
+          <a:xfrm>
+            <a:off x="187212" y="6352536"/>
+            <a:ext cx="4040722" cy="400110"/>
+          </a:xfrm>
+          <a:prstGeom prst="rect">
+            <a:avLst/>
+          </a:prstGeom>
+          <a:noFill/>
+        </p:spPr>
+        <p:txBody>
+          <a:bodyPr wrap="none" rtlCol="0">
+            <a:spAutoFit/>
+          </a:bodyPr>
+          <a:lstStyle/>
+          <a:p>
+            <a:pPr marL="0" lvl="1"/>
+            <a:r>
+              <a:rPr lang="de-DE" sz="2000" b="1" dirty="0"/>
+              <a:t>Single-</a:t>
+            </a:r>
+            <a:r>
+              <a:rPr lang="de-DE" sz="2000" b="1" dirty="0" err="1"/>
+              <a:t>writer</a:t>
+            </a:r>
+            <a:r>
+              <a:rPr lang="de-DE" sz="2000" b="1" dirty="0"/>
+              <a:t>, multiple </a:t>
+            </a:r>
+            <a:r>
+              <a:rPr lang="de-DE" sz="2000" b="1" dirty="0" err="1"/>
+              <a:t>reader</a:t>
+            </a:r>
+            <a:r>
+              <a:rPr lang="de-DE" sz="2000" b="1" dirty="0"/>
+              <a:t> </a:t>
+            </a:r>
+            <a:r>
+              <a:rPr lang="de-DE" sz="2000" b="1" dirty="0" err="1" smtClean="0"/>
+              <a:t>model</a:t>
+            </a:r>
+            <a:endParaRPr lang="de-DE" sz="2000" b="1" dirty="0"/>
+          </a:p>
+        </p:txBody>
+      </p:sp>
+      <p:grpSp>
+        <p:nvGrpSpPr>
+          <p:cNvPr id="52" name="Group 51"/>
+          <p:cNvGrpSpPr/>
+          <p:nvPr/>
+        </p:nvGrpSpPr>
+        <p:grpSpPr>
+          <a:xfrm>
+            <a:off x="684589" y="1474842"/>
+            <a:ext cx="2802116" cy="1882507"/>
+            <a:chOff x="1177066" y="3845927"/>
+            <a:chExt cx="2861534" cy="2331036"/>
+          </a:xfrm>
+        </p:grpSpPr>
+        <p:grpSp>
+          <p:nvGrpSpPr>
+            <p:cNvPr id="55" name="Group 54"/>
+            <p:cNvGrpSpPr/>
+            <p:nvPr/>
+          </p:nvGrpSpPr>
+          <p:grpSpPr>
+            <a:xfrm>
+              <a:off x="1177066" y="4448317"/>
+              <a:ext cx="2861534" cy="1728646"/>
+              <a:chOff x="1177066" y="3293520"/>
+              <a:chExt cx="3432517" cy="2338597"/>
+            </a:xfrm>
+          </p:grpSpPr>
+          <p:sp>
+            <p:nvSpPr>
+              <p:cNvPr id="59" name="Rounded Rectangle 58"/>
+              <p:cNvSpPr/>
+              <p:nvPr/>
+            </p:nvSpPr>
+            <p:spPr>
+              <a:xfrm>
+                <a:off x="1177066" y="3293520"/>
+                <a:ext cx="3432517" cy="2338597"/>
+              </a:xfrm>
+              <a:prstGeom prst="roundRect">
+                <a:avLst/>
+              </a:prstGeom>
+              <a:ln>
+                <a:noFill/>
+              </a:ln>
+              <a:effectLst>
+                <a:glow rad="139700">
+                  <a:schemeClr val="accent5">
+                    <a:satMod val="175000"/>
+                    <a:alpha val="40000"/>
+                  </a:schemeClr>
+                </a:glow>
+                <a:outerShdw blurRad="107950" dist="12700" dir="5400000" algn="ctr">
+                  <a:srgbClr val="000000"/>
+                </a:outerShdw>
+              </a:effectLst>
+              <a:scene3d>
+                <a:camera prst="orthographicFront">
+                  <a:rot lat="0" lon="0" rev="0"/>
+                </a:camera>
+                <a:lightRig rig="soft" dir="t">
+                  <a:rot lat="0" lon="0" rev="0"/>
+                </a:lightRig>
+              </a:scene3d>
+              <a:sp3d contourW="44450" prstMaterial="matte">
+                <a:bevelT w="63500" h="63500" prst="artDeco"/>
+                <a:contourClr>
+                  <a:srgbClr val="FFFFFF"/>
+                </a:contourClr>
+              </a:sp3d>
+            </p:spPr>
+            <p:style>
+              <a:lnRef idx="2">
+                <a:schemeClr val="accent1">
+                  <a:shade val="50000"/>
+                </a:schemeClr>
+              </a:lnRef>
+              <a:fillRef idx="1">
+                <a:schemeClr val="accent1"/>
+              </a:fillRef>
+              <a:effectRef idx="0">
+                <a:schemeClr val="accent1"/>
+              </a:effectRef>
+              <a:fontRef idx="minor">
+                <a:schemeClr val="lt1"/>
+              </a:fontRef>
+            </p:style>
+            <p:txBody>
+              <a:bodyPr rtlCol="0" anchor="t"/>
+              <a:lstStyle/>
+              <a:p>
+                <a:endParaRPr lang="en-US" b="1" dirty="0">
+                  <a:effectLst>
+                    <a:outerShdw blurRad="38100" dist="38100" dir="2700000" algn="tl">
+                      <a:srgbClr val="000000">
+                        <a:alpha val="43137"/>
+                      </a:srgbClr>
+                    </a:outerShdw>
+                  </a:effectLst>
+                </a:endParaRPr>
+              </a:p>
+            </p:txBody>
+          </p:sp>
+          <p:sp>
+            <p:nvSpPr>
+              <p:cNvPr id="60" name="Rounded Rectangle 59"/>
+              <p:cNvSpPr/>
+              <p:nvPr/>
+            </p:nvSpPr>
+            <p:spPr>
+              <a:xfrm>
+                <a:off x="1691290" y="4604224"/>
+                <a:ext cx="573206" cy="532262"/>
+              </a:xfrm>
+              <a:prstGeom prst="roundRect">
+                <a:avLst/>
+              </a:prstGeom>
+              <a:ln>
+                <a:noFill/>
+              </a:ln>
+              <a:effectLst>
+                <a:outerShdw blurRad="107950" dist="12700" dir="5400000" algn="ctr">
+                  <a:srgbClr val="000000"/>
+                </a:outerShdw>
+              </a:effectLst>
+              <a:scene3d>
+                <a:camera prst="orthographicFront">
+                  <a:rot lat="0" lon="0" rev="0"/>
+                </a:camera>
+                <a:lightRig rig="soft" dir="t">
+                  <a:rot lat="0" lon="0" rev="0"/>
+                </a:lightRig>
+              </a:scene3d>
+              <a:sp3d contourW="44450" prstMaterial="matte">
+                <a:bevelT w="63500" h="63500" prst="artDeco"/>
+                <a:contourClr>
+                  <a:srgbClr val="FFFFFF"/>
+                </a:contourClr>
+              </a:sp3d>
+            </p:spPr>
+            <p:style>
+              <a:lnRef idx="0">
+                <a:schemeClr val="accent6"/>
+              </a:lnRef>
+              <a:fillRef idx="3">
+                <a:schemeClr val="accent6"/>
+              </a:fillRef>
+              <a:effectRef idx="3">
+                <a:schemeClr val="accent6"/>
+              </a:effectRef>
+              <a:fontRef idx="minor">
+                <a:schemeClr val="lt1"/>
+              </a:fontRef>
+            </p:style>
+            <p:txBody>
+              <a:bodyPr rtlCol="0" anchor="ctr"/>
+              <a:lstStyle/>
+              <a:p>
+                <a:pPr algn="ctr"/>
+                <a:r>
+                  <a:rPr lang="en-US" b="1" dirty="0" smtClean="0">
+                    <a:effectLst>
+                      <a:outerShdw blurRad="38100" dist="38100" dir="2700000" algn="tl">
+                        <a:srgbClr val="000000">
+                          <a:alpha val="43137"/>
+                        </a:srgbClr>
+                      </a:outerShdw>
+                    </a:effectLst>
+                  </a:rPr>
+                  <a:t>B1</a:t>
+                </a:r>
+                <a:endParaRPr lang="en-US" b="1" dirty="0">
+                  <a:effectLst>
+                    <a:outerShdw blurRad="38100" dist="38100" dir="2700000" algn="tl">
+                      <a:srgbClr val="000000">
+                        <a:alpha val="43137"/>
+                      </a:srgbClr>
+                    </a:outerShdw>
+                  </a:effectLst>
+                </a:endParaRPr>
+              </a:p>
+            </p:txBody>
+          </p:sp>
+          <p:sp>
+            <p:nvSpPr>
+              <p:cNvPr id="61" name="Rounded Rectangle 60"/>
+              <p:cNvSpPr/>
+              <p:nvPr/>
+            </p:nvSpPr>
+            <p:spPr>
+              <a:xfrm>
+                <a:off x="2167272" y="3937025"/>
+                <a:ext cx="573206" cy="532262"/>
+              </a:xfrm>
+              <a:prstGeom prst="roundRect">
+                <a:avLst/>
+              </a:prstGeom>
+              <a:ln>
+                <a:noFill/>
+              </a:ln>
+              <a:effectLst>
+                <a:outerShdw blurRad="107950" dist="12700" dir="5400000" algn="ctr">
+                  <a:srgbClr val="000000"/>
+                </a:outerShdw>
+              </a:effectLst>
+              <a:scene3d>
+                <a:camera prst="orthographicFront">
+                  <a:rot lat="0" lon="0" rev="0"/>
+                </a:camera>
+                <a:lightRig rig="soft" dir="t">
+                  <a:rot lat="0" lon="0" rev="0"/>
+                </a:lightRig>
+              </a:scene3d>
+              <a:sp3d contourW="44450" prstMaterial="matte">
+                <a:bevelT w="63500" h="63500" prst="artDeco"/>
+                <a:contourClr>
+                  <a:srgbClr val="FFFFFF"/>
+                </a:contourClr>
+              </a:sp3d>
+            </p:spPr>
+            <p:style>
+              <a:lnRef idx="0">
+                <a:schemeClr val="accent6"/>
+              </a:lnRef>
+              <a:fillRef idx="3">
+                <a:schemeClr val="accent6"/>
+              </a:fillRef>
+              <a:effectRef idx="3">
+                <a:schemeClr val="accent6"/>
+              </a:effectRef>
+              <a:fontRef idx="minor">
+                <a:schemeClr val="lt1"/>
+              </a:fontRef>
+            </p:style>
+            <p:txBody>
+              <a:bodyPr rtlCol="0" anchor="ctr"/>
+              <a:lstStyle/>
+              <a:p>
+                <a:pPr algn="ctr"/>
+                <a:r>
+                  <a:rPr lang="en-US" b="1" dirty="0" smtClean="0">
+                    <a:effectLst>
+                      <a:outerShdw blurRad="38100" dist="38100" dir="2700000" algn="tl">
+                        <a:srgbClr val="000000">
+                          <a:alpha val="43137"/>
+                        </a:srgbClr>
+                      </a:outerShdw>
+                    </a:effectLst>
+                  </a:rPr>
+                  <a:t>B2</a:t>
+                </a:r>
+                <a:endParaRPr lang="en-US" b="1" dirty="0">
+                  <a:effectLst>
+                    <a:outerShdw blurRad="38100" dist="38100" dir="2700000" algn="tl">
+                      <a:srgbClr val="000000">
+                        <a:alpha val="43137"/>
+                      </a:srgbClr>
+                    </a:outerShdw>
+                  </a:effectLst>
+                </a:endParaRPr>
+              </a:p>
+            </p:txBody>
+          </p:sp>
+          <p:sp>
+            <p:nvSpPr>
+              <p:cNvPr id="62" name="Rounded Rectangle 61"/>
+              <p:cNvSpPr/>
+              <p:nvPr/>
+            </p:nvSpPr>
+            <p:spPr>
+              <a:xfrm>
+                <a:off x="2606721" y="4604224"/>
+                <a:ext cx="573206" cy="532262"/>
+              </a:xfrm>
+              <a:prstGeom prst="roundRect">
+                <a:avLst/>
+              </a:prstGeom>
+              <a:ln>
+                <a:noFill/>
+              </a:ln>
+              <a:effectLst>
+                <a:outerShdw blurRad="107950" dist="12700" dir="5400000" algn="ctr">
+                  <a:srgbClr val="000000"/>
+                </a:outerShdw>
+              </a:effectLst>
+              <a:scene3d>
+                <a:camera prst="orthographicFront">
+                  <a:rot lat="0" lon="0" rev="0"/>
+                </a:camera>
+                <a:lightRig rig="soft" dir="t">
+                  <a:rot lat="0" lon="0" rev="0"/>
+                </a:lightRig>
+              </a:scene3d>
+              <a:sp3d contourW="44450" prstMaterial="matte">
+                <a:bevelT w="63500" h="63500" prst="artDeco"/>
+                <a:contourClr>
+                  <a:srgbClr val="FFFFFF"/>
+                </a:contourClr>
+              </a:sp3d>
+            </p:spPr>
+            <p:style>
+              <a:lnRef idx="0">
+                <a:schemeClr val="accent6"/>
+              </a:lnRef>
+              <a:fillRef idx="3">
+                <a:schemeClr val="accent6"/>
+              </a:fillRef>
+              <a:effectRef idx="3">
+                <a:schemeClr val="accent6"/>
+              </a:effectRef>
+              <a:fontRef idx="minor">
+                <a:schemeClr val="lt1"/>
+              </a:fontRef>
+            </p:style>
+            <p:txBody>
+              <a:bodyPr rtlCol="0" anchor="ctr"/>
+              <a:lstStyle/>
+              <a:p>
+                <a:pPr algn="ctr"/>
+                <a:r>
+                  <a:rPr lang="en-US" b="1" dirty="0" smtClean="0">
+                    <a:effectLst>
+                      <a:outerShdw blurRad="38100" dist="38100" dir="2700000" algn="tl">
+                        <a:srgbClr val="000000">
+                          <a:alpha val="43137"/>
+                        </a:srgbClr>
+                      </a:outerShdw>
+                    </a:effectLst>
+                  </a:rPr>
+                  <a:t>B3</a:t>
+                </a:r>
+                <a:endParaRPr lang="en-US" b="1" dirty="0">
+                  <a:effectLst>
+                    <a:outerShdw blurRad="38100" dist="38100" dir="2700000" algn="tl">
+                      <a:srgbClr val="000000">
+                        <a:alpha val="43137"/>
+                      </a:srgbClr>
+                    </a:outerShdw>
+                  </a:effectLst>
+                </a:endParaRPr>
+              </a:p>
+            </p:txBody>
+          </p:sp>
+          <p:sp>
+            <p:nvSpPr>
+              <p:cNvPr id="63" name="Rounded Rectangle 62"/>
+              <p:cNvSpPr/>
+              <p:nvPr/>
+            </p:nvSpPr>
+            <p:spPr>
+              <a:xfrm>
+                <a:off x="3157478" y="3852377"/>
+                <a:ext cx="573206" cy="532262"/>
+              </a:xfrm>
+              <a:prstGeom prst="roundRect">
+                <a:avLst/>
+              </a:prstGeom>
+              <a:ln>
+                <a:noFill/>
+              </a:ln>
+              <a:effectLst>
+                <a:outerShdw blurRad="107950" dist="12700" dir="5400000" algn="ctr">
+                  <a:srgbClr val="000000"/>
+                </a:outerShdw>
+              </a:effectLst>
+              <a:scene3d>
+                <a:camera prst="orthographicFront">
+                  <a:rot lat="0" lon="0" rev="0"/>
+                </a:camera>
+                <a:lightRig rig="soft" dir="t">
+                  <a:rot lat="0" lon="0" rev="0"/>
+                </a:lightRig>
+              </a:scene3d>
+              <a:sp3d contourW="44450" prstMaterial="matte">
+                <a:bevelT w="63500" h="63500" prst="artDeco"/>
+                <a:contourClr>
+                  <a:srgbClr val="FFFFFF"/>
+                </a:contourClr>
+              </a:sp3d>
+            </p:spPr>
+            <p:style>
+              <a:lnRef idx="0">
+                <a:schemeClr val="accent6"/>
+              </a:lnRef>
+              <a:fillRef idx="3">
+                <a:schemeClr val="accent6"/>
+              </a:fillRef>
+              <a:effectRef idx="3">
+                <a:schemeClr val="accent6"/>
+              </a:effectRef>
+              <a:fontRef idx="minor">
+                <a:schemeClr val="lt1"/>
+              </a:fontRef>
+            </p:style>
+            <p:txBody>
+              <a:bodyPr rtlCol="0" anchor="ctr"/>
+              <a:lstStyle/>
+              <a:p>
+                <a:pPr algn="ctr"/>
+                <a:r>
+                  <a:rPr lang="en-US" b="1" dirty="0" smtClean="0">
+                    <a:effectLst>
+                      <a:outerShdw blurRad="38100" dist="38100" dir="2700000" algn="tl">
+                        <a:srgbClr val="000000">
+                          <a:alpha val="43137"/>
+                        </a:srgbClr>
+                      </a:outerShdw>
+                    </a:effectLst>
+                  </a:rPr>
+                  <a:t>…</a:t>
+                </a:r>
+                <a:endParaRPr lang="en-US" b="1" dirty="0">
+                  <a:effectLst>
+                    <a:outerShdw blurRad="38100" dist="38100" dir="2700000" algn="tl">
+                      <a:srgbClr val="000000">
+                        <a:alpha val="43137"/>
+                      </a:srgbClr>
+                    </a:outerShdw>
+                  </a:effectLst>
+                </a:endParaRPr>
+              </a:p>
+            </p:txBody>
+          </p:sp>
+          <p:sp>
+            <p:nvSpPr>
+              <p:cNvPr id="64" name="Rounded Rectangle 63"/>
+              <p:cNvSpPr/>
+              <p:nvPr/>
+            </p:nvSpPr>
+            <p:spPr>
+              <a:xfrm>
+                <a:off x="3581887" y="4609960"/>
+                <a:ext cx="573206" cy="532262"/>
+              </a:xfrm>
+              <a:prstGeom prst="roundRect">
+                <a:avLst/>
+              </a:prstGeom>
+              <a:ln>
+                <a:noFill/>
+              </a:ln>
+              <a:effectLst>
+                <a:outerShdw blurRad="107950" dist="12700" dir="5400000" algn="ctr">
+                  <a:srgbClr val="000000"/>
+                </a:outerShdw>
+              </a:effectLst>
+              <a:scene3d>
+                <a:camera prst="orthographicFront">
+                  <a:rot lat="0" lon="0" rev="0"/>
+                </a:camera>
+                <a:lightRig rig="soft" dir="t">
+                  <a:rot lat="0" lon="0" rev="0"/>
+                </a:lightRig>
+              </a:scene3d>
+              <a:sp3d contourW="44450" prstMaterial="matte">
+                <a:bevelT w="63500" h="63500" prst="artDeco"/>
+                <a:contourClr>
+                  <a:srgbClr val="FFFFFF"/>
+                </a:contourClr>
+              </a:sp3d>
+            </p:spPr>
+            <p:style>
+              <a:lnRef idx="0">
+                <a:schemeClr val="accent6"/>
+              </a:lnRef>
+              <a:fillRef idx="3">
+                <a:schemeClr val="accent6"/>
+              </a:fillRef>
+              <a:effectRef idx="3">
+                <a:schemeClr val="accent6"/>
+              </a:effectRef>
+              <a:fontRef idx="minor">
+                <a:schemeClr val="lt1"/>
+              </a:fontRef>
+            </p:style>
+            <p:txBody>
+              <a:bodyPr rtlCol="0" anchor="ctr"/>
+              <a:lstStyle/>
+              <a:p>
+                <a:pPr algn="ctr"/>
+                <a:r>
+                  <a:rPr lang="en-US" b="1" dirty="0" err="1" smtClean="0">
+                    <a:effectLst>
+                      <a:outerShdw blurRad="38100" dist="38100" dir="2700000" algn="tl">
+                        <a:srgbClr val="000000">
+                          <a:alpha val="43137"/>
+                        </a:srgbClr>
+                      </a:outerShdw>
+                    </a:effectLst>
+                  </a:rPr>
+                  <a:t>Bn</a:t>
+                </a:r>
+                <a:endParaRPr lang="en-US" b="1" dirty="0">
+                  <a:effectLst>
+                    <a:outerShdw blurRad="38100" dist="38100" dir="2700000" algn="tl">
+                      <a:srgbClr val="000000">
+                        <a:alpha val="43137"/>
+                      </a:srgbClr>
+                    </a:outerShdw>
+                  </a:effectLst>
+                </a:endParaRPr>
+              </a:p>
+            </p:txBody>
+          </p:sp>
+        </p:grpSp>
+        <p:pic>
+          <p:nvPicPr>
+            <p:cNvPr id="57" name="Picture 56"/>
+            <p:cNvPicPr>
+              <a:picLocks noChangeAspect="1"/>
+            </p:cNvPicPr>
+            <p:nvPr/>
+          </p:nvPicPr>
+          <p:blipFill>
+            <a:blip r:embed="rId5">
+              <a:extLst>
+                <a:ext uri="{28A0092B-C50C-407E-A947-70E740481C1C}">
+                  <a14:useLocalDpi xmlns:a14="http://schemas.microsoft.com/office/drawing/2010/main" val="0"/>
+                </a:ext>
+              </a:extLst>
+            </a:blip>
+            <a:stretch>
+              <a:fillRect/>
+            </a:stretch>
+          </p:blipFill>
+          <p:spPr>
+            <a:xfrm>
+              <a:off x="2140668" y="3845927"/>
+              <a:ext cx="934329" cy="934329"/>
+            </a:xfrm>
+            <a:prstGeom prst="rect">
+              <a:avLst/>
+            </a:prstGeom>
+          </p:spPr>
+        </p:pic>
+      </p:grpSp>
+      <p:sp>
+        <p:nvSpPr>
+          <p:cNvPr id="65" name="Rounded Rectangle 64"/>
+          <p:cNvSpPr/>
+          <p:nvPr/>
+        </p:nvSpPr>
+        <p:spPr>
+          <a:xfrm>
+            <a:off x="1503412" y="3311153"/>
+            <a:ext cx="1308940" cy="448817"/>
+          </a:xfrm>
+          <a:prstGeom prst="roundRect">
+            <a:avLst/>
+          </a:prstGeom>
+          <a:ln>
+            <a:noFill/>
+          </a:ln>
+          <a:effectLst>
+            <a:glow rad="139700">
+              <a:schemeClr val="accent5">
+                <a:satMod val="175000"/>
+                <a:alpha val="40000"/>
+              </a:schemeClr>
+            </a:glow>
+            <a:outerShdw blurRad="107950" dist="12700" dir="5400000" algn="ctr">
+              <a:srgbClr val="000000"/>
+            </a:outerShdw>
+          </a:effectLst>
+          <a:scene3d>
+            <a:camera prst="orthographicFront">
+              <a:rot lat="0" lon="0" rev="0"/>
+            </a:camera>
+            <a:lightRig rig="soft" dir="t">
+              <a:rot lat="0" lon="0" rev="0"/>
+            </a:lightRig>
+          </a:scene3d>
+          <a:sp3d contourW="44450" prstMaterial="matte">
+            <a:bevelT w="63500" h="63500" prst="artDeco"/>
+            <a:contourClr>
+              <a:srgbClr val="FFFFFF"/>
+            </a:contourClr>
+          </a:sp3d>
+        </p:spPr>
+        <p:style>
+          <a:lnRef idx="2">
+            <a:schemeClr val="accent1">
+              <a:shade val="50000"/>
+            </a:schemeClr>
+          </a:lnRef>
+          <a:fillRef idx="1">
+            <a:schemeClr val="accent1"/>
+          </a:fillRef>
+          <a:effectRef idx="0">
+            <a:schemeClr val="accent1"/>
+          </a:effectRef>
+          <a:fontRef idx="minor">
+            <a:schemeClr val="lt1"/>
+          </a:fontRef>
+        </p:style>
+        <p:txBody>
+          <a:bodyPr rtlCol="0" anchor="ctr"/>
+          <a:lstStyle/>
+          <a:p>
+            <a:pPr algn="ctr"/>
+            <a:r>
+              <a:rPr lang="en-US" b="1" dirty="0" err="1" smtClean="0">
+                <a:effectLst>
+                  <a:outerShdw blurRad="38100" dist="38100" dir="2700000" algn="tl">
+                    <a:srgbClr val="000000">
+                      <a:alpha val="43137"/>
+                    </a:srgbClr>
+                  </a:outerShdw>
+                </a:effectLst>
+              </a:rPr>
+              <a:t>Datanode</a:t>
+            </a:r>
+            <a:endParaRPr lang="en-US" b="1" dirty="0">
+              <a:effectLst>
+                <a:outerShdw blurRad="38100" dist="38100" dir="2700000" algn="tl">
+                  <a:srgbClr val="000000">
+                    <a:alpha val="43137"/>
+                  </a:srgbClr>
+                </a:outerShdw>
+              </a:effectLst>
+            </a:endParaRPr>
+          </a:p>
+        </p:txBody>
+      </p:sp>
+      <p:cxnSp>
+        <p:nvCxnSpPr>
+          <p:cNvPr id="12" name="Straight Arrow Connector 11"/>
+          <p:cNvCxnSpPr/>
+          <p:nvPr/>
+        </p:nvCxnSpPr>
+        <p:spPr>
+          <a:xfrm>
+            <a:off x="3486705" y="1856922"/>
+            <a:ext cx="4901767" cy="0"/>
+          </a:xfrm>
+          <a:prstGeom prst="straightConnector1">
+            <a:avLst/>
+          </a:prstGeom>
+          <a:ln w="38100">
+            <a:solidFill>
+              <a:schemeClr val="tx1">
+                <a:lumMod val="95000"/>
+                <a:lumOff val="5000"/>
+              </a:schemeClr>
+            </a:solidFill>
+            <a:headEnd type="triangle"/>
+            <a:tailEnd type="triangle"/>
+          </a:ln>
+        </p:spPr>
+        <p:style>
+          <a:lnRef idx="1">
+            <a:schemeClr val="accent1"/>
+          </a:lnRef>
+          <a:fillRef idx="0">
+            <a:schemeClr val="accent1"/>
+          </a:fillRef>
+          <a:effectRef idx="0">
+            <a:schemeClr val="accent1"/>
+          </a:effectRef>
+          <a:fontRef idx="minor">
+            <a:schemeClr val="tx1"/>
+          </a:fontRef>
+        </p:style>
+      </p:cxnSp>
+      <p:cxnSp>
+        <p:nvCxnSpPr>
+          <p:cNvPr id="66" name="Straight Arrow Connector 65"/>
+          <p:cNvCxnSpPr/>
+          <p:nvPr/>
+        </p:nvCxnSpPr>
+        <p:spPr>
+          <a:xfrm>
+            <a:off x="3567347" y="2298033"/>
+            <a:ext cx="4901767" cy="0"/>
+          </a:xfrm>
+          <a:prstGeom prst="straightConnector1">
+            <a:avLst/>
+          </a:prstGeom>
+          <a:ln w="38100">
+            <a:solidFill>
+              <a:schemeClr val="tx1">
+                <a:lumMod val="95000"/>
+                <a:lumOff val="5000"/>
+              </a:schemeClr>
+            </a:solidFill>
+            <a:headEnd type="triangle"/>
+            <a:tailEnd type="triangle"/>
+          </a:ln>
+        </p:spPr>
+        <p:style>
+          <a:lnRef idx="1">
+            <a:schemeClr val="accent1"/>
+          </a:lnRef>
+          <a:fillRef idx="0">
+            <a:schemeClr val="accent1"/>
+          </a:fillRef>
+          <a:effectRef idx="0">
+            <a:schemeClr val="accent1"/>
+          </a:effectRef>
+          <a:fontRef idx="minor">
+            <a:schemeClr val="tx1"/>
+          </a:fontRef>
+        </p:style>
+      </p:cxnSp>
+      <p:sp>
+        <p:nvSpPr>
+          <p:cNvPr id="67" name="TextBox 66"/>
+          <p:cNvSpPr txBox="1"/>
+          <p:nvPr/>
+        </p:nvSpPr>
+        <p:spPr>
+          <a:xfrm>
+            <a:off x="3869761" y="1912455"/>
+            <a:ext cx="1445204" cy="369332"/>
+          </a:xfrm>
+          <a:prstGeom prst="rect">
+            <a:avLst/>
+          </a:prstGeom>
+          <a:noFill/>
+          <a:ln>
+            <a:noFill/>
+          </a:ln>
+        </p:spPr>
+        <p:txBody>
+          <a:bodyPr wrap="none" rtlCol="0">
+            <a:spAutoFit/>
+          </a:bodyPr>
+          <a:lstStyle/>
+          <a:p>
+            <a:r>
+              <a:rPr lang="en-US" dirty="0" smtClean="0">
+                <a:solidFill>
+                  <a:sysClr val="windowText" lastClr="000000"/>
+                </a:solidFill>
+              </a:rPr>
+              <a:t>2. Handshake</a:t>
+            </a:r>
+            <a:endParaRPr lang="en-US" dirty="0">
+              <a:solidFill>
+                <a:sysClr val="windowText" lastClr="000000"/>
+              </a:solidFill>
+            </a:endParaRPr>
+          </a:p>
+        </p:txBody>
+      </p:sp>
+    </p:spTree>
+    <p:extLst>
+      <p:ext uri="{BB962C8B-B14F-4D97-AF65-F5344CB8AC3E}">
+        <p14:creationId xmlns:p14="http://schemas.microsoft.com/office/powerpoint/2010/main" val="202610616"/>
+      </p:ext>
+    </p:extLst>
+  </p:cSld>
+  <p:clrMapOvr>
+    <a:masterClrMapping/>
+  </p:clrMapOvr>
+  <p:transition spd="slow">
+    <p:wheel spokes="1"/>
+  </p:transition>
+  <p:timing>
+    <p:tnLst>
+      <p:par>
+        <p:cTn id="1" dur="indefinite" restart="never" nodeType="tmRoot">
+          <p:childTnLst>
+            <p:seq concurrent="1" nextAc="seek">
+              <p:cTn id="2" dur="indefinite" nodeType="mainSeq">
+                <p:childTnLst>
+                  <p:par>
+                    <p:cTn id="3" fill="hold">
+                      <p:stCondLst>
+                        <p:cond delay="indefinite"/>
+                        <p:cond evt="onBegin" delay="0">
+                          <p:tn val="2"/>
+                        </p:cond>
+                      </p:stCondLst>
+                      <p:childTnLst>
+                        <p:par>
+                          <p:cTn id="4" fill="hold">
+                            <p:stCondLst>
+                              <p:cond delay="0"/>
+                            </p:stCondLst>
+                            <p:childTnLst>
+                              <p:par>
+                                <p:cTn id="5" presetID="10" presetClass="entr" presetSubtype="0" fill="hold" grpId="0" nodeType="withEffect">
+                                  <p:stCondLst>
+                                    <p:cond delay="0"/>
+                                  </p:stCondLst>
+                                  <p:childTnLst>
+                                    <p:set>
+                                      <p:cBhvr>
+                                        <p:cTn id="6" dur="1" fill="hold">
+                                          <p:stCondLst>
+                                            <p:cond delay="0"/>
+                                          </p:stCondLst>
+                                        </p:cTn>
+                                        <p:tgtEl>
+                                          <p:spTgt spid="3">
+                                            <p:txEl>
+                                              <p:pRg st="0" end="0"/>
+                                            </p:txEl>
+                                          </p:spTgt>
+                                        </p:tgtEl>
+                                        <p:attrNameLst>
+                                          <p:attrName>style.visibility</p:attrName>
+                                        </p:attrNameLst>
+                                      </p:cBhvr>
+                                      <p:to>
+                                        <p:strVal val="visible"/>
+                                      </p:to>
+                                    </p:set>
+                                    <p:animEffect transition="in" filter="fade">
+                                      <p:cBhvr>
+                                        <p:cTn id="7" dur="500"/>
+                                        <p:tgtEl>
+                                          <p:spTgt spid="3">
+                                            <p:txEl>
+                                              <p:pRg st="0" end="0"/>
+                                            </p:txEl>
+                                          </p:spTgt>
+                                        </p:tgtEl>
+                                      </p:cBhvr>
+                                    </p:animEffect>
+                                  </p:childTnLst>
+                                </p:cTn>
+                              </p:par>
+                            </p:childTnLst>
+                          </p:cTn>
+                        </p:par>
+                      </p:childTnLst>
+                    </p:cTn>
+                  </p:par>
+                  <p:par>
+                    <p:cTn id="8" fill="hold">
+                      <p:stCondLst>
+                        <p:cond delay="indefinite"/>
+                      </p:stCondLst>
+                      <p:childTnLst>
+                        <p:par>
+                          <p:cTn id="9" fill="hold">
+                            <p:stCondLst>
+                              <p:cond delay="0"/>
+                            </p:stCondLst>
+                            <p:childTnLst>
+                              <p:par>
+                                <p:cTn id="10" presetID="10" presetClass="entr" presetSubtype="0" fill="hold" grpId="0" nodeType="clickEffect">
+                                  <p:stCondLst>
+                                    <p:cond delay="0"/>
+                                  </p:stCondLst>
+                                  <p:childTnLst>
+                                    <p:set>
+                                      <p:cBhvr>
+                                        <p:cTn id="11" dur="1" fill="hold">
+                                          <p:stCondLst>
+                                            <p:cond delay="0"/>
+                                          </p:stCondLst>
+                                        </p:cTn>
+                                        <p:tgtEl>
+                                          <p:spTgt spid="3">
+                                            <p:txEl>
+                                              <p:pRg st="1" end="1"/>
+                                            </p:txEl>
+                                          </p:spTgt>
+                                        </p:tgtEl>
+                                        <p:attrNameLst>
+                                          <p:attrName>style.visibility</p:attrName>
+                                        </p:attrNameLst>
+                                      </p:cBhvr>
+                                      <p:to>
+                                        <p:strVal val="visible"/>
+                                      </p:to>
+                                    </p:set>
+                                    <p:animEffect transition="in" filter="fade">
+                                      <p:cBhvr>
+                                        <p:cTn id="12" dur="500"/>
+                                        <p:tgtEl>
+                                          <p:spTgt spid="3">
+                                            <p:txEl>
+                                              <p:pRg st="1" end="1"/>
+                                            </p:txEl>
+                                          </p:spTgt>
+                                        </p:tgtEl>
+                                      </p:cBhvr>
+                                    </p:animEffect>
+                                  </p:childTnLst>
+                                </p:cTn>
+                              </p:par>
+                            </p:childTnLst>
+                          </p:cTn>
+                        </p:par>
+                      </p:childTnLst>
+                    </p:cTn>
+                  </p:par>
+                  <p:par>
+                    <p:cTn id="13" fill="hold">
+                      <p:stCondLst>
+                        <p:cond delay="indefinite"/>
+                      </p:stCondLst>
+                      <p:childTnLst>
+                        <p:par>
+                          <p:cTn id="14" fill="hold">
+                            <p:stCondLst>
+                              <p:cond delay="0"/>
+                            </p:stCondLst>
+                            <p:childTnLst>
+                              <p:par>
+                                <p:cTn id="15" presetID="10" presetClass="entr" presetSubtype="0" fill="hold" grpId="0" nodeType="clickEffect">
+                                  <p:stCondLst>
+                                    <p:cond delay="0"/>
+                                  </p:stCondLst>
+                                  <p:childTnLst>
+                                    <p:set>
+                                      <p:cBhvr>
+                                        <p:cTn id="16" dur="1" fill="hold">
+                                          <p:stCondLst>
+                                            <p:cond delay="0"/>
+                                          </p:stCondLst>
+                                        </p:cTn>
+                                        <p:tgtEl>
+                                          <p:spTgt spid="3">
+                                            <p:txEl>
+                                              <p:pRg st="2" end="2"/>
+                                            </p:txEl>
+                                          </p:spTgt>
+                                        </p:tgtEl>
+                                        <p:attrNameLst>
+                                          <p:attrName>style.visibility</p:attrName>
+                                        </p:attrNameLst>
+                                      </p:cBhvr>
+                                      <p:to>
+                                        <p:strVal val="visible"/>
+                                      </p:to>
+                                    </p:set>
+                                    <p:animEffect transition="in" filter="fade">
+                                      <p:cBhvr>
+                                        <p:cTn id="17" dur="500"/>
+                                        <p:tgtEl>
+                                          <p:spTgt spid="3">
+                                            <p:txEl>
+                                              <p:pRg st="2" end="2"/>
+                                            </p:txEl>
+                                          </p:spTgt>
+                                        </p:tgtEl>
+                                      </p:cBhvr>
+                                    </p:animEffect>
+                                  </p:childTnLst>
+                                </p:cTn>
+                              </p:par>
+                              <p:par>
+                                <p:cTn id="18" presetID="10" presetClass="entr" presetSubtype="0" fill="hold" grpId="0" nodeType="withEffect">
+                                  <p:stCondLst>
+                                    <p:cond delay="0"/>
+                                  </p:stCondLst>
+                                  <p:childTnLst>
+                                    <p:set>
+                                      <p:cBhvr>
+                                        <p:cTn id="19" dur="1" fill="hold">
+                                          <p:stCondLst>
+                                            <p:cond delay="0"/>
+                                          </p:stCondLst>
+                                        </p:cTn>
+                                        <p:tgtEl>
+                                          <p:spTgt spid="51"/>
+                                        </p:tgtEl>
+                                        <p:attrNameLst>
+                                          <p:attrName>style.visibility</p:attrName>
+                                        </p:attrNameLst>
+                                      </p:cBhvr>
+                                      <p:to>
+                                        <p:strVal val="visible"/>
+                                      </p:to>
+                                    </p:set>
+                                    <p:animEffect transition="in" filter="fade">
+                                      <p:cBhvr>
+                                        <p:cTn id="20" dur="500"/>
+                                        <p:tgtEl>
+                                          <p:spTgt spid="51"/>
+                                        </p:tgtEl>
+                                      </p:cBhvr>
+                                    </p:animEffect>
+                                  </p:childTnLst>
+                                </p:cTn>
+                              </p:par>
+                            </p:childTnLst>
+                          </p:cTn>
+                        </p:par>
+                      </p:childTnLst>
+                    </p:cTn>
+                  </p:par>
+                  <p:par>
+                    <p:cTn id="21" fill="hold">
+                      <p:stCondLst>
+                        <p:cond delay="indefinite"/>
+                      </p:stCondLst>
+                      <p:childTnLst>
+                        <p:par>
+                          <p:cTn id="22" fill="hold">
+                            <p:stCondLst>
+                              <p:cond delay="0"/>
+                            </p:stCondLst>
+                            <p:childTnLst>
+                              <p:par>
+                                <p:cTn id="23" presetID="10" presetClass="entr" presetSubtype="0" fill="hold" grpId="0" nodeType="clickEffect">
+                                  <p:stCondLst>
+                                    <p:cond delay="0"/>
+                                  </p:stCondLst>
+                                  <p:childTnLst>
+                                    <p:set>
+                                      <p:cBhvr>
+                                        <p:cTn id="24" dur="1" fill="hold">
+                                          <p:stCondLst>
+                                            <p:cond delay="0"/>
+                                          </p:stCondLst>
+                                        </p:cTn>
+                                        <p:tgtEl>
+                                          <p:spTgt spid="53"/>
+                                        </p:tgtEl>
+                                        <p:attrNameLst>
+                                          <p:attrName>style.visibility</p:attrName>
+                                        </p:attrNameLst>
+                                      </p:cBhvr>
+                                      <p:to>
+                                        <p:strVal val="visible"/>
+                                      </p:to>
+                                    </p:set>
+                                    <p:animEffect transition="in" filter="fade">
+                                      <p:cBhvr>
+                                        <p:cTn id="25" dur="500"/>
+                                        <p:tgtEl>
+                                          <p:spTgt spid="53"/>
+                                        </p:tgtEl>
+                                      </p:cBhvr>
+                                    </p:animEffect>
+                                  </p:childTnLst>
+                                </p:cTn>
+                              </p:par>
+                            </p:childTnLst>
+                          </p:cTn>
+                        </p:par>
+                      </p:childTnLst>
+                    </p:cTn>
+                  </p:par>
+                  <p:par>
+                    <p:cTn id="26" fill="hold">
+                      <p:stCondLst>
+                        <p:cond delay="indefinite"/>
+                      </p:stCondLst>
+                      <p:childTnLst>
+                        <p:par>
+                          <p:cTn id="27" fill="hold">
+                            <p:stCondLst>
+                              <p:cond delay="0"/>
+                            </p:stCondLst>
+                            <p:childTnLst>
+                              <p:par>
+                                <p:cTn id="28" presetID="10" presetClass="entr" presetSubtype="0" fill="hold" grpId="0" nodeType="clickEffect">
+                                  <p:stCondLst>
+                                    <p:cond delay="0"/>
+                                  </p:stCondLst>
+                                  <p:childTnLst>
+                                    <p:set>
+                                      <p:cBhvr>
+                                        <p:cTn id="29" dur="1" fill="hold">
+                                          <p:stCondLst>
+                                            <p:cond delay="0"/>
+                                          </p:stCondLst>
+                                        </p:cTn>
+                                        <p:tgtEl>
+                                          <p:spTgt spid="54"/>
+                                        </p:tgtEl>
+                                        <p:attrNameLst>
+                                          <p:attrName>style.visibility</p:attrName>
+                                        </p:attrNameLst>
+                                      </p:cBhvr>
+                                      <p:to>
+                                        <p:strVal val="visible"/>
+                                      </p:to>
+                                    </p:set>
+                                    <p:animEffect transition="in" filter="fade">
+                                      <p:cBhvr>
+                                        <p:cTn id="30" dur="500"/>
+                                        <p:tgtEl>
+                                          <p:spTgt spid="54"/>
+                                        </p:tgtEl>
+                                      </p:cBhvr>
+                                    </p:animEffect>
+                                  </p:childTnLst>
+                                </p:cTn>
+                              </p:par>
+                              <p:par>
+                                <p:cTn id="31" presetID="10" presetClass="entr" presetSubtype="0" fill="hold" grpId="0" nodeType="withEffect">
+                                  <p:stCondLst>
+                                    <p:cond delay="0"/>
+                                  </p:stCondLst>
+                                  <p:childTnLst>
+                                    <p:set>
+                                      <p:cBhvr>
+                                        <p:cTn id="32" dur="1" fill="hold">
+                                          <p:stCondLst>
+                                            <p:cond delay="0"/>
+                                          </p:stCondLst>
+                                        </p:cTn>
+                                        <p:tgtEl>
+                                          <p:spTgt spid="56"/>
+                                        </p:tgtEl>
+                                        <p:attrNameLst>
+                                          <p:attrName>style.visibility</p:attrName>
+                                        </p:attrNameLst>
+                                      </p:cBhvr>
+                                      <p:to>
+                                        <p:strVal val="visible"/>
+                                      </p:to>
+                                    </p:set>
+                                    <p:animEffect transition="in" filter="fade">
+                                      <p:cBhvr>
+                                        <p:cTn id="33" dur="500"/>
+                                        <p:tgtEl>
+                                          <p:spTgt spid="56"/>
+                                        </p:tgtEl>
+                                      </p:cBhvr>
+                                    </p:animEffect>
+                                  </p:childTnLst>
+                                </p:cTn>
+                              </p:par>
+                            </p:childTnLst>
+                          </p:cTn>
+                        </p:par>
+                      </p:childTnLst>
+                    </p:cTn>
+                  </p:par>
+                  <p:par>
+                    <p:cTn id="34" fill="hold">
+                      <p:stCondLst>
+                        <p:cond delay="indefinite"/>
+                      </p:stCondLst>
+                      <p:childTnLst>
+                        <p:par>
+                          <p:cTn id="35" fill="hold">
+                            <p:stCondLst>
+                              <p:cond delay="0"/>
+                            </p:stCondLst>
+                            <p:childTnLst>
+                              <p:par>
+                                <p:cTn id="36" presetID="10" presetClass="entr" presetSubtype="0" fill="hold" grpId="0" nodeType="clickEffect">
+                                  <p:stCondLst>
+                                    <p:cond delay="0"/>
+                                  </p:stCondLst>
+                                  <p:childTnLst>
+                                    <p:set>
+                                      <p:cBhvr>
+                                        <p:cTn id="37" dur="1" fill="hold">
+                                          <p:stCondLst>
+                                            <p:cond delay="0"/>
+                                          </p:stCondLst>
+                                        </p:cTn>
+                                        <p:tgtEl>
+                                          <p:spTgt spid="47"/>
+                                        </p:tgtEl>
+                                        <p:attrNameLst>
+                                          <p:attrName>style.visibility</p:attrName>
+                                        </p:attrNameLst>
+                                      </p:cBhvr>
+                                      <p:to>
+                                        <p:strVal val="visible"/>
+                                      </p:to>
+                                    </p:set>
+                                    <p:animEffect transition="in" filter="fade">
+                                      <p:cBhvr>
+                                        <p:cTn id="38" dur="500"/>
+                                        <p:tgtEl>
+                                          <p:spTgt spid="47"/>
+                                        </p:tgtEl>
+                                      </p:cBhvr>
+                                    </p:animEffect>
+                                  </p:childTnLst>
+                                </p:cTn>
+                              </p:par>
+                            </p:childTnLst>
+                          </p:cTn>
+                        </p:par>
+                      </p:childTnLst>
+                    </p:cTn>
+                  </p:par>
+                  <p:par>
+                    <p:cTn id="39" fill="hold">
+                      <p:stCondLst>
+                        <p:cond delay="indefinite"/>
+                      </p:stCondLst>
+                      <p:childTnLst>
+                        <p:par>
+                          <p:cTn id="40" fill="hold">
+                            <p:stCondLst>
+                              <p:cond delay="0"/>
+                            </p:stCondLst>
+                            <p:childTnLst>
+                              <p:par>
+                                <p:cTn id="41" presetID="10" presetClass="entr" presetSubtype="0" fill="hold" grpId="0" nodeType="clickEffect">
+                                  <p:stCondLst>
+                                    <p:cond delay="0"/>
+                                  </p:stCondLst>
+                                  <p:childTnLst>
+                                    <p:set>
+                                      <p:cBhvr>
+                                        <p:cTn id="42" dur="1" fill="hold">
+                                          <p:stCondLst>
+                                            <p:cond delay="0"/>
+                                          </p:stCondLst>
+                                        </p:cTn>
+                                        <p:tgtEl>
+                                          <p:spTgt spid="48"/>
+                                        </p:tgtEl>
+                                        <p:attrNameLst>
+                                          <p:attrName>style.visibility</p:attrName>
+                                        </p:attrNameLst>
+                                      </p:cBhvr>
+                                      <p:to>
+                                        <p:strVal val="visible"/>
+                                      </p:to>
+                                    </p:set>
+                                    <p:animEffect transition="in" filter="fade">
+                                      <p:cBhvr>
+                                        <p:cTn id="43" dur="500"/>
+                                        <p:tgtEl>
+                                          <p:spTgt spid="48"/>
+                                        </p:tgtEl>
+                                      </p:cBhvr>
+                                    </p:animEffect>
+                                  </p:childTnLst>
+                                </p:cTn>
+                              </p:par>
+                              <p:par>
+                                <p:cTn id="44" presetID="10" presetClass="entr" presetSubtype="0" fill="hold" grpId="0" nodeType="withEffect">
+                                  <p:stCondLst>
+                                    <p:cond delay="0"/>
+                                  </p:stCondLst>
+                                  <p:childTnLst>
+                                    <p:set>
+                                      <p:cBhvr>
+                                        <p:cTn id="45" dur="1" fill="hold">
+                                          <p:stCondLst>
+                                            <p:cond delay="0"/>
+                                          </p:stCondLst>
+                                        </p:cTn>
+                                        <p:tgtEl>
+                                          <p:spTgt spid="67"/>
+                                        </p:tgtEl>
+                                        <p:attrNameLst>
+                                          <p:attrName>style.visibility</p:attrName>
+                                        </p:attrNameLst>
+                                      </p:cBhvr>
+                                      <p:to>
+                                        <p:strVal val="visible"/>
+                                      </p:to>
+                                    </p:set>
+                                    <p:animEffect transition="in" filter="fade">
+                                      <p:cBhvr>
+                                        <p:cTn id="46" dur="500"/>
+                                        <p:tgtEl>
+                                          <p:spTgt spid="67"/>
+                                        </p:tgtEl>
+                                      </p:cBhvr>
+                                    </p:animEffect>
+                                  </p:childTnLst>
+                                </p:cTn>
+                              </p:par>
+                            </p:childTnLst>
+                          </p:cTn>
+                        </p:par>
+                      </p:childTnLst>
+                    </p:cTn>
+                  </p:par>
+                </p:childTnLst>
+              </p:cTn>
+              <p:prevCondLst>
+                <p:cond evt="onPrev" delay="0">
+                  <p:tgtEl>
+                    <p:sldTgt/>
+                  </p:tgtEl>
+                </p:cond>
+              </p:prevCondLst>
+              <p:nextCondLst>
+                <p:cond evt="onNext" delay="0">
+                  <p:tgtEl>
+                    <p:sldTgt/>
+                  </p:tgtEl>
+                </p:cond>
+              </p:nextCondLst>
+            </p:seq>
+          </p:childTnLst>
+        </p:cTn>
+      </p:par>
+    </p:tnLst>
+    <p:bldLst>
+      <p:bldP spid="3" grpId="0" uiExpand="1" build="p"/>
+      <p:bldP spid="51" grpId="0"/>
+      <p:bldP spid="53" grpId="0"/>
+      <p:bldP spid="54" grpId="0"/>
+      <p:bldP spid="56" grpId="0"/>
+      <p:bldP spid="47" grpId="0"/>
+      <p:bldP spid="48" grpId="0"/>
+      <p:bldP spid="67" grpId="0"/>
+    </p:bldLst>
+  </p:timing>
+</p:sld>
+</file>
+
+<file path=ppt/slides/slide16.xml><?xml version="1.0" encoding="utf-8"?>
+<p:sld xmlns:a="http://schemas.openxmlformats.org/drawingml/2006/main" xmlns:r="http://schemas.openxmlformats.org/officeDocument/2006/relationships" xmlns:p="http://schemas.openxmlformats.org/presentationml/2006/main">
+  <p:cSld>
+    <p:spTree>
+      <p:nvGrpSpPr>
+        <p:cNvPr id="1" name=""/>
+        <p:cNvGrpSpPr/>
+        <p:nvPr/>
+      </p:nvGrpSpPr>
+      <p:grpSpPr>
+        <a:xfrm>
+          <a:off x="0" y="0"/>
+          <a:ext cx="0" cy="0"/>
+          <a:chOff x="0" y="0"/>
+          <a:chExt cx="0" cy="0"/>
+        </a:xfrm>
+      </p:grpSpPr>
+      <p:pic>
+        <p:nvPicPr>
+          <p:cNvPr id="6" name="Picture 5"/>
+          <p:cNvPicPr>
+            <a:picLocks noChangeAspect="1"/>
+          </p:cNvPicPr>
+          <p:nvPr/>
+        </p:nvPicPr>
+        <p:blipFill>
+          <a:blip r:embed="rId3" cstate="print">
+            <a:extLst>
+              <a:ext uri="{28A0092B-C50C-407E-A947-70E740481C1C}">
+                <a14:useLocalDpi xmlns:a14="http://schemas.microsoft.com/office/drawing/2010/main" val="0"/>
+              </a:ext>
+            </a:extLst>
+          </a:blip>
+          <a:stretch>
+            <a:fillRect/>
+          </a:stretch>
+        </p:blipFill>
+        <p:spPr>
+          <a:xfrm>
+            <a:off x="276045" y="365125"/>
+            <a:ext cx="734484" cy="550863"/>
+          </a:xfrm>
+          <a:prstGeom prst="rect">
+            <a:avLst/>
+          </a:prstGeom>
+        </p:spPr>
+      </p:pic>
+      <p:sp>
+        <p:nvSpPr>
+          <p:cNvPr id="2" name="Titel 1"/>
+          <p:cNvSpPr>
+            <a:spLocks noGrp="1"/>
+          </p:cNvSpPr>
+          <p:nvPr>
+            <p:ph type="title"/>
+          </p:nvPr>
+        </p:nvSpPr>
+        <p:spPr/>
+        <p:txBody>
+          <a:bodyPr/>
+          <a:lstStyle/>
+          <a:p>
+            <a:r>
+              <a:rPr lang="de-DE" dirty="0">
+                <a:solidFill>
+                  <a:srgbClr val="00B0F0"/>
+                </a:solidFill>
+                <a:effectLst>
+                  <a:outerShdw blurRad="38100" dist="38100" dir="2700000" algn="tl">
+                    <a:srgbClr val="000000">
+                      <a:alpha val="43137"/>
+                    </a:srgbClr>
+                  </a:outerShdw>
+                </a:effectLst>
+              </a:rPr>
+              <a:t>HDFS </a:t>
+            </a:r>
+            <a:r>
+              <a:rPr lang="de-DE" dirty="0" smtClean="0"/>
               <a:t>- Workflow</a:t>
             </a:r>
             <a:endParaRPr lang="de-DE" dirty="0"/>
@@ -13307,7 +16993,7 @@
           <a:p>
             <a:fld id="{040C66D9-7A85-4BE2-A0FF-5810B1E5E09A}" type="slidenum">
               <a:rPr lang="de-DE" smtClean="0"/>
-              <a:t>14</a:t>
+              <a:t>16</a:t>
             </a:fld>
             <a:endParaRPr lang="de-DE" dirty="0"/>
           </a:p>
@@ -14888,7 +18574,7 @@
     </p:spTree>
     <p:extLst>
       <p:ext uri="{BB962C8B-B14F-4D97-AF65-F5344CB8AC3E}">
-        <p14:creationId xmlns:p14="http://schemas.microsoft.com/office/powerpoint/2010/main" val="202610616"/>
+        <p14:creationId xmlns:p14="http://schemas.microsoft.com/office/powerpoint/2010/main" val="1864410027"/>
       </p:ext>
     </p:extLst>
   </p:cSld>
@@ -15651,7 +19337,7 @@
       </p:par>
     </p:tnLst>
     <p:bldLst>
-      <p:bldP spid="3" grpId="0" uiExpand="1" build="p"/>
+      <p:bldP spid="3" grpId="0" build="p"/>
       <p:bldP spid="51" grpId="0"/>
       <p:bldP spid="53" grpId="0"/>
       <p:bldP spid="54" grpId="0"/>
@@ -15663,7 +19349,7 @@
 </p:sld>
 </file>
 
-<file path=ppt/slides/slide15.xml><?xml version="1.0" encoding="utf-8"?>
+<file path=ppt/slides/slide17.xml><?xml version="1.0" encoding="utf-8"?>
 <p:sld xmlns:a="http://schemas.openxmlformats.org/drawingml/2006/main" xmlns:r="http://schemas.openxmlformats.org/officeDocument/2006/relationships" xmlns:p="http://schemas.openxmlformats.org/presentationml/2006/main">
   <p:cSld>
     <p:spTree>
@@ -16224,7 +19910,7 @@
           <a:p>
             <a:fld id="{040C66D9-7A85-4BE2-A0FF-5810B1E5E09A}" type="slidenum">
               <a:rPr lang="de-DE" smtClean="0"/>
-              <a:t>15</a:t>
+              <a:t>17</a:t>
             </a:fld>
             <a:endParaRPr lang="de-DE" dirty="0"/>
           </a:p>
@@ -17030,7 +20716,7 @@
 </p:sld>
 </file>
 
-<file path=ppt/slides/slide16.xml><?xml version="1.0" encoding="utf-8"?>
+<file path=ppt/slides/slide18.xml><?xml version="1.0" encoding="utf-8"?>
 <p:sld xmlns:a="http://schemas.openxmlformats.org/drawingml/2006/main" xmlns:r="http://schemas.openxmlformats.org/officeDocument/2006/relationships" xmlns:p="http://schemas.openxmlformats.org/presentationml/2006/main">
   <p:cSld>
     <p:spTree>
@@ -17222,7 +20908,7 @@
           <a:p>
             <a:fld id="{040C66D9-7A85-4BE2-A0FF-5810B1E5E09A}" type="slidenum">
               <a:rPr lang="de-DE" smtClean="0"/>
-              <a:t>16</a:t>
+              <a:t>18</a:t>
             </a:fld>
             <a:endParaRPr lang="de-DE" dirty="0"/>
           </a:p>
@@ -18219,6 +21905,355 @@
       </p:sp>
       <p:sp>
         <p:nvSpPr>
+          <p:cNvPr id="8" name="Text Placeholder 7"/>
+          <p:cNvSpPr>
+            <a:spLocks noGrp="1"/>
+          </p:cNvSpPr>
+          <p:nvPr>
+            <p:ph type="body" sz="quarter" idx="3"/>
+          </p:nvPr>
+        </p:nvSpPr>
+        <p:spPr/>
+        <p:style>
+          <a:lnRef idx="2">
+            <a:schemeClr val="accent6"/>
+          </a:lnRef>
+          <a:fillRef idx="1">
+            <a:schemeClr val="lt1"/>
+          </a:fillRef>
+          <a:effectRef idx="0">
+            <a:schemeClr val="accent6"/>
+          </a:effectRef>
+          <a:fontRef idx="minor">
+            <a:schemeClr val="dk1"/>
+          </a:fontRef>
+        </p:style>
+        <p:txBody>
+          <a:bodyPr/>
+          <a:lstStyle/>
+          <a:p>
+            <a:r>
+              <a:rPr lang="en-US" dirty="0" smtClean="0"/>
+              <a:t>The </a:t>
+            </a:r>
+            <a:r>
+              <a:rPr lang="en-US" dirty="0" smtClean="0"/>
+              <a:t>Requirements</a:t>
+            </a:r>
+            <a:endParaRPr lang="en-US" dirty="0"/>
+          </a:p>
+        </p:txBody>
+      </p:sp>
+      <p:sp>
+        <p:nvSpPr>
+          <p:cNvPr id="9" name="Content Placeholder 8"/>
+          <p:cNvSpPr>
+            <a:spLocks noGrp="1"/>
+          </p:cNvSpPr>
+          <p:nvPr>
+            <p:ph sz="quarter" idx="4"/>
+          </p:nvPr>
+        </p:nvSpPr>
+        <p:spPr/>
+        <p:txBody>
+          <a:bodyPr/>
+          <a:lstStyle/>
+          <a:p>
+            <a:r>
+              <a:rPr lang="en-US" dirty="0" smtClean="0"/>
+              <a:t>Store very large data sets reliably</a:t>
+            </a:r>
+          </a:p>
+          <a:p>
+            <a:r>
+              <a:rPr lang="en-US" dirty="0" smtClean="0"/>
+              <a:t>High bandwidth streaming</a:t>
+            </a:r>
+          </a:p>
+          <a:p>
+            <a:r>
+              <a:rPr lang="en-US" dirty="0" smtClean="0"/>
+              <a:t>Distribute storage</a:t>
+            </a:r>
+          </a:p>
+          <a:p>
+            <a:r>
+              <a:rPr lang="en-US" dirty="0" smtClean="0"/>
+              <a:t>Distribute computation</a:t>
+            </a:r>
+          </a:p>
+          <a:p>
+            <a:r>
+              <a:rPr lang="en-US" dirty="0" smtClean="0"/>
+              <a:t>Analysis and transformation of data</a:t>
+            </a:r>
+            <a:endParaRPr lang="en-US" dirty="0" smtClean="0"/>
+          </a:p>
+        </p:txBody>
+      </p:sp>
+      <p:sp>
+        <p:nvSpPr>
+          <p:cNvPr id="4" name="Fußzeilenplatzhalter 3"/>
+          <p:cNvSpPr>
+            <a:spLocks noGrp="1"/>
+          </p:cNvSpPr>
+          <p:nvPr>
+            <p:ph type="ftr" sz="quarter" idx="11"/>
+          </p:nvPr>
+        </p:nvSpPr>
+        <p:spPr/>
+        <p:txBody>
+          <a:bodyPr/>
+          <a:lstStyle/>
+          <a:p>
+            <a:r>
+              <a:rPr lang="de-DE" smtClean="0"/>
+              <a:t>File Systems: GFS vs. Hadoop</a:t>
+            </a:r>
+          </a:p>
+          <a:p>
+            <a:r>
+              <a:rPr lang="de-DE" smtClean="0"/>
+              <a:t>Ciprian Lucaci and Daniel Straub</a:t>
+            </a:r>
+            <a:endParaRPr lang="de-DE" dirty="0"/>
+          </a:p>
+        </p:txBody>
+      </p:sp>
+      <p:sp>
+        <p:nvSpPr>
+          <p:cNvPr id="5" name="Foliennummernplatzhalter 4"/>
+          <p:cNvSpPr>
+            <a:spLocks noGrp="1"/>
+          </p:cNvSpPr>
+          <p:nvPr>
+            <p:ph type="sldNum" sz="quarter" idx="12"/>
+          </p:nvPr>
+        </p:nvSpPr>
+        <p:spPr/>
+        <p:txBody>
+          <a:bodyPr/>
+          <a:lstStyle/>
+          <a:p>
+            <a:fld id="{040C66D9-7A85-4BE2-A0FF-5810B1E5E09A}" type="slidenum">
+              <a:rPr lang="de-DE" smtClean="0"/>
+              <a:t>4</a:t>
+            </a:fld>
+            <a:endParaRPr lang="de-DE" dirty="0"/>
+          </a:p>
+        </p:txBody>
+      </p:sp>
+      <p:sp>
+        <p:nvSpPr>
+          <p:cNvPr id="3" name="Content Placeholder 2"/>
+          <p:cNvSpPr>
+            <a:spLocks noGrp="1"/>
+          </p:cNvSpPr>
+          <p:nvPr>
+            <p:ph sz="half" idx="2"/>
+          </p:nvPr>
+        </p:nvSpPr>
+        <p:spPr/>
+        <p:txBody>
+          <a:bodyPr>
+            <a:normAutofit fontScale="92500" lnSpcReduction="20000"/>
+          </a:bodyPr>
+          <a:lstStyle/>
+          <a:p>
+            <a:r>
+              <a:rPr lang="en-US" dirty="0" smtClean="0"/>
+              <a:t>Big Data </a:t>
+            </a:r>
+          </a:p>
+          <a:p>
+            <a:r>
+              <a:rPr lang="en-US" dirty="0" smtClean="0"/>
+              <a:t>Drive </a:t>
+            </a:r>
+            <a:r>
+              <a:rPr lang="en-US" dirty="0"/>
+              <a:t>speed: 500 MB/s (SSD)</a:t>
+            </a:r>
+          </a:p>
+          <a:p>
+            <a:r>
+              <a:rPr lang="en-US" dirty="0"/>
+              <a:t>1 PB of data</a:t>
+            </a:r>
+          </a:p>
+          <a:p>
+            <a:endParaRPr lang="en-US" dirty="0"/>
+          </a:p>
+          <a:p>
+            <a:r>
+              <a:rPr lang="en-US" dirty="0"/>
+              <a:t>1 super computer</a:t>
+            </a:r>
+          </a:p>
+          <a:p>
+            <a:r>
+              <a:rPr lang="en-US" b="1" dirty="0">
+                <a:solidFill>
+                  <a:srgbClr val="C00000"/>
+                </a:solidFill>
+              </a:rPr>
+              <a:t>138 hours</a:t>
+            </a:r>
+            <a:r>
+              <a:rPr lang="en-US" dirty="0">
+                <a:solidFill>
+                  <a:srgbClr val="C00000"/>
+                </a:solidFill>
+              </a:rPr>
+              <a:t> </a:t>
+            </a:r>
+            <a:r>
+              <a:rPr lang="en-US" dirty="0"/>
+              <a:t>loading time</a:t>
+            </a:r>
+          </a:p>
+          <a:p>
+            <a:endParaRPr lang="en-US" dirty="0"/>
+          </a:p>
+          <a:p>
+            <a:r>
+              <a:rPr lang="en-US" dirty="0"/>
+              <a:t>100 machines</a:t>
+            </a:r>
+          </a:p>
+          <a:p>
+            <a:r>
+              <a:rPr lang="en-US" b="1" dirty="0">
+                <a:solidFill>
+                  <a:srgbClr val="00B050"/>
+                </a:solidFill>
+              </a:rPr>
+              <a:t>2.8 hours </a:t>
+            </a:r>
+            <a:r>
+              <a:rPr lang="en-US" dirty="0"/>
+              <a:t>loading time</a:t>
+            </a:r>
+          </a:p>
+        </p:txBody>
+      </p:sp>
+    </p:spTree>
+    <p:extLst>
+      <p:ext uri="{BB962C8B-B14F-4D97-AF65-F5344CB8AC3E}">
+        <p14:creationId xmlns:p14="http://schemas.microsoft.com/office/powerpoint/2010/main" val="2541010933"/>
+      </p:ext>
+    </p:extLst>
+  </p:cSld>
+  <p:clrMapOvr>
+    <a:masterClrMapping/>
+  </p:clrMapOvr>
+  <p:transition spd="slow">
+    <p:wheel spokes="1"/>
+  </p:transition>
+  <p:timing>
+    <p:tnLst>
+      <p:par>
+        <p:cTn id="1" dur="indefinite" restart="never" nodeType="tmRoot"/>
+      </p:par>
+    </p:tnLst>
+  </p:timing>
+</p:sld>
+</file>
+
+<file path=ppt/slides/slide5.xml><?xml version="1.0" encoding="utf-8"?>
+<p:sld xmlns:a="http://schemas.openxmlformats.org/drawingml/2006/main" xmlns:r="http://schemas.openxmlformats.org/officeDocument/2006/relationships" xmlns:p="http://schemas.openxmlformats.org/presentationml/2006/main">
+  <p:cSld>
+    <p:spTree>
+      <p:nvGrpSpPr>
+        <p:cNvPr id="1" name=""/>
+        <p:cNvGrpSpPr/>
+        <p:nvPr/>
+      </p:nvGrpSpPr>
+      <p:grpSpPr>
+        <a:xfrm>
+          <a:off x="0" y="0"/>
+          <a:ext cx="0" cy="0"/>
+          <a:chOff x="0" y="0"/>
+          <a:chExt cx="0" cy="0"/>
+        </a:xfrm>
+      </p:grpSpPr>
+      <p:sp>
+        <p:nvSpPr>
+          <p:cNvPr id="2" name="Titel 1"/>
+          <p:cNvSpPr>
+            <a:spLocks noGrp="1"/>
+          </p:cNvSpPr>
+          <p:nvPr>
+            <p:ph type="title"/>
+          </p:nvPr>
+        </p:nvSpPr>
+        <p:spPr/>
+        <p:txBody>
+          <a:bodyPr/>
+          <a:lstStyle/>
+          <a:p>
+            <a:r>
+              <a:rPr lang="de-DE" dirty="0" smtClean="0">
+                <a:solidFill>
+                  <a:srgbClr val="C00000"/>
+                </a:solidFill>
+                <a:effectLst>
+                  <a:outerShdw blurRad="38100" dist="38100" dir="2700000" algn="tl">
+                    <a:srgbClr val="000000">
+                      <a:alpha val="43137"/>
+                    </a:srgbClr>
+                  </a:outerShdw>
+                </a:effectLst>
+              </a:rPr>
+              <a:t>Distributed File Systems </a:t>
+            </a:r>
+            <a:r>
+              <a:rPr lang="de-DE" dirty="0" smtClean="0"/>
+              <a:t>- Motivation</a:t>
+            </a:r>
+            <a:endParaRPr lang="de-DE" dirty="0"/>
+          </a:p>
+        </p:txBody>
+      </p:sp>
+      <p:sp>
+        <p:nvSpPr>
+          <p:cNvPr id="6" name="Text Placeholder 5"/>
+          <p:cNvSpPr>
+            <a:spLocks noGrp="1"/>
+          </p:cNvSpPr>
+          <p:nvPr>
+            <p:ph type="body" idx="1"/>
+          </p:nvPr>
+        </p:nvSpPr>
+        <p:spPr/>
+        <p:style>
+          <a:lnRef idx="2">
+            <a:schemeClr val="accent2"/>
+          </a:lnRef>
+          <a:fillRef idx="1">
+            <a:schemeClr val="lt1"/>
+          </a:fillRef>
+          <a:effectRef idx="0">
+            <a:schemeClr val="accent2"/>
+          </a:effectRef>
+          <a:fontRef idx="minor">
+            <a:schemeClr val="dk1"/>
+          </a:fontRef>
+        </p:style>
+        <p:txBody>
+          <a:bodyPr/>
+          <a:lstStyle/>
+          <a:p>
+            <a:r>
+              <a:rPr lang="en-US" dirty="0" smtClean="0"/>
+              <a:t>The problem</a:t>
+            </a:r>
+            <a:endParaRPr lang="en-US" dirty="0"/>
+          </a:p>
+        </p:txBody>
+      </p:sp>
+      <p:sp>
+        <p:nvSpPr>
           <p:cNvPr id="7" name="Content Placeholder 6"/>
           <p:cNvSpPr>
             <a:spLocks noGrp="1"/>
@@ -18446,7 +22481,7 @@
           <a:p>
             <a:fld id="{040C66D9-7A85-4BE2-A0FF-5810B1E5E09A}" type="slidenum">
               <a:rPr lang="de-DE" smtClean="0"/>
-              <a:t>4</a:t>
+              <a:t>5</a:t>
             </a:fld>
             <a:endParaRPr lang="de-DE" dirty="0"/>
           </a:p>
@@ -18529,428 +22564,6 @@
     <p:extLst>
       <p:ext uri="{BB962C8B-B14F-4D97-AF65-F5344CB8AC3E}">
         <p14:creationId xmlns:p14="http://schemas.microsoft.com/office/powerpoint/2010/main" val="809234961"/>
-      </p:ext>
-    </p:extLst>
-  </p:cSld>
-  <p:clrMapOvr>
-    <a:masterClrMapping/>
-  </p:clrMapOvr>
-  <p:transition spd="slow">
-    <p:wheel spokes="1"/>
-  </p:transition>
-  <p:timing>
-    <p:tnLst>
-      <p:par>
-        <p:cTn id="1" dur="indefinite" restart="never" nodeType="tmRoot"/>
-      </p:par>
-    </p:tnLst>
-  </p:timing>
-</p:sld>
-</file>
-
-<file path=ppt/slides/slide5.xml><?xml version="1.0" encoding="utf-8"?>
-<p:sld xmlns:a="http://schemas.openxmlformats.org/drawingml/2006/main" xmlns:r="http://schemas.openxmlformats.org/officeDocument/2006/relationships" xmlns:p="http://schemas.openxmlformats.org/presentationml/2006/main" show="0">
-  <p:cSld>
-    <p:spTree>
-      <p:nvGrpSpPr>
-        <p:cNvPr id="1" name=""/>
-        <p:cNvGrpSpPr/>
-        <p:nvPr/>
-      </p:nvGrpSpPr>
-      <p:grpSpPr>
-        <a:xfrm>
-          <a:off x="0" y="0"/>
-          <a:ext cx="0" cy="0"/>
-          <a:chOff x="0" y="0"/>
-          <a:chExt cx="0" cy="0"/>
-        </a:xfrm>
-      </p:grpSpPr>
-      <p:sp>
-        <p:nvSpPr>
-          <p:cNvPr id="2" name="Titel 1"/>
-          <p:cNvSpPr>
-            <a:spLocks noGrp="1"/>
-          </p:cNvSpPr>
-          <p:nvPr>
-            <p:ph type="title"/>
-          </p:nvPr>
-        </p:nvSpPr>
-        <p:spPr/>
-        <p:txBody>
-          <a:bodyPr/>
-          <a:lstStyle/>
-          <a:p>
-            <a:r>
-              <a:rPr lang="de-DE" dirty="0" smtClean="0">
-                <a:solidFill>
-                  <a:srgbClr val="C00000"/>
-                </a:solidFill>
-                <a:effectLst>
-                  <a:outerShdw blurRad="38100" dist="38100" dir="2700000" algn="tl">
-                    <a:srgbClr val="000000">
-                      <a:alpha val="43137"/>
-                    </a:srgbClr>
-                  </a:outerShdw>
-                </a:effectLst>
-              </a:rPr>
-              <a:t>Distributed File Systems </a:t>
-            </a:r>
-            <a:r>
-              <a:rPr lang="de-DE" dirty="0" smtClean="0"/>
-              <a:t>- Motivation</a:t>
-            </a:r>
-            <a:endParaRPr lang="de-DE" dirty="0"/>
-          </a:p>
-        </p:txBody>
-      </p:sp>
-      <p:sp>
-        <p:nvSpPr>
-          <p:cNvPr id="6" name="Text Placeholder 5"/>
-          <p:cNvSpPr>
-            <a:spLocks noGrp="1"/>
-          </p:cNvSpPr>
-          <p:nvPr>
-            <p:ph type="body" idx="1"/>
-          </p:nvPr>
-        </p:nvSpPr>
-        <p:spPr/>
-        <p:style>
-          <a:lnRef idx="2">
-            <a:schemeClr val="accent2"/>
-          </a:lnRef>
-          <a:fillRef idx="1">
-            <a:schemeClr val="lt1"/>
-          </a:fillRef>
-          <a:effectRef idx="0">
-            <a:schemeClr val="accent2"/>
-          </a:effectRef>
-          <a:fontRef idx="minor">
-            <a:schemeClr val="dk1"/>
-          </a:fontRef>
-        </p:style>
-        <p:txBody>
-          <a:bodyPr/>
-          <a:lstStyle/>
-          <a:p>
-            <a:r>
-              <a:rPr lang="en-US" dirty="0" smtClean="0"/>
-              <a:t>The problem</a:t>
-            </a:r>
-            <a:endParaRPr lang="en-US" dirty="0"/>
-          </a:p>
-        </p:txBody>
-      </p:sp>
-      <p:sp>
-        <p:nvSpPr>
-          <p:cNvPr id="7" name="Content Placeholder 6"/>
-          <p:cNvSpPr>
-            <a:spLocks noGrp="1"/>
-          </p:cNvSpPr>
-          <p:nvPr>
-            <p:ph sz="half" idx="2"/>
-          </p:nvPr>
-        </p:nvSpPr>
-        <p:spPr/>
-        <p:txBody>
-          <a:bodyPr>
-            <a:normAutofit fontScale="92500" lnSpcReduction="20000"/>
-          </a:bodyPr>
-          <a:lstStyle/>
-          <a:p>
-            <a:r>
-              <a:rPr lang="en-US" dirty="0" smtClean="0"/>
-              <a:t>Big Data</a:t>
-            </a:r>
-          </a:p>
-          <a:p>
-            <a:r>
-              <a:rPr lang="en-US" dirty="0" smtClean="0"/>
-              <a:t>Drive </a:t>
-            </a:r>
-            <a:r>
-              <a:rPr lang="en-US" dirty="0"/>
-              <a:t>speed: 500 MB/s (SSD)</a:t>
-            </a:r>
-          </a:p>
-          <a:p>
-            <a:r>
-              <a:rPr lang="en-US" dirty="0"/>
-              <a:t>1 PB of data</a:t>
-            </a:r>
-          </a:p>
-          <a:p>
-            <a:endParaRPr lang="en-US" dirty="0"/>
-          </a:p>
-          <a:p>
-            <a:r>
-              <a:rPr lang="en-US" dirty="0"/>
-              <a:t>1 super computer</a:t>
-            </a:r>
-          </a:p>
-          <a:p>
-            <a:r>
-              <a:rPr lang="en-US" b="1" dirty="0">
-                <a:solidFill>
-                  <a:srgbClr val="C00000"/>
-                </a:solidFill>
-              </a:rPr>
-              <a:t>138 hours</a:t>
-            </a:r>
-            <a:r>
-              <a:rPr lang="en-US" dirty="0">
-                <a:solidFill>
-                  <a:srgbClr val="C00000"/>
-                </a:solidFill>
-              </a:rPr>
-              <a:t> </a:t>
-            </a:r>
-            <a:r>
-              <a:rPr lang="en-US" dirty="0"/>
-              <a:t>loading time</a:t>
-            </a:r>
-          </a:p>
-          <a:p>
-            <a:endParaRPr lang="en-US" dirty="0"/>
-          </a:p>
-          <a:p>
-            <a:r>
-              <a:rPr lang="en-US" dirty="0"/>
-              <a:t>100 machines</a:t>
-            </a:r>
-          </a:p>
-          <a:p>
-            <a:r>
-              <a:rPr lang="en-US" b="1" dirty="0">
-                <a:solidFill>
-                  <a:srgbClr val="00B050"/>
-                </a:solidFill>
-              </a:rPr>
-              <a:t>2.8 hours </a:t>
-            </a:r>
-            <a:r>
-              <a:rPr lang="en-US" dirty="0"/>
-              <a:t>loading time</a:t>
-            </a:r>
-          </a:p>
-        </p:txBody>
-      </p:sp>
-      <p:sp>
-        <p:nvSpPr>
-          <p:cNvPr id="8" name="Text Placeholder 7"/>
-          <p:cNvSpPr>
-            <a:spLocks noGrp="1"/>
-          </p:cNvSpPr>
-          <p:nvPr>
-            <p:ph type="body" sz="quarter" idx="3"/>
-          </p:nvPr>
-        </p:nvSpPr>
-        <p:spPr/>
-        <p:style>
-          <a:lnRef idx="2">
-            <a:schemeClr val="accent6"/>
-          </a:lnRef>
-          <a:fillRef idx="1">
-            <a:schemeClr val="lt1"/>
-          </a:fillRef>
-          <a:effectRef idx="0">
-            <a:schemeClr val="accent6"/>
-          </a:effectRef>
-          <a:fontRef idx="minor">
-            <a:schemeClr val="dk1"/>
-          </a:fontRef>
-        </p:style>
-        <p:txBody>
-          <a:bodyPr/>
-          <a:lstStyle/>
-          <a:p>
-            <a:r>
-              <a:rPr lang="en-US" dirty="0" smtClean="0"/>
-              <a:t>The solution</a:t>
-            </a:r>
-            <a:endParaRPr lang="en-US" dirty="0"/>
-          </a:p>
-        </p:txBody>
-      </p:sp>
-      <p:sp>
-        <p:nvSpPr>
-          <p:cNvPr id="9" name="Content Placeholder 8"/>
-          <p:cNvSpPr>
-            <a:spLocks noGrp="1"/>
-          </p:cNvSpPr>
-          <p:nvPr>
-            <p:ph sz="quarter" idx="4"/>
-          </p:nvPr>
-        </p:nvSpPr>
-        <p:spPr/>
-        <p:txBody>
-          <a:bodyPr/>
-          <a:lstStyle/>
-          <a:p>
-            <a:r>
-              <a:rPr lang="en-US" dirty="0"/>
-              <a:t>Scalable</a:t>
-            </a:r>
-          </a:p>
-          <a:p>
-            <a:r>
-              <a:rPr lang="en-US" dirty="0"/>
-              <a:t>Fault-tolerant</a:t>
-            </a:r>
-          </a:p>
-          <a:p>
-            <a:r>
-              <a:rPr lang="en-US" dirty="0"/>
-              <a:t>Low cost</a:t>
-            </a:r>
-          </a:p>
-          <a:p>
-            <a:r>
-              <a:rPr lang="en-US" dirty="0"/>
-              <a:t>Distributed computation</a:t>
-            </a:r>
-          </a:p>
-          <a:p>
-            <a:r>
-              <a:rPr lang="en-US" dirty="0"/>
-              <a:t>Distributed </a:t>
-            </a:r>
-            <a:r>
-              <a:rPr lang="en-US" dirty="0" smtClean="0"/>
-              <a:t>storage</a:t>
-            </a:r>
-            <a:endParaRPr lang="en-US" dirty="0"/>
-          </a:p>
-        </p:txBody>
-      </p:sp>
-      <p:sp>
-        <p:nvSpPr>
-          <p:cNvPr id="4" name="Fußzeilenplatzhalter 3"/>
-          <p:cNvSpPr>
-            <a:spLocks noGrp="1"/>
-          </p:cNvSpPr>
-          <p:nvPr>
-            <p:ph type="ftr" sz="quarter" idx="11"/>
-          </p:nvPr>
-        </p:nvSpPr>
-        <p:spPr/>
-        <p:txBody>
-          <a:bodyPr/>
-          <a:lstStyle/>
-          <a:p>
-            <a:r>
-              <a:rPr lang="de-DE" smtClean="0"/>
-              <a:t>File Systems: GFS vs. Hadoop</a:t>
-            </a:r>
-          </a:p>
-          <a:p>
-            <a:r>
-              <a:rPr lang="de-DE" smtClean="0"/>
-              <a:t>Ciprian Lucaci and Daniel Straub</a:t>
-            </a:r>
-            <a:endParaRPr lang="de-DE" dirty="0"/>
-          </a:p>
-        </p:txBody>
-      </p:sp>
-      <p:sp>
-        <p:nvSpPr>
-          <p:cNvPr id="5" name="Foliennummernplatzhalter 4"/>
-          <p:cNvSpPr>
-            <a:spLocks noGrp="1"/>
-          </p:cNvSpPr>
-          <p:nvPr>
-            <p:ph type="sldNum" sz="quarter" idx="12"/>
-          </p:nvPr>
-        </p:nvSpPr>
-        <p:spPr/>
-        <p:txBody>
-          <a:bodyPr/>
-          <a:lstStyle/>
-          <a:p>
-            <a:fld id="{040C66D9-7A85-4BE2-A0FF-5810B1E5E09A}" type="slidenum">
-              <a:rPr lang="de-DE" smtClean="0"/>
-              <a:t>5</a:t>
-            </a:fld>
-            <a:endParaRPr lang="de-DE" dirty="0"/>
-          </a:p>
-        </p:txBody>
-      </p:sp>
-      <p:sp>
-        <p:nvSpPr>
-          <p:cNvPr id="10" name="Rounded Rectangle 9"/>
-          <p:cNvSpPr/>
-          <p:nvPr/>
-        </p:nvSpPr>
-        <p:spPr>
-          <a:xfrm>
-            <a:off x="3501930" y="5010512"/>
-            <a:ext cx="5188140" cy="1710963"/>
-          </a:xfrm>
-          <a:prstGeom prst="roundRect">
-            <a:avLst/>
-          </a:prstGeom>
-        </p:spPr>
-        <p:style>
-          <a:lnRef idx="0">
-            <a:schemeClr val="accent5"/>
-          </a:lnRef>
-          <a:fillRef idx="3">
-            <a:schemeClr val="accent5"/>
-          </a:fillRef>
-          <a:effectRef idx="3">
-            <a:schemeClr val="accent5"/>
-          </a:effectRef>
-          <a:fontRef idx="minor">
-            <a:schemeClr val="lt1"/>
-          </a:fontRef>
-        </p:style>
-        <p:txBody>
-          <a:bodyPr rtlCol="0" anchor="ctr"/>
-          <a:lstStyle/>
-          <a:p>
-            <a:pPr algn="ctr"/>
-            <a:r>
-              <a:rPr lang="en-US" sz="3200" b="1" dirty="0" smtClean="0">
-                <a:effectLst>
-                  <a:outerShdw blurRad="38100" dist="38100" dir="2700000" algn="tl">
-                    <a:srgbClr val="000000">
-                      <a:alpha val="43137"/>
-                    </a:srgbClr>
-                  </a:outerShdw>
-                </a:effectLst>
-              </a:rPr>
-              <a:t>Moving computation is faster than moving data!</a:t>
-            </a:r>
-          </a:p>
-          <a:p>
-            <a:pPr algn="ctr"/>
-            <a:r>
-              <a:rPr lang="en-US" sz="3200" b="1" dirty="0" smtClean="0">
-                <a:effectLst>
-                  <a:outerShdw blurRad="38100" dist="38100" dir="2700000" algn="tl">
-                    <a:srgbClr val="000000">
-                      <a:alpha val="43137"/>
-                    </a:srgbClr>
-                  </a:outerShdw>
-                </a:effectLst>
-              </a:rPr>
-              <a:t>HDFS &amp; GFS</a:t>
-            </a:r>
-            <a:endParaRPr lang="en-US" sz="3200" b="1" dirty="0">
-              <a:effectLst>
-                <a:outerShdw blurRad="38100" dist="38100" dir="2700000" algn="tl">
-                  <a:srgbClr val="000000">
-                    <a:alpha val="43137"/>
-                  </a:srgbClr>
-                </a:outerShdw>
-              </a:effectLst>
-            </a:endParaRPr>
-          </a:p>
-        </p:txBody>
-      </p:sp>
-    </p:spTree>
-    <p:extLst>
-      <p:ext uri="{BB962C8B-B14F-4D97-AF65-F5344CB8AC3E}">
-        <p14:creationId xmlns:p14="http://schemas.microsoft.com/office/powerpoint/2010/main" val="2659555517"/>
       </p:ext>
     </p:extLst>
   </p:cSld>
@@ -19061,6 +22674,396 @@
       </p:sp>
       <p:sp>
         <p:nvSpPr>
+          <p:cNvPr id="4" name="Fußzeilenplatzhalter 3"/>
+          <p:cNvSpPr>
+            <a:spLocks noGrp="1"/>
+          </p:cNvSpPr>
+          <p:nvPr>
+            <p:ph type="ftr" sz="quarter" idx="11"/>
+          </p:nvPr>
+        </p:nvSpPr>
+        <p:spPr/>
+        <p:txBody>
+          <a:bodyPr/>
+          <a:lstStyle/>
+          <a:p>
+            <a:r>
+              <a:rPr lang="de-DE" smtClean="0"/>
+              <a:t>File Systems: GFS vs. Hadoop</a:t>
+            </a:r>
+          </a:p>
+          <a:p>
+            <a:r>
+              <a:rPr lang="de-DE" smtClean="0"/>
+              <a:t>Ciprian Lucaci and Daniel Straub</a:t>
+            </a:r>
+            <a:endParaRPr lang="de-DE" dirty="0"/>
+          </a:p>
+        </p:txBody>
+      </p:sp>
+      <p:sp>
+        <p:nvSpPr>
+          <p:cNvPr id="5" name="Foliennummernplatzhalter 4"/>
+          <p:cNvSpPr>
+            <a:spLocks noGrp="1"/>
+          </p:cNvSpPr>
+          <p:nvPr>
+            <p:ph type="sldNum" sz="quarter" idx="12"/>
+          </p:nvPr>
+        </p:nvSpPr>
+        <p:spPr/>
+        <p:txBody>
+          <a:bodyPr/>
+          <a:lstStyle/>
+          <a:p>
+            <a:fld id="{040C66D9-7A85-4BE2-A0FF-5810B1E5E09A}" type="slidenum">
+              <a:rPr lang="de-DE" smtClean="0"/>
+              <a:t>6</a:t>
+            </a:fld>
+            <a:endParaRPr lang="de-DE" dirty="0"/>
+          </a:p>
+        </p:txBody>
+      </p:sp>
+      <p:grpSp>
+        <p:nvGrpSpPr>
+          <p:cNvPr id="24" name="Group 23"/>
+          <p:cNvGrpSpPr/>
+          <p:nvPr/>
+        </p:nvGrpSpPr>
+        <p:grpSpPr>
+          <a:xfrm>
+            <a:off x="3875304" y="2018364"/>
+            <a:ext cx="2911896" cy="845449"/>
+            <a:chOff x="8153400" y="915988"/>
+            <a:chExt cx="3536852" cy="1413016"/>
+          </a:xfrm>
+        </p:grpSpPr>
+        <p:sp>
+          <p:nvSpPr>
+            <p:cNvPr id="25" name="Rounded Rectangle 24"/>
+            <p:cNvSpPr/>
+            <p:nvPr/>
+          </p:nvSpPr>
+          <p:spPr>
+            <a:xfrm>
+              <a:off x="9157648" y="915988"/>
+              <a:ext cx="1514901" cy="557970"/>
+            </a:xfrm>
+            <a:prstGeom prst="roundRect">
+              <a:avLst/>
+            </a:prstGeom>
+          </p:spPr>
+          <p:style>
+            <a:lnRef idx="2">
+              <a:schemeClr val="accent6"/>
+            </a:lnRef>
+            <a:fillRef idx="1">
+              <a:schemeClr val="lt1"/>
+            </a:fillRef>
+            <a:effectRef idx="0">
+              <a:schemeClr val="accent6"/>
+            </a:effectRef>
+            <a:fontRef idx="minor">
+              <a:schemeClr val="dk1"/>
+            </a:fontRef>
+          </p:style>
+          <p:txBody>
+            <a:bodyPr rtlCol="0" anchor="ctr"/>
+            <a:lstStyle/>
+            <a:p>
+              <a:pPr algn="ctr"/>
+              <a:r>
+                <a:rPr lang="en-US" sz="1600" b="1" dirty="0" smtClean="0"/>
+                <a:t>Hadoop</a:t>
+              </a:r>
+              <a:endParaRPr lang="en-US" sz="1600" b="1" dirty="0"/>
+            </a:p>
+          </p:txBody>
+        </p:sp>
+        <p:sp>
+          <p:nvSpPr>
+            <p:cNvPr id="26" name="Rounded Rectangle 25"/>
+            <p:cNvSpPr/>
+            <p:nvPr/>
+          </p:nvSpPr>
+          <p:spPr>
+            <a:xfrm>
+              <a:off x="8153400" y="1771034"/>
+              <a:ext cx="1514901" cy="557970"/>
+            </a:xfrm>
+            <a:prstGeom prst="roundRect">
+              <a:avLst/>
+            </a:prstGeom>
+          </p:spPr>
+          <p:style>
+            <a:lnRef idx="2">
+              <a:schemeClr val="accent5"/>
+            </a:lnRef>
+            <a:fillRef idx="1">
+              <a:schemeClr val="lt1"/>
+            </a:fillRef>
+            <a:effectRef idx="0">
+              <a:schemeClr val="accent5"/>
+            </a:effectRef>
+            <a:fontRef idx="minor">
+              <a:schemeClr val="dk1"/>
+            </a:fontRef>
+          </p:style>
+          <p:txBody>
+            <a:bodyPr rtlCol="0" anchor="ctr"/>
+            <a:lstStyle/>
+            <a:p>
+              <a:pPr algn="ctr"/>
+              <a:r>
+                <a:rPr lang="en-US" sz="1600" b="1" dirty="0" smtClean="0"/>
+                <a:t>HDFS</a:t>
+              </a:r>
+              <a:endParaRPr lang="en-US" sz="1600" b="1" dirty="0"/>
+            </a:p>
+          </p:txBody>
+        </p:sp>
+        <p:sp>
+          <p:nvSpPr>
+            <p:cNvPr id="27" name="Rounded Rectangle 26"/>
+            <p:cNvSpPr/>
+            <p:nvPr/>
+          </p:nvSpPr>
+          <p:spPr>
+            <a:xfrm>
+              <a:off x="10175351" y="1771034"/>
+              <a:ext cx="1514901" cy="557970"/>
+            </a:xfrm>
+            <a:prstGeom prst="roundRect">
+              <a:avLst/>
+            </a:prstGeom>
+          </p:spPr>
+          <p:style>
+            <a:lnRef idx="2">
+              <a:schemeClr val="accent2"/>
+            </a:lnRef>
+            <a:fillRef idx="1">
+              <a:schemeClr val="lt1"/>
+            </a:fillRef>
+            <a:effectRef idx="0">
+              <a:schemeClr val="accent2"/>
+            </a:effectRef>
+            <a:fontRef idx="minor">
+              <a:schemeClr val="dk1"/>
+            </a:fontRef>
+          </p:style>
+          <p:txBody>
+            <a:bodyPr rtlCol="0" anchor="ctr"/>
+            <a:lstStyle/>
+            <a:p>
+              <a:pPr algn="ctr"/>
+              <a:r>
+                <a:rPr lang="en-US" sz="1600" b="1" dirty="0" err="1" smtClean="0"/>
+                <a:t>MapReduce</a:t>
+              </a:r>
+              <a:endParaRPr lang="en-US" sz="1600" b="1" dirty="0"/>
+            </a:p>
+          </p:txBody>
+        </p:sp>
+        <p:cxnSp>
+          <p:nvCxnSpPr>
+            <p:cNvPr id="28" name="Straight Connector 27"/>
+            <p:cNvCxnSpPr>
+              <a:stCxn id="26" idx="0"/>
+              <a:endCxn id="25" idx="2"/>
+            </p:cNvCxnSpPr>
+            <p:nvPr/>
+          </p:nvCxnSpPr>
+          <p:spPr>
+            <a:xfrm flipV="1">
+              <a:off x="8910851" y="1473958"/>
+              <a:ext cx="1004248" cy="297076"/>
+            </a:xfrm>
+            <a:prstGeom prst="line">
+              <a:avLst/>
+            </a:prstGeom>
+          </p:spPr>
+          <p:style>
+            <a:lnRef idx="1">
+              <a:schemeClr val="accent1"/>
+            </a:lnRef>
+            <a:fillRef idx="0">
+              <a:schemeClr val="accent1"/>
+            </a:fillRef>
+            <a:effectRef idx="0">
+              <a:schemeClr val="accent1"/>
+            </a:effectRef>
+            <a:fontRef idx="minor">
+              <a:schemeClr val="tx1"/>
+            </a:fontRef>
+          </p:style>
+        </p:cxnSp>
+        <p:cxnSp>
+          <p:nvCxnSpPr>
+            <p:cNvPr id="29" name="Straight Connector 28"/>
+            <p:cNvCxnSpPr>
+              <a:stCxn id="25" idx="2"/>
+              <a:endCxn id="27" idx="0"/>
+            </p:cNvCxnSpPr>
+            <p:nvPr/>
+          </p:nvCxnSpPr>
+          <p:spPr>
+            <a:xfrm>
+              <a:off x="9915099" y="1473958"/>
+              <a:ext cx="1017703" cy="297076"/>
+            </a:xfrm>
+            <a:prstGeom prst="line">
+              <a:avLst/>
+            </a:prstGeom>
+          </p:spPr>
+          <p:style>
+            <a:lnRef idx="1">
+              <a:schemeClr val="accent1"/>
+            </a:lnRef>
+            <a:fillRef idx="0">
+              <a:schemeClr val="accent1"/>
+            </a:fillRef>
+            <a:effectRef idx="0">
+              <a:schemeClr val="accent1"/>
+            </a:effectRef>
+            <a:fontRef idx="minor">
+              <a:schemeClr val="tx1"/>
+            </a:fontRef>
+          </p:style>
+        </p:cxnSp>
+      </p:grpSp>
+      <p:sp>
+        <p:nvSpPr>
+          <p:cNvPr id="6" name="Content Placeholder 5"/>
+          <p:cNvSpPr>
+            <a:spLocks noGrp="1"/>
+          </p:cNvSpPr>
+          <p:nvPr>
+            <p:ph idx="1"/>
+          </p:nvPr>
+        </p:nvSpPr>
+        <p:spPr/>
+        <p:txBody>
+          <a:bodyPr/>
+          <a:lstStyle/>
+          <a:p>
+            <a:endParaRPr lang="en-US"/>
+          </a:p>
+        </p:txBody>
+      </p:sp>
+    </p:spTree>
+    <p:extLst>
+      <p:ext uri="{BB962C8B-B14F-4D97-AF65-F5344CB8AC3E}">
+        <p14:creationId xmlns:p14="http://schemas.microsoft.com/office/powerpoint/2010/main" val="3097626095"/>
+      </p:ext>
+    </p:extLst>
+  </p:cSld>
+  <p:clrMapOvr>
+    <a:masterClrMapping/>
+  </p:clrMapOvr>
+  <p:transition spd="slow">
+    <p:wheel spokes="1"/>
+  </p:transition>
+  <p:timing>
+    <p:tnLst>
+      <p:par>
+        <p:cTn id="1" dur="indefinite" restart="never" nodeType="tmRoot"/>
+      </p:par>
+    </p:tnLst>
+  </p:timing>
+</p:sld>
+</file>
+
+<file path=ppt/slides/slide7.xml><?xml version="1.0" encoding="utf-8"?>
+<p:sld xmlns:a="http://schemas.openxmlformats.org/drawingml/2006/main" xmlns:r="http://schemas.openxmlformats.org/officeDocument/2006/relationships" xmlns:p="http://schemas.openxmlformats.org/presentationml/2006/main">
+  <p:cSld>
+    <p:spTree>
+      <p:nvGrpSpPr>
+        <p:cNvPr id="1" name=""/>
+        <p:cNvGrpSpPr/>
+        <p:nvPr/>
+      </p:nvGrpSpPr>
+      <p:grpSpPr>
+        <a:xfrm>
+          <a:off x="0" y="0"/>
+          <a:ext cx="0" cy="0"/>
+          <a:chOff x="0" y="0"/>
+          <a:chExt cx="0" cy="0"/>
+        </a:xfrm>
+      </p:grpSpPr>
+      <p:pic>
+        <p:nvPicPr>
+          <p:cNvPr id="22" name="Picture 21"/>
+          <p:cNvPicPr>
+            <a:picLocks noChangeAspect="1"/>
+          </p:cNvPicPr>
+          <p:nvPr/>
+        </p:nvPicPr>
+        <p:blipFill>
+          <a:blip r:embed="rId3" cstate="print">
+            <a:extLst>
+              <a:ext uri="{28A0092B-C50C-407E-A947-70E740481C1C}">
+                <a14:useLocalDpi xmlns:a14="http://schemas.microsoft.com/office/drawing/2010/main" val="0"/>
+              </a:ext>
+            </a:extLst>
+          </a:blip>
+          <a:stretch>
+            <a:fillRect/>
+          </a:stretch>
+        </p:blipFill>
+        <p:spPr>
+          <a:xfrm>
+            <a:off x="276045" y="365125"/>
+            <a:ext cx="734484" cy="550863"/>
+          </a:xfrm>
+          <a:prstGeom prst="rect">
+            <a:avLst/>
+          </a:prstGeom>
+        </p:spPr>
+      </p:pic>
+      <p:sp>
+        <p:nvSpPr>
+          <p:cNvPr id="2" name="Titel 1"/>
+          <p:cNvSpPr>
+            <a:spLocks noGrp="1"/>
+          </p:cNvSpPr>
+          <p:nvPr>
+            <p:ph type="title"/>
+          </p:nvPr>
+        </p:nvSpPr>
+        <p:spPr/>
+        <p:txBody>
+          <a:bodyPr/>
+          <a:lstStyle/>
+          <a:p>
+            <a:r>
+              <a:rPr lang="de-DE" dirty="0" smtClean="0">
+                <a:solidFill>
+                  <a:srgbClr val="00B0F0"/>
+                </a:solidFill>
+                <a:effectLst>
+                  <a:outerShdw blurRad="38100" dist="38100" dir="2700000" algn="tl">
+                    <a:srgbClr val="000000">
+                      <a:alpha val="43137"/>
+                    </a:srgbClr>
+                  </a:outerShdw>
+                </a:effectLst>
+              </a:rPr>
+              <a:t>HDFS </a:t>
+            </a:r>
+            <a:r>
+              <a:rPr lang="de-DE" dirty="0" smtClean="0"/>
+              <a:t>- </a:t>
+            </a:r>
+            <a:r>
+              <a:rPr lang="en-US" dirty="0" smtClean="0"/>
+              <a:t>Architecture</a:t>
+            </a:r>
+            <a:endParaRPr lang="en-US" dirty="0"/>
+          </a:p>
+        </p:txBody>
+      </p:sp>
+      <p:sp>
+        <p:nvSpPr>
           <p:cNvPr id="3" name="Content Placeholder 2"/>
           <p:cNvSpPr>
             <a:spLocks noGrp="1"/>
@@ -19127,7 +23130,7 @@
           <a:p>
             <a:fld id="{040C66D9-7A85-4BE2-A0FF-5810B1E5E09A}" type="slidenum">
               <a:rPr lang="de-DE" smtClean="0"/>
-              <a:t>6</a:t>
+              <a:t>7</a:t>
             </a:fld>
             <a:endParaRPr lang="de-DE" dirty="0"/>
           </a:p>
@@ -19896,7 +23899,7 @@
     </p:spTree>
     <p:extLst>
       <p:ext uri="{BB962C8B-B14F-4D97-AF65-F5344CB8AC3E}">
-        <p14:creationId xmlns:p14="http://schemas.microsoft.com/office/powerpoint/2010/main" val="3097626095"/>
+        <p14:creationId xmlns:p14="http://schemas.microsoft.com/office/powerpoint/2010/main" val="3330700267"/>
       </p:ext>
     </p:extLst>
   </p:cSld>
@@ -20074,7 +24077,7 @@
 </p:sld>
 </file>
 
-<file path=ppt/slides/slide7.xml><?xml version="1.0" encoding="utf-8"?>
+<file path=ppt/slides/slide8.xml><?xml version="1.0" encoding="utf-8"?>
 <p:sld xmlns:a="http://schemas.openxmlformats.org/drawingml/2006/main" xmlns:r="http://schemas.openxmlformats.org/officeDocument/2006/relationships" xmlns:p="http://schemas.openxmlformats.org/presentationml/2006/main">
   <p:cSld>
     <p:spTree>
@@ -20243,7 +24246,7 @@
           <a:p>
             <a:fld id="{040C66D9-7A85-4BE2-A0FF-5810B1E5E09A}" type="slidenum">
               <a:rPr lang="de-DE" smtClean="0"/>
-              <a:t>7</a:t>
+              <a:t>8</a:t>
             </a:fld>
             <a:endParaRPr lang="de-DE" dirty="0"/>
           </a:p>
@@ -22425,7 +26428,7 @@
 </p:sld>
 </file>
 
-<file path=ppt/slides/slide8.xml><?xml version="1.0" encoding="utf-8"?>
+<file path=ppt/slides/slide9.xml><?xml version="1.0" encoding="utf-8"?>
 <p:sld xmlns:a="http://schemas.openxmlformats.org/drawingml/2006/main" xmlns:r="http://schemas.openxmlformats.org/officeDocument/2006/relationships" xmlns:p="http://schemas.openxmlformats.org/presentationml/2006/main">
   <p:cSld>
     <p:spTree>
@@ -22784,7 +26787,7 @@
           <a:p>
             <a:fld id="{040C66D9-7A85-4BE2-A0FF-5810B1E5E09A}" type="slidenum">
               <a:rPr lang="de-DE" smtClean="0"/>
-              <a:t>8</a:t>
+              <a:t>9</a:t>
             </a:fld>
             <a:endParaRPr lang="de-DE" dirty="0"/>
           </a:p>
@@ -23388,1448 +27391,6 @@
     <p:extLst>
       <p:ext uri="{BB962C8B-B14F-4D97-AF65-F5344CB8AC3E}">
         <p14:creationId xmlns:p14="http://schemas.microsoft.com/office/powerpoint/2010/main" val="1583220234"/>
-      </p:ext>
-    </p:extLst>
-  </p:cSld>
-  <p:clrMapOvr>
-    <a:masterClrMapping/>
-  </p:clrMapOvr>
-  <p:transition spd="slow">
-    <p:wheel spokes="1"/>
-  </p:transition>
-  <p:timing>
-    <p:tnLst>
-      <p:par>
-        <p:cTn id="1" dur="indefinite" restart="never" nodeType="tmRoot"/>
-      </p:par>
-    </p:tnLst>
-  </p:timing>
-</p:sld>
-</file>
-
-<file path=ppt/slides/slide9.xml><?xml version="1.0" encoding="utf-8"?>
-<p:sld xmlns:a="http://schemas.openxmlformats.org/drawingml/2006/main" xmlns:r="http://schemas.openxmlformats.org/officeDocument/2006/relationships" xmlns:p="http://schemas.openxmlformats.org/presentationml/2006/main">
-  <p:cSld>
-    <p:spTree>
-      <p:nvGrpSpPr>
-        <p:cNvPr id="1" name=""/>
-        <p:cNvGrpSpPr/>
-        <p:nvPr/>
-      </p:nvGrpSpPr>
-      <p:grpSpPr>
-        <a:xfrm>
-          <a:off x="0" y="0"/>
-          <a:ext cx="0" cy="0"/>
-          <a:chOff x="0" y="0"/>
-          <a:chExt cx="0" cy="0"/>
-        </a:xfrm>
-      </p:grpSpPr>
-      <p:pic>
-        <p:nvPicPr>
-          <p:cNvPr id="48" name="Picture 47"/>
-          <p:cNvPicPr>
-            <a:picLocks noChangeAspect="1"/>
-          </p:cNvPicPr>
-          <p:nvPr/>
-        </p:nvPicPr>
-        <p:blipFill>
-          <a:blip r:embed="rId3" cstate="print">
-            <a:extLst>
-              <a:ext uri="{28A0092B-C50C-407E-A947-70E740481C1C}">
-                <a14:useLocalDpi xmlns:a14="http://schemas.microsoft.com/office/drawing/2010/main" val="0"/>
-              </a:ext>
-            </a:extLst>
-          </a:blip>
-          <a:stretch>
-            <a:fillRect/>
-          </a:stretch>
-        </p:blipFill>
-        <p:spPr>
-          <a:xfrm>
-            <a:off x="276045" y="365125"/>
-            <a:ext cx="734484" cy="550863"/>
-          </a:xfrm>
-          <a:prstGeom prst="rect">
-            <a:avLst/>
-          </a:prstGeom>
-        </p:spPr>
-      </p:pic>
-      <p:sp>
-        <p:nvSpPr>
-          <p:cNvPr id="2" name="Titel 1"/>
-          <p:cNvSpPr>
-            <a:spLocks noGrp="1"/>
-          </p:cNvSpPr>
-          <p:nvPr>
-            <p:ph type="title"/>
-          </p:nvPr>
-        </p:nvSpPr>
-        <p:spPr/>
-        <p:txBody>
-          <a:bodyPr/>
-          <a:lstStyle/>
-          <a:p>
-            <a:r>
-              <a:rPr lang="de-DE" dirty="0">
-                <a:solidFill>
-                  <a:srgbClr val="00B0F0"/>
-                </a:solidFill>
-                <a:effectLst>
-                  <a:outerShdw blurRad="38100" dist="38100" dir="2700000" algn="tl">
-                    <a:srgbClr val="000000">
-                      <a:alpha val="43137"/>
-                    </a:srgbClr>
-                  </a:outerShdw>
-                </a:effectLst>
-              </a:rPr>
-              <a:t>HDFS </a:t>
-            </a:r>
-            <a:r>
-              <a:rPr lang="de-DE" dirty="0" smtClean="0"/>
-              <a:t>- </a:t>
-            </a:r>
-            <a:r>
-              <a:rPr lang="en-US" dirty="0"/>
-              <a:t>Architecture</a:t>
-            </a:r>
-            <a:endParaRPr lang="de-DE" dirty="0"/>
-          </a:p>
-        </p:txBody>
-      </p:sp>
-      <p:sp>
-        <p:nvSpPr>
-          <p:cNvPr id="3" name="Inhaltsplatzhalter 2"/>
-          <p:cNvSpPr>
-            <a:spLocks noGrp="1"/>
-          </p:cNvSpPr>
-          <p:nvPr>
-            <p:ph idx="1"/>
-          </p:nvPr>
-        </p:nvSpPr>
-        <p:spPr/>
-        <p:txBody>
-          <a:bodyPr/>
-          <a:lstStyle/>
-          <a:p>
-            <a:r>
-              <a:rPr lang="en-US" dirty="0">
-                <a:solidFill>
-                  <a:schemeClr val="bg2">
-                    <a:lumMod val="90000"/>
-                  </a:schemeClr>
-                </a:solidFill>
-              </a:rPr>
-              <a:t>Blocks</a:t>
-            </a:r>
-          </a:p>
-          <a:p>
-            <a:r>
-              <a:rPr lang="en-US" dirty="0">
-                <a:solidFill>
-                  <a:schemeClr val="bg2">
-                    <a:lumMod val="90000"/>
-                  </a:schemeClr>
-                </a:solidFill>
-              </a:rPr>
-              <a:t>Data Nodes</a:t>
-            </a:r>
-          </a:p>
-          <a:p>
-            <a:r>
-              <a:rPr lang="de-DE" b="1" dirty="0" smtClean="0"/>
-              <a:t>Name </a:t>
-            </a:r>
-            <a:r>
-              <a:rPr lang="en-US" b="1" dirty="0" smtClean="0"/>
-              <a:t>Node</a:t>
-            </a:r>
-          </a:p>
-        </p:txBody>
-      </p:sp>
-      <p:sp>
-        <p:nvSpPr>
-          <p:cNvPr id="4" name="Fußzeilenplatzhalter 3"/>
-          <p:cNvSpPr>
-            <a:spLocks noGrp="1"/>
-          </p:cNvSpPr>
-          <p:nvPr>
-            <p:ph type="ftr" sz="quarter" idx="11"/>
-          </p:nvPr>
-        </p:nvSpPr>
-        <p:spPr/>
-        <p:txBody>
-          <a:bodyPr/>
-          <a:lstStyle/>
-          <a:p>
-            <a:r>
-              <a:rPr lang="de-DE" dirty="0" smtClean="0"/>
-              <a:t>File Systems: GFS vs. </a:t>
-            </a:r>
-            <a:r>
-              <a:rPr lang="de-DE" dirty="0" err="1" smtClean="0"/>
-              <a:t>Hadoop</a:t>
-            </a:r>
-            <a:endParaRPr lang="de-DE" dirty="0" smtClean="0"/>
-          </a:p>
-          <a:p>
-            <a:r>
-              <a:rPr lang="de-DE" dirty="0" smtClean="0"/>
-              <a:t>Ciprian Lucaci </a:t>
-            </a:r>
-            <a:r>
-              <a:rPr lang="de-DE" dirty="0" err="1" smtClean="0"/>
-              <a:t>and</a:t>
-            </a:r>
-            <a:r>
-              <a:rPr lang="de-DE" dirty="0" smtClean="0"/>
-              <a:t> Daniel Straub</a:t>
-            </a:r>
-            <a:endParaRPr lang="de-DE" dirty="0"/>
-          </a:p>
-        </p:txBody>
-      </p:sp>
-      <p:sp>
-        <p:nvSpPr>
-          <p:cNvPr id="5" name="Foliennummernplatzhalter 4"/>
-          <p:cNvSpPr>
-            <a:spLocks noGrp="1"/>
-          </p:cNvSpPr>
-          <p:nvPr>
-            <p:ph type="sldNum" sz="quarter" idx="12"/>
-          </p:nvPr>
-        </p:nvSpPr>
-        <p:spPr/>
-        <p:txBody>
-          <a:bodyPr/>
-          <a:lstStyle/>
-          <a:p>
-            <a:fld id="{040C66D9-7A85-4BE2-A0FF-5810B1E5E09A}" type="slidenum">
-              <a:rPr lang="de-DE" smtClean="0"/>
-              <a:t>9</a:t>
-            </a:fld>
-            <a:endParaRPr lang="de-DE" dirty="0"/>
-          </a:p>
-        </p:txBody>
-      </p:sp>
-      <p:sp>
-        <p:nvSpPr>
-          <p:cNvPr id="19" name="Rounded Rectangle 18"/>
-          <p:cNvSpPr/>
-          <p:nvPr/>
-        </p:nvSpPr>
-        <p:spPr>
-          <a:xfrm>
-            <a:off x="985413" y="3242911"/>
-            <a:ext cx="1922438" cy="1075871"/>
-          </a:xfrm>
-          <a:prstGeom prst="roundRect">
-            <a:avLst/>
-          </a:prstGeom>
-          <a:solidFill>
-            <a:srgbClr val="C00000"/>
-          </a:solidFill>
-          <a:effectLst>
-            <a:outerShdw blurRad="57150" dist="19050" dir="5400000" algn="ctr" rotWithShape="0">
-              <a:srgbClr val="000000">
-                <a:alpha val="63000"/>
-              </a:srgbClr>
-            </a:outerShdw>
-            <a:softEdge rad="63500"/>
-          </a:effectLst>
-        </p:spPr>
-        <p:style>
-          <a:lnRef idx="0">
-            <a:schemeClr val="accent6"/>
-          </a:lnRef>
-          <a:fillRef idx="3">
-            <a:schemeClr val="accent6"/>
-          </a:fillRef>
-          <a:effectRef idx="3">
-            <a:schemeClr val="accent6"/>
-          </a:effectRef>
-          <a:fontRef idx="minor">
-            <a:schemeClr val="lt1"/>
-          </a:fontRef>
-        </p:style>
-        <p:txBody>
-          <a:bodyPr rtlCol="0" anchor="ctr"/>
-          <a:lstStyle/>
-          <a:p>
-            <a:pPr algn="ctr"/>
-            <a:r>
-              <a:rPr lang="en-US" sz="2000" b="1" dirty="0" smtClean="0">
-                <a:effectLst>
-                  <a:outerShdw blurRad="38100" dist="38100" dir="2700000" algn="tl">
-                    <a:srgbClr val="000000">
-                      <a:alpha val="43137"/>
-                    </a:srgbClr>
-                  </a:outerShdw>
-                </a:effectLst>
-              </a:rPr>
-              <a:t>Master-worker pattern</a:t>
-            </a:r>
-            <a:endParaRPr lang="en-US" sz="2000" b="1" dirty="0">
-              <a:effectLst>
-                <a:outerShdw blurRad="38100" dist="38100" dir="2700000" algn="tl">
-                  <a:srgbClr val="000000">
-                    <a:alpha val="43137"/>
-                  </a:srgbClr>
-                </a:outerShdw>
-              </a:effectLst>
-            </a:endParaRPr>
-          </a:p>
-        </p:txBody>
-      </p:sp>
-      <p:grpSp>
-        <p:nvGrpSpPr>
-          <p:cNvPr id="34" name="Group 33"/>
-          <p:cNvGrpSpPr/>
-          <p:nvPr/>
-        </p:nvGrpSpPr>
-        <p:grpSpPr>
-          <a:xfrm>
-            <a:off x="4145564" y="1415188"/>
-            <a:ext cx="6542244" cy="5363363"/>
-            <a:chOff x="4145564" y="1415188"/>
-            <a:chExt cx="6542244" cy="5363363"/>
-          </a:xfrm>
-        </p:grpSpPr>
-        <p:sp>
-          <p:nvSpPr>
-            <p:cNvPr id="35" name="Rounded Rectangle 34"/>
-            <p:cNvSpPr/>
-            <p:nvPr/>
-          </p:nvSpPr>
-          <p:spPr>
-            <a:xfrm>
-              <a:off x="9141934" y="4995384"/>
-              <a:ext cx="1545874" cy="1783167"/>
-            </a:xfrm>
-            <a:prstGeom prst="roundRect">
-              <a:avLst/>
-            </a:prstGeom>
-          </p:spPr>
-          <p:style>
-            <a:lnRef idx="2">
-              <a:schemeClr val="accent1"/>
-            </a:lnRef>
-            <a:fillRef idx="1">
-              <a:schemeClr val="lt1"/>
-            </a:fillRef>
-            <a:effectRef idx="0">
-              <a:schemeClr val="accent1"/>
-            </a:effectRef>
-            <a:fontRef idx="minor">
-              <a:schemeClr val="dk1"/>
-            </a:fontRef>
-          </p:style>
-          <p:txBody>
-            <a:bodyPr rtlCol="0" anchor="b"/>
-            <a:lstStyle/>
-            <a:p>
-              <a:pPr algn="ctr"/>
-              <a:r>
-                <a:rPr lang="en-US" sz="2000" b="1" dirty="0" smtClean="0">
-                  <a:effectLst>
-                    <a:outerShdw blurRad="38100" dist="38100" dir="2700000" algn="tl">
-                      <a:srgbClr val="000000">
-                        <a:alpha val="43137"/>
-                      </a:srgbClr>
-                    </a:outerShdw>
-                  </a:effectLst>
-                </a:rPr>
-                <a:t>Rack n</a:t>
-              </a:r>
-              <a:endParaRPr lang="en-US" sz="2000" b="1" dirty="0">
-                <a:effectLst>
-                  <a:outerShdw blurRad="38100" dist="38100" dir="2700000" algn="tl">
-                    <a:srgbClr val="000000">
-                      <a:alpha val="43137"/>
-                    </a:srgbClr>
-                  </a:outerShdw>
-                </a:effectLst>
-              </a:endParaRPr>
-            </a:p>
-          </p:txBody>
-        </p:sp>
-        <p:grpSp>
-          <p:nvGrpSpPr>
-            <p:cNvPr id="36" name="Group 35"/>
-            <p:cNvGrpSpPr/>
-            <p:nvPr/>
-          </p:nvGrpSpPr>
-          <p:grpSpPr>
-            <a:xfrm>
-              <a:off x="9289441" y="5117221"/>
-              <a:ext cx="1239129" cy="1239129"/>
-              <a:chOff x="4039874" y="5152992"/>
-              <a:chExt cx="1239129" cy="1239129"/>
-            </a:xfrm>
-          </p:grpSpPr>
-          <p:pic>
-            <p:nvPicPr>
-              <p:cNvPr id="64" name="Picture 63"/>
-              <p:cNvPicPr>
-                <a:picLocks noChangeAspect="1"/>
-              </p:cNvPicPr>
-              <p:nvPr/>
-            </p:nvPicPr>
-            <p:blipFill>
-              <a:blip r:embed="rId4">
-                <a:extLst>
-                  <a:ext uri="{28A0092B-C50C-407E-A947-70E740481C1C}">
-                    <a14:useLocalDpi xmlns:a14="http://schemas.microsoft.com/office/drawing/2010/main" val="0"/>
-                  </a:ext>
-                </a:extLst>
-              </a:blip>
-              <a:stretch>
-                <a:fillRect/>
-              </a:stretch>
-            </p:blipFill>
-            <p:spPr>
-              <a:xfrm>
-                <a:off x="4039874" y="5152992"/>
-                <a:ext cx="934329" cy="934329"/>
-              </a:xfrm>
-              <a:prstGeom prst="rect">
-                <a:avLst/>
-              </a:prstGeom>
-            </p:spPr>
-          </p:pic>
-          <p:pic>
-            <p:nvPicPr>
-              <p:cNvPr id="65" name="Picture 64"/>
-              <p:cNvPicPr>
-                <a:picLocks noChangeAspect="1"/>
-              </p:cNvPicPr>
-              <p:nvPr/>
-            </p:nvPicPr>
-            <p:blipFill>
-              <a:blip r:embed="rId4">
-                <a:extLst>
-                  <a:ext uri="{28A0092B-C50C-407E-A947-70E740481C1C}">
-                    <a14:useLocalDpi xmlns:a14="http://schemas.microsoft.com/office/drawing/2010/main" val="0"/>
-                  </a:ext>
-                </a:extLst>
-              </a:blip>
-              <a:stretch>
-                <a:fillRect/>
-              </a:stretch>
-            </p:blipFill>
-            <p:spPr>
-              <a:xfrm>
-                <a:off x="4192274" y="5305392"/>
-                <a:ext cx="934329" cy="934329"/>
-              </a:xfrm>
-              <a:prstGeom prst="rect">
-                <a:avLst/>
-              </a:prstGeom>
-            </p:spPr>
-          </p:pic>
-          <p:pic>
-            <p:nvPicPr>
-              <p:cNvPr id="67" name="Picture 66"/>
-              <p:cNvPicPr>
-                <a:picLocks noChangeAspect="1"/>
-              </p:cNvPicPr>
-              <p:nvPr/>
-            </p:nvPicPr>
-            <p:blipFill>
-              <a:blip r:embed="rId4">
-                <a:extLst>
-                  <a:ext uri="{28A0092B-C50C-407E-A947-70E740481C1C}">
-                    <a14:useLocalDpi xmlns:a14="http://schemas.microsoft.com/office/drawing/2010/main" val="0"/>
-                  </a:ext>
-                </a:extLst>
-              </a:blip>
-              <a:stretch>
-                <a:fillRect/>
-              </a:stretch>
-            </p:blipFill>
-            <p:spPr>
-              <a:xfrm>
-                <a:off x="4344674" y="5457792"/>
-                <a:ext cx="934329" cy="934329"/>
-              </a:xfrm>
-              <a:prstGeom prst="rect">
-                <a:avLst/>
-              </a:prstGeom>
-            </p:spPr>
-          </p:pic>
-        </p:grpSp>
-        <p:grpSp>
-          <p:nvGrpSpPr>
-            <p:cNvPr id="37" name="Group 36"/>
-            <p:cNvGrpSpPr/>
-            <p:nvPr/>
-          </p:nvGrpSpPr>
-          <p:grpSpPr>
-            <a:xfrm>
-              <a:off x="4145564" y="1415188"/>
-              <a:ext cx="5769307" cy="4129206"/>
-              <a:chOff x="4145564" y="1415188"/>
-              <a:chExt cx="5769307" cy="4129206"/>
-            </a:xfrm>
-          </p:grpSpPr>
-          <p:sp>
-            <p:nvSpPr>
-              <p:cNvPr id="38" name="Rounded Rectangle 37"/>
-              <p:cNvSpPr/>
-              <p:nvPr/>
-            </p:nvSpPr>
-            <p:spPr>
-              <a:xfrm>
-                <a:off x="7529677" y="3761227"/>
-                <a:ext cx="1545874" cy="1783167"/>
-              </a:xfrm>
-              <a:prstGeom prst="roundRect">
-                <a:avLst/>
-              </a:prstGeom>
-            </p:spPr>
-            <p:style>
-              <a:lnRef idx="2">
-                <a:schemeClr val="accent1"/>
-              </a:lnRef>
-              <a:fillRef idx="1">
-                <a:schemeClr val="lt1"/>
-              </a:fillRef>
-              <a:effectRef idx="0">
-                <a:schemeClr val="accent1"/>
-              </a:effectRef>
-              <a:fontRef idx="minor">
-                <a:schemeClr val="dk1"/>
-              </a:fontRef>
-            </p:style>
-            <p:txBody>
-              <a:bodyPr rtlCol="0" anchor="b"/>
-              <a:lstStyle/>
-              <a:p>
-                <a:pPr algn="ctr"/>
-                <a:r>
-                  <a:rPr lang="en-US" sz="2000" b="1" dirty="0" smtClean="0">
-                    <a:effectLst>
-                      <a:outerShdw blurRad="38100" dist="38100" dir="2700000" algn="tl">
-                        <a:srgbClr val="000000">
-                          <a:alpha val="43137"/>
-                        </a:srgbClr>
-                      </a:outerShdw>
-                    </a:effectLst>
-                  </a:rPr>
-                  <a:t>Rack 3</a:t>
-                </a:r>
-                <a:endParaRPr lang="en-US" sz="2000" b="1" dirty="0">
-                  <a:effectLst>
-                    <a:outerShdw blurRad="38100" dist="38100" dir="2700000" algn="tl">
-                      <a:srgbClr val="000000">
-                        <a:alpha val="43137"/>
-                      </a:srgbClr>
-                    </a:outerShdw>
-                  </a:effectLst>
-                </a:endParaRPr>
-              </a:p>
-            </p:txBody>
-          </p:sp>
-          <p:sp>
-            <p:nvSpPr>
-              <p:cNvPr id="39" name="Rounded Rectangle 38"/>
-              <p:cNvSpPr/>
-              <p:nvPr/>
-            </p:nvSpPr>
-            <p:spPr>
-              <a:xfrm>
-                <a:off x="5831909" y="3691647"/>
-                <a:ext cx="1545874" cy="1635779"/>
-              </a:xfrm>
-              <a:prstGeom prst="roundRect">
-                <a:avLst/>
-              </a:prstGeom>
-            </p:spPr>
-            <p:style>
-              <a:lnRef idx="2">
-                <a:schemeClr val="accent1"/>
-              </a:lnRef>
-              <a:fillRef idx="1">
-                <a:schemeClr val="lt1"/>
-              </a:fillRef>
-              <a:effectRef idx="0">
-                <a:schemeClr val="accent1"/>
-              </a:effectRef>
-              <a:fontRef idx="minor">
-                <a:schemeClr val="dk1"/>
-              </a:fontRef>
-            </p:style>
-            <p:txBody>
-              <a:bodyPr rtlCol="0" anchor="b"/>
-              <a:lstStyle/>
-              <a:p>
-                <a:pPr algn="ctr"/>
-                <a:r>
-                  <a:rPr lang="en-US" sz="2000" b="1" dirty="0" smtClean="0">
-                    <a:effectLst>
-                      <a:outerShdw blurRad="38100" dist="38100" dir="2700000" algn="tl">
-                        <a:srgbClr val="000000">
-                          <a:alpha val="43137"/>
-                        </a:srgbClr>
-                      </a:outerShdw>
-                    </a:effectLst>
-                  </a:rPr>
-                  <a:t>Rack 2</a:t>
-                </a:r>
-                <a:endParaRPr lang="en-US" sz="2000" b="1" dirty="0">
-                  <a:effectLst>
-                    <a:outerShdw blurRad="38100" dist="38100" dir="2700000" algn="tl">
-                      <a:srgbClr val="000000">
-                        <a:alpha val="43137"/>
-                      </a:srgbClr>
-                    </a:outerShdw>
-                  </a:effectLst>
-                </a:endParaRPr>
-              </a:p>
-            </p:txBody>
-          </p:sp>
-          <p:sp>
-            <p:nvSpPr>
-              <p:cNvPr id="40" name="Rounded Rectangle 39"/>
-              <p:cNvSpPr/>
-              <p:nvPr/>
-            </p:nvSpPr>
-            <p:spPr>
-              <a:xfrm>
-                <a:off x="4145564" y="3691648"/>
-                <a:ext cx="1545874" cy="1783167"/>
-              </a:xfrm>
-              <a:prstGeom prst="roundRect">
-                <a:avLst/>
-              </a:prstGeom>
-            </p:spPr>
-            <p:style>
-              <a:lnRef idx="2">
-                <a:schemeClr val="accent1"/>
-              </a:lnRef>
-              <a:fillRef idx="1">
-                <a:schemeClr val="lt1"/>
-              </a:fillRef>
-              <a:effectRef idx="0">
-                <a:schemeClr val="accent1"/>
-              </a:effectRef>
-              <a:fontRef idx="minor">
-                <a:schemeClr val="dk1"/>
-              </a:fontRef>
-            </p:style>
-            <p:txBody>
-              <a:bodyPr rtlCol="0" anchor="b"/>
-              <a:lstStyle/>
-              <a:p>
-                <a:pPr algn="ctr"/>
-                <a:r>
-                  <a:rPr lang="en-US" sz="2000" b="1" dirty="0" smtClean="0">
-                    <a:effectLst>
-                      <a:outerShdw blurRad="38100" dist="38100" dir="2700000" algn="tl">
-                        <a:srgbClr val="000000">
-                          <a:alpha val="43137"/>
-                        </a:srgbClr>
-                      </a:outerShdw>
-                    </a:effectLst>
-                  </a:rPr>
-                  <a:t>Rack 1</a:t>
-                </a:r>
-                <a:endParaRPr lang="en-US" sz="2000" b="1" dirty="0">
-                  <a:effectLst>
-                    <a:outerShdw blurRad="38100" dist="38100" dir="2700000" algn="tl">
-                      <a:srgbClr val="000000">
-                        <a:alpha val="43137"/>
-                      </a:srgbClr>
-                    </a:outerShdw>
-                  </a:effectLst>
-                </a:endParaRPr>
-              </a:p>
-            </p:txBody>
-          </p:sp>
-          <p:grpSp>
-            <p:nvGrpSpPr>
-              <p:cNvPr id="41" name="Group 40"/>
-              <p:cNvGrpSpPr/>
-              <p:nvPr/>
-            </p:nvGrpSpPr>
-            <p:grpSpPr>
-              <a:xfrm>
-                <a:off x="4289818" y="3824222"/>
-                <a:ext cx="1239129" cy="1239129"/>
-                <a:chOff x="4289818" y="3824222"/>
-                <a:chExt cx="1239129" cy="1239129"/>
-              </a:xfrm>
-            </p:grpSpPr>
-            <p:pic>
-              <p:nvPicPr>
-                <p:cNvPr id="59" name="Picture 58"/>
-                <p:cNvPicPr>
-                  <a:picLocks noChangeAspect="1"/>
-                </p:cNvPicPr>
-                <p:nvPr/>
-              </p:nvPicPr>
-              <p:blipFill>
-                <a:blip r:embed="rId4">
-                  <a:extLst>
-                    <a:ext uri="{28A0092B-C50C-407E-A947-70E740481C1C}">
-                      <a14:useLocalDpi xmlns:a14="http://schemas.microsoft.com/office/drawing/2010/main" val="0"/>
-                    </a:ext>
-                  </a:extLst>
-                </a:blip>
-                <a:stretch>
-                  <a:fillRect/>
-                </a:stretch>
-              </p:blipFill>
-              <p:spPr>
-                <a:xfrm>
-                  <a:off x="4289818" y="3824222"/>
-                  <a:ext cx="934329" cy="934329"/>
-                </a:xfrm>
-                <a:prstGeom prst="rect">
-                  <a:avLst/>
-                </a:prstGeom>
-              </p:spPr>
-            </p:pic>
-            <p:pic>
-              <p:nvPicPr>
-                <p:cNvPr id="60" name="Picture 59"/>
-                <p:cNvPicPr>
-                  <a:picLocks noChangeAspect="1"/>
-                </p:cNvPicPr>
-                <p:nvPr/>
-              </p:nvPicPr>
-              <p:blipFill>
-                <a:blip r:embed="rId4">
-                  <a:extLst>
-                    <a:ext uri="{28A0092B-C50C-407E-A947-70E740481C1C}">
-                      <a14:useLocalDpi xmlns:a14="http://schemas.microsoft.com/office/drawing/2010/main" val="0"/>
-                    </a:ext>
-                  </a:extLst>
-                </a:blip>
-                <a:stretch>
-                  <a:fillRect/>
-                </a:stretch>
-              </p:blipFill>
-              <p:spPr>
-                <a:xfrm>
-                  <a:off x="4442218" y="3976622"/>
-                  <a:ext cx="934329" cy="934329"/>
-                </a:xfrm>
-                <a:prstGeom prst="rect">
-                  <a:avLst/>
-                </a:prstGeom>
-              </p:spPr>
-            </p:pic>
-            <p:pic>
-              <p:nvPicPr>
-                <p:cNvPr id="62" name="Picture 61"/>
-                <p:cNvPicPr>
-                  <a:picLocks noChangeAspect="1"/>
-                </p:cNvPicPr>
-                <p:nvPr/>
-              </p:nvPicPr>
-              <p:blipFill>
-                <a:blip r:embed="rId4">
-                  <a:extLst>
-                    <a:ext uri="{28A0092B-C50C-407E-A947-70E740481C1C}">
-                      <a14:useLocalDpi xmlns:a14="http://schemas.microsoft.com/office/drawing/2010/main" val="0"/>
-                    </a:ext>
-                  </a:extLst>
-                </a:blip>
-                <a:stretch>
-                  <a:fillRect/>
-                </a:stretch>
-              </p:blipFill>
-              <p:spPr>
-                <a:xfrm>
-                  <a:off x="4594618" y="4129022"/>
-                  <a:ext cx="934329" cy="934329"/>
-                </a:xfrm>
-                <a:prstGeom prst="rect">
-                  <a:avLst/>
-                </a:prstGeom>
-              </p:spPr>
-            </p:pic>
-          </p:grpSp>
-          <p:grpSp>
-            <p:nvGrpSpPr>
-              <p:cNvPr id="42" name="Group 41"/>
-              <p:cNvGrpSpPr/>
-              <p:nvPr/>
-            </p:nvGrpSpPr>
-            <p:grpSpPr>
-              <a:xfrm>
-                <a:off x="5948435" y="3835324"/>
-                <a:ext cx="1191327" cy="1113716"/>
-                <a:chOff x="5948435" y="3835324"/>
-                <a:chExt cx="1191327" cy="1113716"/>
-              </a:xfrm>
-            </p:grpSpPr>
-            <p:pic>
-              <p:nvPicPr>
-                <p:cNvPr id="57" name="Picture 56"/>
-                <p:cNvPicPr>
-                  <a:picLocks noChangeAspect="1"/>
-                </p:cNvPicPr>
-                <p:nvPr/>
-              </p:nvPicPr>
-              <p:blipFill>
-                <a:blip r:embed="rId4">
-                  <a:extLst>
-                    <a:ext uri="{28A0092B-C50C-407E-A947-70E740481C1C}">
-                      <a14:useLocalDpi xmlns:a14="http://schemas.microsoft.com/office/drawing/2010/main" val="0"/>
-                    </a:ext>
-                  </a:extLst>
-                </a:blip>
-                <a:stretch>
-                  <a:fillRect/>
-                </a:stretch>
-              </p:blipFill>
-              <p:spPr>
-                <a:xfrm>
-                  <a:off x="5948435" y="3835324"/>
-                  <a:ext cx="934329" cy="934329"/>
-                </a:xfrm>
-                <a:prstGeom prst="rect">
-                  <a:avLst/>
-                </a:prstGeom>
-              </p:spPr>
-            </p:pic>
-            <p:pic>
-              <p:nvPicPr>
-                <p:cNvPr id="58" name="Picture 57"/>
-                <p:cNvPicPr>
-                  <a:picLocks noChangeAspect="1"/>
-                </p:cNvPicPr>
-                <p:nvPr/>
-              </p:nvPicPr>
-              <p:blipFill>
-                <a:blip r:embed="rId4">
-                  <a:extLst>
-                    <a:ext uri="{28A0092B-C50C-407E-A947-70E740481C1C}">
-                      <a14:useLocalDpi xmlns:a14="http://schemas.microsoft.com/office/drawing/2010/main" val="0"/>
-                    </a:ext>
-                  </a:extLst>
-                </a:blip>
-                <a:stretch>
-                  <a:fillRect/>
-                </a:stretch>
-              </p:blipFill>
-              <p:spPr>
-                <a:xfrm>
-                  <a:off x="6205433" y="4014711"/>
-                  <a:ext cx="934329" cy="934329"/>
-                </a:xfrm>
-                <a:prstGeom prst="rect">
-                  <a:avLst/>
-                </a:prstGeom>
-              </p:spPr>
-            </p:pic>
-          </p:grpSp>
-          <p:grpSp>
-            <p:nvGrpSpPr>
-              <p:cNvPr id="43" name="Group 42"/>
-              <p:cNvGrpSpPr/>
-              <p:nvPr/>
-            </p:nvGrpSpPr>
-            <p:grpSpPr>
-              <a:xfrm>
-                <a:off x="7589053" y="3913833"/>
-                <a:ext cx="1239129" cy="1239129"/>
-                <a:chOff x="7589053" y="3913833"/>
-                <a:chExt cx="1239129" cy="1239129"/>
-              </a:xfrm>
-            </p:grpSpPr>
-            <p:pic>
-              <p:nvPicPr>
-                <p:cNvPr id="54" name="Picture 53"/>
-                <p:cNvPicPr>
-                  <a:picLocks noChangeAspect="1"/>
-                </p:cNvPicPr>
-                <p:nvPr/>
-              </p:nvPicPr>
-              <p:blipFill>
-                <a:blip r:embed="rId4">
-                  <a:extLst>
-                    <a:ext uri="{28A0092B-C50C-407E-A947-70E740481C1C}">
-                      <a14:useLocalDpi xmlns:a14="http://schemas.microsoft.com/office/drawing/2010/main" val="0"/>
-                    </a:ext>
-                  </a:extLst>
-                </a:blip>
-                <a:stretch>
-                  <a:fillRect/>
-                </a:stretch>
-              </p:blipFill>
-              <p:spPr>
-                <a:xfrm>
-                  <a:off x="7589053" y="3913833"/>
-                  <a:ext cx="934329" cy="934329"/>
-                </a:xfrm>
-                <a:prstGeom prst="rect">
-                  <a:avLst/>
-                </a:prstGeom>
-              </p:spPr>
-            </p:pic>
-            <p:pic>
-              <p:nvPicPr>
-                <p:cNvPr id="55" name="Picture 54"/>
-                <p:cNvPicPr>
-                  <a:picLocks noChangeAspect="1"/>
-                </p:cNvPicPr>
-                <p:nvPr/>
-              </p:nvPicPr>
-              <p:blipFill>
-                <a:blip r:embed="rId4">
-                  <a:extLst>
-                    <a:ext uri="{28A0092B-C50C-407E-A947-70E740481C1C}">
-                      <a14:useLocalDpi xmlns:a14="http://schemas.microsoft.com/office/drawing/2010/main" val="0"/>
-                    </a:ext>
-                  </a:extLst>
-                </a:blip>
-                <a:stretch>
-                  <a:fillRect/>
-                </a:stretch>
-              </p:blipFill>
-              <p:spPr>
-                <a:xfrm>
-                  <a:off x="7741453" y="4066233"/>
-                  <a:ext cx="934329" cy="934329"/>
-                </a:xfrm>
-                <a:prstGeom prst="rect">
-                  <a:avLst/>
-                </a:prstGeom>
-              </p:spPr>
-            </p:pic>
-            <p:pic>
-              <p:nvPicPr>
-                <p:cNvPr id="56" name="Picture 55"/>
-                <p:cNvPicPr>
-                  <a:picLocks noChangeAspect="1"/>
-                </p:cNvPicPr>
-                <p:nvPr/>
-              </p:nvPicPr>
-              <p:blipFill>
-                <a:blip r:embed="rId4">
-                  <a:extLst>
-                    <a:ext uri="{28A0092B-C50C-407E-A947-70E740481C1C}">
-                      <a14:useLocalDpi xmlns:a14="http://schemas.microsoft.com/office/drawing/2010/main" val="0"/>
-                    </a:ext>
-                  </a:extLst>
-                </a:blip>
-                <a:stretch>
-                  <a:fillRect/>
-                </a:stretch>
-              </p:blipFill>
-              <p:spPr>
-                <a:xfrm>
-                  <a:off x="7893853" y="4218633"/>
-                  <a:ext cx="934329" cy="934329"/>
-                </a:xfrm>
-                <a:prstGeom prst="rect">
-                  <a:avLst/>
-                </a:prstGeom>
-              </p:spPr>
-            </p:pic>
-          </p:grpSp>
-          <p:pic>
-            <p:nvPicPr>
-              <p:cNvPr id="44" name="Picture 43"/>
-              <p:cNvPicPr>
-                <a:picLocks noChangeAspect="1"/>
-              </p:cNvPicPr>
-              <p:nvPr/>
-            </p:nvPicPr>
-            <p:blipFill>
-              <a:blip r:embed="rId5">
-                <a:extLst>
-                  <a:ext uri="{28A0092B-C50C-407E-A947-70E740481C1C}">
-                    <a14:useLocalDpi xmlns:a14="http://schemas.microsoft.com/office/drawing/2010/main" val="0"/>
-                  </a:ext>
-                </a:extLst>
-              </a:blip>
-              <a:stretch>
-                <a:fillRect/>
-              </a:stretch>
-            </p:blipFill>
-            <p:spPr>
-              <a:xfrm>
-                <a:off x="5986797" y="1415188"/>
-                <a:ext cx="1371600" cy="1371600"/>
-              </a:xfrm>
-              <a:prstGeom prst="rect">
-                <a:avLst/>
-              </a:prstGeom>
-            </p:spPr>
-          </p:pic>
-          <p:sp>
-            <p:nvSpPr>
-              <p:cNvPr id="49" name="Rounded Rectangle 48"/>
-              <p:cNvSpPr/>
-              <p:nvPr/>
-            </p:nvSpPr>
-            <p:spPr>
-              <a:xfrm>
-                <a:off x="5641145" y="2786788"/>
-                <a:ext cx="2100308" cy="452430"/>
-              </a:xfrm>
-              <a:prstGeom prst="roundRect">
-                <a:avLst/>
-              </a:prstGeom>
-              <a:solidFill>
-                <a:srgbClr val="C00000"/>
-              </a:solidFill>
-              <a:ln>
-                <a:noFill/>
-              </a:ln>
-              <a:effectLst>
-                <a:glow rad="228600">
-                  <a:srgbClr val="C00000">
-                    <a:alpha val="40000"/>
-                  </a:srgbClr>
-                </a:glow>
-                <a:outerShdw blurRad="107950" dist="12700" dir="5400000" algn="ctr">
-                  <a:srgbClr val="000000"/>
-                </a:outerShdw>
-              </a:effectLst>
-              <a:scene3d>
-                <a:camera prst="orthographicFront">
-                  <a:rot lat="0" lon="0" rev="0"/>
-                </a:camera>
-                <a:lightRig rig="soft" dir="t">
-                  <a:rot lat="0" lon="0" rev="0"/>
-                </a:lightRig>
-              </a:scene3d>
-              <a:sp3d contourW="44450" prstMaterial="matte">
-                <a:bevelT w="63500" h="63500" prst="artDeco"/>
-                <a:contourClr>
-                  <a:srgbClr val="FFFFFF"/>
-                </a:contourClr>
-              </a:sp3d>
-            </p:spPr>
-            <p:style>
-              <a:lnRef idx="0">
-                <a:schemeClr val="accent6"/>
-              </a:lnRef>
-              <a:fillRef idx="3">
-                <a:schemeClr val="accent6"/>
-              </a:fillRef>
-              <a:effectRef idx="3">
-                <a:schemeClr val="accent6"/>
-              </a:effectRef>
-              <a:fontRef idx="minor">
-                <a:schemeClr val="lt1"/>
-              </a:fontRef>
-            </p:style>
-            <p:txBody>
-              <a:bodyPr rtlCol="0" anchor="ctr"/>
-              <a:lstStyle/>
-              <a:p>
-                <a:pPr algn="ctr"/>
-                <a:r>
-                  <a:rPr lang="en-US" sz="2000" b="1" dirty="0" err="1" smtClean="0">
-                    <a:effectLst>
-                      <a:outerShdw blurRad="38100" dist="38100" dir="2700000" algn="tl">
-                        <a:srgbClr val="000000">
-                          <a:alpha val="43137"/>
-                        </a:srgbClr>
-                      </a:outerShdw>
-                    </a:effectLst>
-                  </a:rPr>
-                  <a:t>Namenode</a:t>
-                </a:r>
-                <a:endParaRPr lang="en-US" sz="2000" b="1" dirty="0">
-                  <a:effectLst>
-                    <a:outerShdw blurRad="38100" dist="38100" dir="2700000" algn="tl">
-                      <a:srgbClr val="000000">
-                        <a:alpha val="43137"/>
-                      </a:srgbClr>
-                    </a:outerShdw>
-                  </a:effectLst>
-                </a:endParaRPr>
-              </a:p>
-            </p:txBody>
-          </p:sp>
-          <p:cxnSp>
-            <p:nvCxnSpPr>
-              <p:cNvPr id="50" name="Straight Arrow Connector 49"/>
-              <p:cNvCxnSpPr/>
-              <p:nvPr/>
-            </p:nvCxnSpPr>
-            <p:spPr>
-              <a:xfrm flipH="1">
-                <a:off x="5279003" y="3239218"/>
-                <a:ext cx="1417219" cy="840115"/>
-              </a:xfrm>
-              <a:prstGeom prst="straightConnector1">
-                <a:avLst/>
-              </a:prstGeom>
-              <a:ln w="12700">
-                <a:headEnd type="triangle"/>
-                <a:tailEnd type="triangle"/>
-              </a:ln>
-            </p:spPr>
-            <p:style>
-              <a:lnRef idx="1">
-                <a:schemeClr val="accent1"/>
-              </a:lnRef>
-              <a:fillRef idx="0">
-                <a:schemeClr val="accent1"/>
-              </a:fillRef>
-              <a:effectRef idx="0">
-                <a:schemeClr val="accent1"/>
-              </a:effectRef>
-              <a:fontRef idx="minor">
-                <a:schemeClr val="tx1"/>
-              </a:fontRef>
-            </p:style>
-          </p:cxnSp>
-          <p:cxnSp>
-            <p:nvCxnSpPr>
-              <p:cNvPr id="51" name="Straight Arrow Connector 50"/>
-              <p:cNvCxnSpPr/>
-              <p:nvPr/>
-            </p:nvCxnSpPr>
-            <p:spPr>
-              <a:xfrm>
-                <a:off x="6696222" y="3239218"/>
-                <a:ext cx="0" cy="674615"/>
-              </a:xfrm>
-              <a:prstGeom prst="straightConnector1">
-                <a:avLst/>
-              </a:prstGeom>
-              <a:ln w="12700">
-                <a:headEnd type="triangle"/>
-                <a:tailEnd type="triangle"/>
-              </a:ln>
-            </p:spPr>
-            <p:style>
-              <a:lnRef idx="1">
-                <a:schemeClr val="accent1"/>
-              </a:lnRef>
-              <a:fillRef idx="0">
-                <a:schemeClr val="accent1"/>
-              </a:fillRef>
-              <a:effectRef idx="0">
-                <a:schemeClr val="accent1"/>
-              </a:effectRef>
-              <a:fontRef idx="minor">
-                <a:schemeClr val="tx1"/>
-              </a:fontRef>
-            </p:style>
-          </p:cxnSp>
-          <p:cxnSp>
-            <p:nvCxnSpPr>
-              <p:cNvPr id="52" name="Straight Arrow Connector 51"/>
-              <p:cNvCxnSpPr/>
-              <p:nvPr/>
-            </p:nvCxnSpPr>
-            <p:spPr>
-              <a:xfrm>
-                <a:off x="6696222" y="3239218"/>
-                <a:ext cx="1359996" cy="674615"/>
-              </a:xfrm>
-              <a:prstGeom prst="straightConnector1">
-                <a:avLst/>
-              </a:prstGeom>
-              <a:ln>
-                <a:headEnd type="triangle"/>
-                <a:tailEnd type="triangle"/>
-              </a:ln>
-            </p:spPr>
-            <p:style>
-              <a:lnRef idx="1">
-                <a:schemeClr val="accent1"/>
-              </a:lnRef>
-              <a:fillRef idx="0">
-                <a:schemeClr val="accent1"/>
-              </a:fillRef>
-              <a:effectRef idx="0">
-                <a:schemeClr val="accent1"/>
-              </a:effectRef>
-              <a:fontRef idx="minor">
-                <a:schemeClr val="tx1"/>
-              </a:fontRef>
-            </p:style>
-          </p:cxnSp>
-          <p:cxnSp>
-            <p:nvCxnSpPr>
-              <p:cNvPr id="53" name="Straight Arrow Connector 52"/>
-              <p:cNvCxnSpPr>
-                <a:endCxn id="35" idx="0"/>
-              </p:cNvCxnSpPr>
-              <p:nvPr/>
-            </p:nvCxnSpPr>
-            <p:spPr>
-              <a:xfrm>
-                <a:off x="6696223" y="3239218"/>
-                <a:ext cx="3218648" cy="1756166"/>
-              </a:xfrm>
-              <a:prstGeom prst="straightConnector1">
-                <a:avLst/>
-              </a:prstGeom>
-              <a:ln w="12700">
-                <a:headEnd type="triangle"/>
-                <a:tailEnd type="triangle"/>
-              </a:ln>
-            </p:spPr>
-            <p:style>
-              <a:lnRef idx="1">
-                <a:schemeClr val="accent1"/>
-              </a:lnRef>
-              <a:fillRef idx="0">
-                <a:schemeClr val="accent1"/>
-              </a:fillRef>
-              <a:effectRef idx="0">
-                <a:schemeClr val="accent1"/>
-              </a:effectRef>
-              <a:fontRef idx="minor">
-                <a:schemeClr val="tx1"/>
-              </a:fontRef>
-            </p:style>
-          </p:cxnSp>
-        </p:grpSp>
-      </p:grpSp>
-      <p:sp>
-        <p:nvSpPr>
-          <p:cNvPr id="68" name="Rounded Rectangle 67"/>
-          <p:cNvSpPr/>
-          <p:nvPr/>
-        </p:nvSpPr>
-        <p:spPr>
-          <a:xfrm>
-            <a:off x="6018127" y="5395747"/>
-            <a:ext cx="1308940" cy="448817"/>
-          </a:xfrm>
-          <a:prstGeom prst="roundRect">
-            <a:avLst/>
-          </a:prstGeom>
-          <a:ln>
-            <a:noFill/>
-          </a:ln>
-          <a:effectLst>
-            <a:glow rad="139700">
-              <a:schemeClr val="accent5">
-                <a:satMod val="175000"/>
-                <a:alpha val="40000"/>
-              </a:schemeClr>
-            </a:glow>
-            <a:outerShdw blurRad="107950" dist="12700" dir="5400000" algn="ctr">
-              <a:srgbClr val="000000"/>
-            </a:outerShdw>
-          </a:effectLst>
-          <a:scene3d>
-            <a:camera prst="orthographicFront">
-              <a:rot lat="0" lon="0" rev="0"/>
-            </a:camera>
-            <a:lightRig rig="soft" dir="t">
-              <a:rot lat="0" lon="0" rev="0"/>
-            </a:lightRig>
-          </a:scene3d>
-          <a:sp3d contourW="44450" prstMaterial="matte">
-            <a:bevelT w="63500" h="63500" prst="artDeco"/>
-            <a:contourClr>
-              <a:srgbClr val="FFFFFF"/>
-            </a:contourClr>
-          </a:sp3d>
-        </p:spPr>
-        <p:style>
-          <a:lnRef idx="2">
-            <a:schemeClr val="accent1">
-              <a:shade val="50000"/>
-            </a:schemeClr>
-          </a:lnRef>
-          <a:fillRef idx="1">
-            <a:schemeClr val="accent1"/>
-          </a:fillRef>
-          <a:effectRef idx="0">
-            <a:schemeClr val="accent1"/>
-          </a:effectRef>
-          <a:fontRef idx="minor">
-            <a:schemeClr val="lt1"/>
-          </a:fontRef>
-        </p:style>
-        <p:txBody>
-          <a:bodyPr rtlCol="0" anchor="ctr"/>
-          <a:lstStyle/>
-          <a:p>
-            <a:pPr algn="ctr"/>
-            <a:r>
-              <a:rPr lang="en-US" b="1" dirty="0" err="1" smtClean="0">
-                <a:effectLst>
-                  <a:outerShdw blurRad="38100" dist="38100" dir="2700000" algn="tl">
-                    <a:srgbClr val="000000">
-                      <a:alpha val="43137"/>
-                    </a:srgbClr>
-                  </a:outerShdw>
-                </a:effectLst>
-              </a:rPr>
-              <a:t>Datanodes</a:t>
-            </a:r>
-            <a:endParaRPr lang="en-US" b="1" dirty="0">
-              <a:effectLst>
-                <a:outerShdw blurRad="38100" dist="38100" dir="2700000" algn="tl">
-                  <a:srgbClr val="000000">
-                    <a:alpha val="43137"/>
-                  </a:srgbClr>
-                </a:outerShdw>
-              </a:effectLst>
-            </a:endParaRPr>
-          </a:p>
-        </p:txBody>
-      </p:sp>
-      <p:pic>
-        <p:nvPicPr>
-          <p:cNvPr id="17" name="Picture 16"/>
-          <p:cNvPicPr>
-            <a:picLocks noChangeAspect="1"/>
-          </p:cNvPicPr>
-          <p:nvPr/>
-        </p:nvPicPr>
-        <p:blipFill>
-          <a:blip r:embed="rId6">
-            <a:extLst>
-              <a:ext uri="{28A0092B-C50C-407E-A947-70E740481C1C}">
-                <a14:useLocalDpi xmlns:a14="http://schemas.microsoft.com/office/drawing/2010/main" val="0"/>
-              </a:ext>
-            </a:extLst>
-          </a:blip>
-          <a:stretch>
-            <a:fillRect/>
-          </a:stretch>
-        </p:blipFill>
-        <p:spPr>
-          <a:xfrm>
-            <a:off x="5528947" y="952032"/>
-            <a:ext cx="1918060" cy="1918060"/>
-          </a:xfrm>
-          <a:prstGeom prst="rect">
-            <a:avLst/>
-          </a:prstGeom>
-        </p:spPr>
-      </p:pic>
-      <p:pic>
-        <p:nvPicPr>
-          <p:cNvPr id="6" name="Picture 5"/>
-          <p:cNvPicPr>
-            <a:picLocks noChangeAspect="1"/>
-          </p:cNvPicPr>
-          <p:nvPr/>
-        </p:nvPicPr>
-        <p:blipFill>
-          <a:blip r:embed="rId7">
-            <a:extLst>
-              <a:ext uri="{28A0092B-C50C-407E-A947-70E740481C1C}">
-                <a14:useLocalDpi xmlns:a14="http://schemas.microsoft.com/office/drawing/2010/main" val="0"/>
-              </a:ext>
-            </a:extLst>
-          </a:blip>
-          <a:stretch>
-            <a:fillRect/>
-          </a:stretch>
-        </p:blipFill>
-        <p:spPr>
-          <a:xfrm>
-            <a:off x="4066404" y="3689943"/>
-            <a:ext cx="1732078" cy="1732078"/>
-          </a:xfrm>
-          <a:prstGeom prst="rect">
-            <a:avLst/>
-          </a:prstGeom>
-        </p:spPr>
-      </p:pic>
-      <p:pic>
-        <p:nvPicPr>
-          <p:cNvPr id="70" name="Picture 69"/>
-          <p:cNvPicPr>
-            <a:picLocks noChangeAspect="1"/>
-          </p:cNvPicPr>
-          <p:nvPr/>
-        </p:nvPicPr>
-        <p:blipFill>
-          <a:blip r:embed="rId7">
-            <a:extLst>
-              <a:ext uri="{28A0092B-C50C-407E-A947-70E740481C1C}">
-                <a14:useLocalDpi xmlns:a14="http://schemas.microsoft.com/office/drawing/2010/main" val="0"/>
-              </a:ext>
-            </a:extLst>
-          </a:blip>
-          <a:stretch>
-            <a:fillRect/>
-          </a:stretch>
-        </p:blipFill>
-        <p:spPr>
-          <a:xfrm>
-            <a:off x="5690123" y="3659275"/>
-            <a:ext cx="1732078" cy="1732078"/>
-          </a:xfrm>
-          <a:prstGeom prst="rect">
-            <a:avLst/>
-          </a:prstGeom>
-        </p:spPr>
-      </p:pic>
-      <p:pic>
-        <p:nvPicPr>
-          <p:cNvPr id="71" name="Picture 70"/>
-          <p:cNvPicPr>
-            <a:picLocks noChangeAspect="1"/>
-          </p:cNvPicPr>
-          <p:nvPr/>
-        </p:nvPicPr>
-        <p:blipFill>
-          <a:blip r:embed="rId7">
-            <a:extLst>
-              <a:ext uri="{28A0092B-C50C-407E-A947-70E740481C1C}">
-                <a14:useLocalDpi xmlns:a14="http://schemas.microsoft.com/office/drawing/2010/main" val="0"/>
-              </a:ext>
-            </a:extLst>
-          </a:blip>
-          <a:stretch>
-            <a:fillRect/>
-          </a:stretch>
-        </p:blipFill>
-        <p:spPr>
-          <a:xfrm>
-            <a:off x="7354417" y="3824222"/>
-            <a:ext cx="1732078" cy="1732078"/>
-          </a:xfrm>
-          <a:prstGeom prst="rect">
-            <a:avLst/>
-          </a:prstGeom>
-        </p:spPr>
-      </p:pic>
-      <p:pic>
-        <p:nvPicPr>
-          <p:cNvPr id="72" name="Picture 71"/>
-          <p:cNvPicPr>
-            <a:picLocks noChangeAspect="1"/>
-          </p:cNvPicPr>
-          <p:nvPr/>
-        </p:nvPicPr>
-        <p:blipFill>
-          <a:blip r:embed="rId7">
-            <a:extLst>
-              <a:ext uri="{28A0092B-C50C-407E-A947-70E740481C1C}">
-                <a14:useLocalDpi xmlns:a14="http://schemas.microsoft.com/office/drawing/2010/main" val="0"/>
-              </a:ext>
-            </a:extLst>
-          </a:blip>
-          <a:stretch>
-            <a:fillRect/>
-          </a:stretch>
-        </p:blipFill>
-        <p:spPr>
-          <a:xfrm>
-            <a:off x="9026686" y="5058379"/>
-            <a:ext cx="1732078" cy="1732078"/>
-          </a:xfrm>
-          <a:prstGeom prst="rect">
-            <a:avLst/>
-          </a:prstGeom>
-        </p:spPr>
-      </p:pic>
-    </p:spTree>
-    <p:extLst>
-      <p:ext uri="{BB962C8B-B14F-4D97-AF65-F5344CB8AC3E}">
-        <p14:creationId xmlns:p14="http://schemas.microsoft.com/office/powerpoint/2010/main" val="780789854"/>
       </p:ext>
     </p:extLst>
   </p:cSld>
